--- a/Apresentacao.pptx
+++ b/Apresentacao.pptx
@@ -4,12 +4,22 @@
   <p:sldMasterIdLst>
     <p:sldMasterId id="2147483942" r:id="rId1"/>
   </p:sldMasterIdLst>
+  <p:notesMasterIdLst>
+    <p:notesMasterId r:id="rId14"/>
+  </p:notesMasterIdLst>
   <p:sldIdLst>
     <p:sldId id="256" r:id="rId2"/>
     <p:sldId id="257" r:id="rId3"/>
     <p:sldId id="258" r:id="rId4"/>
     <p:sldId id="259" r:id="rId5"/>
-    <p:sldId id="260" r:id="rId6"/>
+    <p:sldId id="266" r:id="rId6"/>
+    <p:sldId id="267" r:id="rId7"/>
+    <p:sldId id="268" r:id="rId8"/>
+    <p:sldId id="269" r:id="rId9"/>
+    <p:sldId id="264" r:id="rId10"/>
+    <p:sldId id="262" r:id="rId11"/>
+    <p:sldId id="263" r:id="rId12"/>
+    <p:sldId id="261" r:id="rId13"/>
   </p:sldIdLst>
   <p:sldSz cx="12192000" cy="6858000"/>
   <p:notesSz cx="6858000" cy="9144000"/>
@@ -109,6 +119,799 @@
     </a:lvl9pPr>
   </p:defaultTextStyle>
 </p:presentation>
+</file>
+
+<file path=ppt/ink/ink1.xml><?xml version="1.0" encoding="utf-8"?>
+<inkml:ink xmlns:inkml="http://www.w3.org/2003/InkML">
+  <inkml:definitions>
+    <inkml:context xml:id="ctx0">
+      <inkml:inkSource xml:id="inkSrc0">
+        <inkml:traceFormat>
+          <inkml:channel name="X" type="integer" min="-2.14748E9" max="2.14748E9" units="cm"/>
+          <inkml:channel name="Y" type="integer" min="-2.14748E9" max="2.14748E9" units="cm"/>
+        </inkml:traceFormat>
+        <inkml:channelProperties>
+          <inkml:channelProperty channel="X" name="resolution" value="1000" units="1/cm"/>
+          <inkml:channelProperty channel="Y" name="resolution" value="1000" units="1/cm"/>
+        </inkml:channelProperties>
+      </inkml:inkSource>
+      <inkml:timestamp xml:id="ts0" timeString="2018-09-23T01:25:44.491"/>
+    </inkml:context>
+    <inkml:brush xml:id="br0">
+      <inkml:brushProperty name="width" value="0.05" units="cm"/>
+      <inkml:brushProperty name="height" value="0.05" units="cm"/>
+      <inkml:brushProperty name="color" value="#FFFFFF"/>
+      <inkml:brushProperty name="ignorePressure" value="1"/>
+    </inkml:brush>
+  </inkml:definitions>
+  <inkml:trace contextRef="#ctx0" brushRef="#br0">84 0,'0'0,"0"0,-3 0,-5 0,-4 0,-3 4,-3 3,3 2,2-2</inkml:trace>
+</inkml:ink>
+</file>
+
+<file path=ppt/ink/ink2.xml><?xml version="1.0" encoding="utf-8"?>
+<inkml:ink xmlns:inkml="http://www.w3.org/2003/InkML">
+  <inkml:definitions>
+    <inkml:context xml:id="ctx0">
+      <inkml:inkSource xml:id="inkSrc0">
+        <inkml:traceFormat>
+          <inkml:channel name="X" type="integer" min="-2.14748E9" max="2.14748E9" units="cm"/>
+          <inkml:channel name="Y" type="integer" min="-2.14748E9" max="2.14748E9" units="cm"/>
+        </inkml:traceFormat>
+        <inkml:channelProperties>
+          <inkml:channelProperty channel="X" name="resolution" value="1000" units="1/cm"/>
+          <inkml:channelProperty channel="Y" name="resolution" value="1000" units="1/cm"/>
+        </inkml:channelProperties>
+      </inkml:inkSource>
+      <inkml:timestamp xml:id="ts0" timeString="2018-09-23T01:25:45.961"/>
+    </inkml:context>
+    <inkml:brush xml:id="br0">
+      <inkml:brushProperty name="width" value="0.05" units="cm"/>
+      <inkml:brushProperty name="height" value="0.05" units="cm"/>
+      <inkml:brushProperty name="color" value="#FFFFFF"/>
+      <inkml:brushProperty name="ignorePressure" value="1"/>
+    </inkml:brush>
+  </inkml:definitions>
+  <inkml:trace contextRef="#ctx0" brushRef="#br0">1 0,'0'0,"0"0,0 0,0 0,0 0,0 0,0 0,0 0,0 0,0 0,0 0,0 0</inkml:trace>
+</inkml:ink>
+</file>
+
+<file path=ppt/ink/ink3.xml><?xml version="1.0" encoding="utf-8"?>
+<inkml:ink xmlns:inkml="http://www.w3.org/2003/InkML">
+  <inkml:definitions>
+    <inkml:context xml:id="ctx0">
+      <inkml:inkSource xml:id="inkSrc0">
+        <inkml:traceFormat>
+          <inkml:channel name="X" type="integer" min="-2.14748E9" max="2.14748E9" units="cm"/>
+          <inkml:channel name="Y" type="integer" min="-2.14748E9" max="2.14748E9" units="cm"/>
+        </inkml:traceFormat>
+        <inkml:channelProperties>
+          <inkml:channelProperty channel="X" name="resolution" value="1000" units="1/cm"/>
+          <inkml:channelProperty channel="Y" name="resolution" value="1000" units="1/cm"/>
+        </inkml:channelProperties>
+      </inkml:inkSource>
+      <inkml:timestamp xml:id="ts0" timeString="2018-09-23T01:32:10.421"/>
+    </inkml:context>
+    <inkml:brush xml:id="br0">
+      <inkml:brushProperty name="width" value="0.05" units="cm"/>
+      <inkml:brushProperty name="height" value="0.05" units="cm"/>
+      <inkml:brushProperty name="color" value="#FFFFFF"/>
+      <inkml:brushProperty name="ignorePressure" value="1"/>
+    </inkml:brush>
+  </inkml:definitions>
+  <inkml:trace contextRef="#ctx0" brushRef="#br0">1 1,'2829'2829,"-2814"-2814</inkml:trace>
+</inkml:ink>
+</file>
+
+<file path=ppt/ink/ink4.xml><?xml version="1.0" encoding="utf-8"?>
+<inkml:ink xmlns:inkml="http://www.w3.org/2003/InkML">
+  <inkml:definitions>
+    <inkml:context xml:id="ctx0">
+      <inkml:inkSource xml:id="inkSrc0">
+        <inkml:traceFormat>
+          <inkml:channel name="X" type="integer" min="-2.14748E9" max="2.14748E9" units="cm"/>
+          <inkml:channel name="Y" type="integer" min="-2.14748E9" max="2.14748E9" units="cm"/>
+        </inkml:traceFormat>
+        <inkml:channelProperties>
+          <inkml:channelProperty channel="X" name="resolution" value="1000" units="1/cm"/>
+          <inkml:channelProperty channel="Y" name="resolution" value="1000" units="1/cm"/>
+        </inkml:channelProperties>
+      </inkml:inkSource>
+      <inkml:timestamp xml:id="ts0" timeString="2018-09-23T01:33:04.917"/>
+    </inkml:context>
+    <inkml:brush xml:id="br0">
+      <inkml:brushProperty name="width" value="0.05" units="cm"/>
+      <inkml:brushProperty name="height" value="0.05" units="cm"/>
+      <inkml:brushProperty name="color" value="#FFFFFF"/>
+      <inkml:brushProperty name="ignorePressure" value="1"/>
+    </inkml:brush>
+  </inkml:definitions>
+  <inkml:trace contextRef="#ctx0" brushRef="#br0">1 1,'2748'2749,"-2737"-2739</inkml:trace>
+</inkml:ink>
+</file>
+
+<file path=ppt/notesMasters/notesMaster1.xml><?xml version="1.0" encoding="utf-8"?>
+<p:notesMaster xmlns:a="http://schemas.openxmlformats.org/drawingml/2006/main" xmlns:r="http://schemas.openxmlformats.org/officeDocument/2006/relationships" xmlns:p="http://schemas.openxmlformats.org/presentationml/2006/main">
+  <p:cSld>
+    <p:bg>
+      <p:bgRef idx="1001">
+        <a:schemeClr val="bg1"/>
+      </p:bgRef>
+    </p:bg>
+    <p:spTree>
+      <p:nvGrpSpPr>
+        <p:cNvPr id="1" name=""/>
+        <p:cNvGrpSpPr/>
+        <p:nvPr/>
+      </p:nvGrpSpPr>
+      <p:grpSpPr>
+        <a:xfrm>
+          <a:off x="0" y="0"/>
+          <a:ext cx="0" cy="0"/>
+          <a:chOff x="0" y="0"/>
+          <a:chExt cx="0" cy="0"/>
+        </a:xfrm>
+      </p:grpSpPr>
+      <p:sp>
+        <p:nvSpPr>
+          <p:cNvPr id="2" name="Espaço Reservado para Cabeçalho 1"/>
+          <p:cNvSpPr>
+            <a:spLocks noGrp="1"/>
+          </p:cNvSpPr>
+          <p:nvPr>
+            <p:ph type="hdr" sz="quarter"/>
+          </p:nvPr>
+        </p:nvSpPr>
+        <p:spPr>
+          <a:xfrm>
+            <a:off x="0" y="0"/>
+            <a:ext cx="2971800" cy="458788"/>
+          </a:xfrm>
+          <a:prstGeom prst="rect">
+            <a:avLst/>
+          </a:prstGeom>
+        </p:spPr>
+        <p:txBody>
+          <a:bodyPr vert="horz" lIns="91440" tIns="45720" rIns="91440" bIns="45720" rtlCol="0"/>
+          <a:lstStyle>
+            <a:lvl1pPr algn="l">
+              <a:defRPr sz="1200"/>
+            </a:lvl1pPr>
+          </a:lstStyle>
+          <a:p>
+            <a:endParaRPr lang="pt-BR"/>
+          </a:p>
+        </p:txBody>
+      </p:sp>
+      <p:sp>
+        <p:nvSpPr>
+          <p:cNvPr id="3" name="Espaço Reservado para Data 2"/>
+          <p:cNvSpPr>
+            <a:spLocks noGrp="1"/>
+          </p:cNvSpPr>
+          <p:nvPr>
+            <p:ph type="dt" idx="1"/>
+          </p:nvPr>
+        </p:nvSpPr>
+        <p:spPr>
+          <a:xfrm>
+            <a:off x="3884613" y="0"/>
+            <a:ext cx="2971800" cy="458788"/>
+          </a:xfrm>
+          <a:prstGeom prst="rect">
+            <a:avLst/>
+          </a:prstGeom>
+        </p:spPr>
+        <p:txBody>
+          <a:bodyPr vert="horz" lIns="91440" tIns="45720" rIns="91440" bIns="45720" rtlCol="0"/>
+          <a:lstStyle>
+            <a:lvl1pPr algn="r">
+              <a:defRPr sz="1200"/>
+            </a:lvl1pPr>
+          </a:lstStyle>
+          <a:p>
+            <a:fld id="{85D7FCD4-F142-4F8D-94BE-846D98D9D67F}" type="datetimeFigureOut">
+              <a:rPr lang="pt-BR" smtClean="0"/>
+              <a:t>22/09/2018</a:t>
+            </a:fld>
+            <a:endParaRPr lang="pt-BR"/>
+          </a:p>
+        </p:txBody>
+      </p:sp>
+      <p:sp>
+        <p:nvSpPr>
+          <p:cNvPr id="4" name="Espaço Reservado para Imagem de Slide 3"/>
+          <p:cNvSpPr>
+            <a:spLocks noGrp="1" noRot="1" noChangeAspect="1"/>
+          </p:cNvSpPr>
+          <p:nvPr>
+            <p:ph type="sldImg" idx="2"/>
+          </p:nvPr>
+        </p:nvSpPr>
+        <p:spPr>
+          <a:xfrm>
+            <a:off x="685800" y="1143000"/>
+            <a:ext cx="5486400" cy="3086100"/>
+          </a:xfrm>
+          <a:prstGeom prst="rect">
+            <a:avLst/>
+          </a:prstGeom>
+          <a:noFill/>
+          <a:ln w="12700">
+            <a:solidFill>
+              <a:prstClr val="black"/>
+            </a:solidFill>
+          </a:ln>
+        </p:spPr>
+        <p:txBody>
+          <a:bodyPr vert="horz" lIns="91440" tIns="45720" rIns="91440" bIns="45720" rtlCol="0" anchor="ctr"/>
+          <a:lstStyle/>
+          <a:p>
+            <a:endParaRPr lang="pt-BR"/>
+          </a:p>
+        </p:txBody>
+      </p:sp>
+      <p:sp>
+        <p:nvSpPr>
+          <p:cNvPr id="5" name="Espaço Reservado para Anotações 4"/>
+          <p:cNvSpPr>
+            <a:spLocks noGrp="1"/>
+          </p:cNvSpPr>
+          <p:nvPr>
+            <p:ph type="body" sz="quarter" idx="3"/>
+          </p:nvPr>
+        </p:nvSpPr>
+        <p:spPr>
+          <a:xfrm>
+            <a:off x="685800" y="4400550"/>
+            <a:ext cx="5486400" cy="3600450"/>
+          </a:xfrm>
+          <a:prstGeom prst="rect">
+            <a:avLst/>
+          </a:prstGeom>
+        </p:spPr>
+        <p:txBody>
+          <a:bodyPr vert="horz" lIns="91440" tIns="45720" rIns="91440" bIns="45720" rtlCol="0"/>
+          <a:lstStyle/>
+          <a:p>
+            <a:pPr lvl="0"/>
+            <a:r>
+              <a:rPr lang="pt-BR"/>
+              <a:t>Editar estilos de texto Mestre</a:t>
+            </a:r>
+          </a:p>
+          <a:p>
+            <a:pPr lvl="1"/>
+            <a:r>
+              <a:rPr lang="pt-BR"/>
+              <a:t>Segundo nível</a:t>
+            </a:r>
+          </a:p>
+          <a:p>
+            <a:pPr lvl="2"/>
+            <a:r>
+              <a:rPr lang="pt-BR"/>
+              <a:t>Terceiro nível</a:t>
+            </a:r>
+          </a:p>
+          <a:p>
+            <a:pPr lvl="3"/>
+            <a:r>
+              <a:rPr lang="pt-BR"/>
+              <a:t>Quarto nível</a:t>
+            </a:r>
+          </a:p>
+          <a:p>
+            <a:pPr lvl="4"/>
+            <a:r>
+              <a:rPr lang="pt-BR"/>
+              <a:t>Quinto nível</a:t>
+            </a:r>
+          </a:p>
+        </p:txBody>
+      </p:sp>
+      <p:sp>
+        <p:nvSpPr>
+          <p:cNvPr id="6" name="Espaço Reservado para Rodapé 5"/>
+          <p:cNvSpPr>
+            <a:spLocks noGrp="1"/>
+          </p:cNvSpPr>
+          <p:nvPr>
+            <p:ph type="ftr" sz="quarter" idx="4"/>
+          </p:nvPr>
+        </p:nvSpPr>
+        <p:spPr>
+          <a:xfrm>
+            <a:off x="0" y="8685213"/>
+            <a:ext cx="2971800" cy="458787"/>
+          </a:xfrm>
+          <a:prstGeom prst="rect">
+            <a:avLst/>
+          </a:prstGeom>
+        </p:spPr>
+        <p:txBody>
+          <a:bodyPr vert="horz" lIns="91440" tIns="45720" rIns="91440" bIns="45720" rtlCol="0" anchor="b"/>
+          <a:lstStyle>
+            <a:lvl1pPr algn="l">
+              <a:defRPr sz="1200"/>
+            </a:lvl1pPr>
+          </a:lstStyle>
+          <a:p>
+            <a:endParaRPr lang="pt-BR"/>
+          </a:p>
+        </p:txBody>
+      </p:sp>
+      <p:sp>
+        <p:nvSpPr>
+          <p:cNvPr id="7" name="Espaço Reservado para Número de Slide 6"/>
+          <p:cNvSpPr>
+            <a:spLocks noGrp="1"/>
+          </p:cNvSpPr>
+          <p:nvPr>
+            <p:ph type="sldNum" sz="quarter" idx="5"/>
+          </p:nvPr>
+        </p:nvSpPr>
+        <p:spPr>
+          <a:xfrm>
+            <a:off x="3884613" y="8685213"/>
+            <a:ext cx="2971800" cy="458787"/>
+          </a:xfrm>
+          <a:prstGeom prst="rect">
+            <a:avLst/>
+          </a:prstGeom>
+        </p:spPr>
+        <p:txBody>
+          <a:bodyPr vert="horz" lIns="91440" tIns="45720" rIns="91440" bIns="45720" rtlCol="0" anchor="b"/>
+          <a:lstStyle>
+            <a:lvl1pPr algn="r">
+              <a:defRPr sz="1200"/>
+            </a:lvl1pPr>
+          </a:lstStyle>
+          <a:p>
+            <a:fld id="{464191B7-E8B3-486D-94CD-E52289BAC6A9}" type="slidenum">
+              <a:rPr lang="pt-BR" smtClean="0"/>
+              <a:t>‹nº›</a:t>
+            </a:fld>
+            <a:endParaRPr lang="pt-BR"/>
+          </a:p>
+        </p:txBody>
+      </p:sp>
+    </p:spTree>
+    <p:extLst>
+      <p:ext uri="{BB962C8B-B14F-4D97-AF65-F5344CB8AC3E}">
+        <p14:creationId xmlns:p14="http://schemas.microsoft.com/office/powerpoint/2010/main" val="1317895604"/>
+      </p:ext>
+    </p:extLst>
+  </p:cSld>
+  <p:clrMap bg1="lt1" tx1="dk1" bg2="lt2" tx2="dk2" accent1="accent1" accent2="accent2" accent3="accent3" accent4="accent4" accent5="accent5" accent6="accent6" hlink="hlink" folHlink="folHlink"/>
+  <p:notesStyle>
+    <a:lvl1pPr marL="0" algn="l" defTabSz="914400" rtl="0" eaLnBrk="1" latinLnBrk="0" hangingPunct="1">
+      <a:defRPr sz="1200" kern="1200">
+        <a:solidFill>
+          <a:schemeClr val="tx1"/>
+        </a:solidFill>
+        <a:latin typeface="+mn-lt"/>
+        <a:ea typeface="+mn-ea"/>
+        <a:cs typeface="+mn-cs"/>
+      </a:defRPr>
+    </a:lvl1pPr>
+    <a:lvl2pPr marL="457200" algn="l" defTabSz="914400" rtl="0" eaLnBrk="1" latinLnBrk="0" hangingPunct="1">
+      <a:defRPr sz="1200" kern="1200">
+        <a:solidFill>
+          <a:schemeClr val="tx1"/>
+        </a:solidFill>
+        <a:latin typeface="+mn-lt"/>
+        <a:ea typeface="+mn-ea"/>
+        <a:cs typeface="+mn-cs"/>
+      </a:defRPr>
+    </a:lvl2pPr>
+    <a:lvl3pPr marL="914400" algn="l" defTabSz="914400" rtl="0" eaLnBrk="1" latinLnBrk="0" hangingPunct="1">
+      <a:defRPr sz="1200" kern="1200">
+        <a:solidFill>
+          <a:schemeClr val="tx1"/>
+        </a:solidFill>
+        <a:latin typeface="+mn-lt"/>
+        <a:ea typeface="+mn-ea"/>
+        <a:cs typeface="+mn-cs"/>
+      </a:defRPr>
+    </a:lvl3pPr>
+    <a:lvl4pPr marL="1371600" algn="l" defTabSz="914400" rtl="0" eaLnBrk="1" latinLnBrk="0" hangingPunct="1">
+      <a:defRPr sz="1200" kern="1200">
+        <a:solidFill>
+          <a:schemeClr val="tx1"/>
+        </a:solidFill>
+        <a:latin typeface="+mn-lt"/>
+        <a:ea typeface="+mn-ea"/>
+        <a:cs typeface="+mn-cs"/>
+      </a:defRPr>
+    </a:lvl4pPr>
+    <a:lvl5pPr marL="1828800" algn="l" defTabSz="914400" rtl="0" eaLnBrk="1" latinLnBrk="0" hangingPunct="1">
+      <a:defRPr sz="1200" kern="1200">
+        <a:solidFill>
+          <a:schemeClr val="tx1"/>
+        </a:solidFill>
+        <a:latin typeface="+mn-lt"/>
+        <a:ea typeface="+mn-ea"/>
+        <a:cs typeface="+mn-cs"/>
+      </a:defRPr>
+    </a:lvl5pPr>
+    <a:lvl6pPr marL="2286000" algn="l" defTabSz="914400" rtl="0" eaLnBrk="1" latinLnBrk="0" hangingPunct="1">
+      <a:defRPr sz="1200" kern="1200">
+        <a:solidFill>
+          <a:schemeClr val="tx1"/>
+        </a:solidFill>
+        <a:latin typeface="+mn-lt"/>
+        <a:ea typeface="+mn-ea"/>
+        <a:cs typeface="+mn-cs"/>
+      </a:defRPr>
+    </a:lvl6pPr>
+    <a:lvl7pPr marL="2743200" algn="l" defTabSz="914400" rtl="0" eaLnBrk="1" latinLnBrk="0" hangingPunct="1">
+      <a:defRPr sz="1200" kern="1200">
+        <a:solidFill>
+          <a:schemeClr val="tx1"/>
+        </a:solidFill>
+        <a:latin typeface="+mn-lt"/>
+        <a:ea typeface="+mn-ea"/>
+        <a:cs typeface="+mn-cs"/>
+      </a:defRPr>
+    </a:lvl7pPr>
+    <a:lvl8pPr marL="3200400" algn="l" defTabSz="914400" rtl="0" eaLnBrk="1" latinLnBrk="0" hangingPunct="1">
+      <a:defRPr sz="1200" kern="1200">
+        <a:solidFill>
+          <a:schemeClr val="tx1"/>
+        </a:solidFill>
+        <a:latin typeface="+mn-lt"/>
+        <a:ea typeface="+mn-ea"/>
+        <a:cs typeface="+mn-cs"/>
+      </a:defRPr>
+    </a:lvl8pPr>
+    <a:lvl9pPr marL="3657600" algn="l" defTabSz="914400" rtl="0" eaLnBrk="1" latinLnBrk="0" hangingPunct="1">
+      <a:defRPr sz="1200" kern="1200">
+        <a:solidFill>
+          <a:schemeClr val="tx1"/>
+        </a:solidFill>
+        <a:latin typeface="+mn-lt"/>
+        <a:ea typeface="+mn-ea"/>
+        <a:cs typeface="+mn-cs"/>
+      </a:defRPr>
+    </a:lvl9pPr>
+  </p:notesStyle>
+</p:notesMaster>
+</file>
+
+<file path=ppt/notesSlides/notesSlide1.xml><?xml version="1.0" encoding="utf-8"?>
+<p:notes xmlns:a="http://schemas.openxmlformats.org/drawingml/2006/main" xmlns:r="http://schemas.openxmlformats.org/officeDocument/2006/relationships" xmlns:p="http://schemas.openxmlformats.org/presentationml/2006/main">
+  <p:cSld>
+    <p:spTree>
+      <p:nvGrpSpPr>
+        <p:cNvPr id="1" name=""/>
+        <p:cNvGrpSpPr/>
+        <p:nvPr/>
+      </p:nvGrpSpPr>
+      <p:grpSpPr>
+        <a:xfrm>
+          <a:off x="0" y="0"/>
+          <a:ext cx="0" cy="0"/>
+          <a:chOff x="0" y="0"/>
+          <a:chExt cx="0" cy="0"/>
+        </a:xfrm>
+      </p:grpSpPr>
+      <p:sp>
+        <p:nvSpPr>
+          <p:cNvPr id="2" name="Espaço Reservado para Imagem de Slide 1"/>
+          <p:cNvSpPr>
+            <a:spLocks noGrp="1" noRot="1" noChangeAspect="1"/>
+          </p:cNvSpPr>
+          <p:nvPr>
+            <p:ph type="sldImg"/>
+          </p:nvPr>
+        </p:nvSpPr>
+        <p:spPr/>
+      </p:sp>
+      <p:sp>
+        <p:nvSpPr>
+          <p:cNvPr id="3" name="Espaço Reservado para Anotações 2"/>
+          <p:cNvSpPr>
+            <a:spLocks noGrp="1"/>
+          </p:cNvSpPr>
+          <p:nvPr>
+            <p:ph type="body" idx="1"/>
+          </p:nvPr>
+        </p:nvSpPr>
+        <p:spPr/>
+        <p:txBody>
+          <a:bodyPr/>
+          <a:lstStyle/>
+          <a:p>
+            <a:endParaRPr lang="pt-BR" dirty="0"/>
+          </a:p>
+        </p:txBody>
+      </p:sp>
+      <p:sp>
+        <p:nvSpPr>
+          <p:cNvPr id="4" name="Espaço Reservado para Número de Slide 3"/>
+          <p:cNvSpPr>
+            <a:spLocks noGrp="1"/>
+          </p:cNvSpPr>
+          <p:nvPr>
+            <p:ph type="sldNum" sz="quarter" idx="5"/>
+          </p:nvPr>
+        </p:nvSpPr>
+        <p:spPr/>
+        <p:txBody>
+          <a:bodyPr/>
+          <a:lstStyle/>
+          <a:p>
+            <a:fld id="{464191B7-E8B3-486D-94CD-E52289BAC6A9}" type="slidenum">
+              <a:rPr lang="pt-BR" smtClean="0"/>
+              <a:t>5</a:t>
+            </a:fld>
+            <a:endParaRPr lang="pt-BR"/>
+          </a:p>
+        </p:txBody>
+      </p:sp>
+    </p:spTree>
+    <p:extLst>
+      <p:ext uri="{BB962C8B-B14F-4D97-AF65-F5344CB8AC3E}">
+        <p14:creationId xmlns:p14="http://schemas.microsoft.com/office/powerpoint/2010/main" val="3358249763"/>
+      </p:ext>
+    </p:extLst>
+  </p:cSld>
+  <p:clrMapOvr>
+    <a:masterClrMapping/>
+  </p:clrMapOvr>
+</p:notes>
+</file>
+
+<file path=ppt/notesSlides/notesSlide2.xml><?xml version="1.0" encoding="utf-8"?>
+<p:notes xmlns:a="http://schemas.openxmlformats.org/drawingml/2006/main" xmlns:r="http://schemas.openxmlformats.org/officeDocument/2006/relationships" xmlns:p="http://schemas.openxmlformats.org/presentationml/2006/main">
+  <p:cSld>
+    <p:spTree>
+      <p:nvGrpSpPr>
+        <p:cNvPr id="1" name=""/>
+        <p:cNvGrpSpPr/>
+        <p:nvPr/>
+      </p:nvGrpSpPr>
+      <p:grpSpPr>
+        <a:xfrm>
+          <a:off x="0" y="0"/>
+          <a:ext cx="0" cy="0"/>
+          <a:chOff x="0" y="0"/>
+          <a:chExt cx="0" cy="0"/>
+        </a:xfrm>
+      </p:grpSpPr>
+      <p:sp>
+        <p:nvSpPr>
+          <p:cNvPr id="2" name="Espaço Reservado para Imagem de Slide 1"/>
+          <p:cNvSpPr>
+            <a:spLocks noGrp="1" noRot="1" noChangeAspect="1"/>
+          </p:cNvSpPr>
+          <p:nvPr>
+            <p:ph type="sldImg"/>
+          </p:nvPr>
+        </p:nvSpPr>
+        <p:spPr/>
+      </p:sp>
+      <p:sp>
+        <p:nvSpPr>
+          <p:cNvPr id="3" name="Espaço Reservado para Anotações 2"/>
+          <p:cNvSpPr>
+            <a:spLocks noGrp="1"/>
+          </p:cNvSpPr>
+          <p:nvPr>
+            <p:ph type="body" idx="1"/>
+          </p:nvPr>
+        </p:nvSpPr>
+        <p:spPr/>
+        <p:txBody>
+          <a:bodyPr/>
+          <a:lstStyle/>
+          <a:p>
+            <a:endParaRPr lang="pt-BR" dirty="0"/>
+          </a:p>
+        </p:txBody>
+      </p:sp>
+      <p:sp>
+        <p:nvSpPr>
+          <p:cNvPr id="4" name="Espaço Reservado para Número de Slide 3"/>
+          <p:cNvSpPr>
+            <a:spLocks noGrp="1"/>
+          </p:cNvSpPr>
+          <p:nvPr>
+            <p:ph type="sldNum" sz="quarter" idx="5"/>
+          </p:nvPr>
+        </p:nvSpPr>
+        <p:spPr/>
+        <p:txBody>
+          <a:bodyPr/>
+          <a:lstStyle/>
+          <a:p>
+            <a:fld id="{464191B7-E8B3-486D-94CD-E52289BAC6A9}" type="slidenum">
+              <a:rPr lang="pt-BR" smtClean="0"/>
+              <a:t>6</a:t>
+            </a:fld>
+            <a:endParaRPr lang="pt-BR"/>
+          </a:p>
+        </p:txBody>
+      </p:sp>
+    </p:spTree>
+    <p:extLst>
+      <p:ext uri="{BB962C8B-B14F-4D97-AF65-F5344CB8AC3E}">
+        <p14:creationId xmlns:p14="http://schemas.microsoft.com/office/powerpoint/2010/main" val="3221855032"/>
+      </p:ext>
+    </p:extLst>
+  </p:cSld>
+  <p:clrMapOvr>
+    <a:masterClrMapping/>
+  </p:clrMapOvr>
+</p:notes>
+</file>
+
+<file path=ppt/notesSlides/notesSlide3.xml><?xml version="1.0" encoding="utf-8"?>
+<p:notes xmlns:a="http://schemas.openxmlformats.org/drawingml/2006/main" xmlns:r="http://schemas.openxmlformats.org/officeDocument/2006/relationships" xmlns:p="http://schemas.openxmlformats.org/presentationml/2006/main">
+  <p:cSld>
+    <p:spTree>
+      <p:nvGrpSpPr>
+        <p:cNvPr id="1" name=""/>
+        <p:cNvGrpSpPr/>
+        <p:nvPr/>
+      </p:nvGrpSpPr>
+      <p:grpSpPr>
+        <a:xfrm>
+          <a:off x="0" y="0"/>
+          <a:ext cx="0" cy="0"/>
+          <a:chOff x="0" y="0"/>
+          <a:chExt cx="0" cy="0"/>
+        </a:xfrm>
+      </p:grpSpPr>
+      <p:sp>
+        <p:nvSpPr>
+          <p:cNvPr id="2" name="Espaço Reservado para Imagem de Slide 1"/>
+          <p:cNvSpPr>
+            <a:spLocks noGrp="1" noRot="1" noChangeAspect="1"/>
+          </p:cNvSpPr>
+          <p:nvPr>
+            <p:ph type="sldImg"/>
+          </p:nvPr>
+        </p:nvSpPr>
+        <p:spPr/>
+      </p:sp>
+      <p:sp>
+        <p:nvSpPr>
+          <p:cNvPr id="3" name="Espaço Reservado para Anotações 2"/>
+          <p:cNvSpPr>
+            <a:spLocks noGrp="1"/>
+          </p:cNvSpPr>
+          <p:nvPr>
+            <p:ph type="body" idx="1"/>
+          </p:nvPr>
+        </p:nvSpPr>
+        <p:spPr/>
+        <p:txBody>
+          <a:bodyPr/>
+          <a:lstStyle/>
+          <a:p>
+            <a:endParaRPr lang="pt-BR" dirty="0"/>
+          </a:p>
+        </p:txBody>
+      </p:sp>
+      <p:sp>
+        <p:nvSpPr>
+          <p:cNvPr id="4" name="Espaço Reservado para Número de Slide 3"/>
+          <p:cNvSpPr>
+            <a:spLocks noGrp="1"/>
+          </p:cNvSpPr>
+          <p:nvPr>
+            <p:ph type="sldNum" sz="quarter" idx="5"/>
+          </p:nvPr>
+        </p:nvSpPr>
+        <p:spPr/>
+        <p:txBody>
+          <a:bodyPr/>
+          <a:lstStyle/>
+          <a:p>
+            <a:fld id="{464191B7-E8B3-486D-94CD-E52289BAC6A9}" type="slidenum">
+              <a:rPr lang="pt-BR" smtClean="0"/>
+              <a:t>7</a:t>
+            </a:fld>
+            <a:endParaRPr lang="pt-BR"/>
+          </a:p>
+        </p:txBody>
+      </p:sp>
+    </p:spTree>
+    <p:extLst>
+      <p:ext uri="{BB962C8B-B14F-4D97-AF65-F5344CB8AC3E}">
+        <p14:creationId xmlns:p14="http://schemas.microsoft.com/office/powerpoint/2010/main" val="3454354671"/>
+      </p:ext>
+    </p:extLst>
+  </p:cSld>
+  <p:clrMapOvr>
+    <a:masterClrMapping/>
+  </p:clrMapOvr>
+</p:notes>
+</file>
+
+<file path=ppt/notesSlides/notesSlide4.xml><?xml version="1.0" encoding="utf-8"?>
+<p:notes xmlns:a="http://schemas.openxmlformats.org/drawingml/2006/main" xmlns:r="http://schemas.openxmlformats.org/officeDocument/2006/relationships" xmlns:p="http://schemas.openxmlformats.org/presentationml/2006/main">
+  <p:cSld>
+    <p:spTree>
+      <p:nvGrpSpPr>
+        <p:cNvPr id="1" name=""/>
+        <p:cNvGrpSpPr/>
+        <p:nvPr/>
+      </p:nvGrpSpPr>
+      <p:grpSpPr>
+        <a:xfrm>
+          <a:off x="0" y="0"/>
+          <a:ext cx="0" cy="0"/>
+          <a:chOff x="0" y="0"/>
+          <a:chExt cx="0" cy="0"/>
+        </a:xfrm>
+      </p:grpSpPr>
+      <p:sp>
+        <p:nvSpPr>
+          <p:cNvPr id="2" name="Espaço Reservado para Imagem de Slide 1"/>
+          <p:cNvSpPr>
+            <a:spLocks noGrp="1" noRot="1" noChangeAspect="1"/>
+          </p:cNvSpPr>
+          <p:nvPr>
+            <p:ph type="sldImg"/>
+          </p:nvPr>
+        </p:nvSpPr>
+        <p:spPr/>
+      </p:sp>
+      <p:sp>
+        <p:nvSpPr>
+          <p:cNvPr id="3" name="Espaço Reservado para Anotações 2"/>
+          <p:cNvSpPr>
+            <a:spLocks noGrp="1"/>
+          </p:cNvSpPr>
+          <p:nvPr>
+            <p:ph type="body" idx="1"/>
+          </p:nvPr>
+        </p:nvSpPr>
+        <p:spPr/>
+        <p:txBody>
+          <a:bodyPr/>
+          <a:lstStyle/>
+          <a:p>
+            <a:endParaRPr lang="pt-BR" dirty="0"/>
+          </a:p>
+        </p:txBody>
+      </p:sp>
+      <p:sp>
+        <p:nvSpPr>
+          <p:cNvPr id="4" name="Espaço Reservado para Número de Slide 3"/>
+          <p:cNvSpPr>
+            <a:spLocks noGrp="1"/>
+          </p:cNvSpPr>
+          <p:nvPr>
+            <p:ph type="sldNum" sz="quarter" idx="5"/>
+          </p:nvPr>
+        </p:nvSpPr>
+        <p:spPr/>
+        <p:txBody>
+          <a:bodyPr/>
+          <a:lstStyle/>
+          <a:p>
+            <a:fld id="{464191B7-E8B3-486D-94CD-E52289BAC6A9}" type="slidenum">
+              <a:rPr lang="pt-BR" smtClean="0"/>
+              <a:t>8</a:t>
+            </a:fld>
+            <a:endParaRPr lang="pt-BR"/>
+          </a:p>
+        </p:txBody>
+      </p:sp>
+    </p:spTree>
+    <p:extLst>
+      <p:ext uri="{BB962C8B-B14F-4D97-AF65-F5344CB8AC3E}">
+        <p14:creationId xmlns:p14="http://schemas.microsoft.com/office/powerpoint/2010/main" val="905748010"/>
+      </p:ext>
+    </p:extLst>
+  </p:cSld>
+  <p:clrMapOvr>
+    <a:masterClrMapping/>
+  </p:clrMapOvr>
+</p:notes>
 </file>
 
 <file path=ppt/slideLayouts/slideLayout1.xml><?xml version="1.0" encoding="utf-8"?>
@@ -5883,6 +6686,1505 @@
 </p:sld>
 </file>
 
+<file path=ppt/slides/slide10.xml><?xml version="1.0" encoding="utf-8"?>
+<p:sld xmlns:a="http://schemas.openxmlformats.org/drawingml/2006/main" xmlns:r="http://schemas.openxmlformats.org/officeDocument/2006/relationships" xmlns:p="http://schemas.openxmlformats.org/presentationml/2006/main">
+  <p:cSld>
+    <p:spTree>
+      <p:nvGrpSpPr>
+        <p:cNvPr id="1" name=""/>
+        <p:cNvGrpSpPr/>
+        <p:nvPr/>
+      </p:nvGrpSpPr>
+      <p:grpSpPr>
+        <a:xfrm>
+          <a:off x="0" y="0"/>
+          <a:ext cx="0" cy="0"/>
+          <a:chOff x="0" y="0"/>
+          <a:chExt cx="0" cy="0"/>
+        </a:xfrm>
+      </p:grpSpPr>
+      <p:sp>
+        <p:nvSpPr>
+          <p:cNvPr id="2" name="Título 1">
+            <a:extLst>
+              <a:ext uri="{FF2B5EF4-FFF2-40B4-BE49-F238E27FC236}">
+                <a16:creationId xmlns:a16="http://schemas.microsoft.com/office/drawing/2014/main" id="{6D811184-239A-44CE-9921-B1A2FC5251CB}"/>
+              </a:ext>
+            </a:extLst>
+          </p:cNvPr>
+          <p:cNvSpPr>
+            <a:spLocks noGrp="1"/>
+          </p:cNvSpPr>
+          <p:nvPr>
+            <p:ph type="title"/>
+          </p:nvPr>
+        </p:nvSpPr>
+        <p:spPr>
+          <a:xfrm>
+            <a:off x="1930400" y="845653"/>
+            <a:ext cx="8610600" cy="1293028"/>
+          </a:xfrm>
+        </p:spPr>
+        <p:txBody>
+          <a:bodyPr>
+            <a:normAutofit fontScale="90000"/>
+          </a:bodyPr>
+          <a:lstStyle/>
+          <a:p>
+            <a:r>
+              <a:rPr lang="pt-BR" dirty="0"/>
+              <a:t>Meta-</a:t>
+            </a:r>
+            <a:r>
+              <a:rPr lang="pt-BR" dirty="0" err="1"/>
+              <a:t>heuristica</a:t>
+            </a:r>
+            <a:r>
+              <a:rPr lang="pt-BR" sz="4000" dirty="0"/>
+              <a:t>:</a:t>
+            </a:r>
+            <a:br>
+              <a:rPr lang="pt-BR" sz="4000" dirty="0"/>
+            </a:br>
+            <a:br>
+              <a:rPr lang="pt-BR" dirty="0"/>
+            </a:br>
+            <a:r>
+              <a:rPr lang="pt-BR" sz="2800" dirty="0" err="1"/>
+              <a:t>Simulated</a:t>
+            </a:r>
+            <a:r>
+              <a:rPr lang="pt-BR" sz="2800" dirty="0"/>
+              <a:t> </a:t>
+            </a:r>
+            <a:r>
+              <a:rPr lang="pt-BR" sz="2800" dirty="0" err="1"/>
+              <a:t>annealing</a:t>
+            </a:r>
+            <a:endParaRPr lang="pt-BR" sz="2800" dirty="0"/>
+          </a:p>
+        </p:txBody>
+      </p:sp>
+      <p:sp>
+        <p:nvSpPr>
+          <p:cNvPr id="3" name="Espaço Reservado para Conteúdo 2">
+            <a:extLst>
+              <a:ext uri="{FF2B5EF4-FFF2-40B4-BE49-F238E27FC236}">
+                <a16:creationId xmlns:a16="http://schemas.microsoft.com/office/drawing/2014/main" id="{C801B1CE-795C-4CCE-8B79-591E3815B698}"/>
+              </a:ext>
+            </a:extLst>
+          </p:cNvPr>
+          <p:cNvSpPr>
+            <a:spLocks noGrp="1"/>
+          </p:cNvSpPr>
+          <p:nvPr>
+            <p:ph idx="1"/>
+          </p:nvPr>
+        </p:nvSpPr>
+        <p:spPr>
+          <a:xfrm>
+            <a:off x="885511" y="2320206"/>
+            <a:ext cx="8807130" cy="849714"/>
+          </a:xfrm>
+        </p:spPr>
+        <p:txBody>
+          <a:bodyPr>
+            <a:normAutofit/>
+          </a:bodyPr>
+          <a:lstStyle/>
+          <a:p>
+            <a:pPr marL="0" indent="0">
+              <a:buNone/>
+            </a:pPr>
+            <a:r>
+              <a:rPr lang="pt-BR" dirty="0"/>
+              <a:t>	</a:t>
+            </a:r>
+            <a:r>
+              <a:rPr lang="pt-BR" sz="3200" dirty="0"/>
+              <a:t>Probabilidade</a:t>
+            </a:r>
+          </a:p>
+        </p:txBody>
+      </p:sp>
+      <mc:AlternateContent xmlns:mc="http://schemas.openxmlformats.org/markup-compatibility/2006">
+        <mc:Choice xmlns:a14="http://schemas.microsoft.com/office/drawing/2010/main" Requires="a14">
+          <p:sp>
+            <p:nvSpPr>
+              <p:cNvPr id="6" name="CaixaDeTexto 5">
+                <a:extLst>
+                  <a:ext uri="{FF2B5EF4-FFF2-40B4-BE49-F238E27FC236}">
+                    <a16:creationId xmlns:a16="http://schemas.microsoft.com/office/drawing/2014/main" id="{4A0F5F50-38C1-4947-94E4-F5BB9FB92F49}"/>
+                  </a:ext>
+                </a:extLst>
+              </p:cNvPr>
+              <p:cNvSpPr txBox="1"/>
+              <p:nvPr/>
+            </p:nvSpPr>
+            <p:spPr>
+              <a:xfrm>
+                <a:off x="702631" y="3120292"/>
+                <a:ext cx="10420978" cy="646331"/>
+              </a:xfrm>
+              <a:prstGeom prst="rect">
+                <a:avLst/>
+              </a:prstGeom>
+              <a:noFill/>
+            </p:spPr>
+            <p:txBody>
+              <a:bodyPr wrap="square" rtlCol="0">
+                <a:spAutoFit/>
+              </a:bodyPr>
+              <a:lstStyle/>
+              <a:p>
+                <a:pPr lvl="1"/>
+                <a14:m>
+                  <m:oMath xmlns:m="http://schemas.openxmlformats.org/officeDocument/2006/math">
+                    <m:r>
+                      <m:rPr>
+                        <m:sty m:val="p"/>
+                      </m:rPr>
+                      <a:rPr lang="pt-BR" sz="3600" i="1" smtClean="0">
+                        <a:latin typeface="Cambria Math" panose="02040503050406030204" pitchFamily="18" charset="0"/>
+                      </a:rPr>
+                      <m:t>Δ</m:t>
+                    </m:r>
+                    <m:r>
+                      <a:rPr lang="pt-BR" sz="3600" i="1" smtClean="0">
+                        <a:latin typeface="Cambria Math" panose="02040503050406030204" pitchFamily="18" charset="0"/>
+                      </a:rPr>
+                      <m:t>𝐸</m:t>
+                    </m:r>
+                  </m:oMath>
+                </a14:m>
+                <a:r>
+                  <a:rPr lang="pt-BR" sz="3600" dirty="0"/>
+                  <a:t> = </a:t>
+                </a:r>
+                <a:r>
+                  <a:rPr lang="pt-BR" sz="3600" dirty="0" err="1">
+                    <a:latin typeface="Arial" panose="020B0604020202020204" pitchFamily="34" charset="0"/>
+                    <a:cs typeface="Arial" panose="020B0604020202020204" pitchFamily="34" charset="0"/>
+                  </a:rPr>
+                  <a:t>novoValor</a:t>
+                </a:r>
+                <a:r>
+                  <a:rPr lang="pt-BR" sz="3600" dirty="0"/>
+                  <a:t> - </a:t>
+                </a:r>
+                <a:r>
+                  <a:rPr lang="pt-BR" sz="3600" dirty="0" err="1">
+                    <a:latin typeface="Arial" panose="020B0604020202020204" pitchFamily="34" charset="0"/>
+                    <a:cs typeface="Arial" panose="020B0604020202020204" pitchFamily="34" charset="0"/>
+                  </a:rPr>
+                  <a:t>valorCorrente</a:t>
+                </a:r>
+                <a:r>
+                  <a:rPr lang="pt-BR" sz="3600" dirty="0">
+                    <a:latin typeface="Arial" panose="020B0604020202020204" pitchFamily="34" charset="0"/>
+                    <a:cs typeface="Arial" panose="020B0604020202020204" pitchFamily="34" charset="0"/>
+                  </a:rPr>
+                  <a:t> </a:t>
+                </a:r>
+              </a:p>
+            </p:txBody>
+          </p:sp>
+        </mc:Choice>
+        <mc:Fallback>
+          <p:sp>
+            <p:nvSpPr>
+              <p:cNvPr id="6" name="CaixaDeTexto 5">
+                <a:extLst>
+                  <a:ext uri="{FF2B5EF4-FFF2-40B4-BE49-F238E27FC236}">
+                    <a16:creationId xmlns:a16="http://schemas.microsoft.com/office/drawing/2014/main" id="{4A0F5F50-38C1-4947-94E4-F5BB9FB92F49}"/>
+                  </a:ext>
+                </a:extLst>
+              </p:cNvPr>
+              <p:cNvSpPr txBox="1">
+                <a:spLocks noRot="1" noChangeAspect="1" noMove="1" noResize="1" noEditPoints="1" noAdjustHandles="1" noChangeArrowheads="1" noChangeShapeType="1" noTextEdit="1"/>
+              </p:cNvSpPr>
+              <p:nvPr/>
+            </p:nvSpPr>
+            <p:spPr>
+              <a:xfrm>
+                <a:off x="702631" y="3120292"/>
+                <a:ext cx="10420978" cy="646331"/>
+              </a:xfrm>
+              <a:prstGeom prst="rect">
+                <a:avLst/>
+              </a:prstGeom>
+              <a:blipFill>
+                <a:blip r:embed="rId2"/>
+                <a:stretch>
+                  <a:fillRect t="-15094" b="-34906"/>
+                </a:stretch>
+              </a:blipFill>
+            </p:spPr>
+            <p:txBody>
+              <a:bodyPr/>
+              <a:lstStyle/>
+              <a:p>
+                <a:r>
+                  <a:rPr lang="pt-BR">
+                    <a:noFill/>
+                  </a:rPr>
+                  <a:t> </a:t>
+                </a:r>
+              </a:p>
+            </p:txBody>
+          </p:sp>
+        </mc:Fallback>
+      </mc:AlternateContent>
+      <mc:AlternateContent xmlns:mc="http://schemas.openxmlformats.org/markup-compatibility/2006">
+        <mc:Choice xmlns:a14="http://schemas.microsoft.com/office/drawing/2010/main" Requires="a14">
+          <p:sp>
+            <p:nvSpPr>
+              <p:cNvPr id="4" name="CaixaDeTexto 3">
+                <a:extLst>
+                  <a:ext uri="{FF2B5EF4-FFF2-40B4-BE49-F238E27FC236}">
+                    <a16:creationId xmlns:a16="http://schemas.microsoft.com/office/drawing/2014/main" id="{A2FD5910-AC21-4794-ADFE-FF0C4D0EE54C}"/>
+                  </a:ext>
+                </a:extLst>
+              </p:cNvPr>
+              <p:cNvSpPr txBox="1"/>
+              <p:nvPr/>
+            </p:nvSpPr>
+            <p:spPr>
+              <a:xfrm>
+                <a:off x="885511" y="4201159"/>
+                <a:ext cx="5750560" cy="821250"/>
+              </a:xfrm>
+              <a:prstGeom prst="rect">
+                <a:avLst/>
+              </a:prstGeom>
+              <a:noFill/>
+            </p:spPr>
+            <p:txBody>
+              <a:bodyPr wrap="square" rtlCol="0">
+                <a:spAutoFit/>
+              </a:bodyPr>
+              <a:lstStyle/>
+              <a:p>
+                <a14:m>
+                  <m:oMathPara xmlns:m="http://schemas.openxmlformats.org/officeDocument/2006/math">
+                    <m:oMathParaPr>
+                      <m:jc m:val="centerGroup"/>
+                    </m:oMathParaPr>
+                    <m:oMath xmlns:m="http://schemas.openxmlformats.org/officeDocument/2006/math">
+                      <m:sSup>
+                        <m:sSupPr>
+                          <m:ctrlPr>
+                            <a:rPr lang="pt-BR" sz="3200" i="1" smtClean="0">
+                              <a:latin typeface="Cambria Math" panose="02040503050406030204" pitchFamily="18" charset="0"/>
+                            </a:rPr>
+                          </m:ctrlPr>
+                        </m:sSupPr>
+                        <m:e>
+                          <m:r>
+                            <a:rPr lang="pt-BR" sz="3200" b="0" i="1" smtClean="0">
+                              <a:latin typeface="Cambria Math" panose="02040503050406030204" pitchFamily="18" charset="0"/>
+                            </a:rPr>
+                            <m:t>𝑝𝑟𝑜𝑏𝑎𝑏𝑖𝑙𝑖𝑑𝑎𝑑𝑒</m:t>
+                          </m:r>
+                          <m:r>
+                            <a:rPr lang="pt-BR" sz="3200" b="0" i="1" smtClean="0">
+                              <a:latin typeface="Cambria Math" panose="02040503050406030204" pitchFamily="18" charset="0"/>
+                            </a:rPr>
+                            <m:t>= ⅇ</m:t>
+                          </m:r>
+                        </m:e>
+                        <m:sup>
+                          <m:f>
+                            <m:fPr>
+                              <m:ctrlPr>
+                                <a:rPr lang="pt-BR" sz="3200" i="1" smtClean="0">
+                                  <a:latin typeface="Cambria Math" panose="02040503050406030204" pitchFamily="18" charset="0"/>
+                                </a:rPr>
+                              </m:ctrlPr>
+                            </m:fPr>
+                            <m:num>
+                              <m:r>
+                                <a:rPr lang="pt-BR" sz="3200" b="0" i="1" smtClean="0">
+                                  <a:latin typeface="Cambria Math" panose="02040503050406030204" pitchFamily="18" charset="0"/>
+                                </a:rPr>
+                                <m:t>−</m:t>
+                              </m:r>
+                              <m:r>
+                                <m:rPr>
+                                  <m:sty m:val="p"/>
+                                </m:rPr>
+                                <a:rPr lang="pt-BR" sz="3200" i="1" smtClean="0">
+                                  <a:latin typeface="Cambria Math" panose="02040503050406030204" pitchFamily="18" charset="0"/>
+                                </a:rPr>
+                                <m:t>Δ</m:t>
+                              </m:r>
+                              <m:r>
+                                <a:rPr lang="pt-BR" sz="3200" i="1" smtClean="0">
+                                  <a:latin typeface="Cambria Math" panose="02040503050406030204" pitchFamily="18" charset="0"/>
+                                </a:rPr>
+                                <m:t>𝐸</m:t>
+                              </m:r>
+                            </m:num>
+                            <m:den>
+                              <m:r>
+                                <a:rPr lang="pt-BR" sz="3200" i="1" smtClean="0">
+                                  <a:latin typeface="Cambria Math" panose="02040503050406030204" pitchFamily="18" charset="0"/>
+                                </a:rPr>
+                                <m:t>𝑇</m:t>
+                              </m:r>
+                            </m:den>
+                          </m:f>
+                        </m:sup>
+                      </m:sSup>
+                    </m:oMath>
+                  </m:oMathPara>
+                </a14:m>
+                <a:endParaRPr lang="pt-BR" sz="3200" dirty="0"/>
+              </a:p>
+            </p:txBody>
+          </p:sp>
+        </mc:Choice>
+        <mc:Fallback>
+          <p:sp>
+            <p:nvSpPr>
+              <p:cNvPr id="4" name="CaixaDeTexto 3">
+                <a:extLst>
+                  <a:ext uri="{FF2B5EF4-FFF2-40B4-BE49-F238E27FC236}">
+                    <a16:creationId xmlns:a16="http://schemas.microsoft.com/office/drawing/2014/main" id="{A2FD5910-AC21-4794-ADFE-FF0C4D0EE54C}"/>
+                  </a:ext>
+                </a:extLst>
+              </p:cNvPr>
+              <p:cNvSpPr txBox="1">
+                <a:spLocks noRot="1" noChangeAspect="1" noMove="1" noResize="1" noEditPoints="1" noAdjustHandles="1" noChangeArrowheads="1" noChangeShapeType="1" noTextEdit="1"/>
+              </p:cNvSpPr>
+              <p:nvPr/>
+            </p:nvSpPr>
+            <p:spPr>
+              <a:xfrm>
+                <a:off x="885511" y="4201159"/>
+                <a:ext cx="5750560" cy="821250"/>
+              </a:xfrm>
+              <a:prstGeom prst="rect">
+                <a:avLst/>
+              </a:prstGeom>
+              <a:blipFill>
+                <a:blip r:embed="rId3"/>
+                <a:stretch>
+                  <a:fillRect/>
+                </a:stretch>
+              </a:blipFill>
+            </p:spPr>
+            <p:txBody>
+              <a:bodyPr/>
+              <a:lstStyle/>
+              <a:p>
+                <a:r>
+                  <a:rPr lang="pt-BR">
+                    <a:noFill/>
+                  </a:rPr>
+                  <a:t> </a:t>
+                </a:r>
+              </a:p>
+            </p:txBody>
+          </p:sp>
+        </mc:Fallback>
+      </mc:AlternateContent>
+      <p:sp>
+        <p:nvSpPr>
+          <p:cNvPr id="7" name="CaixaDeTexto 6">
+            <a:extLst>
+              <a:ext uri="{FF2B5EF4-FFF2-40B4-BE49-F238E27FC236}">
+                <a16:creationId xmlns:a16="http://schemas.microsoft.com/office/drawing/2014/main" id="{5E805D2A-596C-44AF-9ED5-BF3FA6ACD7EE}"/>
+              </a:ext>
+            </a:extLst>
+          </p:cNvPr>
+          <p:cNvSpPr txBox="1"/>
+          <p:nvPr/>
+        </p:nvSpPr>
+        <p:spPr>
+          <a:xfrm>
+            <a:off x="6441440" y="4072989"/>
+            <a:ext cx="5049520" cy="1477328"/>
+          </a:xfrm>
+          <a:prstGeom prst="rect">
+            <a:avLst/>
+          </a:prstGeom>
+          <a:noFill/>
+        </p:spPr>
+        <p:txBody>
+          <a:bodyPr wrap="square" rtlCol="0">
+            <a:spAutoFit/>
+          </a:bodyPr>
+          <a:lstStyle/>
+          <a:p>
+            <a:r>
+              <a:rPr lang="pt-BR" dirty="0" err="1"/>
+              <a:t>novoValor</a:t>
+            </a:r>
+            <a:r>
+              <a:rPr lang="pt-BR" dirty="0"/>
+              <a:t> -&gt; valor da função objetiva do vizinho </a:t>
+            </a:r>
+            <a:r>
+              <a:rPr lang="pt-BR" dirty="0" err="1"/>
+              <a:t>analizado</a:t>
+            </a:r>
+            <a:endParaRPr lang="pt-BR" dirty="0"/>
+          </a:p>
+          <a:p>
+            <a:endParaRPr lang="pt-BR" dirty="0"/>
+          </a:p>
+          <a:p>
+            <a:r>
+              <a:rPr lang="pt-BR" dirty="0" err="1"/>
+              <a:t>valorCorrente</a:t>
+            </a:r>
+            <a:r>
+              <a:rPr lang="pt-BR" dirty="0"/>
+              <a:t> -&gt; valor da função objetiva do vizinho anteriormente </a:t>
+            </a:r>
+            <a:r>
+              <a:rPr lang="pt-BR" dirty="0" err="1"/>
+              <a:t>analizado</a:t>
+            </a:r>
+            <a:r>
+              <a:rPr lang="pt-BR" dirty="0"/>
+              <a:t> </a:t>
+            </a:r>
+          </a:p>
+        </p:txBody>
+      </p:sp>
+    </p:spTree>
+    <p:extLst>
+      <p:ext uri="{BB962C8B-B14F-4D97-AF65-F5344CB8AC3E}">
+        <p14:creationId xmlns:p14="http://schemas.microsoft.com/office/powerpoint/2010/main" val="3727440235"/>
+      </p:ext>
+    </p:extLst>
+  </p:cSld>
+  <p:clrMapOvr>
+    <a:masterClrMapping/>
+  </p:clrMapOvr>
+</p:sld>
+</file>
+
+<file path=ppt/slides/slide11.xml><?xml version="1.0" encoding="utf-8"?>
+<p:sld xmlns:a="http://schemas.openxmlformats.org/drawingml/2006/main" xmlns:r="http://schemas.openxmlformats.org/officeDocument/2006/relationships" xmlns:p="http://schemas.openxmlformats.org/presentationml/2006/main">
+  <p:cSld>
+    <p:spTree>
+      <p:nvGrpSpPr>
+        <p:cNvPr id="1" name=""/>
+        <p:cNvGrpSpPr/>
+        <p:nvPr/>
+      </p:nvGrpSpPr>
+      <p:grpSpPr>
+        <a:xfrm>
+          <a:off x="0" y="0"/>
+          <a:ext cx="0" cy="0"/>
+          <a:chOff x="0" y="0"/>
+          <a:chExt cx="0" cy="0"/>
+        </a:xfrm>
+      </p:grpSpPr>
+      <p:sp>
+        <p:nvSpPr>
+          <p:cNvPr id="2" name="Título 1">
+            <a:extLst>
+              <a:ext uri="{FF2B5EF4-FFF2-40B4-BE49-F238E27FC236}">
+                <a16:creationId xmlns:a16="http://schemas.microsoft.com/office/drawing/2014/main" id="{6D811184-239A-44CE-9921-B1A2FC5251CB}"/>
+              </a:ext>
+            </a:extLst>
+          </p:cNvPr>
+          <p:cNvSpPr>
+            <a:spLocks noGrp="1"/>
+          </p:cNvSpPr>
+          <p:nvPr>
+            <p:ph type="title"/>
+          </p:nvPr>
+        </p:nvSpPr>
+        <p:spPr>
+          <a:xfrm>
+            <a:off x="1930400" y="845653"/>
+            <a:ext cx="8610600" cy="1293028"/>
+          </a:xfrm>
+        </p:spPr>
+        <p:txBody>
+          <a:bodyPr>
+            <a:normAutofit fontScale="90000"/>
+          </a:bodyPr>
+          <a:lstStyle/>
+          <a:p>
+            <a:r>
+              <a:rPr lang="pt-BR" dirty="0"/>
+              <a:t>Meta-</a:t>
+            </a:r>
+            <a:r>
+              <a:rPr lang="pt-BR" dirty="0" err="1"/>
+              <a:t>heuristica</a:t>
+            </a:r>
+            <a:r>
+              <a:rPr lang="pt-BR" sz="4000" dirty="0"/>
+              <a:t>:</a:t>
+            </a:r>
+            <a:br>
+              <a:rPr lang="pt-BR" sz="4000" dirty="0"/>
+            </a:br>
+            <a:br>
+              <a:rPr lang="pt-BR" dirty="0"/>
+            </a:br>
+            <a:r>
+              <a:rPr lang="pt-BR" sz="2800" dirty="0" err="1"/>
+              <a:t>Simulated</a:t>
+            </a:r>
+            <a:r>
+              <a:rPr lang="pt-BR" sz="2800" dirty="0"/>
+              <a:t> </a:t>
+            </a:r>
+            <a:r>
+              <a:rPr lang="pt-BR" sz="2800" dirty="0" err="1"/>
+              <a:t>annealing</a:t>
+            </a:r>
+            <a:endParaRPr lang="pt-BR" sz="2800" dirty="0"/>
+          </a:p>
+        </p:txBody>
+      </p:sp>
+      <p:sp>
+        <p:nvSpPr>
+          <p:cNvPr id="3" name="Espaço Reservado para Conteúdo 2">
+            <a:extLst>
+              <a:ext uri="{FF2B5EF4-FFF2-40B4-BE49-F238E27FC236}">
+                <a16:creationId xmlns:a16="http://schemas.microsoft.com/office/drawing/2014/main" id="{C801B1CE-795C-4CCE-8B79-591E3815B698}"/>
+              </a:ext>
+            </a:extLst>
+          </p:cNvPr>
+          <p:cNvSpPr>
+            <a:spLocks noGrp="1"/>
+          </p:cNvSpPr>
+          <p:nvPr>
+            <p:ph idx="1"/>
+          </p:nvPr>
+        </p:nvSpPr>
+        <p:spPr>
+          <a:xfrm>
+            <a:off x="885511" y="2320206"/>
+            <a:ext cx="8807130" cy="849714"/>
+          </a:xfrm>
+        </p:spPr>
+        <p:txBody>
+          <a:bodyPr>
+            <a:normAutofit/>
+          </a:bodyPr>
+          <a:lstStyle/>
+          <a:p>
+            <a:pPr marL="0" indent="0">
+              <a:buNone/>
+            </a:pPr>
+            <a:r>
+              <a:rPr lang="pt-BR" dirty="0"/>
+              <a:t>	</a:t>
+            </a:r>
+            <a:r>
+              <a:rPr lang="pt-BR" sz="3200" dirty="0"/>
+              <a:t>Temperatura</a:t>
+            </a:r>
+          </a:p>
+        </p:txBody>
+      </p:sp>
+      <p:sp>
+        <p:nvSpPr>
+          <p:cNvPr id="6" name="CaixaDeTexto 5">
+            <a:extLst>
+              <a:ext uri="{FF2B5EF4-FFF2-40B4-BE49-F238E27FC236}">
+                <a16:creationId xmlns:a16="http://schemas.microsoft.com/office/drawing/2014/main" id="{4A0F5F50-38C1-4947-94E4-F5BB9FB92F49}"/>
+              </a:ext>
+            </a:extLst>
+          </p:cNvPr>
+          <p:cNvSpPr txBox="1"/>
+          <p:nvPr/>
+        </p:nvSpPr>
+        <p:spPr>
+          <a:xfrm>
+            <a:off x="1056640" y="3596640"/>
+            <a:ext cx="9784080" cy="1200329"/>
+          </a:xfrm>
+          <a:prstGeom prst="rect">
+            <a:avLst/>
+          </a:prstGeom>
+          <a:noFill/>
+        </p:spPr>
+        <p:txBody>
+          <a:bodyPr wrap="square" rtlCol="0">
+            <a:spAutoFit/>
+          </a:bodyPr>
+          <a:lstStyle/>
+          <a:p>
+            <a:pPr lvl="1"/>
+            <a:endParaRPr lang="pt-BR" dirty="0"/>
+          </a:p>
+          <a:p>
+            <a:pPr lvl="1"/>
+            <a:endParaRPr lang="pt-BR" dirty="0"/>
+          </a:p>
+          <a:p>
+            <a:pPr lvl="1"/>
+            <a:endParaRPr lang="pt-BR" dirty="0"/>
+          </a:p>
+          <a:p>
+            <a:pPr marL="742950" lvl="1" indent="-285750">
+              <a:buFont typeface="Wingdings" panose="05000000000000000000" pitchFamily="2" charset="2"/>
+              <a:buChar char="q"/>
+            </a:pPr>
+            <a:endParaRPr lang="pt-BR" dirty="0"/>
+          </a:p>
+        </p:txBody>
+      </p:sp>
+    </p:spTree>
+    <p:extLst>
+      <p:ext uri="{BB962C8B-B14F-4D97-AF65-F5344CB8AC3E}">
+        <p14:creationId xmlns:p14="http://schemas.microsoft.com/office/powerpoint/2010/main" val="2562873805"/>
+      </p:ext>
+    </p:extLst>
+  </p:cSld>
+  <p:clrMapOvr>
+    <a:masterClrMapping/>
+  </p:clrMapOvr>
+</p:sld>
+</file>
+
+<file path=ppt/slides/slide12.xml><?xml version="1.0" encoding="utf-8"?>
+<p:sld xmlns:a="http://schemas.openxmlformats.org/drawingml/2006/main" xmlns:r="http://schemas.openxmlformats.org/officeDocument/2006/relationships" xmlns:p="http://schemas.openxmlformats.org/presentationml/2006/main">
+  <p:cSld>
+    <p:spTree>
+      <p:nvGrpSpPr>
+        <p:cNvPr id="1" name=""/>
+        <p:cNvGrpSpPr/>
+        <p:nvPr/>
+      </p:nvGrpSpPr>
+      <p:grpSpPr>
+        <a:xfrm>
+          <a:off x="0" y="0"/>
+          <a:ext cx="0" cy="0"/>
+          <a:chOff x="0" y="0"/>
+          <a:chExt cx="0" cy="0"/>
+        </a:xfrm>
+      </p:grpSpPr>
+      <p:sp>
+        <p:nvSpPr>
+          <p:cNvPr id="2" name="Título 1">
+            <a:extLst>
+              <a:ext uri="{FF2B5EF4-FFF2-40B4-BE49-F238E27FC236}">
+                <a16:creationId xmlns:a16="http://schemas.microsoft.com/office/drawing/2014/main" id="{6D811184-239A-44CE-9921-B1A2FC5251CB}"/>
+              </a:ext>
+            </a:extLst>
+          </p:cNvPr>
+          <p:cNvSpPr>
+            <a:spLocks noGrp="1"/>
+          </p:cNvSpPr>
+          <p:nvPr>
+            <p:ph type="title"/>
+          </p:nvPr>
+        </p:nvSpPr>
+        <p:spPr>
+          <a:xfrm>
+            <a:off x="1930400" y="845653"/>
+            <a:ext cx="8610600" cy="1293028"/>
+          </a:xfrm>
+        </p:spPr>
+        <p:txBody>
+          <a:bodyPr>
+            <a:normAutofit fontScale="90000"/>
+          </a:bodyPr>
+          <a:lstStyle/>
+          <a:p>
+            <a:r>
+              <a:rPr lang="pt-BR" dirty="0"/>
+              <a:t>Meta-</a:t>
+            </a:r>
+            <a:r>
+              <a:rPr lang="pt-BR" dirty="0" err="1"/>
+              <a:t>heuristica</a:t>
+            </a:r>
+            <a:r>
+              <a:rPr lang="pt-BR" sz="4000" dirty="0"/>
+              <a:t>:</a:t>
+            </a:r>
+            <a:br>
+              <a:rPr lang="pt-BR" sz="4000" dirty="0"/>
+            </a:br>
+            <a:br>
+              <a:rPr lang="pt-BR" dirty="0"/>
+            </a:br>
+            <a:r>
+              <a:rPr lang="pt-BR" sz="2800" dirty="0" err="1"/>
+              <a:t>Simulated</a:t>
+            </a:r>
+            <a:r>
+              <a:rPr lang="pt-BR" sz="2800" dirty="0"/>
+              <a:t> </a:t>
+            </a:r>
+            <a:r>
+              <a:rPr lang="pt-BR" sz="2800" dirty="0" err="1"/>
+              <a:t>annealing</a:t>
+            </a:r>
+            <a:endParaRPr lang="pt-BR" sz="2800" dirty="0"/>
+          </a:p>
+        </p:txBody>
+      </p:sp>
+      <mc:AlternateContent xmlns:mc="http://schemas.openxmlformats.org/markup-compatibility/2006">
+        <mc:Choice xmlns:p14="http://schemas.microsoft.com/office/powerpoint/2010/main" Requires="p14">
+          <p:contentPart p14:bwMode="auto" r:id="rId2">
+            <p14:nvContentPartPr>
+              <p14:cNvPr id="7" name="Tinta 6">
+                <a:extLst>
+                  <a:ext uri="{FF2B5EF4-FFF2-40B4-BE49-F238E27FC236}">
+                    <a16:creationId xmlns:a16="http://schemas.microsoft.com/office/drawing/2014/main" id="{37BDFF66-FF95-4A43-9C49-654E2B3FAB8F}"/>
+                  </a:ext>
+                </a:extLst>
+              </p14:cNvPr>
+              <p14:cNvContentPartPr/>
+              <p14:nvPr/>
+            </p14:nvContentPartPr>
+            <p14:xfrm>
+              <a:off x="653280" y="4579000"/>
+              <a:ext cx="30240" cy="10080"/>
+            </p14:xfrm>
+          </p:contentPart>
+        </mc:Choice>
+        <mc:Fallback>
+          <p:pic>
+            <p:nvPicPr>
+              <p:cNvPr id="7" name="Tinta 6">
+                <a:extLst>
+                  <a:ext uri="{FF2B5EF4-FFF2-40B4-BE49-F238E27FC236}">
+                    <a16:creationId xmlns:a16="http://schemas.microsoft.com/office/drawing/2014/main" id="{37BDFF66-FF95-4A43-9C49-654E2B3FAB8F}"/>
+                  </a:ext>
+                </a:extLst>
+              </p:cNvPr>
+              <p:cNvPicPr/>
+              <p:nvPr/>
+            </p:nvPicPr>
+            <p:blipFill>
+              <a:blip r:embed="rId3"/>
+              <a:stretch>
+                <a:fillRect/>
+              </a:stretch>
+            </p:blipFill>
+            <p:spPr>
+              <a:xfrm>
+                <a:off x="644280" y="4570000"/>
+                <a:ext cx="47880" cy="27720"/>
+              </a:xfrm>
+              <a:prstGeom prst="rect">
+                <a:avLst/>
+              </a:prstGeom>
+            </p:spPr>
+          </p:pic>
+        </mc:Fallback>
+      </mc:AlternateContent>
+      <mc:AlternateContent xmlns:mc="http://schemas.openxmlformats.org/markup-compatibility/2006">
+        <mc:Choice xmlns:p14="http://schemas.microsoft.com/office/powerpoint/2010/main" Requires="p14">
+          <p:contentPart p14:bwMode="auto" r:id="rId4">
+            <p14:nvContentPartPr>
+              <p14:cNvPr id="8" name="Tinta 7">
+                <a:extLst>
+                  <a:ext uri="{FF2B5EF4-FFF2-40B4-BE49-F238E27FC236}">
+                    <a16:creationId xmlns:a16="http://schemas.microsoft.com/office/drawing/2014/main" id="{525D8E8B-B1BF-4C8A-A2D6-D71B5D34D76E}"/>
+                  </a:ext>
+                </a:extLst>
+              </p14:cNvPr>
+              <p14:cNvContentPartPr/>
+              <p14:nvPr/>
+            </p14:nvContentPartPr>
+            <p14:xfrm>
+              <a:off x="5062200" y="2370760"/>
+              <a:ext cx="360" cy="360"/>
+            </p14:xfrm>
+          </p:contentPart>
+        </mc:Choice>
+        <mc:Fallback>
+          <p:pic>
+            <p:nvPicPr>
+              <p:cNvPr id="8" name="Tinta 7">
+                <a:extLst>
+                  <a:ext uri="{FF2B5EF4-FFF2-40B4-BE49-F238E27FC236}">
+                    <a16:creationId xmlns:a16="http://schemas.microsoft.com/office/drawing/2014/main" id="{525D8E8B-B1BF-4C8A-A2D6-D71B5D34D76E}"/>
+                  </a:ext>
+                </a:extLst>
+              </p:cNvPr>
+              <p:cNvPicPr/>
+              <p:nvPr/>
+            </p:nvPicPr>
+            <p:blipFill>
+              <a:blip r:embed="rId5"/>
+              <a:stretch>
+                <a:fillRect/>
+              </a:stretch>
+            </p:blipFill>
+            <p:spPr>
+              <a:xfrm>
+                <a:off x="5053560" y="2361760"/>
+                <a:ext cx="18000" cy="18000"/>
+              </a:xfrm>
+              <a:prstGeom prst="rect">
+                <a:avLst/>
+              </a:prstGeom>
+            </p:spPr>
+          </p:pic>
+        </mc:Fallback>
+      </mc:AlternateContent>
+      <p:sp>
+        <p:nvSpPr>
+          <p:cNvPr id="34" name="Elipse 33">
+            <a:extLst>
+              <a:ext uri="{FF2B5EF4-FFF2-40B4-BE49-F238E27FC236}">
+                <a16:creationId xmlns:a16="http://schemas.microsoft.com/office/drawing/2014/main" id="{98EFA7FE-C9E9-4CF0-BF04-6D0FBBD94D44}"/>
+              </a:ext>
+            </a:extLst>
+          </p:cNvPr>
+          <p:cNvSpPr/>
+          <p:nvPr/>
+        </p:nvSpPr>
+        <p:spPr>
+          <a:xfrm>
+            <a:off x="2474720" y="3946881"/>
+            <a:ext cx="540000" cy="540000"/>
+          </a:xfrm>
+          <a:prstGeom prst="ellipse">
+            <a:avLst/>
+          </a:prstGeom>
+          <a:solidFill>
+            <a:srgbClr val="FFFFFF">
+              <a:alpha val="75000"/>
+            </a:srgbClr>
+          </a:solidFill>
+          <a:ln w="18000">
+            <a:solidFill>
+              <a:srgbClr val="FFFFFF"/>
+            </a:solidFill>
+          </a:ln>
+        </p:spPr>
+        <p:style>
+          <a:lnRef idx="2">
+            <a:schemeClr val="accent1">
+              <a:shade val="50000"/>
+            </a:schemeClr>
+          </a:lnRef>
+          <a:fillRef idx="1">
+            <a:schemeClr val="accent1"/>
+          </a:fillRef>
+          <a:effectRef idx="0">
+            <a:schemeClr val="accent1"/>
+          </a:effectRef>
+          <a:fontRef idx="minor">
+            <a:schemeClr val="lt1"/>
+          </a:fontRef>
+        </p:style>
+        <p:txBody>
+          <a:bodyPr rtlCol="0" anchor="ctr"/>
+          <a:lstStyle/>
+          <a:p>
+            <a:pPr algn="ctr"/>
+            <a:endParaRPr lang="pt-BR">
+              <a:solidFill>
+                <a:srgbClr val="FFFFFF"/>
+              </a:solidFill>
+            </a:endParaRPr>
+          </a:p>
+        </p:txBody>
+      </p:sp>
+      <p:sp>
+        <p:nvSpPr>
+          <p:cNvPr id="36" name="Elipse 35">
+            <a:extLst>
+              <a:ext uri="{FF2B5EF4-FFF2-40B4-BE49-F238E27FC236}">
+                <a16:creationId xmlns:a16="http://schemas.microsoft.com/office/drawing/2014/main" id="{68DA9614-5881-481A-BEBD-916D6CDA2413}"/>
+              </a:ext>
+            </a:extLst>
+          </p:cNvPr>
+          <p:cNvSpPr/>
+          <p:nvPr/>
+        </p:nvSpPr>
+        <p:spPr>
+          <a:xfrm>
+            <a:off x="3768460" y="3946881"/>
+            <a:ext cx="540000" cy="540000"/>
+          </a:xfrm>
+          <a:prstGeom prst="ellipse">
+            <a:avLst/>
+          </a:prstGeom>
+          <a:solidFill>
+            <a:srgbClr val="FFFFFF">
+              <a:alpha val="75000"/>
+            </a:srgbClr>
+          </a:solidFill>
+          <a:ln w="18000">
+            <a:solidFill>
+              <a:srgbClr val="FFFFFF"/>
+            </a:solidFill>
+          </a:ln>
+        </p:spPr>
+        <p:style>
+          <a:lnRef idx="2">
+            <a:schemeClr val="accent1">
+              <a:shade val="50000"/>
+            </a:schemeClr>
+          </a:lnRef>
+          <a:fillRef idx="1">
+            <a:schemeClr val="accent1"/>
+          </a:fillRef>
+          <a:effectRef idx="0">
+            <a:schemeClr val="accent1"/>
+          </a:effectRef>
+          <a:fontRef idx="minor">
+            <a:schemeClr val="lt1"/>
+          </a:fontRef>
+        </p:style>
+        <p:txBody>
+          <a:bodyPr rtlCol="0" anchor="ctr"/>
+          <a:lstStyle/>
+          <a:p>
+            <a:pPr algn="ctr"/>
+            <a:endParaRPr lang="pt-BR">
+              <a:solidFill>
+                <a:srgbClr val="FFFFFF"/>
+              </a:solidFill>
+            </a:endParaRPr>
+          </a:p>
+        </p:txBody>
+      </p:sp>
+      <p:sp>
+        <p:nvSpPr>
+          <p:cNvPr id="38" name="Elipse 37">
+            <a:extLst>
+              <a:ext uri="{FF2B5EF4-FFF2-40B4-BE49-F238E27FC236}">
+                <a16:creationId xmlns:a16="http://schemas.microsoft.com/office/drawing/2014/main" id="{898CE59D-5B48-4937-825C-5A2457E4AE73}"/>
+              </a:ext>
+            </a:extLst>
+          </p:cNvPr>
+          <p:cNvSpPr/>
+          <p:nvPr/>
+        </p:nvSpPr>
+        <p:spPr>
+          <a:xfrm>
+            <a:off x="5062200" y="3946881"/>
+            <a:ext cx="540000" cy="540000"/>
+          </a:xfrm>
+          <a:prstGeom prst="ellipse">
+            <a:avLst/>
+          </a:prstGeom>
+          <a:solidFill>
+            <a:srgbClr val="FFFFFF">
+              <a:alpha val="75000"/>
+            </a:srgbClr>
+          </a:solidFill>
+          <a:ln w="18000">
+            <a:solidFill>
+              <a:srgbClr val="FFFFFF"/>
+            </a:solidFill>
+          </a:ln>
+        </p:spPr>
+        <p:style>
+          <a:lnRef idx="2">
+            <a:schemeClr val="accent1">
+              <a:shade val="50000"/>
+            </a:schemeClr>
+          </a:lnRef>
+          <a:fillRef idx="1">
+            <a:schemeClr val="accent1"/>
+          </a:fillRef>
+          <a:effectRef idx="0">
+            <a:schemeClr val="accent1"/>
+          </a:effectRef>
+          <a:fontRef idx="minor">
+            <a:schemeClr val="lt1"/>
+          </a:fontRef>
+        </p:style>
+        <p:txBody>
+          <a:bodyPr rtlCol="0" anchor="ctr"/>
+          <a:lstStyle/>
+          <a:p>
+            <a:pPr algn="ctr"/>
+            <a:endParaRPr lang="pt-BR">
+              <a:solidFill>
+                <a:srgbClr val="FFFFFF"/>
+              </a:solidFill>
+            </a:endParaRPr>
+          </a:p>
+        </p:txBody>
+      </p:sp>
+      <p:sp>
+        <p:nvSpPr>
+          <p:cNvPr id="40" name="Elipse 39">
+            <a:extLst>
+              <a:ext uri="{FF2B5EF4-FFF2-40B4-BE49-F238E27FC236}">
+                <a16:creationId xmlns:a16="http://schemas.microsoft.com/office/drawing/2014/main" id="{FF1072CF-389B-4446-A0F0-18796F274040}"/>
+              </a:ext>
+            </a:extLst>
+          </p:cNvPr>
+          <p:cNvSpPr/>
+          <p:nvPr/>
+        </p:nvSpPr>
+        <p:spPr>
+          <a:xfrm>
+            <a:off x="2545820" y="5274280"/>
+            <a:ext cx="540000" cy="540000"/>
+          </a:xfrm>
+          <a:prstGeom prst="ellipse">
+            <a:avLst/>
+          </a:prstGeom>
+          <a:solidFill>
+            <a:srgbClr val="FFFFFF">
+              <a:alpha val="75000"/>
+            </a:srgbClr>
+          </a:solidFill>
+          <a:ln w="18000">
+            <a:solidFill>
+              <a:srgbClr val="FFFFFF"/>
+            </a:solidFill>
+          </a:ln>
+        </p:spPr>
+        <p:style>
+          <a:lnRef idx="2">
+            <a:schemeClr val="accent1">
+              <a:shade val="50000"/>
+            </a:schemeClr>
+          </a:lnRef>
+          <a:fillRef idx="1">
+            <a:schemeClr val="accent1"/>
+          </a:fillRef>
+          <a:effectRef idx="0">
+            <a:schemeClr val="accent1"/>
+          </a:effectRef>
+          <a:fontRef idx="minor">
+            <a:schemeClr val="lt1"/>
+          </a:fontRef>
+        </p:style>
+        <p:txBody>
+          <a:bodyPr rtlCol="0" anchor="ctr"/>
+          <a:lstStyle/>
+          <a:p>
+            <a:pPr algn="ctr"/>
+            <a:endParaRPr lang="pt-BR">
+              <a:solidFill>
+                <a:srgbClr val="FFFFFF"/>
+              </a:solidFill>
+            </a:endParaRPr>
+          </a:p>
+        </p:txBody>
+      </p:sp>
+      <p:sp>
+        <p:nvSpPr>
+          <p:cNvPr id="42" name="Elipse 41">
+            <a:extLst>
+              <a:ext uri="{FF2B5EF4-FFF2-40B4-BE49-F238E27FC236}">
+                <a16:creationId xmlns:a16="http://schemas.microsoft.com/office/drawing/2014/main" id="{392E5CBC-D783-408E-9C65-D3189CB20094}"/>
+              </a:ext>
+            </a:extLst>
+          </p:cNvPr>
+          <p:cNvSpPr/>
+          <p:nvPr/>
+        </p:nvSpPr>
+        <p:spPr>
+          <a:xfrm>
+            <a:off x="3837110" y="5317440"/>
+            <a:ext cx="540000" cy="540000"/>
+          </a:xfrm>
+          <a:prstGeom prst="ellipse">
+            <a:avLst/>
+          </a:prstGeom>
+          <a:solidFill>
+            <a:srgbClr val="FFFFFF">
+              <a:alpha val="75000"/>
+            </a:srgbClr>
+          </a:solidFill>
+          <a:ln w="18000">
+            <a:solidFill>
+              <a:srgbClr val="FFFFFF"/>
+            </a:solidFill>
+          </a:ln>
+        </p:spPr>
+        <p:style>
+          <a:lnRef idx="2">
+            <a:schemeClr val="accent1">
+              <a:shade val="50000"/>
+            </a:schemeClr>
+          </a:lnRef>
+          <a:fillRef idx="1">
+            <a:schemeClr val="accent1"/>
+          </a:fillRef>
+          <a:effectRef idx="0">
+            <a:schemeClr val="accent1"/>
+          </a:effectRef>
+          <a:fontRef idx="minor">
+            <a:schemeClr val="lt1"/>
+          </a:fontRef>
+        </p:style>
+        <p:txBody>
+          <a:bodyPr rtlCol="0" anchor="ctr"/>
+          <a:lstStyle/>
+          <a:p>
+            <a:pPr algn="ctr"/>
+            <a:endParaRPr lang="pt-BR">
+              <a:solidFill>
+                <a:srgbClr val="FFFFFF"/>
+              </a:solidFill>
+            </a:endParaRPr>
+          </a:p>
+        </p:txBody>
+      </p:sp>
+      <p:sp>
+        <p:nvSpPr>
+          <p:cNvPr id="44" name="Elipse 43">
+            <a:extLst>
+              <a:ext uri="{FF2B5EF4-FFF2-40B4-BE49-F238E27FC236}">
+                <a16:creationId xmlns:a16="http://schemas.microsoft.com/office/drawing/2014/main" id="{F19E8B68-BF97-4A9D-A3F6-2FDE36B2F8FC}"/>
+              </a:ext>
+            </a:extLst>
+          </p:cNvPr>
+          <p:cNvSpPr/>
+          <p:nvPr/>
+        </p:nvSpPr>
+        <p:spPr>
+          <a:xfrm>
+            <a:off x="5128400" y="5317440"/>
+            <a:ext cx="540000" cy="540000"/>
+          </a:xfrm>
+          <a:prstGeom prst="ellipse">
+            <a:avLst/>
+          </a:prstGeom>
+          <a:solidFill>
+            <a:srgbClr val="FFFFFF">
+              <a:alpha val="75000"/>
+            </a:srgbClr>
+          </a:solidFill>
+          <a:ln w="18000">
+            <a:solidFill>
+              <a:srgbClr val="FFFFFF"/>
+            </a:solidFill>
+          </a:ln>
+        </p:spPr>
+        <p:style>
+          <a:lnRef idx="2">
+            <a:schemeClr val="accent1">
+              <a:shade val="50000"/>
+            </a:schemeClr>
+          </a:lnRef>
+          <a:fillRef idx="1">
+            <a:schemeClr val="accent1"/>
+          </a:fillRef>
+          <a:effectRef idx="0">
+            <a:schemeClr val="accent1"/>
+          </a:effectRef>
+          <a:fontRef idx="minor">
+            <a:schemeClr val="lt1"/>
+          </a:fontRef>
+        </p:style>
+        <p:txBody>
+          <a:bodyPr rtlCol="0" anchor="ctr"/>
+          <a:lstStyle/>
+          <a:p>
+            <a:pPr algn="ctr"/>
+            <a:endParaRPr lang="pt-BR">
+              <a:solidFill>
+                <a:srgbClr val="FFFFFF"/>
+              </a:solidFill>
+            </a:endParaRPr>
+          </a:p>
+        </p:txBody>
+      </p:sp>
+      <p:sp>
+        <p:nvSpPr>
+          <p:cNvPr id="49" name="Elipse 48">
+            <a:extLst>
+              <a:ext uri="{FF2B5EF4-FFF2-40B4-BE49-F238E27FC236}">
+                <a16:creationId xmlns:a16="http://schemas.microsoft.com/office/drawing/2014/main" id="{C619AB9B-F298-4EB2-8228-6BC0BCCBA175}"/>
+              </a:ext>
+            </a:extLst>
+          </p:cNvPr>
+          <p:cNvSpPr/>
+          <p:nvPr/>
+        </p:nvSpPr>
+        <p:spPr>
+          <a:xfrm>
+            <a:off x="1254530" y="5274280"/>
+            <a:ext cx="540000" cy="540000"/>
+          </a:xfrm>
+          <a:prstGeom prst="ellipse">
+            <a:avLst/>
+          </a:prstGeom>
+          <a:solidFill>
+            <a:srgbClr val="FFFFFF">
+              <a:alpha val="75000"/>
+            </a:srgbClr>
+          </a:solidFill>
+          <a:ln w="18000">
+            <a:solidFill>
+              <a:srgbClr val="FFFFFF"/>
+            </a:solidFill>
+          </a:ln>
+        </p:spPr>
+        <p:style>
+          <a:lnRef idx="2">
+            <a:schemeClr val="accent1">
+              <a:shade val="50000"/>
+            </a:schemeClr>
+          </a:lnRef>
+          <a:fillRef idx="1">
+            <a:schemeClr val="accent1"/>
+          </a:fillRef>
+          <a:effectRef idx="0">
+            <a:schemeClr val="accent1"/>
+          </a:effectRef>
+          <a:fontRef idx="minor">
+            <a:schemeClr val="lt1"/>
+          </a:fontRef>
+        </p:style>
+        <p:txBody>
+          <a:bodyPr rtlCol="0" anchor="ctr"/>
+          <a:lstStyle/>
+          <a:p>
+            <a:pPr algn="ctr"/>
+            <a:endParaRPr lang="pt-BR">
+              <a:solidFill>
+                <a:srgbClr val="FFFFFF"/>
+              </a:solidFill>
+            </a:endParaRPr>
+          </a:p>
+        </p:txBody>
+      </p:sp>
+      <p:sp>
+        <p:nvSpPr>
+          <p:cNvPr id="50" name="Elipse 49">
+            <a:extLst>
+              <a:ext uri="{FF2B5EF4-FFF2-40B4-BE49-F238E27FC236}">
+                <a16:creationId xmlns:a16="http://schemas.microsoft.com/office/drawing/2014/main" id="{A2790B5F-C742-4E80-BEAA-48944D37C8DC}"/>
+              </a:ext>
+            </a:extLst>
+          </p:cNvPr>
+          <p:cNvSpPr/>
+          <p:nvPr/>
+        </p:nvSpPr>
+        <p:spPr>
+          <a:xfrm>
+            <a:off x="6419690" y="5317440"/>
+            <a:ext cx="540000" cy="540000"/>
+          </a:xfrm>
+          <a:prstGeom prst="ellipse">
+            <a:avLst/>
+          </a:prstGeom>
+          <a:solidFill>
+            <a:srgbClr val="FFFFFF">
+              <a:alpha val="75000"/>
+            </a:srgbClr>
+          </a:solidFill>
+          <a:ln w="18000">
+            <a:solidFill>
+              <a:srgbClr val="FFFFFF"/>
+            </a:solidFill>
+          </a:ln>
+        </p:spPr>
+        <p:style>
+          <a:lnRef idx="2">
+            <a:schemeClr val="accent1">
+              <a:shade val="50000"/>
+            </a:schemeClr>
+          </a:lnRef>
+          <a:fillRef idx="1">
+            <a:schemeClr val="accent1"/>
+          </a:fillRef>
+          <a:effectRef idx="0">
+            <a:schemeClr val="accent1"/>
+          </a:effectRef>
+          <a:fontRef idx="minor">
+            <a:schemeClr val="lt1"/>
+          </a:fontRef>
+        </p:style>
+        <p:txBody>
+          <a:bodyPr rtlCol="0" anchor="ctr"/>
+          <a:lstStyle/>
+          <a:p>
+            <a:pPr algn="ctr"/>
+            <a:endParaRPr lang="pt-BR">
+              <a:solidFill>
+                <a:srgbClr val="FFFFFF"/>
+              </a:solidFill>
+            </a:endParaRPr>
+          </a:p>
+        </p:txBody>
+      </p:sp>
+      <p:sp>
+        <p:nvSpPr>
+          <p:cNvPr id="51" name="Elipse 50">
+            <a:extLst>
+              <a:ext uri="{FF2B5EF4-FFF2-40B4-BE49-F238E27FC236}">
+                <a16:creationId xmlns:a16="http://schemas.microsoft.com/office/drawing/2014/main" id="{2BFABE32-731F-4893-AC57-13B620E86D3F}"/>
+              </a:ext>
+            </a:extLst>
+          </p:cNvPr>
+          <p:cNvSpPr/>
+          <p:nvPr/>
+        </p:nvSpPr>
+        <p:spPr>
+          <a:xfrm>
+            <a:off x="3768460" y="2429240"/>
+            <a:ext cx="540000" cy="540000"/>
+          </a:xfrm>
+          <a:prstGeom prst="ellipse">
+            <a:avLst/>
+          </a:prstGeom>
+          <a:solidFill>
+            <a:srgbClr val="FFFFFF">
+              <a:alpha val="75000"/>
+            </a:srgbClr>
+          </a:solidFill>
+          <a:ln w="18000">
+            <a:solidFill>
+              <a:srgbClr val="FFFFFF"/>
+            </a:solidFill>
+          </a:ln>
+        </p:spPr>
+        <p:style>
+          <a:lnRef idx="2">
+            <a:schemeClr val="accent1">
+              <a:shade val="50000"/>
+            </a:schemeClr>
+          </a:lnRef>
+          <a:fillRef idx="1">
+            <a:schemeClr val="accent1"/>
+          </a:fillRef>
+          <a:effectRef idx="0">
+            <a:schemeClr val="accent1"/>
+          </a:effectRef>
+          <a:fontRef idx="minor">
+            <a:schemeClr val="lt1"/>
+          </a:fontRef>
+        </p:style>
+        <p:txBody>
+          <a:bodyPr rtlCol="0" anchor="ctr"/>
+          <a:lstStyle/>
+          <a:p>
+            <a:pPr algn="ctr"/>
+            <a:endParaRPr lang="pt-BR">
+              <a:solidFill>
+                <a:srgbClr val="FFFFFF"/>
+              </a:solidFill>
+            </a:endParaRPr>
+          </a:p>
+        </p:txBody>
+      </p:sp>
+      <mc:AlternateContent xmlns:mc="http://schemas.openxmlformats.org/markup-compatibility/2006">
+        <mc:Choice xmlns:p14="http://schemas.microsoft.com/office/powerpoint/2010/main" Requires="p14">
+          <p:contentPart p14:bwMode="auto" r:id="rId6">
+            <p14:nvContentPartPr>
+              <p14:cNvPr id="57" name="Tinta 56">
+                <a:extLst>
+                  <a:ext uri="{FF2B5EF4-FFF2-40B4-BE49-F238E27FC236}">
+                    <a16:creationId xmlns:a16="http://schemas.microsoft.com/office/drawing/2014/main" id="{5CB84E9B-6CE0-43F6-B4A5-7E399D8691BF}"/>
+                  </a:ext>
+                </a:extLst>
+              </p14:cNvPr>
+              <p14:cNvContentPartPr/>
+              <p14:nvPr/>
+            </p14:nvContentPartPr>
+            <p14:xfrm>
+              <a:off x="4188120" y="2933080"/>
+              <a:ext cx="1024200" cy="1024200"/>
+            </p14:xfrm>
+          </p:contentPart>
+        </mc:Choice>
+        <mc:Fallback>
+          <p:pic>
+            <p:nvPicPr>
+              <p:cNvPr id="57" name="Tinta 56">
+                <a:extLst>
+                  <a:ext uri="{FF2B5EF4-FFF2-40B4-BE49-F238E27FC236}">
+                    <a16:creationId xmlns:a16="http://schemas.microsoft.com/office/drawing/2014/main" id="{5CB84E9B-6CE0-43F6-B4A5-7E399D8691BF}"/>
+                  </a:ext>
+                </a:extLst>
+              </p:cNvPr>
+              <p:cNvPicPr/>
+              <p:nvPr/>
+            </p:nvPicPr>
+            <p:blipFill>
+              <a:blip r:embed="rId7"/>
+              <a:stretch>
+                <a:fillRect/>
+              </a:stretch>
+            </p:blipFill>
+            <p:spPr>
+              <a:xfrm>
+                <a:off x="4179480" y="2924440"/>
+                <a:ext cx="1041840" cy="1041840"/>
+              </a:xfrm>
+              <a:prstGeom prst="rect">
+                <a:avLst/>
+              </a:prstGeom>
+            </p:spPr>
+          </p:pic>
+        </mc:Fallback>
+      </mc:AlternateContent>
+      <mc:AlternateContent xmlns:mc="http://schemas.openxmlformats.org/markup-compatibility/2006">
+        <mc:Choice xmlns:p14="http://schemas.microsoft.com/office/powerpoint/2010/main" Requires="p14">
+          <p:contentPart p14:bwMode="auto" r:id="rId8">
+            <p14:nvContentPartPr>
+              <p14:cNvPr id="59" name="Tinta 58">
+                <a:extLst>
+                  <a:ext uri="{FF2B5EF4-FFF2-40B4-BE49-F238E27FC236}">
+                    <a16:creationId xmlns:a16="http://schemas.microsoft.com/office/drawing/2014/main" id="{C3C59D1A-8D83-4A45-B96B-3A45EDA6063D}"/>
+                  </a:ext>
+                </a:extLst>
+              </p14:cNvPr>
+              <p14:cNvContentPartPr/>
+              <p14:nvPr/>
+            </p14:nvContentPartPr>
+            <p14:xfrm>
+              <a:off x="5580240" y="4335280"/>
+              <a:ext cx="993600" cy="993600"/>
+            </p14:xfrm>
+          </p:contentPart>
+        </mc:Choice>
+        <mc:Fallback>
+          <p:pic>
+            <p:nvPicPr>
+              <p:cNvPr id="59" name="Tinta 58">
+                <a:extLst>
+                  <a:ext uri="{FF2B5EF4-FFF2-40B4-BE49-F238E27FC236}">
+                    <a16:creationId xmlns:a16="http://schemas.microsoft.com/office/drawing/2014/main" id="{C3C59D1A-8D83-4A45-B96B-3A45EDA6063D}"/>
+                  </a:ext>
+                </a:extLst>
+              </p:cNvPr>
+              <p:cNvPicPr/>
+              <p:nvPr/>
+            </p:nvPicPr>
+            <p:blipFill>
+              <a:blip r:embed="rId9"/>
+              <a:stretch>
+                <a:fillRect/>
+              </a:stretch>
+            </p:blipFill>
+            <p:spPr>
+              <a:xfrm>
+                <a:off x="5571600" y="4326640"/>
+                <a:ext cx="1011240" cy="1011240"/>
+              </a:xfrm>
+              <a:prstGeom prst="rect">
+                <a:avLst/>
+              </a:prstGeom>
+            </p:spPr>
+          </p:pic>
+        </mc:Fallback>
+      </mc:AlternateContent>
+    </p:spTree>
+    <p:extLst>
+      <p:ext uri="{BB962C8B-B14F-4D97-AF65-F5344CB8AC3E}">
+        <p14:creationId xmlns:p14="http://schemas.microsoft.com/office/powerpoint/2010/main" val="1739269466"/>
+      </p:ext>
+    </p:extLst>
+  </p:cSld>
+  <p:clrMapOvr>
+    <a:masterClrMapping/>
+  </p:clrMapOvr>
+</p:sld>
+</file>
+
 <file path=ppt/slides/slide2.xml><?xml version="1.0" encoding="utf-8"?>
 <p:sld xmlns:a="http://schemas.openxmlformats.org/drawingml/2006/main" xmlns:r="http://schemas.openxmlformats.org/officeDocument/2006/relationships" xmlns:p="http://schemas.openxmlformats.org/presentationml/2006/main">
   <p:cSld>
@@ -6441,8 +8743,8 @@
         </p:nvSpPr>
         <p:spPr>
           <a:xfrm>
-            <a:off x="1283495" y="2966719"/>
-            <a:ext cx="9790905" cy="2743201"/>
+            <a:off x="885511" y="2320206"/>
+            <a:ext cx="7071128" cy="540000"/>
           </a:xfrm>
         </p:spPr>
         <p:txBody>
@@ -6451,21 +8753,7092 @@
           </a:bodyPr>
           <a:lstStyle/>
           <a:p>
-            <a:pPr lvl="3">
-              <a:buFontTx/>
-              <a:buChar char="-"/>
+            <a:pPr marL="0" indent="0">
+              <a:buNone/>
             </a:pPr>
-            <a:endParaRPr lang="pt-BR" dirty="0"/>
-          </a:p>
-          <a:p>
-            <a:endParaRPr lang="pt-BR" dirty="0"/>
+            <a:r>
+              <a:rPr lang="pt-BR" dirty="0"/>
+              <a:t>	</a:t>
+            </a:r>
+            <a:r>
+              <a:rPr lang="pt-BR" sz="3200" dirty="0"/>
+              <a:t>Vizinhanças</a:t>
+            </a:r>
+          </a:p>
+        </p:txBody>
+      </p:sp>
+      <p:sp>
+        <p:nvSpPr>
+          <p:cNvPr id="8" name="CaixaDeTexto 7">
+            <a:extLst>
+              <a:ext uri="{FF2B5EF4-FFF2-40B4-BE49-F238E27FC236}">
+                <a16:creationId xmlns:a16="http://schemas.microsoft.com/office/drawing/2014/main" id="{47369606-71A7-4D2A-9403-98734EC8CF4E}"/>
+              </a:ext>
+            </a:extLst>
+          </p:cNvPr>
+          <p:cNvSpPr txBox="1"/>
+          <p:nvPr/>
+        </p:nvSpPr>
+        <p:spPr>
+          <a:xfrm>
+            <a:off x="1612621" y="2861730"/>
+            <a:ext cx="2976880" cy="584775"/>
+          </a:xfrm>
+          <a:prstGeom prst="rect">
+            <a:avLst/>
+          </a:prstGeom>
+          <a:noFill/>
+        </p:spPr>
+        <p:txBody>
+          <a:bodyPr wrap="square" rtlCol="0">
+            <a:spAutoFit/>
+          </a:bodyPr>
+          <a:lstStyle/>
+          <a:p>
+            <a:r>
+              <a:rPr lang="pt-BR" sz="3200" b="1" dirty="0"/>
+              <a:t>2-Opt</a:t>
+            </a:r>
+          </a:p>
+        </p:txBody>
+      </p:sp>
+      <p:sp>
+        <p:nvSpPr>
+          <p:cNvPr id="13" name="Elipse 12">
+            <a:extLst>
+              <a:ext uri="{FF2B5EF4-FFF2-40B4-BE49-F238E27FC236}">
+                <a16:creationId xmlns:a16="http://schemas.microsoft.com/office/drawing/2014/main" id="{785487F0-5C84-4360-A2A1-2FF74F902BDE}"/>
+              </a:ext>
+            </a:extLst>
+          </p:cNvPr>
+          <p:cNvSpPr/>
+          <p:nvPr/>
+        </p:nvSpPr>
+        <p:spPr>
+          <a:xfrm>
+            <a:off x="4892069" y="3435701"/>
+            <a:ext cx="540000" cy="540000"/>
+          </a:xfrm>
+          <a:prstGeom prst="ellipse">
+            <a:avLst/>
+          </a:prstGeom>
+          <a:solidFill>
+            <a:srgbClr val="FF4E00">
+              <a:alpha val="75000"/>
+            </a:srgbClr>
+          </a:solidFill>
+          <a:ln w="18000">
+            <a:solidFill>
+              <a:srgbClr val="FF4E00"/>
+            </a:solidFill>
+          </a:ln>
+        </p:spPr>
+        <p:style>
+          <a:lnRef idx="2">
+            <a:schemeClr val="accent1">
+              <a:shade val="50000"/>
+            </a:schemeClr>
+          </a:lnRef>
+          <a:fillRef idx="1">
+            <a:schemeClr val="accent1"/>
+          </a:fillRef>
+          <a:effectRef idx="0">
+            <a:schemeClr val="accent1"/>
+          </a:effectRef>
+          <a:fontRef idx="minor">
+            <a:schemeClr val="lt1"/>
+          </a:fontRef>
+        </p:style>
+        <p:txBody>
+          <a:bodyPr rtlCol="0" anchor="ctr"/>
+          <a:lstStyle/>
+          <a:p>
+            <a:pPr algn="ctr"/>
+            <a:endParaRPr lang="pt-BR">
+              <a:solidFill>
+                <a:srgbClr val="FF4E00"/>
+              </a:solidFill>
+            </a:endParaRPr>
+          </a:p>
+        </p:txBody>
+      </p:sp>
+      <p:sp>
+        <p:nvSpPr>
+          <p:cNvPr id="15" name="Elipse 14">
+            <a:extLst>
+              <a:ext uri="{FF2B5EF4-FFF2-40B4-BE49-F238E27FC236}">
+                <a16:creationId xmlns:a16="http://schemas.microsoft.com/office/drawing/2014/main" id="{53D3B27A-BACF-4A1C-93D4-5FFFEE49BE29}"/>
+              </a:ext>
+            </a:extLst>
+          </p:cNvPr>
+          <p:cNvSpPr/>
+          <p:nvPr/>
+        </p:nvSpPr>
+        <p:spPr>
+          <a:xfrm>
+            <a:off x="5765829" y="3435701"/>
+            <a:ext cx="540000" cy="540000"/>
+          </a:xfrm>
+          <a:prstGeom prst="ellipse">
+            <a:avLst/>
+          </a:prstGeom>
+          <a:solidFill>
+            <a:srgbClr val="FF4E00">
+              <a:alpha val="75000"/>
+            </a:srgbClr>
+          </a:solidFill>
+          <a:ln w="18000">
+            <a:solidFill>
+              <a:srgbClr val="FF4E00"/>
+            </a:solidFill>
+          </a:ln>
+        </p:spPr>
+        <p:style>
+          <a:lnRef idx="2">
+            <a:schemeClr val="accent1">
+              <a:shade val="50000"/>
+            </a:schemeClr>
+          </a:lnRef>
+          <a:fillRef idx="1">
+            <a:schemeClr val="accent1"/>
+          </a:fillRef>
+          <a:effectRef idx="0">
+            <a:schemeClr val="accent1"/>
+          </a:effectRef>
+          <a:fontRef idx="minor">
+            <a:schemeClr val="lt1"/>
+          </a:fontRef>
+        </p:style>
+        <p:txBody>
+          <a:bodyPr rtlCol="0" anchor="ctr"/>
+          <a:lstStyle/>
+          <a:p>
+            <a:pPr algn="ctr"/>
+            <a:endParaRPr lang="pt-BR">
+              <a:solidFill>
+                <a:srgbClr val="FF4E00"/>
+              </a:solidFill>
+            </a:endParaRPr>
+          </a:p>
+        </p:txBody>
+      </p:sp>
+      <p:sp>
+        <p:nvSpPr>
+          <p:cNvPr id="17" name="Elipse 16">
+            <a:extLst>
+              <a:ext uri="{FF2B5EF4-FFF2-40B4-BE49-F238E27FC236}">
+                <a16:creationId xmlns:a16="http://schemas.microsoft.com/office/drawing/2014/main" id="{9F2E3B3A-E616-42E7-9538-A98D22F3F07A}"/>
+              </a:ext>
+            </a:extLst>
+          </p:cNvPr>
+          <p:cNvSpPr/>
+          <p:nvPr/>
+        </p:nvSpPr>
+        <p:spPr>
+          <a:xfrm>
+            <a:off x="6667029" y="3435701"/>
+            <a:ext cx="540000" cy="540000"/>
+          </a:xfrm>
+          <a:prstGeom prst="ellipse">
+            <a:avLst/>
+          </a:prstGeom>
+          <a:solidFill>
+            <a:srgbClr val="FF4E00">
+              <a:alpha val="75000"/>
+            </a:srgbClr>
+          </a:solidFill>
+          <a:ln w="18000">
+            <a:solidFill>
+              <a:srgbClr val="FF4E00"/>
+            </a:solidFill>
+          </a:ln>
+        </p:spPr>
+        <p:style>
+          <a:lnRef idx="2">
+            <a:schemeClr val="accent1">
+              <a:shade val="50000"/>
+            </a:schemeClr>
+          </a:lnRef>
+          <a:fillRef idx="1">
+            <a:schemeClr val="accent1"/>
+          </a:fillRef>
+          <a:effectRef idx="0">
+            <a:schemeClr val="accent1"/>
+          </a:effectRef>
+          <a:fontRef idx="minor">
+            <a:schemeClr val="lt1"/>
+          </a:fontRef>
+        </p:style>
+        <p:txBody>
+          <a:bodyPr rtlCol="0" anchor="ctr"/>
+          <a:lstStyle/>
+          <a:p>
+            <a:pPr algn="ctr"/>
+            <a:endParaRPr lang="pt-BR">
+              <a:solidFill>
+                <a:srgbClr val="FF4E00"/>
+              </a:solidFill>
+            </a:endParaRPr>
+          </a:p>
+        </p:txBody>
+      </p:sp>
+      <p:sp>
+        <p:nvSpPr>
+          <p:cNvPr id="18" name="Elipse 17">
+            <a:extLst>
+              <a:ext uri="{FF2B5EF4-FFF2-40B4-BE49-F238E27FC236}">
+                <a16:creationId xmlns:a16="http://schemas.microsoft.com/office/drawing/2014/main" id="{AF7D96C6-F82E-4619-AC46-97C610389364}"/>
+              </a:ext>
+            </a:extLst>
+          </p:cNvPr>
+          <p:cNvSpPr/>
+          <p:nvPr/>
+        </p:nvSpPr>
+        <p:spPr>
+          <a:xfrm>
+            <a:off x="7544869" y="3435701"/>
+            <a:ext cx="540000" cy="540000"/>
+          </a:xfrm>
+          <a:prstGeom prst="ellipse">
+            <a:avLst/>
+          </a:prstGeom>
+          <a:solidFill>
+            <a:srgbClr val="FF4E00">
+              <a:alpha val="75000"/>
+            </a:srgbClr>
+          </a:solidFill>
+          <a:ln w="18000">
+            <a:solidFill>
+              <a:srgbClr val="FF4E00"/>
+            </a:solidFill>
+          </a:ln>
+        </p:spPr>
+        <p:style>
+          <a:lnRef idx="2">
+            <a:schemeClr val="accent1">
+              <a:shade val="50000"/>
+            </a:schemeClr>
+          </a:lnRef>
+          <a:fillRef idx="1">
+            <a:schemeClr val="accent1"/>
+          </a:fillRef>
+          <a:effectRef idx="0">
+            <a:schemeClr val="accent1"/>
+          </a:effectRef>
+          <a:fontRef idx="minor">
+            <a:schemeClr val="lt1"/>
+          </a:fontRef>
+        </p:style>
+        <p:txBody>
+          <a:bodyPr rtlCol="0" anchor="ctr"/>
+          <a:lstStyle/>
+          <a:p>
+            <a:pPr algn="ctr"/>
+            <a:endParaRPr lang="pt-BR">
+              <a:solidFill>
+                <a:srgbClr val="FF4E00"/>
+              </a:solidFill>
+            </a:endParaRPr>
+          </a:p>
+        </p:txBody>
+      </p:sp>
+      <p:sp>
+        <p:nvSpPr>
+          <p:cNvPr id="19" name="Elipse 18">
+            <a:extLst>
+              <a:ext uri="{FF2B5EF4-FFF2-40B4-BE49-F238E27FC236}">
+                <a16:creationId xmlns:a16="http://schemas.microsoft.com/office/drawing/2014/main" id="{96C93668-5640-4344-B5AE-E2A185314D13}"/>
+              </a:ext>
+            </a:extLst>
+          </p:cNvPr>
+          <p:cNvSpPr/>
+          <p:nvPr/>
+        </p:nvSpPr>
+        <p:spPr>
+          <a:xfrm>
+            <a:off x="8422709" y="3435701"/>
+            <a:ext cx="540000" cy="540000"/>
+          </a:xfrm>
+          <a:prstGeom prst="ellipse">
+            <a:avLst/>
+          </a:prstGeom>
+          <a:solidFill>
+            <a:srgbClr val="FF4E00">
+              <a:alpha val="75000"/>
+            </a:srgbClr>
+          </a:solidFill>
+          <a:ln w="18000">
+            <a:solidFill>
+              <a:srgbClr val="FF4E00"/>
+            </a:solidFill>
+          </a:ln>
+        </p:spPr>
+        <p:style>
+          <a:lnRef idx="2">
+            <a:schemeClr val="accent1">
+              <a:shade val="50000"/>
+            </a:schemeClr>
+          </a:lnRef>
+          <a:fillRef idx="1">
+            <a:schemeClr val="accent1"/>
+          </a:fillRef>
+          <a:effectRef idx="0">
+            <a:schemeClr val="accent1"/>
+          </a:effectRef>
+          <a:fontRef idx="minor">
+            <a:schemeClr val="lt1"/>
+          </a:fontRef>
+        </p:style>
+        <p:txBody>
+          <a:bodyPr rtlCol="0" anchor="ctr"/>
+          <a:lstStyle/>
+          <a:p>
+            <a:pPr algn="ctr"/>
+            <a:endParaRPr lang="pt-BR">
+              <a:solidFill>
+                <a:srgbClr val="FF4E00"/>
+              </a:solidFill>
+            </a:endParaRPr>
+          </a:p>
+        </p:txBody>
+      </p:sp>
+      <p:sp>
+        <p:nvSpPr>
+          <p:cNvPr id="20" name="Elipse 19">
+            <a:extLst>
+              <a:ext uri="{FF2B5EF4-FFF2-40B4-BE49-F238E27FC236}">
+                <a16:creationId xmlns:a16="http://schemas.microsoft.com/office/drawing/2014/main" id="{99B8FA62-104A-4FE0-ACE6-3530CD5A1BEB}"/>
+              </a:ext>
+            </a:extLst>
+          </p:cNvPr>
+          <p:cNvSpPr/>
+          <p:nvPr/>
+        </p:nvSpPr>
+        <p:spPr>
+          <a:xfrm>
+            <a:off x="9300549" y="3435701"/>
+            <a:ext cx="540000" cy="540000"/>
+          </a:xfrm>
+          <a:prstGeom prst="ellipse">
+            <a:avLst/>
+          </a:prstGeom>
+          <a:solidFill>
+            <a:srgbClr val="FF4E00">
+              <a:alpha val="75000"/>
+            </a:srgbClr>
+          </a:solidFill>
+          <a:ln w="18000">
+            <a:solidFill>
+              <a:srgbClr val="FF4E00"/>
+            </a:solidFill>
+          </a:ln>
+        </p:spPr>
+        <p:style>
+          <a:lnRef idx="2">
+            <a:schemeClr val="accent1">
+              <a:shade val="50000"/>
+            </a:schemeClr>
+          </a:lnRef>
+          <a:fillRef idx="1">
+            <a:schemeClr val="accent1"/>
+          </a:fillRef>
+          <a:effectRef idx="0">
+            <a:schemeClr val="accent1"/>
+          </a:effectRef>
+          <a:fontRef idx="minor">
+            <a:schemeClr val="lt1"/>
+          </a:fontRef>
+        </p:style>
+        <p:txBody>
+          <a:bodyPr rtlCol="0" anchor="ctr"/>
+          <a:lstStyle/>
+          <a:p>
+            <a:pPr algn="ctr"/>
+            <a:endParaRPr lang="pt-BR">
+              <a:solidFill>
+                <a:srgbClr val="FF4E00"/>
+              </a:solidFill>
+            </a:endParaRPr>
+          </a:p>
+        </p:txBody>
+      </p:sp>
+      <p:sp>
+        <p:nvSpPr>
+          <p:cNvPr id="23" name="CaixaDeTexto 22">
+            <a:extLst>
+              <a:ext uri="{FF2B5EF4-FFF2-40B4-BE49-F238E27FC236}">
+                <a16:creationId xmlns:a16="http://schemas.microsoft.com/office/drawing/2014/main" id="{8509AA95-C6E4-43A8-A526-B009C9D24EC3}"/>
+              </a:ext>
+            </a:extLst>
+          </p:cNvPr>
+          <p:cNvSpPr txBox="1"/>
+          <p:nvPr/>
+        </p:nvSpPr>
+        <p:spPr>
+          <a:xfrm>
+            <a:off x="5007527" y="3521035"/>
+            <a:ext cx="309084" cy="369332"/>
+          </a:xfrm>
+          <a:prstGeom prst="rect">
+            <a:avLst/>
+          </a:prstGeom>
+          <a:noFill/>
+        </p:spPr>
+        <p:txBody>
+          <a:bodyPr wrap="square" rtlCol="0">
+            <a:spAutoFit/>
+          </a:bodyPr>
+          <a:lstStyle/>
+          <a:p>
+            <a:r>
+              <a:rPr lang="pt-BR" dirty="0"/>
+              <a:t>0</a:t>
+            </a:r>
+          </a:p>
+        </p:txBody>
+      </p:sp>
+      <p:sp>
+        <p:nvSpPr>
+          <p:cNvPr id="24" name="CaixaDeTexto 23">
+            <a:extLst>
+              <a:ext uri="{FF2B5EF4-FFF2-40B4-BE49-F238E27FC236}">
+                <a16:creationId xmlns:a16="http://schemas.microsoft.com/office/drawing/2014/main" id="{FE5ABF49-0B8E-4ACE-A80F-4C9C1AE0CC25}"/>
+              </a:ext>
+            </a:extLst>
+          </p:cNvPr>
+          <p:cNvSpPr txBox="1"/>
+          <p:nvPr/>
+        </p:nvSpPr>
+        <p:spPr>
+          <a:xfrm>
+            <a:off x="5881287" y="3521035"/>
+            <a:ext cx="309084" cy="369332"/>
+          </a:xfrm>
+          <a:prstGeom prst="rect">
+            <a:avLst/>
+          </a:prstGeom>
+          <a:noFill/>
+        </p:spPr>
+        <p:txBody>
+          <a:bodyPr wrap="square" rtlCol="0">
+            <a:spAutoFit/>
+          </a:bodyPr>
+          <a:lstStyle/>
+          <a:p>
+            <a:r>
+              <a:rPr lang="pt-BR" dirty="0"/>
+              <a:t>1</a:t>
+            </a:r>
+          </a:p>
+        </p:txBody>
+      </p:sp>
+      <p:sp>
+        <p:nvSpPr>
+          <p:cNvPr id="25" name="CaixaDeTexto 24">
+            <a:extLst>
+              <a:ext uri="{FF2B5EF4-FFF2-40B4-BE49-F238E27FC236}">
+                <a16:creationId xmlns:a16="http://schemas.microsoft.com/office/drawing/2014/main" id="{C6FCC04B-B5F7-41B2-9097-4A5C4CF2D810}"/>
+              </a:ext>
+            </a:extLst>
+          </p:cNvPr>
+          <p:cNvSpPr txBox="1"/>
+          <p:nvPr/>
+        </p:nvSpPr>
+        <p:spPr>
+          <a:xfrm>
+            <a:off x="6782487" y="3521035"/>
+            <a:ext cx="309084" cy="369332"/>
+          </a:xfrm>
+          <a:prstGeom prst="rect">
+            <a:avLst/>
+          </a:prstGeom>
+          <a:noFill/>
+        </p:spPr>
+        <p:txBody>
+          <a:bodyPr wrap="square" rtlCol="0">
+            <a:spAutoFit/>
+          </a:bodyPr>
+          <a:lstStyle/>
+          <a:p>
+            <a:r>
+              <a:rPr lang="pt-BR" dirty="0"/>
+              <a:t>2</a:t>
+            </a:r>
+          </a:p>
+        </p:txBody>
+      </p:sp>
+      <p:sp>
+        <p:nvSpPr>
+          <p:cNvPr id="26" name="CaixaDeTexto 25">
+            <a:extLst>
+              <a:ext uri="{FF2B5EF4-FFF2-40B4-BE49-F238E27FC236}">
+                <a16:creationId xmlns:a16="http://schemas.microsoft.com/office/drawing/2014/main" id="{6D9D7ACA-D931-48C8-AE74-C893D0CF40EC}"/>
+              </a:ext>
+            </a:extLst>
+          </p:cNvPr>
+          <p:cNvSpPr txBox="1"/>
+          <p:nvPr/>
+        </p:nvSpPr>
+        <p:spPr>
+          <a:xfrm>
+            <a:off x="7660327" y="3521035"/>
+            <a:ext cx="309084" cy="369332"/>
+          </a:xfrm>
+          <a:prstGeom prst="rect">
+            <a:avLst/>
+          </a:prstGeom>
+          <a:noFill/>
+        </p:spPr>
+        <p:txBody>
+          <a:bodyPr wrap="square" rtlCol="0">
+            <a:spAutoFit/>
+          </a:bodyPr>
+          <a:lstStyle/>
+          <a:p>
+            <a:r>
+              <a:rPr lang="pt-BR" dirty="0"/>
+              <a:t>3</a:t>
+            </a:r>
+          </a:p>
+        </p:txBody>
+      </p:sp>
+      <p:sp>
+        <p:nvSpPr>
+          <p:cNvPr id="27" name="CaixaDeTexto 26">
+            <a:extLst>
+              <a:ext uri="{FF2B5EF4-FFF2-40B4-BE49-F238E27FC236}">
+                <a16:creationId xmlns:a16="http://schemas.microsoft.com/office/drawing/2014/main" id="{D3BDDC9A-C5C1-4A8C-BA82-5F9C49C56152}"/>
+              </a:ext>
+            </a:extLst>
+          </p:cNvPr>
+          <p:cNvSpPr txBox="1"/>
+          <p:nvPr/>
+        </p:nvSpPr>
+        <p:spPr>
+          <a:xfrm>
+            <a:off x="8538167" y="3521035"/>
+            <a:ext cx="309084" cy="369332"/>
+          </a:xfrm>
+          <a:prstGeom prst="rect">
+            <a:avLst/>
+          </a:prstGeom>
+          <a:noFill/>
+        </p:spPr>
+        <p:txBody>
+          <a:bodyPr wrap="square" rtlCol="0">
+            <a:spAutoFit/>
+          </a:bodyPr>
+          <a:lstStyle/>
+          <a:p>
+            <a:r>
+              <a:rPr lang="pt-BR" dirty="0"/>
+              <a:t>4</a:t>
+            </a:r>
+          </a:p>
+        </p:txBody>
+      </p:sp>
+      <p:sp>
+        <p:nvSpPr>
+          <p:cNvPr id="28" name="CaixaDeTexto 27">
+            <a:extLst>
+              <a:ext uri="{FF2B5EF4-FFF2-40B4-BE49-F238E27FC236}">
+                <a16:creationId xmlns:a16="http://schemas.microsoft.com/office/drawing/2014/main" id="{9DD02DE4-DE23-4F40-857D-C4439FCD9DCF}"/>
+              </a:ext>
+            </a:extLst>
+          </p:cNvPr>
+          <p:cNvSpPr txBox="1"/>
+          <p:nvPr/>
+        </p:nvSpPr>
+        <p:spPr>
+          <a:xfrm>
+            <a:off x="9424568" y="3521035"/>
+            <a:ext cx="309084" cy="369332"/>
+          </a:xfrm>
+          <a:prstGeom prst="rect">
+            <a:avLst/>
+          </a:prstGeom>
+          <a:noFill/>
+        </p:spPr>
+        <p:txBody>
+          <a:bodyPr wrap="square" rtlCol="0">
+            <a:spAutoFit/>
+          </a:bodyPr>
+          <a:lstStyle/>
+          <a:p>
+            <a:r>
+              <a:rPr lang="pt-BR" dirty="0"/>
+              <a:t>0</a:t>
+            </a:r>
+          </a:p>
+        </p:txBody>
+      </p:sp>
+      <p:sp>
+        <p:nvSpPr>
+          <p:cNvPr id="29" name="CaixaDeTexto 28">
+            <a:extLst>
+              <a:ext uri="{FF2B5EF4-FFF2-40B4-BE49-F238E27FC236}">
+                <a16:creationId xmlns:a16="http://schemas.microsoft.com/office/drawing/2014/main" id="{A0596966-7710-43AF-A26D-4B87970DF133}"/>
+              </a:ext>
+            </a:extLst>
+          </p:cNvPr>
+          <p:cNvSpPr txBox="1"/>
+          <p:nvPr/>
+        </p:nvSpPr>
+        <p:spPr>
+          <a:xfrm>
+            <a:off x="1741651" y="3516550"/>
+            <a:ext cx="2506701" cy="461665"/>
+          </a:xfrm>
+          <a:prstGeom prst="rect">
+            <a:avLst/>
+          </a:prstGeom>
+          <a:noFill/>
+        </p:spPr>
+        <p:txBody>
+          <a:bodyPr wrap="square" rtlCol="0">
+            <a:spAutoFit/>
+          </a:bodyPr>
+          <a:lstStyle/>
+          <a:p>
+            <a:r>
+              <a:rPr lang="pt-BR" sz="2400" dirty="0"/>
+              <a:t>Solução Base: </a:t>
+            </a:r>
           </a:p>
         </p:txBody>
       </p:sp>
     </p:spTree>
     <p:extLst>
       <p:ext uri="{BB962C8B-B14F-4D97-AF65-F5344CB8AC3E}">
-        <p14:creationId xmlns:p14="http://schemas.microsoft.com/office/powerpoint/2010/main" val="4186024152"/>
+        <p14:creationId xmlns:p14="http://schemas.microsoft.com/office/powerpoint/2010/main" val="139324997"/>
+      </p:ext>
+    </p:extLst>
+  </p:cSld>
+  <p:clrMapOvr>
+    <a:masterClrMapping/>
+  </p:clrMapOvr>
+</p:sld>
+</file>
+
+<file path=ppt/slides/slide6.xml><?xml version="1.0" encoding="utf-8"?>
+<p:sld xmlns:a="http://schemas.openxmlformats.org/drawingml/2006/main" xmlns:r="http://schemas.openxmlformats.org/officeDocument/2006/relationships" xmlns:p="http://schemas.openxmlformats.org/presentationml/2006/main">
+  <p:cSld>
+    <p:spTree>
+      <p:nvGrpSpPr>
+        <p:cNvPr id="1" name=""/>
+        <p:cNvGrpSpPr/>
+        <p:nvPr/>
+      </p:nvGrpSpPr>
+      <p:grpSpPr>
+        <a:xfrm>
+          <a:off x="0" y="0"/>
+          <a:ext cx="0" cy="0"/>
+          <a:chOff x="0" y="0"/>
+          <a:chExt cx="0" cy="0"/>
+        </a:xfrm>
+      </p:grpSpPr>
+      <p:sp>
+        <p:nvSpPr>
+          <p:cNvPr id="2" name="Título 1">
+            <a:extLst>
+              <a:ext uri="{FF2B5EF4-FFF2-40B4-BE49-F238E27FC236}">
+                <a16:creationId xmlns:a16="http://schemas.microsoft.com/office/drawing/2014/main" id="{6D811184-239A-44CE-9921-B1A2FC5251CB}"/>
+              </a:ext>
+            </a:extLst>
+          </p:cNvPr>
+          <p:cNvSpPr>
+            <a:spLocks noGrp="1"/>
+          </p:cNvSpPr>
+          <p:nvPr>
+            <p:ph type="title"/>
+          </p:nvPr>
+        </p:nvSpPr>
+        <p:spPr>
+          <a:xfrm>
+            <a:off x="1930400" y="845653"/>
+            <a:ext cx="8610600" cy="1293028"/>
+          </a:xfrm>
+        </p:spPr>
+        <p:txBody>
+          <a:bodyPr>
+            <a:normAutofit fontScale="90000"/>
+          </a:bodyPr>
+          <a:lstStyle/>
+          <a:p>
+            <a:r>
+              <a:rPr lang="pt-BR" dirty="0"/>
+              <a:t>Meta-</a:t>
+            </a:r>
+            <a:r>
+              <a:rPr lang="pt-BR" dirty="0" err="1"/>
+              <a:t>heuristica</a:t>
+            </a:r>
+            <a:r>
+              <a:rPr lang="pt-BR" sz="4000" dirty="0"/>
+              <a:t>:</a:t>
+            </a:r>
+            <a:br>
+              <a:rPr lang="pt-BR" sz="4000" dirty="0"/>
+            </a:br>
+            <a:br>
+              <a:rPr lang="pt-BR" dirty="0"/>
+            </a:br>
+            <a:r>
+              <a:rPr lang="pt-BR" sz="2800" dirty="0" err="1"/>
+              <a:t>Simulated</a:t>
+            </a:r>
+            <a:r>
+              <a:rPr lang="pt-BR" sz="2800" dirty="0"/>
+              <a:t> </a:t>
+            </a:r>
+            <a:r>
+              <a:rPr lang="pt-BR" sz="2800" dirty="0" err="1"/>
+              <a:t>annealing</a:t>
+            </a:r>
+            <a:endParaRPr lang="pt-BR" sz="2800" dirty="0"/>
+          </a:p>
+        </p:txBody>
+      </p:sp>
+      <p:sp>
+        <p:nvSpPr>
+          <p:cNvPr id="3" name="Espaço Reservado para Conteúdo 2">
+            <a:extLst>
+              <a:ext uri="{FF2B5EF4-FFF2-40B4-BE49-F238E27FC236}">
+                <a16:creationId xmlns:a16="http://schemas.microsoft.com/office/drawing/2014/main" id="{C801B1CE-795C-4CCE-8B79-591E3815B698}"/>
+              </a:ext>
+            </a:extLst>
+          </p:cNvPr>
+          <p:cNvSpPr>
+            <a:spLocks noGrp="1"/>
+          </p:cNvSpPr>
+          <p:nvPr>
+            <p:ph idx="1"/>
+          </p:nvPr>
+        </p:nvSpPr>
+        <p:spPr>
+          <a:xfrm>
+            <a:off x="885511" y="2320206"/>
+            <a:ext cx="7071128" cy="540000"/>
+          </a:xfrm>
+        </p:spPr>
+        <p:txBody>
+          <a:bodyPr>
+            <a:normAutofit/>
+          </a:bodyPr>
+          <a:lstStyle/>
+          <a:p>
+            <a:pPr marL="0" indent="0">
+              <a:buNone/>
+            </a:pPr>
+            <a:r>
+              <a:rPr lang="pt-BR" dirty="0"/>
+              <a:t>	</a:t>
+            </a:r>
+            <a:r>
+              <a:rPr lang="pt-BR" sz="3200" dirty="0"/>
+              <a:t>Vizinhanças</a:t>
+            </a:r>
+          </a:p>
+        </p:txBody>
+      </p:sp>
+      <p:sp>
+        <p:nvSpPr>
+          <p:cNvPr id="8" name="CaixaDeTexto 7">
+            <a:extLst>
+              <a:ext uri="{FF2B5EF4-FFF2-40B4-BE49-F238E27FC236}">
+                <a16:creationId xmlns:a16="http://schemas.microsoft.com/office/drawing/2014/main" id="{47369606-71A7-4D2A-9403-98734EC8CF4E}"/>
+              </a:ext>
+            </a:extLst>
+          </p:cNvPr>
+          <p:cNvSpPr txBox="1"/>
+          <p:nvPr/>
+        </p:nvSpPr>
+        <p:spPr>
+          <a:xfrm>
+            <a:off x="1612621" y="2861730"/>
+            <a:ext cx="2976880" cy="584775"/>
+          </a:xfrm>
+          <a:prstGeom prst="rect">
+            <a:avLst/>
+          </a:prstGeom>
+          <a:noFill/>
+        </p:spPr>
+        <p:txBody>
+          <a:bodyPr wrap="square" rtlCol="0">
+            <a:spAutoFit/>
+          </a:bodyPr>
+          <a:lstStyle/>
+          <a:p>
+            <a:r>
+              <a:rPr lang="pt-BR" sz="3200" b="1" dirty="0"/>
+              <a:t>2-Opt</a:t>
+            </a:r>
+          </a:p>
+        </p:txBody>
+      </p:sp>
+      <p:sp>
+        <p:nvSpPr>
+          <p:cNvPr id="13" name="Elipse 12">
+            <a:extLst>
+              <a:ext uri="{FF2B5EF4-FFF2-40B4-BE49-F238E27FC236}">
+                <a16:creationId xmlns:a16="http://schemas.microsoft.com/office/drawing/2014/main" id="{785487F0-5C84-4360-A2A1-2FF74F902BDE}"/>
+              </a:ext>
+            </a:extLst>
+          </p:cNvPr>
+          <p:cNvSpPr/>
+          <p:nvPr/>
+        </p:nvSpPr>
+        <p:spPr>
+          <a:xfrm>
+            <a:off x="4892069" y="3435701"/>
+            <a:ext cx="540000" cy="540000"/>
+          </a:xfrm>
+          <a:prstGeom prst="ellipse">
+            <a:avLst/>
+          </a:prstGeom>
+          <a:solidFill>
+            <a:srgbClr val="FF4E00">
+              <a:alpha val="75000"/>
+            </a:srgbClr>
+          </a:solidFill>
+          <a:ln w="18000">
+            <a:solidFill>
+              <a:srgbClr val="FF4E00"/>
+            </a:solidFill>
+          </a:ln>
+        </p:spPr>
+        <p:style>
+          <a:lnRef idx="2">
+            <a:schemeClr val="accent1">
+              <a:shade val="50000"/>
+            </a:schemeClr>
+          </a:lnRef>
+          <a:fillRef idx="1">
+            <a:schemeClr val="accent1"/>
+          </a:fillRef>
+          <a:effectRef idx="0">
+            <a:schemeClr val="accent1"/>
+          </a:effectRef>
+          <a:fontRef idx="minor">
+            <a:schemeClr val="lt1"/>
+          </a:fontRef>
+        </p:style>
+        <p:txBody>
+          <a:bodyPr rtlCol="0" anchor="ctr"/>
+          <a:lstStyle/>
+          <a:p>
+            <a:pPr algn="ctr"/>
+            <a:endParaRPr lang="pt-BR">
+              <a:solidFill>
+                <a:srgbClr val="FF4E00"/>
+              </a:solidFill>
+            </a:endParaRPr>
+          </a:p>
+        </p:txBody>
+      </p:sp>
+      <p:sp>
+        <p:nvSpPr>
+          <p:cNvPr id="15" name="Elipse 14">
+            <a:extLst>
+              <a:ext uri="{FF2B5EF4-FFF2-40B4-BE49-F238E27FC236}">
+                <a16:creationId xmlns:a16="http://schemas.microsoft.com/office/drawing/2014/main" id="{53D3B27A-BACF-4A1C-93D4-5FFFEE49BE29}"/>
+              </a:ext>
+            </a:extLst>
+          </p:cNvPr>
+          <p:cNvSpPr/>
+          <p:nvPr/>
+        </p:nvSpPr>
+        <p:spPr>
+          <a:xfrm>
+            <a:off x="5765829" y="3435701"/>
+            <a:ext cx="540000" cy="540000"/>
+          </a:xfrm>
+          <a:prstGeom prst="ellipse">
+            <a:avLst/>
+          </a:prstGeom>
+          <a:solidFill>
+            <a:srgbClr val="FF4E00">
+              <a:alpha val="75000"/>
+            </a:srgbClr>
+          </a:solidFill>
+          <a:ln w="18000">
+            <a:solidFill>
+              <a:srgbClr val="FF4E00"/>
+            </a:solidFill>
+          </a:ln>
+        </p:spPr>
+        <p:style>
+          <a:lnRef idx="2">
+            <a:schemeClr val="accent1">
+              <a:shade val="50000"/>
+            </a:schemeClr>
+          </a:lnRef>
+          <a:fillRef idx="1">
+            <a:schemeClr val="accent1"/>
+          </a:fillRef>
+          <a:effectRef idx="0">
+            <a:schemeClr val="accent1"/>
+          </a:effectRef>
+          <a:fontRef idx="minor">
+            <a:schemeClr val="lt1"/>
+          </a:fontRef>
+        </p:style>
+        <p:txBody>
+          <a:bodyPr rtlCol="0" anchor="ctr"/>
+          <a:lstStyle/>
+          <a:p>
+            <a:pPr algn="ctr"/>
+            <a:endParaRPr lang="pt-BR">
+              <a:solidFill>
+                <a:srgbClr val="FF4E00"/>
+              </a:solidFill>
+            </a:endParaRPr>
+          </a:p>
+        </p:txBody>
+      </p:sp>
+      <p:sp>
+        <p:nvSpPr>
+          <p:cNvPr id="17" name="Elipse 16">
+            <a:extLst>
+              <a:ext uri="{FF2B5EF4-FFF2-40B4-BE49-F238E27FC236}">
+                <a16:creationId xmlns:a16="http://schemas.microsoft.com/office/drawing/2014/main" id="{9F2E3B3A-E616-42E7-9538-A98D22F3F07A}"/>
+              </a:ext>
+            </a:extLst>
+          </p:cNvPr>
+          <p:cNvSpPr/>
+          <p:nvPr/>
+        </p:nvSpPr>
+        <p:spPr>
+          <a:xfrm>
+            <a:off x="6667029" y="3435701"/>
+            <a:ext cx="540000" cy="540000"/>
+          </a:xfrm>
+          <a:prstGeom prst="ellipse">
+            <a:avLst/>
+          </a:prstGeom>
+          <a:solidFill>
+            <a:srgbClr val="FF4E00">
+              <a:alpha val="75000"/>
+            </a:srgbClr>
+          </a:solidFill>
+          <a:ln w="18000">
+            <a:solidFill>
+              <a:srgbClr val="FF4E00"/>
+            </a:solidFill>
+          </a:ln>
+        </p:spPr>
+        <p:style>
+          <a:lnRef idx="2">
+            <a:schemeClr val="accent1">
+              <a:shade val="50000"/>
+            </a:schemeClr>
+          </a:lnRef>
+          <a:fillRef idx="1">
+            <a:schemeClr val="accent1"/>
+          </a:fillRef>
+          <a:effectRef idx="0">
+            <a:schemeClr val="accent1"/>
+          </a:effectRef>
+          <a:fontRef idx="minor">
+            <a:schemeClr val="lt1"/>
+          </a:fontRef>
+        </p:style>
+        <p:txBody>
+          <a:bodyPr rtlCol="0" anchor="ctr"/>
+          <a:lstStyle/>
+          <a:p>
+            <a:pPr algn="ctr"/>
+            <a:endParaRPr lang="pt-BR">
+              <a:solidFill>
+                <a:srgbClr val="FF4E00"/>
+              </a:solidFill>
+            </a:endParaRPr>
+          </a:p>
+        </p:txBody>
+      </p:sp>
+      <p:sp>
+        <p:nvSpPr>
+          <p:cNvPr id="18" name="Elipse 17">
+            <a:extLst>
+              <a:ext uri="{FF2B5EF4-FFF2-40B4-BE49-F238E27FC236}">
+                <a16:creationId xmlns:a16="http://schemas.microsoft.com/office/drawing/2014/main" id="{AF7D96C6-F82E-4619-AC46-97C610389364}"/>
+              </a:ext>
+            </a:extLst>
+          </p:cNvPr>
+          <p:cNvSpPr/>
+          <p:nvPr/>
+        </p:nvSpPr>
+        <p:spPr>
+          <a:xfrm>
+            <a:off x="7544869" y="3435701"/>
+            <a:ext cx="540000" cy="540000"/>
+          </a:xfrm>
+          <a:prstGeom prst="ellipse">
+            <a:avLst/>
+          </a:prstGeom>
+          <a:solidFill>
+            <a:srgbClr val="FF4E00">
+              <a:alpha val="75000"/>
+            </a:srgbClr>
+          </a:solidFill>
+          <a:ln w="18000">
+            <a:solidFill>
+              <a:srgbClr val="FF4E00"/>
+            </a:solidFill>
+          </a:ln>
+        </p:spPr>
+        <p:style>
+          <a:lnRef idx="2">
+            <a:schemeClr val="accent1">
+              <a:shade val="50000"/>
+            </a:schemeClr>
+          </a:lnRef>
+          <a:fillRef idx="1">
+            <a:schemeClr val="accent1"/>
+          </a:fillRef>
+          <a:effectRef idx="0">
+            <a:schemeClr val="accent1"/>
+          </a:effectRef>
+          <a:fontRef idx="minor">
+            <a:schemeClr val="lt1"/>
+          </a:fontRef>
+        </p:style>
+        <p:txBody>
+          <a:bodyPr rtlCol="0" anchor="ctr"/>
+          <a:lstStyle/>
+          <a:p>
+            <a:pPr algn="ctr"/>
+            <a:endParaRPr lang="pt-BR">
+              <a:solidFill>
+                <a:srgbClr val="FF4E00"/>
+              </a:solidFill>
+            </a:endParaRPr>
+          </a:p>
+        </p:txBody>
+      </p:sp>
+      <p:sp>
+        <p:nvSpPr>
+          <p:cNvPr id="19" name="Elipse 18">
+            <a:extLst>
+              <a:ext uri="{FF2B5EF4-FFF2-40B4-BE49-F238E27FC236}">
+                <a16:creationId xmlns:a16="http://schemas.microsoft.com/office/drawing/2014/main" id="{96C93668-5640-4344-B5AE-E2A185314D13}"/>
+              </a:ext>
+            </a:extLst>
+          </p:cNvPr>
+          <p:cNvSpPr/>
+          <p:nvPr/>
+        </p:nvSpPr>
+        <p:spPr>
+          <a:xfrm>
+            <a:off x="8422709" y="3435701"/>
+            <a:ext cx="540000" cy="540000"/>
+          </a:xfrm>
+          <a:prstGeom prst="ellipse">
+            <a:avLst/>
+          </a:prstGeom>
+          <a:solidFill>
+            <a:srgbClr val="FF4E00">
+              <a:alpha val="75000"/>
+            </a:srgbClr>
+          </a:solidFill>
+          <a:ln w="18000">
+            <a:solidFill>
+              <a:srgbClr val="FF4E00"/>
+            </a:solidFill>
+          </a:ln>
+        </p:spPr>
+        <p:style>
+          <a:lnRef idx="2">
+            <a:schemeClr val="accent1">
+              <a:shade val="50000"/>
+            </a:schemeClr>
+          </a:lnRef>
+          <a:fillRef idx="1">
+            <a:schemeClr val="accent1"/>
+          </a:fillRef>
+          <a:effectRef idx="0">
+            <a:schemeClr val="accent1"/>
+          </a:effectRef>
+          <a:fontRef idx="minor">
+            <a:schemeClr val="lt1"/>
+          </a:fontRef>
+        </p:style>
+        <p:txBody>
+          <a:bodyPr rtlCol="0" anchor="ctr"/>
+          <a:lstStyle/>
+          <a:p>
+            <a:pPr algn="ctr"/>
+            <a:endParaRPr lang="pt-BR">
+              <a:solidFill>
+                <a:srgbClr val="FF4E00"/>
+              </a:solidFill>
+            </a:endParaRPr>
+          </a:p>
+        </p:txBody>
+      </p:sp>
+      <p:sp>
+        <p:nvSpPr>
+          <p:cNvPr id="20" name="Elipse 19">
+            <a:extLst>
+              <a:ext uri="{FF2B5EF4-FFF2-40B4-BE49-F238E27FC236}">
+                <a16:creationId xmlns:a16="http://schemas.microsoft.com/office/drawing/2014/main" id="{99B8FA62-104A-4FE0-ACE6-3530CD5A1BEB}"/>
+              </a:ext>
+            </a:extLst>
+          </p:cNvPr>
+          <p:cNvSpPr/>
+          <p:nvPr/>
+        </p:nvSpPr>
+        <p:spPr>
+          <a:xfrm>
+            <a:off x="9300549" y="3435701"/>
+            <a:ext cx="540000" cy="540000"/>
+          </a:xfrm>
+          <a:prstGeom prst="ellipse">
+            <a:avLst/>
+          </a:prstGeom>
+          <a:solidFill>
+            <a:srgbClr val="FF4E00">
+              <a:alpha val="75000"/>
+            </a:srgbClr>
+          </a:solidFill>
+          <a:ln w="18000">
+            <a:solidFill>
+              <a:srgbClr val="FF4E00"/>
+            </a:solidFill>
+          </a:ln>
+        </p:spPr>
+        <p:style>
+          <a:lnRef idx="2">
+            <a:schemeClr val="accent1">
+              <a:shade val="50000"/>
+            </a:schemeClr>
+          </a:lnRef>
+          <a:fillRef idx="1">
+            <a:schemeClr val="accent1"/>
+          </a:fillRef>
+          <a:effectRef idx="0">
+            <a:schemeClr val="accent1"/>
+          </a:effectRef>
+          <a:fontRef idx="minor">
+            <a:schemeClr val="lt1"/>
+          </a:fontRef>
+        </p:style>
+        <p:txBody>
+          <a:bodyPr rtlCol="0" anchor="ctr"/>
+          <a:lstStyle/>
+          <a:p>
+            <a:pPr algn="ctr"/>
+            <a:endParaRPr lang="pt-BR">
+              <a:solidFill>
+                <a:srgbClr val="FF4E00"/>
+              </a:solidFill>
+            </a:endParaRPr>
+          </a:p>
+        </p:txBody>
+      </p:sp>
+      <p:sp>
+        <p:nvSpPr>
+          <p:cNvPr id="23" name="CaixaDeTexto 22">
+            <a:extLst>
+              <a:ext uri="{FF2B5EF4-FFF2-40B4-BE49-F238E27FC236}">
+                <a16:creationId xmlns:a16="http://schemas.microsoft.com/office/drawing/2014/main" id="{8509AA95-C6E4-43A8-A526-B009C9D24EC3}"/>
+              </a:ext>
+            </a:extLst>
+          </p:cNvPr>
+          <p:cNvSpPr txBox="1"/>
+          <p:nvPr/>
+        </p:nvSpPr>
+        <p:spPr>
+          <a:xfrm>
+            <a:off x="5007527" y="3521035"/>
+            <a:ext cx="309084" cy="369332"/>
+          </a:xfrm>
+          <a:prstGeom prst="rect">
+            <a:avLst/>
+          </a:prstGeom>
+          <a:noFill/>
+        </p:spPr>
+        <p:txBody>
+          <a:bodyPr wrap="square" rtlCol="0">
+            <a:spAutoFit/>
+          </a:bodyPr>
+          <a:lstStyle/>
+          <a:p>
+            <a:r>
+              <a:rPr lang="pt-BR" dirty="0"/>
+              <a:t>0</a:t>
+            </a:r>
+          </a:p>
+        </p:txBody>
+      </p:sp>
+      <p:sp>
+        <p:nvSpPr>
+          <p:cNvPr id="24" name="CaixaDeTexto 23">
+            <a:extLst>
+              <a:ext uri="{FF2B5EF4-FFF2-40B4-BE49-F238E27FC236}">
+                <a16:creationId xmlns:a16="http://schemas.microsoft.com/office/drawing/2014/main" id="{FE5ABF49-0B8E-4ACE-A80F-4C9C1AE0CC25}"/>
+              </a:ext>
+            </a:extLst>
+          </p:cNvPr>
+          <p:cNvSpPr txBox="1"/>
+          <p:nvPr/>
+        </p:nvSpPr>
+        <p:spPr>
+          <a:xfrm>
+            <a:off x="5881287" y="3521035"/>
+            <a:ext cx="309084" cy="369332"/>
+          </a:xfrm>
+          <a:prstGeom prst="rect">
+            <a:avLst/>
+          </a:prstGeom>
+          <a:noFill/>
+        </p:spPr>
+        <p:txBody>
+          <a:bodyPr wrap="square" rtlCol="0">
+            <a:spAutoFit/>
+          </a:bodyPr>
+          <a:lstStyle/>
+          <a:p>
+            <a:r>
+              <a:rPr lang="pt-BR" dirty="0"/>
+              <a:t>1</a:t>
+            </a:r>
+          </a:p>
+        </p:txBody>
+      </p:sp>
+      <p:sp>
+        <p:nvSpPr>
+          <p:cNvPr id="25" name="CaixaDeTexto 24">
+            <a:extLst>
+              <a:ext uri="{FF2B5EF4-FFF2-40B4-BE49-F238E27FC236}">
+                <a16:creationId xmlns:a16="http://schemas.microsoft.com/office/drawing/2014/main" id="{C6FCC04B-B5F7-41B2-9097-4A5C4CF2D810}"/>
+              </a:ext>
+            </a:extLst>
+          </p:cNvPr>
+          <p:cNvSpPr txBox="1"/>
+          <p:nvPr/>
+        </p:nvSpPr>
+        <p:spPr>
+          <a:xfrm>
+            <a:off x="6782487" y="3521035"/>
+            <a:ext cx="309084" cy="369332"/>
+          </a:xfrm>
+          <a:prstGeom prst="rect">
+            <a:avLst/>
+          </a:prstGeom>
+          <a:noFill/>
+        </p:spPr>
+        <p:txBody>
+          <a:bodyPr wrap="square" rtlCol="0">
+            <a:spAutoFit/>
+          </a:bodyPr>
+          <a:lstStyle/>
+          <a:p>
+            <a:r>
+              <a:rPr lang="pt-BR" dirty="0"/>
+              <a:t>2</a:t>
+            </a:r>
+          </a:p>
+        </p:txBody>
+      </p:sp>
+      <p:sp>
+        <p:nvSpPr>
+          <p:cNvPr id="26" name="CaixaDeTexto 25">
+            <a:extLst>
+              <a:ext uri="{FF2B5EF4-FFF2-40B4-BE49-F238E27FC236}">
+                <a16:creationId xmlns:a16="http://schemas.microsoft.com/office/drawing/2014/main" id="{6D9D7ACA-D931-48C8-AE74-C893D0CF40EC}"/>
+              </a:ext>
+            </a:extLst>
+          </p:cNvPr>
+          <p:cNvSpPr txBox="1"/>
+          <p:nvPr/>
+        </p:nvSpPr>
+        <p:spPr>
+          <a:xfrm>
+            <a:off x="7660327" y="3521035"/>
+            <a:ext cx="309084" cy="369332"/>
+          </a:xfrm>
+          <a:prstGeom prst="rect">
+            <a:avLst/>
+          </a:prstGeom>
+          <a:noFill/>
+        </p:spPr>
+        <p:txBody>
+          <a:bodyPr wrap="square" rtlCol="0">
+            <a:spAutoFit/>
+          </a:bodyPr>
+          <a:lstStyle/>
+          <a:p>
+            <a:r>
+              <a:rPr lang="pt-BR" dirty="0"/>
+              <a:t>3</a:t>
+            </a:r>
+          </a:p>
+        </p:txBody>
+      </p:sp>
+      <p:sp>
+        <p:nvSpPr>
+          <p:cNvPr id="27" name="CaixaDeTexto 26">
+            <a:extLst>
+              <a:ext uri="{FF2B5EF4-FFF2-40B4-BE49-F238E27FC236}">
+                <a16:creationId xmlns:a16="http://schemas.microsoft.com/office/drawing/2014/main" id="{D3BDDC9A-C5C1-4A8C-BA82-5F9C49C56152}"/>
+              </a:ext>
+            </a:extLst>
+          </p:cNvPr>
+          <p:cNvSpPr txBox="1"/>
+          <p:nvPr/>
+        </p:nvSpPr>
+        <p:spPr>
+          <a:xfrm>
+            <a:off x="8538167" y="3521035"/>
+            <a:ext cx="309084" cy="369332"/>
+          </a:xfrm>
+          <a:prstGeom prst="rect">
+            <a:avLst/>
+          </a:prstGeom>
+          <a:noFill/>
+        </p:spPr>
+        <p:txBody>
+          <a:bodyPr wrap="square" rtlCol="0">
+            <a:spAutoFit/>
+          </a:bodyPr>
+          <a:lstStyle/>
+          <a:p>
+            <a:r>
+              <a:rPr lang="pt-BR" dirty="0"/>
+              <a:t>4</a:t>
+            </a:r>
+          </a:p>
+        </p:txBody>
+      </p:sp>
+      <p:sp>
+        <p:nvSpPr>
+          <p:cNvPr id="28" name="CaixaDeTexto 27">
+            <a:extLst>
+              <a:ext uri="{FF2B5EF4-FFF2-40B4-BE49-F238E27FC236}">
+                <a16:creationId xmlns:a16="http://schemas.microsoft.com/office/drawing/2014/main" id="{9DD02DE4-DE23-4F40-857D-C4439FCD9DCF}"/>
+              </a:ext>
+            </a:extLst>
+          </p:cNvPr>
+          <p:cNvSpPr txBox="1"/>
+          <p:nvPr/>
+        </p:nvSpPr>
+        <p:spPr>
+          <a:xfrm>
+            <a:off x="9424568" y="3521035"/>
+            <a:ext cx="309084" cy="369332"/>
+          </a:xfrm>
+          <a:prstGeom prst="rect">
+            <a:avLst/>
+          </a:prstGeom>
+          <a:noFill/>
+        </p:spPr>
+        <p:txBody>
+          <a:bodyPr wrap="square" rtlCol="0">
+            <a:spAutoFit/>
+          </a:bodyPr>
+          <a:lstStyle/>
+          <a:p>
+            <a:r>
+              <a:rPr lang="pt-BR" dirty="0"/>
+              <a:t>0</a:t>
+            </a:r>
+          </a:p>
+        </p:txBody>
+      </p:sp>
+      <p:sp>
+        <p:nvSpPr>
+          <p:cNvPr id="29" name="CaixaDeTexto 28">
+            <a:extLst>
+              <a:ext uri="{FF2B5EF4-FFF2-40B4-BE49-F238E27FC236}">
+                <a16:creationId xmlns:a16="http://schemas.microsoft.com/office/drawing/2014/main" id="{A0596966-7710-43AF-A26D-4B87970DF133}"/>
+              </a:ext>
+            </a:extLst>
+          </p:cNvPr>
+          <p:cNvSpPr txBox="1"/>
+          <p:nvPr/>
+        </p:nvSpPr>
+        <p:spPr>
+          <a:xfrm>
+            <a:off x="1741651" y="3516550"/>
+            <a:ext cx="2506701" cy="461665"/>
+          </a:xfrm>
+          <a:prstGeom prst="rect">
+            <a:avLst/>
+          </a:prstGeom>
+          <a:noFill/>
+        </p:spPr>
+        <p:txBody>
+          <a:bodyPr wrap="square" rtlCol="0">
+            <a:spAutoFit/>
+          </a:bodyPr>
+          <a:lstStyle/>
+          <a:p>
+            <a:r>
+              <a:rPr lang="pt-BR" sz="2400" dirty="0"/>
+              <a:t>Solução Base: </a:t>
+            </a:r>
+          </a:p>
+        </p:txBody>
+      </p:sp>
+      <p:sp>
+        <p:nvSpPr>
+          <p:cNvPr id="21" name="Elipse 20">
+            <a:extLst>
+              <a:ext uri="{FF2B5EF4-FFF2-40B4-BE49-F238E27FC236}">
+                <a16:creationId xmlns:a16="http://schemas.microsoft.com/office/drawing/2014/main" id="{1AB6AE12-B53A-4828-973F-1C2AC8BDFE42}"/>
+              </a:ext>
+            </a:extLst>
+          </p:cNvPr>
+          <p:cNvSpPr/>
+          <p:nvPr/>
+        </p:nvSpPr>
+        <p:spPr>
+          <a:xfrm>
+            <a:off x="4892069" y="4271333"/>
+            <a:ext cx="540000" cy="540000"/>
+          </a:xfrm>
+          <a:prstGeom prst="ellipse">
+            <a:avLst/>
+          </a:prstGeom>
+          <a:solidFill>
+            <a:srgbClr val="92D050">
+              <a:alpha val="75000"/>
+            </a:srgbClr>
+          </a:solidFill>
+          <a:ln w="18000">
+            <a:solidFill>
+              <a:schemeClr val="accent4">
+                <a:lumMod val="75000"/>
+              </a:schemeClr>
+            </a:solidFill>
+          </a:ln>
+        </p:spPr>
+        <p:style>
+          <a:lnRef idx="2">
+            <a:schemeClr val="accent1">
+              <a:shade val="50000"/>
+            </a:schemeClr>
+          </a:lnRef>
+          <a:fillRef idx="1">
+            <a:schemeClr val="accent1"/>
+          </a:fillRef>
+          <a:effectRef idx="0">
+            <a:schemeClr val="accent1"/>
+          </a:effectRef>
+          <a:fontRef idx="minor">
+            <a:schemeClr val="lt1"/>
+          </a:fontRef>
+        </p:style>
+        <p:txBody>
+          <a:bodyPr rtlCol="0" anchor="ctr"/>
+          <a:lstStyle/>
+          <a:p>
+            <a:pPr algn="ctr"/>
+            <a:endParaRPr lang="pt-BR">
+              <a:solidFill>
+                <a:srgbClr val="FF4E00"/>
+              </a:solidFill>
+            </a:endParaRPr>
+          </a:p>
+        </p:txBody>
+      </p:sp>
+      <p:sp>
+        <p:nvSpPr>
+          <p:cNvPr id="22" name="Elipse 21">
+            <a:extLst>
+              <a:ext uri="{FF2B5EF4-FFF2-40B4-BE49-F238E27FC236}">
+                <a16:creationId xmlns:a16="http://schemas.microsoft.com/office/drawing/2014/main" id="{E593263C-893F-43A8-8AD8-C10D915E7FC5}"/>
+              </a:ext>
+            </a:extLst>
+          </p:cNvPr>
+          <p:cNvSpPr/>
+          <p:nvPr/>
+        </p:nvSpPr>
+        <p:spPr>
+          <a:xfrm>
+            <a:off x="5765829" y="4271333"/>
+            <a:ext cx="540000" cy="540000"/>
+          </a:xfrm>
+          <a:prstGeom prst="ellipse">
+            <a:avLst/>
+          </a:prstGeom>
+          <a:solidFill>
+            <a:srgbClr val="92D050">
+              <a:alpha val="75000"/>
+            </a:srgbClr>
+          </a:solidFill>
+          <a:ln w="18000">
+            <a:solidFill>
+              <a:schemeClr val="accent4">
+                <a:lumMod val="75000"/>
+              </a:schemeClr>
+            </a:solidFill>
+          </a:ln>
+        </p:spPr>
+        <p:style>
+          <a:lnRef idx="2">
+            <a:schemeClr val="accent1">
+              <a:shade val="50000"/>
+            </a:schemeClr>
+          </a:lnRef>
+          <a:fillRef idx="1">
+            <a:schemeClr val="accent1"/>
+          </a:fillRef>
+          <a:effectRef idx="0">
+            <a:schemeClr val="accent1"/>
+          </a:effectRef>
+          <a:fontRef idx="minor">
+            <a:schemeClr val="lt1"/>
+          </a:fontRef>
+        </p:style>
+        <p:txBody>
+          <a:bodyPr rtlCol="0" anchor="ctr"/>
+          <a:lstStyle/>
+          <a:p>
+            <a:pPr algn="ctr"/>
+            <a:endParaRPr lang="pt-BR">
+              <a:solidFill>
+                <a:srgbClr val="FF4E00"/>
+              </a:solidFill>
+            </a:endParaRPr>
+          </a:p>
+        </p:txBody>
+      </p:sp>
+      <p:sp>
+        <p:nvSpPr>
+          <p:cNvPr id="30" name="Elipse 29">
+            <a:extLst>
+              <a:ext uri="{FF2B5EF4-FFF2-40B4-BE49-F238E27FC236}">
+                <a16:creationId xmlns:a16="http://schemas.microsoft.com/office/drawing/2014/main" id="{088E2976-0775-4241-8F99-6565C08094E3}"/>
+              </a:ext>
+            </a:extLst>
+          </p:cNvPr>
+          <p:cNvSpPr/>
+          <p:nvPr/>
+        </p:nvSpPr>
+        <p:spPr>
+          <a:xfrm>
+            <a:off x="6667029" y="4271333"/>
+            <a:ext cx="540000" cy="540000"/>
+          </a:xfrm>
+          <a:prstGeom prst="ellipse">
+            <a:avLst/>
+          </a:prstGeom>
+          <a:solidFill>
+            <a:srgbClr val="92D050">
+              <a:alpha val="75000"/>
+            </a:srgbClr>
+          </a:solidFill>
+          <a:ln w="18000">
+            <a:solidFill>
+              <a:schemeClr val="accent4">
+                <a:lumMod val="75000"/>
+              </a:schemeClr>
+            </a:solidFill>
+          </a:ln>
+        </p:spPr>
+        <p:style>
+          <a:lnRef idx="2">
+            <a:schemeClr val="accent1">
+              <a:shade val="50000"/>
+            </a:schemeClr>
+          </a:lnRef>
+          <a:fillRef idx="1">
+            <a:schemeClr val="accent1"/>
+          </a:fillRef>
+          <a:effectRef idx="0">
+            <a:schemeClr val="accent1"/>
+          </a:effectRef>
+          <a:fontRef idx="minor">
+            <a:schemeClr val="lt1"/>
+          </a:fontRef>
+        </p:style>
+        <p:txBody>
+          <a:bodyPr rtlCol="0" anchor="ctr"/>
+          <a:lstStyle/>
+          <a:p>
+            <a:pPr algn="ctr"/>
+            <a:endParaRPr lang="pt-BR">
+              <a:solidFill>
+                <a:srgbClr val="FF4E00"/>
+              </a:solidFill>
+            </a:endParaRPr>
+          </a:p>
+        </p:txBody>
+      </p:sp>
+      <p:sp>
+        <p:nvSpPr>
+          <p:cNvPr id="31" name="Elipse 30">
+            <a:extLst>
+              <a:ext uri="{FF2B5EF4-FFF2-40B4-BE49-F238E27FC236}">
+                <a16:creationId xmlns:a16="http://schemas.microsoft.com/office/drawing/2014/main" id="{08B4D1EE-8255-4107-9B16-DF754D69B16D}"/>
+              </a:ext>
+            </a:extLst>
+          </p:cNvPr>
+          <p:cNvSpPr/>
+          <p:nvPr/>
+        </p:nvSpPr>
+        <p:spPr>
+          <a:xfrm>
+            <a:off x="7544869" y="4271333"/>
+            <a:ext cx="540000" cy="540000"/>
+          </a:xfrm>
+          <a:prstGeom prst="ellipse">
+            <a:avLst/>
+          </a:prstGeom>
+          <a:solidFill>
+            <a:srgbClr val="92D050">
+              <a:alpha val="75000"/>
+            </a:srgbClr>
+          </a:solidFill>
+          <a:ln w="18000">
+            <a:solidFill>
+              <a:schemeClr val="accent4">
+                <a:lumMod val="75000"/>
+              </a:schemeClr>
+            </a:solidFill>
+          </a:ln>
+        </p:spPr>
+        <p:style>
+          <a:lnRef idx="2">
+            <a:schemeClr val="accent1">
+              <a:shade val="50000"/>
+            </a:schemeClr>
+          </a:lnRef>
+          <a:fillRef idx="1">
+            <a:schemeClr val="accent1"/>
+          </a:fillRef>
+          <a:effectRef idx="0">
+            <a:schemeClr val="accent1"/>
+          </a:effectRef>
+          <a:fontRef idx="minor">
+            <a:schemeClr val="lt1"/>
+          </a:fontRef>
+        </p:style>
+        <p:txBody>
+          <a:bodyPr rtlCol="0" anchor="ctr"/>
+          <a:lstStyle/>
+          <a:p>
+            <a:pPr algn="ctr"/>
+            <a:endParaRPr lang="pt-BR">
+              <a:solidFill>
+                <a:srgbClr val="FF4E00"/>
+              </a:solidFill>
+            </a:endParaRPr>
+          </a:p>
+        </p:txBody>
+      </p:sp>
+      <p:sp>
+        <p:nvSpPr>
+          <p:cNvPr id="32" name="Elipse 31">
+            <a:extLst>
+              <a:ext uri="{FF2B5EF4-FFF2-40B4-BE49-F238E27FC236}">
+                <a16:creationId xmlns:a16="http://schemas.microsoft.com/office/drawing/2014/main" id="{23AA115E-5162-41D9-BD01-C2C2277B50AE}"/>
+              </a:ext>
+            </a:extLst>
+          </p:cNvPr>
+          <p:cNvSpPr/>
+          <p:nvPr/>
+        </p:nvSpPr>
+        <p:spPr>
+          <a:xfrm>
+            <a:off x="8422709" y="4271333"/>
+            <a:ext cx="540000" cy="540000"/>
+          </a:xfrm>
+          <a:prstGeom prst="ellipse">
+            <a:avLst/>
+          </a:prstGeom>
+          <a:solidFill>
+            <a:srgbClr val="92D050">
+              <a:alpha val="75000"/>
+            </a:srgbClr>
+          </a:solidFill>
+          <a:ln w="18000">
+            <a:solidFill>
+              <a:schemeClr val="accent4">
+                <a:lumMod val="75000"/>
+              </a:schemeClr>
+            </a:solidFill>
+          </a:ln>
+        </p:spPr>
+        <p:style>
+          <a:lnRef idx="2">
+            <a:schemeClr val="accent1">
+              <a:shade val="50000"/>
+            </a:schemeClr>
+          </a:lnRef>
+          <a:fillRef idx="1">
+            <a:schemeClr val="accent1"/>
+          </a:fillRef>
+          <a:effectRef idx="0">
+            <a:schemeClr val="accent1"/>
+          </a:effectRef>
+          <a:fontRef idx="minor">
+            <a:schemeClr val="lt1"/>
+          </a:fontRef>
+        </p:style>
+        <p:txBody>
+          <a:bodyPr rtlCol="0" anchor="ctr"/>
+          <a:lstStyle/>
+          <a:p>
+            <a:pPr algn="ctr"/>
+            <a:endParaRPr lang="pt-BR">
+              <a:solidFill>
+                <a:srgbClr val="FF4E00"/>
+              </a:solidFill>
+            </a:endParaRPr>
+          </a:p>
+        </p:txBody>
+      </p:sp>
+      <p:sp>
+        <p:nvSpPr>
+          <p:cNvPr id="33" name="Elipse 32">
+            <a:extLst>
+              <a:ext uri="{FF2B5EF4-FFF2-40B4-BE49-F238E27FC236}">
+                <a16:creationId xmlns:a16="http://schemas.microsoft.com/office/drawing/2014/main" id="{92EF68B2-33A8-4988-97B3-C1207D97B869}"/>
+              </a:ext>
+            </a:extLst>
+          </p:cNvPr>
+          <p:cNvSpPr/>
+          <p:nvPr/>
+        </p:nvSpPr>
+        <p:spPr>
+          <a:xfrm>
+            <a:off x="9300549" y="4271333"/>
+            <a:ext cx="540000" cy="540000"/>
+          </a:xfrm>
+          <a:prstGeom prst="ellipse">
+            <a:avLst/>
+          </a:prstGeom>
+          <a:solidFill>
+            <a:srgbClr val="92D050">
+              <a:alpha val="75000"/>
+            </a:srgbClr>
+          </a:solidFill>
+          <a:ln w="18000">
+            <a:solidFill>
+              <a:schemeClr val="accent4">
+                <a:lumMod val="75000"/>
+              </a:schemeClr>
+            </a:solidFill>
+          </a:ln>
+        </p:spPr>
+        <p:style>
+          <a:lnRef idx="2">
+            <a:schemeClr val="accent1">
+              <a:shade val="50000"/>
+            </a:schemeClr>
+          </a:lnRef>
+          <a:fillRef idx="1">
+            <a:schemeClr val="accent1"/>
+          </a:fillRef>
+          <a:effectRef idx="0">
+            <a:schemeClr val="accent1"/>
+          </a:effectRef>
+          <a:fontRef idx="minor">
+            <a:schemeClr val="lt1"/>
+          </a:fontRef>
+        </p:style>
+        <p:txBody>
+          <a:bodyPr rtlCol="0" anchor="ctr"/>
+          <a:lstStyle/>
+          <a:p>
+            <a:pPr algn="ctr"/>
+            <a:endParaRPr lang="pt-BR">
+              <a:solidFill>
+                <a:srgbClr val="FF4E00"/>
+              </a:solidFill>
+            </a:endParaRPr>
+          </a:p>
+        </p:txBody>
+      </p:sp>
+      <p:sp>
+        <p:nvSpPr>
+          <p:cNvPr id="34" name="CaixaDeTexto 33">
+            <a:extLst>
+              <a:ext uri="{FF2B5EF4-FFF2-40B4-BE49-F238E27FC236}">
+                <a16:creationId xmlns:a16="http://schemas.microsoft.com/office/drawing/2014/main" id="{680B9673-BD7C-4F45-ADE7-C2011627CC40}"/>
+              </a:ext>
+            </a:extLst>
+          </p:cNvPr>
+          <p:cNvSpPr txBox="1"/>
+          <p:nvPr/>
+        </p:nvSpPr>
+        <p:spPr>
+          <a:xfrm>
+            <a:off x="5007527" y="4356667"/>
+            <a:ext cx="309084" cy="369332"/>
+          </a:xfrm>
+          <a:prstGeom prst="rect">
+            <a:avLst/>
+          </a:prstGeom>
+          <a:noFill/>
+        </p:spPr>
+        <p:txBody>
+          <a:bodyPr wrap="square" rtlCol="0">
+            <a:spAutoFit/>
+          </a:bodyPr>
+          <a:lstStyle/>
+          <a:p>
+            <a:r>
+              <a:rPr lang="pt-BR" dirty="0"/>
+              <a:t>0</a:t>
+            </a:r>
+          </a:p>
+        </p:txBody>
+      </p:sp>
+      <p:sp>
+        <p:nvSpPr>
+          <p:cNvPr id="35" name="CaixaDeTexto 34">
+            <a:extLst>
+              <a:ext uri="{FF2B5EF4-FFF2-40B4-BE49-F238E27FC236}">
+                <a16:creationId xmlns:a16="http://schemas.microsoft.com/office/drawing/2014/main" id="{10C5F69C-53E2-4824-A7E7-2B0BE43240B4}"/>
+              </a:ext>
+            </a:extLst>
+          </p:cNvPr>
+          <p:cNvSpPr txBox="1"/>
+          <p:nvPr/>
+        </p:nvSpPr>
+        <p:spPr>
+          <a:xfrm>
+            <a:off x="5881287" y="4356667"/>
+            <a:ext cx="309084" cy="369332"/>
+          </a:xfrm>
+          <a:prstGeom prst="rect">
+            <a:avLst/>
+          </a:prstGeom>
+          <a:noFill/>
+        </p:spPr>
+        <p:txBody>
+          <a:bodyPr wrap="square" rtlCol="0">
+            <a:spAutoFit/>
+          </a:bodyPr>
+          <a:lstStyle/>
+          <a:p>
+            <a:r>
+              <a:rPr lang="pt-BR" dirty="0"/>
+              <a:t>2</a:t>
+            </a:r>
+          </a:p>
+        </p:txBody>
+      </p:sp>
+      <p:sp>
+        <p:nvSpPr>
+          <p:cNvPr id="36" name="CaixaDeTexto 35">
+            <a:extLst>
+              <a:ext uri="{FF2B5EF4-FFF2-40B4-BE49-F238E27FC236}">
+                <a16:creationId xmlns:a16="http://schemas.microsoft.com/office/drawing/2014/main" id="{784A6344-014B-4C69-BB49-F145875BF8B6}"/>
+              </a:ext>
+            </a:extLst>
+          </p:cNvPr>
+          <p:cNvSpPr txBox="1"/>
+          <p:nvPr/>
+        </p:nvSpPr>
+        <p:spPr>
+          <a:xfrm>
+            <a:off x="6782487" y="4356667"/>
+            <a:ext cx="309084" cy="369332"/>
+          </a:xfrm>
+          <a:prstGeom prst="rect">
+            <a:avLst/>
+          </a:prstGeom>
+          <a:noFill/>
+        </p:spPr>
+        <p:txBody>
+          <a:bodyPr wrap="square" rtlCol="0">
+            <a:spAutoFit/>
+          </a:bodyPr>
+          <a:lstStyle/>
+          <a:p>
+            <a:r>
+              <a:rPr lang="pt-BR" dirty="0"/>
+              <a:t>1</a:t>
+            </a:r>
+          </a:p>
+        </p:txBody>
+      </p:sp>
+      <p:sp>
+        <p:nvSpPr>
+          <p:cNvPr id="37" name="CaixaDeTexto 36">
+            <a:extLst>
+              <a:ext uri="{FF2B5EF4-FFF2-40B4-BE49-F238E27FC236}">
+                <a16:creationId xmlns:a16="http://schemas.microsoft.com/office/drawing/2014/main" id="{E0D8EA15-E7DD-4ECE-B76B-BED0D3C58A64}"/>
+              </a:ext>
+            </a:extLst>
+          </p:cNvPr>
+          <p:cNvSpPr txBox="1"/>
+          <p:nvPr/>
+        </p:nvSpPr>
+        <p:spPr>
+          <a:xfrm>
+            <a:off x="7660327" y="4356667"/>
+            <a:ext cx="309084" cy="369332"/>
+          </a:xfrm>
+          <a:prstGeom prst="rect">
+            <a:avLst/>
+          </a:prstGeom>
+          <a:noFill/>
+        </p:spPr>
+        <p:txBody>
+          <a:bodyPr wrap="square" rtlCol="0">
+            <a:spAutoFit/>
+          </a:bodyPr>
+          <a:lstStyle/>
+          <a:p>
+            <a:r>
+              <a:rPr lang="pt-BR" dirty="0"/>
+              <a:t>3</a:t>
+            </a:r>
+          </a:p>
+        </p:txBody>
+      </p:sp>
+      <p:sp>
+        <p:nvSpPr>
+          <p:cNvPr id="38" name="CaixaDeTexto 37">
+            <a:extLst>
+              <a:ext uri="{FF2B5EF4-FFF2-40B4-BE49-F238E27FC236}">
+                <a16:creationId xmlns:a16="http://schemas.microsoft.com/office/drawing/2014/main" id="{C62899B3-2AC0-469A-8AF9-3FF5D68774BB}"/>
+              </a:ext>
+            </a:extLst>
+          </p:cNvPr>
+          <p:cNvSpPr txBox="1"/>
+          <p:nvPr/>
+        </p:nvSpPr>
+        <p:spPr>
+          <a:xfrm>
+            <a:off x="8538167" y="4356667"/>
+            <a:ext cx="309084" cy="369332"/>
+          </a:xfrm>
+          <a:prstGeom prst="rect">
+            <a:avLst/>
+          </a:prstGeom>
+          <a:noFill/>
+        </p:spPr>
+        <p:txBody>
+          <a:bodyPr wrap="square" rtlCol="0">
+            <a:spAutoFit/>
+          </a:bodyPr>
+          <a:lstStyle/>
+          <a:p>
+            <a:r>
+              <a:rPr lang="pt-BR" dirty="0"/>
+              <a:t>4</a:t>
+            </a:r>
+          </a:p>
+        </p:txBody>
+      </p:sp>
+      <p:sp>
+        <p:nvSpPr>
+          <p:cNvPr id="39" name="CaixaDeTexto 38">
+            <a:extLst>
+              <a:ext uri="{FF2B5EF4-FFF2-40B4-BE49-F238E27FC236}">
+                <a16:creationId xmlns:a16="http://schemas.microsoft.com/office/drawing/2014/main" id="{7FC6901B-30BD-4C4B-B192-7B94219A34B8}"/>
+              </a:ext>
+            </a:extLst>
+          </p:cNvPr>
+          <p:cNvSpPr txBox="1"/>
+          <p:nvPr/>
+        </p:nvSpPr>
+        <p:spPr>
+          <a:xfrm>
+            <a:off x="9424568" y="4356667"/>
+            <a:ext cx="309084" cy="369332"/>
+          </a:xfrm>
+          <a:prstGeom prst="rect">
+            <a:avLst/>
+          </a:prstGeom>
+          <a:noFill/>
+        </p:spPr>
+        <p:txBody>
+          <a:bodyPr wrap="square" rtlCol="0">
+            <a:spAutoFit/>
+          </a:bodyPr>
+          <a:lstStyle/>
+          <a:p>
+            <a:r>
+              <a:rPr lang="pt-BR" dirty="0"/>
+              <a:t>0</a:t>
+            </a:r>
+          </a:p>
+        </p:txBody>
+      </p:sp>
+      <p:sp>
+        <p:nvSpPr>
+          <p:cNvPr id="4" name="CaixaDeTexto 3">
+            <a:extLst>
+              <a:ext uri="{FF2B5EF4-FFF2-40B4-BE49-F238E27FC236}">
+                <a16:creationId xmlns:a16="http://schemas.microsoft.com/office/drawing/2014/main" id="{9056A89E-C2B2-4F4C-AC1E-D420C8B8002F}"/>
+              </a:ext>
+            </a:extLst>
+          </p:cNvPr>
+          <p:cNvSpPr txBox="1"/>
+          <p:nvPr/>
+        </p:nvSpPr>
+        <p:spPr>
+          <a:xfrm>
+            <a:off x="1916318" y="4305373"/>
+            <a:ext cx="2415261" cy="369332"/>
+          </a:xfrm>
+          <a:prstGeom prst="rect">
+            <a:avLst/>
+          </a:prstGeom>
+          <a:noFill/>
+        </p:spPr>
+        <p:txBody>
+          <a:bodyPr wrap="square" rtlCol="0">
+            <a:spAutoFit/>
+          </a:bodyPr>
+          <a:lstStyle/>
+          <a:p>
+            <a:r>
+              <a:rPr lang="pt-BR" dirty="0"/>
+              <a:t>2 – </a:t>
+            </a:r>
+            <a:r>
+              <a:rPr lang="pt-BR" dirty="0" err="1"/>
+              <a:t>Opt</a:t>
+            </a:r>
+            <a:r>
+              <a:rPr lang="pt-BR" dirty="0"/>
+              <a:t> 1: </a:t>
+            </a:r>
+          </a:p>
+        </p:txBody>
+      </p:sp>
+      <p:sp>
+        <p:nvSpPr>
+          <p:cNvPr id="64" name="Retângulo 63">
+            <a:extLst>
+              <a:ext uri="{FF2B5EF4-FFF2-40B4-BE49-F238E27FC236}">
+                <a16:creationId xmlns:a16="http://schemas.microsoft.com/office/drawing/2014/main" id="{EE33E7EB-1802-4ECF-A2C5-0EE3CFC492FA}"/>
+              </a:ext>
+            </a:extLst>
+          </p:cNvPr>
+          <p:cNvSpPr/>
+          <p:nvPr/>
+        </p:nvSpPr>
+        <p:spPr>
+          <a:xfrm>
+            <a:off x="5713200" y="3261360"/>
+            <a:ext cx="1609287" cy="921840"/>
+          </a:xfrm>
+          <a:prstGeom prst="rect">
+            <a:avLst/>
+          </a:prstGeom>
+          <a:noFill/>
+          <a:ln w="18000">
+            <a:solidFill>
+              <a:srgbClr val="AB008B"/>
+            </a:solidFill>
+          </a:ln>
+        </p:spPr>
+        <p:style>
+          <a:lnRef idx="2">
+            <a:schemeClr val="accent1">
+              <a:shade val="50000"/>
+            </a:schemeClr>
+          </a:lnRef>
+          <a:fillRef idx="1">
+            <a:schemeClr val="accent1"/>
+          </a:fillRef>
+          <a:effectRef idx="0">
+            <a:schemeClr val="accent1"/>
+          </a:effectRef>
+          <a:fontRef idx="minor">
+            <a:schemeClr val="lt1"/>
+          </a:fontRef>
+        </p:style>
+        <p:txBody>
+          <a:bodyPr rtlCol="0" anchor="ctr"/>
+          <a:lstStyle/>
+          <a:p>
+            <a:pPr algn="ctr"/>
+            <a:endParaRPr lang="pt-BR">
+              <a:solidFill>
+                <a:srgbClr val="AB008B"/>
+              </a:solidFill>
+            </a:endParaRPr>
+          </a:p>
+        </p:txBody>
+      </p:sp>
+    </p:spTree>
+    <p:extLst>
+      <p:ext uri="{BB962C8B-B14F-4D97-AF65-F5344CB8AC3E}">
+        <p14:creationId xmlns:p14="http://schemas.microsoft.com/office/powerpoint/2010/main" val="3518540499"/>
+      </p:ext>
+    </p:extLst>
+  </p:cSld>
+  <p:clrMapOvr>
+    <a:masterClrMapping/>
+  </p:clrMapOvr>
+</p:sld>
+</file>
+
+<file path=ppt/slides/slide7.xml><?xml version="1.0" encoding="utf-8"?>
+<p:sld xmlns:a="http://schemas.openxmlformats.org/drawingml/2006/main" xmlns:r="http://schemas.openxmlformats.org/officeDocument/2006/relationships" xmlns:p="http://schemas.openxmlformats.org/presentationml/2006/main">
+  <p:cSld>
+    <p:spTree>
+      <p:nvGrpSpPr>
+        <p:cNvPr id="1" name=""/>
+        <p:cNvGrpSpPr/>
+        <p:nvPr/>
+      </p:nvGrpSpPr>
+      <p:grpSpPr>
+        <a:xfrm>
+          <a:off x="0" y="0"/>
+          <a:ext cx="0" cy="0"/>
+          <a:chOff x="0" y="0"/>
+          <a:chExt cx="0" cy="0"/>
+        </a:xfrm>
+      </p:grpSpPr>
+      <p:sp>
+        <p:nvSpPr>
+          <p:cNvPr id="2" name="Título 1">
+            <a:extLst>
+              <a:ext uri="{FF2B5EF4-FFF2-40B4-BE49-F238E27FC236}">
+                <a16:creationId xmlns:a16="http://schemas.microsoft.com/office/drawing/2014/main" id="{6D811184-239A-44CE-9921-B1A2FC5251CB}"/>
+              </a:ext>
+            </a:extLst>
+          </p:cNvPr>
+          <p:cNvSpPr>
+            <a:spLocks noGrp="1"/>
+          </p:cNvSpPr>
+          <p:nvPr>
+            <p:ph type="title"/>
+          </p:nvPr>
+        </p:nvSpPr>
+        <p:spPr>
+          <a:xfrm>
+            <a:off x="1930400" y="845653"/>
+            <a:ext cx="8610600" cy="1293028"/>
+          </a:xfrm>
+        </p:spPr>
+        <p:txBody>
+          <a:bodyPr>
+            <a:normAutofit fontScale="90000"/>
+          </a:bodyPr>
+          <a:lstStyle/>
+          <a:p>
+            <a:r>
+              <a:rPr lang="pt-BR" dirty="0"/>
+              <a:t>Meta-</a:t>
+            </a:r>
+            <a:r>
+              <a:rPr lang="pt-BR" dirty="0" err="1"/>
+              <a:t>heuristica</a:t>
+            </a:r>
+            <a:r>
+              <a:rPr lang="pt-BR" sz="4000" dirty="0"/>
+              <a:t>:</a:t>
+            </a:r>
+            <a:br>
+              <a:rPr lang="pt-BR" sz="4000" dirty="0"/>
+            </a:br>
+            <a:br>
+              <a:rPr lang="pt-BR" dirty="0"/>
+            </a:br>
+            <a:r>
+              <a:rPr lang="pt-BR" sz="2800" dirty="0" err="1"/>
+              <a:t>Simulated</a:t>
+            </a:r>
+            <a:r>
+              <a:rPr lang="pt-BR" sz="2800" dirty="0"/>
+              <a:t> </a:t>
+            </a:r>
+            <a:r>
+              <a:rPr lang="pt-BR" sz="2800" dirty="0" err="1"/>
+              <a:t>annealing</a:t>
+            </a:r>
+            <a:endParaRPr lang="pt-BR" sz="2800" dirty="0"/>
+          </a:p>
+        </p:txBody>
+      </p:sp>
+      <p:sp>
+        <p:nvSpPr>
+          <p:cNvPr id="3" name="Espaço Reservado para Conteúdo 2">
+            <a:extLst>
+              <a:ext uri="{FF2B5EF4-FFF2-40B4-BE49-F238E27FC236}">
+                <a16:creationId xmlns:a16="http://schemas.microsoft.com/office/drawing/2014/main" id="{C801B1CE-795C-4CCE-8B79-591E3815B698}"/>
+              </a:ext>
+            </a:extLst>
+          </p:cNvPr>
+          <p:cNvSpPr>
+            <a:spLocks noGrp="1"/>
+          </p:cNvSpPr>
+          <p:nvPr>
+            <p:ph idx="1"/>
+          </p:nvPr>
+        </p:nvSpPr>
+        <p:spPr>
+          <a:xfrm>
+            <a:off x="885511" y="2320206"/>
+            <a:ext cx="7071128" cy="540000"/>
+          </a:xfrm>
+        </p:spPr>
+        <p:txBody>
+          <a:bodyPr>
+            <a:normAutofit/>
+          </a:bodyPr>
+          <a:lstStyle/>
+          <a:p>
+            <a:pPr marL="0" indent="0">
+              <a:buNone/>
+            </a:pPr>
+            <a:r>
+              <a:rPr lang="pt-BR" dirty="0"/>
+              <a:t>	</a:t>
+            </a:r>
+            <a:r>
+              <a:rPr lang="pt-BR" sz="3200" dirty="0"/>
+              <a:t>Vizinhanças</a:t>
+            </a:r>
+          </a:p>
+        </p:txBody>
+      </p:sp>
+      <p:sp>
+        <p:nvSpPr>
+          <p:cNvPr id="8" name="CaixaDeTexto 7">
+            <a:extLst>
+              <a:ext uri="{FF2B5EF4-FFF2-40B4-BE49-F238E27FC236}">
+                <a16:creationId xmlns:a16="http://schemas.microsoft.com/office/drawing/2014/main" id="{47369606-71A7-4D2A-9403-98734EC8CF4E}"/>
+              </a:ext>
+            </a:extLst>
+          </p:cNvPr>
+          <p:cNvSpPr txBox="1"/>
+          <p:nvPr/>
+        </p:nvSpPr>
+        <p:spPr>
+          <a:xfrm>
+            <a:off x="1612621" y="2861730"/>
+            <a:ext cx="2976880" cy="584775"/>
+          </a:xfrm>
+          <a:prstGeom prst="rect">
+            <a:avLst/>
+          </a:prstGeom>
+          <a:noFill/>
+        </p:spPr>
+        <p:txBody>
+          <a:bodyPr wrap="square" rtlCol="0">
+            <a:spAutoFit/>
+          </a:bodyPr>
+          <a:lstStyle/>
+          <a:p>
+            <a:r>
+              <a:rPr lang="pt-BR" sz="3200" b="1" dirty="0"/>
+              <a:t>2-Opt</a:t>
+            </a:r>
+          </a:p>
+        </p:txBody>
+      </p:sp>
+      <p:sp>
+        <p:nvSpPr>
+          <p:cNvPr id="13" name="Elipse 12">
+            <a:extLst>
+              <a:ext uri="{FF2B5EF4-FFF2-40B4-BE49-F238E27FC236}">
+                <a16:creationId xmlns:a16="http://schemas.microsoft.com/office/drawing/2014/main" id="{785487F0-5C84-4360-A2A1-2FF74F902BDE}"/>
+              </a:ext>
+            </a:extLst>
+          </p:cNvPr>
+          <p:cNvSpPr/>
+          <p:nvPr/>
+        </p:nvSpPr>
+        <p:spPr>
+          <a:xfrm>
+            <a:off x="4892069" y="3435701"/>
+            <a:ext cx="540000" cy="540000"/>
+          </a:xfrm>
+          <a:prstGeom prst="ellipse">
+            <a:avLst/>
+          </a:prstGeom>
+          <a:solidFill>
+            <a:srgbClr val="FF4E00">
+              <a:alpha val="75000"/>
+            </a:srgbClr>
+          </a:solidFill>
+          <a:ln w="18000">
+            <a:solidFill>
+              <a:srgbClr val="FF4E00"/>
+            </a:solidFill>
+          </a:ln>
+        </p:spPr>
+        <p:style>
+          <a:lnRef idx="2">
+            <a:schemeClr val="accent1">
+              <a:shade val="50000"/>
+            </a:schemeClr>
+          </a:lnRef>
+          <a:fillRef idx="1">
+            <a:schemeClr val="accent1"/>
+          </a:fillRef>
+          <a:effectRef idx="0">
+            <a:schemeClr val="accent1"/>
+          </a:effectRef>
+          <a:fontRef idx="minor">
+            <a:schemeClr val="lt1"/>
+          </a:fontRef>
+        </p:style>
+        <p:txBody>
+          <a:bodyPr rtlCol="0" anchor="ctr"/>
+          <a:lstStyle/>
+          <a:p>
+            <a:pPr algn="ctr"/>
+            <a:endParaRPr lang="pt-BR">
+              <a:solidFill>
+                <a:srgbClr val="FF4E00"/>
+              </a:solidFill>
+            </a:endParaRPr>
+          </a:p>
+        </p:txBody>
+      </p:sp>
+      <p:sp>
+        <p:nvSpPr>
+          <p:cNvPr id="15" name="Elipse 14">
+            <a:extLst>
+              <a:ext uri="{FF2B5EF4-FFF2-40B4-BE49-F238E27FC236}">
+                <a16:creationId xmlns:a16="http://schemas.microsoft.com/office/drawing/2014/main" id="{53D3B27A-BACF-4A1C-93D4-5FFFEE49BE29}"/>
+              </a:ext>
+            </a:extLst>
+          </p:cNvPr>
+          <p:cNvSpPr/>
+          <p:nvPr/>
+        </p:nvSpPr>
+        <p:spPr>
+          <a:xfrm>
+            <a:off x="5765829" y="3435701"/>
+            <a:ext cx="540000" cy="540000"/>
+          </a:xfrm>
+          <a:prstGeom prst="ellipse">
+            <a:avLst/>
+          </a:prstGeom>
+          <a:solidFill>
+            <a:srgbClr val="FF4E00">
+              <a:alpha val="75000"/>
+            </a:srgbClr>
+          </a:solidFill>
+          <a:ln w="18000">
+            <a:solidFill>
+              <a:srgbClr val="FF4E00"/>
+            </a:solidFill>
+          </a:ln>
+        </p:spPr>
+        <p:style>
+          <a:lnRef idx="2">
+            <a:schemeClr val="accent1">
+              <a:shade val="50000"/>
+            </a:schemeClr>
+          </a:lnRef>
+          <a:fillRef idx="1">
+            <a:schemeClr val="accent1"/>
+          </a:fillRef>
+          <a:effectRef idx="0">
+            <a:schemeClr val="accent1"/>
+          </a:effectRef>
+          <a:fontRef idx="minor">
+            <a:schemeClr val="lt1"/>
+          </a:fontRef>
+        </p:style>
+        <p:txBody>
+          <a:bodyPr rtlCol="0" anchor="ctr"/>
+          <a:lstStyle/>
+          <a:p>
+            <a:pPr algn="ctr"/>
+            <a:endParaRPr lang="pt-BR">
+              <a:solidFill>
+                <a:srgbClr val="FF4E00"/>
+              </a:solidFill>
+            </a:endParaRPr>
+          </a:p>
+        </p:txBody>
+      </p:sp>
+      <p:sp>
+        <p:nvSpPr>
+          <p:cNvPr id="17" name="Elipse 16">
+            <a:extLst>
+              <a:ext uri="{FF2B5EF4-FFF2-40B4-BE49-F238E27FC236}">
+                <a16:creationId xmlns:a16="http://schemas.microsoft.com/office/drawing/2014/main" id="{9F2E3B3A-E616-42E7-9538-A98D22F3F07A}"/>
+              </a:ext>
+            </a:extLst>
+          </p:cNvPr>
+          <p:cNvSpPr/>
+          <p:nvPr/>
+        </p:nvSpPr>
+        <p:spPr>
+          <a:xfrm>
+            <a:off x="6667029" y="3435701"/>
+            <a:ext cx="540000" cy="540000"/>
+          </a:xfrm>
+          <a:prstGeom prst="ellipse">
+            <a:avLst/>
+          </a:prstGeom>
+          <a:solidFill>
+            <a:srgbClr val="FF4E00">
+              <a:alpha val="75000"/>
+            </a:srgbClr>
+          </a:solidFill>
+          <a:ln w="18000">
+            <a:solidFill>
+              <a:srgbClr val="FF4E00"/>
+            </a:solidFill>
+          </a:ln>
+        </p:spPr>
+        <p:style>
+          <a:lnRef idx="2">
+            <a:schemeClr val="accent1">
+              <a:shade val="50000"/>
+            </a:schemeClr>
+          </a:lnRef>
+          <a:fillRef idx="1">
+            <a:schemeClr val="accent1"/>
+          </a:fillRef>
+          <a:effectRef idx="0">
+            <a:schemeClr val="accent1"/>
+          </a:effectRef>
+          <a:fontRef idx="minor">
+            <a:schemeClr val="lt1"/>
+          </a:fontRef>
+        </p:style>
+        <p:txBody>
+          <a:bodyPr rtlCol="0" anchor="ctr"/>
+          <a:lstStyle/>
+          <a:p>
+            <a:pPr algn="ctr"/>
+            <a:endParaRPr lang="pt-BR">
+              <a:solidFill>
+                <a:srgbClr val="FF4E00"/>
+              </a:solidFill>
+            </a:endParaRPr>
+          </a:p>
+        </p:txBody>
+      </p:sp>
+      <p:sp>
+        <p:nvSpPr>
+          <p:cNvPr id="18" name="Elipse 17">
+            <a:extLst>
+              <a:ext uri="{FF2B5EF4-FFF2-40B4-BE49-F238E27FC236}">
+                <a16:creationId xmlns:a16="http://schemas.microsoft.com/office/drawing/2014/main" id="{AF7D96C6-F82E-4619-AC46-97C610389364}"/>
+              </a:ext>
+            </a:extLst>
+          </p:cNvPr>
+          <p:cNvSpPr/>
+          <p:nvPr/>
+        </p:nvSpPr>
+        <p:spPr>
+          <a:xfrm>
+            <a:off x="7544869" y="3435701"/>
+            <a:ext cx="540000" cy="540000"/>
+          </a:xfrm>
+          <a:prstGeom prst="ellipse">
+            <a:avLst/>
+          </a:prstGeom>
+          <a:solidFill>
+            <a:srgbClr val="FF4E00">
+              <a:alpha val="75000"/>
+            </a:srgbClr>
+          </a:solidFill>
+          <a:ln w="18000">
+            <a:solidFill>
+              <a:srgbClr val="FF4E00"/>
+            </a:solidFill>
+          </a:ln>
+        </p:spPr>
+        <p:style>
+          <a:lnRef idx="2">
+            <a:schemeClr val="accent1">
+              <a:shade val="50000"/>
+            </a:schemeClr>
+          </a:lnRef>
+          <a:fillRef idx="1">
+            <a:schemeClr val="accent1"/>
+          </a:fillRef>
+          <a:effectRef idx="0">
+            <a:schemeClr val="accent1"/>
+          </a:effectRef>
+          <a:fontRef idx="minor">
+            <a:schemeClr val="lt1"/>
+          </a:fontRef>
+        </p:style>
+        <p:txBody>
+          <a:bodyPr rtlCol="0" anchor="ctr"/>
+          <a:lstStyle/>
+          <a:p>
+            <a:pPr algn="ctr"/>
+            <a:endParaRPr lang="pt-BR">
+              <a:solidFill>
+                <a:srgbClr val="FF4E00"/>
+              </a:solidFill>
+            </a:endParaRPr>
+          </a:p>
+        </p:txBody>
+      </p:sp>
+      <p:sp>
+        <p:nvSpPr>
+          <p:cNvPr id="19" name="Elipse 18">
+            <a:extLst>
+              <a:ext uri="{FF2B5EF4-FFF2-40B4-BE49-F238E27FC236}">
+                <a16:creationId xmlns:a16="http://schemas.microsoft.com/office/drawing/2014/main" id="{96C93668-5640-4344-B5AE-E2A185314D13}"/>
+              </a:ext>
+            </a:extLst>
+          </p:cNvPr>
+          <p:cNvSpPr/>
+          <p:nvPr/>
+        </p:nvSpPr>
+        <p:spPr>
+          <a:xfrm>
+            <a:off x="8422709" y="3435701"/>
+            <a:ext cx="540000" cy="540000"/>
+          </a:xfrm>
+          <a:prstGeom prst="ellipse">
+            <a:avLst/>
+          </a:prstGeom>
+          <a:solidFill>
+            <a:srgbClr val="FF4E00">
+              <a:alpha val="75000"/>
+            </a:srgbClr>
+          </a:solidFill>
+          <a:ln w="18000">
+            <a:solidFill>
+              <a:srgbClr val="FF4E00"/>
+            </a:solidFill>
+          </a:ln>
+        </p:spPr>
+        <p:style>
+          <a:lnRef idx="2">
+            <a:schemeClr val="accent1">
+              <a:shade val="50000"/>
+            </a:schemeClr>
+          </a:lnRef>
+          <a:fillRef idx="1">
+            <a:schemeClr val="accent1"/>
+          </a:fillRef>
+          <a:effectRef idx="0">
+            <a:schemeClr val="accent1"/>
+          </a:effectRef>
+          <a:fontRef idx="minor">
+            <a:schemeClr val="lt1"/>
+          </a:fontRef>
+        </p:style>
+        <p:txBody>
+          <a:bodyPr rtlCol="0" anchor="ctr"/>
+          <a:lstStyle/>
+          <a:p>
+            <a:pPr algn="ctr"/>
+            <a:endParaRPr lang="pt-BR">
+              <a:solidFill>
+                <a:srgbClr val="FF4E00"/>
+              </a:solidFill>
+            </a:endParaRPr>
+          </a:p>
+        </p:txBody>
+      </p:sp>
+      <p:sp>
+        <p:nvSpPr>
+          <p:cNvPr id="20" name="Elipse 19">
+            <a:extLst>
+              <a:ext uri="{FF2B5EF4-FFF2-40B4-BE49-F238E27FC236}">
+                <a16:creationId xmlns:a16="http://schemas.microsoft.com/office/drawing/2014/main" id="{99B8FA62-104A-4FE0-ACE6-3530CD5A1BEB}"/>
+              </a:ext>
+            </a:extLst>
+          </p:cNvPr>
+          <p:cNvSpPr/>
+          <p:nvPr/>
+        </p:nvSpPr>
+        <p:spPr>
+          <a:xfrm>
+            <a:off x="9300549" y="3435701"/>
+            <a:ext cx="540000" cy="540000"/>
+          </a:xfrm>
+          <a:prstGeom prst="ellipse">
+            <a:avLst/>
+          </a:prstGeom>
+          <a:solidFill>
+            <a:srgbClr val="FF4E00">
+              <a:alpha val="75000"/>
+            </a:srgbClr>
+          </a:solidFill>
+          <a:ln w="18000">
+            <a:solidFill>
+              <a:srgbClr val="FF4E00"/>
+            </a:solidFill>
+          </a:ln>
+        </p:spPr>
+        <p:style>
+          <a:lnRef idx="2">
+            <a:schemeClr val="accent1">
+              <a:shade val="50000"/>
+            </a:schemeClr>
+          </a:lnRef>
+          <a:fillRef idx="1">
+            <a:schemeClr val="accent1"/>
+          </a:fillRef>
+          <a:effectRef idx="0">
+            <a:schemeClr val="accent1"/>
+          </a:effectRef>
+          <a:fontRef idx="minor">
+            <a:schemeClr val="lt1"/>
+          </a:fontRef>
+        </p:style>
+        <p:txBody>
+          <a:bodyPr rtlCol="0" anchor="ctr"/>
+          <a:lstStyle/>
+          <a:p>
+            <a:pPr algn="ctr"/>
+            <a:endParaRPr lang="pt-BR">
+              <a:solidFill>
+                <a:srgbClr val="FF4E00"/>
+              </a:solidFill>
+            </a:endParaRPr>
+          </a:p>
+        </p:txBody>
+      </p:sp>
+      <p:sp>
+        <p:nvSpPr>
+          <p:cNvPr id="23" name="CaixaDeTexto 22">
+            <a:extLst>
+              <a:ext uri="{FF2B5EF4-FFF2-40B4-BE49-F238E27FC236}">
+                <a16:creationId xmlns:a16="http://schemas.microsoft.com/office/drawing/2014/main" id="{8509AA95-C6E4-43A8-A526-B009C9D24EC3}"/>
+              </a:ext>
+            </a:extLst>
+          </p:cNvPr>
+          <p:cNvSpPr txBox="1"/>
+          <p:nvPr/>
+        </p:nvSpPr>
+        <p:spPr>
+          <a:xfrm>
+            <a:off x="5007527" y="3521035"/>
+            <a:ext cx="309084" cy="369332"/>
+          </a:xfrm>
+          <a:prstGeom prst="rect">
+            <a:avLst/>
+          </a:prstGeom>
+          <a:noFill/>
+        </p:spPr>
+        <p:txBody>
+          <a:bodyPr wrap="square" rtlCol="0">
+            <a:spAutoFit/>
+          </a:bodyPr>
+          <a:lstStyle/>
+          <a:p>
+            <a:r>
+              <a:rPr lang="pt-BR" dirty="0"/>
+              <a:t>0</a:t>
+            </a:r>
+          </a:p>
+        </p:txBody>
+      </p:sp>
+      <p:sp>
+        <p:nvSpPr>
+          <p:cNvPr id="24" name="CaixaDeTexto 23">
+            <a:extLst>
+              <a:ext uri="{FF2B5EF4-FFF2-40B4-BE49-F238E27FC236}">
+                <a16:creationId xmlns:a16="http://schemas.microsoft.com/office/drawing/2014/main" id="{FE5ABF49-0B8E-4ACE-A80F-4C9C1AE0CC25}"/>
+              </a:ext>
+            </a:extLst>
+          </p:cNvPr>
+          <p:cNvSpPr txBox="1"/>
+          <p:nvPr/>
+        </p:nvSpPr>
+        <p:spPr>
+          <a:xfrm>
+            <a:off x="5881287" y="3521035"/>
+            <a:ext cx="309084" cy="369332"/>
+          </a:xfrm>
+          <a:prstGeom prst="rect">
+            <a:avLst/>
+          </a:prstGeom>
+          <a:noFill/>
+        </p:spPr>
+        <p:txBody>
+          <a:bodyPr wrap="square" rtlCol="0">
+            <a:spAutoFit/>
+          </a:bodyPr>
+          <a:lstStyle/>
+          <a:p>
+            <a:r>
+              <a:rPr lang="pt-BR" dirty="0"/>
+              <a:t>1</a:t>
+            </a:r>
+          </a:p>
+        </p:txBody>
+      </p:sp>
+      <p:sp>
+        <p:nvSpPr>
+          <p:cNvPr id="25" name="CaixaDeTexto 24">
+            <a:extLst>
+              <a:ext uri="{FF2B5EF4-FFF2-40B4-BE49-F238E27FC236}">
+                <a16:creationId xmlns:a16="http://schemas.microsoft.com/office/drawing/2014/main" id="{C6FCC04B-B5F7-41B2-9097-4A5C4CF2D810}"/>
+              </a:ext>
+            </a:extLst>
+          </p:cNvPr>
+          <p:cNvSpPr txBox="1"/>
+          <p:nvPr/>
+        </p:nvSpPr>
+        <p:spPr>
+          <a:xfrm>
+            <a:off x="6782487" y="3521035"/>
+            <a:ext cx="309084" cy="369332"/>
+          </a:xfrm>
+          <a:prstGeom prst="rect">
+            <a:avLst/>
+          </a:prstGeom>
+          <a:noFill/>
+        </p:spPr>
+        <p:txBody>
+          <a:bodyPr wrap="square" rtlCol="0">
+            <a:spAutoFit/>
+          </a:bodyPr>
+          <a:lstStyle/>
+          <a:p>
+            <a:r>
+              <a:rPr lang="pt-BR" dirty="0"/>
+              <a:t>2</a:t>
+            </a:r>
+          </a:p>
+        </p:txBody>
+      </p:sp>
+      <p:sp>
+        <p:nvSpPr>
+          <p:cNvPr id="26" name="CaixaDeTexto 25">
+            <a:extLst>
+              <a:ext uri="{FF2B5EF4-FFF2-40B4-BE49-F238E27FC236}">
+                <a16:creationId xmlns:a16="http://schemas.microsoft.com/office/drawing/2014/main" id="{6D9D7ACA-D931-48C8-AE74-C893D0CF40EC}"/>
+              </a:ext>
+            </a:extLst>
+          </p:cNvPr>
+          <p:cNvSpPr txBox="1"/>
+          <p:nvPr/>
+        </p:nvSpPr>
+        <p:spPr>
+          <a:xfrm>
+            <a:off x="7660327" y="3521035"/>
+            <a:ext cx="309084" cy="369332"/>
+          </a:xfrm>
+          <a:prstGeom prst="rect">
+            <a:avLst/>
+          </a:prstGeom>
+          <a:noFill/>
+        </p:spPr>
+        <p:txBody>
+          <a:bodyPr wrap="square" rtlCol="0">
+            <a:spAutoFit/>
+          </a:bodyPr>
+          <a:lstStyle/>
+          <a:p>
+            <a:r>
+              <a:rPr lang="pt-BR" dirty="0"/>
+              <a:t>3</a:t>
+            </a:r>
+          </a:p>
+        </p:txBody>
+      </p:sp>
+      <p:sp>
+        <p:nvSpPr>
+          <p:cNvPr id="27" name="CaixaDeTexto 26">
+            <a:extLst>
+              <a:ext uri="{FF2B5EF4-FFF2-40B4-BE49-F238E27FC236}">
+                <a16:creationId xmlns:a16="http://schemas.microsoft.com/office/drawing/2014/main" id="{D3BDDC9A-C5C1-4A8C-BA82-5F9C49C56152}"/>
+              </a:ext>
+            </a:extLst>
+          </p:cNvPr>
+          <p:cNvSpPr txBox="1"/>
+          <p:nvPr/>
+        </p:nvSpPr>
+        <p:spPr>
+          <a:xfrm>
+            <a:off x="8538167" y="3521035"/>
+            <a:ext cx="309084" cy="369332"/>
+          </a:xfrm>
+          <a:prstGeom prst="rect">
+            <a:avLst/>
+          </a:prstGeom>
+          <a:noFill/>
+        </p:spPr>
+        <p:txBody>
+          <a:bodyPr wrap="square" rtlCol="0">
+            <a:spAutoFit/>
+          </a:bodyPr>
+          <a:lstStyle/>
+          <a:p>
+            <a:r>
+              <a:rPr lang="pt-BR" dirty="0"/>
+              <a:t>4</a:t>
+            </a:r>
+          </a:p>
+        </p:txBody>
+      </p:sp>
+      <p:sp>
+        <p:nvSpPr>
+          <p:cNvPr id="28" name="CaixaDeTexto 27">
+            <a:extLst>
+              <a:ext uri="{FF2B5EF4-FFF2-40B4-BE49-F238E27FC236}">
+                <a16:creationId xmlns:a16="http://schemas.microsoft.com/office/drawing/2014/main" id="{9DD02DE4-DE23-4F40-857D-C4439FCD9DCF}"/>
+              </a:ext>
+            </a:extLst>
+          </p:cNvPr>
+          <p:cNvSpPr txBox="1"/>
+          <p:nvPr/>
+        </p:nvSpPr>
+        <p:spPr>
+          <a:xfrm>
+            <a:off x="9424568" y="3521035"/>
+            <a:ext cx="309084" cy="369332"/>
+          </a:xfrm>
+          <a:prstGeom prst="rect">
+            <a:avLst/>
+          </a:prstGeom>
+          <a:noFill/>
+        </p:spPr>
+        <p:txBody>
+          <a:bodyPr wrap="square" rtlCol="0">
+            <a:spAutoFit/>
+          </a:bodyPr>
+          <a:lstStyle/>
+          <a:p>
+            <a:r>
+              <a:rPr lang="pt-BR" dirty="0"/>
+              <a:t>0</a:t>
+            </a:r>
+          </a:p>
+        </p:txBody>
+      </p:sp>
+      <p:sp>
+        <p:nvSpPr>
+          <p:cNvPr id="29" name="CaixaDeTexto 28">
+            <a:extLst>
+              <a:ext uri="{FF2B5EF4-FFF2-40B4-BE49-F238E27FC236}">
+                <a16:creationId xmlns:a16="http://schemas.microsoft.com/office/drawing/2014/main" id="{A0596966-7710-43AF-A26D-4B87970DF133}"/>
+              </a:ext>
+            </a:extLst>
+          </p:cNvPr>
+          <p:cNvSpPr txBox="1"/>
+          <p:nvPr/>
+        </p:nvSpPr>
+        <p:spPr>
+          <a:xfrm>
+            <a:off x="1741651" y="3516550"/>
+            <a:ext cx="2506701" cy="461665"/>
+          </a:xfrm>
+          <a:prstGeom prst="rect">
+            <a:avLst/>
+          </a:prstGeom>
+          <a:noFill/>
+        </p:spPr>
+        <p:txBody>
+          <a:bodyPr wrap="square" rtlCol="0">
+            <a:spAutoFit/>
+          </a:bodyPr>
+          <a:lstStyle/>
+          <a:p>
+            <a:r>
+              <a:rPr lang="pt-BR" sz="2400" dirty="0"/>
+              <a:t>Solução Base: </a:t>
+            </a:r>
+          </a:p>
+        </p:txBody>
+      </p:sp>
+      <p:sp>
+        <p:nvSpPr>
+          <p:cNvPr id="4" name="CaixaDeTexto 3">
+            <a:extLst>
+              <a:ext uri="{FF2B5EF4-FFF2-40B4-BE49-F238E27FC236}">
+                <a16:creationId xmlns:a16="http://schemas.microsoft.com/office/drawing/2014/main" id="{9056A89E-C2B2-4F4C-AC1E-D420C8B8002F}"/>
+              </a:ext>
+            </a:extLst>
+          </p:cNvPr>
+          <p:cNvSpPr txBox="1"/>
+          <p:nvPr/>
+        </p:nvSpPr>
+        <p:spPr>
+          <a:xfrm>
+            <a:off x="1916318" y="4305373"/>
+            <a:ext cx="2415261" cy="369332"/>
+          </a:xfrm>
+          <a:prstGeom prst="rect">
+            <a:avLst/>
+          </a:prstGeom>
+          <a:noFill/>
+        </p:spPr>
+        <p:txBody>
+          <a:bodyPr wrap="square" rtlCol="0">
+            <a:spAutoFit/>
+          </a:bodyPr>
+          <a:lstStyle/>
+          <a:p>
+            <a:r>
+              <a:rPr lang="pt-BR" dirty="0"/>
+              <a:t>2 – </a:t>
+            </a:r>
+            <a:r>
+              <a:rPr lang="pt-BR" dirty="0" err="1"/>
+              <a:t>Opt</a:t>
+            </a:r>
+            <a:r>
+              <a:rPr lang="pt-BR" dirty="0"/>
+              <a:t> 1: </a:t>
+            </a:r>
+          </a:p>
+        </p:txBody>
+      </p:sp>
+      <p:sp>
+        <p:nvSpPr>
+          <p:cNvPr id="52" name="Elipse 51">
+            <a:extLst>
+              <a:ext uri="{FF2B5EF4-FFF2-40B4-BE49-F238E27FC236}">
+                <a16:creationId xmlns:a16="http://schemas.microsoft.com/office/drawing/2014/main" id="{72C6C0D2-2C59-4764-BBDE-70EC3BD8FF16}"/>
+              </a:ext>
+            </a:extLst>
+          </p:cNvPr>
+          <p:cNvSpPr/>
+          <p:nvPr/>
+        </p:nvSpPr>
+        <p:spPr>
+          <a:xfrm>
+            <a:off x="4892069" y="5076485"/>
+            <a:ext cx="540000" cy="540000"/>
+          </a:xfrm>
+          <a:prstGeom prst="ellipse">
+            <a:avLst/>
+          </a:prstGeom>
+          <a:solidFill>
+            <a:srgbClr val="00B0F0"/>
+          </a:solidFill>
+          <a:ln w="18000">
+            <a:solidFill>
+              <a:srgbClr val="00B0F0"/>
+            </a:solidFill>
+          </a:ln>
+        </p:spPr>
+        <p:style>
+          <a:lnRef idx="2">
+            <a:schemeClr val="accent1">
+              <a:shade val="50000"/>
+            </a:schemeClr>
+          </a:lnRef>
+          <a:fillRef idx="1">
+            <a:schemeClr val="accent1"/>
+          </a:fillRef>
+          <a:effectRef idx="0">
+            <a:schemeClr val="accent1"/>
+          </a:effectRef>
+          <a:fontRef idx="minor">
+            <a:schemeClr val="lt1"/>
+          </a:fontRef>
+        </p:style>
+        <p:txBody>
+          <a:bodyPr rtlCol="0" anchor="ctr"/>
+          <a:lstStyle/>
+          <a:p>
+            <a:pPr algn="ctr"/>
+            <a:endParaRPr lang="pt-BR">
+              <a:solidFill>
+                <a:srgbClr val="FF4E00"/>
+              </a:solidFill>
+            </a:endParaRPr>
+          </a:p>
+        </p:txBody>
+      </p:sp>
+      <p:sp>
+        <p:nvSpPr>
+          <p:cNvPr id="53" name="Elipse 52">
+            <a:extLst>
+              <a:ext uri="{FF2B5EF4-FFF2-40B4-BE49-F238E27FC236}">
+                <a16:creationId xmlns:a16="http://schemas.microsoft.com/office/drawing/2014/main" id="{B27E9914-6DCE-4DB8-9A26-48A6CB2D4CCA}"/>
+              </a:ext>
+            </a:extLst>
+          </p:cNvPr>
+          <p:cNvSpPr/>
+          <p:nvPr/>
+        </p:nvSpPr>
+        <p:spPr>
+          <a:xfrm>
+            <a:off x="5765829" y="5076485"/>
+            <a:ext cx="540000" cy="540000"/>
+          </a:xfrm>
+          <a:prstGeom prst="ellipse">
+            <a:avLst/>
+          </a:prstGeom>
+          <a:solidFill>
+            <a:srgbClr val="00B0F0"/>
+          </a:solidFill>
+          <a:ln w="18000">
+            <a:solidFill>
+              <a:srgbClr val="00B0F0"/>
+            </a:solidFill>
+          </a:ln>
+        </p:spPr>
+        <p:style>
+          <a:lnRef idx="2">
+            <a:schemeClr val="accent1">
+              <a:shade val="50000"/>
+            </a:schemeClr>
+          </a:lnRef>
+          <a:fillRef idx="1">
+            <a:schemeClr val="accent1"/>
+          </a:fillRef>
+          <a:effectRef idx="0">
+            <a:schemeClr val="accent1"/>
+          </a:effectRef>
+          <a:fontRef idx="minor">
+            <a:schemeClr val="lt1"/>
+          </a:fontRef>
+        </p:style>
+        <p:txBody>
+          <a:bodyPr rtlCol="0" anchor="ctr"/>
+          <a:lstStyle/>
+          <a:p>
+            <a:pPr algn="ctr"/>
+            <a:endParaRPr lang="pt-BR">
+              <a:solidFill>
+                <a:srgbClr val="FF4E00"/>
+              </a:solidFill>
+            </a:endParaRPr>
+          </a:p>
+        </p:txBody>
+      </p:sp>
+      <p:sp>
+        <p:nvSpPr>
+          <p:cNvPr id="54" name="Elipse 53">
+            <a:extLst>
+              <a:ext uri="{FF2B5EF4-FFF2-40B4-BE49-F238E27FC236}">
+                <a16:creationId xmlns:a16="http://schemas.microsoft.com/office/drawing/2014/main" id="{4C85F8E8-8AAB-4024-89C6-DAE83292B5CF}"/>
+              </a:ext>
+            </a:extLst>
+          </p:cNvPr>
+          <p:cNvSpPr/>
+          <p:nvPr/>
+        </p:nvSpPr>
+        <p:spPr>
+          <a:xfrm>
+            <a:off x="6667029" y="5076485"/>
+            <a:ext cx="540000" cy="540000"/>
+          </a:xfrm>
+          <a:prstGeom prst="ellipse">
+            <a:avLst/>
+          </a:prstGeom>
+          <a:solidFill>
+            <a:srgbClr val="00B0F0"/>
+          </a:solidFill>
+          <a:ln w="18000">
+            <a:solidFill>
+              <a:srgbClr val="00B0F0"/>
+            </a:solidFill>
+          </a:ln>
+        </p:spPr>
+        <p:style>
+          <a:lnRef idx="2">
+            <a:schemeClr val="accent1">
+              <a:shade val="50000"/>
+            </a:schemeClr>
+          </a:lnRef>
+          <a:fillRef idx="1">
+            <a:schemeClr val="accent1"/>
+          </a:fillRef>
+          <a:effectRef idx="0">
+            <a:schemeClr val="accent1"/>
+          </a:effectRef>
+          <a:fontRef idx="minor">
+            <a:schemeClr val="lt1"/>
+          </a:fontRef>
+        </p:style>
+        <p:txBody>
+          <a:bodyPr rtlCol="0" anchor="ctr"/>
+          <a:lstStyle/>
+          <a:p>
+            <a:pPr algn="ctr"/>
+            <a:endParaRPr lang="pt-BR">
+              <a:solidFill>
+                <a:srgbClr val="FF4E00"/>
+              </a:solidFill>
+            </a:endParaRPr>
+          </a:p>
+        </p:txBody>
+      </p:sp>
+      <p:sp>
+        <p:nvSpPr>
+          <p:cNvPr id="55" name="Elipse 54">
+            <a:extLst>
+              <a:ext uri="{FF2B5EF4-FFF2-40B4-BE49-F238E27FC236}">
+                <a16:creationId xmlns:a16="http://schemas.microsoft.com/office/drawing/2014/main" id="{332C3BEA-FD0F-4378-BEB4-02CC4F36EFE2}"/>
+              </a:ext>
+            </a:extLst>
+          </p:cNvPr>
+          <p:cNvSpPr/>
+          <p:nvPr/>
+        </p:nvSpPr>
+        <p:spPr>
+          <a:xfrm>
+            <a:off x="7544869" y="5076485"/>
+            <a:ext cx="540000" cy="540000"/>
+          </a:xfrm>
+          <a:prstGeom prst="ellipse">
+            <a:avLst/>
+          </a:prstGeom>
+          <a:solidFill>
+            <a:srgbClr val="00B0F0"/>
+          </a:solidFill>
+          <a:ln w="18000">
+            <a:solidFill>
+              <a:srgbClr val="00B0F0"/>
+            </a:solidFill>
+          </a:ln>
+        </p:spPr>
+        <p:style>
+          <a:lnRef idx="2">
+            <a:schemeClr val="accent1">
+              <a:shade val="50000"/>
+            </a:schemeClr>
+          </a:lnRef>
+          <a:fillRef idx="1">
+            <a:schemeClr val="accent1"/>
+          </a:fillRef>
+          <a:effectRef idx="0">
+            <a:schemeClr val="accent1"/>
+          </a:effectRef>
+          <a:fontRef idx="minor">
+            <a:schemeClr val="lt1"/>
+          </a:fontRef>
+        </p:style>
+        <p:txBody>
+          <a:bodyPr rtlCol="0" anchor="ctr"/>
+          <a:lstStyle/>
+          <a:p>
+            <a:pPr algn="ctr"/>
+            <a:endParaRPr lang="pt-BR">
+              <a:solidFill>
+                <a:srgbClr val="FF4E00"/>
+              </a:solidFill>
+            </a:endParaRPr>
+          </a:p>
+        </p:txBody>
+      </p:sp>
+      <p:sp>
+        <p:nvSpPr>
+          <p:cNvPr id="56" name="Elipse 55">
+            <a:extLst>
+              <a:ext uri="{FF2B5EF4-FFF2-40B4-BE49-F238E27FC236}">
+                <a16:creationId xmlns:a16="http://schemas.microsoft.com/office/drawing/2014/main" id="{A4A51D05-7BC5-45F0-BF04-8568373E0D19}"/>
+              </a:ext>
+            </a:extLst>
+          </p:cNvPr>
+          <p:cNvSpPr/>
+          <p:nvPr/>
+        </p:nvSpPr>
+        <p:spPr>
+          <a:xfrm>
+            <a:off x="8422709" y="5076485"/>
+            <a:ext cx="540000" cy="540000"/>
+          </a:xfrm>
+          <a:prstGeom prst="ellipse">
+            <a:avLst/>
+          </a:prstGeom>
+          <a:solidFill>
+            <a:srgbClr val="00B0F0"/>
+          </a:solidFill>
+          <a:ln w="18000">
+            <a:solidFill>
+              <a:srgbClr val="00B0F0"/>
+            </a:solidFill>
+          </a:ln>
+        </p:spPr>
+        <p:style>
+          <a:lnRef idx="2">
+            <a:schemeClr val="accent1">
+              <a:shade val="50000"/>
+            </a:schemeClr>
+          </a:lnRef>
+          <a:fillRef idx="1">
+            <a:schemeClr val="accent1"/>
+          </a:fillRef>
+          <a:effectRef idx="0">
+            <a:schemeClr val="accent1"/>
+          </a:effectRef>
+          <a:fontRef idx="minor">
+            <a:schemeClr val="lt1"/>
+          </a:fontRef>
+        </p:style>
+        <p:txBody>
+          <a:bodyPr rtlCol="0" anchor="ctr"/>
+          <a:lstStyle/>
+          <a:p>
+            <a:pPr algn="ctr"/>
+            <a:endParaRPr lang="pt-BR">
+              <a:solidFill>
+                <a:srgbClr val="FF4E00"/>
+              </a:solidFill>
+            </a:endParaRPr>
+          </a:p>
+        </p:txBody>
+      </p:sp>
+      <p:sp>
+        <p:nvSpPr>
+          <p:cNvPr id="57" name="Elipse 56">
+            <a:extLst>
+              <a:ext uri="{FF2B5EF4-FFF2-40B4-BE49-F238E27FC236}">
+                <a16:creationId xmlns:a16="http://schemas.microsoft.com/office/drawing/2014/main" id="{28690975-54B9-4FD4-9537-D645404588B6}"/>
+              </a:ext>
+            </a:extLst>
+          </p:cNvPr>
+          <p:cNvSpPr/>
+          <p:nvPr/>
+        </p:nvSpPr>
+        <p:spPr>
+          <a:xfrm>
+            <a:off x="9300549" y="5076485"/>
+            <a:ext cx="540000" cy="540000"/>
+          </a:xfrm>
+          <a:prstGeom prst="ellipse">
+            <a:avLst/>
+          </a:prstGeom>
+          <a:solidFill>
+            <a:srgbClr val="00B0F0"/>
+          </a:solidFill>
+          <a:ln w="18000">
+            <a:solidFill>
+              <a:srgbClr val="00B0F0"/>
+            </a:solidFill>
+          </a:ln>
+        </p:spPr>
+        <p:style>
+          <a:lnRef idx="2">
+            <a:schemeClr val="accent1">
+              <a:shade val="50000"/>
+            </a:schemeClr>
+          </a:lnRef>
+          <a:fillRef idx="1">
+            <a:schemeClr val="accent1"/>
+          </a:fillRef>
+          <a:effectRef idx="0">
+            <a:schemeClr val="accent1"/>
+          </a:effectRef>
+          <a:fontRef idx="minor">
+            <a:schemeClr val="lt1"/>
+          </a:fontRef>
+        </p:style>
+        <p:txBody>
+          <a:bodyPr rtlCol="0" anchor="ctr"/>
+          <a:lstStyle/>
+          <a:p>
+            <a:pPr algn="ctr"/>
+            <a:endParaRPr lang="pt-BR">
+              <a:solidFill>
+                <a:srgbClr val="FF4E00"/>
+              </a:solidFill>
+            </a:endParaRPr>
+          </a:p>
+        </p:txBody>
+      </p:sp>
+      <p:sp>
+        <p:nvSpPr>
+          <p:cNvPr id="58" name="CaixaDeTexto 57">
+            <a:extLst>
+              <a:ext uri="{FF2B5EF4-FFF2-40B4-BE49-F238E27FC236}">
+                <a16:creationId xmlns:a16="http://schemas.microsoft.com/office/drawing/2014/main" id="{7E421B21-7626-45ED-9A90-4A7122A710DE}"/>
+              </a:ext>
+            </a:extLst>
+          </p:cNvPr>
+          <p:cNvSpPr txBox="1"/>
+          <p:nvPr/>
+        </p:nvSpPr>
+        <p:spPr>
+          <a:xfrm>
+            <a:off x="5007527" y="5161819"/>
+            <a:ext cx="309084" cy="369332"/>
+          </a:xfrm>
+          <a:prstGeom prst="rect">
+            <a:avLst/>
+          </a:prstGeom>
+          <a:solidFill>
+            <a:srgbClr val="00B0F0"/>
+          </a:solidFill>
+          <a:ln>
+            <a:solidFill>
+              <a:srgbClr val="00B0F0"/>
+            </a:solidFill>
+          </a:ln>
+        </p:spPr>
+        <p:txBody>
+          <a:bodyPr wrap="square" rtlCol="0">
+            <a:spAutoFit/>
+          </a:bodyPr>
+          <a:lstStyle/>
+          <a:p>
+            <a:r>
+              <a:rPr lang="pt-BR" dirty="0"/>
+              <a:t>0</a:t>
+            </a:r>
+          </a:p>
+        </p:txBody>
+      </p:sp>
+      <p:sp>
+        <p:nvSpPr>
+          <p:cNvPr id="59" name="CaixaDeTexto 58">
+            <a:extLst>
+              <a:ext uri="{FF2B5EF4-FFF2-40B4-BE49-F238E27FC236}">
+                <a16:creationId xmlns:a16="http://schemas.microsoft.com/office/drawing/2014/main" id="{67FA4E32-5072-44B2-9DD4-066B24054C19}"/>
+              </a:ext>
+            </a:extLst>
+          </p:cNvPr>
+          <p:cNvSpPr txBox="1"/>
+          <p:nvPr/>
+        </p:nvSpPr>
+        <p:spPr>
+          <a:xfrm>
+            <a:off x="5881287" y="5161819"/>
+            <a:ext cx="309084" cy="369332"/>
+          </a:xfrm>
+          <a:prstGeom prst="rect">
+            <a:avLst/>
+          </a:prstGeom>
+          <a:solidFill>
+            <a:srgbClr val="00B0F0"/>
+          </a:solidFill>
+          <a:ln>
+            <a:solidFill>
+              <a:srgbClr val="00B0F0"/>
+            </a:solidFill>
+          </a:ln>
+        </p:spPr>
+        <p:txBody>
+          <a:bodyPr wrap="square" rtlCol="0">
+            <a:spAutoFit/>
+          </a:bodyPr>
+          <a:lstStyle/>
+          <a:p>
+            <a:r>
+              <a:rPr lang="pt-BR" dirty="0"/>
+              <a:t>3</a:t>
+            </a:r>
+          </a:p>
+        </p:txBody>
+      </p:sp>
+      <p:sp>
+        <p:nvSpPr>
+          <p:cNvPr id="60" name="CaixaDeTexto 59">
+            <a:extLst>
+              <a:ext uri="{FF2B5EF4-FFF2-40B4-BE49-F238E27FC236}">
+                <a16:creationId xmlns:a16="http://schemas.microsoft.com/office/drawing/2014/main" id="{A80007FB-B35E-45F0-AA87-538B81B895BE}"/>
+              </a:ext>
+            </a:extLst>
+          </p:cNvPr>
+          <p:cNvSpPr txBox="1"/>
+          <p:nvPr/>
+        </p:nvSpPr>
+        <p:spPr>
+          <a:xfrm>
+            <a:off x="6782487" y="5161819"/>
+            <a:ext cx="309084" cy="369332"/>
+          </a:xfrm>
+          <a:prstGeom prst="rect">
+            <a:avLst/>
+          </a:prstGeom>
+          <a:solidFill>
+            <a:srgbClr val="00B0F0"/>
+          </a:solidFill>
+          <a:ln>
+            <a:solidFill>
+              <a:srgbClr val="00B0F0"/>
+            </a:solidFill>
+          </a:ln>
+        </p:spPr>
+        <p:txBody>
+          <a:bodyPr wrap="square" rtlCol="0">
+            <a:spAutoFit/>
+          </a:bodyPr>
+          <a:lstStyle/>
+          <a:p>
+            <a:r>
+              <a:rPr lang="pt-BR" dirty="0"/>
+              <a:t>2</a:t>
+            </a:r>
+          </a:p>
+        </p:txBody>
+      </p:sp>
+      <p:sp>
+        <p:nvSpPr>
+          <p:cNvPr id="61" name="CaixaDeTexto 60">
+            <a:extLst>
+              <a:ext uri="{FF2B5EF4-FFF2-40B4-BE49-F238E27FC236}">
+                <a16:creationId xmlns:a16="http://schemas.microsoft.com/office/drawing/2014/main" id="{E42ED54C-5CF1-4F77-A7B0-E67998793BB3}"/>
+              </a:ext>
+            </a:extLst>
+          </p:cNvPr>
+          <p:cNvSpPr txBox="1"/>
+          <p:nvPr/>
+        </p:nvSpPr>
+        <p:spPr>
+          <a:xfrm>
+            <a:off x="7660327" y="5161819"/>
+            <a:ext cx="309084" cy="369332"/>
+          </a:xfrm>
+          <a:prstGeom prst="rect">
+            <a:avLst/>
+          </a:prstGeom>
+          <a:solidFill>
+            <a:srgbClr val="00B0F0"/>
+          </a:solidFill>
+          <a:ln>
+            <a:solidFill>
+              <a:srgbClr val="00B0F0"/>
+            </a:solidFill>
+          </a:ln>
+        </p:spPr>
+        <p:txBody>
+          <a:bodyPr wrap="square" rtlCol="0">
+            <a:spAutoFit/>
+          </a:bodyPr>
+          <a:lstStyle/>
+          <a:p>
+            <a:r>
+              <a:rPr lang="pt-BR" dirty="0"/>
+              <a:t>1</a:t>
+            </a:r>
+          </a:p>
+        </p:txBody>
+      </p:sp>
+      <p:sp>
+        <p:nvSpPr>
+          <p:cNvPr id="62" name="CaixaDeTexto 61">
+            <a:extLst>
+              <a:ext uri="{FF2B5EF4-FFF2-40B4-BE49-F238E27FC236}">
+                <a16:creationId xmlns:a16="http://schemas.microsoft.com/office/drawing/2014/main" id="{B40DE2EA-E62F-4A56-ADFD-AACCB36654D7}"/>
+              </a:ext>
+            </a:extLst>
+          </p:cNvPr>
+          <p:cNvSpPr txBox="1"/>
+          <p:nvPr/>
+        </p:nvSpPr>
+        <p:spPr>
+          <a:xfrm>
+            <a:off x="8538167" y="5161819"/>
+            <a:ext cx="309084" cy="369332"/>
+          </a:xfrm>
+          <a:prstGeom prst="rect">
+            <a:avLst/>
+          </a:prstGeom>
+          <a:solidFill>
+            <a:srgbClr val="00B0F0"/>
+          </a:solidFill>
+          <a:ln>
+            <a:solidFill>
+              <a:srgbClr val="00B0F0"/>
+            </a:solidFill>
+          </a:ln>
+        </p:spPr>
+        <p:txBody>
+          <a:bodyPr wrap="square" rtlCol="0">
+            <a:spAutoFit/>
+          </a:bodyPr>
+          <a:lstStyle/>
+          <a:p>
+            <a:r>
+              <a:rPr lang="pt-BR" dirty="0"/>
+              <a:t>4</a:t>
+            </a:r>
+          </a:p>
+        </p:txBody>
+      </p:sp>
+      <p:sp>
+        <p:nvSpPr>
+          <p:cNvPr id="63" name="CaixaDeTexto 62">
+            <a:extLst>
+              <a:ext uri="{FF2B5EF4-FFF2-40B4-BE49-F238E27FC236}">
+                <a16:creationId xmlns:a16="http://schemas.microsoft.com/office/drawing/2014/main" id="{230195A3-CD15-42BB-87D0-65B5C2C52376}"/>
+              </a:ext>
+            </a:extLst>
+          </p:cNvPr>
+          <p:cNvSpPr txBox="1"/>
+          <p:nvPr/>
+        </p:nvSpPr>
+        <p:spPr>
+          <a:xfrm>
+            <a:off x="9424568" y="5161819"/>
+            <a:ext cx="309084" cy="369332"/>
+          </a:xfrm>
+          <a:prstGeom prst="rect">
+            <a:avLst/>
+          </a:prstGeom>
+          <a:solidFill>
+            <a:srgbClr val="00B0F0"/>
+          </a:solidFill>
+          <a:ln>
+            <a:solidFill>
+              <a:srgbClr val="00B0F0"/>
+            </a:solidFill>
+          </a:ln>
+        </p:spPr>
+        <p:txBody>
+          <a:bodyPr wrap="square" rtlCol="0">
+            <a:spAutoFit/>
+          </a:bodyPr>
+          <a:lstStyle/>
+          <a:p>
+            <a:r>
+              <a:rPr lang="pt-BR" dirty="0"/>
+              <a:t>0</a:t>
+            </a:r>
+          </a:p>
+        </p:txBody>
+      </p:sp>
+      <p:sp>
+        <p:nvSpPr>
+          <p:cNvPr id="5" name="CaixaDeTexto 4">
+            <a:extLst>
+              <a:ext uri="{FF2B5EF4-FFF2-40B4-BE49-F238E27FC236}">
+                <a16:creationId xmlns:a16="http://schemas.microsoft.com/office/drawing/2014/main" id="{55EF30B9-403F-4062-BDD3-6B83352B494F}"/>
+              </a:ext>
+            </a:extLst>
+          </p:cNvPr>
+          <p:cNvSpPr txBox="1"/>
+          <p:nvPr/>
+        </p:nvSpPr>
+        <p:spPr>
+          <a:xfrm>
+            <a:off x="1930400" y="5164962"/>
+            <a:ext cx="1249060" cy="369332"/>
+          </a:xfrm>
+          <a:prstGeom prst="rect">
+            <a:avLst/>
+          </a:prstGeom>
+          <a:noFill/>
+        </p:spPr>
+        <p:txBody>
+          <a:bodyPr wrap="none" rtlCol="0">
+            <a:spAutoFit/>
+          </a:bodyPr>
+          <a:lstStyle/>
+          <a:p>
+            <a:r>
+              <a:rPr lang="pt-BR" dirty="0"/>
+              <a:t>2 – </a:t>
+            </a:r>
+            <a:r>
+              <a:rPr lang="pt-BR" dirty="0" err="1"/>
+              <a:t>Opt</a:t>
+            </a:r>
+            <a:r>
+              <a:rPr lang="pt-BR" dirty="0"/>
+              <a:t> 2:</a:t>
+            </a:r>
+          </a:p>
+        </p:txBody>
+      </p:sp>
+      <p:sp>
+        <p:nvSpPr>
+          <p:cNvPr id="7" name="Retângulo 6">
+            <a:extLst>
+              <a:ext uri="{FF2B5EF4-FFF2-40B4-BE49-F238E27FC236}">
+                <a16:creationId xmlns:a16="http://schemas.microsoft.com/office/drawing/2014/main" id="{B2A32EE0-5B35-4008-9F1F-C5D8BE5BA437}"/>
+              </a:ext>
+            </a:extLst>
+          </p:cNvPr>
+          <p:cNvSpPr/>
+          <p:nvPr/>
+        </p:nvSpPr>
+        <p:spPr>
+          <a:xfrm>
+            <a:off x="5554440" y="3264840"/>
+            <a:ext cx="2700000" cy="900000"/>
+          </a:xfrm>
+          <a:prstGeom prst="rect">
+            <a:avLst/>
+          </a:prstGeom>
+          <a:noFill/>
+          <a:ln w="18000">
+            <a:solidFill>
+              <a:srgbClr val="AB008B"/>
+            </a:solidFill>
+          </a:ln>
+        </p:spPr>
+        <p:style>
+          <a:lnRef idx="2">
+            <a:schemeClr val="accent1">
+              <a:shade val="50000"/>
+            </a:schemeClr>
+          </a:lnRef>
+          <a:fillRef idx="1">
+            <a:schemeClr val="accent1"/>
+          </a:fillRef>
+          <a:effectRef idx="0">
+            <a:schemeClr val="accent1"/>
+          </a:effectRef>
+          <a:fontRef idx="minor">
+            <a:schemeClr val="lt1"/>
+          </a:fontRef>
+        </p:style>
+        <p:txBody>
+          <a:bodyPr rtlCol="0" anchor="ctr"/>
+          <a:lstStyle/>
+          <a:p>
+            <a:pPr algn="ctr"/>
+            <a:endParaRPr lang="pt-BR">
+              <a:solidFill>
+                <a:srgbClr val="AB008B"/>
+              </a:solidFill>
+            </a:endParaRPr>
+          </a:p>
+        </p:txBody>
+      </p:sp>
+      <p:sp>
+        <p:nvSpPr>
+          <p:cNvPr id="70" name="Elipse 69">
+            <a:extLst>
+              <a:ext uri="{FF2B5EF4-FFF2-40B4-BE49-F238E27FC236}">
+                <a16:creationId xmlns:a16="http://schemas.microsoft.com/office/drawing/2014/main" id="{97031947-3695-4E4A-9838-E069A34C3A38}"/>
+              </a:ext>
+            </a:extLst>
+          </p:cNvPr>
+          <p:cNvSpPr/>
+          <p:nvPr/>
+        </p:nvSpPr>
+        <p:spPr>
+          <a:xfrm>
+            <a:off x="4892069" y="4271333"/>
+            <a:ext cx="540000" cy="540000"/>
+          </a:xfrm>
+          <a:prstGeom prst="ellipse">
+            <a:avLst/>
+          </a:prstGeom>
+          <a:solidFill>
+            <a:srgbClr val="92D050">
+              <a:alpha val="75000"/>
+            </a:srgbClr>
+          </a:solidFill>
+          <a:ln w="18000">
+            <a:solidFill>
+              <a:schemeClr val="accent4">
+                <a:lumMod val="75000"/>
+              </a:schemeClr>
+            </a:solidFill>
+          </a:ln>
+        </p:spPr>
+        <p:style>
+          <a:lnRef idx="2">
+            <a:schemeClr val="accent1">
+              <a:shade val="50000"/>
+            </a:schemeClr>
+          </a:lnRef>
+          <a:fillRef idx="1">
+            <a:schemeClr val="accent1"/>
+          </a:fillRef>
+          <a:effectRef idx="0">
+            <a:schemeClr val="accent1"/>
+          </a:effectRef>
+          <a:fontRef idx="minor">
+            <a:schemeClr val="lt1"/>
+          </a:fontRef>
+        </p:style>
+        <p:txBody>
+          <a:bodyPr rtlCol="0" anchor="ctr"/>
+          <a:lstStyle/>
+          <a:p>
+            <a:pPr algn="ctr"/>
+            <a:endParaRPr lang="pt-BR">
+              <a:solidFill>
+                <a:srgbClr val="FF4E00"/>
+              </a:solidFill>
+            </a:endParaRPr>
+          </a:p>
+        </p:txBody>
+      </p:sp>
+      <p:sp>
+        <p:nvSpPr>
+          <p:cNvPr id="71" name="Elipse 70">
+            <a:extLst>
+              <a:ext uri="{FF2B5EF4-FFF2-40B4-BE49-F238E27FC236}">
+                <a16:creationId xmlns:a16="http://schemas.microsoft.com/office/drawing/2014/main" id="{D88F7926-3123-4AE6-8400-CCBE9A0EAFE1}"/>
+              </a:ext>
+            </a:extLst>
+          </p:cNvPr>
+          <p:cNvSpPr/>
+          <p:nvPr/>
+        </p:nvSpPr>
+        <p:spPr>
+          <a:xfrm>
+            <a:off x="5765829" y="4271333"/>
+            <a:ext cx="540000" cy="540000"/>
+          </a:xfrm>
+          <a:prstGeom prst="ellipse">
+            <a:avLst/>
+          </a:prstGeom>
+          <a:solidFill>
+            <a:srgbClr val="92D050">
+              <a:alpha val="75000"/>
+            </a:srgbClr>
+          </a:solidFill>
+          <a:ln w="18000">
+            <a:solidFill>
+              <a:schemeClr val="accent4">
+                <a:lumMod val="75000"/>
+              </a:schemeClr>
+            </a:solidFill>
+          </a:ln>
+        </p:spPr>
+        <p:style>
+          <a:lnRef idx="2">
+            <a:schemeClr val="accent1">
+              <a:shade val="50000"/>
+            </a:schemeClr>
+          </a:lnRef>
+          <a:fillRef idx="1">
+            <a:schemeClr val="accent1"/>
+          </a:fillRef>
+          <a:effectRef idx="0">
+            <a:schemeClr val="accent1"/>
+          </a:effectRef>
+          <a:fontRef idx="minor">
+            <a:schemeClr val="lt1"/>
+          </a:fontRef>
+        </p:style>
+        <p:txBody>
+          <a:bodyPr rtlCol="0" anchor="ctr"/>
+          <a:lstStyle/>
+          <a:p>
+            <a:pPr algn="ctr"/>
+            <a:endParaRPr lang="pt-BR">
+              <a:solidFill>
+                <a:srgbClr val="FF4E00"/>
+              </a:solidFill>
+            </a:endParaRPr>
+          </a:p>
+        </p:txBody>
+      </p:sp>
+      <p:sp>
+        <p:nvSpPr>
+          <p:cNvPr id="72" name="Elipse 71">
+            <a:extLst>
+              <a:ext uri="{FF2B5EF4-FFF2-40B4-BE49-F238E27FC236}">
+                <a16:creationId xmlns:a16="http://schemas.microsoft.com/office/drawing/2014/main" id="{134B83B0-FA20-4DFD-8940-E445CE5780CF}"/>
+              </a:ext>
+            </a:extLst>
+          </p:cNvPr>
+          <p:cNvSpPr/>
+          <p:nvPr/>
+        </p:nvSpPr>
+        <p:spPr>
+          <a:xfrm>
+            <a:off x="6667029" y="4271333"/>
+            <a:ext cx="540000" cy="540000"/>
+          </a:xfrm>
+          <a:prstGeom prst="ellipse">
+            <a:avLst/>
+          </a:prstGeom>
+          <a:solidFill>
+            <a:srgbClr val="92D050">
+              <a:alpha val="75000"/>
+            </a:srgbClr>
+          </a:solidFill>
+          <a:ln w="18000">
+            <a:solidFill>
+              <a:schemeClr val="accent4">
+                <a:lumMod val="75000"/>
+              </a:schemeClr>
+            </a:solidFill>
+          </a:ln>
+        </p:spPr>
+        <p:style>
+          <a:lnRef idx="2">
+            <a:schemeClr val="accent1">
+              <a:shade val="50000"/>
+            </a:schemeClr>
+          </a:lnRef>
+          <a:fillRef idx="1">
+            <a:schemeClr val="accent1"/>
+          </a:fillRef>
+          <a:effectRef idx="0">
+            <a:schemeClr val="accent1"/>
+          </a:effectRef>
+          <a:fontRef idx="minor">
+            <a:schemeClr val="lt1"/>
+          </a:fontRef>
+        </p:style>
+        <p:txBody>
+          <a:bodyPr rtlCol="0" anchor="ctr"/>
+          <a:lstStyle/>
+          <a:p>
+            <a:pPr algn="ctr"/>
+            <a:endParaRPr lang="pt-BR">
+              <a:solidFill>
+                <a:srgbClr val="FF4E00"/>
+              </a:solidFill>
+            </a:endParaRPr>
+          </a:p>
+        </p:txBody>
+      </p:sp>
+      <p:sp>
+        <p:nvSpPr>
+          <p:cNvPr id="73" name="Elipse 72">
+            <a:extLst>
+              <a:ext uri="{FF2B5EF4-FFF2-40B4-BE49-F238E27FC236}">
+                <a16:creationId xmlns:a16="http://schemas.microsoft.com/office/drawing/2014/main" id="{EC4DEB65-7584-4532-9EFB-33C0716C78E7}"/>
+              </a:ext>
+            </a:extLst>
+          </p:cNvPr>
+          <p:cNvSpPr/>
+          <p:nvPr/>
+        </p:nvSpPr>
+        <p:spPr>
+          <a:xfrm>
+            <a:off x="7544869" y="4271333"/>
+            <a:ext cx="540000" cy="540000"/>
+          </a:xfrm>
+          <a:prstGeom prst="ellipse">
+            <a:avLst/>
+          </a:prstGeom>
+          <a:solidFill>
+            <a:srgbClr val="92D050">
+              <a:alpha val="75000"/>
+            </a:srgbClr>
+          </a:solidFill>
+          <a:ln w="18000">
+            <a:solidFill>
+              <a:schemeClr val="accent4">
+                <a:lumMod val="75000"/>
+              </a:schemeClr>
+            </a:solidFill>
+          </a:ln>
+        </p:spPr>
+        <p:style>
+          <a:lnRef idx="2">
+            <a:schemeClr val="accent1">
+              <a:shade val="50000"/>
+            </a:schemeClr>
+          </a:lnRef>
+          <a:fillRef idx="1">
+            <a:schemeClr val="accent1"/>
+          </a:fillRef>
+          <a:effectRef idx="0">
+            <a:schemeClr val="accent1"/>
+          </a:effectRef>
+          <a:fontRef idx="minor">
+            <a:schemeClr val="lt1"/>
+          </a:fontRef>
+        </p:style>
+        <p:txBody>
+          <a:bodyPr rtlCol="0" anchor="ctr"/>
+          <a:lstStyle/>
+          <a:p>
+            <a:pPr algn="ctr"/>
+            <a:endParaRPr lang="pt-BR">
+              <a:solidFill>
+                <a:srgbClr val="FF4E00"/>
+              </a:solidFill>
+            </a:endParaRPr>
+          </a:p>
+        </p:txBody>
+      </p:sp>
+      <p:sp>
+        <p:nvSpPr>
+          <p:cNvPr id="74" name="Elipse 73">
+            <a:extLst>
+              <a:ext uri="{FF2B5EF4-FFF2-40B4-BE49-F238E27FC236}">
+                <a16:creationId xmlns:a16="http://schemas.microsoft.com/office/drawing/2014/main" id="{DC993B7C-3D06-48F4-A39E-E6D47E0D73D1}"/>
+              </a:ext>
+            </a:extLst>
+          </p:cNvPr>
+          <p:cNvSpPr/>
+          <p:nvPr/>
+        </p:nvSpPr>
+        <p:spPr>
+          <a:xfrm>
+            <a:off x="8422709" y="4271333"/>
+            <a:ext cx="540000" cy="540000"/>
+          </a:xfrm>
+          <a:prstGeom prst="ellipse">
+            <a:avLst/>
+          </a:prstGeom>
+          <a:solidFill>
+            <a:srgbClr val="92D050">
+              <a:alpha val="75000"/>
+            </a:srgbClr>
+          </a:solidFill>
+          <a:ln w="18000">
+            <a:solidFill>
+              <a:schemeClr val="accent4">
+                <a:lumMod val="75000"/>
+              </a:schemeClr>
+            </a:solidFill>
+          </a:ln>
+        </p:spPr>
+        <p:style>
+          <a:lnRef idx="2">
+            <a:schemeClr val="accent1">
+              <a:shade val="50000"/>
+            </a:schemeClr>
+          </a:lnRef>
+          <a:fillRef idx="1">
+            <a:schemeClr val="accent1"/>
+          </a:fillRef>
+          <a:effectRef idx="0">
+            <a:schemeClr val="accent1"/>
+          </a:effectRef>
+          <a:fontRef idx="minor">
+            <a:schemeClr val="lt1"/>
+          </a:fontRef>
+        </p:style>
+        <p:txBody>
+          <a:bodyPr rtlCol="0" anchor="ctr"/>
+          <a:lstStyle/>
+          <a:p>
+            <a:pPr algn="ctr"/>
+            <a:endParaRPr lang="pt-BR">
+              <a:solidFill>
+                <a:srgbClr val="FF4E00"/>
+              </a:solidFill>
+            </a:endParaRPr>
+          </a:p>
+        </p:txBody>
+      </p:sp>
+      <p:sp>
+        <p:nvSpPr>
+          <p:cNvPr id="75" name="Elipse 74">
+            <a:extLst>
+              <a:ext uri="{FF2B5EF4-FFF2-40B4-BE49-F238E27FC236}">
+                <a16:creationId xmlns:a16="http://schemas.microsoft.com/office/drawing/2014/main" id="{A331D323-7F5A-48DC-8AEF-5A7EFE19E9C1}"/>
+              </a:ext>
+            </a:extLst>
+          </p:cNvPr>
+          <p:cNvSpPr/>
+          <p:nvPr/>
+        </p:nvSpPr>
+        <p:spPr>
+          <a:xfrm>
+            <a:off x="9300549" y="4271333"/>
+            <a:ext cx="540000" cy="540000"/>
+          </a:xfrm>
+          <a:prstGeom prst="ellipse">
+            <a:avLst/>
+          </a:prstGeom>
+          <a:solidFill>
+            <a:srgbClr val="92D050">
+              <a:alpha val="75000"/>
+            </a:srgbClr>
+          </a:solidFill>
+          <a:ln w="18000">
+            <a:solidFill>
+              <a:schemeClr val="accent4">
+                <a:lumMod val="75000"/>
+              </a:schemeClr>
+            </a:solidFill>
+          </a:ln>
+        </p:spPr>
+        <p:style>
+          <a:lnRef idx="2">
+            <a:schemeClr val="accent1">
+              <a:shade val="50000"/>
+            </a:schemeClr>
+          </a:lnRef>
+          <a:fillRef idx="1">
+            <a:schemeClr val="accent1"/>
+          </a:fillRef>
+          <a:effectRef idx="0">
+            <a:schemeClr val="accent1"/>
+          </a:effectRef>
+          <a:fontRef idx="minor">
+            <a:schemeClr val="lt1"/>
+          </a:fontRef>
+        </p:style>
+        <p:txBody>
+          <a:bodyPr rtlCol="0" anchor="ctr"/>
+          <a:lstStyle/>
+          <a:p>
+            <a:pPr algn="ctr"/>
+            <a:endParaRPr lang="pt-BR">
+              <a:solidFill>
+                <a:srgbClr val="FF4E00"/>
+              </a:solidFill>
+            </a:endParaRPr>
+          </a:p>
+        </p:txBody>
+      </p:sp>
+      <p:sp>
+        <p:nvSpPr>
+          <p:cNvPr id="76" name="CaixaDeTexto 75">
+            <a:extLst>
+              <a:ext uri="{FF2B5EF4-FFF2-40B4-BE49-F238E27FC236}">
+                <a16:creationId xmlns:a16="http://schemas.microsoft.com/office/drawing/2014/main" id="{3277C813-26B3-4319-B614-6171297575B8}"/>
+              </a:ext>
+            </a:extLst>
+          </p:cNvPr>
+          <p:cNvSpPr txBox="1"/>
+          <p:nvPr/>
+        </p:nvSpPr>
+        <p:spPr>
+          <a:xfrm>
+            <a:off x="5007527" y="4356667"/>
+            <a:ext cx="309084" cy="369332"/>
+          </a:xfrm>
+          <a:prstGeom prst="rect">
+            <a:avLst/>
+          </a:prstGeom>
+          <a:noFill/>
+        </p:spPr>
+        <p:txBody>
+          <a:bodyPr wrap="square" rtlCol="0">
+            <a:spAutoFit/>
+          </a:bodyPr>
+          <a:lstStyle/>
+          <a:p>
+            <a:r>
+              <a:rPr lang="pt-BR" dirty="0"/>
+              <a:t>0</a:t>
+            </a:r>
+          </a:p>
+        </p:txBody>
+      </p:sp>
+      <p:sp>
+        <p:nvSpPr>
+          <p:cNvPr id="77" name="CaixaDeTexto 76">
+            <a:extLst>
+              <a:ext uri="{FF2B5EF4-FFF2-40B4-BE49-F238E27FC236}">
+                <a16:creationId xmlns:a16="http://schemas.microsoft.com/office/drawing/2014/main" id="{7DF67B29-CD11-4FB6-8ABF-0E4325BD322A}"/>
+              </a:ext>
+            </a:extLst>
+          </p:cNvPr>
+          <p:cNvSpPr txBox="1"/>
+          <p:nvPr/>
+        </p:nvSpPr>
+        <p:spPr>
+          <a:xfrm>
+            <a:off x="5881287" y="4356667"/>
+            <a:ext cx="309084" cy="369332"/>
+          </a:xfrm>
+          <a:prstGeom prst="rect">
+            <a:avLst/>
+          </a:prstGeom>
+          <a:noFill/>
+        </p:spPr>
+        <p:txBody>
+          <a:bodyPr wrap="square" rtlCol="0">
+            <a:spAutoFit/>
+          </a:bodyPr>
+          <a:lstStyle/>
+          <a:p>
+            <a:r>
+              <a:rPr lang="pt-BR" dirty="0"/>
+              <a:t>2</a:t>
+            </a:r>
+          </a:p>
+        </p:txBody>
+      </p:sp>
+      <p:sp>
+        <p:nvSpPr>
+          <p:cNvPr id="78" name="CaixaDeTexto 77">
+            <a:extLst>
+              <a:ext uri="{FF2B5EF4-FFF2-40B4-BE49-F238E27FC236}">
+                <a16:creationId xmlns:a16="http://schemas.microsoft.com/office/drawing/2014/main" id="{D351239C-978A-4771-8DC6-0C967BC89ED0}"/>
+              </a:ext>
+            </a:extLst>
+          </p:cNvPr>
+          <p:cNvSpPr txBox="1"/>
+          <p:nvPr/>
+        </p:nvSpPr>
+        <p:spPr>
+          <a:xfrm>
+            <a:off x="6782487" y="4356667"/>
+            <a:ext cx="309084" cy="369332"/>
+          </a:xfrm>
+          <a:prstGeom prst="rect">
+            <a:avLst/>
+          </a:prstGeom>
+          <a:noFill/>
+        </p:spPr>
+        <p:txBody>
+          <a:bodyPr wrap="square" rtlCol="0">
+            <a:spAutoFit/>
+          </a:bodyPr>
+          <a:lstStyle/>
+          <a:p>
+            <a:r>
+              <a:rPr lang="pt-BR" dirty="0"/>
+              <a:t>1</a:t>
+            </a:r>
+          </a:p>
+        </p:txBody>
+      </p:sp>
+      <p:sp>
+        <p:nvSpPr>
+          <p:cNvPr id="79" name="CaixaDeTexto 78">
+            <a:extLst>
+              <a:ext uri="{FF2B5EF4-FFF2-40B4-BE49-F238E27FC236}">
+                <a16:creationId xmlns:a16="http://schemas.microsoft.com/office/drawing/2014/main" id="{D28B2F5D-B9ED-4652-A1EF-255231EFB264}"/>
+              </a:ext>
+            </a:extLst>
+          </p:cNvPr>
+          <p:cNvSpPr txBox="1"/>
+          <p:nvPr/>
+        </p:nvSpPr>
+        <p:spPr>
+          <a:xfrm>
+            <a:off x="7660327" y="4356667"/>
+            <a:ext cx="309084" cy="369332"/>
+          </a:xfrm>
+          <a:prstGeom prst="rect">
+            <a:avLst/>
+          </a:prstGeom>
+          <a:noFill/>
+        </p:spPr>
+        <p:txBody>
+          <a:bodyPr wrap="square" rtlCol="0">
+            <a:spAutoFit/>
+          </a:bodyPr>
+          <a:lstStyle/>
+          <a:p>
+            <a:r>
+              <a:rPr lang="pt-BR" dirty="0"/>
+              <a:t>3</a:t>
+            </a:r>
+          </a:p>
+        </p:txBody>
+      </p:sp>
+      <p:sp>
+        <p:nvSpPr>
+          <p:cNvPr id="80" name="CaixaDeTexto 79">
+            <a:extLst>
+              <a:ext uri="{FF2B5EF4-FFF2-40B4-BE49-F238E27FC236}">
+                <a16:creationId xmlns:a16="http://schemas.microsoft.com/office/drawing/2014/main" id="{86F1237A-7893-4609-BA85-F307A67AD236}"/>
+              </a:ext>
+            </a:extLst>
+          </p:cNvPr>
+          <p:cNvSpPr txBox="1"/>
+          <p:nvPr/>
+        </p:nvSpPr>
+        <p:spPr>
+          <a:xfrm>
+            <a:off x="8538167" y="4356667"/>
+            <a:ext cx="309084" cy="369332"/>
+          </a:xfrm>
+          <a:prstGeom prst="rect">
+            <a:avLst/>
+          </a:prstGeom>
+          <a:noFill/>
+        </p:spPr>
+        <p:txBody>
+          <a:bodyPr wrap="square" rtlCol="0">
+            <a:spAutoFit/>
+          </a:bodyPr>
+          <a:lstStyle/>
+          <a:p>
+            <a:r>
+              <a:rPr lang="pt-BR" dirty="0"/>
+              <a:t>4</a:t>
+            </a:r>
+          </a:p>
+        </p:txBody>
+      </p:sp>
+      <p:sp>
+        <p:nvSpPr>
+          <p:cNvPr id="81" name="CaixaDeTexto 80">
+            <a:extLst>
+              <a:ext uri="{FF2B5EF4-FFF2-40B4-BE49-F238E27FC236}">
+                <a16:creationId xmlns:a16="http://schemas.microsoft.com/office/drawing/2014/main" id="{9CECFC37-62D8-4B46-B926-BE3AD9D68D1D}"/>
+              </a:ext>
+            </a:extLst>
+          </p:cNvPr>
+          <p:cNvSpPr txBox="1"/>
+          <p:nvPr/>
+        </p:nvSpPr>
+        <p:spPr>
+          <a:xfrm>
+            <a:off x="9424568" y="4356667"/>
+            <a:ext cx="309084" cy="369332"/>
+          </a:xfrm>
+          <a:prstGeom prst="rect">
+            <a:avLst/>
+          </a:prstGeom>
+          <a:noFill/>
+        </p:spPr>
+        <p:txBody>
+          <a:bodyPr wrap="square" rtlCol="0">
+            <a:spAutoFit/>
+          </a:bodyPr>
+          <a:lstStyle/>
+          <a:p>
+            <a:r>
+              <a:rPr lang="pt-BR" dirty="0"/>
+              <a:t>0</a:t>
+            </a:r>
+          </a:p>
+        </p:txBody>
+      </p:sp>
+    </p:spTree>
+    <p:extLst>
+      <p:ext uri="{BB962C8B-B14F-4D97-AF65-F5344CB8AC3E}">
+        <p14:creationId xmlns:p14="http://schemas.microsoft.com/office/powerpoint/2010/main" val="4164746585"/>
+      </p:ext>
+    </p:extLst>
+  </p:cSld>
+  <p:clrMapOvr>
+    <a:masterClrMapping/>
+  </p:clrMapOvr>
+</p:sld>
+</file>
+
+<file path=ppt/slides/slide8.xml><?xml version="1.0" encoding="utf-8"?>
+<p:sld xmlns:a="http://schemas.openxmlformats.org/drawingml/2006/main" xmlns:r="http://schemas.openxmlformats.org/officeDocument/2006/relationships" xmlns:p="http://schemas.openxmlformats.org/presentationml/2006/main">
+  <p:cSld>
+    <p:spTree>
+      <p:nvGrpSpPr>
+        <p:cNvPr id="1" name=""/>
+        <p:cNvGrpSpPr/>
+        <p:nvPr/>
+      </p:nvGrpSpPr>
+      <p:grpSpPr>
+        <a:xfrm>
+          <a:off x="0" y="0"/>
+          <a:ext cx="0" cy="0"/>
+          <a:chOff x="0" y="0"/>
+          <a:chExt cx="0" cy="0"/>
+        </a:xfrm>
+      </p:grpSpPr>
+      <p:sp>
+        <p:nvSpPr>
+          <p:cNvPr id="2" name="Título 1">
+            <a:extLst>
+              <a:ext uri="{FF2B5EF4-FFF2-40B4-BE49-F238E27FC236}">
+                <a16:creationId xmlns:a16="http://schemas.microsoft.com/office/drawing/2014/main" id="{6D811184-239A-44CE-9921-B1A2FC5251CB}"/>
+              </a:ext>
+            </a:extLst>
+          </p:cNvPr>
+          <p:cNvSpPr>
+            <a:spLocks noGrp="1"/>
+          </p:cNvSpPr>
+          <p:nvPr>
+            <p:ph type="title"/>
+          </p:nvPr>
+        </p:nvSpPr>
+        <p:spPr>
+          <a:xfrm>
+            <a:off x="1930400" y="845653"/>
+            <a:ext cx="8610600" cy="1293028"/>
+          </a:xfrm>
+        </p:spPr>
+        <p:txBody>
+          <a:bodyPr>
+            <a:normAutofit fontScale="90000"/>
+          </a:bodyPr>
+          <a:lstStyle/>
+          <a:p>
+            <a:r>
+              <a:rPr lang="pt-BR" dirty="0"/>
+              <a:t>Meta-</a:t>
+            </a:r>
+            <a:r>
+              <a:rPr lang="pt-BR" dirty="0" err="1"/>
+              <a:t>heuristica</a:t>
+            </a:r>
+            <a:r>
+              <a:rPr lang="pt-BR" sz="4000" dirty="0"/>
+              <a:t>:</a:t>
+            </a:r>
+            <a:br>
+              <a:rPr lang="pt-BR" sz="4000" dirty="0"/>
+            </a:br>
+            <a:br>
+              <a:rPr lang="pt-BR" dirty="0"/>
+            </a:br>
+            <a:r>
+              <a:rPr lang="pt-BR" sz="2800" dirty="0" err="1"/>
+              <a:t>Simulated</a:t>
+            </a:r>
+            <a:r>
+              <a:rPr lang="pt-BR" sz="2800" dirty="0"/>
+              <a:t> </a:t>
+            </a:r>
+            <a:r>
+              <a:rPr lang="pt-BR" sz="2800" dirty="0" err="1"/>
+              <a:t>annealing</a:t>
+            </a:r>
+            <a:endParaRPr lang="pt-BR" sz="2800" dirty="0"/>
+          </a:p>
+        </p:txBody>
+      </p:sp>
+      <p:sp>
+        <p:nvSpPr>
+          <p:cNvPr id="3" name="Espaço Reservado para Conteúdo 2">
+            <a:extLst>
+              <a:ext uri="{FF2B5EF4-FFF2-40B4-BE49-F238E27FC236}">
+                <a16:creationId xmlns:a16="http://schemas.microsoft.com/office/drawing/2014/main" id="{C801B1CE-795C-4CCE-8B79-591E3815B698}"/>
+              </a:ext>
+            </a:extLst>
+          </p:cNvPr>
+          <p:cNvSpPr>
+            <a:spLocks noGrp="1"/>
+          </p:cNvSpPr>
+          <p:nvPr>
+            <p:ph idx="1"/>
+          </p:nvPr>
+        </p:nvSpPr>
+        <p:spPr>
+          <a:xfrm>
+            <a:off x="885511" y="2320206"/>
+            <a:ext cx="7071128" cy="540000"/>
+          </a:xfrm>
+        </p:spPr>
+        <p:txBody>
+          <a:bodyPr>
+            <a:normAutofit/>
+          </a:bodyPr>
+          <a:lstStyle/>
+          <a:p>
+            <a:pPr marL="0" indent="0">
+              <a:buNone/>
+            </a:pPr>
+            <a:r>
+              <a:rPr lang="pt-BR" dirty="0"/>
+              <a:t>	</a:t>
+            </a:r>
+            <a:r>
+              <a:rPr lang="pt-BR" sz="3200" dirty="0"/>
+              <a:t>Vizinhanças</a:t>
+            </a:r>
+          </a:p>
+        </p:txBody>
+      </p:sp>
+      <p:sp>
+        <p:nvSpPr>
+          <p:cNvPr id="8" name="CaixaDeTexto 7">
+            <a:extLst>
+              <a:ext uri="{FF2B5EF4-FFF2-40B4-BE49-F238E27FC236}">
+                <a16:creationId xmlns:a16="http://schemas.microsoft.com/office/drawing/2014/main" id="{47369606-71A7-4D2A-9403-98734EC8CF4E}"/>
+              </a:ext>
+            </a:extLst>
+          </p:cNvPr>
+          <p:cNvSpPr txBox="1"/>
+          <p:nvPr/>
+        </p:nvSpPr>
+        <p:spPr>
+          <a:xfrm>
+            <a:off x="1612621" y="2861730"/>
+            <a:ext cx="2976880" cy="584775"/>
+          </a:xfrm>
+          <a:prstGeom prst="rect">
+            <a:avLst/>
+          </a:prstGeom>
+          <a:noFill/>
+        </p:spPr>
+        <p:txBody>
+          <a:bodyPr wrap="square" rtlCol="0">
+            <a:spAutoFit/>
+          </a:bodyPr>
+          <a:lstStyle/>
+          <a:p>
+            <a:r>
+              <a:rPr lang="pt-BR" sz="3200" b="1" dirty="0"/>
+              <a:t>2-Opt</a:t>
+            </a:r>
+          </a:p>
+        </p:txBody>
+      </p:sp>
+      <p:sp>
+        <p:nvSpPr>
+          <p:cNvPr id="13" name="Elipse 12">
+            <a:extLst>
+              <a:ext uri="{FF2B5EF4-FFF2-40B4-BE49-F238E27FC236}">
+                <a16:creationId xmlns:a16="http://schemas.microsoft.com/office/drawing/2014/main" id="{785487F0-5C84-4360-A2A1-2FF74F902BDE}"/>
+              </a:ext>
+            </a:extLst>
+          </p:cNvPr>
+          <p:cNvSpPr/>
+          <p:nvPr/>
+        </p:nvSpPr>
+        <p:spPr>
+          <a:xfrm>
+            <a:off x="4892069" y="3435701"/>
+            <a:ext cx="540000" cy="540000"/>
+          </a:xfrm>
+          <a:prstGeom prst="ellipse">
+            <a:avLst/>
+          </a:prstGeom>
+          <a:solidFill>
+            <a:srgbClr val="FF4E00">
+              <a:alpha val="75000"/>
+            </a:srgbClr>
+          </a:solidFill>
+          <a:ln w="18000">
+            <a:solidFill>
+              <a:srgbClr val="FF4E00"/>
+            </a:solidFill>
+          </a:ln>
+        </p:spPr>
+        <p:style>
+          <a:lnRef idx="2">
+            <a:schemeClr val="accent1">
+              <a:shade val="50000"/>
+            </a:schemeClr>
+          </a:lnRef>
+          <a:fillRef idx="1">
+            <a:schemeClr val="accent1"/>
+          </a:fillRef>
+          <a:effectRef idx="0">
+            <a:schemeClr val="accent1"/>
+          </a:effectRef>
+          <a:fontRef idx="minor">
+            <a:schemeClr val="lt1"/>
+          </a:fontRef>
+        </p:style>
+        <p:txBody>
+          <a:bodyPr rtlCol="0" anchor="ctr"/>
+          <a:lstStyle/>
+          <a:p>
+            <a:pPr algn="ctr"/>
+            <a:endParaRPr lang="pt-BR">
+              <a:solidFill>
+                <a:srgbClr val="FF4E00"/>
+              </a:solidFill>
+            </a:endParaRPr>
+          </a:p>
+        </p:txBody>
+      </p:sp>
+      <p:sp>
+        <p:nvSpPr>
+          <p:cNvPr id="15" name="Elipse 14">
+            <a:extLst>
+              <a:ext uri="{FF2B5EF4-FFF2-40B4-BE49-F238E27FC236}">
+                <a16:creationId xmlns:a16="http://schemas.microsoft.com/office/drawing/2014/main" id="{53D3B27A-BACF-4A1C-93D4-5FFFEE49BE29}"/>
+              </a:ext>
+            </a:extLst>
+          </p:cNvPr>
+          <p:cNvSpPr/>
+          <p:nvPr/>
+        </p:nvSpPr>
+        <p:spPr>
+          <a:xfrm>
+            <a:off x="5765829" y="3435701"/>
+            <a:ext cx="540000" cy="540000"/>
+          </a:xfrm>
+          <a:prstGeom prst="ellipse">
+            <a:avLst/>
+          </a:prstGeom>
+          <a:solidFill>
+            <a:srgbClr val="FF4E00">
+              <a:alpha val="75000"/>
+            </a:srgbClr>
+          </a:solidFill>
+          <a:ln w="18000">
+            <a:solidFill>
+              <a:srgbClr val="FF4E00"/>
+            </a:solidFill>
+          </a:ln>
+        </p:spPr>
+        <p:style>
+          <a:lnRef idx="2">
+            <a:schemeClr val="accent1">
+              <a:shade val="50000"/>
+            </a:schemeClr>
+          </a:lnRef>
+          <a:fillRef idx="1">
+            <a:schemeClr val="accent1"/>
+          </a:fillRef>
+          <a:effectRef idx="0">
+            <a:schemeClr val="accent1"/>
+          </a:effectRef>
+          <a:fontRef idx="minor">
+            <a:schemeClr val="lt1"/>
+          </a:fontRef>
+        </p:style>
+        <p:txBody>
+          <a:bodyPr rtlCol="0" anchor="ctr"/>
+          <a:lstStyle/>
+          <a:p>
+            <a:pPr algn="ctr"/>
+            <a:endParaRPr lang="pt-BR">
+              <a:solidFill>
+                <a:srgbClr val="FF4E00"/>
+              </a:solidFill>
+            </a:endParaRPr>
+          </a:p>
+        </p:txBody>
+      </p:sp>
+      <p:sp>
+        <p:nvSpPr>
+          <p:cNvPr id="17" name="Elipse 16">
+            <a:extLst>
+              <a:ext uri="{FF2B5EF4-FFF2-40B4-BE49-F238E27FC236}">
+                <a16:creationId xmlns:a16="http://schemas.microsoft.com/office/drawing/2014/main" id="{9F2E3B3A-E616-42E7-9538-A98D22F3F07A}"/>
+              </a:ext>
+            </a:extLst>
+          </p:cNvPr>
+          <p:cNvSpPr/>
+          <p:nvPr/>
+        </p:nvSpPr>
+        <p:spPr>
+          <a:xfrm>
+            <a:off x="6667029" y="3435701"/>
+            <a:ext cx="540000" cy="540000"/>
+          </a:xfrm>
+          <a:prstGeom prst="ellipse">
+            <a:avLst/>
+          </a:prstGeom>
+          <a:solidFill>
+            <a:srgbClr val="FF4E00">
+              <a:alpha val="75000"/>
+            </a:srgbClr>
+          </a:solidFill>
+          <a:ln w="18000">
+            <a:solidFill>
+              <a:srgbClr val="FF4E00"/>
+            </a:solidFill>
+          </a:ln>
+        </p:spPr>
+        <p:style>
+          <a:lnRef idx="2">
+            <a:schemeClr val="accent1">
+              <a:shade val="50000"/>
+            </a:schemeClr>
+          </a:lnRef>
+          <a:fillRef idx="1">
+            <a:schemeClr val="accent1"/>
+          </a:fillRef>
+          <a:effectRef idx="0">
+            <a:schemeClr val="accent1"/>
+          </a:effectRef>
+          <a:fontRef idx="minor">
+            <a:schemeClr val="lt1"/>
+          </a:fontRef>
+        </p:style>
+        <p:txBody>
+          <a:bodyPr rtlCol="0" anchor="ctr"/>
+          <a:lstStyle/>
+          <a:p>
+            <a:pPr algn="ctr"/>
+            <a:endParaRPr lang="pt-BR">
+              <a:solidFill>
+                <a:srgbClr val="FF4E00"/>
+              </a:solidFill>
+            </a:endParaRPr>
+          </a:p>
+        </p:txBody>
+      </p:sp>
+      <p:sp>
+        <p:nvSpPr>
+          <p:cNvPr id="18" name="Elipse 17">
+            <a:extLst>
+              <a:ext uri="{FF2B5EF4-FFF2-40B4-BE49-F238E27FC236}">
+                <a16:creationId xmlns:a16="http://schemas.microsoft.com/office/drawing/2014/main" id="{AF7D96C6-F82E-4619-AC46-97C610389364}"/>
+              </a:ext>
+            </a:extLst>
+          </p:cNvPr>
+          <p:cNvSpPr/>
+          <p:nvPr/>
+        </p:nvSpPr>
+        <p:spPr>
+          <a:xfrm>
+            <a:off x="7544869" y="3435701"/>
+            <a:ext cx="540000" cy="540000"/>
+          </a:xfrm>
+          <a:prstGeom prst="ellipse">
+            <a:avLst/>
+          </a:prstGeom>
+          <a:solidFill>
+            <a:srgbClr val="FF4E00">
+              <a:alpha val="75000"/>
+            </a:srgbClr>
+          </a:solidFill>
+          <a:ln w="18000">
+            <a:solidFill>
+              <a:srgbClr val="FF4E00"/>
+            </a:solidFill>
+          </a:ln>
+        </p:spPr>
+        <p:style>
+          <a:lnRef idx="2">
+            <a:schemeClr val="accent1">
+              <a:shade val="50000"/>
+            </a:schemeClr>
+          </a:lnRef>
+          <a:fillRef idx="1">
+            <a:schemeClr val="accent1"/>
+          </a:fillRef>
+          <a:effectRef idx="0">
+            <a:schemeClr val="accent1"/>
+          </a:effectRef>
+          <a:fontRef idx="minor">
+            <a:schemeClr val="lt1"/>
+          </a:fontRef>
+        </p:style>
+        <p:txBody>
+          <a:bodyPr rtlCol="0" anchor="ctr"/>
+          <a:lstStyle/>
+          <a:p>
+            <a:pPr algn="ctr"/>
+            <a:endParaRPr lang="pt-BR">
+              <a:solidFill>
+                <a:srgbClr val="FF4E00"/>
+              </a:solidFill>
+            </a:endParaRPr>
+          </a:p>
+        </p:txBody>
+      </p:sp>
+      <p:sp>
+        <p:nvSpPr>
+          <p:cNvPr id="19" name="Elipse 18">
+            <a:extLst>
+              <a:ext uri="{FF2B5EF4-FFF2-40B4-BE49-F238E27FC236}">
+                <a16:creationId xmlns:a16="http://schemas.microsoft.com/office/drawing/2014/main" id="{96C93668-5640-4344-B5AE-E2A185314D13}"/>
+              </a:ext>
+            </a:extLst>
+          </p:cNvPr>
+          <p:cNvSpPr/>
+          <p:nvPr/>
+        </p:nvSpPr>
+        <p:spPr>
+          <a:xfrm>
+            <a:off x="8422709" y="3435701"/>
+            <a:ext cx="540000" cy="540000"/>
+          </a:xfrm>
+          <a:prstGeom prst="ellipse">
+            <a:avLst/>
+          </a:prstGeom>
+          <a:solidFill>
+            <a:srgbClr val="FF4E00">
+              <a:alpha val="75000"/>
+            </a:srgbClr>
+          </a:solidFill>
+          <a:ln w="18000">
+            <a:solidFill>
+              <a:srgbClr val="FF4E00"/>
+            </a:solidFill>
+          </a:ln>
+        </p:spPr>
+        <p:style>
+          <a:lnRef idx="2">
+            <a:schemeClr val="accent1">
+              <a:shade val="50000"/>
+            </a:schemeClr>
+          </a:lnRef>
+          <a:fillRef idx="1">
+            <a:schemeClr val="accent1"/>
+          </a:fillRef>
+          <a:effectRef idx="0">
+            <a:schemeClr val="accent1"/>
+          </a:effectRef>
+          <a:fontRef idx="minor">
+            <a:schemeClr val="lt1"/>
+          </a:fontRef>
+        </p:style>
+        <p:txBody>
+          <a:bodyPr rtlCol="0" anchor="ctr"/>
+          <a:lstStyle/>
+          <a:p>
+            <a:pPr algn="ctr"/>
+            <a:endParaRPr lang="pt-BR">
+              <a:solidFill>
+                <a:srgbClr val="FF4E00"/>
+              </a:solidFill>
+            </a:endParaRPr>
+          </a:p>
+        </p:txBody>
+      </p:sp>
+      <p:sp>
+        <p:nvSpPr>
+          <p:cNvPr id="20" name="Elipse 19">
+            <a:extLst>
+              <a:ext uri="{FF2B5EF4-FFF2-40B4-BE49-F238E27FC236}">
+                <a16:creationId xmlns:a16="http://schemas.microsoft.com/office/drawing/2014/main" id="{99B8FA62-104A-4FE0-ACE6-3530CD5A1BEB}"/>
+              </a:ext>
+            </a:extLst>
+          </p:cNvPr>
+          <p:cNvSpPr/>
+          <p:nvPr/>
+        </p:nvSpPr>
+        <p:spPr>
+          <a:xfrm>
+            <a:off x="9300549" y="3435701"/>
+            <a:ext cx="540000" cy="540000"/>
+          </a:xfrm>
+          <a:prstGeom prst="ellipse">
+            <a:avLst/>
+          </a:prstGeom>
+          <a:solidFill>
+            <a:srgbClr val="FF4E00">
+              <a:alpha val="75000"/>
+            </a:srgbClr>
+          </a:solidFill>
+          <a:ln w="18000">
+            <a:solidFill>
+              <a:srgbClr val="FF4E00"/>
+            </a:solidFill>
+          </a:ln>
+        </p:spPr>
+        <p:style>
+          <a:lnRef idx="2">
+            <a:schemeClr val="accent1">
+              <a:shade val="50000"/>
+            </a:schemeClr>
+          </a:lnRef>
+          <a:fillRef idx="1">
+            <a:schemeClr val="accent1"/>
+          </a:fillRef>
+          <a:effectRef idx="0">
+            <a:schemeClr val="accent1"/>
+          </a:effectRef>
+          <a:fontRef idx="minor">
+            <a:schemeClr val="lt1"/>
+          </a:fontRef>
+        </p:style>
+        <p:txBody>
+          <a:bodyPr rtlCol="0" anchor="ctr"/>
+          <a:lstStyle/>
+          <a:p>
+            <a:pPr algn="ctr"/>
+            <a:endParaRPr lang="pt-BR">
+              <a:solidFill>
+                <a:srgbClr val="FF4E00"/>
+              </a:solidFill>
+            </a:endParaRPr>
+          </a:p>
+        </p:txBody>
+      </p:sp>
+      <p:sp>
+        <p:nvSpPr>
+          <p:cNvPr id="23" name="CaixaDeTexto 22">
+            <a:extLst>
+              <a:ext uri="{FF2B5EF4-FFF2-40B4-BE49-F238E27FC236}">
+                <a16:creationId xmlns:a16="http://schemas.microsoft.com/office/drawing/2014/main" id="{8509AA95-C6E4-43A8-A526-B009C9D24EC3}"/>
+              </a:ext>
+            </a:extLst>
+          </p:cNvPr>
+          <p:cNvSpPr txBox="1"/>
+          <p:nvPr/>
+        </p:nvSpPr>
+        <p:spPr>
+          <a:xfrm>
+            <a:off x="5007527" y="3521035"/>
+            <a:ext cx="309084" cy="369332"/>
+          </a:xfrm>
+          <a:prstGeom prst="rect">
+            <a:avLst/>
+          </a:prstGeom>
+          <a:noFill/>
+        </p:spPr>
+        <p:txBody>
+          <a:bodyPr wrap="square" rtlCol="0">
+            <a:spAutoFit/>
+          </a:bodyPr>
+          <a:lstStyle/>
+          <a:p>
+            <a:r>
+              <a:rPr lang="pt-BR" dirty="0"/>
+              <a:t>0</a:t>
+            </a:r>
+          </a:p>
+        </p:txBody>
+      </p:sp>
+      <p:sp>
+        <p:nvSpPr>
+          <p:cNvPr id="24" name="CaixaDeTexto 23">
+            <a:extLst>
+              <a:ext uri="{FF2B5EF4-FFF2-40B4-BE49-F238E27FC236}">
+                <a16:creationId xmlns:a16="http://schemas.microsoft.com/office/drawing/2014/main" id="{FE5ABF49-0B8E-4ACE-A80F-4C9C1AE0CC25}"/>
+              </a:ext>
+            </a:extLst>
+          </p:cNvPr>
+          <p:cNvSpPr txBox="1"/>
+          <p:nvPr/>
+        </p:nvSpPr>
+        <p:spPr>
+          <a:xfrm>
+            <a:off x="5881287" y="3521035"/>
+            <a:ext cx="309084" cy="369332"/>
+          </a:xfrm>
+          <a:prstGeom prst="rect">
+            <a:avLst/>
+          </a:prstGeom>
+          <a:noFill/>
+        </p:spPr>
+        <p:txBody>
+          <a:bodyPr wrap="square" rtlCol="0">
+            <a:spAutoFit/>
+          </a:bodyPr>
+          <a:lstStyle/>
+          <a:p>
+            <a:r>
+              <a:rPr lang="pt-BR" dirty="0"/>
+              <a:t>1</a:t>
+            </a:r>
+          </a:p>
+        </p:txBody>
+      </p:sp>
+      <p:sp>
+        <p:nvSpPr>
+          <p:cNvPr id="25" name="CaixaDeTexto 24">
+            <a:extLst>
+              <a:ext uri="{FF2B5EF4-FFF2-40B4-BE49-F238E27FC236}">
+                <a16:creationId xmlns:a16="http://schemas.microsoft.com/office/drawing/2014/main" id="{C6FCC04B-B5F7-41B2-9097-4A5C4CF2D810}"/>
+              </a:ext>
+            </a:extLst>
+          </p:cNvPr>
+          <p:cNvSpPr txBox="1"/>
+          <p:nvPr/>
+        </p:nvSpPr>
+        <p:spPr>
+          <a:xfrm>
+            <a:off x="6782487" y="3521035"/>
+            <a:ext cx="309084" cy="369332"/>
+          </a:xfrm>
+          <a:prstGeom prst="rect">
+            <a:avLst/>
+          </a:prstGeom>
+          <a:noFill/>
+        </p:spPr>
+        <p:txBody>
+          <a:bodyPr wrap="square" rtlCol="0">
+            <a:spAutoFit/>
+          </a:bodyPr>
+          <a:lstStyle/>
+          <a:p>
+            <a:r>
+              <a:rPr lang="pt-BR" dirty="0"/>
+              <a:t>2</a:t>
+            </a:r>
+          </a:p>
+        </p:txBody>
+      </p:sp>
+      <p:sp>
+        <p:nvSpPr>
+          <p:cNvPr id="26" name="CaixaDeTexto 25">
+            <a:extLst>
+              <a:ext uri="{FF2B5EF4-FFF2-40B4-BE49-F238E27FC236}">
+                <a16:creationId xmlns:a16="http://schemas.microsoft.com/office/drawing/2014/main" id="{6D9D7ACA-D931-48C8-AE74-C893D0CF40EC}"/>
+              </a:ext>
+            </a:extLst>
+          </p:cNvPr>
+          <p:cNvSpPr txBox="1"/>
+          <p:nvPr/>
+        </p:nvSpPr>
+        <p:spPr>
+          <a:xfrm>
+            <a:off x="7660327" y="3521035"/>
+            <a:ext cx="309084" cy="369332"/>
+          </a:xfrm>
+          <a:prstGeom prst="rect">
+            <a:avLst/>
+          </a:prstGeom>
+          <a:noFill/>
+        </p:spPr>
+        <p:txBody>
+          <a:bodyPr wrap="square" rtlCol="0">
+            <a:spAutoFit/>
+          </a:bodyPr>
+          <a:lstStyle/>
+          <a:p>
+            <a:r>
+              <a:rPr lang="pt-BR" dirty="0"/>
+              <a:t>3</a:t>
+            </a:r>
+          </a:p>
+        </p:txBody>
+      </p:sp>
+      <p:sp>
+        <p:nvSpPr>
+          <p:cNvPr id="27" name="CaixaDeTexto 26">
+            <a:extLst>
+              <a:ext uri="{FF2B5EF4-FFF2-40B4-BE49-F238E27FC236}">
+                <a16:creationId xmlns:a16="http://schemas.microsoft.com/office/drawing/2014/main" id="{D3BDDC9A-C5C1-4A8C-BA82-5F9C49C56152}"/>
+              </a:ext>
+            </a:extLst>
+          </p:cNvPr>
+          <p:cNvSpPr txBox="1"/>
+          <p:nvPr/>
+        </p:nvSpPr>
+        <p:spPr>
+          <a:xfrm>
+            <a:off x="8538167" y="3521035"/>
+            <a:ext cx="309084" cy="369332"/>
+          </a:xfrm>
+          <a:prstGeom prst="rect">
+            <a:avLst/>
+          </a:prstGeom>
+          <a:noFill/>
+        </p:spPr>
+        <p:txBody>
+          <a:bodyPr wrap="square" rtlCol="0">
+            <a:spAutoFit/>
+          </a:bodyPr>
+          <a:lstStyle/>
+          <a:p>
+            <a:r>
+              <a:rPr lang="pt-BR" dirty="0"/>
+              <a:t>4</a:t>
+            </a:r>
+          </a:p>
+        </p:txBody>
+      </p:sp>
+      <p:sp>
+        <p:nvSpPr>
+          <p:cNvPr id="28" name="CaixaDeTexto 27">
+            <a:extLst>
+              <a:ext uri="{FF2B5EF4-FFF2-40B4-BE49-F238E27FC236}">
+                <a16:creationId xmlns:a16="http://schemas.microsoft.com/office/drawing/2014/main" id="{9DD02DE4-DE23-4F40-857D-C4439FCD9DCF}"/>
+              </a:ext>
+            </a:extLst>
+          </p:cNvPr>
+          <p:cNvSpPr txBox="1"/>
+          <p:nvPr/>
+        </p:nvSpPr>
+        <p:spPr>
+          <a:xfrm>
+            <a:off x="9424568" y="3521035"/>
+            <a:ext cx="309084" cy="369332"/>
+          </a:xfrm>
+          <a:prstGeom prst="rect">
+            <a:avLst/>
+          </a:prstGeom>
+          <a:noFill/>
+        </p:spPr>
+        <p:txBody>
+          <a:bodyPr wrap="square" rtlCol="0">
+            <a:spAutoFit/>
+          </a:bodyPr>
+          <a:lstStyle/>
+          <a:p>
+            <a:r>
+              <a:rPr lang="pt-BR" dirty="0"/>
+              <a:t>0</a:t>
+            </a:r>
+          </a:p>
+        </p:txBody>
+      </p:sp>
+      <p:sp>
+        <p:nvSpPr>
+          <p:cNvPr id="29" name="CaixaDeTexto 28">
+            <a:extLst>
+              <a:ext uri="{FF2B5EF4-FFF2-40B4-BE49-F238E27FC236}">
+                <a16:creationId xmlns:a16="http://schemas.microsoft.com/office/drawing/2014/main" id="{A0596966-7710-43AF-A26D-4B87970DF133}"/>
+              </a:ext>
+            </a:extLst>
+          </p:cNvPr>
+          <p:cNvSpPr txBox="1"/>
+          <p:nvPr/>
+        </p:nvSpPr>
+        <p:spPr>
+          <a:xfrm>
+            <a:off x="1741651" y="3516550"/>
+            <a:ext cx="2506701" cy="461665"/>
+          </a:xfrm>
+          <a:prstGeom prst="rect">
+            <a:avLst/>
+          </a:prstGeom>
+          <a:noFill/>
+        </p:spPr>
+        <p:txBody>
+          <a:bodyPr wrap="square" rtlCol="0">
+            <a:spAutoFit/>
+          </a:bodyPr>
+          <a:lstStyle/>
+          <a:p>
+            <a:r>
+              <a:rPr lang="pt-BR" sz="2400" dirty="0"/>
+              <a:t>Solução Base: </a:t>
+            </a:r>
+          </a:p>
+        </p:txBody>
+      </p:sp>
+      <p:sp>
+        <p:nvSpPr>
+          <p:cNvPr id="4" name="CaixaDeTexto 3">
+            <a:extLst>
+              <a:ext uri="{FF2B5EF4-FFF2-40B4-BE49-F238E27FC236}">
+                <a16:creationId xmlns:a16="http://schemas.microsoft.com/office/drawing/2014/main" id="{9056A89E-C2B2-4F4C-AC1E-D420C8B8002F}"/>
+              </a:ext>
+            </a:extLst>
+          </p:cNvPr>
+          <p:cNvSpPr txBox="1"/>
+          <p:nvPr/>
+        </p:nvSpPr>
+        <p:spPr>
+          <a:xfrm>
+            <a:off x="1916318" y="4305373"/>
+            <a:ext cx="2415261" cy="369332"/>
+          </a:xfrm>
+          <a:prstGeom prst="rect">
+            <a:avLst/>
+          </a:prstGeom>
+          <a:noFill/>
+        </p:spPr>
+        <p:txBody>
+          <a:bodyPr wrap="square" rtlCol="0">
+            <a:spAutoFit/>
+          </a:bodyPr>
+          <a:lstStyle/>
+          <a:p>
+            <a:r>
+              <a:rPr lang="pt-BR" dirty="0"/>
+              <a:t>2 – </a:t>
+            </a:r>
+            <a:r>
+              <a:rPr lang="pt-BR" dirty="0" err="1"/>
+              <a:t>Opt</a:t>
+            </a:r>
+            <a:r>
+              <a:rPr lang="pt-BR" dirty="0"/>
+              <a:t> : </a:t>
+            </a:r>
+          </a:p>
+        </p:txBody>
+      </p:sp>
+      <p:sp>
+        <p:nvSpPr>
+          <p:cNvPr id="5" name="CaixaDeTexto 4">
+            <a:extLst>
+              <a:ext uri="{FF2B5EF4-FFF2-40B4-BE49-F238E27FC236}">
+                <a16:creationId xmlns:a16="http://schemas.microsoft.com/office/drawing/2014/main" id="{55EF30B9-403F-4062-BDD3-6B83352B494F}"/>
+              </a:ext>
+            </a:extLst>
+          </p:cNvPr>
+          <p:cNvSpPr txBox="1"/>
+          <p:nvPr/>
+        </p:nvSpPr>
+        <p:spPr>
+          <a:xfrm>
+            <a:off x="1930400" y="5164962"/>
+            <a:ext cx="1120820" cy="369332"/>
+          </a:xfrm>
+          <a:prstGeom prst="rect">
+            <a:avLst/>
+          </a:prstGeom>
+          <a:noFill/>
+        </p:spPr>
+        <p:txBody>
+          <a:bodyPr wrap="none" rtlCol="0">
+            <a:spAutoFit/>
+          </a:bodyPr>
+          <a:lstStyle/>
+          <a:p>
+            <a:r>
+              <a:rPr lang="pt-BR" dirty="0"/>
+              <a:t>3 – </a:t>
+            </a:r>
+            <a:r>
+              <a:rPr lang="pt-BR" dirty="0" err="1"/>
+              <a:t>Opt</a:t>
+            </a:r>
+            <a:r>
+              <a:rPr lang="pt-BR" dirty="0"/>
+              <a:t> :</a:t>
+            </a:r>
+          </a:p>
+        </p:txBody>
+      </p:sp>
+      <p:sp>
+        <p:nvSpPr>
+          <p:cNvPr id="9" name="Retângulo 8">
+            <a:extLst>
+              <a:ext uri="{FF2B5EF4-FFF2-40B4-BE49-F238E27FC236}">
+                <a16:creationId xmlns:a16="http://schemas.microsoft.com/office/drawing/2014/main" id="{946637AD-5973-4E55-B06C-5C3E937FD68D}"/>
+              </a:ext>
+            </a:extLst>
+          </p:cNvPr>
+          <p:cNvSpPr/>
+          <p:nvPr/>
+        </p:nvSpPr>
+        <p:spPr>
+          <a:xfrm>
+            <a:off x="5642640" y="3245760"/>
+            <a:ext cx="3420000" cy="900000"/>
+          </a:xfrm>
+          <a:prstGeom prst="rect">
+            <a:avLst/>
+          </a:prstGeom>
+          <a:noFill/>
+          <a:ln w="18000">
+            <a:solidFill>
+              <a:srgbClr val="AB008B"/>
+            </a:solidFill>
+          </a:ln>
+        </p:spPr>
+        <p:style>
+          <a:lnRef idx="2">
+            <a:schemeClr val="accent1">
+              <a:shade val="50000"/>
+            </a:schemeClr>
+          </a:lnRef>
+          <a:fillRef idx="1">
+            <a:schemeClr val="accent1"/>
+          </a:fillRef>
+          <a:effectRef idx="0">
+            <a:schemeClr val="accent1"/>
+          </a:effectRef>
+          <a:fontRef idx="minor">
+            <a:schemeClr val="lt1"/>
+          </a:fontRef>
+        </p:style>
+        <p:txBody>
+          <a:bodyPr rtlCol="0" anchor="ctr"/>
+          <a:lstStyle/>
+          <a:p>
+            <a:pPr algn="ctr"/>
+            <a:endParaRPr lang="pt-BR">
+              <a:solidFill>
+                <a:srgbClr val="AB008B"/>
+              </a:solidFill>
+            </a:endParaRPr>
+          </a:p>
+        </p:txBody>
+      </p:sp>
+      <p:sp>
+        <p:nvSpPr>
+          <p:cNvPr id="47" name="Elipse 46">
+            <a:extLst>
+              <a:ext uri="{FF2B5EF4-FFF2-40B4-BE49-F238E27FC236}">
+                <a16:creationId xmlns:a16="http://schemas.microsoft.com/office/drawing/2014/main" id="{C16C15BB-E9D0-4C68-AE17-D36F852D0164}"/>
+              </a:ext>
+            </a:extLst>
+          </p:cNvPr>
+          <p:cNvSpPr/>
+          <p:nvPr/>
+        </p:nvSpPr>
+        <p:spPr>
+          <a:xfrm>
+            <a:off x="4892069" y="5927013"/>
+            <a:ext cx="540000" cy="540000"/>
+          </a:xfrm>
+          <a:prstGeom prst="ellipse">
+            <a:avLst/>
+          </a:prstGeom>
+          <a:solidFill>
+            <a:srgbClr val="FFC000"/>
+          </a:solidFill>
+          <a:ln w="18000">
+            <a:solidFill>
+              <a:srgbClr val="FFC000"/>
+            </a:solidFill>
+          </a:ln>
+        </p:spPr>
+        <p:style>
+          <a:lnRef idx="2">
+            <a:schemeClr val="accent1">
+              <a:shade val="50000"/>
+            </a:schemeClr>
+          </a:lnRef>
+          <a:fillRef idx="1">
+            <a:schemeClr val="accent1"/>
+          </a:fillRef>
+          <a:effectRef idx="0">
+            <a:schemeClr val="accent1"/>
+          </a:effectRef>
+          <a:fontRef idx="minor">
+            <a:schemeClr val="lt1"/>
+          </a:fontRef>
+        </p:style>
+        <p:txBody>
+          <a:bodyPr rtlCol="0" anchor="ctr"/>
+          <a:lstStyle/>
+          <a:p>
+            <a:pPr algn="ctr"/>
+            <a:endParaRPr lang="pt-BR">
+              <a:solidFill>
+                <a:srgbClr val="FF4E00"/>
+              </a:solidFill>
+            </a:endParaRPr>
+          </a:p>
+        </p:txBody>
+      </p:sp>
+      <p:sp>
+        <p:nvSpPr>
+          <p:cNvPr id="48" name="Elipse 47">
+            <a:extLst>
+              <a:ext uri="{FF2B5EF4-FFF2-40B4-BE49-F238E27FC236}">
+                <a16:creationId xmlns:a16="http://schemas.microsoft.com/office/drawing/2014/main" id="{659447E6-16A2-4F78-94D7-517288845CCE}"/>
+              </a:ext>
+            </a:extLst>
+          </p:cNvPr>
+          <p:cNvSpPr/>
+          <p:nvPr/>
+        </p:nvSpPr>
+        <p:spPr>
+          <a:xfrm>
+            <a:off x="5765829" y="5927013"/>
+            <a:ext cx="540000" cy="540000"/>
+          </a:xfrm>
+          <a:prstGeom prst="ellipse">
+            <a:avLst/>
+          </a:prstGeom>
+          <a:solidFill>
+            <a:srgbClr val="FFC000"/>
+          </a:solidFill>
+          <a:ln w="18000">
+            <a:solidFill>
+              <a:srgbClr val="FFC000"/>
+            </a:solidFill>
+          </a:ln>
+        </p:spPr>
+        <p:style>
+          <a:lnRef idx="2">
+            <a:schemeClr val="accent1">
+              <a:shade val="50000"/>
+            </a:schemeClr>
+          </a:lnRef>
+          <a:fillRef idx="1">
+            <a:schemeClr val="accent1"/>
+          </a:fillRef>
+          <a:effectRef idx="0">
+            <a:schemeClr val="accent1"/>
+          </a:effectRef>
+          <a:fontRef idx="minor">
+            <a:schemeClr val="lt1"/>
+          </a:fontRef>
+        </p:style>
+        <p:txBody>
+          <a:bodyPr rtlCol="0" anchor="ctr"/>
+          <a:lstStyle/>
+          <a:p>
+            <a:pPr algn="ctr"/>
+            <a:endParaRPr lang="pt-BR">
+              <a:solidFill>
+                <a:srgbClr val="FF4E00"/>
+              </a:solidFill>
+            </a:endParaRPr>
+          </a:p>
+        </p:txBody>
+      </p:sp>
+      <p:sp>
+        <p:nvSpPr>
+          <p:cNvPr id="49" name="Elipse 48">
+            <a:extLst>
+              <a:ext uri="{FF2B5EF4-FFF2-40B4-BE49-F238E27FC236}">
+                <a16:creationId xmlns:a16="http://schemas.microsoft.com/office/drawing/2014/main" id="{8095BA96-3BF2-4795-9904-D3172017F900}"/>
+              </a:ext>
+            </a:extLst>
+          </p:cNvPr>
+          <p:cNvSpPr/>
+          <p:nvPr/>
+        </p:nvSpPr>
+        <p:spPr>
+          <a:xfrm>
+            <a:off x="6667029" y="5927013"/>
+            <a:ext cx="540000" cy="540000"/>
+          </a:xfrm>
+          <a:prstGeom prst="ellipse">
+            <a:avLst/>
+          </a:prstGeom>
+          <a:solidFill>
+            <a:srgbClr val="FFC000"/>
+          </a:solidFill>
+          <a:ln w="18000">
+            <a:solidFill>
+              <a:srgbClr val="FFC000"/>
+            </a:solidFill>
+          </a:ln>
+        </p:spPr>
+        <p:style>
+          <a:lnRef idx="2">
+            <a:schemeClr val="accent1">
+              <a:shade val="50000"/>
+            </a:schemeClr>
+          </a:lnRef>
+          <a:fillRef idx="1">
+            <a:schemeClr val="accent1"/>
+          </a:fillRef>
+          <a:effectRef idx="0">
+            <a:schemeClr val="accent1"/>
+          </a:effectRef>
+          <a:fontRef idx="minor">
+            <a:schemeClr val="lt1"/>
+          </a:fontRef>
+        </p:style>
+        <p:txBody>
+          <a:bodyPr rtlCol="0" anchor="ctr"/>
+          <a:lstStyle/>
+          <a:p>
+            <a:pPr algn="ctr"/>
+            <a:endParaRPr lang="pt-BR">
+              <a:solidFill>
+                <a:srgbClr val="FF4E00"/>
+              </a:solidFill>
+            </a:endParaRPr>
+          </a:p>
+        </p:txBody>
+      </p:sp>
+      <p:sp>
+        <p:nvSpPr>
+          <p:cNvPr id="50" name="Elipse 49">
+            <a:extLst>
+              <a:ext uri="{FF2B5EF4-FFF2-40B4-BE49-F238E27FC236}">
+                <a16:creationId xmlns:a16="http://schemas.microsoft.com/office/drawing/2014/main" id="{0444A613-4817-4C61-8F5D-10A1D03B4E1B}"/>
+              </a:ext>
+            </a:extLst>
+          </p:cNvPr>
+          <p:cNvSpPr/>
+          <p:nvPr/>
+        </p:nvSpPr>
+        <p:spPr>
+          <a:xfrm>
+            <a:off x="7544869" y="5927013"/>
+            <a:ext cx="540000" cy="540000"/>
+          </a:xfrm>
+          <a:prstGeom prst="ellipse">
+            <a:avLst/>
+          </a:prstGeom>
+          <a:solidFill>
+            <a:srgbClr val="FFC000"/>
+          </a:solidFill>
+          <a:ln w="18000">
+            <a:solidFill>
+              <a:srgbClr val="FFC000"/>
+            </a:solidFill>
+          </a:ln>
+        </p:spPr>
+        <p:style>
+          <a:lnRef idx="2">
+            <a:schemeClr val="accent1">
+              <a:shade val="50000"/>
+            </a:schemeClr>
+          </a:lnRef>
+          <a:fillRef idx="1">
+            <a:schemeClr val="accent1"/>
+          </a:fillRef>
+          <a:effectRef idx="0">
+            <a:schemeClr val="accent1"/>
+          </a:effectRef>
+          <a:fontRef idx="minor">
+            <a:schemeClr val="lt1"/>
+          </a:fontRef>
+        </p:style>
+        <p:txBody>
+          <a:bodyPr rtlCol="0" anchor="ctr"/>
+          <a:lstStyle/>
+          <a:p>
+            <a:pPr algn="ctr"/>
+            <a:endParaRPr lang="pt-BR">
+              <a:solidFill>
+                <a:srgbClr val="FF4E00"/>
+              </a:solidFill>
+            </a:endParaRPr>
+          </a:p>
+        </p:txBody>
+      </p:sp>
+      <p:sp>
+        <p:nvSpPr>
+          <p:cNvPr id="51" name="Elipse 50">
+            <a:extLst>
+              <a:ext uri="{FF2B5EF4-FFF2-40B4-BE49-F238E27FC236}">
+                <a16:creationId xmlns:a16="http://schemas.microsoft.com/office/drawing/2014/main" id="{80E3C8FE-21B2-4DF9-A12C-4D305DF94D82}"/>
+              </a:ext>
+            </a:extLst>
+          </p:cNvPr>
+          <p:cNvSpPr/>
+          <p:nvPr/>
+        </p:nvSpPr>
+        <p:spPr>
+          <a:xfrm>
+            <a:off x="8422709" y="5927013"/>
+            <a:ext cx="540000" cy="540000"/>
+          </a:xfrm>
+          <a:prstGeom prst="ellipse">
+            <a:avLst/>
+          </a:prstGeom>
+          <a:solidFill>
+            <a:srgbClr val="FFC000"/>
+          </a:solidFill>
+          <a:ln w="18000">
+            <a:solidFill>
+              <a:srgbClr val="FFC000"/>
+            </a:solidFill>
+          </a:ln>
+        </p:spPr>
+        <p:style>
+          <a:lnRef idx="2">
+            <a:schemeClr val="accent1">
+              <a:shade val="50000"/>
+            </a:schemeClr>
+          </a:lnRef>
+          <a:fillRef idx="1">
+            <a:schemeClr val="accent1"/>
+          </a:fillRef>
+          <a:effectRef idx="0">
+            <a:schemeClr val="accent1"/>
+          </a:effectRef>
+          <a:fontRef idx="minor">
+            <a:schemeClr val="lt1"/>
+          </a:fontRef>
+        </p:style>
+        <p:txBody>
+          <a:bodyPr rtlCol="0" anchor="ctr"/>
+          <a:lstStyle/>
+          <a:p>
+            <a:pPr algn="ctr"/>
+            <a:endParaRPr lang="pt-BR">
+              <a:solidFill>
+                <a:srgbClr val="FF4E00"/>
+              </a:solidFill>
+            </a:endParaRPr>
+          </a:p>
+        </p:txBody>
+      </p:sp>
+      <p:sp>
+        <p:nvSpPr>
+          <p:cNvPr id="64" name="Elipse 63">
+            <a:extLst>
+              <a:ext uri="{FF2B5EF4-FFF2-40B4-BE49-F238E27FC236}">
+                <a16:creationId xmlns:a16="http://schemas.microsoft.com/office/drawing/2014/main" id="{469BFDC4-9E5F-4339-9462-49A9E7B2FE0A}"/>
+              </a:ext>
+            </a:extLst>
+          </p:cNvPr>
+          <p:cNvSpPr/>
+          <p:nvPr/>
+        </p:nvSpPr>
+        <p:spPr>
+          <a:xfrm>
+            <a:off x="9300549" y="5927013"/>
+            <a:ext cx="540000" cy="540000"/>
+          </a:xfrm>
+          <a:prstGeom prst="ellipse">
+            <a:avLst/>
+          </a:prstGeom>
+          <a:solidFill>
+            <a:srgbClr val="FFC000"/>
+          </a:solidFill>
+          <a:ln w="18000">
+            <a:solidFill>
+              <a:srgbClr val="FFC000"/>
+            </a:solidFill>
+          </a:ln>
+        </p:spPr>
+        <p:style>
+          <a:lnRef idx="2">
+            <a:schemeClr val="accent1">
+              <a:shade val="50000"/>
+            </a:schemeClr>
+          </a:lnRef>
+          <a:fillRef idx="1">
+            <a:schemeClr val="accent1"/>
+          </a:fillRef>
+          <a:effectRef idx="0">
+            <a:schemeClr val="accent1"/>
+          </a:effectRef>
+          <a:fontRef idx="minor">
+            <a:schemeClr val="lt1"/>
+          </a:fontRef>
+        </p:style>
+        <p:txBody>
+          <a:bodyPr rtlCol="0" anchor="ctr"/>
+          <a:lstStyle/>
+          <a:p>
+            <a:pPr algn="ctr"/>
+            <a:endParaRPr lang="pt-BR">
+              <a:solidFill>
+                <a:srgbClr val="FF4E00"/>
+              </a:solidFill>
+            </a:endParaRPr>
+          </a:p>
+        </p:txBody>
+      </p:sp>
+      <p:sp>
+        <p:nvSpPr>
+          <p:cNvPr id="65" name="CaixaDeTexto 64">
+            <a:extLst>
+              <a:ext uri="{FF2B5EF4-FFF2-40B4-BE49-F238E27FC236}">
+                <a16:creationId xmlns:a16="http://schemas.microsoft.com/office/drawing/2014/main" id="{16B0134C-81F5-4552-94D8-9FD16E28E4CF}"/>
+              </a:ext>
+            </a:extLst>
+          </p:cNvPr>
+          <p:cNvSpPr txBox="1"/>
+          <p:nvPr/>
+        </p:nvSpPr>
+        <p:spPr>
+          <a:xfrm>
+            <a:off x="5007527" y="6012347"/>
+            <a:ext cx="309084" cy="369332"/>
+          </a:xfrm>
+          <a:prstGeom prst="rect">
+            <a:avLst/>
+          </a:prstGeom>
+          <a:solidFill>
+            <a:srgbClr val="FFC000"/>
+          </a:solidFill>
+          <a:ln>
+            <a:solidFill>
+              <a:srgbClr val="FFC000"/>
+            </a:solidFill>
+          </a:ln>
+        </p:spPr>
+        <p:txBody>
+          <a:bodyPr wrap="square" rtlCol="0">
+            <a:spAutoFit/>
+          </a:bodyPr>
+          <a:lstStyle/>
+          <a:p>
+            <a:r>
+              <a:rPr lang="pt-BR" dirty="0"/>
+              <a:t>0</a:t>
+            </a:r>
+          </a:p>
+        </p:txBody>
+      </p:sp>
+      <p:sp>
+        <p:nvSpPr>
+          <p:cNvPr id="66" name="CaixaDeTexto 65">
+            <a:extLst>
+              <a:ext uri="{FF2B5EF4-FFF2-40B4-BE49-F238E27FC236}">
+                <a16:creationId xmlns:a16="http://schemas.microsoft.com/office/drawing/2014/main" id="{E62CED31-085E-45F4-8EBB-C68D98ABE80C}"/>
+              </a:ext>
+            </a:extLst>
+          </p:cNvPr>
+          <p:cNvSpPr txBox="1"/>
+          <p:nvPr/>
+        </p:nvSpPr>
+        <p:spPr>
+          <a:xfrm>
+            <a:off x="5881287" y="6012347"/>
+            <a:ext cx="309084" cy="369332"/>
+          </a:xfrm>
+          <a:prstGeom prst="rect">
+            <a:avLst/>
+          </a:prstGeom>
+          <a:solidFill>
+            <a:srgbClr val="FFC000"/>
+          </a:solidFill>
+          <a:ln>
+            <a:solidFill>
+              <a:srgbClr val="FFC000"/>
+            </a:solidFill>
+          </a:ln>
+        </p:spPr>
+        <p:txBody>
+          <a:bodyPr wrap="square" rtlCol="0">
+            <a:spAutoFit/>
+          </a:bodyPr>
+          <a:lstStyle/>
+          <a:p>
+            <a:r>
+              <a:rPr lang="pt-BR" dirty="0"/>
+              <a:t>4</a:t>
+            </a:r>
+          </a:p>
+        </p:txBody>
+      </p:sp>
+      <p:sp>
+        <p:nvSpPr>
+          <p:cNvPr id="67" name="CaixaDeTexto 66">
+            <a:extLst>
+              <a:ext uri="{FF2B5EF4-FFF2-40B4-BE49-F238E27FC236}">
+                <a16:creationId xmlns:a16="http://schemas.microsoft.com/office/drawing/2014/main" id="{EB97FE58-86D1-479C-AFCD-4BED8EA0A27B}"/>
+              </a:ext>
+            </a:extLst>
+          </p:cNvPr>
+          <p:cNvSpPr txBox="1"/>
+          <p:nvPr/>
+        </p:nvSpPr>
+        <p:spPr>
+          <a:xfrm>
+            <a:off x="6792647" y="6012347"/>
+            <a:ext cx="309084" cy="369332"/>
+          </a:xfrm>
+          <a:prstGeom prst="rect">
+            <a:avLst/>
+          </a:prstGeom>
+          <a:solidFill>
+            <a:srgbClr val="FFC000"/>
+          </a:solidFill>
+          <a:ln>
+            <a:solidFill>
+              <a:srgbClr val="FFC000"/>
+            </a:solidFill>
+          </a:ln>
+        </p:spPr>
+        <p:txBody>
+          <a:bodyPr wrap="square" rtlCol="0">
+            <a:spAutoFit/>
+          </a:bodyPr>
+          <a:lstStyle/>
+          <a:p>
+            <a:r>
+              <a:rPr lang="pt-BR" dirty="0"/>
+              <a:t>3</a:t>
+            </a:r>
+          </a:p>
+        </p:txBody>
+      </p:sp>
+      <p:sp>
+        <p:nvSpPr>
+          <p:cNvPr id="68" name="CaixaDeTexto 67">
+            <a:extLst>
+              <a:ext uri="{FF2B5EF4-FFF2-40B4-BE49-F238E27FC236}">
+                <a16:creationId xmlns:a16="http://schemas.microsoft.com/office/drawing/2014/main" id="{1E31DBB6-71EF-4DCA-9771-0BC746EF94E3}"/>
+              </a:ext>
+            </a:extLst>
+          </p:cNvPr>
+          <p:cNvSpPr txBox="1"/>
+          <p:nvPr/>
+        </p:nvSpPr>
+        <p:spPr>
+          <a:xfrm>
+            <a:off x="7660327" y="6012347"/>
+            <a:ext cx="309084" cy="369332"/>
+          </a:xfrm>
+          <a:prstGeom prst="rect">
+            <a:avLst/>
+          </a:prstGeom>
+          <a:solidFill>
+            <a:srgbClr val="FFC000"/>
+          </a:solidFill>
+          <a:ln>
+            <a:solidFill>
+              <a:srgbClr val="FFC000"/>
+            </a:solidFill>
+          </a:ln>
+        </p:spPr>
+        <p:txBody>
+          <a:bodyPr wrap="square" rtlCol="0">
+            <a:spAutoFit/>
+          </a:bodyPr>
+          <a:lstStyle/>
+          <a:p>
+            <a:r>
+              <a:rPr lang="pt-BR" dirty="0"/>
+              <a:t>2</a:t>
+            </a:r>
+          </a:p>
+        </p:txBody>
+      </p:sp>
+      <p:sp>
+        <p:nvSpPr>
+          <p:cNvPr id="69" name="CaixaDeTexto 68">
+            <a:extLst>
+              <a:ext uri="{FF2B5EF4-FFF2-40B4-BE49-F238E27FC236}">
+                <a16:creationId xmlns:a16="http://schemas.microsoft.com/office/drawing/2014/main" id="{4B2BEF60-6519-47AD-926A-15C7C820AD64}"/>
+              </a:ext>
+            </a:extLst>
+          </p:cNvPr>
+          <p:cNvSpPr txBox="1"/>
+          <p:nvPr/>
+        </p:nvSpPr>
+        <p:spPr>
+          <a:xfrm>
+            <a:off x="8538167" y="6012347"/>
+            <a:ext cx="309084" cy="369332"/>
+          </a:xfrm>
+          <a:prstGeom prst="rect">
+            <a:avLst/>
+          </a:prstGeom>
+          <a:solidFill>
+            <a:srgbClr val="FFC000"/>
+          </a:solidFill>
+          <a:ln>
+            <a:solidFill>
+              <a:srgbClr val="FFC000"/>
+            </a:solidFill>
+          </a:ln>
+        </p:spPr>
+        <p:txBody>
+          <a:bodyPr wrap="square" rtlCol="0">
+            <a:spAutoFit/>
+          </a:bodyPr>
+          <a:lstStyle/>
+          <a:p>
+            <a:r>
+              <a:rPr lang="pt-BR" dirty="0"/>
+              <a:t>1</a:t>
+            </a:r>
+          </a:p>
+        </p:txBody>
+      </p:sp>
+      <p:sp>
+        <p:nvSpPr>
+          <p:cNvPr id="70" name="CaixaDeTexto 69">
+            <a:extLst>
+              <a:ext uri="{FF2B5EF4-FFF2-40B4-BE49-F238E27FC236}">
+                <a16:creationId xmlns:a16="http://schemas.microsoft.com/office/drawing/2014/main" id="{80167E08-ECD3-4E7D-A640-10DEBFBD6DD4}"/>
+              </a:ext>
+            </a:extLst>
+          </p:cNvPr>
+          <p:cNvSpPr txBox="1"/>
+          <p:nvPr/>
+        </p:nvSpPr>
+        <p:spPr>
+          <a:xfrm>
+            <a:off x="9424568" y="6012347"/>
+            <a:ext cx="309084" cy="369332"/>
+          </a:xfrm>
+          <a:prstGeom prst="rect">
+            <a:avLst/>
+          </a:prstGeom>
+          <a:solidFill>
+            <a:srgbClr val="FFC000"/>
+          </a:solidFill>
+          <a:ln>
+            <a:solidFill>
+              <a:srgbClr val="FFC000"/>
+            </a:solidFill>
+          </a:ln>
+        </p:spPr>
+        <p:txBody>
+          <a:bodyPr wrap="square" rtlCol="0">
+            <a:spAutoFit/>
+          </a:bodyPr>
+          <a:lstStyle/>
+          <a:p>
+            <a:r>
+              <a:rPr lang="pt-BR" dirty="0"/>
+              <a:t>0</a:t>
+            </a:r>
+          </a:p>
+        </p:txBody>
+      </p:sp>
+      <p:sp>
+        <p:nvSpPr>
+          <p:cNvPr id="71" name="CaixaDeTexto 70">
+            <a:extLst>
+              <a:ext uri="{FF2B5EF4-FFF2-40B4-BE49-F238E27FC236}">
+                <a16:creationId xmlns:a16="http://schemas.microsoft.com/office/drawing/2014/main" id="{9BEDA818-6AF4-4692-816E-AC331BA970E5}"/>
+              </a:ext>
+            </a:extLst>
+          </p:cNvPr>
+          <p:cNvSpPr txBox="1"/>
+          <p:nvPr/>
+        </p:nvSpPr>
+        <p:spPr>
+          <a:xfrm>
+            <a:off x="1930400" y="5927013"/>
+            <a:ext cx="1018227" cy="369332"/>
+          </a:xfrm>
+          <a:prstGeom prst="rect">
+            <a:avLst/>
+          </a:prstGeom>
+          <a:noFill/>
+        </p:spPr>
+        <p:txBody>
+          <a:bodyPr wrap="none" rtlCol="0">
+            <a:spAutoFit/>
+          </a:bodyPr>
+          <a:lstStyle/>
+          <a:p>
+            <a:r>
+              <a:rPr lang="pt-BR" dirty="0"/>
+              <a:t>4 - </a:t>
+            </a:r>
+            <a:r>
+              <a:rPr lang="pt-BR" dirty="0" err="1"/>
+              <a:t>Opt</a:t>
+            </a:r>
+            <a:r>
+              <a:rPr lang="pt-BR" dirty="0"/>
+              <a:t>:</a:t>
+            </a:r>
+          </a:p>
+        </p:txBody>
+      </p:sp>
+      <p:sp>
+        <p:nvSpPr>
+          <p:cNvPr id="72" name="Elipse 71">
+            <a:extLst>
+              <a:ext uri="{FF2B5EF4-FFF2-40B4-BE49-F238E27FC236}">
+                <a16:creationId xmlns:a16="http://schemas.microsoft.com/office/drawing/2014/main" id="{CD2C49E9-69D9-4ED0-A70E-7CC166FCB7A5}"/>
+              </a:ext>
+            </a:extLst>
+          </p:cNvPr>
+          <p:cNvSpPr/>
+          <p:nvPr/>
+        </p:nvSpPr>
+        <p:spPr>
+          <a:xfrm>
+            <a:off x="4892069" y="5076485"/>
+            <a:ext cx="540000" cy="540000"/>
+          </a:xfrm>
+          <a:prstGeom prst="ellipse">
+            <a:avLst/>
+          </a:prstGeom>
+          <a:solidFill>
+            <a:srgbClr val="00B0F0"/>
+          </a:solidFill>
+          <a:ln w="18000">
+            <a:solidFill>
+              <a:srgbClr val="00B0F0"/>
+            </a:solidFill>
+          </a:ln>
+        </p:spPr>
+        <p:style>
+          <a:lnRef idx="2">
+            <a:schemeClr val="accent1">
+              <a:shade val="50000"/>
+            </a:schemeClr>
+          </a:lnRef>
+          <a:fillRef idx="1">
+            <a:schemeClr val="accent1"/>
+          </a:fillRef>
+          <a:effectRef idx="0">
+            <a:schemeClr val="accent1"/>
+          </a:effectRef>
+          <a:fontRef idx="minor">
+            <a:schemeClr val="lt1"/>
+          </a:fontRef>
+        </p:style>
+        <p:txBody>
+          <a:bodyPr rtlCol="0" anchor="ctr"/>
+          <a:lstStyle/>
+          <a:p>
+            <a:pPr algn="ctr"/>
+            <a:endParaRPr lang="pt-BR">
+              <a:solidFill>
+                <a:srgbClr val="FF4E00"/>
+              </a:solidFill>
+            </a:endParaRPr>
+          </a:p>
+        </p:txBody>
+      </p:sp>
+      <p:sp>
+        <p:nvSpPr>
+          <p:cNvPr id="73" name="Elipse 72">
+            <a:extLst>
+              <a:ext uri="{FF2B5EF4-FFF2-40B4-BE49-F238E27FC236}">
+                <a16:creationId xmlns:a16="http://schemas.microsoft.com/office/drawing/2014/main" id="{B0A2D2E9-B0DC-419F-A995-A9415933E940}"/>
+              </a:ext>
+            </a:extLst>
+          </p:cNvPr>
+          <p:cNvSpPr/>
+          <p:nvPr/>
+        </p:nvSpPr>
+        <p:spPr>
+          <a:xfrm>
+            <a:off x="5765829" y="5076485"/>
+            <a:ext cx="540000" cy="540000"/>
+          </a:xfrm>
+          <a:prstGeom prst="ellipse">
+            <a:avLst/>
+          </a:prstGeom>
+          <a:solidFill>
+            <a:srgbClr val="00B0F0"/>
+          </a:solidFill>
+          <a:ln w="18000">
+            <a:solidFill>
+              <a:srgbClr val="00B0F0"/>
+            </a:solidFill>
+          </a:ln>
+        </p:spPr>
+        <p:style>
+          <a:lnRef idx="2">
+            <a:schemeClr val="accent1">
+              <a:shade val="50000"/>
+            </a:schemeClr>
+          </a:lnRef>
+          <a:fillRef idx="1">
+            <a:schemeClr val="accent1"/>
+          </a:fillRef>
+          <a:effectRef idx="0">
+            <a:schemeClr val="accent1"/>
+          </a:effectRef>
+          <a:fontRef idx="minor">
+            <a:schemeClr val="lt1"/>
+          </a:fontRef>
+        </p:style>
+        <p:txBody>
+          <a:bodyPr rtlCol="0" anchor="ctr"/>
+          <a:lstStyle/>
+          <a:p>
+            <a:pPr algn="ctr"/>
+            <a:endParaRPr lang="pt-BR">
+              <a:solidFill>
+                <a:srgbClr val="FF4E00"/>
+              </a:solidFill>
+            </a:endParaRPr>
+          </a:p>
+        </p:txBody>
+      </p:sp>
+      <p:sp>
+        <p:nvSpPr>
+          <p:cNvPr id="74" name="Elipse 73">
+            <a:extLst>
+              <a:ext uri="{FF2B5EF4-FFF2-40B4-BE49-F238E27FC236}">
+                <a16:creationId xmlns:a16="http://schemas.microsoft.com/office/drawing/2014/main" id="{60D7AA30-5E6D-4939-B607-7F166B518C79}"/>
+              </a:ext>
+            </a:extLst>
+          </p:cNvPr>
+          <p:cNvSpPr/>
+          <p:nvPr/>
+        </p:nvSpPr>
+        <p:spPr>
+          <a:xfrm>
+            <a:off x="6667029" y="5076485"/>
+            <a:ext cx="540000" cy="540000"/>
+          </a:xfrm>
+          <a:prstGeom prst="ellipse">
+            <a:avLst/>
+          </a:prstGeom>
+          <a:solidFill>
+            <a:srgbClr val="00B0F0"/>
+          </a:solidFill>
+          <a:ln w="18000">
+            <a:solidFill>
+              <a:srgbClr val="00B0F0"/>
+            </a:solidFill>
+          </a:ln>
+        </p:spPr>
+        <p:style>
+          <a:lnRef idx="2">
+            <a:schemeClr val="accent1">
+              <a:shade val="50000"/>
+            </a:schemeClr>
+          </a:lnRef>
+          <a:fillRef idx="1">
+            <a:schemeClr val="accent1"/>
+          </a:fillRef>
+          <a:effectRef idx="0">
+            <a:schemeClr val="accent1"/>
+          </a:effectRef>
+          <a:fontRef idx="minor">
+            <a:schemeClr val="lt1"/>
+          </a:fontRef>
+        </p:style>
+        <p:txBody>
+          <a:bodyPr rtlCol="0" anchor="ctr"/>
+          <a:lstStyle/>
+          <a:p>
+            <a:pPr algn="ctr"/>
+            <a:endParaRPr lang="pt-BR">
+              <a:solidFill>
+                <a:srgbClr val="FF4E00"/>
+              </a:solidFill>
+            </a:endParaRPr>
+          </a:p>
+        </p:txBody>
+      </p:sp>
+      <p:sp>
+        <p:nvSpPr>
+          <p:cNvPr id="75" name="Elipse 74">
+            <a:extLst>
+              <a:ext uri="{FF2B5EF4-FFF2-40B4-BE49-F238E27FC236}">
+                <a16:creationId xmlns:a16="http://schemas.microsoft.com/office/drawing/2014/main" id="{20FEF372-2E3C-40A0-99B7-2595A5C5BD11}"/>
+              </a:ext>
+            </a:extLst>
+          </p:cNvPr>
+          <p:cNvSpPr/>
+          <p:nvPr/>
+        </p:nvSpPr>
+        <p:spPr>
+          <a:xfrm>
+            <a:off x="7544869" y="5076485"/>
+            <a:ext cx="540000" cy="540000"/>
+          </a:xfrm>
+          <a:prstGeom prst="ellipse">
+            <a:avLst/>
+          </a:prstGeom>
+          <a:solidFill>
+            <a:srgbClr val="00B0F0"/>
+          </a:solidFill>
+          <a:ln w="18000">
+            <a:solidFill>
+              <a:srgbClr val="00B0F0"/>
+            </a:solidFill>
+          </a:ln>
+        </p:spPr>
+        <p:style>
+          <a:lnRef idx="2">
+            <a:schemeClr val="accent1">
+              <a:shade val="50000"/>
+            </a:schemeClr>
+          </a:lnRef>
+          <a:fillRef idx="1">
+            <a:schemeClr val="accent1"/>
+          </a:fillRef>
+          <a:effectRef idx="0">
+            <a:schemeClr val="accent1"/>
+          </a:effectRef>
+          <a:fontRef idx="minor">
+            <a:schemeClr val="lt1"/>
+          </a:fontRef>
+        </p:style>
+        <p:txBody>
+          <a:bodyPr rtlCol="0" anchor="ctr"/>
+          <a:lstStyle/>
+          <a:p>
+            <a:pPr algn="ctr"/>
+            <a:endParaRPr lang="pt-BR">
+              <a:solidFill>
+                <a:srgbClr val="FF4E00"/>
+              </a:solidFill>
+            </a:endParaRPr>
+          </a:p>
+        </p:txBody>
+      </p:sp>
+      <p:sp>
+        <p:nvSpPr>
+          <p:cNvPr id="76" name="Elipse 75">
+            <a:extLst>
+              <a:ext uri="{FF2B5EF4-FFF2-40B4-BE49-F238E27FC236}">
+                <a16:creationId xmlns:a16="http://schemas.microsoft.com/office/drawing/2014/main" id="{A05D7964-A220-462D-B830-3A2DCB52125F}"/>
+              </a:ext>
+            </a:extLst>
+          </p:cNvPr>
+          <p:cNvSpPr/>
+          <p:nvPr/>
+        </p:nvSpPr>
+        <p:spPr>
+          <a:xfrm>
+            <a:off x="8422709" y="5076485"/>
+            <a:ext cx="540000" cy="540000"/>
+          </a:xfrm>
+          <a:prstGeom prst="ellipse">
+            <a:avLst/>
+          </a:prstGeom>
+          <a:solidFill>
+            <a:srgbClr val="00B0F0"/>
+          </a:solidFill>
+          <a:ln w="18000">
+            <a:solidFill>
+              <a:srgbClr val="00B0F0"/>
+            </a:solidFill>
+          </a:ln>
+        </p:spPr>
+        <p:style>
+          <a:lnRef idx="2">
+            <a:schemeClr val="accent1">
+              <a:shade val="50000"/>
+            </a:schemeClr>
+          </a:lnRef>
+          <a:fillRef idx="1">
+            <a:schemeClr val="accent1"/>
+          </a:fillRef>
+          <a:effectRef idx="0">
+            <a:schemeClr val="accent1"/>
+          </a:effectRef>
+          <a:fontRef idx="minor">
+            <a:schemeClr val="lt1"/>
+          </a:fontRef>
+        </p:style>
+        <p:txBody>
+          <a:bodyPr rtlCol="0" anchor="ctr"/>
+          <a:lstStyle/>
+          <a:p>
+            <a:pPr algn="ctr"/>
+            <a:endParaRPr lang="pt-BR">
+              <a:solidFill>
+                <a:srgbClr val="FF4E00"/>
+              </a:solidFill>
+            </a:endParaRPr>
+          </a:p>
+        </p:txBody>
+      </p:sp>
+      <p:sp>
+        <p:nvSpPr>
+          <p:cNvPr id="77" name="Elipse 76">
+            <a:extLst>
+              <a:ext uri="{FF2B5EF4-FFF2-40B4-BE49-F238E27FC236}">
+                <a16:creationId xmlns:a16="http://schemas.microsoft.com/office/drawing/2014/main" id="{B0FEEE75-B2C3-462E-81CE-08B3F456C519}"/>
+              </a:ext>
+            </a:extLst>
+          </p:cNvPr>
+          <p:cNvSpPr/>
+          <p:nvPr/>
+        </p:nvSpPr>
+        <p:spPr>
+          <a:xfrm>
+            <a:off x="9300549" y="5076485"/>
+            <a:ext cx="540000" cy="540000"/>
+          </a:xfrm>
+          <a:prstGeom prst="ellipse">
+            <a:avLst/>
+          </a:prstGeom>
+          <a:solidFill>
+            <a:srgbClr val="00B0F0"/>
+          </a:solidFill>
+          <a:ln w="18000">
+            <a:solidFill>
+              <a:srgbClr val="00B0F0"/>
+            </a:solidFill>
+          </a:ln>
+        </p:spPr>
+        <p:style>
+          <a:lnRef idx="2">
+            <a:schemeClr val="accent1">
+              <a:shade val="50000"/>
+            </a:schemeClr>
+          </a:lnRef>
+          <a:fillRef idx="1">
+            <a:schemeClr val="accent1"/>
+          </a:fillRef>
+          <a:effectRef idx="0">
+            <a:schemeClr val="accent1"/>
+          </a:effectRef>
+          <a:fontRef idx="minor">
+            <a:schemeClr val="lt1"/>
+          </a:fontRef>
+        </p:style>
+        <p:txBody>
+          <a:bodyPr rtlCol="0" anchor="ctr"/>
+          <a:lstStyle/>
+          <a:p>
+            <a:pPr algn="ctr"/>
+            <a:endParaRPr lang="pt-BR">
+              <a:solidFill>
+                <a:srgbClr val="FF4E00"/>
+              </a:solidFill>
+            </a:endParaRPr>
+          </a:p>
+        </p:txBody>
+      </p:sp>
+      <p:sp>
+        <p:nvSpPr>
+          <p:cNvPr id="78" name="CaixaDeTexto 77">
+            <a:extLst>
+              <a:ext uri="{FF2B5EF4-FFF2-40B4-BE49-F238E27FC236}">
+                <a16:creationId xmlns:a16="http://schemas.microsoft.com/office/drawing/2014/main" id="{2BF9CD10-C050-4B8C-AC54-72C1EC51E15A}"/>
+              </a:ext>
+            </a:extLst>
+          </p:cNvPr>
+          <p:cNvSpPr txBox="1"/>
+          <p:nvPr/>
+        </p:nvSpPr>
+        <p:spPr>
+          <a:xfrm>
+            <a:off x="5007527" y="5161819"/>
+            <a:ext cx="309084" cy="369332"/>
+          </a:xfrm>
+          <a:prstGeom prst="rect">
+            <a:avLst/>
+          </a:prstGeom>
+          <a:solidFill>
+            <a:srgbClr val="00B0F0"/>
+          </a:solidFill>
+          <a:ln>
+            <a:solidFill>
+              <a:srgbClr val="00B0F0"/>
+            </a:solidFill>
+          </a:ln>
+        </p:spPr>
+        <p:txBody>
+          <a:bodyPr wrap="square" rtlCol="0">
+            <a:spAutoFit/>
+          </a:bodyPr>
+          <a:lstStyle/>
+          <a:p>
+            <a:r>
+              <a:rPr lang="pt-BR" dirty="0"/>
+              <a:t>0</a:t>
+            </a:r>
+          </a:p>
+        </p:txBody>
+      </p:sp>
+      <p:sp>
+        <p:nvSpPr>
+          <p:cNvPr id="79" name="CaixaDeTexto 78">
+            <a:extLst>
+              <a:ext uri="{FF2B5EF4-FFF2-40B4-BE49-F238E27FC236}">
+                <a16:creationId xmlns:a16="http://schemas.microsoft.com/office/drawing/2014/main" id="{33BBF5CF-2E9E-456F-9613-F9D61E7D3395}"/>
+              </a:ext>
+            </a:extLst>
+          </p:cNvPr>
+          <p:cNvSpPr txBox="1"/>
+          <p:nvPr/>
+        </p:nvSpPr>
+        <p:spPr>
+          <a:xfrm>
+            <a:off x="5881287" y="5161819"/>
+            <a:ext cx="309084" cy="369332"/>
+          </a:xfrm>
+          <a:prstGeom prst="rect">
+            <a:avLst/>
+          </a:prstGeom>
+          <a:solidFill>
+            <a:srgbClr val="00B0F0"/>
+          </a:solidFill>
+          <a:ln>
+            <a:solidFill>
+              <a:srgbClr val="00B0F0"/>
+            </a:solidFill>
+          </a:ln>
+        </p:spPr>
+        <p:txBody>
+          <a:bodyPr wrap="square" rtlCol="0">
+            <a:spAutoFit/>
+          </a:bodyPr>
+          <a:lstStyle/>
+          <a:p>
+            <a:r>
+              <a:rPr lang="pt-BR" dirty="0"/>
+              <a:t>3</a:t>
+            </a:r>
+          </a:p>
+        </p:txBody>
+      </p:sp>
+      <p:sp>
+        <p:nvSpPr>
+          <p:cNvPr id="80" name="CaixaDeTexto 79">
+            <a:extLst>
+              <a:ext uri="{FF2B5EF4-FFF2-40B4-BE49-F238E27FC236}">
+                <a16:creationId xmlns:a16="http://schemas.microsoft.com/office/drawing/2014/main" id="{366F31D6-830C-40E8-9C2F-27E4521AD0AD}"/>
+              </a:ext>
+            </a:extLst>
+          </p:cNvPr>
+          <p:cNvSpPr txBox="1"/>
+          <p:nvPr/>
+        </p:nvSpPr>
+        <p:spPr>
+          <a:xfrm>
+            <a:off x="6782487" y="5161819"/>
+            <a:ext cx="309084" cy="369332"/>
+          </a:xfrm>
+          <a:prstGeom prst="rect">
+            <a:avLst/>
+          </a:prstGeom>
+          <a:solidFill>
+            <a:srgbClr val="00B0F0"/>
+          </a:solidFill>
+          <a:ln>
+            <a:solidFill>
+              <a:srgbClr val="00B0F0"/>
+            </a:solidFill>
+          </a:ln>
+        </p:spPr>
+        <p:txBody>
+          <a:bodyPr wrap="square" rtlCol="0">
+            <a:spAutoFit/>
+          </a:bodyPr>
+          <a:lstStyle/>
+          <a:p>
+            <a:r>
+              <a:rPr lang="pt-BR" dirty="0"/>
+              <a:t>2</a:t>
+            </a:r>
+          </a:p>
+        </p:txBody>
+      </p:sp>
+      <p:sp>
+        <p:nvSpPr>
+          <p:cNvPr id="81" name="CaixaDeTexto 80">
+            <a:extLst>
+              <a:ext uri="{FF2B5EF4-FFF2-40B4-BE49-F238E27FC236}">
+                <a16:creationId xmlns:a16="http://schemas.microsoft.com/office/drawing/2014/main" id="{C718A639-BCB0-440B-8DBE-EB26AF594D6F}"/>
+              </a:ext>
+            </a:extLst>
+          </p:cNvPr>
+          <p:cNvSpPr txBox="1"/>
+          <p:nvPr/>
+        </p:nvSpPr>
+        <p:spPr>
+          <a:xfrm>
+            <a:off x="7660327" y="5161819"/>
+            <a:ext cx="309084" cy="369332"/>
+          </a:xfrm>
+          <a:prstGeom prst="rect">
+            <a:avLst/>
+          </a:prstGeom>
+          <a:solidFill>
+            <a:srgbClr val="00B0F0"/>
+          </a:solidFill>
+          <a:ln>
+            <a:solidFill>
+              <a:srgbClr val="00B0F0"/>
+            </a:solidFill>
+          </a:ln>
+        </p:spPr>
+        <p:txBody>
+          <a:bodyPr wrap="square" rtlCol="0">
+            <a:spAutoFit/>
+          </a:bodyPr>
+          <a:lstStyle/>
+          <a:p>
+            <a:r>
+              <a:rPr lang="pt-BR" dirty="0"/>
+              <a:t>1</a:t>
+            </a:r>
+          </a:p>
+        </p:txBody>
+      </p:sp>
+      <p:sp>
+        <p:nvSpPr>
+          <p:cNvPr id="82" name="CaixaDeTexto 81">
+            <a:extLst>
+              <a:ext uri="{FF2B5EF4-FFF2-40B4-BE49-F238E27FC236}">
+                <a16:creationId xmlns:a16="http://schemas.microsoft.com/office/drawing/2014/main" id="{9E43D11A-78F3-48EC-BA6E-493C260DFB5A}"/>
+              </a:ext>
+            </a:extLst>
+          </p:cNvPr>
+          <p:cNvSpPr txBox="1"/>
+          <p:nvPr/>
+        </p:nvSpPr>
+        <p:spPr>
+          <a:xfrm>
+            <a:off x="8538167" y="5161819"/>
+            <a:ext cx="309084" cy="369332"/>
+          </a:xfrm>
+          <a:prstGeom prst="rect">
+            <a:avLst/>
+          </a:prstGeom>
+          <a:solidFill>
+            <a:srgbClr val="00B0F0"/>
+          </a:solidFill>
+          <a:ln>
+            <a:solidFill>
+              <a:srgbClr val="00B0F0"/>
+            </a:solidFill>
+          </a:ln>
+        </p:spPr>
+        <p:txBody>
+          <a:bodyPr wrap="square" rtlCol="0">
+            <a:spAutoFit/>
+          </a:bodyPr>
+          <a:lstStyle/>
+          <a:p>
+            <a:r>
+              <a:rPr lang="pt-BR" dirty="0"/>
+              <a:t>4</a:t>
+            </a:r>
+          </a:p>
+        </p:txBody>
+      </p:sp>
+      <p:sp>
+        <p:nvSpPr>
+          <p:cNvPr id="83" name="CaixaDeTexto 82">
+            <a:extLst>
+              <a:ext uri="{FF2B5EF4-FFF2-40B4-BE49-F238E27FC236}">
+                <a16:creationId xmlns:a16="http://schemas.microsoft.com/office/drawing/2014/main" id="{9473B664-E320-486F-B563-1531B521B2DF}"/>
+              </a:ext>
+            </a:extLst>
+          </p:cNvPr>
+          <p:cNvSpPr txBox="1"/>
+          <p:nvPr/>
+        </p:nvSpPr>
+        <p:spPr>
+          <a:xfrm>
+            <a:off x="9424568" y="5161819"/>
+            <a:ext cx="309084" cy="369332"/>
+          </a:xfrm>
+          <a:prstGeom prst="rect">
+            <a:avLst/>
+          </a:prstGeom>
+          <a:solidFill>
+            <a:srgbClr val="00B0F0"/>
+          </a:solidFill>
+          <a:ln>
+            <a:solidFill>
+              <a:srgbClr val="00B0F0"/>
+            </a:solidFill>
+          </a:ln>
+        </p:spPr>
+        <p:txBody>
+          <a:bodyPr wrap="square" rtlCol="0">
+            <a:spAutoFit/>
+          </a:bodyPr>
+          <a:lstStyle/>
+          <a:p>
+            <a:r>
+              <a:rPr lang="pt-BR" dirty="0"/>
+              <a:t>0</a:t>
+            </a:r>
+          </a:p>
+        </p:txBody>
+      </p:sp>
+      <p:sp>
+        <p:nvSpPr>
+          <p:cNvPr id="84" name="Elipse 83">
+            <a:extLst>
+              <a:ext uri="{FF2B5EF4-FFF2-40B4-BE49-F238E27FC236}">
+                <a16:creationId xmlns:a16="http://schemas.microsoft.com/office/drawing/2014/main" id="{1A553961-B5AB-40F4-A99B-70DA99E025DA}"/>
+              </a:ext>
+            </a:extLst>
+          </p:cNvPr>
+          <p:cNvSpPr/>
+          <p:nvPr/>
+        </p:nvSpPr>
+        <p:spPr>
+          <a:xfrm>
+            <a:off x="4892069" y="4271333"/>
+            <a:ext cx="540000" cy="540000"/>
+          </a:xfrm>
+          <a:prstGeom prst="ellipse">
+            <a:avLst/>
+          </a:prstGeom>
+          <a:solidFill>
+            <a:srgbClr val="92D050">
+              <a:alpha val="75000"/>
+            </a:srgbClr>
+          </a:solidFill>
+          <a:ln w="18000">
+            <a:solidFill>
+              <a:schemeClr val="accent4">
+                <a:lumMod val="75000"/>
+              </a:schemeClr>
+            </a:solidFill>
+          </a:ln>
+        </p:spPr>
+        <p:style>
+          <a:lnRef idx="2">
+            <a:schemeClr val="accent1">
+              <a:shade val="50000"/>
+            </a:schemeClr>
+          </a:lnRef>
+          <a:fillRef idx="1">
+            <a:schemeClr val="accent1"/>
+          </a:fillRef>
+          <a:effectRef idx="0">
+            <a:schemeClr val="accent1"/>
+          </a:effectRef>
+          <a:fontRef idx="minor">
+            <a:schemeClr val="lt1"/>
+          </a:fontRef>
+        </p:style>
+        <p:txBody>
+          <a:bodyPr rtlCol="0" anchor="ctr"/>
+          <a:lstStyle/>
+          <a:p>
+            <a:pPr algn="ctr"/>
+            <a:endParaRPr lang="pt-BR">
+              <a:solidFill>
+                <a:srgbClr val="FF4E00"/>
+              </a:solidFill>
+            </a:endParaRPr>
+          </a:p>
+        </p:txBody>
+      </p:sp>
+      <p:sp>
+        <p:nvSpPr>
+          <p:cNvPr id="85" name="Elipse 84">
+            <a:extLst>
+              <a:ext uri="{FF2B5EF4-FFF2-40B4-BE49-F238E27FC236}">
+                <a16:creationId xmlns:a16="http://schemas.microsoft.com/office/drawing/2014/main" id="{F8058D2E-CB25-40A3-A24F-E1AF381BC02D}"/>
+              </a:ext>
+            </a:extLst>
+          </p:cNvPr>
+          <p:cNvSpPr/>
+          <p:nvPr/>
+        </p:nvSpPr>
+        <p:spPr>
+          <a:xfrm>
+            <a:off x="5765829" y="4271333"/>
+            <a:ext cx="540000" cy="540000"/>
+          </a:xfrm>
+          <a:prstGeom prst="ellipse">
+            <a:avLst/>
+          </a:prstGeom>
+          <a:solidFill>
+            <a:srgbClr val="92D050">
+              <a:alpha val="75000"/>
+            </a:srgbClr>
+          </a:solidFill>
+          <a:ln w="18000">
+            <a:solidFill>
+              <a:schemeClr val="accent4">
+                <a:lumMod val="75000"/>
+              </a:schemeClr>
+            </a:solidFill>
+          </a:ln>
+        </p:spPr>
+        <p:style>
+          <a:lnRef idx="2">
+            <a:schemeClr val="accent1">
+              <a:shade val="50000"/>
+            </a:schemeClr>
+          </a:lnRef>
+          <a:fillRef idx="1">
+            <a:schemeClr val="accent1"/>
+          </a:fillRef>
+          <a:effectRef idx="0">
+            <a:schemeClr val="accent1"/>
+          </a:effectRef>
+          <a:fontRef idx="minor">
+            <a:schemeClr val="lt1"/>
+          </a:fontRef>
+        </p:style>
+        <p:txBody>
+          <a:bodyPr rtlCol="0" anchor="ctr"/>
+          <a:lstStyle/>
+          <a:p>
+            <a:pPr algn="ctr"/>
+            <a:endParaRPr lang="pt-BR">
+              <a:solidFill>
+                <a:srgbClr val="FF4E00"/>
+              </a:solidFill>
+            </a:endParaRPr>
+          </a:p>
+        </p:txBody>
+      </p:sp>
+      <p:sp>
+        <p:nvSpPr>
+          <p:cNvPr id="86" name="Elipse 85">
+            <a:extLst>
+              <a:ext uri="{FF2B5EF4-FFF2-40B4-BE49-F238E27FC236}">
+                <a16:creationId xmlns:a16="http://schemas.microsoft.com/office/drawing/2014/main" id="{DE007B83-9A44-4563-86EA-B69EF8FE8C93}"/>
+              </a:ext>
+            </a:extLst>
+          </p:cNvPr>
+          <p:cNvSpPr/>
+          <p:nvPr/>
+        </p:nvSpPr>
+        <p:spPr>
+          <a:xfrm>
+            <a:off x="6667029" y="4271333"/>
+            <a:ext cx="540000" cy="540000"/>
+          </a:xfrm>
+          <a:prstGeom prst="ellipse">
+            <a:avLst/>
+          </a:prstGeom>
+          <a:solidFill>
+            <a:srgbClr val="92D050">
+              <a:alpha val="75000"/>
+            </a:srgbClr>
+          </a:solidFill>
+          <a:ln w="18000">
+            <a:solidFill>
+              <a:schemeClr val="accent4">
+                <a:lumMod val="75000"/>
+              </a:schemeClr>
+            </a:solidFill>
+          </a:ln>
+        </p:spPr>
+        <p:style>
+          <a:lnRef idx="2">
+            <a:schemeClr val="accent1">
+              <a:shade val="50000"/>
+            </a:schemeClr>
+          </a:lnRef>
+          <a:fillRef idx="1">
+            <a:schemeClr val="accent1"/>
+          </a:fillRef>
+          <a:effectRef idx="0">
+            <a:schemeClr val="accent1"/>
+          </a:effectRef>
+          <a:fontRef idx="minor">
+            <a:schemeClr val="lt1"/>
+          </a:fontRef>
+        </p:style>
+        <p:txBody>
+          <a:bodyPr rtlCol="0" anchor="ctr"/>
+          <a:lstStyle/>
+          <a:p>
+            <a:pPr algn="ctr"/>
+            <a:endParaRPr lang="pt-BR">
+              <a:solidFill>
+                <a:srgbClr val="FF4E00"/>
+              </a:solidFill>
+            </a:endParaRPr>
+          </a:p>
+        </p:txBody>
+      </p:sp>
+      <p:sp>
+        <p:nvSpPr>
+          <p:cNvPr id="87" name="Elipse 86">
+            <a:extLst>
+              <a:ext uri="{FF2B5EF4-FFF2-40B4-BE49-F238E27FC236}">
+                <a16:creationId xmlns:a16="http://schemas.microsoft.com/office/drawing/2014/main" id="{C8B7EF82-8F54-4E7E-9C64-C4E6593D6CD0}"/>
+              </a:ext>
+            </a:extLst>
+          </p:cNvPr>
+          <p:cNvSpPr/>
+          <p:nvPr/>
+        </p:nvSpPr>
+        <p:spPr>
+          <a:xfrm>
+            <a:off x="7544869" y="4271333"/>
+            <a:ext cx="540000" cy="540000"/>
+          </a:xfrm>
+          <a:prstGeom prst="ellipse">
+            <a:avLst/>
+          </a:prstGeom>
+          <a:solidFill>
+            <a:srgbClr val="92D050">
+              <a:alpha val="75000"/>
+            </a:srgbClr>
+          </a:solidFill>
+          <a:ln w="18000">
+            <a:solidFill>
+              <a:schemeClr val="accent4">
+                <a:lumMod val="75000"/>
+              </a:schemeClr>
+            </a:solidFill>
+          </a:ln>
+        </p:spPr>
+        <p:style>
+          <a:lnRef idx="2">
+            <a:schemeClr val="accent1">
+              <a:shade val="50000"/>
+            </a:schemeClr>
+          </a:lnRef>
+          <a:fillRef idx="1">
+            <a:schemeClr val="accent1"/>
+          </a:fillRef>
+          <a:effectRef idx="0">
+            <a:schemeClr val="accent1"/>
+          </a:effectRef>
+          <a:fontRef idx="minor">
+            <a:schemeClr val="lt1"/>
+          </a:fontRef>
+        </p:style>
+        <p:txBody>
+          <a:bodyPr rtlCol="0" anchor="ctr"/>
+          <a:lstStyle/>
+          <a:p>
+            <a:pPr algn="ctr"/>
+            <a:endParaRPr lang="pt-BR">
+              <a:solidFill>
+                <a:srgbClr val="FF4E00"/>
+              </a:solidFill>
+            </a:endParaRPr>
+          </a:p>
+        </p:txBody>
+      </p:sp>
+      <p:sp>
+        <p:nvSpPr>
+          <p:cNvPr id="88" name="Elipse 87">
+            <a:extLst>
+              <a:ext uri="{FF2B5EF4-FFF2-40B4-BE49-F238E27FC236}">
+                <a16:creationId xmlns:a16="http://schemas.microsoft.com/office/drawing/2014/main" id="{FE43FC76-07DB-4354-9487-BBBBC79DED23}"/>
+              </a:ext>
+            </a:extLst>
+          </p:cNvPr>
+          <p:cNvSpPr/>
+          <p:nvPr/>
+        </p:nvSpPr>
+        <p:spPr>
+          <a:xfrm>
+            <a:off x="8422709" y="4271333"/>
+            <a:ext cx="540000" cy="540000"/>
+          </a:xfrm>
+          <a:prstGeom prst="ellipse">
+            <a:avLst/>
+          </a:prstGeom>
+          <a:solidFill>
+            <a:srgbClr val="92D050">
+              <a:alpha val="75000"/>
+            </a:srgbClr>
+          </a:solidFill>
+          <a:ln w="18000">
+            <a:solidFill>
+              <a:schemeClr val="accent4">
+                <a:lumMod val="75000"/>
+              </a:schemeClr>
+            </a:solidFill>
+          </a:ln>
+        </p:spPr>
+        <p:style>
+          <a:lnRef idx="2">
+            <a:schemeClr val="accent1">
+              <a:shade val="50000"/>
+            </a:schemeClr>
+          </a:lnRef>
+          <a:fillRef idx="1">
+            <a:schemeClr val="accent1"/>
+          </a:fillRef>
+          <a:effectRef idx="0">
+            <a:schemeClr val="accent1"/>
+          </a:effectRef>
+          <a:fontRef idx="minor">
+            <a:schemeClr val="lt1"/>
+          </a:fontRef>
+        </p:style>
+        <p:txBody>
+          <a:bodyPr rtlCol="0" anchor="ctr"/>
+          <a:lstStyle/>
+          <a:p>
+            <a:pPr algn="ctr"/>
+            <a:endParaRPr lang="pt-BR">
+              <a:solidFill>
+                <a:srgbClr val="FF4E00"/>
+              </a:solidFill>
+            </a:endParaRPr>
+          </a:p>
+        </p:txBody>
+      </p:sp>
+      <p:sp>
+        <p:nvSpPr>
+          <p:cNvPr id="89" name="Elipse 88">
+            <a:extLst>
+              <a:ext uri="{FF2B5EF4-FFF2-40B4-BE49-F238E27FC236}">
+                <a16:creationId xmlns:a16="http://schemas.microsoft.com/office/drawing/2014/main" id="{2B28FB4F-F517-4623-9B92-0D056E9EC7BE}"/>
+              </a:ext>
+            </a:extLst>
+          </p:cNvPr>
+          <p:cNvSpPr/>
+          <p:nvPr/>
+        </p:nvSpPr>
+        <p:spPr>
+          <a:xfrm>
+            <a:off x="9300549" y="4271333"/>
+            <a:ext cx="540000" cy="540000"/>
+          </a:xfrm>
+          <a:prstGeom prst="ellipse">
+            <a:avLst/>
+          </a:prstGeom>
+          <a:solidFill>
+            <a:srgbClr val="92D050">
+              <a:alpha val="75000"/>
+            </a:srgbClr>
+          </a:solidFill>
+          <a:ln w="18000">
+            <a:solidFill>
+              <a:schemeClr val="accent4">
+                <a:lumMod val="75000"/>
+              </a:schemeClr>
+            </a:solidFill>
+          </a:ln>
+        </p:spPr>
+        <p:style>
+          <a:lnRef idx="2">
+            <a:schemeClr val="accent1">
+              <a:shade val="50000"/>
+            </a:schemeClr>
+          </a:lnRef>
+          <a:fillRef idx="1">
+            <a:schemeClr val="accent1"/>
+          </a:fillRef>
+          <a:effectRef idx="0">
+            <a:schemeClr val="accent1"/>
+          </a:effectRef>
+          <a:fontRef idx="minor">
+            <a:schemeClr val="lt1"/>
+          </a:fontRef>
+        </p:style>
+        <p:txBody>
+          <a:bodyPr rtlCol="0" anchor="ctr"/>
+          <a:lstStyle/>
+          <a:p>
+            <a:pPr algn="ctr"/>
+            <a:endParaRPr lang="pt-BR">
+              <a:solidFill>
+                <a:srgbClr val="FF4E00"/>
+              </a:solidFill>
+            </a:endParaRPr>
+          </a:p>
+        </p:txBody>
+      </p:sp>
+      <p:sp>
+        <p:nvSpPr>
+          <p:cNvPr id="90" name="CaixaDeTexto 89">
+            <a:extLst>
+              <a:ext uri="{FF2B5EF4-FFF2-40B4-BE49-F238E27FC236}">
+                <a16:creationId xmlns:a16="http://schemas.microsoft.com/office/drawing/2014/main" id="{F389F9CC-A7B8-42BB-9BF9-C87F83A9B71C}"/>
+              </a:ext>
+            </a:extLst>
+          </p:cNvPr>
+          <p:cNvSpPr txBox="1"/>
+          <p:nvPr/>
+        </p:nvSpPr>
+        <p:spPr>
+          <a:xfrm>
+            <a:off x="5007527" y="4356667"/>
+            <a:ext cx="309084" cy="369332"/>
+          </a:xfrm>
+          <a:prstGeom prst="rect">
+            <a:avLst/>
+          </a:prstGeom>
+          <a:noFill/>
+        </p:spPr>
+        <p:txBody>
+          <a:bodyPr wrap="square" rtlCol="0">
+            <a:spAutoFit/>
+          </a:bodyPr>
+          <a:lstStyle/>
+          <a:p>
+            <a:r>
+              <a:rPr lang="pt-BR" dirty="0"/>
+              <a:t>0</a:t>
+            </a:r>
+          </a:p>
+        </p:txBody>
+      </p:sp>
+      <p:sp>
+        <p:nvSpPr>
+          <p:cNvPr id="91" name="CaixaDeTexto 90">
+            <a:extLst>
+              <a:ext uri="{FF2B5EF4-FFF2-40B4-BE49-F238E27FC236}">
+                <a16:creationId xmlns:a16="http://schemas.microsoft.com/office/drawing/2014/main" id="{39CD7C33-C731-49F7-898E-726ED604FD4C}"/>
+              </a:ext>
+            </a:extLst>
+          </p:cNvPr>
+          <p:cNvSpPr txBox="1"/>
+          <p:nvPr/>
+        </p:nvSpPr>
+        <p:spPr>
+          <a:xfrm>
+            <a:off x="5881287" y="4356667"/>
+            <a:ext cx="309084" cy="369332"/>
+          </a:xfrm>
+          <a:prstGeom prst="rect">
+            <a:avLst/>
+          </a:prstGeom>
+          <a:noFill/>
+        </p:spPr>
+        <p:txBody>
+          <a:bodyPr wrap="square" rtlCol="0">
+            <a:spAutoFit/>
+          </a:bodyPr>
+          <a:lstStyle/>
+          <a:p>
+            <a:r>
+              <a:rPr lang="pt-BR" dirty="0"/>
+              <a:t>2</a:t>
+            </a:r>
+          </a:p>
+        </p:txBody>
+      </p:sp>
+      <p:sp>
+        <p:nvSpPr>
+          <p:cNvPr id="92" name="CaixaDeTexto 91">
+            <a:extLst>
+              <a:ext uri="{FF2B5EF4-FFF2-40B4-BE49-F238E27FC236}">
+                <a16:creationId xmlns:a16="http://schemas.microsoft.com/office/drawing/2014/main" id="{BE976E02-AE5C-41B2-879F-6BE1F4101068}"/>
+              </a:ext>
+            </a:extLst>
+          </p:cNvPr>
+          <p:cNvSpPr txBox="1"/>
+          <p:nvPr/>
+        </p:nvSpPr>
+        <p:spPr>
+          <a:xfrm>
+            <a:off x="6782487" y="4356667"/>
+            <a:ext cx="309084" cy="369332"/>
+          </a:xfrm>
+          <a:prstGeom prst="rect">
+            <a:avLst/>
+          </a:prstGeom>
+          <a:noFill/>
+        </p:spPr>
+        <p:txBody>
+          <a:bodyPr wrap="square" rtlCol="0">
+            <a:spAutoFit/>
+          </a:bodyPr>
+          <a:lstStyle/>
+          <a:p>
+            <a:r>
+              <a:rPr lang="pt-BR" dirty="0"/>
+              <a:t>1</a:t>
+            </a:r>
+          </a:p>
+        </p:txBody>
+      </p:sp>
+      <p:sp>
+        <p:nvSpPr>
+          <p:cNvPr id="93" name="CaixaDeTexto 92">
+            <a:extLst>
+              <a:ext uri="{FF2B5EF4-FFF2-40B4-BE49-F238E27FC236}">
+                <a16:creationId xmlns:a16="http://schemas.microsoft.com/office/drawing/2014/main" id="{8F3C85D3-9AAB-4549-88D7-1A7DA7B54181}"/>
+              </a:ext>
+            </a:extLst>
+          </p:cNvPr>
+          <p:cNvSpPr txBox="1"/>
+          <p:nvPr/>
+        </p:nvSpPr>
+        <p:spPr>
+          <a:xfrm>
+            <a:off x="7660327" y="4356667"/>
+            <a:ext cx="309084" cy="369332"/>
+          </a:xfrm>
+          <a:prstGeom prst="rect">
+            <a:avLst/>
+          </a:prstGeom>
+          <a:noFill/>
+        </p:spPr>
+        <p:txBody>
+          <a:bodyPr wrap="square" rtlCol="0">
+            <a:spAutoFit/>
+          </a:bodyPr>
+          <a:lstStyle/>
+          <a:p>
+            <a:r>
+              <a:rPr lang="pt-BR" dirty="0"/>
+              <a:t>3</a:t>
+            </a:r>
+          </a:p>
+        </p:txBody>
+      </p:sp>
+      <p:sp>
+        <p:nvSpPr>
+          <p:cNvPr id="94" name="CaixaDeTexto 93">
+            <a:extLst>
+              <a:ext uri="{FF2B5EF4-FFF2-40B4-BE49-F238E27FC236}">
+                <a16:creationId xmlns:a16="http://schemas.microsoft.com/office/drawing/2014/main" id="{7F9D20AB-01CC-4FB3-A1D9-923CD6D9258C}"/>
+              </a:ext>
+            </a:extLst>
+          </p:cNvPr>
+          <p:cNvSpPr txBox="1"/>
+          <p:nvPr/>
+        </p:nvSpPr>
+        <p:spPr>
+          <a:xfrm>
+            <a:off x="8538167" y="4356667"/>
+            <a:ext cx="309084" cy="369332"/>
+          </a:xfrm>
+          <a:prstGeom prst="rect">
+            <a:avLst/>
+          </a:prstGeom>
+          <a:noFill/>
+        </p:spPr>
+        <p:txBody>
+          <a:bodyPr wrap="square" rtlCol="0">
+            <a:spAutoFit/>
+          </a:bodyPr>
+          <a:lstStyle/>
+          <a:p>
+            <a:r>
+              <a:rPr lang="pt-BR" dirty="0"/>
+              <a:t>4</a:t>
+            </a:r>
+          </a:p>
+        </p:txBody>
+      </p:sp>
+      <p:sp>
+        <p:nvSpPr>
+          <p:cNvPr id="95" name="CaixaDeTexto 94">
+            <a:extLst>
+              <a:ext uri="{FF2B5EF4-FFF2-40B4-BE49-F238E27FC236}">
+                <a16:creationId xmlns:a16="http://schemas.microsoft.com/office/drawing/2014/main" id="{666175BC-5367-4B97-B794-805BE9161F61}"/>
+              </a:ext>
+            </a:extLst>
+          </p:cNvPr>
+          <p:cNvSpPr txBox="1"/>
+          <p:nvPr/>
+        </p:nvSpPr>
+        <p:spPr>
+          <a:xfrm>
+            <a:off x="9424568" y="4356667"/>
+            <a:ext cx="309084" cy="369332"/>
+          </a:xfrm>
+          <a:prstGeom prst="rect">
+            <a:avLst/>
+          </a:prstGeom>
+          <a:noFill/>
+        </p:spPr>
+        <p:txBody>
+          <a:bodyPr wrap="square" rtlCol="0">
+            <a:spAutoFit/>
+          </a:bodyPr>
+          <a:lstStyle/>
+          <a:p>
+            <a:r>
+              <a:rPr lang="pt-BR" dirty="0"/>
+              <a:t>0</a:t>
+            </a:r>
+          </a:p>
+        </p:txBody>
+      </p:sp>
+    </p:spTree>
+    <p:extLst>
+      <p:ext uri="{BB962C8B-B14F-4D97-AF65-F5344CB8AC3E}">
+        <p14:creationId xmlns:p14="http://schemas.microsoft.com/office/powerpoint/2010/main" val="3425598983"/>
+      </p:ext>
+    </p:extLst>
+  </p:cSld>
+  <p:clrMapOvr>
+    <a:masterClrMapping/>
+  </p:clrMapOvr>
+</p:sld>
+</file>
+
+<file path=ppt/slides/slide9.xml><?xml version="1.0" encoding="utf-8"?>
+<p:sld xmlns:a="http://schemas.openxmlformats.org/drawingml/2006/main" xmlns:r="http://schemas.openxmlformats.org/officeDocument/2006/relationships" xmlns:p="http://schemas.openxmlformats.org/presentationml/2006/main">
+  <p:cSld>
+    <p:spTree>
+      <p:nvGrpSpPr>
+        <p:cNvPr id="1" name=""/>
+        <p:cNvGrpSpPr/>
+        <p:nvPr/>
+      </p:nvGrpSpPr>
+      <p:grpSpPr>
+        <a:xfrm>
+          <a:off x="0" y="0"/>
+          <a:ext cx="0" cy="0"/>
+          <a:chOff x="0" y="0"/>
+          <a:chExt cx="0" cy="0"/>
+        </a:xfrm>
+      </p:grpSpPr>
+      <p:sp>
+        <p:nvSpPr>
+          <p:cNvPr id="2" name="Título 1">
+            <a:extLst>
+              <a:ext uri="{FF2B5EF4-FFF2-40B4-BE49-F238E27FC236}">
+                <a16:creationId xmlns:a16="http://schemas.microsoft.com/office/drawing/2014/main" id="{6D811184-239A-44CE-9921-B1A2FC5251CB}"/>
+              </a:ext>
+            </a:extLst>
+          </p:cNvPr>
+          <p:cNvSpPr>
+            <a:spLocks noGrp="1"/>
+          </p:cNvSpPr>
+          <p:nvPr>
+            <p:ph type="title"/>
+          </p:nvPr>
+        </p:nvSpPr>
+        <p:spPr>
+          <a:xfrm>
+            <a:off x="1930400" y="845653"/>
+            <a:ext cx="8610600" cy="1293028"/>
+          </a:xfrm>
+        </p:spPr>
+        <p:txBody>
+          <a:bodyPr>
+            <a:normAutofit fontScale="90000"/>
+          </a:bodyPr>
+          <a:lstStyle/>
+          <a:p>
+            <a:r>
+              <a:rPr lang="pt-BR" dirty="0"/>
+              <a:t>Meta-</a:t>
+            </a:r>
+            <a:r>
+              <a:rPr lang="pt-BR" dirty="0" err="1"/>
+              <a:t>heuristica</a:t>
+            </a:r>
+            <a:r>
+              <a:rPr lang="pt-BR" sz="4000" dirty="0"/>
+              <a:t>:</a:t>
+            </a:r>
+            <a:br>
+              <a:rPr lang="pt-BR" sz="4000" dirty="0"/>
+            </a:br>
+            <a:br>
+              <a:rPr lang="pt-BR" dirty="0"/>
+            </a:br>
+            <a:r>
+              <a:rPr lang="pt-BR" sz="2800" dirty="0" err="1"/>
+              <a:t>Simulated</a:t>
+            </a:r>
+            <a:r>
+              <a:rPr lang="pt-BR" sz="2800" dirty="0"/>
+              <a:t> </a:t>
+            </a:r>
+            <a:r>
+              <a:rPr lang="pt-BR" sz="2800" dirty="0" err="1"/>
+              <a:t>annealing</a:t>
+            </a:r>
+            <a:endParaRPr lang="pt-BR" sz="2800" dirty="0"/>
+          </a:p>
+        </p:txBody>
+      </p:sp>
+      <p:sp>
+        <p:nvSpPr>
+          <p:cNvPr id="3" name="Espaço Reservado para Conteúdo 2">
+            <a:extLst>
+              <a:ext uri="{FF2B5EF4-FFF2-40B4-BE49-F238E27FC236}">
+                <a16:creationId xmlns:a16="http://schemas.microsoft.com/office/drawing/2014/main" id="{C801B1CE-795C-4CCE-8B79-591E3815B698}"/>
+              </a:ext>
+            </a:extLst>
+          </p:cNvPr>
+          <p:cNvSpPr>
+            <a:spLocks noGrp="1"/>
+          </p:cNvSpPr>
+          <p:nvPr>
+            <p:ph idx="1"/>
+          </p:nvPr>
+        </p:nvSpPr>
+        <p:spPr>
+          <a:xfrm>
+            <a:off x="885511" y="2320206"/>
+            <a:ext cx="8807130" cy="849714"/>
+          </a:xfrm>
+        </p:spPr>
+        <p:txBody>
+          <a:bodyPr>
+            <a:normAutofit/>
+          </a:bodyPr>
+          <a:lstStyle/>
+          <a:p>
+            <a:pPr marL="0" indent="0">
+              <a:buNone/>
+            </a:pPr>
+            <a:r>
+              <a:rPr lang="pt-BR" dirty="0"/>
+              <a:t>	</a:t>
+            </a:r>
+            <a:r>
+              <a:rPr lang="pt-BR" sz="3200" dirty="0"/>
+              <a:t>Vizinhanças</a:t>
+            </a:r>
+          </a:p>
+        </p:txBody>
+      </p:sp>
+    </p:spTree>
+    <p:extLst>
+      <p:ext uri="{BB962C8B-B14F-4D97-AF65-F5344CB8AC3E}">
+        <p14:creationId xmlns:p14="http://schemas.microsoft.com/office/powerpoint/2010/main" val="3800362669"/>
       </p:ext>
     </p:extLst>
   </p:cSld>
@@ -6743,4 +16116,299 @@
     </a:ext>
   </a:extLst>
 </a:theme>
+</file>
+
+<file path=ppt/theme/theme2.xml><?xml version="1.0" encoding="utf-8"?>
+<a:theme xmlns:a="http://schemas.openxmlformats.org/drawingml/2006/main" name="Tema do Office">
+  <a:themeElements>
+    <a:clrScheme name="Office">
+      <a:dk1>
+        <a:sysClr val="windowText" lastClr="000000"/>
+      </a:dk1>
+      <a:lt1>
+        <a:sysClr val="window" lastClr="FFFFFF"/>
+      </a:lt1>
+      <a:dk2>
+        <a:srgbClr val="44546A"/>
+      </a:dk2>
+      <a:lt2>
+        <a:srgbClr val="E7E6E6"/>
+      </a:lt2>
+      <a:accent1>
+        <a:srgbClr val="4472C4"/>
+      </a:accent1>
+      <a:accent2>
+        <a:srgbClr val="ED7D31"/>
+      </a:accent2>
+      <a:accent3>
+        <a:srgbClr val="A5A5A5"/>
+      </a:accent3>
+      <a:accent4>
+        <a:srgbClr val="FFC000"/>
+      </a:accent4>
+      <a:accent5>
+        <a:srgbClr val="5B9BD5"/>
+      </a:accent5>
+      <a:accent6>
+        <a:srgbClr val="70AD47"/>
+      </a:accent6>
+      <a:hlink>
+        <a:srgbClr val="0563C1"/>
+      </a:hlink>
+      <a:folHlink>
+        <a:srgbClr val="954F72"/>
+      </a:folHlink>
+    </a:clrScheme>
+    <a:fontScheme name="Office">
+      <a:majorFont>
+        <a:latin typeface="Calibri Light" panose="020F0302020204030204"/>
+        <a:ea typeface=""/>
+        <a:cs typeface=""/>
+        <a:font script="Jpan" typeface="游ゴシック Light"/>
+        <a:font script="Hang" typeface="맑은 고딕"/>
+        <a:font script="Hans" typeface="等线 Light"/>
+        <a:font script="Hant" typeface="新細明體"/>
+        <a:font script="Arab" typeface="Times New Roman"/>
+        <a:font script="Hebr" typeface="Times New Roman"/>
+        <a:font script="Thai" typeface="Angsana New"/>
+        <a:font script="Ethi" typeface="Nyala"/>
+        <a:font script="Beng" typeface="Vrinda"/>
+        <a:font script="Gujr" typeface="Shruti"/>
+        <a:font script="Khmr" typeface="MoolBoran"/>
+        <a:font script="Knda" typeface="Tunga"/>
+        <a:font script="Guru" typeface="Raavi"/>
+        <a:font script="Cans" typeface="Euphemia"/>
+        <a:font script="Cher" typeface="Plantagenet Cherokee"/>
+        <a:font script="Yiii" typeface="Microsoft Yi Baiti"/>
+        <a:font script="Tibt" typeface="Microsoft Himalaya"/>
+        <a:font script="Thaa" typeface="MV Boli"/>
+        <a:font script="Deva" typeface="Mangal"/>
+        <a:font script="Telu" typeface="Gautami"/>
+        <a:font script="Taml" typeface="Latha"/>
+        <a:font script="Syrc" typeface="Estrangelo Edessa"/>
+        <a:font script="Orya" typeface="Kalinga"/>
+        <a:font script="Mlym" typeface="Kartika"/>
+        <a:font script="Laoo" typeface="DokChampa"/>
+        <a:font script="Sinh" typeface="Iskoola Pota"/>
+        <a:font script="Mong" typeface="Mongolian Baiti"/>
+        <a:font script="Viet" typeface="Times New Roman"/>
+        <a:font script="Uigh" typeface="Microsoft Uighur"/>
+        <a:font script="Geor" typeface="Sylfaen"/>
+        <a:font script="Armn" typeface="Arial"/>
+        <a:font script="Bugi" typeface="Leelawadee UI"/>
+        <a:font script="Bopo" typeface="Microsoft JhengHei"/>
+        <a:font script="Java" typeface="Javanese Text"/>
+        <a:font script="Lisu" typeface="Segoe UI"/>
+        <a:font script="Mymr" typeface="Myanmar Text"/>
+        <a:font script="Nkoo" typeface="Ebrima"/>
+        <a:font script="Olck" typeface="Nirmala UI"/>
+        <a:font script="Osma" typeface="Ebrima"/>
+        <a:font script="Phag" typeface="Phagspa"/>
+        <a:font script="Syrn" typeface="Estrangelo Edessa"/>
+        <a:font script="Syrj" typeface="Estrangelo Edessa"/>
+        <a:font script="Syre" typeface="Estrangelo Edessa"/>
+        <a:font script="Sora" typeface="Nirmala UI"/>
+        <a:font script="Tale" typeface="Microsoft Tai Le"/>
+        <a:font script="Talu" typeface="Microsoft New Tai Lue"/>
+        <a:font script="Tfng" typeface="Ebrima"/>
+      </a:majorFont>
+      <a:minorFont>
+        <a:latin typeface="Calibri" panose="020F0502020204030204"/>
+        <a:ea typeface=""/>
+        <a:cs typeface=""/>
+        <a:font script="Jpan" typeface="游ゴシック"/>
+        <a:font script="Hang" typeface="맑은 고딕"/>
+        <a:font script="Hans" typeface="等线"/>
+        <a:font script="Hant" typeface="新細明體"/>
+        <a:font script="Arab" typeface="Arial"/>
+        <a:font script="Hebr" typeface="Arial"/>
+        <a:font script="Thai" typeface="Cordia New"/>
+        <a:font script="Ethi" typeface="Nyala"/>
+        <a:font script="Beng" typeface="Vrinda"/>
+        <a:font script="Gujr" typeface="Shruti"/>
+        <a:font script="Khmr" typeface="DaunPenh"/>
+        <a:font script="Knda" typeface="Tunga"/>
+        <a:font script="Guru" typeface="Raavi"/>
+        <a:font script="Cans" typeface="Euphemia"/>
+        <a:font script="Cher" typeface="Plantagenet Cherokee"/>
+        <a:font script="Yiii" typeface="Microsoft Yi Baiti"/>
+        <a:font script="Tibt" typeface="Microsoft Himalaya"/>
+        <a:font script="Thaa" typeface="MV Boli"/>
+        <a:font script="Deva" typeface="Mangal"/>
+        <a:font script="Telu" typeface="Gautami"/>
+        <a:font script="Taml" typeface="Latha"/>
+        <a:font script="Syrc" typeface="Estrangelo Edessa"/>
+        <a:font script="Orya" typeface="Kalinga"/>
+        <a:font script="Mlym" typeface="Kartika"/>
+        <a:font script="Laoo" typeface="DokChampa"/>
+        <a:font script="Sinh" typeface="Iskoola Pota"/>
+        <a:font script="Mong" typeface="Mongolian Baiti"/>
+        <a:font script="Viet" typeface="Arial"/>
+        <a:font script="Uigh" typeface="Microsoft Uighur"/>
+        <a:font script="Geor" typeface="Sylfaen"/>
+        <a:font script="Armn" typeface="Arial"/>
+        <a:font script="Bugi" typeface="Leelawadee UI"/>
+        <a:font script="Bopo" typeface="Microsoft JhengHei"/>
+        <a:font script="Java" typeface="Javanese Text"/>
+        <a:font script="Lisu" typeface="Segoe UI"/>
+        <a:font script="Mymr" typeface="Myanmar Text"/>
+        <a:font script="Nkoo" typeface="Ebrima"/>
+        <a:font script="Olck" typeface="Nirmala UI"/>
+        <a:font script="Osma" typeface="Ebrima"/>
+        <a:font script="Phag" typeface="Phagspa"/>
+        <a:font script="Syrn" typeface="Estrangelo Edessa"/>
+        <a:font script="Syrj" typeface="Estrangelo Edessa"/>
+        <a:font script="Syre" typeface="Estrangelo Edessa"/>
+        <a:font script="Sora" typeface="Nirmala UI"/>
+        <a:font script="Tale" typeface="Microsoft Tai Le"/>
+        <a:font script="Talu" typeface="Microsoft New Tai Lue"/>
+        <a:font script="Tfng" typeface="Ebrima"/>
+      </a:minorFont>
+    </a:fontScheme>
+    <a:fmtScheme name="Office">
+      <a:fillStyleLst>
+        <a:solidFill>
+          <a:schemeClr val="phClr"/>
+        </a:solidFill>
+        <a:gradFill rotWithShape="1">
+          <a:gsLst>
+            <a:gs pos="0">
+              <a:schemeClr val="phClr">
+                <a:lumMod val="110000"/>
+                <a:satMod val="105000"/>
+                <a:tint val="67000"/>
+              </a:schemeClr>
+            </a:gs>
+            <a:gs pos="50000">
+              <a:schemeClr val="phClr">
+                <a:lumMod val="105000"/>
+                <a:satMod val="103000"/>
+                <a:tint val="73000"/>
+              </a:schemeClr>
+            </a:gs>
+            <a:gs pos="100000">
+              <a:schemeClr val="phClr">
+                <a:lumMod val="105000"/>
+                <a:satMod val="109000"/>
+                <a:tint val="81000"/>
+              </a:schemeClr>
+            </a:gs>
+          </a:gsLst>
+          <a:lin ang="5400000" scaled="0"/>
+        </a:gradFill>
+        <a:gradFill rotWithShape="1">
+          <a:gsLst>
+            <a:gs pos="0">
+              <a:schemeClr val="phClr">
+                <a:satMod val="103000"/>
+                <a:lumMod val="102000"/>
+                <a:tint val="94000"/>
+              </a:schemeClr>
+            </a:gs>
+            <a:gs pos="50000">
+              <a:schemeClr val="phClr">
+                <a:satMod val="110000"/>
+                <a:lumMod val="100000"/>
+                <a:shade val="100000"/>
+              </a:schemeClr>
+            </a:gs>
+            <a:gs pos="100000">
+              <a:schemeClr val="phClr">
+                <a:lumMod val="99000"/>
+                <a:satMod val="120000"/>
+                <a:shade val="78000"/>
+              </a:schemeClr>
+            </a:gs>
+          </a:gsLst>
+          <a:lin ang="5400000" scaled="0"/>
+        </a:gradFill>
+      </a:fillStyleLst>
+      <a:lnStyleLst>
+        <a:ln w="6350" cap="flat" cmpd="sng" algn="ctr">
+          <a:solidFill>
+            <a:schemeClr val="phClr"/>
+          </a:solidFill>
+          <a:prstDash val="solid"/>
+          <a:miter lim="800000"/>
+        </a:ln>
+        <a:ln w="12700" cap="flat" cmpd="sng" algn="ctr">
+          <a:solidFill>
+            <a:schemeClr val="phClr"/>
+          </a:solidFill>
+          <a:prstDash val="solid"/>
+          <a:miter lim="800000"/>
+        </a:ln>
+        <a:ln w="19050" cap="flat" cmpd="sng" algn="ctr">
+          <a:solidFill>
+            <a:schemeClr val="phClr"/>
+          </a:solidFill>
+          <a:prstDash val="solid"/>
+          <a:miter lim="800000"/>
+        </a:ln>
+      </a:lnStyleLst>
+      <a:effectStyleLst>
+        <a:effectStyle>
+          <a:effectLst/>
+        </a:effectStyle>
+        <a:effectStyle>
+          <a:effectLst/>
+        </a:effectStyle>
+        <a:effectStyle>
+          <a:effectLst>
+            <a:outerShdw blurRad="57150" dist="19050" dir="5400000" algn="ctr" rotWithShape="0">
+              <a:srgbClr val="000000">
+                <a:alpha val="63000"/>
+              </a:srgbClr>
+            </a:outerShdw>
+          </a:effectLst>
+        </a:effectStyle>
+      </a:effectStyleLst>
+      <a:bgFillStyleLst>
+        <a:solidFill>
+          <a:schemeClr val="phClr"/>
+        </a:solidFill>
+        <a:solidFill>
+          <a:schemeClr val="phClr">
+            <a:tint val="95000"/>
+            <a:satMod val="170000"/>
+          </a:schemeClr>
+        </a:solidFill>
+        <a:gradFill rotWithShape="1">
+          <a:gsLst>
+            <a:gs pos="0">
+              <a:schemeClr val="phClr">
+                <a:tint val="93000"/>
+                <a:satMod val="150000"/>
+                <a:shade val="98000"/>
+                <a:lumMod val="102000"/>
+              </a:schemeClr>
+            </a:gs>
+            <a:gs pos="50000">
+              <a:schemeClr val="phClr">
+                <a:tint val="98000"/>
+                <a:satMod val="130000"/>
+                <a:shade val="90000"/>
+                <a:lumMod val="103000"/>
+              </a:schemeClr>
+            </a:gs>
+            <a:gs pos="100000">
+              <a:schemeClr val="phClr">
+                <a:shade val="63000"/>
+                <a:satMod val="120000"/>
+              </a:schemeClr>
+            </a:gs>
+          </a:gsLst>
+          <a:lin ang="5400000" scaled="0"/>
+        </a:gradFill>
+      </a:bgFillStyleLst>
+    </a:fmtScheme>
+  </a:themeElements>
+  <a:objectDefaults/>
+  <a:extraClrSchemeLst/>
+  <a:extLst>
+    <a:ext uri="{05A4C25C-085E-4340-85A3-A5531E510DB2}">
+      <thm15:themeFamily xmlns:thm15="http://schemas.microsoft.com/office/thememl/2012/main" name="Office Theme" id="{62F939B6-93AF-4DB8-9C6B-D6C7DFDC589F}" vid="{4A3C46E8-61CC-4603-A589-7422A47A8E4A}"/>
+    </a:ext>
+  </a:extLst>
+</a:theme>
 </file>
--- a/Apresentacao.pptx
+++ b/Apresentacao.pptx
@@ -5,7 +5,7 @@
     <p:sldMasterId id="2147483942" r:id="rId1"/>
   </p:sldMasterIdLst>
   <p:notesMasterIdLst>
-    <p:notesMasterId r:id="rId14"/>
+    <p:notesMasterId r:id="rId17"/>
   </p:notesMasterIdLst>
   <p:sldIdLst>
     <p:sldId id="256" r:id="rId2"/>
@@ -16,10 +16,13 @@
     <p:sldId id="267" r:id="rId7"/>
     <p:sldId id="268" r:id="rId8"/>
     <p:sldId id="269" r:id="rId9"/>
-    <p:sldId id="264" r:id="rId10"/>
-    <p:sldId id="262" r:id="rId11"/>
-    <p:sldId id="263" r:id="rId12"/>
-    <p:sldId id="261" r:id="rId13"/>
+    <p:sldId id="270" r:id="rId10"/>
+    <p:sldId id="271" r:id="rId11"/>
+    <p:sldId id="272" r:id="rId12"/>
+    <p:sldId id="273" r:id="rId13"/>
+    <p:sldId id="262" r:id="rId14"/>
+    <p:sldId id="263" r:id="rId15"/>
+    <p:sldId id="261" r:id="rId16"/>
   </p:sldIdLst>
   <p:sldSz cx="12192000" cy="6858000"/>
   <p:notesSz cx="6858000" cy="9144000"/>
@@ -118,6 +121,11 @@
       </a:defRPr>
     </a:lvl9pPr>
   </p:defaultTextStyle>
+  <p:extLst>
+    <p:ext uri="{EFAFB233-063F-42B5-8137-9DF3F51BA10A}">
+      <p15:sldGuideLst xmlns:p15="http://schemas.microsoft.com/office/powerpoint/2012/main"/>
+    </p:ext>
+  </p:extLst>
 </p:presentation>
 </file>
 
@@ -905,6 +913,342 @@
     <p:extLst>
       <p:ext uri="{BB962C8B-B14F-4D97-AF65-F5344CB8AC3E}">
         <p14:creationId xmlns:p14="http://schemas.microsoft.com/office/powerpoint/2010/main" val="905748010"/>
+      </p:ext>
+    </p:extLst>
+  </p:cSld>
+  <p:clrMapOvr>
+    <a:masterClrMapping/>
+  </p:clrMapOvr>
+</p:notes>
+</file>
+
+<file path=ppt/notesSlides/notesSlide5.xml><?xml version="1.0" encoding="utf-8"?>
+<p:notes xmlns:a="http://schemas.openxmlformats.org/drawingml/2006/main" xmlns:r="http://schemas.openxmlformats.org/officeDocument/2006/relationships" xmlns:p="http://schemas.openxmlformats.org/presentationml/2006/main">
+  <p:cSld>
+    <p:spTree>
+      <p:nvGrpSpPr>
+        <p:cNvPr id="1" name=""/>
+        <p:cNvGrpSpPr/>
+        <p:nvPr/>
+      </p:nvGrpSpPr>
+      <p:grpSpPr>
+        <a:xfrm>
+          <a:off x="0" y="0"/>
+          <a:ext cx="0" cy="0"/>
+          <a:chOff x="0" y="0"/>
+          <a:chExt cx="0" cy="0"/>
+        </a:xfrm>
+      </p:grpSpPr>
+      <p:sp>
+        <p:nvSpPr>
+          <p:cNvPr id="2" name="Espaço Reservado para Imagem de Slide 1"/>
+          <p:cNvSpPr>
+            <a:spLocks noGrp="1" noRot="1" noChangeAspect="1"/>
+          </p:cNvSpPr>
+          <p:nvPr>
+            <p:ph type="sldImg"/>
+          </p:nvPr>
+        </p:nvSpPr>
+        <p:spPr/>
+      </p:sp>
+      <p:sp>
+        <p:nvSpPr>
+          <p:cNvPr id="3" name="Espaço Reservado para Anotações 2"/>
+          <p:cNvSpPr>
+            <a:spLocks noGrp="1"/>
+          </p:cNvSpPr>
+          <p:nvPr>
+            <p:ph type="body" idx="1"/>
+          </p:nvPr>
+        </p:nvSpPr>
+        <p:spPr/>
+        <p:txBody>
+          <a:bodyPr/>
+          <a:lstStyle/>
+          <a:p>
+            <a:endParaRPr lang="pt-BR" dirty="0"/>
+          </a:p>
+        </p:txBody>
+      </p:sp>
+      <p:sp>
+        <p:nvSpPr>
+          <p:cNvPr id="4" name="Espaço Reservado para Número de Slide 3"/>
+          <p:cNvSpPr>
+            <a:spLocks noGrp="1"/>
+          </p:cNvSpPr>
+          <p:nvPr>
+            <p:ph type="sldNum" sz="quarter" idx="5"/>
+          </p:nvPr>
+        </p:nvSpPr>
+        <p:spPr/>
+        <p:txBody>
+          <a:bodyPr/>
+          <a:lstStyle/>
+          <a:p>
+            <a:fld id="{464191B7-E8B3-486D-94CD-E52289BAC6A9}" type="slidenum">
+              <a:rPr lang="pt-BR" smtClean="0"/>
+              <a:t>9</a:t>
+            </a:fld>
+            <a:endParaRPr lang="pt-BR"/>
+          </a:p>
+        </p:txBody>
+      </p:sp>
+    </p:spTree>
+    <p:extLst>
+      <p:ext uri="{BB962C8B-B14F-4D97-AF65-F5344CB8AC3E}">
+        <p14:creationId xmlns:p14="http://schemas.microsoft.com/office/powerpoint/2010/main" val="1474569744"/>
+      </p:ext>
+    </p:extLst>
+  </p:cSld>
+  <p:clrMapOvr>
+    <a:masterClrMapping/>
+  </p:clrMapOvr>
+</p:notes>
+</file>
+
+<file path=ppt/notesSlides/notesSlide6.xml><?xml version="1.0" encoding="utf-8"?>
+<p:notes xmlns:a="http://schemas.openxmlformats.org/drawingml/2006/main" xmlns:r="http://schemas.openxmlformats.org/officeDocument/2006/relationships" xmlns:p="http://schemas.openxmlformats.org/presentationml/2006/main">
+  <p:cSld>
+    <p:spTree>
+      <p:nvGrpSpPr>
+        <p:cNvPr id="1" name=""/>
+        <p:cNvGrpSpPr/>
+        <p:nvPr/>
+      </p:nvGrpSpPr>
+      <p:grpSpPr>
+        <a:xfrm>
+          <a:off x="0" y="0"/>
+          <a:ext cx="0" cy="0"/>
+          <a:chOff x="0" y="0"/>
+          <a:chExt cx="0" cy="0"/>
+        </a:xfrm>
+      </p:grpSpPr>
+      <p:sp>
+        <p:nvSpPr>
+          <p:cNvPr id="2" name="Espaço Reservado para Imagem de Slide 1"/>
+          <p:cNvSpPr>
+            <a:spLocks noGrp="1" noRot="1" noChangeAspect="1"/>
+          </p:cNvSpPr>
+          <p:nvPr>
+            <p:ph type="sldImg"/>
+          </p:nvPr>
+        </p:nvSpPr>
+        <p:spPr/>
+      </p:sp>
+      <p:sp>
+        <p:nvSpPr>
+          <p:cNvPr id="3" name="Espaço Reservado para Anotações 2"/>
+          <p:cNvSpPr>
+            <a:spLocks noGrp="1"/>
+          </p:cNvSpPr>
+          <p:nvPr>
+            <p:ph type="body" idx="1"/>
+          </p:nvPr>
+        </p:nvSpPr>
+        <p:spPr/>
+        <p:txBody>
+          <a:bodyPr/>
+          <a:lstStyle/>
+          <a:p>
+            <a:endParaRPr lang="pt-BR" dirty="0"/>
+          </a:p>
+        </p:txBody>
+      </p:sp>
+      <p:sp>
+        <p:nvSpPr>
+          <p:cNvPr id="4" name="Espaço Reservado para Número de Slide 3"/>
+          <p:cNvSpPr>
+            <a:spLocks noGrp="1"/>
+          </p:cNvSpPr>
+          <p:nvPr>
+            <p:ph type="sldNum" sz="quarter" idx="5"/>
+          </p:nvPr>
+        </p:nvSpPr>
+        <p:spPr/>
+        <p:txBody>
+          <a:bodyPr/>
+          <a:lstStyle/>
+          <a:p>
+            <a:fld id="{464191B7-E8B3-486D-94CD-E52289BAC6A9}" type="slidenum">
+              <a:rPr lang="pt-BR" smtClean="0"/>
+              <a:t>10</a:t>
+            </a:fld>
+            <a:endParaRPr lang="pt-BR"/>
+          </a:p>
+        </p:txBody>
+      </p:sp>
+    </p:spTree>
+    <p:extLst>
+      <p:ext uri="{BB962C8B-B14F-4D97-AF65-F5344CB8AC3E}">
+        <p14:creationId xmlns:p14="http://schemas.microsoft.com/office/powerpoint/2010/main" val="3633950019"/>
+      </p:ext>
+    </p:extLst>
+  </p:cSld>
+  <p:clrMapOvr>
+    <a:masterClrMapping/>
+  </p:clrMapOvr>
+</p:notes>
+</file>
+
+<file path=ppt/notesSlides/notesSlide7.xml><?xml version="1.0" encoding="utf-8"?>
+<p:notes xmlns:a="http://schemas.openxmlformats.org/drawingml/2006/main" xmlns:r="http://schemas.openxmlformats.org/officeDocument/2006/relationships" xmlns:p="http://schemas.openxmlformats.org/presentationml/2006/main">
+  <p:cSld>
+    <p:spTree>
+      <p:nvGrpSpPr>
+        <p:cNvPr id="1" name=""/>
+        <p:cNvGrpSpPr/>
+        <p:nvPr/>
+      </p:nvGrpSpPr>
+      <p:grpSpPr>
+        <a:xfrm>
+          <a:off x="0" y="0"/>
+          <a:ext cx="0" cy="0"/>
+          <a:chOff x="0" y="0"/>
+          <a:chExt cx="0" cy="0"/>
+        </a:xfrm>
+      </p:grpSpPr>
+      <p:sp>
+        <p:nvSpPr>
+          <p:cNvPr id="2" name="Espaço Reservado para Imagem de Slide 1"/>
+          <p:cNvSpPr>
+            <a:spLocks noGrp="1" noRot="1" noChangeAspect="1"/>
+          </p:cNvSpPr>
+          <p:nvPr>
+            <p:ph type="sldImg"/>
+          </p:nvPr>
+        </p:nvSpPr>
+        <p:spPr/>
+      </p:sp>
+      <p:sp>
+        <p:nvSpPr>
+          <p:cNvPr id="3" name="Espaço Reservado para Anotações 2"/>
+          <p:cNvSpPr>
+            <a:spLocks noGrp="1"/>
+          </p:cNvSpPr>
+          <p:nvPr>
+            <p:ph type="body" idx="1"/>
+          </p:nvPr>
+        </p:nvSpPr>
+        <p:spPr/>
+        <p:txBody>
+          <a:bodyPr/>
+          <a:lstStyle/>
+          <a:p>
+            <a:endParaRPr lang="pt-BR" dirty="0"/>
+          </a:p>
+        </p:txBody>
+      </p:sp>
+      <p:sp>
+        <p:nvSpPr>
+          <p:cNvPr id="4" name="Espaço Reservado para Número de Slide 3"/>
+          <p:cNvSpPr>
+            <a:spLocks noGrp="1"/>
+          </p:cNvSpPr>
+          <p:nvPr>
+            <p:ph type="sldNum" sz="quarter" idx="5"/>
+          </p:nvPr>
+        </p:nvSpPr>
+        <p:spPr/>
+        <p:txBody>
+          <a:bodyPr/>
+          <a:lstStyle/>
+          <a:p>
+            <a:fld id="{464191B7-E8B3-486D-94CD-E52289BAC6A9}" type="slidenum">
+              <a:rPr lang="pt-BR" smtClean="0"/>
+              <a:t>11</a:t>
+            </a:fld>
+            <a:endParaRPr lang="pt-BR"/>
+          </a:p>
+        </p:txBody>
+      </p:sp>
+    </p:spTree>
+    <p:extLst>
+      <p:ext uri="{BB962C8B-B14F-4D97-AF65-F5344CB8AC3E}">
+        <p14:creationId xmlns:p14="http://schemas.microsoft.com/office/powerpoint/2010/main" val="3444112061"/>
+      </p:ext>
+    </p:extLst>
+  </p:cSld>
+  <p:clrMapOvr>
+    <a:masterClrMapping/>
+  </p:clrMapOvr>
+</p:notes>
+</file>
+
+<file path=ppt/notesSlides/notesSlide8.xml><?xml version="1.0" encoding="utf-8"?>
+<p:notes xmlns:a="http://schemas.openxmlformats.org/drawingml/2006/main" xmlns:r="http://schemas.openxmlformats.org/officeDocument/2006/relationships" xmlns:p="http://schemas.openxmlformats.org/presentationml/2006/main">
+  <p:cSld>
+    <p:spTree>
+      <p:nvGrpSpPr>
+        <p:cNvPr id="1" name=""/>
+        <p:cNvGrpSpPr/>
+        <p:nvPr/>
+      </p:nvGrpSpPr>
+      <p:grpSpPr>
+        <a:xfrm>
+          <a:off x="0" y="0"/>
+          <a:ext cx="0" cy="0"/>
+          <a:chOff x="0" y="0"/>
+          <a:chExt cx="0" cy="0"/>
+        </a:xfrm>
+      </p:grpSpPr>
+      <p:sp>
+        <p:nvSpPr>
+          <p:cNvPr id="2" name="Espaço Reservado para Imagem de Slide 1"/>
+          <p:cNvSpPr>
+            <a:spLocks noGrp="1" noRot="1" noChangeAspect="1"/>
+          </p:cNvSpPr>
+          <p:nvPr>
+            <p:ph type="sldImg"/>
+          </p:nvPr>
+        </p:nvSpPr>
+        <p:spPr/>
+      </p:sp>
+      <p:sp>
+        <p:nvSpPr>
+          <p:cNvPr id="3" name="Espaço Reservado para Anotações 2"/>
+          <p:cNvSpPr>
+            <a:spLocks noGrp="1"/>
+          </p:cNvSpPr>
+          <p:nvPr>
+            <p:ph type="body" idx="1"/>
+          </p:nvPr>
+        </p:nvSpPr>
+        <p:spPr/>
+        <p:txBody>
+          <a:bodyPr/>
+          <a:lstStyle/>
+          <a:p>
+            <a:endParaRPr lang="pt-BR" dirty="0"/>
+          </a:p>
+        </p:txBody>
+      </p:sp>
+      <p:sp>
+        <p:nvSpPr>
+          <p:cNvPr id="4" name="Espaço Reservado para Número de Slide 3"/>
+          <p:cNvSpPr>
+            <a:spLocks noGrp="1"/>
+          </p:cNvSpPr>
+          <p:nvPr>
+            <p:ph type="sldNum" sz="quarter" idx="5"/>
+          </p:nvPr>
+        </p:nvSpPr>
+        <p:spPr/>
+        <p:txBody>
+          <a:bodyPr/>
+          <a:lstStyle/>
+          <a:p>
+            <a:fld id="{464191B7-E8B3-486D-94CD-E52289BAC6A9}" type="slidenum">
+              <a:rPr lang="pt-BR" smtClean="0"/>
+              <a:t>12</a:t>
+            </a:fld>
+            <a:endParaRPr lang="pt-BR"/>
+          </a:p>
+        </p:txBody>
+      </p:sp>
+    </p:spTree>
+    <p:extLst>
+      <p:ext uri="{BB962C8B-B14F-4D97-AF65-F5344CB8AC3E}">
+        <p14:creationId xmlns:p14="http://schemas.microsoft.com/office/powerpoint/2010/main" val="3289915037"/>
       </p:ext>
     </p:extLst>
   </p:cSld>
@@ -6784,7 +7128,7 @@
         <p:spPr>
           <a:xfrm>
             <a:off x="885511" y="2320206"/>
-            <a:ext cx="8807130" cy="849714"/>
+            <a:ext cx="7071128" cy="540000"/>
           </a:xfrm>
         </p:spPr>
         <p:txBody>
@@ -6802,13 +7146,6299 @@
             </a:r>
             <a:r>
               <a:rPr lang="pt-BR" sz="3200" dirty="0"/>
+              <a:t>Vizinhanças</a:t>
+            </a:r>
+          </a:p>
+        </p:txBody>
+      </p:sp>
+      <p:sp>
+        <p:nvSpPr>
+          <p:cNvPr id="8" name="CaixaDeTexto 7">
+            <a:extLst>
+              <a:ext uri="{FF2B5EF4-FFF2-40B4-BE49-F238E27FC236}">
+                <a16:creationId xmlns:a16="http://schemas.microsoft.com/office/drawing/2014/main" id="{47369606-71A7-4D2A-9403-98734EC8CF4E}"/>
+              </a:ext>
+            </a:extLst>
+          </p:cNvPr>
+          <p:cNvSpPr txBox="1"/>
+          <p:nvPr/>
+        </p:nvSpPr>
+        <p:spPr>
+          <a:xfrm>
+            <a:off x="1612621" y="2861730"/>
+            <a:ext cx="2976880" cy="584775"/>
+          </a:xfrm>
+          <a:prstGeom prst="rect">
+            <a:avLst/>
+          </a:prstGeom>
+          <a:noFill/>
+        </p:spPr>
+        <p:txBody>
+          <a:bodyPr wrap="square" rtlCol="0">
+            <a:spAutoFit/>
+          </a:bodyPr>
+          <a:lstStyle/>
+          <a:p>
+            <a:r>
+              <a:rPr lang="pt-BR" sz="3200" b="1" dirty="0"/>
+              <a:t>Swap </a:t>
+            </a:r>
+          </a:p>
+        </p:txBody>
+      </p:sp>
+      <p:sp>
+        <p:nvSpPr>
+          <p:cNvPr id="13" name="Elipse 12">
+            <a:extLst>
+              <a:ext uri="{FF2B5EF4-FFF2-40B4-BE49-F238E27FC236}">
+                <a16:creationId xmlns:a16="http://schemas.microsoft.com/office/drawing/2014/main" id="{785487F0-5C84-4360-A2A1-2FF74F902BDE}"/>
+              </a:ext>
+            </a:extLst>
+          </p:cNvPr>
+          <p:cNvSpPr/>
+          <p:nvPr/>
+        </p:nvSpPr>
+        <p:spPr>
+          <a:xfrm>
+            <a:off x="4892069" y="3435701"/>
+            <a:ext cx="540000" cy="540000"/>
+          </a:xfrm>
+          <a:prstGeom prst="ellipse">
+            <a:avLst/>
+          </a:prstGeom>
+          <a:solidFill>
+            <a:srgbClr val="FF4E00">
+              <a:alpha val="75000"/>
+            </a:srgbClr>
+          </a:solidFill>
+          <a:ln w="18000">
+            <a:solidFill>
+              <a:srgbClr val="FF4E00"/>
+            </a:solidFill>
+          </a:ln>
+        </p:spPr>
+        <p:style>
+          <a:lnRef idx="2">
+            <a:schemeClr val="accent1">
+              <a:shade val="50000"/>
+            </a:schemeClr>
+          </a:lnRef>
+          <a:fillRef idx="1">
+            <a:schemeClr val="accent1"/>
+          </a:fillRef>
+          <a:effectRef idx="0">
+            <a:schemeClr val="accent1"/>
+          </a:effectRef>
+          <a:fontRef idx="minor">
+            <a:schemeClr val="lt1"/>
+          </a:fontRef>
+        </p:style>
+        <p:txBody>
+          <a:bodyPr rtlCol="0" anchor="ctr"/>
+          <a:lstStyle/>
+          <a:p>
+            <a:pPr algn="ctr"/>
+            <a:endParaRPr lang="pt-BR">
+              <a:solidFill>
+                <a:srgbClr val="FF4E00"/>
+              </a:solidFill>
+            </a:endParaRPr>
+          </a:p>
+        </p:txBody>
+      </p:sp>
+      <p:sp>
+        <p:nvSpPr>
+          <p:cNvPr id="15" name="Elipse 14">
+            <a:extLst>
+              <a:ext uri="{FF2B5EF4-FFF2-40B4-BE49-F238E27FC236}">
+                <a16:creationId xmlns:a16="http://schemas.microsoft.com/office/drawing/2014/main" id="{53D3B27A-BACF-4A1C-93D4-5FFFEE49BE29}"/>
+              </a:ext>
+            </a:extLst>
+          </p:cNvPr>
+          <p:cNvSpPr/>
+          <p:nvPr/>
+        </p:nvSpPr>
+        <p:spPr>
+          <a:xfrm>
+            <a:off x="5765829" y="3435701"/>
+            <a:ext cx="540000" cy="540000"/>
+          </a:xfrm>
+          <a:prstGeom prst="ellipse">
+            <a:avLst/>
+          </a:prstGeom>
+          <a:solidFill>
+            <a:srgbClr val="FF4E00">
+              <a:alpha val="75000"/>
+            </a:srgbClr>
+          </a:solidFill>
+          <a:ln w="18000">
+            <a:solidFill>
+              <a:srgbClr val="FF4E00"/>
+            </a:solidFill>
+          </a:ln>
+        </p:spPr>
+        <p:style>
+          <a:lnRef idx="2">
+            <a:schemeClr val="accent1">
+              <a:shade val="50000"/>
+            </a:schemeClr>
+          </a:lnRef>
+          <a:fillRef idx="1">
+            <a:schemeClr val="accent1"/>
+          </a:fillRef>
+          <a:effectRef idx="0">
+            <a:schemeClr val="accent1"/>
+          </a:effectRef>
+          <a:fontRef idx="minor">
+            <a:schemeClr val="lt1"/>
+          </a:fontRef>
+        </p:style>
+        <p:txBody>
+          <a:bodyPr rtlCol="0" anchor="ctr"/>
+          <a:lstStyle/>
+          <a:p>
+            <a:pPr algn="ctr"/>
+            <a:endParaRPr lang="pt-BR">
+              <a:solidFill>
+                <a:srgbClr val="FF4E00"/>
+              </a:solidFill>
+            </a:endParaRPr>
+          </a:p>
+        </p:txBody>
+      </p:sp>
+      <p:sp>
+        <p:nvSpPr>
+          <p:cNvPr id="17" name="Elipse 16">
+            <a:extLst>
+              <a:ext uri="{FF2B5EF4-FFF2-40B4-BE49-F238E27FC236}">
+                <a16:creationId xmlns:a16="http://schemas.microsoft.com/office/drawing/2014/main" id="{9F2E3B3A-E616-42E7-9538-A98D22F3F07A}"/>
+              </a:ext>
+            </a:extLst>
+          </p:cNvPr>
+          <p:cNvSpPr/>
+          <p:nvPr/>
+        </p:nvSpPr>
+        <p:spPr>
+          <a:xfrm>
+            <a:off x="6667029" y="3435701"/>
+            <a:ext cx="540000" cy="540000"/>
+          </a:xfrm>
+          <a:prstGeom prst="ellipse">
+            <a:avLst/>
+          </a:prstGeom>
+          <a:solidFill>
+            <a:srgbClr val="FF4E00">
+              <a:alpha val="75000"/>
+            </a:srgbClr>
+          </a:solidFill>
+          <a:ln w="18000">
+            <a:solidFill>
+              <a:srgbClr val="FF4E00"/>
+            </a:solidFill>
+          </a:ln>
+        </p:spPr>
+        <p:style>
+          <a:lnRef idx="2">
+            <a:schemeClr val="accent1">
+              <a:shade val="50000"/>
+            </a:schemeClr>
+          </a:lnRef>
+          <a:fillRef idx="1">
+            <a:schemeClr val="accent1"/>
+          </a:fillRef>
+          <a:effectRef idx="0">
+            <a:schemeClr val="accent1"/>
+          </a:effectRef>
+          <a:fontRef idx="minor">
+            <a:schemeClr val="lt1"/>
+          </a:fontRef>
+        </p:style>
+        <p:txBody>
+          <a:bodyPr rtlCol="0" anchor="ctr"/>
+          <a:lstStyle/>
+          <a:p>
+            <a:pPr algn="ctr"/>
+            <a:endParaRPr lang="pt-BR">
+              <a:solidFill>
+                <a:srgbClr val="FF4E00"/>
+              </a:solidFill>
+            </a:endParaRPr>
+          </a:p>
+        </p:txBody>
+      </p:sp>
+      <p:sp>
+        <p:nvSpPr>
+          <p:cNvPr id="18" name="Elipse 17">
+            <a:extLst>
+              <a:ext uri="{FF2B5EF4-FFF2-40B4-BE49-F238E27FC236}">
+                <a16:creationId xmlns:a16="http://schemas.microsoft.com/office/drawing/2014/main" id="{AF7D96C6-F82E-4619-AC46-97C610389364}"/>
+              </a:ext>
+            </a:extLst>
+          </p:cNvPr>
+          <p:cNvSpPr/>
+          <p:nvPr/>
+        </p:nvSpPr>
+        <p:spPr>
+          <a:xfrm>
+            <a:off x="7544869" y="3435701"/>
+            <a:ext cx="540000" cy="540000"/>
+          </a:xfrm>
+          <a:prstGeom prst="ellipse">
+            <a:avLst/>
+          </a:prstGeom>
+          <a:solidFill>
+            <a:srgbClr val="FF4E00">
+              <a:alpha val="75000"/>
+            </a:srgbClr>
+          </a:solidFill>
+          <a:ln w="18000">
+            <a:solidFill>
+              <a:srgbClr val="FF4E00"/>
+            </a:solidFill>
+          </a:ln>
+        </p:spPr>
+        <p:style>
+          <a:lnRef idx="2">
+            <a:schemeClr val="accent1">
+              <a:shade val="50000"/>
+            </a:schemeClr>
+          </a:lnRef>
+          <a:fillRef idx="1">
+            <a:schemeClr val="accent1"/>
+          </a:fillRef>
+          <a:effectRef idx="0">
+            <a:schemeClr val="accent1"/>
+          </a:effectRef>
+          <a:fontRef idx="minor">
+            <a:schemeClr val="lt1"/>
+          </a:fontRef>
+        </p:style>
+        <p:txBody>
+          <a:bodyPr rtlCol="0" anchor="ctr"/>
+          <a:lstStyle/>
+          <a:p>
+            <a:pPr algn="ctr"/>
+            <a:endParaRPr lang="pt-BR">
+              <a:solidFill>
+                <a:srgbClr val="FF4E00"/>
+              </a:solidFill>
+            </a:endParaRPr>
+          </a:p>
+        </p:txBody>
+      </p:sp>
+      <p:sp>
+        <p:nvSpPr>
+          <p:cNvPr id="19" name="Elipse 18">
+            <a:extLst>
+              <a:ext uri="{FF2B5EF4-FFF2-40B4-BE49-F238E27FC236}">
+                <a16:creationId xmlns:a16="http://schemas.microsoft.com/office/drawing/2014/main" id="{96C93668-5640-4344-B5AE-E2A185314D13}"/>
+              </a:ext>
+            </a:extLst>
+          </p:cNvPr>
+          <p:cNvSpPr/>
+          <p:nvPr/>
+        </p:nvSpPr>
+        <p:spPr>
+          <a:xfrm>
+            <a:off x="8422709" y="3435701"/>
+            <a:ext cx="540000" cy="540000"/>
+          </a:xfrm>
+          <a:prstGeom prst="ellipse">
+            <a:avLst/>
+          </a:prstGeom>
+          <a:solidFill>
+            <a:srgbClr val="FF4E00">
+              <a:alpha val="75000"/>
+            </a:srgbClr>
+          </a:solidFill>
+          <a:ln w="18000">
+            <a:solidFill>
+              <a:srgbClr val="FF4E00"/>
+            </a:solidFill>
+          </a:ln>
+        </p:spPr>
+        <p:style>
+          <a:lnRef idx="2">
+            <a:schemeClr val="accent1">
+              <a:shade val="50000"/>
+            </a:schemeClr>
+          </a:lnRef>
+          <a:fillRef idx="1">
+            <a:schemeClr val="accent1"/>
+          </a:fillRef>
+          <a:effectRef idx="0">
+            <a:schemeClr val="accent1"/>
+          </a:effectRef>
+          <a:fontRef idx="minor">
+            <a:schemeClr val="lt1"/>
+          </a:fontRef>
+        </p:style>
+        <p:txBody>
+          <a:bodyPr rtlCol="0" anchor="ctr"/>
+          <a:lstStyle/>
+          <a:p>
+            <a:pPr algn="ctr"/>
+            <a:endParaRPr lang="pt-BR">
+              <a:solidFill>
+                <a:srgbClr val="FF4E00"/>
+              </a:solidFill>
+            </a:endParaRPr>
+          </a:p>
+        </p:txBody>
+      </p:sp>
+      <p:sp>
+        <p:nvSpPr>
+          <p:cNvPr id="20" name="Elipse 19">
+            <a:extLst>
+              <a:ext uri="{FF2B5EF4-FFF2-40B4-BE49-F238E27FC236}">
+                <a16:creationId xmlns:a16="http://schemas.microsoft.com/office/drawing/2014/main" id="{99B8FA62-104A-4FE0-ACE6-3530CD5A1BEB}"/>
+              </a:ext>
+            </a:extLst>
+          </p:cNvPr>
+          <p:cNvSpPr/>
+          <p:nvPr/>
+        </p:nvSpPr>
+        <p:spPr>
+          <a:xfrm>
+            <a:off x="9300549" y="3435701"/>
+            <a:ext cx="540000" cy="540000"/>
+          </a:xfrm>
+          <a:prstGeom prst="ellipse">
+            <a:avLst/>
+          </a:prstGeom>
+          <a:solidFill>
+            <a:srgbClr val="FF4E00">
+              <a:alpha val="75000"/>
+            </a:srgbClr>
+          </a:solidFill>
+          <a:ln w="18000">
+            <a:solidFill>
+              <a:srgbClr val="FF4E00"/>
+            </a:solidFill>
+          </a:ln>
+        </p:spPr>
+        <p:style>
+          <a:lnRef idx="2">
+            <a:schemeClr val="accent1">
+              <a:shade val="50000"/>
+            </a:schemeClr>
+          </a:lnRef>
+          <a:fillRef idx="1">
+            <a:schemeClr val="accent1"/>
+          </a:fillRef>
+          <a:effectRef idx="0">
+            <a:schemeClr val="accent1"/>
+          </a:effectRef>
+          <a:fontRef idx="minor">
+            <a:schemeClr val="lt1"/>
+          </a:fontRef>
+        </p:style>
+        <p:txBody>
+          <a:bodyPr rtlCol="0" anchor="ctr"/>
+          <a:lstStyle/>
+          <a:p>
+            <a:pPr algn="ctr"/>
+            <a:endParaRPr lang="pt-BR">
+              <a:solidFill>
+                <a:srgbClr val="FF4E00"/>
+              </a:solidFill>
+            </a:endParaRPr>
+          </a:p>
+        </p:txBody>
+      </p:sp>
+      <p:sp>
+        <p:nvSpPr>
+          <p:cNvPr id="23" name="CaixaDeTexto 22">
+            <a:extLst>
+              <a:ext uri="{FF2B5EF4-FFF2-40B4-BE49-F238E27FC236}">
+                <a16:creationId xmlns:a16="http://schemas.microsoft.com/office/drawing/2014/main" id="{8509AA95-C6E4-43A8-A526-B009C9D24EC3}"/>
+              </a:ext>
+            </a:extLst>
+          </p:cNvPr>
+          <p:cNvSpPr txBox="1"/>
+          <p:nvPr/>
+        </p:nvSpPr>
+        <p:spPr>
+          <a:xfrm>
+            <a:off x="5007527" y="3521035"/>
+            <a:ext cx="309084" cy="369332"/>
+          </a:xfrm>
+          <a:prstGeom prst="rect">
+            <a:avLst/>
+          </a:prstGeom>
+          <a:noFill/>
+        </p:spPr>
+        <p:txBody>
+          <a:bodyPr wrap="square" rtlCol="0">
+            <a:spAutoFit/>
+          </a:bodyPr>
+          <a:lstStyle/>
+          <a:p>
+            <a:r>
+              <a:rPr lang="pt-BR" dirty="0"/>
+              <a:t>0</a:t>
+            </a:r>
+          </a:p>
+        </p:txBody>
+      </p:sp>
+      <p:sp>
+        <p:nvSpPr>
+          <p:cNvPr id="24" name="CaixaDeTexto 23">
+            <a:extLst>
+              <a:ext uri="{FF2B5EF4-FFF2-40B4-BE49-F238E27FC236}">
+                <a16:creationId xmlns:a16="http://schemas.microsoft.com/office/drawing/2014/main" id="{FE5ABF49-0B8E-4ACE-A80F-4C9C1AE0CC25}"/>
+              </a:ext>
+            </a:extLst>
+          </p:cNvPr>
+          <p:cNvSpPr txBox="1"/>
+          <p:nvPr/>
+        </p:nvSpPr>
+        <p:spPr>
+          <a:xfrm>
+            <a:off x="5881287" y="3521035"/>
+            <a:ext cx="309084" cy="369332"/>
+          </a:xfrm>
+          <a:prstGeom prst="rect">
+            <a:avLst/>
+          </a:prstGeom>
+          <a:noFill/>
+        </p:spPr>
+        <p:txBody>
+          <a:bodyPr wrap="square" rtlCol="0">
+            <a:spAutoFit/>
+          </a:bodyPr>
+          <a:lstStyle/>
+          <a:p>
+            <a:r>
+              <a:rPr lang="pt-BR" dirty="0"/>
+              <a:t>1</a:t>
+            </a:r>
+          </a:p>
+        </p:txBody>
+      </p:sp>
+      <p:sp>
+        <p:nvSpPr>
+          <p:cNvPr id="25" name="CaixaDeTexto 24">
+            <a:extLst>
+              <a:ext uri="{FF2B5EF4-FFF2-40B4-BE49-F238E27FC236}">
+                <a16:creationId xmlns:a16="http://schemas.microsoft.com/office/drawing/2014/main" id="{C6FCC04B-B5F7-41B2-9097-4A5C4CF2D810}"/>
+              </a:ext>
+            </a:extLst>
+          </p:cNvPr>
+          <p:cNvSpPr txBox="1"/>
+          <p:nvPr/>
+        </p:nvSpPr>
+        <p:spPr>
+          <a:xfrm>
+            <a:off x="6782487" y="3521035"/>
+            <a:ext cx="309084" cy="369332"/>
+          </a:xfrm>
+          <a:prstGeom prst="rect">
+            <a:avLst/>
+          </a:prstGeom>
+          <a:noFill/>
+        </p:spPr>
+        <p:txBody>
+          <a:bodyPr wrap="square" rtlCol="0">
+            <a:spAutoFit/>
+          </a:bodyPr>
+          <a:lstStyle/>
+          <a:p>
+            <a:r>
+              <a:rPr lang="pt-BR" dirty="0"/>
+              <a:t>2</a:t>
+            </a:r>
+          </a:p>
+        </p:txBody>
+      </p:sp>
+      <p:sp>
+        <p:nvSpPr>
+          <p:cNvPr id="26" name="CaixaDeTexto 25">
+            <a:extLst>
+              <a:ext uri="{FF2B5EF4-FFF2-40B4-BE49-F238E27FC236}">
+                <a16:creationId xmlns:a16="http://schemas.microsoft.com/office/drawing/2014/main" id="{6D9D7ACA-D931-48C8-AE74-C893D0CF40EC}"/>
+              </a:ext>
+            </a:extLst>
+          </p:cNvPr>
+          <p:cNvSpPr txBox="1"/>
+          <p:nvPr/>
+        </p:nvSpPr>
+        <p:spPr>
+          <a:xfrm>
+            <a:off x="7660327" y="3521035"/>
+            <a:ext cx="309084" cy="369332"/>
+          </a:xfrm>
+          <a:prstGeom prst="rect">
+            <a:avLst/>
+          </a:prstGeom>
+          <a:noFill/>
+        </p:spPr>
+        <p:txBody>
+          <a:bodyPr wrap="square" rtlCol="0">
+            <a:spAutoFit/>
+          </a:bodyPr>
+          <a:lstStyle/>
+          <a:p>
+            <a:r>
+              <a:rPr lang="pt-BR" dirty="0"/>
+              <a:t>3</a:t>
+            </a:r>
+          </a:p>
+        </p:txBody>
+      </p:sp>
+      <p:sp>
+        <p:nvSpPr>
+          <p:cNvPr id="27" name="CaixaDeTexto 26">
+            <a:extLst>
+              <a:ext uri="{FF2B5EF4-FFF2-40B4-BE49-F238E27FC236}">
+                <a16:creationId xmlns:a16="http://schemas.microsoft.com/office/drawing/2014/main" id="{D3BDDC9A-C5C1-4A8C-BA82-5F9C49C56152}"/>
+              </a:ext>
+            </a:extLst>
+          </p:cNvPr>
+          <p:cNvSpPr txBox="1"/>
+          <p:nvPr/>
+        </p:nvSpPr>
+        <p:spPr>
+          <a:xfrm>
+            <a:off x="8538167" y="3521035"/>
+            <a:ext cx="309084" cy="369332"/>
+          </a:xfrm>
+          <a:prstGeom prst="rect">
+            <a:avLst/>
+          </a:prstGeom>
+          <a:noFill/>
+        </p:spPr>
+        <p:txBody>
+          <a:bodyPr wrap="square" rtlCol="0">
+            <a:spAutoFit/>
+          </a:bodyPr>
+          <a:lstStyle/>
+          <a:p>
+            <a:r>
+              <a:rPr lang="pt-BR" dirty="0"/>
+              <a:t>4</a:t>
+            </a:r>
+          </a:p>
+        </p:txBody>
+      </p:sp>
+      <p:sp>
+        <p:nvSpPr>
+          <p:cNvPr id="28" name="CaixaDeTexto 27">
+            <a:extLst>
+              <a:ext uri="{FF2B5EF4-FFF2-40B4-BE49-F238E27FC236}">
+                <a16:creationId xmlns:a16="http://schemas.microsoft.com/office/drawing/2014/main" id="{9DD02DE4-DE23-4F40-857D-C4439FCD9DCF}"/>
+              </a:ext>
+            </a:extLst>
+          </p:cNvPr>
+          <p:cNvSpPr txBox="1"/>
+          <p:nvPr/>
+        </p:nvSpPr>
+        <p:spPr>
+          <a:xfrm>
+            <a:off x="9424568" y="3521035"/>
+            <a:ext cx="309084" cy="369332"/>
+          </a:xfrm>
+          <a:prstGeom prst="rect">
+            <a:avLst/>
+          </a:prstGeom>
+          <a:noFill/>
+        </p:spPr>
+        <p:txBody>
+          <a:bodyPr wrap="square" rtlCol="0">
+            <a:spAutoFit/>
+          </a:bodyPr>
+          <a:lstStyle/>
+          <a:p>
+            <a:r>
+              <a:rPr lang="pt-BR" dirty="0"/>
+              <a:t>0</a:t>
+            </a:r>
+          </a:p>
+        </p:txBody>
+      </p:sp>
+      <p:sp>
+        <p:nvSpPr>
+          <p:cNvPr id="29" name="CaixaDeTexto 28">
+            <a:extLst>
+              <a:ext uri="{FF2B5EF4-FFF2-40B4-BE49-F238E27FC236}">
+                <a16:creationId xmlns:a16="http://schemas.microsoft.com/office/drawing/2014/main" id="{A0596966-7710-43AF-A26D-4B87970DF133}"/>
+              </a:ext>
+            </a:extLst>
+          </p:cNvPr>
+          <p:cNvSpPr txBox="1"/>
+          <p:nvPr/>
+        </p:nvSpPr>
+        <p:spPr>
+          <a:xfrm>
+            <a:off x="1741651" y="3516550"/>
+            <a:ext cx="2506701" cy="461665"/>
+          </a:xfrm>
+          <a:prstGeom prst="rect">
+            <a:avLst/>
+          </a:prstGeom>
+          <a:noFill/>
+        </p:spPr>
+        <p:txBody>
+          <a:bodyPr wrap="square" rtlCol="0">
+            <a:spAutoFit/>
+          </a:bodyPr>
+          <a:lstStyle/>
+          <a:p>
+            <a:r>
+              <a:rPr lang="pt-BR" sz="2400" dirty="0"/>
+              <a:t>Solução Base: </a:t>
+            </a:r>
+          </a:p>
+        </p:txBody>
+      </p:sp>
+      <p:sp>
+        <p:nvSpPr>
+          <p:cNvPr id="21" name="Elipse 20">
+            <a:extLst>
+              <a:ext uri="{FF2B5EF4-FFF2-40B4-BE49-F238E27FC236}">
+                <a16:creationId xmlns:a16="http://schemas.microsoft.com/office/drawing/2014/main" id="{1AB6AE12-B53A-4828-973F-1C2AC8BDFE42}"/>
+              </a:ext>
+            </a:extLst>
+          </p:cNvPr>
+          <p:cNvSpPr/>
+          <p:nvPr/>
+        </p:nvSpPr>
+        <p:spPr>
+          <a:xfrm>
+            <a:off x="4892069" y="4271333"/>
+            <a:ext cx="540000" cy="540000"/>
+          </a:xfrm>
+          <a:prstGeom prst="ellipse">
+            <a:avLst/>
+          </a:prstGeom>
+          <a:solidFill>
+            <a:srgbClr val="92D050">
+              <a:alpha val="75000"/>
+            </a:srgbClr>
+          </a:solidFill>
+          <a:ln w="18000">
+            <a:solidFill>
+              <a:schemeClr val="accent4">
+                <a:lumMod val="75000"/>
+              </a:schemeClr>
+            </a:solidFill>
+          </a:ln>
+        </p:spPr>
+        <p:style>
+          <a:lnRef idx="2">
+            <a:schemeClr val="accent1">
+              <a:shade val="50000"/>
+            </a:schemeClr>
+          </a:lnRef>
+          <a:fillRef idx="1">
+            <a:schemeClr val="accent1"/>
+          </a:fillRef>
+          <a:effectRef idx="0">
+            <a:schemeClr val="accent1"/>
+          </a:effectRef>
+          <a:fontRef idx="minor">
+            <a:schemeClr val="lt1"/>
+          </a:fontRef>
+        </p:style>
+        <p:txBody>
+          <a:bodyPr rtlCol="0" anchor="ctr"/>
+          <a:lstStyle/>
+          <a:p>
+            <a:pPr algn="ctr"/>
+            <a:endParaRPr lang="pt-BR">
+              <a:solidFill>
+                <a:srgbClr val="FF4E00"/>
+              </a:solidFill>
+            </a:endParaRPr>
+          </a:p>
+        </p:txBody>
+      </p:sp>
+      <p:sp>
+        <p:nvSpPr>
+          <p:cNvPr id="22" name="Elipse 21">
+            <a:extLst>
+              <a:ext uri="{FF2B5EF4-FFF2-40B4-BE49-F238E27FC236}">
+                <a16:creationId xmlns:a16="http://schemas.microsoft.com/office/drawing/2014/main" id="{E593263C-893F-43A8-8AD8-C10D915E7FC5}"/>
+              </a:ext>
+            </a:extLst>
+          </p:cNvPr>
+          <p:cNvSpPr/>
+          <p:nvPr/>
+        </p:nvSpPr>
+        <p:spPr>
+          <a:xfrm>
+            <a:off x="5765829" y="4271333"/>
+            <a:ext cx="540000" cy="540000"/>
+          </a:xfrm>
+          <a:prstGeom prst="ellipse">
+            <a:avLst/>
+          </a:prstGeom>
+          <a:solidFill>
+            <a:srgbClr val="92D050">
+              <a:alpha val="75000"/>
+            </a:srgbClr>
+          </a:solidFill>
+          <a:ln w="18000">
+            <a:solidFill>
+              <a:schemeClr val="accent4">
+                <a:lumMod val="75000"/>
+              </a:schemeClr>
+            </a:solidFill>
+          </a:ln>
+        </p:spPr>
+        <p:style>
+          <a:lnRef idx="2">
+            <a:schemeClr val="accent1">
+              <a:shade val="50000"/>
+            </a:schemeClr>
+          </a:lnRef>
+          <a:fillRef idx="1">
+            <a:schemeClr val="accent1"/>
+          </a:fillRef>
+          <a:effectRef idx="0">
+            <a:schemeClr val="accent1"/>
+          </a:effectRef>
+          <a:fontRef idx="minor">
+            <a:schemeClr val="lt1"/>
+          </a:fontRef>
+        </p:style>
+        <p:txBody>
+          <a:bodyPr rtlCol="0" anchor="ctr"/>
+          <a:lstStyle/>
+          <a:p>
+            <a:pPr algn="ctr"/>
+            <a:endParaRPr lang="pt-BR">
+              <a:solidFill>
+                <a:srgbClr val="FF4E00"/>
+              </a:solidFill>
+            </a:endParaRPr>
+          </a:p>
+        </p:txBody>
+      </p:sp>
+      <p:sp>
+        <p:nvSpPr>
+          <p:cNvPr id="30" name="Elipse 29">
+            <a:extLst>
+              <a:ext uri="{FF2B5EF4-FFF2-40B4-BE49-F238E27FC236}">
+                <a16:creationId xmlns:a16="http://schemas.microsoft.com/office/drawing/2014/main" id="{088E2976-0775-4241-8F99-6565C08094E3}"/>
+              </a:ext>
+            </a:extLst>
+          </p:cNvPr>
+          <p:cNvSpPr/>
+          <p:nvPr/>
+        </p:nvSpPr>
+        <p:spPr>
+          <a:xfrm>
+            <a:off x="6667029" y="4271333"/>
+            <a:ext cx="540000" cy="540000"/>
+          </a:xfrm>
+          <a:prstGeom prst="ellipse">
+            <a:avLst/>
+          </a:prstGeom>
+          <a:solidFill>
+            <a:srgbClr val="92D050">
+              <a:alpha val="75000"/>
+            </a:srgbClr>
+          </a:solidFill>
+          <a:ln w="18000">
+            <a:solidFill>
+              <a:schemeClr val="accent4">
+                <a:lumMod val="75000"/>
+              </a:schemeClr>
+            </a:solidFill>
+          </a:ln>
+        </p:spPr>
+        <p:style>
+          <a:lnRef idx="2">
+            <a:schemeClr val="accent1">
+              <a:shade val="50000"/>
+            </a:schemeClr>
+          </a:lnRef>
+          <a:fillRef idx="1">
+            <a:schemeClr val="accent1"/>
+          </a:fillRef>
+          <a:effectRef idx="0">
+            <a:schemeClr val="accent1"/>
+          </a:effectRef>
+          <a:fontRef idx="minor">
+            <a:schemeClr val="lt1"/>
+          </a:fontRef>
+        </p:style>
+        <p:txBody>
+          <a:bodyPr rtlCol="0" anchor="ctr"/>
+          <a:lstStyle/>
+          <a:p>
+            <a:pPr algn="ctr"/>
+            <a:endParaRPr lang="pt-BR">
+              <a:solidFill>
+                <a:srgbClr val="FF4E00"/>
+              </a:solidFill>
+            </a:endParaRPr>
+          </a:p>
+        </p:txBody>
+      </p:sp>
+      <p:sp>
+        <p:nvSpPr>
+          <p:cNvPr id="31" name="Elipse 30">
+            <a:extLst>
+              <a:ext uri="{FF2B5EF4-FFF2-40B4-BE49-F238E27FC236}">
+                <a16:creationId xmlns:a16="http://schemas.microsoft.com/office/drawing/2014/main" id="{08B4D1EE-8255-4107-9B16-DF754D69B16D}"/>
+              </a:ext>
+            </a:extLst>
+          </p:cNvPr>
+          <p:cNvSpPr/>
+          <p:nvPr/>
+        </p:nvSpPr>
+        <p:spPr>
+          <a:xfrm>
+            <a:off x="7544869" y="4271333"/>
+            <a:ext cx="540000" cy="540000"/>
+          </a:xfrm>
+          <a:prstGeom prst="ellipse">
+            <a:avLst/>
+          </a:prstGeom>
+          <a:solidFill>
+            <a:srgbClr val="92D050">
+              <a:alpha val="75000"/>
+            </a:srgbClr>
+          </a:solidFill>
+          <a:ln w="18000">
+            <a:solidFill>
+              <a:schemeClr val="accent4">
+                <a:lumMod val="75000"/>
+              </a:schemeClr>
+            </a:solidFill>
+          </a:ln>
+        </p:spPr>
+        <p:style>
+          <a:lnRef idx="2">
+            <a:schemeClr val="accent1">
+              <a:shade val="50000"/>
+            </a:schemeClr>
+          </a:lnRef>
+          <a:fillRef idx="1">
+            <a:schemeClr val="accent1"/>
+          </a:fillRef>
+          <a:effectRef idx="0">
+            <a:schemeClr val="accent1"/>
+          </a:effectRef>
+          <a:fontRef idx="minor">
+            <a:schemeClr val="lt1"/>
+          </a:fontRef>
+        </p:style>
+        <p:txBody>
+          <a:bodyPr rtlCol="0" anchor="ctr"/>
+          <a:lstStyle/>
+          <a:p>
+            <a:pPr algn="ctr"/>
+            <a:endParaRPr lang="pt-BR">
+              <a:solidFill>
+                <a:srgbClr val="FF4E00"/>
+              </a:solidFill>
+            </a:endParaRPr>
+          </a:p>
+        </p:txBody>
+      </p:sp>
+      <p:sp>
+        <p:nvSpPr>
+          <p:cNvPr id="32" name="Elipse 31">
+            <a:extLst>
+              <a:ext uri="{FF2B5EF4-FFF2-40B4-BE49-F238E27FC236}">
+                <a16:creationId xmlns:a16="http://schemas.microsoft.com/office/drawing/2014/main" id="{23AA115E-5162-41D9-BD01-C2C2277B50AE}"/>
+              </a:ext>
+            </a:extLst>
+          </p:cNvPr>
+          <p:cNvSpPr/>
+          <p:nvPr/>
+        </p:nvSpPr>
+        <p:spPr>
+          <a:xfrm>
+            <a:off x="8422709" y="4271333"/>
+            <a:ext cx="540000" cy="540000"/>
+          </a:xfrm>
+          <a:prstGeom prst="ellipse">
+            <a:avLst/>
+          </a:prstGeom>
+          <a:solidFill>
+            <a:srgbClr val="92D050">
+              <a:alpha val="75000"/>
+            </a:srgbClr>
+          </a:solidFill>
+          <a:ln w="18000">
+            <a:solidFill>
+              <a:schemeClr val="accent4">
+                <a:lumMod val="75000"/>
+              </a:schemeClr>
+            </a:solidFill>
+          </a:ln>
+        </p:spPr>
+        <p:style>
+          <a:lnRef idx="2">
+            <a:schemeClr val="accent1">
+              <a:shade val="50000"/>
+            </a:schemeClr>
+          </a:lnRef>
+          <a:fillRef idx="1">
+            <a:schemeClr val="accent1"/>
+          </a:fillRef>
+          <a:effectRef idx="0">
+            <a:schemeClr val="accent1"/>
+          </a:effectRef>
+          <a:fontRef idx="minor">
+            <a:schemeClr val="lt1"/>
+          </a:fontRef>
+        </p:style>
+        <p:txBody>
+          <a:bodyPr rtlCol="0" anchor="ctr"/>
+          <a:lstStyle/>
+          <a:p>
+            <a:pPr algn="ctr"/>
+            <a:endParaRPr lang="pt-BR">
+              <a:solidFill>
+                <a:srgbClr val="FF4E00"/>
+              </a:solidFill>
+            </a:endParaRPr>
+          </a:p>
+        </p:txBody>
+      </p:sp>
+      <p:sp>
+        <p:nvSpPr>
+          <p:cNvPr id="33" name="Elipse 32">
+            <a:extLst>
+              <a:ext uri="{FF2B5EF4-FFF2-40B4-BE49-F238E27FC236}">
+                <a16:creationId xmlns:a16="http://schemas.microsoft.com/office/drawing/2014/main" id="{92EF68B2-33A8-4988-97B3-C1207D97B869}"/>
+              </a:ext>
+            </a:extLst>
+          </p:cNvPr>
+          <p:cNvSpPr/>
+          <p:nvPr/>
+        </p:nvSpPr>
+        <p:spPr>
+          <a:xfrm>
+            <a:off x="9300549" y="4271333"/>
+            <a:ext cx="540000" cy="540000"/>
+          </a:xfrm>
+          <a:prstGeom prst="ellipse">
+            <a:avLst/>
+          </a:prstGeom>
+          <a:solidFill>
+            <a:srgbClr val="92D050">
+              <a:alpha val="75000"/>
+            </a:srgbClr>
+          </a:solidFill>
+          <a:ln w="18000">
+            <a:solidFill>
+              <a:schemeClr val="accent4">
+                <a:lumMod val="75000"/>
+              </a:schemeClr>
+            </a:solidFill>
+          </a:ln>
+        </p:spPr>
+        <p:style>
+          <a:lnRef idx="2">
+            <a:schemeClr val="accent1">
+              <a:shade val="50000"/>
+            </a:schemeClr>
+          </a:lnRef>
+          <a:fillRef idx="1">
+            <a:schemeClr val="accent1"/>
+          </a:fillRef>
+          <a:effectRef idx="0">
+            <a:schemeClr val="accent1"/>
+          </a:effectRef>
+          <a:fontRef idx="minor">
+            <a:schemeClr val="lt1"/>
+          </a:fontRef>
+        </p:style>
+        <p:txBody>
+          <a:bodyPr rtlCol="0" anchor="ctr"/>
+          <a:lstStyle/>
+          <a:p>
+            <a:pPr algn="ctr"/>
+            <a:endParaRPr lang="pt-BR">
+              <a:solidFill>
+                <a:srgbClr val="FF4E00"/>
+              </a:solidFill>
+            </a:endParaRPr>
+          </a:p>
+        </p:txBody>
+      </p:sp>
+      <p:sp>
+        <p:nvSpPr>
+          <p:cNvPr id="34" name="CaixaDeTexto 33">
+            <a:extLst>
+              <a:ext uri="{FF2B5EF4-FFF2-40B4-BE49-F238E27FC236}">
+                <a16:creationId xmlns:a16="http://schemas.microsoft.com/office/drawing/2014/main" id="{680B9673-BD7C-4F45-ADE7-C2011627CC40}"/>
+              </a:ext>
+            </a:extLst>
+          </p:cNvPr>
+          <p:cNvSpPr txBox="1"/>
+          <p:nvPr/>
+        </p:nvSpPr>
+        <p:spPr>
+          <a:xfrm>
+            <a:off x="5007527" y="4356667"/>
+            <a:ext cx="309084" cy="369332"/>
+          </a:xfrm>
+          <a:prstGeom prst="rect">
+            <a:avLst/>
+          </a:prstGeom>
+          <a:noFill/>
+        </p:spPr>
+        <p:txBody>
+          <a:bodyPr wrap="square" rtlCol="0">
+            <a:spAutoFit/>
+          </a:bodyPr>
+          <a:lstStyle/>
+          <a:p>
+            <a:r>
+              <a:rPr lang="pt-BR" dirty="0"/>
+              <a:t>0</a:t>
+            </a:r>
+          </a:p>
+        </p:txBody>
+      </p:sp>
+      <p:sp>
+        <p:nvSpPr>
+          <p:cNvPr id="35" name="CaixaDeTexto 34">
+            <a:extLst>
+              <a:ext uri="{FF2B5EF4-FFF2-40B4-BE49-F238E27FC236}">
+                <a16:creationId xmlns:a16="http://schemas.microsoft.com/office/drawing/2014/main" id="{10C5F69C-53E2-4824-A7E7-2B0BE43240B4}"/>
+              </a:ext>
+            </a:extLst>
+          </p:cNvPr>
+          <p:cNvSpPr txBox="1"/>
+          <p:nvPr/>
+        </p:nvSpPr>
+        <p:spPr>
+          <a:xfrm>
+            <a:off x="5881287" y="4356667"/>
+            <a:ext cx="309084" cy="369332"/>
+          </a:xfrm>
+          <a:prstGeom prst="rect">
+            <a:avLst/>
+          </a:prstGeom>
+          <a:noFill/>
+        </p:spPr>
+        <p:txBody>
+          <a:bodyPr wrap="square" rtlCol="0">
+            <a:spAutoFit/>
+          </a:bodyPr>
+          <a:lstStyle/>
+          <a:p>
+            <a:r>
+              <a:rPr lang="pt-BR" dirty="0"/>
+              <a:t>2</a:t>
+            </a:r>
+          </a:p>
+        </p:txBody>
+      </p:sp>
+      <p:sp>
+        <p:nvSpPr>
+          <p:cNvPr id="36" name="CaixaDeTexto 35">
+            <a:extLst>
+              <a:ext uri="{FF2B5EF4-FFF2-40B4-BE49-F238E27FC236}">
+                <a16:creationId xmlns:a16="http://schemas.microsoft.com/office/drawing/2014/main" id="{784A6344-014B-4C69-BB49-F145875BF8B6}"/>
+              </a:ext>
+            </a:extLst>
+          </p:cNvPr>
+          <p:cNvSpPr txBox="1"/>
+          <p:nvPr/>
+        </p:nvSpPr>
+        <p:spPr>
+          <a:xfrm>
+            <a:off x="6782487" y="4356667"/>
+            <a:ext cx="309084" cy="369332"/>
+          </a:xfrm>
+          <a:prstGeom prst="rect">
+            <a:avLst/>
+          </a:prstGeom>
+          <a:noFill/>
+        </p:spPr>
+        <p:txBody>
+          <a:bodyPr wrap="square" rtlCol="0">
+            <a:spAutoFit/>
+          </a:bodyPr>
+          <a:lstStyle/>
+          <a:p>
+            <a:r>
+              <a:rPr lang="pt-BR" dirty="0"/>
+              <a:t>1</a:t>
+            </a:r>
+          </a:p>
+        </p:txBody>
+      </p:sp>
+      <p:sp>
+        <p:nvSpPr>
+          <p:cNvPr id="37" name="CaixaDeTexto 36">
+            <a:extLst>
+              <a:ext uri="{FF2B5EF4-FFF2-40B4-BE49-F238E27FC236}">
+                <a16:creationId xmlns:a16="http://schemas.microsoft.com/office/drawing/2014/main" id="{E0D8EA15-E7DD-4ECE-B76B-BED0D3C58A64}"/>
+              </a:ext>
+            </a:extLst>
+          </p:cNvPr>
+          <p:cNvSpPr txBox="1"/>
+          <p:nvPr/>
+        </p:nvSpPr>
+        <p:spPr>
+          <a:xfrm>
+            <a:off x="7660327" y="4356667"/>
+            <a:ext cx="309084" cy="369332"/>
+          </a:xfrm>
+          <a:prstGeom prst="rect">
+            <a:avLst/>
+          </a:prstGeom>
+          <a:noFill/>
+        </p:spPr>
+        <p:txBody>
+          <a:bodyPr wrap="square" rtlCol="0">
+            <a:spAutoFit/>
+          </a:bodyPr>
+          <a:lstStyle/>
+          <a:p>
+            <a:r>
+              <a:rPr lang="pt-BR" dirty="0"/>
+              <a:t>3</a:t>
+            </a:r>
+          </a:p>
+        </p:txBody>
+      </p:sp>
+      <p:sp>
+        <p:nvSpPr>
+          <p:cNvPr id="38" name="CaixaDeTexto 37">
+            <a:extLst>
+              <a:ext uri="{FF2B5EF4-FFF2-40B4-BE49-F238E27FC236}">
+                <a16:creationId xmlns:a16="http://schemas.microsoft.com/office/drawing/2014/main" id="{C62899B3-2AC0-469A-8AF9-3FF5D68774BB}"/>
+              </a:ext>
+            </a:extLst>
+          </p:cNvPr>
+          <p:cNvSpPr txBox="1"/>
+          <p:nvPr/>
+        </p:nvSpPr>
+        <p:spPr>
+          <a:xfrm>
+            <a:off x="8538167" y="4356667"/>
+            <a:ext cx="309084" cy="369332"/>
+          </a:xfrm>
+          <a:prstGeom prst="rect">
+            <a:avLst/>
+          </a:prstGeom>
+          <a:noFill/>
+        </p:spPr>
+        <p:txBody>
+          <a:bodyPr wrap="square" rtlCol="0">
+            <a:spAutoFit/>
+          </a:bodyPr>
+          <a:lstStyle/>
+          <a:p>
+            <a:r>
+              <a:rPr lang="pt-BR" dirty="0"/>
+              <a:t>4</a:t>
+            </a:r>
+          </a:p>
+        </p:txBody>
+      </p:sp>
+      <p:sp>
+        <p:nvSpPr>
+          <p:cNvPr id="39" name="CaixaDeTexto 38">
+            <a:extLst>
+              <a:ext uri="{FF2B5EF4-FFF2-40B4-BE49-F238E27FC236}">
+                <a16:creationId xmlns:a16="http://schemas.microsoft.com/office/drawing/2014/main" id="{7FC6901B-30BD-4C4B-B192-7B94219A34B8}"/>
+              </a:ext>
+            </a:extLst>
+          </p:cNvPr>
+          <p:cNvSpPr txBox="1"/>
+          <p:nvPr/>
+        </p:nvSpPr>
+        <p:spPr>
+          <a:xfrm>
+            <a:off x="9424568" y="4356667"/>
+            <a:ext cx="309084" cy="369332"/>
+          </a:xfrm>
+          <a:prstGeom prst="rect">
+            <a:avLst/>
+          </a:prstGeom>
+          <a:noFill/>
+        </p:spPr>
+        <p:txBody>
+          <a:bodyPr wrap="square" rtlCol="0">
+            <a:spAutoFit/>
+          </a:bodyPr>
+          <a:lstStyle/>
+          <a:p>
+            <a:r>
+              <a:rPr lang="pt-BR" dirty="0"/>
+              <a:t>0</a:t>
+            </a:r>
+          </a:p>
+        </p:txBody>
+      </p:sp>
+      <p:sp>
+        <p:nvSpPr>
+          <p:cNvPr id="4" name="CaixaDeTexto 3">
+            <a:extLst>
+              <a:ext uri="{FF2B5EF4-FFF2-40B4-BE49-F238E27FC236}">
+                <a16:creationId xmlns:a16="http://schemas.microsoft.com/office/drawing/2014/main" id="{9056A89E-C2B2-4F4C-AC1E-D420C8B8002F}"/>
+              </a:ext>
+            </a:extLst>
+          </p:cNvPr>
+          <p:cNvSpPr txBox="1"/>
+          <p:nvPr/>
+        </p:nvSpPr>
+        <p:spPr>
+          <a:xfrm>
+            <a:off x="1916318" y="4305373"/>
+            <a:ext cx="2415261" cy="369332"/>
+          </a:xfrm>
+          <a:prstGeom prst="rect">
+            <a:avLst/>
+          </a:prstGeom>
+          <a:noFill/>
+        </p:spPr>
+        <p:txBody>
+          <a:bodyPr wrap="square" rtlCol="0">
+            <a:spAutoFit/>
+          </a:bodyPr>
+          <a:lstStyle/>
+          <a:p>
+            <a:r>
+              <a:rPr lang="pt-BR" dirty="0"/>
+              <a:t>Primeira</a:t>
+            </a:r>
+          </a:p>
+        </p:txBody>
+      </p:sp>
+      <p:sp>
+        <p:nvSpPr>
+          <p:cNvPr id="64" name="Retângulo 63">
+            <a:extLst>
+              <a:ext uri="{FF2B5EF4-FFF2-40B4-BE49-F238E27FC236}">
+                <a16:creationId xmlns:a16="http://schemas.microsoft.com/office/drawing/2014/main" id="{EE33E7EB-1802-4ECF-A2C5-0EE3CFC492FA}"/>
+              </a:ext>
+            </a:extLst>
+          </p:cNvPr>
+          <p:cNvSpPr/>
+          <p:nvPr/>
+        </p:nvSpPr>
+        <p:spPr>
+          <a:xfrm>
+            <a:off x="5713200" y="3261360"/>
+            <a:ext cx="1609287" cy="921840"/>
+          </a:xfrm>
+          <a:prstGeom prst="rect">
+            <a:avLst/>
+          </a:prstGeom>
+          <a:noFill/>
+          <a:ln w="18000">
+            <a:solidFill>
+              <a:srgbClr val="AB008B"/>
+            </a:solidFill>
+          </a:ln>
+        </p:spPr>
+        <p:style>
+          <a:lnRef idx="2">
+            <a:schemeClr val="accent1">
+              <a:shade val="50000"/>
+            </a:schemeClr>
+          </a:lnRef>
+          <a:fillRef idx="1">
+            <a:schemeClr val="accent1"/>
+          </a:fillRef>
+          <a:effectRef idx="0">
+            <a:schemeClr val="accent1"/>
+          </a:effectRef>
+          <a:fontRef idx="minor">
+            <a:schemeClr val="lt1"/>
+          </a:fontRef>
+        </p:style>
+        <p:txBody>
+          <a:bodyPr rtlCol="0" anchor="ctr"/>
+          <a:lstStyle/>
+          <a:p>
+            <a:pPr algn="ctr"/>
+            <a:endParaRPr lang="pt-BR">
+              <a:solidFill>
+                <a:srgbClr val="AB008B"/>
+              </a:solidFill>
+            </a:endParaRPr>
+          </a:p>
+        </p:txBody>
+      </p:sp>
+    </p:spTree>
+    <p:extLst>
+      <p:ext uri="{BB962C8B-B14F-4D97-AF65-F5344CB8AC3E}">
+        <p14:creationId xmlns:p14="http://schemas.microsoft.com/office/powerpoint/2010/main" val="531142463"/>
+      </p:ext>
+    </p:extLst>
+  </p:cSld>
+  <p:clrMapOvr>
+    <a:masterClrMapping/>
+  </p:clrMapOvr>
+</p:sld>
+</file>
+
+<file path=ppt/slides/slide11.xml><?xml version="1.0" encoding="utf-8"?>
+<p:sld xmlns:a="http://schemas.openxmlformats.org/drawingml/2006/main" xmlns:r="http://schemas.openxmlformats.org/officeDocument/2006/relationships" xmlns:p="http://schemas.openxmlformats.org/presentationml/2006/main">
+  <p:cSld>
+    <p:spTree>
+      <p:nvGrpSpPr>
+        <p:cNvPr id="1" name=""/>
+        <p:cNvGrpSpPr/>
+        <p:nvPr/>
+      </p:nvGrpSpPr>
+      <p:grpSpPr>
+        <a:xfrm>
+          <a:off x="0" y="0"/>
+          <a:ext cx="0" cy="0"/>
+          <a:chOff x="0" y="0"/>
+          <a:chExt cx="0" cy="0"/>
+        </a:xfrm>
+      </p:grpSpPr>
+      <p:sp>
+        <p:nvSpPr>
+          <p:cNvPr id="2" name="Título 1">
+            <a:extLst>
+              <a:ext uri="{FF2B5EF4-FFF2-40B4-BE49-F238E27FC236}">
+                <a16:creationId xmlns:a16="http://schemas.microsoft.com/office/drawing/2014/main" id="{6D811184-239A-44CE-9921-B1A2FC5251CB}"/>
+              </a:ext>
+            </a:extLst>
+          </p:cNvPr>
+          <p:cNvSpPr>
+            <a:spLocks noGrp="1"/>
+          </p:cNvSpPr>
+          <p:nvPr>
+            <p:ph type="title"/>
+          </p:nvPr>
+        </p:nvSpPr>
+        <p:spPr>
+          <a:xfrm>
+            <a:off x="1930400" y="845653"/>
+            <a:ext cx="8610600" cy="1293028"/>
+          </a:xfrm>
+        </p:spPr>
+        <p:txBody>
+          <a:bodyPr>
+            <a:normAutofit fontScale="90000"/>
+          </a:bodyPr>
+          <a:lstStyle/>
+          <a:p>
+            <a:r>
+              <a:rPr lang="pt-BR" dirty="0"/>
+              <a:t>Meta-</a:t>
+            </a:r>
+            <a:r>
+              <a:rPr lang="pt-BR" dirty="0" err="1"/>
+              <a:t>heuristica</a:t>
+            </a:r>
+            <a:r>
+              <a:rPr lang="pt-BR" sz="4000" dirty="0"/>
+              <a:t>:</a:t>
+            </a:r>
+            <a:br>
+              <a:rPr lang="pt-BR" sz="4000" dirty="0"/>
+            </a:br>
+            <a:br>
+              <a:rPr lang="pt-BR" dirty="0"/>
+            </a:br>
+            <a:r>
+              <a:rPr lang="pt-BR" sz="2800" dirty="0" err="1"/>
+              <a:t>Simulated</a:t>
+            </a:r>
+            <a:r>
+              <a:rPr lang="pt-BR" sz="2800" dirty="0"/>
+              <a:t> </a:t>
+            </a:r>
+            <a:r>
+              <a:rPr lang="pt-BR" sz="2800" dirty="0" err="1"/>
+              <a:t>annealing</a:t>
+            </a:r>
+            <a:endParaRPr lang="pt-BR" sz="2800" dirty="0"/>
+          </a:p>
+        </p:txBody>
+      </p:sp>
+      <p:sp>
+        <p:nvSpPr>
+          <p:cNvPr id="3" name="Espaço Reservado para Conteúdo 2">
+            <a:extLst>
+              <a:ext uri="{FF2B5EF4-FFF2-40B4-BE49-F238E27FC236}">
+                <a16:creationId xmlns:a16="http://schemas.microsoft.com/office/drawing/2014/main" id="{C801B1CE-795C-4CCE-8B79-591E3815B698}"/>
+              </a:ext>
+            </a:extLst>
+          </p:cNvPr>
+          <p:cNvSpPr>
+            <a:spLocks noGrp="1"/>
+          </p:cNvSpPr>
+          <p:nvPr>
+            <p:ph idx="1"/>
+          </p:nvPr>
+        </p:nvSpPr>
+        <p:spPr>
+          <a:xfrm>
+            <a:off x="885511" y="2320206"/>
+            <a:ext cx="7071128" cy="540000"/>
+          </a:xfrm>
+        </p:spPr>
+        <p:txBody>
+          <a:bodyPr>
+            <a:normAutofit/>
+          </a:bodyPr>
+          <a:lstStyle/>
+          <a:p>
+            <a:pPr marL="0" indent="0">
+              <a:buNone/>
+            </a:pPr>
+            <a:r>
+              <a:rPr lang="pt-BR" dirty="0"/>
+              <a:t>	</a:t>
+            </a:r>
+            <a:r>
+              <a:rPr lang="pt-BR" sz="3200" dirty="0"/>
+              <a:t>Vizinhanças</a:t>
+            </a:r>
+          </a:p>
+        </p:txBody>
+      </p:sp>
+      <p:sp>
+        <p:nvSpPr>
+          <p:cNvPr id="8" name="CaixaDeTexto 7">
+            <a:extLst>
+              <a:ext uri="{FF2B5EF4-FFF2-40B4-BE49-F238E27FC236}">
+                <a16:creationId xmlns:a16="http://schemas.microsoft.com/office/drawing/2014/main" id="{47369606-71A7-4D2A-9403-98734EC8CF4E}"/>
+              </a:ext>
+            </a:extLst>
+          </p:cNvPr>
+          <p:cNvSpPr txBox="1"/>
+          <p:nvPr/>
+        </p:nvSpPr>
+        <p:spPr>
+          <a:xfrm>
+            <a:off x="1612621" y="2861730"/>
+            <a:ext cx="2976880" cy="584775"/>
+          </a:xfrm>
+          <a:prstGeom prst="rect">
+            <a:avLst/>
+          </a:prstGeom>
+          <a:noFill/>
+        </p:spPr>
+        <p:txBody>
+          <a:bodyPr wrap="square" rtlCol="0">
+            <a:spAutoFit/>
+          </a:bodyPr>
+          <a:lstStyle/>
+          <a:p>
+            <a:r>
+              <a:rPr lang="pt-BR" sz="3200" b="1" dirty="0"/>
+              <a:t>2-Opt</a:t>
+            </a:r>
+          </a:p>
+        </p:txBody>
+      </p:sp>
+      <p:sp>
+        <p:nvSpPr>
+          <p:cNvPr id="13" name="Elipse 12">
+            <a:extLst>
+              <a:ext uri="{FF2B5EF4-FFF2-40B4-BE49-F238E27FC236}">
+                <a16:creationId xmlns:a16="http://schemas.microsoft.com/office/drawing/2014/main" id="{785487F0-5C84-4360-A2A1-2FF74F902BDE}"/>
+              </a:ext>
+            </a:extLst>
+          </p:cNvPr>
+          <p:cNvSpPr/>
+          <p:nvPr/>
+        </p:nvSpPr>
+        <p:spPr>
+          <a:xfrm>
+            <a:off x="4892069" y="3435701"/>
+            <a:ext cx="540000" cy="540000"/>
+          </a:xfrm>
+          <a:prstGeom prst="ellipse">
+            <a:avLst/>
+          </a:prstGeom>
+          <a:solidFill>
+            <a:srgbClr val="FF4E00">
+              <a:alpha val="75000"/>
+            </a:srgbClr>
+          </a:solidFill>
+          <a:ln w="18000">
+            <a:solidFill>
+              <a:srgbClr val="FF4E00"/>
+            </a:solidFill>
+          </a:ln>
+        </p:spPr>
+        <p:style>
+          <a:lnRef idx="2">
+            <a:schemeClr val="accent1">
+              <a:shade val="50000"/>
+            </a:schemeClr>
+          </a:lnRef>
+          <a:fillRef idx="1">
+            <a:schemeClr val="accent1"/>
+          </a:fillRef>
+          <a:effectRef idx="0">
+            <a:schemeClr val="accent1"/>
+          </a:effectRef>
+          <a:fontRef idx="minor">
+            <a:schemeClr val="lt1"/>
+          </a:fontRef>
+        </p:style>
+        <p:txBody>
+          <a:bodyPr rtlCol="0" anchor="ctr"/>
+          <a:lstStyle/>
+          <a:p>
+            <a:pPr algn="ctr"/>
+            <a:endParaRPr lang="pt-BR">
+              <a:solidFill>
+                <a:srgbClr val="FF4E00"/>
+              </a:solidFill>
+            </a:endParaRPr>
+          </a:p>
+        </p:txBody>
+      </p:sp>
+      <p:sp>
+        <p:nvSpPr>
+          <p:cNvPr id="15" name="Elipse 14">
+            <a:extLst>
+              <a:ext uri="{FF2B5EF4-FFF2-40B4-BE49-F238E27FC236}">
+                <a16:creationId xmlns:a16="http://schemas.microsoft.com/office/drawing/2014/main" id="{53D3B27A-BACF-4A1C-93D4-5FFFEE49BE29}"/>
+              </a:ext>
+            </a:extLst>
+          </p:cNvPr>
+          <p:cNvSpPr/>
+          <p:nvPr/>
+        </p:nvSpPr>
+        <p:spPr>
+          <a:xfrm>
+            <a:off x="5765829" y="3435701"/>
+            <a:ext cx="540000" cy="540000"/>
+          </a:xfrm>
+          <a:prstGeom prst="ellipse">
+            <a:avLst/>
+          </a:prstGeom>
+          <a:solidFill>
+            <a:srgbClr val="FF4E00">
+              <a:alpha val="75000"/>
+            </a:srgbClr>
+          </a:solidFill>
+          <a:ln w="18000">
+            <a:solidFill>
+              <a:srgbClr val="FF4E00"/>
+            </a:solidFill>
+          </a:ln>
+        </p:spPr>
+        <p:style>
+          <a:lnRef idx="2">
+            <a:schemeClr val="accent1">
+              <a:shade val="50000"/>
+            </a:schemeClr>
+          </a:lnRef>
+          <a:fillRef idx="1">
+            <a:schemeClr val="accent1"/>
+          </a:fillRef>
+          <a:effectRef idx="0">
+            <a:schemeClr val="accent1"/>
+          </a:effectRef>
+          <a:fontRef idx="minor">
+            <a:schemeClr val="lt1"/>
+          </a:fontRef>
+        </p:style>
+        <p:txBody>
+          <a:bodyPr rtlCol="0" anchor="ctr"/>
+          <a:lstStyle/>
+          <a:p>
+            <a:pPr algn="ctr"/>
+            <a:endParaRPr lang="pt-BR">
+              <a:solidFill>
+                <a:srgbClr val="FF4E00"/>
+              </a:solidFill>
+            </a:endParaRPr>
+          </a:p>
+        </p:txBody>
+      </p:sp>
+      <p:sp>
+        <p:nvSpPr>
+          <p:cNvPr id="17" name="Elipse 16">
+            <a:extLst>
+              <a:ext uri="{FF2B5EF4-FFF2-40B4-BE49-F238E27FC236}">
+                <a16:creationId xmlns:a16="http://schemas.microsoft.com/office/drawing/2014/main" id="{9F2E3B3A-E616-42E7-9538-A98D22F3F07A}"/>
+              </a:ext>
+            </a:extLst>
+          </p:cNvPr>
+          <p:cNvSpPr/>
+          <p:nvPr/>
+        </p:nvSpPr>
+        <p:spPr>
+          <a:xfrm>
+            <a:off x="6667029" y="3435701"/>
+            <a:ext cx="540000" cy="540000"/>
+          </a:xfrm>
+          <a:prstGeom prst="ellipse">
+            <a:avLst/>
+          </a:prstGeom>
+          <a:solidFill>
+            <a:srgbClr val="FF4E00">
+              <a:alpha val="75000"/>
+            </a:srgbClr>
+          </a:solidFill>
+          <a:ln w="18000">
+            <a:solidFill>
+              <a:srgbClr val="FF4E00"/>
+            </a:solidFill>
+          </a:ln>
+        </p:spPr>
+        <p:style>
+          <a:lnRef idx="2">
+            <a:schemeClr val="accent1">
+              <a:shade val="50000"/>
+            </a:schemeClr>
+          </a:lnRef>
+          <a:fillRef idx="1">
+            <a:schemeClr val="accent1"/>
+          </a:fillRef>
+          <a:effectRef idx="0">
+            <a:schemeClr val="accent1"/>
+          </a:effectRef>
+          <a:fontRef idx="minor">
+            <a:schemeClr val="lt1"/>
+          </a:fontRef>
+        </p:style>
+        <p:txBody>
+          <a:bodyPr rtlCol="0" anchor="ctr"/>
+          <a:lstStyle/>
+          <a:p>
+            <a:pPr algn="ctr"/>
+            <a:endParaRPr lang="pt-BR">
+              <a:solidFill>
+                <a:srgbClr val="FF4E00"/>
+              </a:solidFill>
+            </a:endParaRPr>
+          </a:p>
+        </p:txBody>
+      </p:sp>
+      <p:sp>
+        <p:nvSpPr>
+          <p:cNvPr id="18" name="Elipse 17">
+            <a:extLst>
+              <a:ext uri="{FF2B5EF4-FFF2-40B4-BE49-F238E27FC236}">
+                <a16:creationId xmlns:a16="http://schemas.microsoft.com/office/drawing/2014/main" id="{AF7D96C6-F82E-4619-AC46-97C610389364}"/>
+              </a:ext>
+            </a:extLst>
+          </p:cNvPr>
+          <p:cNvSpPr/>
+          <p:nvPr/>
+        </p:nvSpPr>
+        <p:spPr>
+          <a:xfrm>
+            <a:off x="7544869" y="3435701"/>
+            <a:ext cx="540000" cy="540000"/>
+          </a:xfrm>
+          <a:prstGeom prst="ellipse">
+            <a:avLst/>
+          </a:prstGeom>
+          <a:solidFill>
+            <a:srgbClr val="FF4E00">
+              <a:alpha val="75000"/>
+            </a:srgbClr>
+          </a:solidFill>
+          <a:ln w="18000">
+            <a:solidFill>
+              <a:srgbClr val="FF4E00"/>
+            </a:solidFill>
+          </a:ln>
+        </p:spPr>
+        <p:style>
+          <a:lnRef idx="2">
+            <a:schemeClr val="accent1">
+              <a:shade val="50000"/>
+            </a:schemeClr>
+          </a:lnRef>
+          <a:fillRef idx="1">
+            <a:schemeClr val="accent1"/>
+          </a:fillRef>
+          <a:effectRef idx="0">
+            <a:schemeClr val="accent1"/>
+          </a:effectRef>
+          <a:fontRef idx="minor">
+            <a:schemeClr val="lt1"/>
+          </a:fontRef>
+        </p:style>
+        <p:txBody>
+          <a:bodyPr rtlCol="0" anchor="ctr"/>
+          <a:lstStyle/>
+          <a:p>
+            <a:pPr algn="ctr"/>
+            <a:endParaRPr lang="pt-BR">
+              <a:solidFill>
+                <a:srgbClr val="FF4E00"/>
+              </a:solidFill>
+            </a:endParaRPr>
+          </a:p>
+        </p:txBody>
+      </p:sp>
+      <p:sp>
+        <p:nvSpPr>
+          <p:cNvPr id="19" name="Elipse 18">
+            <a:extLst>
+              <a:ext uri="{FF2B5EF4-FFF2-40B4-BE49-F238E27FC236}">
+                <a16:creationId xmlns:a16="http://schemas.microsoft.com/office/drawing/2014/main" id="{96C93668-5640-4344-B5AE-E2A185314D13}"/>
+              </a:ext>
+            </a:extLst>
+          </p:cNvPr>
+          <p:cNvSpPr/>
+          <p:nvPr/>
+        </p:nvSpPr>
+        <p:spPr>
+          <a:xfrm>
+            <a:off x="8422709" y="3435701"/>
+            <a:ext cx="540000" cy="540000"/>
+          </a:xfrm>
+          <a:prstGeom prst="ellipse">
+            <a:avLst/>
+          </a:prstGeom>
+          <a:solidFill>
+            <a:srgbClr val="FF4E00">
+              <a:alpha val="75000"/>
+            </a:srgbClr>
+          </a:solidFill>
+          <a:ln w="18000">
+            <a:solidFill>
+              <a:srgbClr val="FF4E00"/>
+            </a:solidFill>
+          </a:ln>
+        </p:spPr>
+        <p:style>
+          <a:lnRef idx="2">
+            <a:schemeClr val="accent1">
+              <a:shade val="50000"/>
+            </a:schemeClr>
+          </a:lnRef>
+          <a:fillRef idx="1">
+            <a:schemeClr val="accent1"/>
+          </a:fillRef>
+          <a:effectRef idx="0">
+            <a:schemeClr val="accent1"/>
+          </a:effectRef>
+          <a:fontRef idx="minor">
+            <a:schemeClr val="lt1"/>
+          </a:fontRef>
+        </p:style>
+        <p:txBody>
+          <a:bodyPr rtlCol="0" anchor="ctr"/>
+          <a:lstStyle/>
+          <a:p>
+            <a:pPr algn="ctr"/>
+            <a:endParaRPr lang="pt-BR">
+              <a:solidFill>
+                <a:srgbClr val="FF4E00"/>
+              </a:solidFill>
+            </a:endParaRPr>
+          </a:p>
+        </p:txBody>
+      </p:sp>
+      <p:sp>
+        <p:nvSpPr>
+          <p:cNvPr id="20" name="Elipse 19">
+            <a:extLst>
+              <a:ext uri="{FF2B5EF4-FFF2-40B4-BE49-F238E27FC236}">
+                <a16:creationId xmlns:a16="http://schemas.microsoft.com/office/drawing/2014/main" id="{99B8FA62-104A-4FE0-ACE6-3530CD5A1BEB}"/>
+              </a:ext>
+            </a:extLst>
+          </p:cNvPr>
+          <p:cNvSpPr/>
+          <p:nvPr/>
+        </p:nvSpPr>
+        <p:spPr>
+          <a:xfrm>
+            <a:off x="9300549" y="3435701"/>
+            <a:ext cx="540000" cy="540000"/>
+          </a:xfrm>
+          <a:prstGeom prst="ellipse">
+            <a:avLst/>
+          </a:prstGeom>
+          <a:solidFill>
+            <a:srgbClr val="FF4E00">
+              <a:alpha val="75000"/>
+            </a:srgbClr>
+          </a:solidFill>
+          <a:ln w="18000">
+            <a:solidFill>
+              <a:srgbClr val="FF4E00"/>
+            </a:solidFill>
+          </a:ln>
+        </p:spPr>
+        <p:style>
+          <a:lnRef idx="2">
+            <a:schemeClr val="accent1">
+              <a:shade val="50000"/>
+            </a:schemeClr>
+          </a:lnRef>
+          <a:fillRef idx="1">
+            <a:schemeClr val="accent1"/>
+          </a:fillRef>
+          <a:effectRef idx="0">
+            <a:schemeClr val="accent1"/>
+          </a:effectRef>
+          <a:fontRef idx="minor">
+            <a:schemeClr val="lt1"/>
+          </a:fontRef>
+        </p:style>
+        <p:txBody>
+          <a:bodyPr rtlCol="0" anchor="ctr"/>
+          <a:lstStyle/>
+          <a:p>
+            <a:pPr algn="ctr"/>
+            <a:endParaRPr lang="pt-BR">
+              <a:solidFill>
+                <a:srgbClr val="FF4E00"/>
+              </a:solidFill>
+            </a:endParaRPr>
+          </a:p>
+        </p:txBody>
+      </p:sp>
+      <p:sp>
+        <p:nvSpPr>
+          <p:cNvPr id="23" name="CaixaDeTexto 22">
+            <a:extLst>
+              <a:ext uri="{FF2B5EF4-FFF2-40B4-BE49-F238E27FC236}">
+                <a16:creationId xmlns:a16="http://schemas.microsoft.com/office/drawing/2014/main" id="{8509AA95-C6E4-43A8-A526-B009C9D24EC3}"/>
+              </a:ext>
+            </a:extLst>
+          </p:cNvPr>
+          <p:cNvSpPr txBox="1"/>
+          <p:nvPr/>
+        </p:nvSpPr>
+        <p:spPr>
+          <a:xfrm>
+            <a:off x="5007527" y="3521035"/>
+            <a:ext cx="309084" cy="369332"/>
+          </a:xfrm>
+          <a:prstGeom prst="rect">
+            <a:avLst/>
+          </a:prstGeom>
+          <a:noFill/>
+        </p:spPr>
+        <p:txBody>
+          <a:bodyPr wrap="square" rtlCol="0">
+            <a:spAutoFit/>
+          </a:bodyPr>
+          <a:lstStyle/>
+          <a:p>
+            <a:r>
+              <a:rPr lang="pt-BR" dirty="0"/>
+              <a:t>0</a:t>
+            </a:r>
+          </a:p>
+        </p:txBody>
+      </p:sp>
+      <p:sp>
+        <p:nvSpPr>
+          <p:cNvPr id="24" name="CaixaDeTexto 23">
+            <a:extLst>
+              <a:ext uri="{FF2B5EF4-FFF2-40B4-BE49-F238E27FC236}">
+                <a16:creationId xmlns:a16="http://schemas.microsoft.com/office/drawing/2014/main" id="{FE5ABF49-0B8E-4ACE-A80F-4C9C1AE0CC25}"/>
+              </a:ext>
+            </a:extLst>
+          </p:cNvPr>
+          <p:cNvSpPr txBox="1"/>
+          <p:nvPr/>
+        </p:nvSpPr>
+        <p:spPr>
+          <a:xfrm>
+            <a:off x="5881287" y="3521035"/>
+            <a:ext cx="309084" cy="369332"/>
+          </a:xfrm>
+          <a:prstGeom prst="rect">
+            <a:avLst/>
+          </a:prstGeom>
+          <a:noFill/>
+        </p:spPr>
+        <p:txBody>
+          <a:bodyPr wrap="square" rtlCol="0">
+            <a:spAutoFit/>
+          </a:bodyPr>
+          <a:lstStyle/>
+          <a:p>
+            <a:r>
+              <a:rPr lang="pt-BR" dirty="0"/>
+              <a:t>1</a:t>
+            </a:r>
+          </a:p>
+        </p:txBody>
+      </p:sp>
+      <p:sp>
+        <p:nvSpPr>
+          <p:cNvPr id="25" name="CaixaDeTexto 24">
+            <a:extLst>
+              <a:ext uri="{FF2B5EF4-FFF2-40B4-BE49-F238E27FC236}">
+                <a16:creationId xmlns:a16="http://schemas.microsoft.com/office/drawing/2014/main" id="{C6FCC04B-B5F7-41B2-9097-4A5C4CF2D810}"/>
+              </a:ext>
+            </a:extLst>
+          </p:cNvPr>
+          <p:cNvSpPr txBox="1"/>
+          <p:nvPr/>
+        </p:nvSpPr>
+        <p:spPr>
+          <a:xfrm>
+            <a:off x="6782487" y="3521035"/>
+            <a:ext cx="309084" cy="369332"/>
+          </a:xfrm>
+          <a:prstGeom prst="rect">
+            <a:avLst/>
+          </a:prstGeom>
+          <a:noFill/>
+        </p:spPr>
+        <p:txBody>
+          <a:bodyPr wrap="square" rtlCol="0">
+            <a:spAutoFit/>
+          </a:bodyPr>
+          <a:lstStyle/>
+          <a:p>
+            <a:r>
+              <a:rPr lang="pt-BR" dirty="0"/>
+              <a:t>2</a:t>
+            </a:r>
+          </a:p>
+        </p:txBody>
+      </p:sp>
+      <p:sp>
+        <p:nvSpPr>
+          <p:cNvPr id="26" name="CaixaDeTexto 25">
+            <a:extLst>
+              <a:ext uri="{FF2B5EF4-FFF2-40B4-BE49-F238E27FC236}">
+                <a16:creationId xmlns:a16="http://schemas.microsoft.com/office/drawing/2014/main" id="{6D9D7ACA-D931-48C8-AE74-C893D0CF40EC}"/>
+              </a:ext>
+            </a:extLst>
+          </p:cNvPr>
+          <p:cNvSpPr txBox="1"/>
+          <p:nvPr/>
+        </p:nvSpPr>
+        <p:spPr>
+          <a:xfrm>
+            <a:off x="7660327" y="3521035"/>
+            <a:ext cx="309084" cy="369332"/>
+          </a:xfrm>
+          <a:prstGeom prst="rect">
+            <a:avLst/>
+          </a:prstGeom>
+          <a:noFill/>
+        </p:spPr>
+        <p:txBody>
+          <a:bodyPr wrap="square" rtlCol="0">
+            <a:spAutoFit/>
+          </a:bodyPr>
+          <a:lstStyle/>
+          <a:p>
+            <a:r>
+              <a:rPr lang="pt-BR" dirty="0"/>
+              <a:t>3</a:t>
+            </a:r>
+          </a:p>
+        </p:txBody>
+      </p:sp>
+      <p:sp>
+        <p:nvSpPr>
+          <p:cNvPr id="27" name="CaixaDeTexto 26">
+            <a:extLst>
+              <a:ext uri="{FF2B5EF4-FFF2-40B4-BE49-F238E27FC236}">
+                <a16:creationId xmlns:a16="http://schemas.microsoft.com/office/drawing/2014/main" id="{D3BDDC9A-C5C1-4A8C-BA82-5F9C49C56152}"/>
+              </a:ext>
+            </a:extLst>
+          </p:cNvPr>
+          <p:cNvSpPr txBox="1"/>
+          <p:nvPr/>
+        </p:nvSpPr>
+        <p:spPr>
+          <a:xfrm>
+            <a:off x="8538167" y="3521035"/>
+            <a:ext cx="309084" cy="369332"/>
+          </a:xfrm>
+          <a:prstGeom prst="rect">
+            <a:avLst/>
+          </a:prstGeom>
+          <a:noFill/>
+        </p:spPr>
+        <p:txBody>
+          <a:bodyPr wrap="square" rtlCol="0">
+            <a:spAutoFit/>
+          </a:bodyPr>
+          <a:lstStyle/>
+          <a:p>
+            <a:r>
+              <a:rPr lang="pt-BR" dirty="0"/>
+              <a:t>4</a:t>
+            </a:r>
+          </a:p>
+        </p:txBody>
+      </p:sp>
+      <p:sp>
+        <p:nvSpPr>
+          <p:cNvPr id="28" name="CaixaDeTexto 27">
+            <a:extLst>
+              <a:ext uri="{FF2B5EF4-FFF2-40B4-BE49-F238E27FC236}">
+                <a16:creationId xmlns:a16="http://schemas.microsoft.com/office/drawing/2014/main" id="{9DD02DE4-DE23-4F40-857D-C4439FCD9DCF}"/>
+              </a:ext>
+            </a:extLst>
+          </p:cNvPr>
+          <p:cNvSpPr txBox="1"/>
+          <p:nvPr/>
+        </p:nvSpPr>
+        <p:spPr>
+          <a:xfrm>
+            <a:off x="9424568" y="3521035"/>
+            <a:ext cx="309084" cy="369332"/>
+          </a:xfrm>
+          <a:prstGeom prst="rect">
+            <a:avLst/>
+          </a:prstGeom>
+          <a:noFill/>
+        </p:spPr>
+        <p:txBody>
+          <a:bodyPr wrap="square" rtlCol="0">
+            <a:spAutoFit/>
+          </a:bodyPr>
+          <a:lstStyle/>
+          <a:p>
+            <a:r>
+              <a:rPr lang="pt-BR" dirty="0"/>
+              <a:t>0</a:t>
+            </a:r>
+          </a:p>
+        </p:txBody>
+      </p:sp>
+      <p:sp>
+        <p:nvSpPr>
+          <p:cNvPr id="29" name="CaixaDeTexto 28">
+            <a:extLst>
+              <a:ext uri="{FF2B5EF4-FFF2-40B4-BE49-F238E27FC236}">
+                <a16:creationId xmlns:a16="http://schemas.microsoft.com/office/drawing/2014/main" id="{A0596966-7710-43AF-A26D-4B87970DF133}"/>
+              </a:ext>
+            </a:extLst>
+          </p:cNvPr>
+          <p:cNvSpPr txBox="1"/>
+          <p:nvPr/>
+        </p:nvSpPr>
+        <p:spPr>
+          <a:xfrm>
+            <a:off x="1741651" y="3516550"/>
+            <a:ext cx="2506701" cy="461665"/>
+          </a:xfrm>
+          <a:prstGeom prst="rect">
+            <a:avLst/>
+          </a:prstGeom>
+          <a:noFill/>
+        </p:spPr>
+        <p:txBody>
+          <a:bodyPr wrap="square" rtlCol="0">
+            <a:spAutoFit/>
+          </a:bodyPr>
+          <a:lstStyle/>
+          <a:p>
+            <a:r>
+              <a:rPr lang="pt-BR" sz="2400" dirty="0"/>
+              <a:t>Solução Base: </a:t>
+            </a:r>
+          </a:p>
+        </p:txBody>
+      </p:sp>
+      <p:sp>
+        <p:nvSpPr>
+          <p:cNvPr id="4" name="CaixaDeTexto 3">
+            <a:extLst>
+              <a:ext uri="{FF2B5EF4-FFF2-40B4-BE49-F238E27FC236}">
+                <a16:creationId xmlns:a16="http://schemas.microsoft.com/office/drawing/2014/main" id="{9056A89E-C2B2-4F4C-AC1E-D420C8B8002F}"/>
+              </a:ext>
+            </a:extLst>
+          </p:cNvPr>
+          <p:cNvSpPr txBox="1"/>
+          <p:nvPr/>
+        </p:nvSpPr>
+        <p:spPr>
+          <a:xfrm>
+            <a:off x="1916318" y="4305373"/>
+            <a:ext cx="2415261" cy="369332"/>
+          </a:xfrm>
+          <a:prstGeom prst="rect">
+            <a:avLst/>
+          </a:prstGeom>
+          <a:noFill/>
+        </p:spPr>
+        <p:txBody>
+          <a:bodyPr wrap="square" rtlCol="0">
+            <a:spAutoFit/>
+          </a:bodyPr>
+          <a:lstStyle/>
+          <a:p>
+            <a:r>
+              <a:rPr lang="pt-BR" dirty="0"/>
+              <a:t>2 – </a:t>
+            </a:r>
+            <a:r>
+              <a:rPr lang="pt-BR" dirty="0" err="1"/>
+              <a:t>Opt</a:t>
+            </a:r>
+            <a:r>
+              <a:rPr lang="pt-BR" dirty="0"/>
+              <a:t> 1: </a:t>
+            </a:r>
+          </a:p>
+        </p:txBody>
+      </p:sp>
+      <p:sp>
+        <p:nvSpPr>
+          <p:cNvPr id="52" name="Elipse 51">
+            <a:extLst>
+              <a:ext uri="{FF2B5EF4-FFF2-40B4-BE49-F238E27FC236}">
+                <a16:creationId xmlns:a16="http://schemas.microsoft.com/office/drawing/2014/main" id="{72C6C0D2-2C59-4764-BBDE-70EC3BD8FF16}"/>
+              </a:ext>
+            </a:extLst>
+          </p:cNvPr>
+          <p:cNvSpPr/>
+          <p:nvPr/>
+        </p:nvSpPr>
+        <p:spPr>
+          <a:xfrm>
+            <a:off x="4892069" y="5076485"/>
+            <a:ext cx="540000" cy="540000"/>
+          </a:xfrm>
+          <a:prstGeom prst="ellipse">
+            <a:avLst/>
+          </a:prstGeom>
+          <a:solidFill>
+            <a:srgbClr val="00B0F0"/>
+          </a:solidFill>
+          <a:ln w="18000">
+            <a:solidFill>
+              <a:srgbClr val="00B0F0"/>
+            </a:solidFill>
+          </a:ln>
+        </p:spPr>
+        <p:style>
+          <a:lnRef idx="2">
+            <a:schemeClr val="accent1">
+              <a:shade val="50000"/>
+            </a:schemeClr>
+          </a:lnRef>
+          <a:fillRef idx="1">
+            <a:schemeClr val="accent1"/>
+          </a:fillRef>
+          <a:effectRef idx="0">
+            <a:schemeClr val="accent1"/>
+          </a:effectRef>
+          <a:fontRef idx="minor">
+            <a:schemeClr val="lt1"/>
+          </a:fontRef>
+        </p:style>
+        <p:txBody>
+          <a:bodyPr rtlCol="0" anchor="ctr"/>
+          <a:lstStyle/>
+          <a:p>
+            <a:pPr algn="ctr"/>
+            <a:endParaRPr lang="pt-BR">
+              <a:solidFill>
+                <a:srgbClr val="FF4E00"/>
+              </a:solidFill>
+            </a:endParaRPr>
+          </a:p>
+        </p:txBody>
+      </p:sp>
+      <p:sp>
+        <p:nvSpPr>
+          <p:cNvPr id="53" name="Elipse 52">
+            <a:extLst>
+              <a:ext uri="{FF2B5EF4-FFF2-40B4-BE49-F238E27FC236}">
+                <a16:creationId xmlns:a16="http://schemas.microsoft.com/office/drawing/2014/main" id="{B27E9914-6DCE-4DB8-9A26-48A6CB2D4CCA}"/>
+              </a:ext>
+            </a:extLst>
+          </p:cNvPr>
+          <p:cNvSpPr/>
+          <p:nvPr/>
+        </p:nvSpPr>
+        <p:spPr>
+          <a:xfrm>
+            <a:off x="5765829" y="5076485"/>
+            <a:ext cx="540000" cy="540000"/>
+          </a:xfrm>
+          <a:prstGeom prst="ellipse">
+            <a:avLst/>
+          </a:prstGeom>
+          <a:solidFill>
+            <a:srgbClr val="00B0F0"/>
+          </a:solidFill>
+          <a:ln w="18000">
+            <a:solidFill>
+              <a:srgbClr val="00B0F0"/>
+            </a:solidFill>
+          </a:ln>
+        </p:spPr>
+        <p:style>
+          <a:lnRef idx="2">
+            <a:schemeClr val="accent1">
+              <a:shade val="50000"/>
+            </a:schemeClr>
+          </a:lnRef>
+          <a:fillRef idx="1">
+            <a:schemeClr val="accent1"/>
+          </a:fillRef>
+          <a:effectRef idx="0">
+            <a:schemeClr val="accent1"/>
+          </a:effectRef>
+          <a:fontRef idx="minor">
+            <a:schemeClr val="lt1"/>
+          </a:fontRef>
+        </p:style>
+        <p:txBody>
+          <a:bodyPr rtlCol="0" anchor="ctr"/>
+          <a:lstStyle/>
+          <a:p>
+            <a:pPr algn="ctr"/>
+            <a:endParaRPr lang="pt-BR">
+              <a:solidFill>
+                <a:srgbClr val="FF4E00"/>
+              </a:solidFill>
+            </a:endParaRPr>
+          </a:p>
+        </p:txBody>
+      </p:sp>
+      <p:sp>
+        <p:nvSpPr>
+          <p:cNvPr id="54" name="Elipse 53">
+            <a:extLst>
+              <a:ext uri="{FF2B5EF4-FFF2-40B4-BE49-F238E27FC236}">
+                <a16:creationId xmlns:a16="http://schemas.microsoft.com/office/drawing/2014/main" id="{4C85F8E8-8AAB-4024-89C6-DAE83292B5CF}"/>
+              </a:ext>
+            </a:extLst>
+          </p:cNvPr>
+          <p:cNvSpPr/>
+          <p:nvPr/>
+        </p:nvSpPr>
+        <p:spPr>
+          <a:xfrm>
+            <a:off x="6667029" y="5076485"/>
+            <a:ext cx="540000" cy="540000"/>
+          </a:xfrm>
+          <a:prstGeom prst="ellipse">
+            <a:avLst/>
+          </a:prstGeom>
+          <a:solidFill>
+            <a:srgbClr val="00B0F0"/>
+          </a:solidFill>
+          <a:ln w="18000">
+            <a:solidFill>
+              <a:srgbClr val="00B0F0"/>
+            </a:solidFill>
+          </a:ln>
+        </p:spPr>
+        <p:style>
+          <a:lnRef idx="2">
+            <a:schemeClr val="accent1">
+              <a:shade val="50000"/>
+            </a:schemeClr>
+          </a:lnRef>
+          <a:fillRef idx="1">
+            <a:schemeClr val="accent1"/>
+          </a:fillRef>
+          <a:effectRef idx="0">
+            <a:schemeClr val="accent1"/>
+          </a:effectRef>
+          <a:fontRef idx="minor">
+            <a:schemeClr val="lt1"/>
+          </a:fontRef>
+        </p:style>
+        <p:txBody>
+          <a:bodyPr rtlCol="0" anchor="ctr"/>
+          <a:lstStyle/>
+          <a:p>
+            <a:pPr algn="ctr"/>
+            <a:endParaRPr lang="pt-BR">
+              <a:solidFill>
+                <a:srgbClr val="FF4E00"/>
+              </a:solidFill>
+            </a:endParaRPr>
+          </a:p>
+        </p:txBody>
+      </p:sp>
+      <p:sp>
+        <p:nvSpPr>
+          <p:cNvPr id="55" name="Elipse 54">
+            <a:extLst>
+              <a:ext uri="{FF2B5EF4-FFF2-40B4-BE49-F238E27FC236}">
+                <a16:creationId xmlns:a16="http://schemas.microsoft.com/office/drawing/2014/main" id="{332C3BEA-FD0F-4378-BEB4-02CC4F36EFE2}"/>
+              </a:ext>
+            </a:extLst>
+          </p:cNvPr>
+          <p:cNvSpPr/>
+          <p:nvPr/>
+        </p:nvSpPr>
+        <p:spPr>
+          <a:xfrm>
+            <a:off x="7544869" y="5076485"/>
+            <a:ext cx="540000" cy="540000"/>
+          </a:xfrm>
+          <a:prstGeom prst="ellipse">
+            <a:avLst/>
+          </a:prstGeom>
+          <a:solidFill>
+            <a:srgbClr val="00B0F0"/>
+          </a:solidFill>
+          <a:ln w="18000">
+            <a:solidFill>
+              <a:srgbClr val="00B0F0"/>
+            </a:solidFill>
+          </a:ln>
+        </p:spPr>
+        <p:style>
+          <a:lnRef idx="2">
+            <a:schemeClr val="accent1">
+              <a:shade val="50000"/>
+            </a:schemeClr>
+          </a:lnRef>
+          <a:fillRef idx="1">
+            <a:schemeClr val="accent1"/>
+          </a:fillRef>
+          <a:effectRef idx="0">
+            <a:schemeClr val="accent1"/>
+          </a:effectRef>
+          <a:fontRef idx="minor">
+            <a:schemeClr val="lt1"/>
+          </a:fontRef>
+        </p:style>
+        <p:txBody>
+          <a:bodyPr rtlCol="0" anchor="ctr"/>
+          <a:lstStyle/>
+          <a:p>
+            <a:pPr algn="ctr"/>
+            <a:endParaRPr lang="pt-BR">
+              <a:solidFill>
+                <a:srgbClr val="FF4E00"/>
+              </a:solidFill>
+            </a:endParaRPr>
+          </a:p>
+        </p:txBody>
+      </p:sp>
+      <p:sp>
+        <p:nvSpPr>
+          <p:cNvPr id="56" name="Elipse 55">
+            <a:extLst>
+              <a:ext uri="{FF2B5EF4-FFF2-40B4-BE49-F238E27FC236}">
+                <a16:creationId xmlns:a16="http://schemas.microsoft.com/office/drawing/2014/main" id="{A4A51D05-7BC5-45F0-BF04-8568373E0D19}"/>
+              </a:ext>
+            </a:extLst>
+          </p:cNvPr>
+          <p:cNvSpPr/>
+          <p:nvPr/>
+        </p:nvSpPr>
+        <p:spPr>
+          <a:xfrm>
+            <a:off x="8422709" y="5076485"/>
+            <a:ext cx="540000" cy="540000"/>
+          </a:xfrm>
+          <a:prstGeom prst="ellipse">
+            <a:avLst/>
+          </a:prstGeom>
+          <a:solidFill>
+            <a:srgbClr val="00B0F0"/>
+          </a:solidFill>
+          <a:ln w="18000">
+            <a:solidFill>
+              <a:srgbClr val="00B0F0"/>
+            </a:solidFill>
+          </a:ln>
+        </p:spPr>
+        <p:style>
+          <a:lnRef idx="2">
+            <a:schemeClr val="accent1">
+              <a:shade val="50000"/>
+            </a:schemeClr>
+          </a:lnRef>
+          <a:fillRef idx="1">
+            <a:schemeClr val="accent1"/>
+          </a:fillRef>
+          <a:effectRef idx="0">
+            <a:schemeClr val="accent1"/>
+          </a:effectRef>
+          <a:fontRef idx="minor">
+            <a:schemeClr val="lt1"/>
+          </a:fontRef>
+        </p:style>
+        <p:txBody>
+          <a:bodyPr rtlCol="0" anchor="ctr"/>
+          <a:lstStyle/>
+          <a:p>
+            <a:pPr algn="ctr"/>
+            <a:endParaRPr lang="pt-BR">
+              <a:solidFill>
+                <a:srgbClr val="FF4E00"/>
+              </a:solidFill>
+            </a:endParaRPr>
+          </a:p>
+        </p:txBody>
+      </p:sp>
+      <p:sp>
+        <p:nvSpPr>
+          <p:cNvPr id="57" name="Elipse 56">
+            <a:extLst>
+              <a:ext uri="{FF2B5EF4-FFF2-40B4-BE49-F238E27FC236}">
+                <a16:creationId xmlns:a16="http://schemas.microsoft.com/office/drawing/2014/main" id="{28690975-54B9-4FD4-9537-D645404588B6}"/>
+              </a:ext>
+            </a:extLst>
+          </p:cNvPr>
+          <p:cNvSpPr/>
+          <p:nvPr/>
+        </p:nvSpPr>
+        <p:spPr>
+          <a:xfrm>
+            <a:off x="9300549" y="5076485"/>
+            <a:ext cx="540000" cy="540000"/>
+          </a:xfrm>
+          <a:prstGeom prst="ellipse">
+            <a:avLst/>
+          </a:prstGeom>
+          <a:solidFill>
+            <a:srgbClr val="00B0F0"/>
+          </a:solidFill>
+          <a:ln w="18000">
+            <a:solidFill>
+              <a:srgbClr val="00B0F0"/>
+            </a:solidFill>
+          </a:ln>
+        </p:spPr>
+        <p:style>
+          <a:lnRef idx="2">
+            <a:schemeClr val="accent1">
+              <a:shade val="50000"/>
+            </a:schemeClr>
+          </a:lnRef>
+          <a:fillRef idx="1">
+            <a:schemeClr val="accent1"/>
+          </a:fillRef>
+          <a:effectRef idx="0">
+            <a:schemeClr val="accent1"/>
+          </a:effectRef>
+          <a:fontRef idx="minor">
+            <a:schemeClr val="lt1"/>
+          </a:fontRef>
+        </p:style>
+        <p:txBody>
+          <a:bodyPr rtlCol="0" anchor="ctr"/>
+          <a:lstStyle/>
+          <a:p>
+            <a:pPr algn="ctr"/>
+            <a:endParaRPr lang="pt-BR">
+              <a:solidFill>
+                <a:srgbClr val="FF4E00"/>
+              </a:solidFill>
+            </a:endParaRPr>
+          </a:p>
+        </p:txBody>
+      </p:sp>
+      <p:sp>
+        <p:nvSpPr>
+          <p:cNvPr id="58" name="CaixaDeTexto 57">
+            <a:extLst>
+              <a:ext uri="{FF2B5EF4-FFF2-40B4-BE49-F238E27FC236}">
+                <a16:creationId xmlns:a16="http://schemas.microsoft.com/office/drawing/2014/main" id="{7E421B21-7626-45ED-9A90-4A7122A710DE}"/>
+              </a:ext>
+            </a:extLst>
+          </p:cNvPr>
+          <p:cNvSpPr txBox="1"/>
+          <p:nvPr/>
+        </p:nvSpPr>
+        <p:spPr>
+          <a:xfrm>
+            <a:off x="5007527" y="5161819"/>
+            <a:ext cx="309084" cy="369332"/>
+          </a:xfrm>
+          <a:prstGeom prst="rect">
+            <a:avLst/>
+          </a:prstGeom>
+          <a:solidFill>
+            <a:srgbClr val="00B0F0"/>
+          </a:solidFill>
+          <a:ln>
+            <a:solidFill>
+              <a:srgbClr val="00B0F0"/>
+            </a:solidFill>
+          </a:ln>
+        </p:spPr>
+        <p:txBody>
+          <a:bodyPr wrap="square" rtlCol="0">
+            <a:spAutoFit/>
+          </a:bodyPr>
+          <a:lstStyle/>
+          <a:p>
+            <a:r>
+              <a:rPr lang="pt-BR" dirty="0"/>
+              <a:t>0</a:t>
+            </a:r>
+          </a:p>
+        </p:txBody>
+      </p:sp>
+      <p:sp>
+        <p:nvSpPr>
+          <p:cNvPr id="59" name="CaixaDeTexto 58">
+            <a:extLst>
+              <a:ext uri="{FF2B5EF4-FFF2-40B4-BE49-F238E27FC236}">
+                <a16:creationId xmlns:a16="http://schemas.microsoft.com/office/drawing/2014/main" id="{67FA4E32-5072-44B2-9DD4-066B24054C19}"/>
+              </a:ext>
+            </a:extLst>
+          </p:cNvPr>
+          <p:cNvSpPr txBox="1"/>
+          <p:nvPr/>
+        </p:nvSpPr>
+        <p:spPr>
+          <a:xfrm>
+            <a:off x="5871127" y="5161819"/>
+            <a:ext cx="309084" cy="369332"/>
+          </a:xfrm>
+          <a:prstGeom prst="rect">
+            <a:avLst/>
+          </a:prstGeom>
+          <a:solidFill>
+            <a:srgbClr val="00B0F0"/>
+          </a:solidFill>
+          <a:ln>
+            <a:solidFill>
+              <a:srgbClr val="00B0F0"/>
+            </a:solidFill>
+          </a:ln>
+        </p:spPr>
+        <p:txBody>
+          <a:bodyPr wrap="square" rtlCol="0">
+            <a:spAutoFit/>
+          </a:bodyPr>
+          <a:lstStyle/>
+          <a:p>
+            <a:r>
+              <a:rPr lang="pt-BR" dirty="0"/>
+              <a:t>1</a:t>
+            </a:r>
+          </a:p>
+        </p:txBody>
+      </p:sp>
+      <p:sp>
+        <p:nvSpPr>
+          <p:cNvPr id="60" name="CaixaDeTexto 59">
+            <a:extLst>
+              <a:ext uri="{FF2B5EF4-FFF2-40B4-BE49-F238E27FC236}">
+                <a16:creationId xmlns:a16="http://schemas.microsoft.com/office/drawing/2014/main" id="{A80007FB-B35E-45F0-AA87-538B81B895BE}"/>
+              </a:ext>
+            </a:extLst>
+          </p:cNvPr>
+          <p:cNvSpPr txBox="1"/>
+          <p:nvPr/>
+        </p:nvSpPr>
+        <p:spPr>
+          <a:xfrm>
+            <a:off x="6782487" y="5161819"/>
+            <a:ext cx="309084" cy="369332"/>
+          </a:xfrm>
+          <a:prstGeom prst="rect">
+            <a:avLst/>
+          </a:prstGeom>
+          <a:solidFill>
+            <a:srgbClr val="00B0F0"/>
+          </a:solidFill>
+          <a:ln>
+            <a:solidFill>
+              <a:srgbClr val="00B0F0"/>
+            </a:solidFill>
+          </a:ln>
+        </p:spPr>
+        <p:txBody>
+          <a:bodyPr wrap="square" rtlCol="0">
+            <a:spAutoFit/>
+          </a:bodyPr>
+          <a:lstStyle/>
+          <a:p>
+            <a:r>
+              <a:rPr lang="pt-BR" dirty="0"/>
+              <a:t>3</a:t>
+            </a:r>
+          </a:p>
+        </p:txBody>
+      </p:sp>
+      <p:sp>
+        <p:nvSpPr>
+          <p:cNvPr id="61" name="CaixaDeTexto 60">
+            <a:extLst>
+              <a:ext uri="{FF2B5EF4-FFF2-40B4-BE49-F238E27FC236}">
+                <a16:creationId xmlns:a16="http://schemas.microsoft.com/office/drawing/2014/main" id="{E42ED54C-5CF1-4F77-A7B0-E67998793BB3}"/>
+              </a:ext>
+            </a:extLst>
+          </p:cNvPr>
+          <p:cNvSpPr txBox="1"/>
+          <p:nvPr/>
+        </p:nvSpPr>
+        <p:spPr>
+          <a:xfrm>
+            <a:off x="7660327" y="5161819"/>
+            <a:ext cx="309084" cy="369332"/>
+          </a:xfrm>
+          <a:prstGeom prst="rect">
+            <a:avLst/>
+          </a:prstGeom>
+          <a:solidFill>
+            <a:srgbClr val="00B0F0"/>
+          </a:solidFill>
+          <a:ln>
+            <a:solidFill>
+              <a:srgbClr val="00B0F0"/>
+            </a:solidFill>
+          </a:ln>
+        </p:spPr>
+        <p:txBody>
+          <a:bodyPr wrap="square" rtlCol="0">
+            <a:spAutoFit/>
+          </a:bodyPr>
+          <a:lstStyle/>
+          <a:p>
+            <a:r>
+              <a:rPr lang="pt-BR" dirty="0"/>
+              <a:t>2</a:t>
+            </a:r>
+          </a:p>
+        </p:txBody>
+      </p:sp>
+      <p:sp>
+        <p:nvSpPr>
+          <p:cNvPr id="62" name="CaixaDeTexto 61">
+            <a:extLst>
+              <a:ext uri="{FF2B5EF4-FFF2-40B4-BE49-F238E27FC236}">
+                <a16:creationId xmlns:a16="http://schemas.microsoft.com/office/drawing/2014/main" id="{B40DE2EA-E62F-4A56-ADFD-AACCB36654D7}"/>
+              </a:ext>
+            </a:extLst>
+          </p:cNvPr>
+          <p:cNvSpPr txBox="1"/>
+          <p:nvPr/>
+        </p:nvSpPr>
+        <p:spPr>
+          <a:xfrm>
+            <a:off x="8538167" y="5161819"/>
+            <a:ext cx="309084" cy="369332"/>
+          </a:xfrm>
+          <a:prstGeom prst="rect">
+            <a:avLst/>
+          </a:prstGeom>
+          <a:solidFill>
+            <a:srgbClr val="00B0F0"/>
+          </a:solidFill>
+          <a:ln>
+            <a:solidFill>
+              <a:srgbClr val="00B0F0"/>
+            </a:solidFill>
+          </a:ln>
+        </p:spPr>
+        <p:txBody>
+          <a:bodyPr wrap="square" rtlCol="0">
+            <a:spAutoFit/>
+          </a:bodyPr>
+          <a:lstStyle/>
+          <a:p>
+            <a:r>
+              <a:rPr lang="pt-BR" dirty="0"/>
+              <a:t>4</a:t>
+            </a:r>
+          </a:p>
+        </p:txBody>
+      </p:sp>
+      <p:sp>
+        <p:nvSpPr>
+          <p:cNvPr id="63" name="CaixaDeTexto 62">
+            <a:extLst>
+              <a:ext uri="{FF2B5EF4-FFF2-40B4-BE49-F238E27FC236}">
+                <a16:creationId xmlns:a16="http://schemas.microsoft.com/office/drawing/2014/main" id="{230195A3-CD15-42BB-87D0-65B5C2C52376}"/>
+              </a:ext>
+            </a:extLst>
+          </p:cNvPr>
+          <p:cNvSpPr txBox="1"/>
+          <p:nvPr/>
+        </p:nvSpPr>
+        <p:spPr>
+          <a:xfrm>
+            <a:off x="9424568" y="5161819"/>
+            <a:ext cx="309084" cy="369332"/>
+          </a:xfrm>
+          <a:prstGeom prst="rect">
+            <a:avLst/>
+          </a:prstGeom>
+          <a:solidFill>
+            <a:srgbClr val="00B0F0"/>
+          </a:solidFill>
+          <a:ln>
+            <a:solidFill>
+              <a:srgbClr val="00B0F0"/>
+            </a:solidFill>
+          </a:ln>
+        </p:spPr>
+        <p:txBody>
+          <a:bodyPr wrap="square" rtlCol="0">
+            <a:spAutoFit/>
+          </a:bodyPr>
+          <a:lstStyle/>
+          <a:p>
+            <a:r>
+              <a:rPr lang="pt-BR" dirty="0"/>
+              <a:t>0</a:t>
+            </a:r>
+          </a:p>
+        </p:txBody>
+      </p:sp>
+      <p:sp>
+        <p:nvSpPr>
+          <p:cNvPr id="5" name="CaixaDeTexto 4">
+            <a:extLst>
+              <a:ext uri="{FF2B5EF4-FFF2-40B4-BE49-F238E27FC236}">
+                <a16:creationId xmlns:a16="http://schemas.microsoft.com/office/drawing/2014/main" id="{55EF30B9-403F-4062-BDD3-6B83352B494F}"/>
+              </a:ext>
+            </a:extLst>
+          </p:cNvPr>
+          <p:cNvSpPr txBox="1"/>
+          <p:nvPr/>
+        </p:nvSpPr>
+        <p:spPr>
+          <a:xfrm>
+            <a:off x="1930400" y="5164962"/>
+            <a:ext cx="1120820" cy="369332"/>
+          </a:xfrm>
+          <a:prstGeom prst="rect">
+            <a:avLst/>
+          </a:prstGeom>
+          <a:noFill/>
+        </p:spPr>
+        <p:txBody>
+          <a:bodyPr wrap="none" rtlCol="0">
+            <a:spAutoFit/>
+          </a:bodyPr>
+          <a:lstStyle/>
+          <a:p>
+            <a:r>
+              <a:rPr lang="pt-BR" dirty="0"/>
+              <a:t>3 – </a:t>
+            </a:r>
+            <a:r>
+              <a:rPr lang="pt-BR" dirty="0" err="1"/>
+              <a:t>Opt</a:t>
+            </a:r>
+            <a:r>
+              <a:rPr lang="pt-BR" dirty="0"/>
+              <a:t> :</a:t>
+            </a:r>
+          </a:p>
+        </p:txBody>
+      </p:sp>
+      <p:sp>
+        <p:nvSpPr>
+          <p:cNvPr id="7" name="Retângulo 6">
+            <a:extLst>
+              <a:ext uri="{FF2B5EF4-FFF2-40B4-BE49-F238E27FC236}">
+                <a16:creationId xmlns:a16="http://schemas.microsoft.com/office/drawing/2014/main" id="{B2A32EE0-5B35-4008-9F1F-C5D8BE5BA437}"/>
+              </a:ext>
+            </a:extLst>
+          </p:cNvPr>
+          <p:cNvSpPr/>
+          <p:nvPr/>
+        </p:nvSpPr>
+        <p:spPr>
+          <a:xfrm>
+            <a:off x="5554440" y="3264840"/>
+            <a:ext cx="2700000" cy="900000"/>
+          </a:xfrm>
+          <a:prstGeom prst="rect">
+            <a:avLst/>
+          </a:prstGeom>
+          <a:noFill/>
+          <a:ln w="18000">
+            <a:solidFill>
+              <a:srgbClr val="AB008B"/>
+            </a:solidFill>
+          </a:ln>
+        </p:spPr>
+        <p:style>
+          <a:lnRef idx="2">
+            <a:schemeClr val="accent1">
+              <a:shade val="50000"/>
+            </a:schemeClr>
+          </a:lnRef>
+          <a:fillRef idx="1">
+            <a:schemeClr val="accent1"/>
+          </a:fillRef>
+          <a:effectRef idx="0">
+            <a:schemeClr val="accent1"/>
+          </a:effectRef>
+          <a:fontRef idx="minor">
+            <a:schemeClr val="lt1"/>
+          </a:fontRef>
+        </p:style>
+        <p:txBody>
+          <a:bodyPr rtlCol="0" anchor="ctr"/>
+          <a:lstStyle/>
+          <a:p>
+            <a:pPr algn="ctr"/>
+            <a:endParaRPr lang="pt-BR">
+              <a:solidFill>
+                <a:srgbClr val="AB008B"/>
+              </a:solidFill>
+            </a:endParaRPr>
+          </a:p>
+        </p:txBody>
+      </p:sp>
+      <p:sp>
+        <p:nvSpPr>
+          <p:cNvPr id="70" name="Elipse 69">
+            <a:extLst>
+              <a:ext uri="{FF2B5EF4-FFF2-40B4-BE49-F238E27FC236}">
+                <a16:creationId xmlns:a16="http://schemas.microsoft.com/office/drawing/2014/main" id="{97031947-3695-4E4A-9838-E069A34C3A38}"/>
+              </a:ext>
+            </a:extLst>
+          </p:cNvPr>
+          <p:cNvSpPr/>
+          <p:nvPr/>
+        </p:nvSpPr>
+        <p:spPr>
+          <a:xfrm>
+            <a:off x="4892069" y="4271333"/>
+            <a:ext cx="540000" cy="540000"/>
+          </a:xfrm>
+          <a:prstGeom prst="ellipse">
+            <a:avLst/>
+          </a:prstGeom>
+          <a:solidFill>
+            <a:srgbClr val="92D050">
+              <a:alpha val="75000"/>
+            </a:srgbClr>
+          </a:solidFill>
+          <a:ln w="18000">
+            <a:solidFill>
+              <a:schemeClr val="accent4">
+                <a:lumMod val="75000"/>
+              </a:schemeClr>
+            </a:solidFill>
+          </a:ln>
+        </p:spPr>
+        <p:style>
+          <a:lnRef idx="2">
+            <a:schemeClr val="accent1">
+              <a:shade val="50000"/>
+            </a:schemeClr>
+          </a:lnRef>
+          <a:fillRef idx="1">
+            <a:schemeClr val="accent1"/>
+          </a:fillRef>
+          <a:effectRef idx="0">
+            <a:schemeClr val="accent1"/>
+          </a:effectRef>
+          <a:fontRef idx="minor">
+            <a:schemeClr val="lt1"/>
+          </a:fontRef>
+        </p:style>
+        <p:txBody>
+          <a:bodyPr rtlCol="0" anchor="ctr"/>
+          <a:lstStyle/>
+          <a:p>
+            <a:pPr algn="ctr"/>
+            <a:endParaRPr lang="pt-BR">
+              <a:solidFill>
+                <a:srgbClr val="FF4E00"/>
+              </a:solidFill>
+            </a:endParaRPr>
+          </a:p>
+        </p:txBody>
+      </p:sp>
+      <p:sp>
+        <p:nvSpPr>
+          <p:cNvPr id="71" name="Elipse 70">
+            <a:extLst>
+              <a:ext uri="{FF2B5EF4-FFF2-40B4-BE49-F238E27FC236}">
+                <a16:creationId xmlns:a16="http://schemas.microsoft.com/office/drawing/2014/main" id="{D88F7926-3123-4AE6-8400-CCBE9A0EAFE1}"/>
+              </a:ext>
+            </a:extLst>
+          </p:cNvPr>
+          <p:cNvSpPr/>
+          <p:nvPr/>
+        </p:nvSpPr>
+        <p:spPr>
+          <a:xfrm>
+            <a:off x="5765829" y="4271333"/>
+            <a:ext cx="540000" cy="540000"/>
+          </a:xfrm>
+          <a:prstGeom prst="ellipse">
+            <a:avLst/>
+          </a:prstGeom>
+          <a:solidFill>
+            <a:srgbClr val="92D050">
+              <a:alpha val="75000"/>
+            </a:srgbClr>
+          </a:solidFill>
+          <a:ln w="18000">
+            <a:solidFill>
+              <a:schemeClr val="accent4">
+                <a:lumMod val="75000"/>
+              </a:schemeClr>
+            </a:solidFill>
+          </a:ln>
+        </p:spPr>
+        <p:style>
+          <a:lnRef idx="2">
+            <a:schemeClr val="accent1">
+              <a:shade val="50000"/>
+            </a:schemeClr>
+          </a:lnRef>
+          <a:fillRef idx="1">
+            <a:schemeClr val="accent1"/>
+          </a:fillRef>
+          <a:effectRef idx="0">
+            <a:schemeClr val="accent1"/>
+          </a:effectRef>
+          <a:fontRef idx="minor">
+            <a:schemeClr val="lt1"/>
+          </a:fontRef>
+        </p:style>
+        <p:txBody>
+          <a:bodyPr rtlCol="0" anchor="ctr"/>
+          <a:lstStyle/>
+          <a:p>
+            <a:pPr algn="ctr"/>
+            <a:endParaRPr lang="pt-BR">
+              <a:solidFill>
+                <a:srgbClr val="FF4E00"/>
+              </a:solidFill>
+            </a:endParaRPr>
+          </a:p>
+        </p:txBody>
+      </p:sp>
+      <p:sp>
+        <p:nvSpPr>
+          <p:cNvPr id="72" name="Elipse 71">
+            <a:extLst>
+              <a:ext uri="{FF2B5EF4-FFF2-40B4-BE49-F238E27FC236}">
+                <a16:creationId xmlns:a16="http://schemas.microsoft.com/office/drawing/2014/main" id="{134B83B0-FA20-4DFD-8940-E445CE5780CF}"/>
+              </a:ext>
+            </a:extLst>
+          </p:cNvPr>
+          <p:cNvSpPr/>
+          <p:nvPr/>
+        </p:nvSpPr>
+        <p:spPr>
+          <a:xfrm>
+            <a:off x="6667029" y="4271333"/>
+            <a:ext cx="540000" cy="540000"/>
+          </a:xfrm>
+          <a:prstGeom prst="ellipse">
+            <a:avLst/>
+          </a:prstGeom>
+          <a:solidFill>
+            <a:srgbClr val="92D050">
+              <a:alpha val="75000"/>
+            </a:srgbClr>
+          </a:solidFill>
+          <a:ln w="18000">
+            <a:solidFill>
+              <a:schemeClr val="accent4">
+                <a:lumMod val="75000"/>
+              </a:schemeClr>
+            </a:solidFill>
+          </a:ln>
+        </p:spPr>
+        <p:style>
+          <a:lnRef idx="2">
+            <a:schemeClr val="accent1">
+              <a:shade val="50000"/>
+            </a:schemeClr>
+          </a:lnRef>
+          <a:fillRef idx="1">
+            <a:schemeClr val="accent1"/>
+          </a:fillRef>
+          <a:effectRef idx="0">
+            <a:schemeClr val="accent1"/>
+          </a:effectRef>
+          <a:fontRef idx="minor">
+            <a:schemeClr val="lt1"/>
+          </a:fontRef>
+        </p:style>
+        <p:txBody>
+          <a:bodyPr rtlCol="0" anchor="ctr"/>
+          <a:lstStyle/>
+          <a:p>
+            <a:pPr algn="ctr"/>
+            <a:endParaRPr lang="pt-BR">
+              <a:solidFill>
+                <a:srgbClr val="FF4E00"/>
+              </a:solidFill>
+            </a:endParaRPr>
+          </a:p>
+        </p:txBody>
+      </p:sp>
+      <p:sp>
+        <p:nvSpPr>
+          <p:cNvPr id="73" name="Elipse 72">
+            <a:extLst>
+              <a:ext uri="{FF2B5EF4-FFF2-40B4-BE49-F238E27FC236}">
+                <a16:creationId xmlns:a16="http://schemas.microsoft.com/office/drawing/2014/main" id="{EC4DEB65-7584-4532-9EFB-33C0716C78E7}"/>
+              </a:ext>
+            </a:extLst>
+          </p:cNvPr>
+          <p:cNvSpPr/>
+          <p:nvPr/>
+        </p:nvSpPr>
+        <p:spPr>
+          <a:xfrm>
+            <a:off x="7544869" y="4271333"/>
+            <a:ext cx="540000" cy="540000"/>
+          </a:xfrm>
+          <a:prstGeom prst="ellipse">
+            <a:avLst/>
+          </a:prstGeom>
+          <a:solidFill>
+            <a:srgbClr val="92D050">
+              <a:alpha val="75000"/>
+            </a:srgbClr>
+          </a:solidFill>
+          <a:ln w="18000">
+            <a:solidFill>
+              <a:schemeClr val="accent4">
+                <a:lumMod val="75000"/>
+              </a:schemeClr>
+            </a:solidFill>
+          </a:ln>
+        </p:spPr>
+        <p:style>
+          <a:lnRef idx="2">
+            <a:schemeClr val="accent1">
+              <a:shade val="50000"/>
+            </a:schemeClr>
+          </a:lnRef>
+          <a:fillRef idx="1">
+            <a:schemeClr val="accent1"/>
+          </a:fillRef>
+          <a:effectRef idx="0">
+            <a:schemeClr val="accent1"/>
+          </a:effectRef>
+          <a:fontRef idx="minor">
+            <a:schemeClr val="lt1"/>
+          </a:fontRef>
+        </p:style>
+        <p:txBody>
+          <a:bodyPr rtlCol="0" anchor="ctr"/>
+          <a:lstStyle/>
+          <a:p>
+            <a:pPr algn="ctr"/>
+            <a:endParaRPr lang="pt-BR">
+              <a:solidFill>
+                <a:srgbClr val="FF4E00"/>
+              </a:solidFill>
+            </a:endParaRPr>
+          </a:p>
+        </p:txBody>
+      </p:sp>
+      <p:sp>
+        <p:nvSpPr>
+          <p:cNvPr id="74" name="Elipse 73">
+            <a:extLst>
+              <a:ext uri="{FF2B5EF4-FFF2-40B4-BE49-F238E27FC236}">
+                <a16:creationId xmlns:a16="http://schemas.microsoft.com/office/drawing/2014/main" id="{DC993B7C-3D06-48F4-A39E-E6D47E0D73D1}"/>
+              </a:ext>
+            </a:extLst>
+          </p:cNvPr>
+          <p:cNvSpPr/>
+          <p:nvPr/>
+        </p:nvSpPr>
+        <p:spPr>
+          <a:xfrm>
+            <a:off x="8422709" y="4271333"/>
+            <a:ext cx="540000" cy="540000"/>
+          </a:xfrm>
+          <a:prstGeom prst="ellipse">
+            <a:avLst/>
+          </a:prstGeom>
+          <a:solidFill>
+            <a:srgbClr val="92D050">
+              <a:alpha val="75000"/>
+            </a:srgbClr>
+          </a:solidFill>
+          <a:ln w="18000">
+            <a:solidFill>
+              <a:schemeClr val="accent4">
+                <a:lumMod val="75000"/>
+              </a:schemeClr>
+            </a:solidFill>
+          </a:ln>
+        </p:spPr>
+        <p:style>
+          <a:lnRef idx="2">
+            <a:schemeClr val="accent1">
+              <a:shade val="50000"/>
+            </a:schemeClr>
+          </a:lnRef>
+          <a:fillRef idx="1">
+            <a:schemeClr val="accent1"/>
+          </a:fillRef>
+          <a:effectRef idx="0">
+            <a:schemeClr val="accent1"/>
+          </a:effectRef>
+          <a:fontRef idx="minor">
+            <a:schemeClr val="lt1"/>
+          </a:fontRef>
+        </p:style>
+        <p:txBody>
+          <a:bodyPr rtlCol="0" anchor="ctr"/>
+          <a:lstStyle/>
+          <a:p>
+            <a:pPr algn="ctr"/>
+            <a:endParaRPr lang="pt-BR">
+              <a:solidFill>
+                <a:srgbClr val="FF4E00"/>
+              </a:solidFill>
+            </a:endParaRPr>
+          </a:p>
+        </p:txBody>
+      </p:sp>
+      <p:sp>
+        <p:nvSpPr>
+          <p:cNvPr id="75" name="Elipse 74">
+            <a:extLst>
+              <a:ext uri="{FF2B5EF4-FFF2-40B4-BE49-F238E27FC236}">
+                <a16:creationId xmlns:a16="http://schemas.microsoft.com/office/drawing/2014/main" id="{A331D323-7F5A-48DC-8AEF-5A7EFE19E9C1}"/>
+              </a:ext>
+            </a:extLst>
+          </p:cNvPr>
+          <p:cNvSpPr/>
+          <p:nvPr/>
+        </p:nvSpPr>
+        <p:spPr>
+          <a:xfrm>
+            <a:off x="9300549" y="4271333"/>
+            <a:ext cx="540000" cy="540000"/>
+          </a:xfrm>
+          <a:prstGeom prst="ellipse">
+            <a:avLst/>
+          </a:prstGeom>
+          <a:solidFill>
+            <a:srgbClr val="92D050">
+              <a:alpha val="75000"/>
+            </a:srgbClr>
+          </a:solidFill>
+          <a:ln w="18000">
+            <a:solidFill>
+              <a:schemeClr val="accent4">
+                <a:lumMod val="75000"/>
+              </a:schemeClr>
+            </a:solidFill>
+          </a:ln>
+        </p:spPr>
+        <p:style>
+          <a:lnRef idx="2">
+            <a:schemeClr val="accent1">
+              <a:shade val="50000"/>
+            </a:schemeClr>
+          </a:lnRef>
+          <a:fillRef idx="1">
+            <a:schemeClr val="accent1"/>
+          </a:fillRef>
+          <a:effectRef idx="0">
+            <a:schemeClr val="accent1"/>
+          </a:effectRef>
+          <a:fontRef idx="minor">
+            <a:schemeClr val="lt1"/>
+          </a:fontRef>
+        </p:style>
+        <p:txBody>
+          <a:bodyPr rtlCol="0" anchor="ctr"/>
+          <a:lstStyle/>
+          <a:p>
+            <a:pPr algn="ctr"/>
+            <a:endParaRPr lang="pt-BR">
+              <a:solidFill>
+                <a:srgbClr val="FF4E00"/>
+              </a:solidFill>
+            </a:endParaRPr>
+          </a:p>
+        </p:txBody>
+      </p:sp>
+      <p:sp>
+        <p:nvSpPr>
+          <p:cNvPr id="76" name="CaixaDeTexto 75">
+            <a:extLst>
+              <a:ext uri="{FF2B5EF4-FFF2-40B4-BE49-F238E27FC236}">
+                <a16:creationId xmlns:a16="http://schemas.microsoft.com/office/drawing/2014/main" id="{3277C813-26B3-4319-B614-6171297575B8}"/>
+              </a:ext>
+            </a:extLst>
+          </p:cNvPr>
+          <p:cNvSpPr txBox="1"/>
+          <p:nvPr/>
+        </p:nvSpPr>
+        <p:spPr>
+          <a:xfrm>
+            <a:off x="5007527" y="4356667"/>
+            <a:ext cx="309084" cy="369332"/>
+          </a:xfrm>
+          <a:prstGeom prst="rect">
+            <a:avLst/>
+          </a:prstGeom>
+          <a:noFill/>
+        </p:spPr>
+        <p:txBody>
+          <a:bodyPr wrap="square" rtlCol="0">
+            <a:spAutoFit/>
+          </a:bodyPr>
+          <a:lstStyle/>
+          <a:p>
+            <a:r>
+              <a:rPr lang="pt-BR" dirty="0"/>
+              <a:t>0</a:t>
+            </a:r>
+          </a:p>
+        </p:txBody>
+      </p:sp>
+      <p:sp>
+        <p:nvSpPr>
+          <p:cNvPr id="77" name="CaixaDeTexto 76">
+            <a:extLst>
+              <a:ext uri="{FF2B5EF4-FFF2-40B4-BE49-F238E27FC236}">
+                <a16:creationId xmlns:a16="http://schemas.microsoft.com/office/drawing/2014/main" id="{7DF67B29-CD11-4FB6-8ABF-0E4325BD322A}"/>
+              </a:ext>
+            </a:extLst>
+          </p:cNvPr>
+          <p:cNvSpPr txBox="1"/>
+          <p:nvPr/>
+        </p:nvSpPr>
+        <p:spPr>
+          <a:xfrm>
+            <a:off x="5881287" y="4356667"/>
+            <a:ext cx="309084" cy="369332"/>
+          </a:xfrm>
+          <a:prstGeom prst="rect">
+            <a:avLst/>
+          </a:prstGeom>
+          <a:noFill/>
+        </p:spPr>
+        <p:txBody>
+          <a:bodyPr wrap="square" rtlCol="0">
+            <a:spAutoFit/>
+          </a:bodyPr>
+          <a:lstStyle/>
+          <a:p>
+            <a:r>
+              <a:rPr lang="pt-BR" dirty="0"/>
+              <a:t>2</a:t>
+            </a:r>
+          </a:p>
+        </p:txBody>
+      </p:sp>
+      <p:sp>
+        <p:nvSpPr>
+          <p:cNvPr id="78" name="CaixaDeTexto 77">
+            <a:extLst>
+              <a:ext uri="{FF2B5EF4-FFF2-40B4-BE49-F238E27FC236}">
+                <a16:creationId xmlns:a16="http://schemas.microsoft.com/office/drawing/2014/main" id="{D351239C-978A-4771-8DC6-0C967BC89ED0}"/>
+              </a:ext>
+            </a:extLst>
+          </p:cNvPr>
+          <p:cNvSpPr txBox="1"/>
+          <p:nvPr/>
+        </p:nvSpPr>
+        <p:spPr>
+          <a:xfrm>
+            <a:off x="6782487" y="4356667"/>
+            <a:ext cx="309084" cy="369332"/>
+          </a:xfrm>
+          <a:prstGeom prst="rect">
+            <a:avLst/>
+          </a:prstGeom>
+          <a:noFill/>
+        </p:spPr>
+        <p:txBody>
+          <a:bodyPr wrap="square" rtlCol="0">
+            <a:spAutoFit/>
+          </a:bodyPr>
+          <a:lstStyle/>
+          <a:p>
+            <a:r>
+              <a:rPr lang="pt-BR" dirty="0"/>
+              <a:t>1</a:t>
+            </a:r>
+          </a:p>
+        </p:txBody>
+      </p:sp>
+      <p:sp>
+        <p:nvSpPr>
+          <p:cNvPr id="79" name="CaixaDeTexto 78">
+            <a:extLst>
+              <a:ext uri="{FF2B5EF4-FFF2-40B4-BE49-F238E27FC236}">
+                <a16:creationId xmlns:a16="http://schemas.microsoft.com/office/drawing/2014/main" id="{D28B2F5D-B9ED-4652-A1EF-255231EFB264}"/>
+              </a:ext>
+            </a:extLst>
+          </p:cNvPr>
+          <p:cNvSpPr txBox="1"/>
+          <p:nvPr/>
+        </p:nvSpPr>
+        <p:spPr>
+          <a:xfrm>
+            <a:off x="7660327" y="4356667"/>
+            <a:ext cx="309084" cy="369332"/>
+          </a:xfrm>
+          <a:prstGeom prst="rect">
+            <a:avLst/>
+          </a:prstGeom>
+          <a:noFill/>
+        </p:spPr>
+        <p:txBody>
+          <a:bodyPr wrap="square" rtlCol="0">
+            <a:spAutoFit/>
+          </a:bodyPr>
+          <a:lstStyle/>
+          <a:p>
+            <a:r>
+              <a:rPr lang="pt-BR" dirty="0"/>
+              <a:t>3</a:t>
+            </a:r>
+          </a:p>
+        </p:txBody>
+      </p:sp>
+      <p:sp>
+        <p:nvSpPr>
+          <p:cNvPr id="80" name="CaixaDeTexto 79">
+            <a:extLst>
+              <a:ext uri="{FF2B5EF4-FFF2-40B4-BE49-F238E27FC236}">
+                <a16:creationId xmlns:a16="http://schemas.microsoft.com/office/drawing/2014/main" id="{86F1237A-7893-4609-BA85-F307A67AD236}"/>
+              </a:ext>
+            </a:extLst>
+          </p:cNvPr>
+          <p:cNvSpPr txBox="1"/>
+          <p:nvPr/>
+        </p:nvSpPr>
+        <p:spPr>
+          <a:xfrm>
+            <a:off x="8538167" y="4356667"/>
+            <a:ext cx="309084" cy="369332"/>
+          </a:xfrm>
+          <a:prstGeom prst="rect">
+            <a:avLst/>
+          </a:prstGeom>
+          <a:noFill/>
+        </p:spPr>
+        <p:txBody>
+          <a:bodyPr wrap="square" rtlCol="0">
+            <a:spAutoFit/>
+          </a:bodyPr>
+          <a:lstStyle/>
+          <a:p>
+            <a:r>
+              <a:rPr lang="pt-BR" dirty="0"/>
+              <a:t>4</a:t>
+            </a:r>
+          </a:p>
+        </p:txBody>
+      </p:sp>
+      <p:sp>
+        <p:nvSpPr>
+          <p:cNvPr id="81" name="CaixaDeTexto 80">
+            <a:extLst>
+              <a:ext uri="{FF2B5EF4-FFF2-40B4-BE49-F238E27FC236}">
+                <a16:creationId xmlns:a16="http://schemas.microsoft.com/office/drawing/2014/main" id="{9CECFC37-62D8-4B46-B926-BE3AD9D68D1D}"/>
+              </a:ext>
+            </a:extLst>
+          </p:cNvPr>
+          <p:cNvSpPr txBox="1"/>
+          <p:nvPr/>
+        </p:nvSpPr>
+        <p:spPr>
+          <a:xfrm>
+            <a:off x="9424568" y="4356667"/>
+            <a:ext cx="309084" cy="369332"/>
+          </a:xfrm>
+          <a:prstGeom prst="rect">
+            <a:avLst/>
+          </a:prstGeom>
+          <a:noFill/>
+        </p:spPr>
+        <p:txBody>
+          <a:bodyPr wrap="square" rtlCol="0">
+            <a:spAutoFit/>
+          </a:bodyPr>
+          <a:lstStyle/>
+          <a:p>
+            <a:r>
+              <a:rPr lang="pt-BR" dirty="0"/>
+              <a:t>0</a:t>
+            </a:r>
+          </a:p>
+        </p:txBody>
+      </p:sp>
+    </p:spTree>
+    <p:extLst>
+      <p:ext uri="{BB962C8B-B14F-4D97-AF65-F5344CB8AC3E}">
+        <p14:creationId xmlns:p14="http://schemas.microsoft.com/office/powerpoint/2010/main" val="437501550"/>
+      </p:ext>
+    </p:extLst>
+  </p:cSld>
+  <p:clrMapOvr>
+    <a:masterClrMapping/>
+  </p:clrMapOvr>
+</p:sld>
+</file>
+
+<file path=ppt/slides/slide12.xml><?xml version="1.0" encoding="utf-8"?>
+<p:sld xmlns:a="http://schemas.openxmlformats.org/drawingml/2006/main" xmlns:r="http://schemas.openxmlformats.org/officeDocument/2006/relationships" xmlns:p="http://schemas.openxmlformats.org/presentationml/2006/main">
+  <p:cSld>
+    <p:spTree>
+      <p:nvGrpSpPr>
+        <p:cNvPr id="1" name=""/>
+        <p:cNvGrpSpPr/>
+        <p:nvPr/>
+      </p:nvGrpSpPr>
+      <p:grpSpPr>
+        <a:xfrm>
+          <a:off x="0" y="0"/>
+          <a:ext cx="0" cy="0"/>
+          <a:chOff x="0" y="0"/>
+          <a:chExt cx="0" cy="0"/>
+        </a:xfrm>
+      </p:grpSpPr>
+      <p:sp>
+        <p:nvSpPr>
+          <p:cNvPr id="2" name="Título 1">
+            <a:extLst>
+              <a:ext uri="{FF2B5EF4-FFF2-40B4-BE49-F238E27FC236}">
+                <a16:creationId xmlns:a16="http://schemas.microsoft.com/office/drawing/2014/main" id="{6D811184-239A-44CE-9921-B1A2FC5251CB}"/>
+              </a:ext>
+            </a:extLst>
+          </p:cNvPr>
+          <p:cNvSpPr>
+            <a:spLocks noGrp="1"/>
+          </p:cNvSpPr>
+          <p:nvPr>
+            <p:ph type="title"/>
+          </p:nvPr>
+        </p:nvSpPr>
+        <p:spPr>
+          <a:xfrm>
+            <a:off x="1930400" y="845653"/>
+            <a:ext cx="8610600" cy="1293028"/>
+          </a:xfrm>
+        </p:spPr>
+        <p:txBody>
+          <a:bodyPr>
+            <a:normAutofit fontScale="90000"/>
+          </a:bodyPr>
+          <a:lstStyle/>
+          <a:p>
+            <a:r>
+              <a:rPr lang="pt-BR" dirty="0"/>
+              <a:t>Meta-</a:t>
+            </a:r>
+            <a:r>
+              <a:rPr lang="pt-BR" dirty="0" err="1"/>
+              <a:t>heuristica</a:t>
+            </a:r>
+            <a:r>
+              <a:rPr lang="pt-BR" sz="4000" dirty="0"/>
+              <a:t>:</a:t>
+            </a:r>
+            <a:br>
+              <a:rPr lang="pt-BR" sz="4000" dirty="0"/>
+            </a:br>
+            <a:br>
+              <a:rPr lang="pt-BR" dirty="0"/>
+            </a:br>
+            <a:r>
+              <a:rPr lang="pt-BR" sz="2800" dirty="0" err="1"/>
+              <a:t>Simulated</a:t>
+            </a:r>
+            <a:r>
+              <a:rPr lang="pt-BR" sz="2800" dirty="0"/>
+              <a:t> </a:t>
+            </a:r>
+            <a:r>
+              <a:rPr lang="pt-BR" sz="2800" dirty="0" err="1"/>
+              <a:t>annealing</a:t>
+            </a:r>
+            <a:endParaRPr lang="pt-BR" sz="2800" dirty="0"/>
+          </a:p>
+        </p:txBody>
+      </p:sp>
+      <p:sp>
+        <p:nvSpPr>
+          <p:cNvPr id="3" name="Espaço Reservado para Conteúdo 2">
+            <a:extLst>
+              <a:ext uri="{FF2B5EF4-FFF2-40B4-BE49-F238E27FC236}">
+                <a16:creationId xmlns:a16="http://schemas.microsoft.com/office/drawing/2014/main" id="{C801B1CE-795C-4CCE-8B79-591E3815B698}"/>
+              </a:ext>
+            </a:extLst>
+          </p:cNvPr>
+          <p:cNvSpPr>
+            <a:spLocks noGrp="1"/>
+          </p:cNvSpPr>
+          <p:nvPr>
+            <p:ph idx="1"/>
+          </p:nvPr>
+        </p:nvSpPr>
+        <p:spPr>
+          <a:xfrm>
+            <a:off x="885511" y="2320206"/>
+            <a:ext cx="7071128" cy="540000"/>
+          </a:xfrm>
+        </p:spPr>
+        <p:txBody>
+          <a:bodyPr>
+            <a:normAutofit/>
+          </a:bodyPr>
+          <a:lstStyle/>
+          <a:p>
+            <a:pPr marL="0" indent="0">
+              <a:buNone/>
+            </a:pPr>
+            <a:r>
+              <a:rPr lang="pt-BR" dirty="0"/>
+              <a:t>	</a:t>
+            </a:r>
+            <a:r>
+              <a:rPr lang="pt-BR" sz="3200" dirty="0"/>
+              <a:t>Vizinhanças</a:t>
+            </a:r>
+          </a:p>
+        </p:txBody>
+      </p:sp>
+      <p:sp>
+        <p:nvSpPr>
+          <p:cNvPr id="8" name="CaixaDeTexto 7">
+            <a:extLst>
+              <a:ext uri="{FF2B5EF4-FFF2-40B4-BE49-F238E27FC236}">
+                <a16:creationId xmlns:a16="http://schemas.microsoft.com/office/drawing/2014/main" id="{47369606-71A7-4D2A-9403-98734EC8CF4E}"/>
+              </a:ext>
+            </a:extLst>
+          </p:cNvPr>
+          <p:cNvSpPr txBox="1"/>
+          <p:nvPr/>
+        </p:nvSpPr>
+        <p:spPr>
+          <a:xfrm>
+            <a:off x="1612621" y="2861730"/>
+            <a:ext cx="2976880" cy="584775"/>
+          </a:xfrm>
+          <a:prstGeom prst="rect">
+            <a:avLst/>
+          </a:prstGeom>
+          <a:noFill/>
+        </p:spPr>
+        <p:txBody>
+          <a:bodyPr wrap="square" rtlCol="0">
+            <a:spAutoFit/>
+          </a:bodyPr>
+          <a:lstStyle/>
+          <a:p>
+            <a:r>
+              <a:rPr lang="pt-BR" sz="3200" b="1" dirty="0"/>
+              <a:t>2-Opt</a:t>
+            </a:r>
+          </a:p>
+        </p:txBody>
+      </p:sp>
+      <p:sp>
+        <p:nvSpPr>
+          <p:cNvPr id="13" name="Elipse 12">
+            <a:extLst>
+              <a:ext uri="{FF2B5EF4-FFF2-40B4-BE49-F238E27FC236}">
+                <a16:creationId xmlns:a16="http://schemas.microsoft.com/office/drawing/2014/main" id="{785487F0-5C84-4360-A2A1-2FF74F902BDE}"/>
+              </a:ext>
+            </a:extLst>
+          </p:cNvPr>
+          <p:cNvSpPr/>
+          <p:nvPr/>
+        </p:nvSpPr>
+        <p:spPr>
+          <a:xfrm>
+            <a:off x="4892069" y="3435701"/>
+            <a:ext cx="540000" cy="540000"/>
+          </a:xfrm>
+          <a:prstGeom prst="ellipse">
+            <a:avLst/>
+          </a:prstGeom>
+          <a:solidFill>
+            <a:srgbClr val="FF4E00">
+              <a:alpha val="75000"/>
+            </a:srgbClr>
+          </a:solidFill>
+          <a:ln w="18000">
+            <a:solidFill>
+              <a:srgbClr val="FF4E00"/>
+            </a:solidFill>
+          </a:ln>
+        </p:spPr>
+        <p:style>
+          <a:lnRef idx="2">
+            <a:schemeClr val="accent1">
+              <a:shade val="50000"/>
+            </a:schemeClr>
+          </a:lnRef>
+          <a:fillRef idx="1">
+            <a:schemeClr val="accent1"/>
+          </a:fillRef>
+          <a:effectRef idx="0">
+            <a:schemeClr val="accent1"/>
+          </a:effectRef>
+          <a:fontRef idx="minor">
+            <a:schemeClr val="lt1"/>
+          </a:fontRef>
+        </p:style>
+        <p:txBody>
+          <a:bodyPr rtlCol="0" anchor="ctr"/>
+          <a:lstStyle/>
+          <a:p>
+            <a:pPr algn="ctr"/>
+            <a:endParaRPr lang="pt-BR">
+              <a:solidFill>
+                <a:srgbClr val="FF4E00"/>
+              </a:solidFill>
+            </a:endParaRPr>
+          </a:p>
+        </p:txBody>
+      </p:sp>
+      <p:sp>
+        <p:nvSpPr>
+          <p:cNvPr id="15" name="Elipse 14">
+            <a:extLst>
+              <a:ext uri="{FF2B5EF4-FFF2-40B4-BE49-F238E27FC236}">
+                <a16:creationId xmlns:a16="http://schemas.microsoft.com/office/drawing/2014/main" id="{53D3B27A-BACF-4A1C-93D4-5FFFEE49BE29}"/>
+              </a:ext>
+            </a:extLst>
+          </p:cNvPr>
+          <p:cNvSpPr/>
+          <p:nvPr/>
+        </p:nvSpPr>
+        <p:spPr>
+          <a:xfrm>
+            <a:off x="5765829" y="3435701"/>
+            <a:ext cx="540000" cy="540000"/>
+          </a:xfrm>
+          <a:prstGeom prst="ellipse">
+            <a:avLst/>
+          </a:prstGeom>
+          <a:solidFill>
+            <a:srgbClr val="FF4E00">
+              <a:alpha val="75000"/>
+            </a:srgbClr>
+          </a:solidFill>
+          <a:ln w="18000">
+            <a:solidFill>
+              <a:srgbClr val="FF4E00"/>
+            </a:solidFill>
+          </a:ln>
+        </p:spPr>
+        <p:style>
+          <a:lnRef idx="2">
+            <a:schemeClr val="accent1">
+              <a:shade val="50000"/>
+            </a:schemeClr>
+          </a:lnRef>
+          <a:fillRef idx="1">
+            <a:schemeClr val="accent1"/>
+          </a:fillRef>
+          <a:effectRef idx="0">
+            <a:schemeClr val="accent1"/>
+          </a:effectRef>
+          <a:fontRef idx="minor">
+            <a:schemeClr val="lt1"/>
+          </a:fontRef>
+        </p:style>
+        <p:txBody>
+          <a:bodyPr rtlCol="0" anchor="ctr"/>
+          <a:lstStyle/>
+          <a:p>
+            <a:pPr algn="ctr"/>
+            <a:endParaRPr lang="pt-BR">
+              <a:solidFill>
+                <a:srgbClr val="FF4E00"/>
+              </a:solidFill>
+            </a:endParaRPr>
+          </a:p>
+        </p:txBody>
+      </p:sp>
+      <p:sp>
+        <p:nvSpPr>
+          <p:cNvPr id="17" name="Elipse 16">
+            <a:extLst>
+              <a:ext uri="{FF2B5EF4-FFF2-40B4-BE49-F238E27FC236}">
+                <a16:creationId xmlns:a16="http://schemas.microsoft.com/office/drawing/2014/main" id="{9F2E3B3A-E616-42E7-9538-A98D22F3F07A}"/>
+              </a:ext>
+            </a:extLst>
+          </p:cNvPr>
+          <p:cNvSpPr/>
+          <p:nvPr/>
+        </p:nvSpPr>
+        <p:spPr>
+          <a:xfrm>
+            <a:off x="6667029" y="3435701"/>
+            <a:ext cx="540000" cy="540000"/>
+          </a:xfrm>
+          <a:prstGeom prst="ellipse">
+            <a:avLst/>
+          </a:prstGeom>
+          <a:solidFill>
+            <a:srgbClr val="FF4E00">
+              <a:alpha val="75000"/>
+            </a:srgbClr>
+          </a:solidFill>
+          <a:ln w="18000">
+            <a:solidFill>
+              <a:srgbClr val="FF4E00"/>
+            </a:solidFill>
+          </a:ln>
+        </p:spPr>
+        <p:style>
+          <a:lnRef idx="2">
+            <a:schemeClr val="accent1">
+              <a:shade val="50000"/>
+            </a:schemeClr>
+          </a:lnRef>
+          <a:fillRef idx="1">
+            <a:schemeClr val="accent1"/>
+          </a:fillRef>
+          <a:effectRef idx="0">
+            <a:schemeClr val="accent1"/>
+          </a:effectRef>
+          <a:fontRef idx="minor">
+            <a:schemeClr val="lt1"/>
+          </a:fontRef>
+        </p:style>
+        <p:txBody>
+          <a:bodyPr rtlCol="0" anchor="ctr"/>
+          <a:lstStyle/>
+          <a:p>
+            <a:pPr algn="ctr"/>
+            <a:endParaRPr lang="pt-BR">
+              <a:solidFill>
+                <a:srgbClr val="FF4E00"/>
+              </a:solidFill>
+            </a:endParaRPr>
+          </a:p>
+        </p:txBody>
+      </p:sp>
+      <p:sp>
+        <p:nvSpPr>
+          <p:cNvPr id="18" name="Elipse 17">
+            <a:extLst>
+              <a:ext uri="{FF2B5EF4-FFF2-40B4-BE49-F238E27FC236}">
+                <a16:creationId xmlns:a16="http://schemas.microsoft.com/office/drawing/2014/main" id="{AF7D96C6-F82E-4619-AC46-97C610389364}"/>
+              </a:ext>
+            </a:extLst>
+          </p:cNvPr>
+          <p:cNvSpPr/>
+          <p:nvPr/>
+        </p:nvSpPr>
+        <p:spPr>
+          <a:xfrm>
+            <a:off x="7544869" y="3435701"/>
+            <a:ext cx="540000" cy="540000"/>
+          </a:xfrm>
+          <a:prstGeom prst="ellipse">
+            <a:avLst/>
+          </a:prstGeom>
+          <a:solidFill>
+            <a:srgbClr val="FF4E00">
+              <a:alpha val="75000"/>
+            </a:srgbClr>
+          </a:solidFill>
+          <a:ln w="18000">
+            <a:solidFill>
+              <a:srgbClr val="FF4E00"/>
+            </a:solidFill>
+          </a:ln>
+        </p:spPr>
+        <p:style>
+          <a:lnRef idx="2">
+            <a:schemeClr val="accent1">
+              <a:shade val="50000"/>
+            </a:schemeClr>
+          </a:lnRef>
+          <a:fillRef idx="1">
+            <a:schemeClr val="accent1"/>
+          </a:fillRef>
+          <a:effectRef idx="0">
+            <a:schemeClr val="accent1"/>
+          </a:effectRef>
+          <a:fontRef idx="minor">
+            <a:schemeClr val="lt1"/>
+          </a:fontRef>
+        </p:style>
+        <p:txBody>
+          <a:bodyPr rtlCol="0" anchor="ctr"/>
+          <a:lstStyle/>
+          <a:p>
+            <a:pPr algn="ctr"/>
+            <a:endParaRPr lang="pt-BR">
+              <a:solidFill>
+                <a:srgbClr val="FF4E00"/>
+              </a:solidFill>
+            </a:endParaRPr>
+          </a:p>
+        </p:txBody>
+      </p:sp>
+      <p:sp>
+        <p:nvSpPr>
+          <p:cNvPr id="19" name="Elipse 18">
+            <a:extLst>
+              <a:ext uri="{FF2B5EF4-FFF2-40B4-BE49-F238E27FC236}">
+                <a16:creationId xmlns:a16="http://schemas.microsoft.com/office/drawing/2014/main" id="{96C93668-5640-4344-B5AE-E2A185314D13}"/>
+              </a:ext>
+            </a:extLst>
+          </p:cNvPr>
+          <p:cNvSpPr/>
+          <p:nvPr/>
+        </p:nvSpPr>
+        <p:spPr>
+          <a:xfrm>
+            <a:off x="8422709" y="3435701"/>
+            <a:ext cx="540000" cy="540000"/>
+          </a:xfrm>
+          <a:prstGeom prst="ellipse">
+            <a:avLst/>
+          </a:prstGeom>
+          <a:solidFill>
+            <a:srgbClr val="FF4E00">
+              <a:alpha val="75000"/>
+            </a:srgbClr>
+          </a:solidFill>
+          <a:ln w="18000">
+            <a:solidFill>
+              <a:srgbClr val="FF4E00"/>
+            </a:solidFill>
+          </a:ln>
+        </p:spPr>
+        <p:style>
+          <a:lnRef idx="2">
+            <a:schemeClr val="accent1">
+              <a:shade val="50000"/>
+            </a:schemeClr>
+          </a:lnRef>
+          <a:fillRef idx="1">
+            <a:schemeClr val="accent1"/>
+          </a:fillRef>
+          <a:effectRef idx="0">
+            <a:schemeClr val="accent1"/>
+          </a:effectRef>
+          <a:fontRef idx="minor">
+            <a:schemeClr val="lt1"/>
+          </a:fontRef>
+        </p:style>
+        <p:txBody>
+          <a:bodyPr rtlCol="0" anchor="ctr"/>
+          <a:lstStyle/>
+          <a:p>
+            <a:pPr algn="ctr"/>
+            <a:endParaRPr lang="pt-BR">
+              <a:solidFill>
+                <a:srgbClr val="FF4E00"/>
+              </a:solidFill>
+            </a:endParaRPr>
+          </a:p>
+        </p:txBody>
+      </p:sp>
+      <p:sp>
+        <p:nvSpPr>
+          <p:cNvPr id="20" name="Elipse 19">
+            <a:extLst>
+              <a:ext uri="{FF2B5EF4-FFF2-40B4-BE49-F238E27FC236}">
+                <a16:creationId xmlns:a16="http://schemas.microsoft.com/office/drawing/2014/main" id="{99B8FA62-104A-4FE0-ACE6-3530CD5A1BEB}"/>
+              </a:ext>
+            </a:extLst>
+          </p:cNvPr>
+          <p:cNvSpPr/>
+          <p:nvPr/>
+        </p:nvSpPr>
+        <p:spPr>
+          <a:xfrm>
+            <a:off x="9300549" y="3435701"/>
+            <a:ext cx="540000" cy="540000"/>
+          </a:xfrm>
+          <a:prstGeom prst="ellipse">
+            <a:avLst/>
+          </a:prstGeom>
+          <a:solidFill>
+            <a:srgbClr val="FF4E00">
+              <a:alpha val="75000"/>
+            </a:srgbClr>
+          </a:solidFill>
+          <a:ln w="18000">
+            <a:solidFill>
+              <a:srgbClr val="FF4E00"/>
+            </a:solidFill>
+          </a:ln>
+        </p:spPr>
+        <p:style>
+          <a:lnRef idx="2">
+            <a:schemeClr val="accent1">
+              <a:shade val="50000"/>
+            </a:schemeClr>
+          </a:lnRef>
+          <a:fillRef idx="1">
+            <a:schemeClr val="accent1"/>
+          </a:fillRef>
+          <a:effectRef idx="0">
+            <a:schemeClr val="accent1"/>
+          </a:effectRef>
+          <a:fontRef idx="minor">
+            <a:schemeClr val="lt1"/>
+          </a:fontRef>
+        </p:style>
+        <p:txBody>
+          <a:bodyPr rtlCol="0" anchor="ctr"/>
+          <a:lstStyle/>
+          <a:p>
+            <a:pPr algn="ctr"/>
+            <a:endParaRPr lang="pt-BR">
+              <a:solidFill>
+                <a:srgbClr val="FF4E00"/>
+              </a:solidFill>
+            </a:endParaRPr>
+          </a:p>
+        </p:txBody>
+      </p:sp>
+      <p:sp>
+        <p:nvSpPr>
+          <p:cNvPr id="23" name="CaixaDeTexto 22">
+            <a:extLst>
+              <a:ext uri="{FF2B5EF4-FFF2-40B4-BE49-F238E27FC236}">
+                <a16:creationId xmlns:a16="http://schemas.microsoft.com/office/drawing/2014/main" id="{8509AA95-C6E4-43A8-A526-B009C9D24EC3}"/>
+              </a:ext>
+            </a:extLst>
+          </p:cNvPr>
+          <p:cNvSpPr txBox="1"/>
+          <p:nvPr/>
+        </p:nvSpPr>
+        <p:spPr>
+          <a:xfrm>
+            <a:off x="5007527" y="3521035"/>
+            <a:ext cx="309084" cy="369332"/>
+          </a:xfrm>
+          <a:prstGeom prst="rect">
+            <a:avLst/>
+          </a:prstGeom>
+          <a:noFill/>
+        </p:spPr>
+        <p:txBody>
+          <a:bodyPr wrap="square" rtlCol="0">
+            <a:spAutoFit/>
+          </a:bodyPr>
+          <a:lstStyle/>
+          <a:p>
+            <a:r>
+              <a:rPr lang="pt-BR" dirty="0"/>
+              <a:t>0</a:t>
+            </a:r>
+          </a:p>
+        </p:txBody>
+      </p:sp>
+      <p:sp>
+        <p:nvSpPr>
+          <p:cNvPr id="24" name="CaixaDeTexto 23">
+            <a:extLst>
+              <a:ext uri="{FF2B5EF4-FFF2-40B4-BE49-F238E27FC236}">
+                <a16:creationId xmlns:a16="http://schemas.microsoft.com/office/drawing/2014/main" id="{FE5ABF49-0B8E-4ACE-A80F-4C9C1AE0CC25}"/>
+              </a:ext>
+            </a:extLst>
+          </p:cNvPr>
+          <p:cNvSpPr txBox="1"/>
+          <p:nvPr/>
+        </p:nvSpPr>
+        <p:spPr>
+          <a:xfrm>
+            <a:off x="5881287" y="3521035"/>
+            <a:ext cx="309084" cy="369332"/>
+          </a:xfrm>
+          <a:prstGeom prst="rect">
+            <a:avLst/>
+          </a:prstGeom>
+          <a:noFill/>
+        </p:spPr>
+        <p:txBody>
+          <a:bodyPr wrap="square" rtlCol="0">
+            <a:spAutoFit/>
+          </a:bodyPr>
+          <a:lstStyle/>
+          <a:p>
+            <a:r>
+              <a:rPr lang="pt-BR" dirty="0"/>
+              <a:t>1</a:t>
+            </a:r>
+          </a:p>
+        </p:txBody>
+      </p:sp>
+      <p:sp>
+        <p:nvSpPr>
+          <p:cNvPr id="25" name="CaixaDeTexto 24">
+            <a:extLst>
+              <a:ext uri="{FF2B5EF4-FFF2-40B4-BE49-F238E27FC236}">
+                <a16:creationId xmlns:a16="http://schemas.microsoft.com/office/drawing/2014/main" id="{C6FCC04B-B5F7-41B2-9097-4A5C4CF2D810}"/>
+              </a:ext>
+            </a:extLst>
+          </p:cNvPr>
+          <p:cNvSpPr txBox="1"/>
+          <p:nvPr/>
+        </p:nvSpPr>
+        <p:spPr>
+          <a:xfrm>
+            <a:off x="6782487" y="3521035"/>
+            <a:ext cx="309084" cy="369332"/>
+          </a:xfrm>
+          <a:prstGeom prst="rect">
+            <a:avLst/>
+          </a:prstGeom>
+          <a:noFill/>
+        </p:spPr>
+        <p:txBody>
+          <a:bodyPr wrap="square" rtlCol="0">
+            <a:spAutoFit/>
+          </a:bodyPr>
+          <a:lstStyle/>
+          <a:p>
+            <a:r>
+              <a:rPr lang="pt-BR" dirty="0"/>
+              <a:t>2</a:t>
+            </a:r>
+          </a:p>
+        </p:txBody>
+      </p:sp>
+      <p:sp>
+        <p:nvSpPr>
+          <p:cNvPr id="26" name="CaixaDeTexto 25">
+            <a:extLst>
+              <a:ext uri="{FF2B5EF4-FFF2-40B4-BE49-F238E27FC236}">
+                <a16:creationId xmlns:a16="http://schemas.microsoft.com/office/drawing/2014/main" id="{6D9D7ACA-D931-48C8-AE74-C893D0CF40EC}"/>
+              </a:ext>
+            </a:extLst>
+          </p:cNvPr>
+          <p:cNvSpPr txBox="1"/>
+          <p:nvPr/>
+        </p:nvSpPr>
+        <p:spPr>
+          <a:xfrm>
+            <a:off x="7660327" y="3521035"/>
+            <a:ext cx="309084" cy="369332"/>
+          </a:xfrm>
+          <a:prstGeom prst="rect">
+            <a:avLst/>
+          </a:prstGeom>
+          <a:noFill/>
+        </p:spPr>
+        <p:txBody>
+          <a:bodyPr wrap="square" rtlCol="0">
+            <a:spAutoFit/>
+          </a:bodyPr>
+          <a:lstStyle/>
+          <a:p>
+            <a:r>
+              <a:rPr lang="pt-BR" dirty="0"/>
+              <a:t>3</a:t>
+            </a:r>
+          </a:p>
+        </p:txBody>
+      </p:sp>
+      <p:sp>
+        <p:nvSpPr>
+          <p:cNvPr id="27" name="CaixaDeTexto 26">
+            <a:extLst>
+              <a:ext uri="{FF2B5EF4-FFF2-40B4-BE49-F238E27FC236}">
+                <a16:creationId xmlns:a16="http://schemas.microsoft.com/office/drawing/2014/main" id="{D3BDDC9A-C5C1-4A8C-BA82-5F9C49C56152}"/>
+              </a:ext>
+            </a:extLst>
+          </p:cNvPr>
+          <p:cNvSpPr txBox="1"/>
+          <p:nvPr/>
+        </p:nvSpPr>
+        <p:spPr>
+          <a:xfrm>
+            <a:off x="8538167" y="3521035"/>
+            <a:ext cx="309084" cy="369332"/>
+          </a:xfrm>
+          <a:prstGeom prst="rect">
+            <a:avLst/>
+          </a:prstGeom>
+          <a:noFill/>
+        </p:spPr>
+        <p:txBody>
+          <a:bodyPr wrap="square" rtlCol="0">
+            <a:spAutoFit/>
+          </a:bodyPr>
+          <a:lstStyle/>
+          <a:p>
+            <a:r>
+              <a:rPr lang="pt-BR" dirty="0"/>
+              <a:t>4</a:t>
+            </a:r>
+          </a:p>
+        </p:txBody>
+      </p:sp>
+      <p:sp>
+        <p:nvSpPr>
+          <p:cNvPr id="28" name="CaixaDeTexto 27">
+            <a:extLst>
+              <a:ext uri="{FF2B5EF4-FFF2-40B4-BE49-F238E27FC236}">
+                <a16:creationId xmlns:a16="http://schemas.microsoft.com/office/drawing/2014/main" id="{9DD02DE4-DE23-4F40-857D-C4439FCD9DCF}"/>
+              </a:ext>
+            </a:extLst>
+          </p:cNvPr>
+          <p:cNvSpPr txBox="1"/>
+          <p:nvPr/>
+        </p:nvSpPr>
+        <p:spPr>
+          <a:xfrm>
+            <a:off x="9424568" y="3521035"/>
+            <a:ext cx="309084" cy="369332"/>
+          </a:xfrm>
+          <a:prstGeom prst="rect">
+            <a:avLst/>
+          </a:prstGeom>
+          <a:noFill/>
+        </p:spPr>
+        <p:txBody>
+          <a:bodyPr wrap="square" rtlCol="0">
+            <a:spAutoFit/>
+          </a:bodyPr>
+          <a:lstStyle/>
+          <a:p>
+            <a:r>
+              <a:rPr lang="pt-BR" dirty="0"/>
+              <a:t>0</a:t>
+            </a:r>
+          </a:p>
+        </p:txBody>
+      </p:sp>
+      <p:sp>
+        <p:nvSpPr>
+          <p:cNvPr id="29" name="CaixaDeTexto 28">
+            <a:extLst>
+              <a:ext uri="{FF2B5EF4-FFF2-40B4-BE49-F238E27FC236}">
+                <a16:creationId xmlns:a16="http://schemas.microsoft.com/office/drawing/2014/main" id="{A0596966-7710-43AF-A26D-4B87970DF133}"/>
+              </a:ext>
+            </a:extLst>
+          </p:cNvPr>
+          <p:cNvSpPr txBox="1"/>
+          <p:nvPr/>
+        </p:nvSpPr>
+        <p:spPr>
+          <a:xfrm>
+            <a:off x="1741651" y="3516550"/>
+            <a:ext cx="2506701" cy="461665"/>
+          </a:xfrm>
+          <a:prstGeom prst="rect">
+            <a:avLst/>
+          </a:prstGeom>
+          <a:noFill/>
+        </p:spPr>
+        <p:txBody>
+          <a:bodyPr wrap="square" rtlCol="0">
+            <a:spAutoFit/>
+          </a:bodyPr>
+          <a:lstStyle/>
+          <a:p>
+            <a:r>
+              <a:rPr lang="pt-BR" sz="2400" dirty="0"/>
+              <a:t>Solução Base: </a:t>
+            </a:r>
+          </a:p>
+        </p:txBody>
+      </p:sp>
+      <p:sp>
+        <p:nvSpPr>
+          <p:cNvPr id="4" name="CaixaDeTexto 3">
+            <a:extLst>
+              <a:ext uri="{FF2B5EF4-FFF2-40B4-BE49-F238E27FC236}">
+                <a16:creationId xmlns:a16="http://schemas.microsoft.com/office/drawing/2014/main" id="{9056A89E-C2B2-4F4C-AC1E-D420C8B8002F}"/>
+              </a:ext>
+            </a:extLst>
+          </p:cNvPr>
+          <p:cNvSpPr txBox="1"/>
+          <p:nvPr/>
+        </p:nvSpPr>
+        <p:spPr>
+          <a:xfrm>
+            <a:off x="1916318" y="4305373"/>
+            <a:ext cx="2415261" cy="369332"/>
+          </a:xfrm>
+          <a:prstGeom prst="rect">
+            <a:avLst/>
+          </a:prstGeom>
+          <a:noFill/>
+        </p:spPr>
+        <p:txBody>
+          <a:bodyPr wrap="square" rtlCol="0">
+            <a:spAutoFit/>
+          </a:bodyPr>
+          <a:lstStyle/>
+          <a:p>
+            <a:r>
+              <a:rPr lang="pt-BR" dirty="0"/>
+              <a:t>2 – </a:t>
+            </a:r>
+            <a:r>
+              <a:rPr lang="pt-BR" dirty="0" err="1"/>
+              <a:t>Opt</a:t>
+            </a:r>
+            <a:r>
+              <a:rPr lang="pt-BR" dirty="0"/>
+              <a:t> : </a:t>
+            </a:r>
+          </a:p>
+        </p:txBody>
+      </p:sp>
+      <p:sp>
+        <p:nvSpPr>
+          <p:cNvPr id="5" name="CaixaDeTexto 4">
+            <a:extLst>
+              <a:ext uri="{FF2B5EF4-FFF2-40B4-BE49-F238E27FC236}">
+                <a16:creationId xmlns:a16="http://schemas.microsoft.com/office/drawing/2014/main" id="{55EF30B9-403F-4062-BDD3-6B83352B494F}"/>
+              </a:ext>
+            </a:extLst>
+          </p:cNvPr>
+          <p:cNvSpPr txBox="1"/>
+          <p:nvPr/>
+        </p:nvSpPr>
+        <p:spPr>
+          <a:xfrm>
+            <a:off x="1930400" y="5164962"/>
+            <a:ext cx="1120820" cy="369332"/>
+          </a:xfrm>
+          <a:prstGeom prst="rect">
+            <a:avLst/>
+          </a:prstGeom>
+          <a:noFill/>
+        </p:spPr>
+        <p:txBody>
+          <a:bodyPr wrap="none" rtlCol="0">
+            <a:spAutoFit/>
+          </a:bodyPr>
+          <a:lstStyle/>
+          <a:p>
+            <a:r>
+              <a:rPr lang="pt-BR" dirty="0"/>
+              <a:t>3 – </a:t>
+            </a:r>
+            <a:r>
+              <a:rPr lang="pt-BR" dirty="0" err="1"/>
+              <a:t>Opt</a:t>
+            </a:r>
+            <a:r>
+              <a:rPr lang="pt-BR" dirty="0"/>
+              <a:t> :</a:t>
+            </a:r>
+          </a:p>
+        </p:txBody>
+      </p:sp>
+      <p:sp>
+        <p:nvSpPr>
+          <p:cNvPr id="9" name="Retângulo 8">
+            <a:extLst>
+              <a:ext uri="{FF2B5EF4-FFF2-40B4-BE49-F238E27FC236}">
+                <a16:creationId xmlns:a16="http://schemas.microsoft.com/office/drawing/2014/main" id="{946637AD-5973-4E55-B06C-5C3E937FD68D}"/>
+              </a:ext>
+            </a:extLst>
+          </p:cNvPr>
+          <p:cNvSpPr/>
+          <p:nvPr/>
+        </p:nvSpPr>
+        <p:spPr>
+          <a:xfrm>
+            <a:off x="5642640" y="3245760"/>
+            <a:ext cx="3420000" cy="900000"/>
+          </a:xfrm>
+          <a:prstGeom prst="rect">
+            <a:avLst/>
+          </a:prstGeom>
+          <a:noFill/>
+          <a:ln w="18000">
+            <a:solidFill>
+              <a:srgbClr val="AB008B"/>
+            </a:solidFill>
+          </a:ln>
+        </p:spPr>
+        <p:style>
+          <a:lnRef idx="2">
+            <a:schemeClr val="accent1">
+              <a:shade val="50000"/>
+            </a:schemeClr>
+          </a:lnRef>
+          <a:fillRef idx="1">
+            <a:schemeClr val="accent1"/>
+          </a:fillRef>
+          <a:effectRef idx="0">
+            <a:schemeClr val="accent1"/>
+          </a:effectRef>
+          <a:fontRef idx="minor">
+            <a:schemeClr val="lt1"/>
+          </a:fontRef>
+        </p:style>
+        <p:txBody>
+          <a:bodyPr rtlCol="0" anchor="ctr"/>
+          <a:lstStyle/>
+          <a:p>
+            <a:pPr algn="ctr"/>
+            <a:endParaRPr lang="pt-BR">
+              <a:solidFill>
+                <a:srgbClr val="AB008B"/>
+              </a:solidFill>
+            </a:endParaRPr>
+          </a:p>
+        </p:txBody>
+      </p:sp>
+      <p:sp>
+        <p:nvSpPr>
+          <p:cNvPr id="47" name="Elipse 46">
+            <a:extLst>
+              <a:ext uri="{FF2B5EF4-FFF2-40B4-BE49-F238E27FC236}">
+                <a16:creationId xmlns:a16="http://schemas.microsoft.com/office/drawing/2014/main" id="{C16C15BB-E9D0-4C68-AE17-D36F852D0164}"/>
+              </a:ext>
+            </a:extLst>
+          </p:cNvPr>
+          <p:cNvSpPr/>
+          <p:nvPr/>
+        </p:nvSpPr>
+        <p:spPr>
+          <a:xfrm>
+            <a:off x="4892069" y="5927013"/>
+            <a:ext cx="540000" cy="540000"/>
+          </a:xfrm>
+          <a:prstGeom prst="ellipse">
+            <a:avLst/>
+          </a:prstGeom>
+          <a:solidFill>
+            <a:srgbClr val="FFC000"/>
+          </a:solidFill>
+          <a:ln w="18000">
+            <a:solidFill>
+              <a:srgbClr val="FFC000"/>
+            </a:solidFill>
+          </a:ln>
+        </p:spPr>
+        <p:style>
+          <a:lnRef idx="2">
+            <a:schemeClr val="accent1">
+              <a:shade val="50000"/>
+            </a:schemeClr>
+          </a:lnRef>
+          <a:fillRef idx="1">
+            <a:schemeClr val="accent1"/>
+          </a:fillRef>
+          <a:effectRef idx="0">
+            <a:schemeClr val="accent1"/>
+          </a:effectRef>
+          <a:fontRef idx="minor">
+            <a:schemeClr val="lt1"/>
+          </a:fontRef>
+        </p:style>
+        <p:txBody>
+          <a:bodyPr rtlCol="0" anchor="ctr"/>
+          <a:lstStyle/>
+          <a:p>
+            <a:pPr algn="ctr"/>
+            <a:endParaRPr lang="pt-BR">
+              <a:solidFill>
+                <a:srgbClr val="FF4E00"/>
+              </a:solidFill>
+            </a:endParaRPr>
+          </a:p>
+        </p:txBody>
+      </p:sp>
+      <p:sp>
+        <p:nvSpPr>
+          <p:cNvPr id="48" name="Elipse 47">
+            <a:extLst>
+              <a:ext uri="{FF2B5EF4-FFF2-40B4-BE49-F238E27FC236}">
+                <a16:creationId xmlns:a16="http://schemas.microsoft.com/office/drawing/2014/main" id="{659447E6-16A2-4F78-94D7-517288845CCE}"/>
+              </a:ext>
+            </a:extLst>
+          </p:cNvPr>
+          <p:cNvSpPr/>
+          <p:nvPr/>
+        </p:nvSpPr>
+        <p:spPr>
+          <a:xfrm>
+            <a:off x="5765829" y="5927013"/>
+            <a:ext cx="540000" cy="540000"/>
+          </a:xfrm>
+          <a:prstGeom prst="ellipse">
+            <a:avLst/>
+          </a:prstGeom>
+          <a:solidFill>
+            <a:srgbClr val="FFC000"/>
+          </a:solidFill>
+          <a:ln w="18000">
+            <a:solidFill>
+              <a:srgbClr val="FFC000"/>
+            </a:solidFill>
+          </a:ln>
+        </p:spPr>
+        <p:style>
+          <a:lnRef idx="2">
+            <a:schemeClr val="accent1">
+              <a:shade val="50000"/>
+            </a:schemeClr>
+          </a:lnRef>
+          <a:fillRef idx="1">
+            <a:schemeClr val="accent1"/>
+          </a:fillRef>
+          <a:effectRef idx="0">
+            <a:schemeClr val="accent1"/>
+          </a:effectRef>
+          <a:fontRef idx="minor">
+            <a:schemeClr val="lt1"/>
+          </a:fontRef>
+        </p:style>
+        <p:txBody>
+          <a:bodyPr rtlCol="0" anchor="ctr"/>
+          <a:lstStyle/>
+          <a:p>
+            <a:pPr algn="ctr"/>
+            <a:endParaRPr lang="pt-BR">
+              <a:solidFill>
+                <a:srgbClr val="FF4E00"/>
+              </a:solidFill>
+            </a:endParaRPr>
+          </a:p>
+        </p:txBody>
+      </p:sp>
+      <p:sp>
+        <p:nvSpPr>
+          <p:cNvPr id="49" name="Elipse 48">
+            <a:extLst>
+              <a:ext uri="{FF2B5EF4-FFF2-40B4-BE49-F238E27FC236}">
+                <a16:creationId xmlns:a16="http://schemas.microsoft.com/office/drawing/2014/main" id="{8095BA96-3BF2-4795-9904-D3172017F900}"/>
+              </a:ext>
+            </a:extLst>
+          </p:cNvPr>
+          <p:cNvSpPr/>
+          <p:nvPr/>
+        </p:nvSpPr>
+        <p:spPr>
+          <a:xfrm>
+            <a:off x="6667029" y="5927013"/>
+            <a:ext cx="540000" cy="540000"/>
+          </a:xfrm>
+          <a:prstGeom prst="ellipse">
+            <a:avLst/>
+          </a:prstGeom>
+          <a:solidFill>
+            <a:srgbClr val="FFC000"/>
+          </a:solidFill>
+          <a:ln w="18000">
+            <a:solidFill>
+              <a:srgbClr val="FFC000"/>
+            </a:solidFill>
+          </a:ln>
+        </p:spPr>
+        <p:style>
+          <a:lnRef idx="2">
+            <a:schemeClr val="accent1">
+              <a:shade val="50000"/>
+            </a:schemeClr>
+          </a:lnRef>
+          <a:fillRef idx="1">
+            <a:schemeClr val="accent1"/>
+          </a:fillRef>
+          <a:effectRef idx="0">
+            <a:schemeClr val="accent1"/>
+          </a:effectRef>
+          <a:fontRef idx="minor">
+            <a:schemeClr val="lt1"/>
+          </a:fontRef>
+        </p:style>
+        <p:txBody>
+          <a:bodyPr rtlCol="0" anchor="ctr"/>
+          <a:lstStyle/>
+          <a:p>
+            <a:pPr algn="ctr"/>
+            <a:endParaRPr lang="pt-BR">
+              <a:solidFill>
+                <a:srgbClr val="FF4E00"/>
+              </a:solidFill>
+            </a:endParaRPr>
+          </a:p>
+        </p:txBody>
+      </p:sp>
+      <p:sp>
+        <p:nvSpPr>
+          <p:cNvPr id="50" name="Elipse 49">
+            <a:extLst>
+              <a:ext uri="{FF2B5EF4-FFF2-40B4-BE49-F238E27FC236}">
+                <a16:creationId xmlns:a16="http://schemas.microsoft.com/office/drawing/2014/main" id="{0444A613-4817-4C61-8F5D-10A1D03B4E1B}"/>
+              </a:ext>
+            </a:extLst>
+          </p:cNvPr>
+          <p:cNvSpPr/>
+          <p:nvPr/>
+        </p:nvSpPr>
+        <p:spPr>
+          <a:xfrm>
+            <a:off x="7544869" y="5927013"/>
+            <a:ext cx="540000" cy="540000"/>
+          </a:xfrm>
+          <a:prstGeom prst="ellipse">
+            <a:avLst/>
+          </a:prstGeom>
+          <a:solidFill>
+            <a:srgbClr val="FFC000"/>
+          </a:solidFill>
+          <a:ln w="18000">
+            <a:solidFill>
+              <a:srgbClr val="FFC000"/>
+            </a:solidFill>
+          </a:ln>
+        </p:spPr>
+        <p:style>
+          <a:lnRef idx="2">
+            <a:schemeClr val="accent1">
+              <a:shade val="50000"/>
+            </a:schemeClr>
+          </a:lnRef>
+          <a:fillRef idx="1">
+            <a:schemeClr val="accent1"/>
+          </a:fillRef>
+          <a:effectRef idx="0">
+            <a:schemeClr val="accent1"/>
+          </a:effectRef>
+          <a:fontRef idx="minor">
+            <a:schemeClr val="lt1"/>
+          </a:fontRef>
+        </p:style>
+        <p:txBody>
+          <a:bodyPr rtlCol="0" anchor="ctr"/>
+          <a:lstStyle/>
+          <a:p>
+            <a:pPr algn="ctr"/>
+            <a:endParaRPr lang="pt-BR">
+              <a:solidFill>
+                <a:srgbClr val="FF4E00"/>
+              </a:solidFill>
+            </a:endParaRPr>
+          </a:p>
+        </p:txBody>
+      </p:sp>
+      <p:sp>
+        <p:nvSpPr>
+          <p:cNvPr id="51" name="Elipse 50">
+            <a:extLst>
+              <a:ext uri="{FF2B5EF4-FFF2-40B4-BE49-F238E27FC236}">
+                <a16:creationId xmlns:a16="http://schemas.microsoft.com/office/drawing/2014/main" id="{80E3C8FE-21B2-4DF9-A12C-4D305DF94D82}"/>
+              </a:ext>
+            </a:extLst>
+          </p:cNvPr>
+          <p:cNvSpPr/>
+          <p:nvPr/>
+        </p:nvSpPr>
+        <p:spPr>
+          <a:xfrm>
+            <a:off x="8422709" y="5927013"/>
+            <a:ext cx="540000" cy="540000"/>
+          </a:xfrm>
+          <a:prstGeom prst="ellipse">
+            <a:avLst/>
+          </a:prstGeom>
+          <a:solidFill>
+            <a:srgbClr val="FFC000"/>
+          </a:solidFill>
+          <a:ln w="18000">
+            <a:solidFill>
+              <a:srgbClr val="FFC000"/>
+            </a:solidFill>
+          </a:ln>
+        </p:spPr>
+        <p:style>
+          <a:lnRef idx="2">
+            <a:schemeClr val="accent1">
+              <a:shade val="50000"/>
+            </a:schemeClr>
+          </a:lnRef>
+          <a:fillRef idx="1">
+            <a:schemeClr val="accent1"/>
+          </a:fillRef>
+          <a:effectRef idx="0">
+            <a:schemeClr val="accent1"/>
+          </a:effectRef>
+          <a:fontRef idx="minor">
+            <a:schemeClr val="lt1"/>
+          </a:fontRef>
+        </p:style>
+        <p:txBody>
+          <a:bodyPr rtlCol="0" anchor="ctr"/>
+          <a:lstStyle/>
+          <a:p>
+            <a:pPr algn="ctr"/>
+            <a:endParaRPr lang="pt-BR">
+              <a:solidFill>
+                <a:srgbClr val="FF4E00"/>
+              </a:solidFill>
+            </a:endParaRPr>
+          </a:p>
+        </p:txBody>
+      </p:sp>
+      <p:sp>
+        <p:nvSpPr>
+          <p:cNvPr id="64" name="Elipse 63">
+            <a:extLst>
+              <a:ext uri="{FF2B5EF4-FFF2-40B4-BE49-F238E27FC236}">
+                <a16:creationId xmlns:a16="http://schemas.microsoft.com/office/drawing/2014/main" id="{469BFDC4-9E5F-4339-9462-49A9E7B2FE0A}"/>
+              </a:ext>
+            </a:extLst>
+          </p:cNvPr>
+          <p:cNvSpPr/>
+          <p:nvPr/>
+        </p:nvSpPr>
+        <p:spPr>
+          <a:xfrm>
+            <a:off x="9300549" y="5927013"/>
+            <a:ext cx="540000" cy="540000"/>
+          </a:xfrm>
+          <a:prstGeom prst="ellipse">
+            <a:avLst/>
+          </a:prstGeom>
+          <a:solidFill>
+            <a:srgbClr val="FFC000"/>
+          </a:solidFill>
+          <a:ln w="18000">
+            <a:solidFill>
+              <a:srgbClr val="FFC000"/>
+            </a:solidFill>
+          </a:ln>
+        </p:spPr>
+        <p:style>
+          <a:lnRef idx="2">
+            <a:schemeClr val="accent1">
+              <a:shade val="50000"/>
+            </a:schemeClr>
+          </a:lnRef>
+          <a:fillRef idx="1">
+            <a:schemeClr val="accent1"/>
+          </a:fillRef>
+          <a:effectRef idx="0">
+            <a:schemeClr val="accent1"/>
+          </a:effectRef>
+          <a:fontRef idx="minor">
+            <a:schemeClr val="lt1"/>
+          </a:fontRef>
+        </p:style>
+        <p:txBody>
+          <a:bodyPr rtlCol="0" anchor="ctr"/>
+          <a:lstStyle/>
+          <a:p>
+            <a:pPr algn="ctr"/>
+            <a:endParaRPr lang="pt-BR">
+              <a:solidFill>
+                <a:srgbClr val="FF4E00"/>
+              </a:solidFill>
+            </a:endParaRPr>
+          </a:p>
+        </p:txBody>
+      </p:sp>
+      <p:sp>
+        <p:nvSpPr>
+          <p:cNvPr id="65" name="CaixaDeTexto 64">
+            <a:extLst>
+              <a:ext uri="{FF2B5EF4-FFF2-40B4-BE49-F238E27FC236}">
+                <a16:creationId xmlns:a16="http://schemas.microsoft.com/office/drawing/2014/main" id="{16B0134C-81F5-4552-94D8-9FD16E28E4CF}"/>
+              </a:ext>
+            </a:extLst>
+          </p:cNvPr>
+          <p:cNvSpPr txBox="1"/>
+          <p:nvPr/>
+        </p:nvSpPr>
+        <p:spPr>
+          <a:xfrm>
+            <a:off x="5007527" y="6012347"/>
+            <a:ext cx="309084" cy="369332"/>
+          </a:xfrm>
+          <a:prstGeom prst="rect">
+            <a:avLst/>
+          </a:prstGeom>
+          <a:solidFill>
+            <a:srgbClr val="FFC000"/>
+          </a:solidFill>
+          <a:ln>
+            <a:solidFill>
+              <a:srgbClr val="FFC000"/>
+            </a:solidFill>
+          </a:ln>
+        </p:spPr>
+        <p:txBody>
+          <a:bodyPr wrap="square" rtlCol="0">
+            <a:spAutoFit/>
+          </a:bodyPr>
+          <a:lstStyle/>
+          <a:p>
+            <a:r>
+              <a:rPr lang="pt-BR" dirty="0"/>
+              <a:t>0</a:t>
+            </a:r>
+          </a:p>
+        </p:txBody>
+      </p:sp>
+      <p:sp>
+        <p:nvSpPr>
+          <p:cNvPr id="66" name="CaixaDeTexto 65">
+            <a:extLst>
+              <a:ext uri="{FF2B5EF4-FFF2-40B4-BE49-F238E27FC236}">
+                <a16:creationId xmlns:a16="http://schemas.microsoft.com/office/drawing/2014/main" id="{E62CED31-085E-45F4-8EBB-C68D98ABE80C}"/>
+              </a:ext>
+            </a:extLst>
+          </p:cNvPr>
+          <p:cNvSpPr txBox="1"/>
+          <p:nvPr/>
+        </p:nvSpPr>
+        <p:spPr>
+          <a:xfrm>
+            <a:off x="5881287" y="6012347"/>
+            <a:ext cx="309084" cy="369332"/>
+          </a:xfrm>
+          <a:prstGeom prst="rect">
+            <a:avLst/>
+          </a:prstGeom>
+          <a:solidFill>
+            <a:srgbClr val="FFC000"/>
+          </a:solidFill>
+          <a:ln>
+            <a:solidFill>
+              <a:srgbClr val="FFC000"/>
+            </a:solidFill>
+          </a:ln>
+        </p:spPr>
+        <p:txBody>
+          <a:bodyPr wrap="square" rtlCol="0">
+            <a:spAutoFit/>
+          </a:bodyPr>
+          <a:lstStyle/>
+          <a:p>
+            <a:r>
+              <a:rPr lang="pt-BR" dirty="0"/>
+              <a:t>1</a:t>
+            </a:r>
+          </a:p>
+        </p:txBody>
+      </p:sp>
+      <p:sp>
+        <p:nvSpPr>
+          <p:cNvPr id="67" name="CaixaDeTexto 66">
+            <a:extLst>
+              <a:ext uri="{FF2B5EF4-FFF2-40B4-BE49-F238E27FC236}">
+                <a16:creationId xmlns:a16="http://schemas.microsoft.com/office/drawing/2014/main" id="{EB97FE58-86D1-479C-AFCD-4BED8EA0A27B}"/>
+              </a:ext>
+            </a:extLst>
+          </p:cNvPr>
+          <p:cNvSpPr txBox="1"/>
+          <p:nvPr/>
+        </p:nvSpPr>
+        <p:spPr>
+          <a:xfrm>
+            <a:off x="6792647" y="6012347"/>
+            <a:ext cx="309084" cy="369332"/>
+          </a:xfrm>
+          <a:prstGeom prst="rect">
+            <a:avLst/>
+          </a:prstGeom>
+          <a:solidFill>
+            <a:srgbClr val="FFC000"/>
+          </a:solidFill>
+          <a:ln>
+            <a:solidFill>
+              <a:srgbClr val="FFC000"/>
+            </a:solidFill>
+          </a:ln>
+        </p:spPr>
+        <p:txBody>
+          <a:bodyPr wrap="square" rtlCol="0">
+            <a:spAutoFit/>
+          </a:bodyPr>
+          <a:lstStyle/>
+          <a:p>
+            <a:r>
+              <a:rPr lang="pt-BR" dirty="0"/>
+              <a:t>2</a:t>
+            </a:r>
+          </a:p>
+        </p:txBody>
+      </p:sp>
+      <p:sp>
+        <p:nvSpPr>
+          <p:cNvPr id="68" name="CaixaDeTexto 67">
+            <a:extLst>
+              <a:ext uri="{FF2B5EF4-FFF2-40B4-BE49-F238E27FC236}">
+                <a16:creationId xmlns:a16="http://schemas.microsoft.com/office/drawing/2014/main" id="{1E31DBB6-71EF-4DCA-9771-0BC746EF94E3}"/>
+              </a:ext>
+            </a:extLst>
+          </p:cNvPr>
+          <p:cNvSpPr txBox="1"/>
+          <p:nvPr/>
+        </p:nvSpPr>
+        <p:spPr>
+          <a:xfrm>
+            <a:off x="7660327" y="6012347"/>
+            <a:ext cx="309084" cy="369332"/>
+          </a:xfrm>
+          <a:prstGeom prst="rect">
+            <a:avLst/>
+          </a:prstGeom>
+          <a:solidFill>
+            <a:srgbClr val="FFC000"/>
+          </a:solidFill>
+          <a:ln>
+            <a:solidFill>
+              <a:srgbClr val="FFC000"/>
+            </a:solidFill>
+          </a:ln>
+        </p:spPr>
+        <p:txBody>
+          <a:bodyPr wrap="square" rtlCol="0">
+            <a:spAutoFit/>
+          </a:bodyPr>
+          <a:lstStyle/>
+          <a:p>
+            <a:r>
+              <a:rPr lang="pt-BR" dirty="0"/>
+              <a:t>4</a:t>
+            </a:r>
+          </a:p>
+        </p:txBody>
+      </p:sp>
+      <p:sp>
+        <p:nvSpPr>
+          <p:cNvPr id="69" name="CaixaDeTexto 68">
+            <a:extLst>
+              <a:ext uri="{FF2B5EF4-FFF2-40B4-BE49-F238E27FC236}">
+                <a16:creationId xmlns:a16="http://schemas.microsoft.com/office/drawing/2014/main" id="{4B2BEF60-6519-47AD-926A-15C7C820AD64}"/>
+              </a:ext>
+            </a:extLst>
+          </p:cNvPr>
+          <p:cNvSpPr txBox="1"/>
+          <p:nvPr/>
+        </p:nvSpPr>
+        <p:spPr>
+          <a:xfrm>
+            <a:off x="8538167" y="6012347"/>
+            <a:ext cx="309084" cy="369332"/>
+          </a:xfrm>
+          <a:prstGeom prst="rect">
+            <a:avLst/>
+          </a:prstGeom>
+          <a:solidFill>
+            <a:srgbClr val="FFC000"/>
+          </a:solidFill>
+          <a:ln>
+            <a:solidFill>
+              <a:srgbClr val="FFC000"/>
+            </a:solidFill>
+          </a:ln>
+        </p:spPr>
+        <p:txBody>
+          <a:bodyPr wrap="square" rtlCol="0">
+            <a:spAutoFit/>
+          </a:bodyPr>
+          <a:lstStyle/>
+          <a:p>
+            <a:r>
+              <a:rPr lang="pt-BR" dirty="0"/>
+              <a:t>3</a:t>
+            </a:r>
+          </a:p>
+        </p:txBody>
+      </p:sp>
+      <p:sp>
+        <p:nvSpPr>
+          <p:cNvPr id="70" name="CaixaDeTexto 69">
+            <a:extLst>
+              <a:ext uri="{FF2B5EF4-FFF2-40B4-BE49-F238E27FC236}">
+                <a16:creationId xmlns:a16="http://schemas.microsoft.com/office/drawing/2014/main" id="{80167E08-ECD3-4E7D-A640-10DEBFBD6DD4}"/>
+              </a:ext>
+            </a:extLst>
+          </p:cNvPr>
+          <p:cNvSpPr txBox="1"/>
+          <p:nvPr/>
+        </p:nvSpPr>
+        <p:spPr>
+          <a:xfrm>
+            <a:off x="9424568" y="6012347"/>
+            <a:ext cx="309084" cy="369332"/>
+          </a:xfrm>
+          <a:prstGeom prst="rect">
+            <a:avLst/>
+          </a:prstGeom>
+          <a:solidFill>
+            <a:srgbClr val="FFC000"/>
+          </a:solidFill>
+          <a:ln>
+            <a:solidFill>
+              <a:srgbClr val="FFC000"/>
+            </a:solidFill>
+          </a:ln>
+        </p:spPr>
+        <p:txBody>
+          <a:bodyPr wrap="square" rtlCol="0">
+            <a:spAutoFit/>
+          </a:bodyPr>
+          <a:lstStyle/>
+          <a:p>
+            <a:r>
+              <a:rPr lang="pt-BR" dirty="0"/>
+              <a:t>0</a:t>
+            </a:r>
+          </a:p>
+        </p:txBody>
+      </p:sp>
+      <p:sp>
+        <p:nvSpPr>
+          <p:cNvPr id="71" name="CaixaDeTexto 70">
+            <a:extLst>
+              <a:ext uri="{FF2B5EF4-FFF2-40B4-BE49-F238E27FC236}">
+                <a16:creationId xmlns:a16="http://schemas.microsoft.com/office/drawing/2014/main" id="{9BEDA818-6AF4-4692-816E-AC331BA970E5}"/>
+              </a:ext>
+            </a:extLst>
+          </p:cNvPr>
+          <p:cNvSpPr txBox="1"/>
+          <p:nvPr/>
+        </p:nvSpPr>
+        <p:spPr>
+          <a:xfrm>
+            <a:off x="1930400" y="5927013"/>
+            <a:ext cx="1018227" cy="369332"/>
+          </a:xfrm>
+          <a:prstGeom prst="rect">
+            <a:avLst/>
+          </a:prstGeom>
+          <a:noFill/>
+        </p:spPr>
+        <p:txBody>
+          <a:bodyPr wrap="none" rtlCol="0">
+            <a:spAutoFit/>
+          </a:bodyPr>
+          <a:lstStyle/>
+          <a:p>
+            <a:r>
+              <a:rPr lang="pt-BR" dirty="0"/>
+              <a:t>4 - </a:t>
+            </a:r>
+            <a:r>
+              <a:rPr lang="pt-BR" dirty="0" err="1"/>
+              <a:t>Opt</a:t>
+            </a:r>
+            <a:r>
+              <a:rPr lang="pt-BR" dirty="0"/>
+              <a:t>:</a:t>
+            </a:r>
+          </a:p>
+        </p:txBody>
+      </p:sp>
+      <p:sp>
+        <p:nvSpPr>
+          <p:cNvPr id="72" name="Elipse 71">
+            <a:extLst>
+              <a:ext uri="{FF2B5EF4-FFF2-40B4-BE49-F238E27FC236}">
+                <a16:creationId xmlns:a16="http://schemas.microsoft.com/office/drawing/2014/main" id="{CD2C49E9-69D9-4ED0-A70E-7CC166FCB7A5}"/>
+              </a:ext>
+            </a:extLst>
+          </p:cNvPr>
+          <p:cNvSpPr/>
+          <p:nvPr/>
+        </p:nvSpPr>
+        <p:spPr>
+          <a:xfrm>
+            <a:off x="4892069" y="5076485"/>
+            <a:ext cx="540000" cy="540000"/>
+          </a:xfrm>
+          <a:prstGeom prst="ellipse">
+            <a:avLst/>
+          </a:prstGeom>
+          <a:solidFill>
+            <a:srgbClr val="00B0F0"/>
+          </a:solidFill>
+          <a:ln w="18000">
+            <a:solidFill>
+              <a:srgbClr val="00B0F0"/>
+            </a:solidFill>
+          </a:ln>
+        </p:spPr>
+        <p:style>
+          <a:lnRef idx="2">
+            <a:schemeClr val="accent1">
+              <a:shade val="50000"/>
+            </a:schemeClr>
+          </a:lnRef>
+          <a:fillRef idx="1">
+            <a:schemeClr val="accent1"/>
+          </a:fillRef>
+          <a:effectRef idx="0">
+            <a:schemeClr val="accent1"/>
+          </a:effectRef>
+          <a:fontRef idx="minor">
+            <a:schemeClr val="lt1"/>
+          </a:fontRef>
+        </p:style>
+        <p:txBody>
+          <a:bodyPr rtlCol="0" anchor="ctr"/>
+          <a:lstStyle/>
+          <a:p>
+            <a:pPr algn="ctr"/>
+            <a:endParaRPr lang="pt-BR">
+              <a:solidFill>
+                <a:srgbClr val="FF4E00"/>
+              </a:solidFill>
+            </a:endParaRPr>
+          </a:p>
+        </p:txBody>
+      </p:sp>
+      <p:sp>
+        <p:nvSpPr>
+          <p:cNvPr id="73" name="Elipse 72">
+            <a:extLst>
+              <a:ext uri="{FF2B5EF4-FFF2-40B4-BE49-F238E27FC236}">
+                <a16:creationId xmlns:a16="http://schemas.microsoft.com/office/drawing/2014/main" id="{B0A2D2E9-B0DC-419F-A995-A9415933E940}"/>
+              </a:ext>
+            </a:extLst>
+          </p:cNvPr>
+          <p:cNvSpPr/>
+          <p:nvPr/>
+        </p:nvSpPr>
+        <p:spPr>
+          <a:xfrm>
+            <a:off x="5765829" y="5076485"/>
+            <a:ext cx="540000" cy="540000"/>
+          </a:xfrm>
+          <a:prstGeom prst="ellipse">
+            <a:avLst/>
+          </a:prstGeom>
+          <a:solidFill>
+            <a:srgbClr val="00B0F0"/>
+          </a:solidFill>
+          <a:ln w="18000">
+            <a:solidFill>
+              <a:srgbClr val="00B0F0"/>
+            </a:solidFill>
+          </a:ln>
+        </p:spPr>
+        <p:style>
+          <a:lnRef idx="2">
+            <a:schemeClr val="accent1">
+              <a:shade val="50000"/>
+            </a:schemeClr>
+          </a:lnRef>
+          <a:fillRef idx="1">
+            <a:schemeClr val="accent1"/>
+          </a:fillRef>
+          <a:effectRef idx="0">
+            <a:schemeClr val="accent1"/>
+          </a:effectRef>
+          <a:fontRef idx="minor">
+            <a:schemeClr val="lt1"/>
+          </a:fontRef>
+        </p:style>
+        <p:txBody>
+          <a:bodyPr rtlCol="0" anchor="ctr"/>
+          <a:lstStyle/>
+          <a:p>
+            <a:pPr algn="ctr"/>
+            <a:endParaRPr lang="pt-BR">
+              <a:solidFill>
+                <a:srgbClr val="FF4E00"/>
+              </a:solidFill>
+            </a:endParaRPr>
+          </a:p>
+        </p:txBody>
+      </p:sp>
+      <p:sp>
+        <p:nvSpPr>
+          <p:cNvPr id="74" name="Elipse 73">
+            <a:extLst>
+              <a:ext uri="{FF2B5EF4-FFF2-40B4-BE49-F238E27FC236}">
+                <a16:creationId xmlns:a16="http://schemas.microsoft.com/office/drawing/2014/main" id="{60D7AA30-5E6D-4939-B607-7F166B518C79}"/>
+              </a:ext>
+            </a:extLst>
+          </p:cNvPr>
+          <p:cNvSpPr/>
+          <p:nvPr/>
+        </p:nvSpPr>
+        <p:spPr>
+          <a:xfrm>
+            <a:off x="6667029" y="5076485"/>
+            <a:ext cx="540000" cy="540000"/>
+          </a:xfrm>
+          <a:prstGeom prst="ellipse">
+            <a:avLst/>
+          </a:prstGeom>
+          <a:solidFill>
+            <a:srgbClr val="00B0F0"/>
+          </a:solidFill>
+          <a:ln w="18000">
+            <a:solidFill>
+              <a:srgbClr val="00B0F0"/>
+            </a:solidFill>
+          </a:ln>
+        </p:spPr>
+        <p:style>
+          <a:lnRef idx="2">
+            <a:schemeClr val="accent1">
+              <a:shade val="50000"/>
+            </a:schemeClr>
+          </a:lnRef>
+          <a:fillRef idx="1">
+            <a:schemeClr val="accent1"/>
+          </a:fillRef>
+          <a:effectRef idx="0">
+            <a:schemeClr val="accent1"/>
+          </a:effectRef>
+          <a:fontRef idx="minor">
+            <a:schemeClr val="lt1"/>
+          </a:fontRef>
+        </p:style>
+        <p:txBody>
+          <a:bodyPr rtlCol="0" anchor="ctr"/>
+          <a:lstStyle/>
+          <a:p>
+            <a:pPr algn="ctr"/>
+            <a:endParaRPr lang="pt-BR">
+              <a:solidFill>
+                <a:srgbClr val="FF4E00"/>
+              </a:solidFill>
+            </a:endParaRPr>
+          </a:p>
+        </p:txBody>
+      </p:sp>
+      <p:sp>
+        <p:nvSpPr>
+          <p:cNvPr id="75" name="Elipse 74">
+            <a:extLst>
+              <a:ext uri="{FF2B5EF4-FFF2-40B4-BE49-F238E27FC236}">
+                <a16:creationId xmlns:a16="http://schemas.microsoft.com/office/drawing/2014/main" id="{20FEF372-2E3C-40A0-99B7-2595A5C5BD11}"/>
+              </a:ext>
+            </a:extLst>
+          </p:cNvPr>
+          <p:cNvSpPr/>
+          <p:nvPr/>
+        </p:nvSpPr>
+        <p:spPr>
+          <a:xfrm>
+            <a:off x="7544869" y="5076485"/>
+            <a:ext cx="540000" cy="540000"/>
+          </a:xfrm>
+          <a:prstGeom prst="ellipse">
+            <a:avLst/>
+          </a:prstGeom>
+          <a:solidFill>
+            <a:srgbClr val="00B0F0"/>
+          </a:solidFill>
+          <a:ln w="18000">
+            <a:solidFill>
+              <a:srgbClr val="00B0F0"/>
+            </a:solidFill>
+          </a:ln>
+        </p:spPr>
+        <p:style>
+          <a:lnRef idx="2">
+            <a:schemeClr val="accent1">
+              <a:shade val="50000"/>
+            </a:schemeClr>
+          </a:lnRef>
+          <a:fillRef idx="1">
+            <a:schemeClr val="accent1"/>
+          </a:fillRef>
+          <a:effectRef idx="0">
+            <a:schemeClr val="accent1"/>
+          </a:effectRef>
+          <a:fontRef idx="minor">
+            <a:schemeClr val="lt1"/>
+          </a:fontRef>
+        </p:style>
+        <p:txBody>
+          <a:bodyPr rtlCol="0" anchor="ctr"/>
+          <a:lstStyle/>
+          <a:p>
+            <a:pPr algn="ctr"/>
+            <a:endParaRPr lang="pt-BR">
+              <a:solidFill>
+                <a:srgbClr val="FF4E00"/>
+              </a:solidFill>
+            </a:endParaRPr>
+          </a:p>
+        </p:txBody>
+      </p:sp>
+      <p:sp>
+        <p:nvSpPr>
+          <p:cNvPr id="76" name="Elipse 75">
+            <a:extLst>
+              <a:ext uri="{FF2B5EF4-FFF2-40B4-BE49-F238E27FC236}">
+                <a16:creationId xmlns:a16="http://schemas.microsoft.com/office/drawing/2014/main" id="{A05D7964-A220-462D-B830-3A2DCB52125F}"/>
+              </a:ext>
+            </a:extLst>
+          </p:cNvPr>
+          <p:cNvSpPr/>
+          <p:nvPr/>
+        </p:nvSpPr>
+        <p:spPr>
+          <a:xfrm>
+            <a:off x="8422709" y="5076485"/>
+            <a:ext cx="540000" cy="540000"/>
+          </a:xfrm>
+          <a:prstGeom prst="ellipse">
+            <a:avLst/>
+          </a:prstGeom>
+          <a:solidFill>
+            <a:srgbClr val="00B0F0"/>
+          </a:solidFill>
+          <a:ln w="18000">
+            <a:solidFill>
+              <a:srgbClr val="00B0F0"/>
+            </a:solidFill>
+          </a:ln>
+        </p:spPr>
+        <p:style>
+          <a:lnRef idx="2">
+            <a:schemeClr val="accent1">
+              <a:shade val="50000"/>
+            </a:schemeClr>
+          </a:lnRef>
+          <a:fillRef idx="1">
+            <a:schemeClr val="accent1"/>
+          </a:fillRef>
+          <a:effectRef idx="0">
+            <a:schemeClr val="accent1"/>
+          </a:effectRef>
+          <a:fontRef idx="minor">
+            <a:schemeClr val="lt1"/>
+          </a:fontRef>
+        </p:style>
+        <p:txBody>
+          <a:bodyPr rtlCol="0" anchor="ctr"/>
+          <a:lstStyle/>
+          <a:p>
+            <a:pPr algn="ctr"/>
+            <a:endParaRPr lang="pt-BR">
+              <a:solidFill>
+                <a:srgbClr val="FF4E00"/>
+              </a:solidFill>
+            </a:endParaRPr>
+          </a:p>
+        </p:txBody>
+      </p:sp>
+      <p:sp>
+        <p:nvSpPr>
+          <p:cNvPr id="77" name="Elipse 76">
+            <a:extLst>
+              <a:ext uri="{FF2B5EF4-FFF2-40B4-BE49-F238E27FC236}">
+                <a16:creationId xmlns:a16="http://schemas.microsoft.com/office/drawing/2014/main" id="{B0FEEE75-B2C3-462E-81CE-08B3F456C519}"/>
+              </a:ext>
+            </a:extLst>
+          </p:cNvPr>
+          <p:cNvSpPr/>
+          <p:nvPr/>
+        </p:nvSpPr>
+        <p:spPr>
+          <a:xfrm>
+            <a:off x="9300549" y="5076485"/>
+            <a:ext cx="540000" cy="540000"/>
+          </a:xfrm>
+          <a:prstGeom prst="ellipse">
+            <a:avLst/>
+          </a:prstGeom>
+          <a:solidFill>
+            <a:srgbClr val="00B0F0"/>
+          </a:solidFill>
+          <a:ln w="18000">
+            <a:solidFill>
+              <a:srgbClr val="00B0F0"/>
+            </a:solidFill>
+          </a:ln>
+        </p:spPr>
+        <p:style>
+          <a:lnRef idx="2">
+            <a:schemeClr val="accent1">
+              <a:shade val="50000"/>
+            </a:schemeClr>
+          </a:lnRef>
+          <a:fillRef idx="1">
+            <a:schemeClr val="accent1"/>
+          </a:fillRef>
+          <a:effectRef idx="0">
+            <a:schemeClr val="accent1"/>
+          </a:effectRef>
+          <a:fontRef idx="minor">
+            <a:schemeClr val="lt1"/>
+          </a:fontRef>
+        </p:style>
+        <p:txBody>
+          <a:bodyPr rtlCol="0" anchor="ctr"/>
+          <a:lstStyle/>
+          <a:p>
+            <a:pPr algn="ctr"/>
+            <a:endParaRPr lang="pt-BR">
+              <a:solidFill>
+                <a:srgbClr val="FF4E00"/>
+              </a:solidFill>
+            </a:endParaRPr>
+          </a:p>
+        </p:txBody>
+      </p:sp>
+      <p:sp>
+        <p:nvSpPr>
+          <p:cNvPr id="78" name="CaixaDeTexto 77">
+            <a:extLst>
+              <a:ext uri="{FF2B5EF4-FFF2-40B4-BE49-F238E27FC236}">
+                <a16:creationId xmlns:a16="http://schemas.microsoft.com/office/drawing/2014/main" id="{2BF9CD10-C050-4B8C-AC54-72C1EC51E15A}"/>
+              </a:ext>
+            </a:extLst>
+          </p:cNvPr>
+          <p:cNvSpPr txBox="1"/>
+          <p:nvPr/>
+        </p:nvSpPr>
+        <p:spPr>
+          <a:xfrm>
+            <a:off x="5007527" y="5161819"/>
+            <a:ext cx="309084" cy="369332"/>
+          </a:xfrm>
+          <a:prstGeom prst="rect">
+            <a:avLst/>
+          </a:prstGeom>
+          <a:solidFill>
+            <a:srgbClr val="00B0F0"/>
+          </a:solidFill>
+          <a:ln>
+            <a:solidFill>
+              <a:srgbClr val="00B0F0"/>
+            </a:solidFill>
+          </a:ln>
+        </p:spPr>
+        <p:txBody>
+          <a:bodyPr wrap="square" rtlCol="0">
+            <a:spAutoFit/>
+          </a:bodyPr>
+          <a:lstStyle/>
+          <a:p>
+            <a:r>
+              <a:rPr lang="pt-BR" dirty="0"/>
+              <a:t>0</a:t>
+            </a:r>
+          </a:p>
+        </p:txBody>
+      </p:sp>
+      <p:sp>
+        <p:nvSpPr>
+          <p:cNvPr id="79" name="CaixaDeTexto 78">
+            <a:extLst>
+              <a:ext uri="{FF2B5EF4-FFF2-40B4-BE49-F238E27FC236}">
+                <a16:creationId xmlns:a16="http://schemas.microsoft.com/office/drawing/2014/main" id="{33BBF5CF-2E9E-456F-9613-F9D61E7D3395}"/>
+              </a:ext>
+            </a:extLst>
+          </p:cNvPr>
+          <p:cNvSpPr txBox="1"/>
+          <p:nvPr/>
+        </p:nvSpPr>
+        <p:spPr>
+          <a:xfrm>
+            <a:off x="5881287" y="5161819"/>
+            <a:ext cx="309084" cy="369332"/>
+          </a:xfrm>
+          <a:prstGeom prst="rect">
+            <a:avLst/>
+          </a:prstGeom>
+          <a:solidFill>
+            <a:srgbClr val="00B0F0"/>
+          </a:solidFill>
+          <a:ln>
+            <a:solidFill>
+              <a:srgbClr val="00B0F0"/>
+            </a:solidFill>
+          </a:ln>
+        </p:spPr>
+        <p:txBody>
+          <a:bodyPr wrap="square" rtlCol="0">
+            <a:spAutoFit/>
+          </a:bodyPr>
+          <a:lstStyle/>
+          <a:p>
+            <a:r>
+              <a:rPr lang="pt-BR" dirty="0"/>
+              <a:t>3</a:t>
+            </a:r>
+          </a:p>
+        </p:txBody>
+      </p:sp>
+      <p:sp>
+        <p:nvSpPr>
+          <p:cNvPr id="80" name="CaixaDeTexto 79">
+            <a:extLst>
+              <a:ext uri="{FF2B5EF4-FFF2-40B4-BE49-F238E27FC236}">
+                <a16:creationId xmlns:a16="http://schemas.microsoft.com/office/drawing/2014/main" id="{366F31D6-830C-40E8-9C2F-27E4521AD0AD}"/>
+              </a:ext>
+            </a:extLst>
+          </p:cNvPr>
+          <p:cNvSpPr txBox="1"/>
+          <p:nvPr/>
+        </p:nvSpPr>
+        <p:spPr>
+          <a:xfrm>
+            <a:off x="6782487" y="5161819"/>
+            <a:ext cx="309084" cy="369332"/>
+          </a:xfrm>
+          <a:prstGeom prst="rect">
+            <a:avLst/>
+          </a:prstGeom>
+          <a:solidFill>
+            <a:srgbClr val="00B0F0"/>
+          </a:solidFill>
+          <a:ln>
+            <a:solidFill>
+              <a:srgbClr val="00B0F0"/>
+            </a:solidFill>
+          </a:ln>
+        </p:spPr>
+        <p:txBody>
+          <a:bodyPr wrap="square" rtlCol="0">
+            <a:spAutoFit/>
+          </a:bodyPr>
+          <a:lstStyle/>
+          <a:p>
+            <a:r>
+              <a:rPr lang="pt-BR" dirty="0"/>
+              <a:t>2</a:t>
+            </a:r>
+          </a:p>
+        </p:txBody>
+      </p:sp>
+      <p:sp>
+        <p:nvSpPr>
+          <p:cNvPr id="81" name="CaixaDeTexto 80">
+            <a:extLst>
+              <a:ext uri="{FF2B5EF4-FFF2-40B4-BE49-F238E27FC236}">
+                <a16:creationId xmlns:a16="http://schemas.microsoft.com/office/drawing/2014/main" id="{C718A639-BCB0-440B-8DBE-EB26AF594D6F}"/>
+              </a:ext>
+            </a:extLst>
+          </p:cNvPr>
+          <p:cNvSpPr txBox="1"/>
+          <p:nvPr/>
+        </p:nvSpPr>
+        <p:spPr>
+          <a:xfrm>
+            <a:off x="7660327" y="5161819"/>
+            <a:ext cx="309084" cy="369332"/>
+          </a:xfrm>
+          <a:prstGeom prst="rect">
+            <a:avLst/>
+          </a:prstGeom>
+          <a:solidFill>
+            <a:srgbClr val="00B0F0"/>
+          </a:solidFill>
+          <a:ln>
+            <a:solidFill>
+              <a:srgbClr val="00B0F0"/>
+            </a:solidFill>
+          </a:ln>
+        </p:spPr>
+        <p:txBody>
+          <a:bodyPr wrap="square" rtlCol="0">
+            <a:spAutoFit/>
+          </a:bodyPr>
+          <a:lstStyle/>
+          <a:p>
+            <a:r>
+              <a:rPr lang="pt-BR" dirty="0"/>
+              <a:t>1</a:t>
+            </a:r>
+          </a:p>
+        </p:txBody>
+      </p:sp>
+      <p:sp>
+        <p:nvSpPr>
+          <p:cNvPr id="82" name="CaixaDeTexto 81">
+            <a:extLst>
+              <a:ext uri="{FF2B5EF4-FFF2-40B4-BE49-F238E27FC236}">
+                <a16:creationId xmlns:a16="http://schemas.microsoft.com/office/drawing/2014/main" id="{9E43D11A-78F3-48EC-BA6E-493C260DFB5A}"/>
+              </a:ext>
+            </a:extLst>
+          </p:cNvPr>
+          <p:cNvSpPr txBox="1"/>
+          <p:nvPr/>
+        </p:nvSpPr>
+        <p:spPr>
+          <a:xfrm>
+            <a:off x="8538167" y="5161819"/>
+            <a:ext cx="309084" cy="369332"/>
+          </a:xfrm>
+          <a:prstGeom prst="rect">
+            <a:avLst/>
+          </a:prstGeom>
+          <a:solidFill>
+            <a:srgbClr val="00B0F0"/>
+          </a:solidFill>
+          <a:ln>
+            <a:solidFill>
+              <a:srgbClr val="00B0F0"/>
+            </a:solidFill>
+          </a:ln>
+        </p:spPr>
+        <p:txBody>
+          <a:bodyPr wrap="square" rtlCol="0">
+            <a:spAutoFit/>
+          </a:bodyPr>
+          <a:lstStyle/>
+          <a:p>
+            <a:r>
+              <a:rPr lang="pt-BR" dirty="0"/>
+              <a:t>4</a:t>
+            </a:r>
+          </a:p>
+        </p:txBody>
+      </p:sp>
+      <p:sp>
+        <p:nvSpPr>
+          <p:cNvPr id="83" name="CaixaDeTexto 82">
+            <a:extLst>
+              <a:ext uri="{FF2B5EF4-FFF2-40B4-BE49-F238E27FC236}">
+                <a16:creationId xmlns:a16="http://schemas.microsoft.com/office/drawing/2014/main" id="{9473B664-E320-486F-B563-1531B521B2DF}"/>
+              </a:ext>
+            </a:extLst>
+          </p:cNvPr>
+          <p:cNvSpPr txBox="1"/>
+          <p:nvPr/>
+        </p:nvSpPr>
+        <p:spPr>
+          <a:xfrm>
+            <a:off x="9424568" y="5161819"/>
+            <a:ext cx="309084" cy="369332"/>
+          </a:xfrm>
+          <a:prstGeom prst="rect">
+            <a:avLst/>
+          </a:prstGeom>
+          <a:solidFill>
+            <a:srgbClr val="00B0F0"/>
+          </a:solidFill>
+          <a:ln>
+            <a:solidFill>
+              <a:srgbClr val="00B0F0"/>
+            </a:solidFill>
+          </a:ln>
+        </p:spPr>
+        <p:txBody>
+          <a:bodyPr wrap="square" rtlCol="0">
+            <a:spAutoFit/>
+          </a:bodyPr>
+          <a:lstStyle/>
+          <a:p>
+            <a:r>
+              <a:rPr lang="pt-BR" dirty="0"/>
+              <a:t>0</a:t>
+            </a:r>
+          </a:p>
+        </p:txBody>
+      </p:sp>
+      <p:sp>
+        <p:nvSpPr>
+          <p:cNvPr id="84" name="Elipse 83">
+            <a:extLst>
+              <a:ext uri="{FF2B5EF4-FFF2-40B4-BE49-F238E27FC236}">
+                <a16:creationId xmlns:a16="http://schemas.microsoft.com/office/drawing/2014/main" id="{1A553961-B5AB-40F4-A99B-70DA99E025DA}"/>
+              </a:ext>
+            </a:extLst>
+          </p:cNvPr>
+          <p:cNvSpPr/>
+          <p:nvPr/>
+        </p:nvSpPr>
+        <p:spPr>
+          <a:xfrm>
+            <a:off x="4892069" y="4271333"/>
+            <a:ext cx="540000" cy="540000"/>
+          </a:xfrm>
+          <a:prstGeom prst="ellipse">
+            <a:avLst/>
+          </a:prstGeom>
+          <a:solidFill>
+            <a:srgbClr val="92D050">
+              <a:alpha val="75000"/>
+            </a:srgbClr>
+          </a:solidFill>
+          <a:ln w="18000">
+            <a:solidFill>
+              <a:schemeClr val="accent4">
+                <a:lumMod val="75000"/>
+              </a:schemeClr>
+            </a:solidFill>
+          </a:ln>
+        </p:spPr>
+        <p:style>
+          <a:lnRef idx="2">
+            <a:schemeClr val="accent1">
+              <a:shade val="50000"/>
+            </a:schemeClr>
+          </a:lnRef>
+          <a:fillRef idx="1">
+            <a:schemeClr val="accent1"/>
+          </a:fillRef>
+          <a:effectRef idx="0">
+            <a:schemeClr val="accent1"/>
+          </a:effectRef>
+          <a:fontRef idx="minor">
+            <a:schemeClr val="lt1"/>
+          </a:fontRef>
+        </p:style>
+        <p:txBody>
+          <a:bodyPr rtlCol="0" anchor="ctr"/>
+          <a:lstStyle/>
+          <a:p>
+            <a:pPr algn="ctr"/>
+            <a:endParaRPr lang="pt-BR">
+              <a:solidFill>
+                <a:srgbClr val="FF4E00"/>
+              </a:solidFill>
+            </a:endParaRPr>
+          </a:p>
+        </p:txBody>
+      </p:sp>
+      <p:sp>
+        <p:nvSpPr>
+          <p:cNvPr id="85" name="Elipse 84">
+            <a:extLst>
+              <a:ext uri="{FF2B5EF4-FFF2-40B4-BE49-F238E27FC236}">
+                <a16:creationId xmlns:a16="http://schemas.microsoft.com/office/drawing/2014/main" id="{F8058D2E-CB25-40A3-A24F-E1AF381BC02D}"/>
+              </a:ext>
+            </a:extLst>
+          </p:cNvPr>
+          <p:cNvSpPr/>
+          <p:nvPr/>
+        </p:nvSpPr>
+        <p:spPr>
+          <a:xfrm>
+            <a:off x="5765829" y="4271333"/>
+            <a:ext cx="540000" cy="540000"/>
+          </a:xfrm>
+          <a:prstGeom prst="ellipse">
+            <a:avLst/>
+          </a:prstGeom>
+          <a:solidFill>
+            <a:srgbClr val="92D050">
+              <a:alpha val="75000"/>
+            </a:srgbClr>
+          </a:solidFill>
+          <a:ln w="18000">
+            <a:solidFill>
+              <a:schemeClr val="accent4">
+                <a:lumMod val="75000"/>
+              </a:schemeClr>
+            </a:solidFill>
+          </a:ln>
+        </p:spPr>
+        <p:style>
+          <a:lnRef idx="2">
+            <a:schemeClr val="accent1">
+              <a:shade val="50000"/>
+            </a:schemeClr>
+          </a:lnRef>
+          <a:fillRef idx="1">
+            <a:schemeClr val="accent1"/>
+          </a:fillRef>
+          <a:effectRef idx="0">
+            <a:schemeClr val="accent1"/>
+          </a:effectRef>
+          <a:fontRef idx="minor">
+            <a:schemeClr val="lt1"/>
+          </a:fontRef>
+        </p:style>
+        <p:txBody>
+          <a:bodyPr rtlCol="0" anchor="ctr"/>
+          <a:lstStyle/>
+          <a:p>
+            <a:pPr algn="ctr"/>
+            <a:endParaRPr lang="pt-BR">
+              <a:solidFill>
+                <a:srgbClr val="FF4E00"/>
+              </a:solidFill>
+            </a:endParaRPr>
+          </a:p>
+        </p:txBody>
+      </p:sp>
+      <p:sp>
+        <p:nvSpPr>
+          <p:cNvPr id="86" name="Elipse 85">
+            <a:extLst>
+              <a:ext uri="{FF2B5EF4-FFF2-40B4-BE49-F238E27FC236}">
+                <a16:creationId xmlns:a16="http://schemas.microsoft.com/office/drawing/2014/main" id="{DE007B83-9A44-4563-86EA-B69EF8FE8C93}"/>
+              </a:ext>
+            </a:extLst>
+          </p:cNvPr>
+          <p:cNvSpPr/>
+          <p:nvPr/>
+        </p:nvSpPr>
+        <p:spPr>
+          <a:xfrm>
+            <a:off x="6667029" y="4271333"/>
+            <a:ext cx="540000" cy="540000"/>
+          </a:xfrm>
+          <a:prstGeom prst="ellipse">
+            <a:avLst/>
+          </a:prstGeom>
+          <a:solidFill>
+            <a:srgbClr val="92D050">
+              <a:alpha val="75000"/>
+            </a:srgbClr>
+          </a:solidFill>
+          <a:ln w="18000">
+            <a:solidFill>
+              <a:schemeClr val="accent4">
+                <a:lumMod val="75000"/>
+              </a:schemeClr>
+            </a:solidFill>
+          </a:ln>
+        </p:spPr>
+        <p:style>
+          <a:lnRef idx="2">
+            <a:schemeClr val="accent1">
+              <a:shade val="50000"/>
+            </a:schemeClr>
+          </a:lnRef>
+          <a:fillRef idx="1">
+            <a:schemeClr val="accent1"/>
+          </a:fillRef>
+          <a:effectRef idx="0">
+            <a:schemeClr val="accent1"/>
+          </a:effectRef>
+          <a:fontRef idx="minor">
+            <a:schemeClr val="lt1"/>
+          </a:fontRef>
+        </p:style>
+        <p:txBody>
+          <a:bodyPr rtlCol="0" anchor="ctr"/>
+          <a:lstStyle/>
+          <a:p>
+            <a:pPr algn="ctr"/>
+            <a:endParaRPr lang="pt-BR">
+              <a:solidFill>
+                <a:srgbClr val="FF4E00"/>
+              </a:solidFill>
+            </a:endParaRPr>
+          </a:p>
+        </p:txBody>
+      </p:sp>
+      <p:sp>
+        <p:nvSpPr>
+          <p:cNvPr id="87" name="Elipse 86">
+            <a:extLst>
+              <a:ext uri="{FF2B5EF4-FFF2-40B4-BE49-F238E27FC236}">
+                <a16:creationId xmlns:a16="http://schemas.microsoft.com/office/drawing/2014/main" id="{C8B7EF82-8F54-4E7E-9C64-C4E6593D6CD0}"/>
+              </a:ext>
+            </a:extLst>
+          </p:cNvPr>
+          <p:cNvSpPr/>
+          <p:nvPr/>
+        </p:nvSpPr>
+        <p:spPr>
+          <a:xfrm>
+            <a:off x="7544869" y="4271333"/>
+            <a:ext cx="540000" cy="540000"/>
+          </a:xfrm>
+          <a:prstGeom prst="ellipse">
+            <a:avLst/>
+          </a:prstGeom>
+          <a:solidFill>
+            <a:srgbClr val="92D050">
+              <a:alpha val="75000"/>
+            </a:srgbClr>
+          </a:solidFill>
+          <a:ln w="18000">
+            <a:solidFill>
+              <a:schemeClr val="accent4">
+                <a:lumMod val="75000"/>
+              </a:schemeClr>
+            </a:solidFill>
+          </a:ln>
+        </p:spPr>
+        <p:style>
+          <a:lnRef idx="2">
+            <a:schemeClr val="accent1">
+              <a:shade val="50000"/>
+            </a:schemeClr>
+          </a:lnRef>
+          <a:fillRef idx="1">
+            <a:schemeClr val="accent1"/>
+          </a:fillRef>
+          <a:effectRef idx="0">
+            <a:schemeClr val="accent1"/>
+          </a:effectRef>
+          <a:fontRef idx="minor">
+            <a:schemeClr val="lt1"/>
+          </a:fontRef>
+        </p:style>
+        <p:txBody>
+          <a:bodyPr rtlCol="0" anchor="ctr"/>
+          <a:lstStyle/>
+          <a:p>
+            <a:pPr algn="ctr"/>
+            <a:endParaRPr lang="pt-BR">
+              <a:solidFill>
+                <a:srgbClr val="FF4E00"/>
+              </a:solidFill>
+            </a:endParaRPr>
+          </a:p>
+        </p:txBody>
+      </p:sp>
+      <p:sp>
+        <p:nvSpPr>
+          <p:cNvPr id="88" name="Elipse 87">
+            <a:extLst>
+              <a:ext uri="{FF2B5EF4-FFF2-40B4-BE49-F238E27FC236}">
+                <a16:creationId xmlns:a16="http://schemas.microsoft.com/office/drawing/2014/main" id="{FE43FC76-07DB-4354-9487-BBBBC79DED23}"/>
+              </a:ext>
+            </a:extLst>
+          </p:cNvPr>
+          <p:cNvSpPr/>
+          <p:nvPr/>
+        </p:nvSpPr>
+        <p:spPr>
+          <a:xfrm>
+            <a:off x="8422709" y="4271333"/>
+            <a:ext cx="540000" cy="540000"/>
+          </a:xfrm>
+          <a:prstGeom prst="ellipse">
+            <a:avLst/>
+          </a:prstGeom>
+          <a:solidFill>
+            <a:srgbClr val="92D050">
+              <a:alpha val="75000"/>
+            </a:srgbClr>
+          </a:solidFill>
+          <a:ln w="18000">
+            <a:solidFill>
+              <a:schemeClr val="accent4">
+                <a:lumMod val="75000"/>
+              </a:schemeClr>
+            </a:solidFill>
+          </a:ln>
+        </p:spPr>
+        <p:style>
+          <a:lnRef idx="2">
+            <a:schemeClr val="accent1">
+              <a:shade val="50000"/>
+            </a:schemeClr>
+          </a:lnRef>
+          <a:fillRef idx="1">
+            <a:schemeClr val="accent1"/>
+          </a:fillRef>
+          <a:effectRef idx="0">
+            <a:schemeClr val="accent1"/>
+          </a:effectRef>
+          <a:fontRef idx="minor">
+            <a:schemeClr val="lt1"/>
+          </a:fontRef>
+        </p:style>
+        <p:txBody>
+          <a:bodyPr rtlCol="0" anchor="ctr"/>
+          <a:lstStyle/>
+          <a:p>
+            <a:pPr algn="ctr"/>
+            <a:endParaRPr lang="pt-BR">
+              <a:solidFill>
+                <a:srgbClr val="FF4E00"/>
+              </a:solidFill>
+            </a:endParaRPr>
+          </a:p>
+        </p:txBody>
+      </p:sp>
+      <p:sp>
+        <p:nvSpPr>
+          <p:cNvPr id="89" name="Elipse 88">
+            <a:extLst>
+              <a:ext uri="{FF2B5EF4-FFF2-40B4-BE49-F238E27FC236}">
+                <a16:creationId xmlns:a16="http://schemas.microsoft.com/office/drawing/2014/main" id="{2B28FB4F-F517-4623-9B92-0D056E9EC7BE}"/>
+              </a:ext>
+            </a:extLst>
+          </p:cNvPr>
+          <p:cNvSpPr/>
+          <p:nvPr/>
+        </p:nvSpPr>
+        <p:spPr>
+          <a:xfrm>
+            <a:off x="9300549" y="4271333"/>
+            <a:ext cx="540000" cy="540000"/>
+          </a:xfrm>
+          <a:prstGeom prst="ellipse">
+            <a:avLst/>
+          </a:prstGeom>
+          <a:solidFill>
+            <a:srgbClr val="92D050">
+              <a:alpha val="75000"/>
+            </a:srgbClr>
+          </a:solidFill>
+          <a:ln w="18000">
+            <a:solidFill>
+              <a:schemeClr val="accent4">
+                <a:lumMod val="75000"/>
+              </a:schemeClr>
+            </a:solidFill>
+          </a:ln>
+        </p:spPr>
+        <p:style>
+          <a:lnRef idx="2">
+            <a:schemeClr val="accent1">
+              <a:shade val="50000"/>
+            </a:schemeClr>
+          </a:lnRef>
+          <a:fillRef idx="1">
+            <a:schemeClr val="accent1"/>
+          </a:fillRef>
+          <a:effectRef idx="0">
+            <a:schemeClr val="accent1"/>
+          </a:effectRef>
+          <a:fontRef idx="minor">
+            <a:schemeClr val="lt1"/>
+          </a:fontRef>
+        </p:style>
+        <p:txBody>
+          <a:bodyPr rtlCol="0" anchor="ctr"/>
+          <a:lstStyle/>
+          <a:p>
+            <a:pPr algn="ctr"/>
+            <a:endParaRPr lang="pt-BR">
+              <a:solidFill>
+                <a:srgbClr val="FF4E00"/>
+              </a:solidFill>
+            </a:endParaRPr>
+          </a:p>
+        </p:txBody>
+      </p:sp>
+      <p:sp>
+        <p:nvSpPr>
+          <p:cNvPr id="90" name="CaixaDeTexto 89">
+            <a:extLst>
+              <a:ext uri="{FF2B5EF4-FFF2-40B4-BE49-F238E27FC236}">
+                <a16:creationId xmlns:a16="http://schemas.microsoft.com/office/drawing/2014/main" id="{F389F9CC-A7B8-42BB-9BF9-C87F83A9B71C}"/>
+              </a:ext>
+            </a:extLst>
+          </p:cNvPr>
+          <p:cNvSpPr txBox="1"/>
+          <p:nvPr/>
+        </p:nvSpPr>
+        <p:spPr>
+          <a:xfrm>
+            <a:off x="5007527" y="4356667"/>
+            <a:ext cx="309084" cy="369332"/>
+          </a:xfrm>
+          <a:prstGeom prst="rect">
+            <a:avLst/>
+          </a:prstGeom>
+          <a:noFill/>
+        </p:spPr>
+        <p:txBody>
+          <a:bodyPr wrap="square" rtlCol="0">
+            <a:spAutoFit/>
+          </a:bodyPr>
+          <a:lstStyle/>
+          <a:p>
+            <a:r>
+              <a:rPr lang="pt-BR" dirty="0"/>
+              <a:t>0</a:t>
+            </a:r>
+          </a:p>
+        </p:txBody>
+      </p:sp>
+      <p:sp>
+        <p:nvSpPr>
+          <p:cNvPr id="91" name="CaixaDeTexto 90">
+            <a:extLst>
+              <a:ext uri="{FF2B5EF4-FFF2-40B4-BE49-F238E27FC236}">
+                <a16:creationId xmlns:a16="http://schemas.microsoft.com/office/drawing/2014/main" id="{39CD7C33-C731-49F7-898E-726ED604FD4C}"/>
+              </a:ext>
+            </a:extLst>
+          </p:cNvPr>
+          <p:cNvSpPr txBox="1"/>
+          <p:nvPr/>
+        </p:nvSpPr>
+        <p:spPr>
+          <a:xfrm>
+            <a:off x="5881287" y="4356667"/>
+            <a:ext cx="309084" cy="369332"/>
+          </a:xfrm>
+          <a:prstGeom prst="rect">
+            <a:avLst/>
+          </a:prstGeom>
+          <a:noFill/>
+        </p:spPr>
+        <p:txBody>
+          <a:bodyPr wrap="square" rtlCol="0">
+            <a:spAutoFit/>
+          </a:bodyPr>
+          <a:lstStyle/>
+          <a:p>
+            <a:r>
+              <a:rPr lang="pt-BR" dirty="0"/>
+              <a:t>2</a:t>
+            </a:r>
+          </a:p>
+        </p:txBody>
+      </p:sp>
+      <p:sp>
+        <p:nvSpPr>
+          <p:cNvPr id="92" name="CaixaDeTexto 91">
+            <a:extLst>
+              <a:ext uri="{FF2B5EF4-FFF2-40B4-BE49-F238E27FC236}">
+                <a16:creationId xmlns:a16="http://schemas.microsoft.com/office/drawing/2014/main" id="{BE976E02-AE5C-41B2-879F-6BE1F4101068}"/>
+              </a:ext>
+            </a:extLst>
+          </p:cNvPr>
+          <p:cNvSpPr txBox="1"/>
+          <p:nvPr/>
+        </p:nvSpPr>
+        <p:spPr>
+          <a:xfrm>
+            <a:off x="6782487" y="4356667"/>
+            <a:ext cx="309084" cy="369332"/>
+          </a:xfrm>
+          <a:prstGeom prst="rect">
+            <a:avLst/>
+          </a:prstGeom>
+          <a:noFill/>
+        </p:spPr>
+        <p:txBody>
+          <a:bodyPr wrap="square" rtlCol="0">
+            <a:spAutoFit/>
+          </a:bodyPr>
+          <a:lstStyle/>
+          <a:p>
+            <a:r>
+              <a:rPr lang="pt-BR" dirty="0"/>
+              <a:t>1</a:t>
+            </a:r>
+          </a:p>
+        </p:txBody>
+      </p:sp>
+      <p:sp>
+        <p:nvSpPr>
+          <p:cNvPr id="93" name="CaixaDeTexto 92">
+            <a:extLst>
+              <a:ext uri="{FF2B5EF4-FFF2-40B4-BE49-F238E27FC236}">
+                <a16:creationId xmlns:a16="http://schemas.microsoft.com/office/drawing/2014/main" id="{8F3C85D3-9AAB-4549-88D7-1A7DA7B54181}"/>
+              </a:ext>
+            </a:extLst>
+          </p:cNvPr>
+          <p:cNvSpPr txBox="1"/>
+          <p:nvPr/>
+        </p:nvSpPr>
+        <p:spPr>
+          <a:xfrm>
+            <a:off x="7660327" y="4356667"/>
+            <a:ext cx="309084" cy="369332"/>
+          </a:xfrm>
+          <a:prstGeom prst="rect">
+            <a:avLst/>
+          </a:prstGeom>
+          <a:noFill/>
+        </p:spPr>
+        <p:txBody>
+          <a:bodyPr wrap="square" rtlCol="0">
+            <a:spAutoFit/>
+          </a:bodyPr>
+          <a:lstStyle/>
+          <a:p>
+            <a:r>
+              <a:rPr lang="pt-BR" dirty="0"/>
+              <a:t>3</a:t>
+            </a:r>
+          </a:p>
+        </p:txBody>
+      </p:sp>
+      <p:sp>
+        <p:nvSpPr>
+          <p:cNvPr id="94" name="CaixaDeTexto 93">
+            <a:extLst>
+              <a:ext uri="{FF2B5EF4-FFF2-40B4-BE49-F238E27FC236}">
+                <a16:creationId xmlns:a16="http://schemas.microsoft.com/office/drawing/2014/main" id="{7F9D20AB-01CC-4FB3-A1D9-923CD6D9258C}"/>
+              </a:ext>
+            </a:extLst>
+          </p:cNvPr>
+          <p:cNvSpPr txBox="1"/>
+          <p:nvPr/>
+        </p:nvSpPr>
+        <p:spPr>
+          <a:xfrm>
+            <a:off x="8538167" y="4356667"/>
+            <a:ext cx="309084" cy="369332"/>
+          </a:xfrm>
+          <a:prstGeom prst="rect">
+            <a:avLst/>
+          </a:prstGeom>
+          <a:noFill/>
+        </p:spPr>
+        <p:txBody>
+          <a:bodyPr wrap="square" rtlCol="0">
+            <a:spAutoFit/>
+          </a:bodyPr>
+          <a:lstStyle/>
+          <a:p>
+            <a:r>
+              <a:rPr lang="pt-BR" dirty="0"/>
+              <a:t>4</a:t>
+            </a:r>
+          </a:p>
+        </p:txBody>
+      </p:sp>
+      <p:sp>
+        <p:nvSpPr>
+          <p:cNvPr id="95" name="CaixaDeTexto 94">
+            <a:extLst>
+              <a:ext uri="{FF2B5EF4-FFF2-40B4-BE49-F238E27FC236}">
+                <a16:creationId xmlns:a16="http://schemas.microsoft.com/office/drawing/2014/main" id="{666175BC-5367-4B97-B794-805BE9161F61}"/>
+              </a:ext>
+            </a:extLst>
+          </p:cNvPr>
+          <p:cNvSpPr txBox="1"/>
+          <p:nvPr/>
+        </p:nvSpPr>
+        <p:spPr>
+          <a:xfrm>
+            <a:off x="9424568" y="4356667"/>
+            <a:ext cx="309084" cy="369332"/>
+          </a:xfrm>
+          <a:prstGeom prst="rect">
+            <a:avLst/>
+          </a:prstGeom>
+          <a:noFill/>
+        </p:spPr>
+        <p:txBody>
+          <a:bodyPr wrap="square" rtlCol="0">
+            <a:spAutoFit/>
+          </a:bodyPr>
+          <a:lstStyle/>
+          <a:p>
+            <a:r>
+              <a:rPr lang="pt-BR" dirty="0"/>
+              <a:t>0</a:t>
+            </a:r>
+          </a:p>
+        </p:txBody>
+      </p:sp>
+    </p:spTree>
+    <p:extLst>
+      <p:ext uri="{BB962C8B-B14F-4D97-AF65-F5344CB8AC3E}">
+        <p14:creationId xmlns:p14="http://schemas.microsoft.com/office/powerpoint/2010/main" val="2778839926"/>
+      </p:ext>
+    </p:extLst>
+  </p:cSld>
+  <p:clrMapOvr>
+    <a:masterClrMapping/>
+  </p:clrMapOvr>
+</p:sld>
+</file>
+
+<file path=ppt/slides/slide13.xml><?xml version="1.0" encoding="utf-8"?>
+<p:sld xmlns:a="http://schemas.openxmlformats.org/drawingml/2006/main" xmlns:r="http://schemas.openxmlformats.org/officeDocument/2006/relationships" xmlns:p="http://schemas.openxmlformats.org/presentationml/2006/main">
+  <p:cSld>
+    <p:spTree>
+      <p:nvGrpSpPr>
+        <p:cNvPr id="1" name=""/>
+        <p:cNvGrpSpPr/>
+        <p:nvPr/>
+      </p:nvGrpSpPr>
+      <p:grpSpPr>
+        <a:xfrm>
+          <a:off x="0" y="0"/>
+          <a:ext cx="0" cy="0"/>
+          <a:chOff x="0" y="0"/>
+          <a:chExt cx="0" cy="0"/>
+        </a:xfrm>
+      </p:grpSpPr>
+      <p:sp>
+        <p:nvSpPr>
+          <p:cNvPr id="2" name="Título 1">
+            <a:extLst>
+              <a:ext uri="{FF2B5EF4-FFF2-40B4-BE49-F238E27FC236}">
+                <a16:creationId xmlns:a16="http://schemas.microsoft.com/office/drawing/2014/main" id="{6D811184-239A-44CE-9921-B1A2FC5251CB}"/>
+              </a:ext>
+            </a:extLst>
+          </p:cNvPr>
+          <p:cNvSpPr>
+            <a:spLocks noGrp="1"/>
+          </p:cNvSpPr>
+          <p:nvPr>
+            <p:ph type="title"/>
+          </p:nvPr>
+        </p:nvSpPr>
+        <p:spPr>
+          <a:xfrm>
+            <a:off x="1930400" y="845653"/>
+            <a:ext cx="8610600" cy="1293028"/>
+          </a:xfrm>
+        </p:spPr>
+        <p:txBody>
+          <a:bodyPr>
+            <a:normAutofit fontScale="90000"/>
+          </a:bodyPr>
+          <a:lstStyle/>
+          <a:p>
+            <a:r>
+              <a:rPr lang="pt-BR" dirty="0"/>
+              <a:t>Meta-</a:t>
+            </a:r>
+            <a:r>
+              <a:rPr lang="pt-BR" dirty="0" err="1"/>
+              <a:t>heuristica</a:t>
+            </a:r>
+            <a:r>
+              <a:rPr lang="pt-BR" sz="4000" dirty="0"/>
+              <a:t>:</a:t>
+            </a:r>
+            <a:br>
+              <a:rPr lang="pt-BR" sz="4000" dirty="0"/>
+            </a:br>
+            <a:br>
+              <a:rPr lang="pt-BR" dirty="0"/>
+            </a:br>
+            <a:r>
+              <a:rPr lang="pt-BR" sz="2800" dirty="0" err="1"/>
+              <a:t>Simulated</a:t>
+            </a:r>
+            <a:r>
+              <a:rPr lang="pt-BR" sz="2800" dirty="0"/>
+              <a:t> </a:t>
+            </a:r>
+            <a:r>
+              <a:rPr lang="pt-BR" sz="2800" dirty="0" err="1"/>
+              <a:t>annealing</a:t>
+            </a:r>
+            <a:endParaRPr lang="pt-BR" sz="2800" dirty="0"/>
+          </a:p>
+        </p:txBody>
+      </p:sp>
+      <p:sp>
+        <p:nvSpPr>
+          <p:cNvPr id="3" name="Espaço Reservado para Conteúdo 2">
+            <a:extLst>
+              <a:ext uri="{FF2B5EF4-FFF2-40B4-BE49-F238E27FC236}">
+                <a16:creationId xmlns:a16="http://schemas.microsoft.com/office/drawing/2014/main" id="{C801B1CE-795C-4CCE-8B79-591E3815B698}"/>
+              </a:ext>
+            </a:extLst>
+          </p:cNvPr>
+          <p:cNvSpPr>
+            <a:spLocks noGrp="1"/>
+          </p:cNvSpPr>
+          <p:nvPr>
+            <p:ph idx="1"/>
+          </p:nvPr>
+        </p:nvSpPr>
+        <p:spPr>
+          <a:xfrm>
+            <a:off x="885511" y="2320206"/>
+            <a:ext cx="8807130" cy="849714"/>
+          </a:xfrm>
+        </p:spPr>
+        <p:txBody>
+          <a:bodyPr>
+            <a:normAutofit/>
+          </a:bodyPr>
+          <a:lstStyle/>
+          <a:p>
+            <a:pPr marL="0" indent="0">
+              <a:buNone/>
+            </a:pPr>
+            <a:r>
+              <a:rPr lang="pt-BR" dirty="0"/>
+              <a:t>	</a:t>
+            </a:r>
+            <a:r>
+              <a:rPr lang="pt-BR" sz="3200" dirty="0"/>
               <a:t>Probabilidade</a:t>
             </a:r>
           </a:p>
         </p:txBody>
       </p:sp>
-      <mc:AlternateContent xmlns:mc="http://schemas.openxmlformats.org/markup-compatibility/2006">
-        <mc:Choice xmlns:a14="http://schemas.microsoft.com/office/drawing/2010/main" Requires="a14">
+      <mc:AlternateContent xmlns:mc="http://schemas.openxmlformats.org/markup-compatibility/2006" xmlns:a14="http://schemas.microsoft.com/office/drawing/2010/main">
+        <mc:Choice Requires="a14">
           <p:sp>
             <p:nvSpPr>
               <p:cNvPr id="6" name="CaixaDeTexto 5">
@@ -6890,7 +13520,7 @@
             </p:txBody>
           </p:sp>
         </mc:Choice>
-        <mc:Fallback>
+        <mc:Fallback xmlns="">
           <p:sp>
             <p:nvSpPr>
               <p:cNvPr id="6" name="CaixaDeTexto 5">
@@ -6935,8 +13565,8 @@
           </p:sp>
         </mc:Fallback>
       </mc:AlternateContent>
-      <mc:AlternateContent xmlns:mc="http://schemas.openxmlformats.org/markup-compatibility/2006">
-        <mc:Choice xmlns:a14="http://schemas.microsoft.com/office/drawing/2010/main" Requires="a14">
+      <mc:AlternateContent xmlns:mc="http://schemas.openxmlformats.org/markup-compatibility/2006" xmlns:a14="http://schemas.microsoft.com/office/drawing/2010/main">
+        <mc:Choice Requires="a14">
           <p:sp>
             <p:nvSpPr>
               <p:cNvPr id="4" name="CaixaDeTexto 3">
@@ -6965,6 +13595,7 @@
               </a:bodyPr>
               <a:lstStyle/>
               <a:p>
+                <a:pPr/>
                 <a14:m>
                   <m:oMathPara xmlns:m="http://schemas.openxmlformats.org/officeDocument/2006/math">
                     <m:oMathParaPr>
@@ -7044,7 +13675,7 @@
             </p:txBody>
           </p:sp>
         </mc:Choice>
-        <mc:Fallback>
+        <mc:Fallback xmlns="">
           <p:sp>
             <p:nvSpPr>
               <p:cNvPr id="4" name="CaixaDeTexto 3">
@@ -7129,7 +13760,10 @@
               <a:rPr lang="pt-BR" dirty="0" err="1"/>
               <a:t>analizado</a:t>
             </a:r>
-            <a:endParaRPr lang="pt-BR" dirty="0"/>
+            <a:r>
+              <a:rPr lang="pt-BR" dirty="0"/>
+              <a:t> no momento.</a:t>
+            </a:r>
           </a:p>
           <a:p>
             <a:endParaRPr lang="pt-BR" dirty="0"/>
@@ -7167,7 +13801,7 @@
 </p:sld>
 </file>
 
-<file path=ppt/slides/slide11.xml><?xml version="1.0" encoding="utf-8"?>
+<file path=ppt/slides/slide14.xml><?xml version="1.0" encoding="utf-8"?>
 <p:sld xmlns:a="http://schemas.openxmlformats.org/drawingml/2006/main" xmlns:r="http://schemas.openxmlformats.org/officeDocument/2006/relationships" xmlns:p="http://schemas.openxmlformats.org/presentationml/2006/main">
   <p:cSld>
     <p:spTree>
@@ -7349,7 +13983,7 @@
 </p:sld>
 </file>
 
-<file path=ppt/slides/slide12.xml><?xml version="1.0" encoding="utf-8"?>
+<file path=ppt/slides/slide15.xml><?xml version="1.0" encoding="utf-8"?>
 <p:sld xmlns:a="http://schemas.openxmlformats.org/drawingml/2006/main" xmlns:r="http://schemas.openxmlformats.org/officeDocument/2006/relationships" xmlns:p="http://schemas.openxmlformats.org/presentationml/2006/main">
   <p:cSld>
     <p:spTree>
@@ -7428,8 +14062,8 @@
           </a:p>
         </p:txBody>
       </p:sp>
-      <mc:AlternateContent xmlns:mc="http://schemas.openxmlformats.org/markup-compatibility/2006">
-        <mc:Choice xmlns:p14="http://schemas.microsoft.com/office/powerpoint/2010/main" Requires="p14">
+      <mc:AlternateContent xmlns:mc="http://schemas.openxmlformats.org/markup-compatibility/2006" xmlns:p14="http://schemas.microsoft.com/office/powerpoint/2010/main">
+        <mc:Choice Requires="p14">
           <p:contentPart p14:bwMode="auto" r:id="rId2">
             <p14:nvContentPartPr>
               <p14:cNvPr id="7" name="Tinta 6">
@@ -7448,7 +14082,7 @@
             </p14:xfrm>
           </p:contentPart>
         </mc:Choice>
-        <mc:Fallback>
+        <mc:Fallback xmlns="">
           <p:pic>
             <p:nvPicPr>
               <p:cNvPr id="7" name="Tinta 6">
@@ -7479,8 +14113,8 @@
           </p:pic>
         </mc:Fallback>
       </mc:AlternateContent>
-      <mc:AlternateContent xmlns:mc="http://schemas.openxmlformats.org/markup-compatibility/2006">
-        <mc:Choice xmlns:p14="http://schemas.microsoft.com/office/powerpoint/2010/main" Requires="p14">
+      <mc:AlternateContent xmlns:mc="http://schemas.openxmlformats.org/markup-compatibility/2006" xmlns:p14="http://schemas.microsoft.com/office/powerpoint/2010/main">
+        <mc:Choice Requires="p14">
           <p:contentPart p14:bwMode="auto" r:id="rId4">
             <p14:nvContentPartPr>
               <p14:cNvPr id="8" name="Tinta 7">
@@ -7499,7 +14133,7 @@
             </p14:xfrm>
           </p:contentPart>
         </mc:Choice>
-        <mc:Fallback>
+        <mc:Fallback xmlns="">
           <p:pic>
             <p:nvPicPr>
               <p:cNvPr id="8" name="Tinta 7">
@@ -8070,8 +14704,8 @@
           </a:p>
         </p:txBody>
       </p:sp>
-      <mc:AlternateContent xmlns:mc="http://schemas.openxmlformats.org/markup-compatibility/2006">
-        <mc:Choice xmlns:p14="http://schemas.microsoft.com/office/powerpoint/2010/main" Requires="p14">
+      <mc:AlternateContent xmlns:mc="http://schemas.openxmlformats.org/markup-compatibility/2006" xmlns:p14="http://schemas.microsoft.com/office/powerpoint/2010/main">
+        <mc:Choice Requires="p14">
           <p:contentPart p14:bwMode="auto" r:id="rId6">
             <p14:nvContentPartPr>
               <p14:cNvPr id="57" name="Tinta 56">
@@ -8090,7 +14724,7 @@
             </p14:xfrm>
           </p:contentPart>
         </mc:Choice>
-        <mc:Fallback>
+        <mc:Fallback xmlns="">
           <p:pic>
             <p:nvPicPr>
               <p:cNvPr id="57" name="Tinta 56">
@@ -8121,8 +14755,8 @@
           </p:pic>
         </mc:Fallback>
       </mc:AlternateContent>
-      <mc:AlternateContent xmlns:mc="http://schemas.openxmlformats.org/markup-compatibility/2006">
-        <mc:Choice xmlns:p14="http://schemas.microsoft.com/office/powerpoint/2010/main" Requires="p14">
+      <mc:AlternateContent xmlns:mc="http://schemas.openxmlformats.org/markup-compatibility/2006" xmlns:p14="http://schemas.microsoft.com/office/powerpoint/2010/main">
+        <mc:Choice Requires="p14">
           <p:contentPart p14:bwMode="auto" r:id="rId8">
             <p14:nvContentPartPr>
               <p14:cNvPr id="59" name="Tinta 58">
@@ -8141,7 +14775,7 @@
             </p14:xfrm>
           </p:contentPart>
         </mc:Choice>
-        <mc:Fallback>
+        <mc:Fallback xmlns="">
           <p:pic>
             <p:nvPicPr>
               <p:cNvPr id="59" name="Tinta 58">
@@ -10801,7 +17435,7 @@
             </a:r>
             <a:r>
               <a:rPr lang="pt-BR" dirty="0"/>
-              <a:t> 1: </a:t>
+              <a:t> : </a:t>
             </a:r>
           </a:p>
         </p:txBody>
@@ -12294,7 +18928,7 @@
         <p:spPr>
           <a:xfrm>
             <a:off x="1930400" y="5164962"/>
-            <a:ext cx="1249060" cy="369332"/>
+            <a:ext cx="1120820" cy="369332"/>
           </a:xfrm>
           <a:prstGeom prst="rect">
             <a:avLst/>
@@ -12309,7 +18943,7 @@
           <a:p>
             <a:r>
               <a:rPr lang="pt-BR" dirty="0"/>
-              <a:t>2 – </a:t>
+              <a:t>3 – </a:t>
             </a:r>
             <a:r>
               <a:rPr lang="pt-BR" dirty="0" err="1"/>
@@ -12317,7 +18951,7 @@
             </a:r>
             <a:r>
               <a:rPr lang="pt-BR" dirty="0"/>
-              <a:t> 2:</a:t>
+              <a:t> :</a:t>
             </a:r>
           </a:p>
         </p:txBody>
@@ -15812,7 +22446,7 @@
         <p:spPr>
           <a:xfrm>
             <a:off x="885511" y="2320206"/>
-            <a:ext cx="8807130" cy="849714"/>
+            <a:ext cx="7071128" cy="540000"/>
           </a:xfrm>
         </p:spPr>
         <p:txBody>
@@ -15835,10 +22469,650 @@
           </a:p>
         </p:txBody>
       </p:sp>
+      <p:sp>
+        <p:nvSpPr>
+          <p:cNvPr id="8" name="CaixaDeTexto 7">
+            <a:extLst>
+              <a:ext uri="{FF2B5EF4-FFF2-40B4-BE49-F238E27FC236}">
+                <a16:creationId xmlns:a16="http://schemas.microsoft.com/office/drawing/2014/main" id="{47369606-71A7-4D2A-9403-98734EC8CF4E}"/>
+              </a:ext>
+            </a:extLst>
+          </p:cNvPr>
+          <p:cNvSpPr txBox="1"/>
+          <p:nvPr/>
+        </p:nvSpPr>
+        <p:spPr>
+          <a:xfrm>
+            <a:off x="1612621" y="2861730"/>
+            <a:ext cx="2976880" cy="584775"/>
+          </a:xfrm>
+          <a:prstGeom prst="rect">
+            <a:avLst/>
+          </a:prstGeom>
+          <a:noFill/>
+        </p:spPr>
+        <p:txBody>
+          <a:bodyPr wrap="square" rtlCol="0">
+            <a:spAutoFit/>
+          </a:bodyPr>
+          <a:lstStyle/>
+          <a:p>
+            <a:r>
+              <a:rPr lang="pt-BR" sz="3200" b="1" dirty="0"/>
+              <a:t>Swap</a:t>
+            </a:r>
+          </a:p>
+        </p:txBody>
+      </p:sp>
+      <p:sp>
+        <p:nvSpPr>
+          <p:cNvPr id="13" name="Elipse 12">
+            <a:extLst>
+              <a:ext uri="{FF2B5EF4-FFF2-40B4-BE49-F238E27FC236}">
+                <a16:creationId xmlns:a16="http://schemas.microsoft.com/office/drawing/2014/main" id="{785487F0-5C84-4360-A2A1-2FF74F902BDE}"/>
+              </a:ext>
+            </a:extLst>
+          </p:cNvPr>
+          <p:cNvSpPr/>
+          <p:nvPr/>
+        </p:nvSpPr>
+        <p:spPr>
+          <a:xfrm>
+            <a:off x="4892069" y="3435701"/>
+            <a:ext cx="540000" cy="540000"/>
+          </a:xfrm>
+          <a:prstGeom prst="ellipse">
+            <a:avLst/>
+          </a:prstGeom>
+          <a:solidFill>
+            <a:srgbClr val="FF4E00">
+              <a:alpha val="75000"/>
+            </a:srgbClr>
+          </a:solidFill>
+          <a:ln w="18000">
+            <a:solidFill>
+              <a:srgbClr val="FF4E00"/>
+            </a:solidFill>
+          </a:ln>
+        </p:spPr>
+        <p:style>
+          <a:lnRef idx="2">
+            <a:schemeClr val="accent1">
+              <a:shade val="50000"/>
+            </a:schemeClr>
+          </a:lnRef>
+          <a:fillRef idx="1">
+            <a:schemeClr val="accent1"/>
+          </a:fillRef>
+          <a:effectRef idx="0">
+            <a:schemeClr val="accent1"/>
+          </a:effectRef>
+          <a:fontRef idx="minor">
+            <a:schemeClr val="lt1"/>
+          </a:fontRef>
+        </p:style>
+        <p:txBody>
+          <a:bodyPr rtlCol="0" anchor="ctr"/>
+          <a:lstStyle/>
+          <a:p>
+            <a:pPr algn="ctr"/>
+            <a:endParaRPr lang="pt-BR">
+              <a:solidFill>
+                <a:srgbClr val="FF4E00"/>
+              </a:solidFill>
+            </a:endParaRPr>
+          </a:p>
+        </p:txBody>
+      </p:sp>
+      <p:sp>
+        <p:nvSpPr>
+          <p:cNvPr id="15" name="Elipse 14">
+            <a:extLst>
+              <a:ext uri="{FF2B5EF4-FFF2-40B4-BE49-F238E27FC236}">
+                <a16:creationId xmlns:a16="http://schemas.microsoft.com/office/drawing/2014/main" id="{53D3B27A-BACF-4A1C-93D4-5FFFEE49BE29}"/>
+              </a:ext>
+            </a:extLst>
+          </p:cNvPr>
+          <p:cNvSpPr/>
+          <p:nvPr/>
+        </p:nvSpPr>
+        <p:spPr>
+          <a:xfrm>
+            <a:off x="5765829" y="3435701"/>
+            <a:ext cx="540000" cy="540000"/>
+          </a:xfrm>
+          <a:prstGeom prst="ellipse">
+            <a:avLst/>
+          </a:prstGeom>
+          <a:solidFill>
+            <a:srgbClr val="FF4E00">
+              <a:alpha val="75000"/>
+            </a:srgbClr>
+          </a:solidFill>
+          <a:ln w="18000">
+            <a:solidFill>
+              <a:srgbClr val="FF4E00"/>
+            </a:solidFill>
+          </a:ln>
+        </p:spPr>
+        <p:style>
+          <a:lnRef idx="2">
+            <a:schemeClr val="accent1">
+              <a:shade val="50000"/>
+            </a:schemeClr>
+          </a:lnRef>
+          <a:fillRef idx="1">
+            <a:schemeClr val="accent1"/>
+          </a:fillRef>
+          <a:effectRef idx="0">
+            <a:schemeClr val="accent1"/>
+          </a:effectRef>
+          <a:fontRef idx="minor">
+            <a:schemeClr val="lt1"/>
+          </a:fontRef>
+        </p:style>
+        <p:txBody>
+          <a:bodyPr rtlCol="0" anchor="ctr"/>
+          <a:lstStyle/>
+          <a:p>
+            <a:pPr algn="ctr"/>
+            <a:endParaRPr lang="pt-BR">
+              <a:solidFill>
+                <a:srgbClr val="FF4E00"/>
+              </a:solidFill>
+            </a:endParaRPr>
+          </a:p>
+        </p:txBody>
+      </p:sp>
+      <p:sp>
+        <p:nvSpPr>
+          <p:cNvPr id="17" name="Elipse 16">
+            <a:extLst>
+              <a:ext uri="{FF2B5EF4-FFF2-40B4-BE49-F238E27FC236}">
+                <a16:creationId xmlns:a16="http://schemas.microsoft.com/office/drawing/2014/main" id="{9F2E3B3A-E616-42E7-9538-A98D22F3F07A}"/>
+              </a:ext>
+            </a:extLst>
+          </p:cNvPr>
+          <p:cNvSpPr/>
+          <p:nvPr/>
+        </p:nvSpPr>
+        <p:spPr>
+          <a:xfrm>
+            <a:off x="6667029" y="3435701"/>
+            <a:ext cx="540000" cy="540000"/>
+          </a:xfrm>
+          <a:prstGeom prst="ellipse">
+            <a:avLst/>
+          </a:prstGeom>
+          <a:solidFill>
+            <a:srgbClr val="FF4E00">
+              <a:alpha val="75000"/>
+            </a:srgbClr>
+          </a:solidFill>
+          <a:ln w="18000">
+            <a:solidFill>
+              <a:srgbClr val="FF4E00"/>
+            </a:solidFill>
+          </a:ln>
+        </p:spPr>
+        <p:style>
+          <a:lnRef idx="2">
+            <a:schemeClr val="accent1">
+              <a:shade val="50000"/>
+            </a:schemeClr>
+          </a:lnRef>
+          <a:fillRef idx="1">
+            <a:schemeClr val="accent1"/>
+          </a:fillRef>
+          <a:effectRef idx="0">
+            <a:schemeClr val="accent1"/>
+          </a:effectRef>
+          <a:fontRef idx="minor">
+            <a:schemeClr val="lt1"/>
+          </a:fontRef>
+        </p:style>
+        <p:txBody>
+          <a:bodyPr rtlCol="0" anchor="ctr"/>
+          <a:lstStyle/>
+          <a:p>
+            <a:pPr algn="ctr"/>
+            <a:endParaRPr lang="pt-BR">
+              <a:solidFill>
+                <a:srgbClr val="FF4E00"/>
+              </a:solidFill>
+            </a:endParaRPr>
+          </a:p>
+        </p:txBody>
+      </p:sp>
+      <p:sp>
+        <p:nvSpPr>
+          <p:cNvPr id="18" name="Elipse 17">
+            <a:extLst>
+              <a:ext uri="{FF2B5EF4-FFF2-40B4-BE49-F238E27FC236}">
+                <a16:creationId xmlns:a16="http://schemas.microsoft.com/office/drawing/2014/main" id="{AF7D96C6-F82E-4619-AC46-97C610389364}"/>
+              </a:ext>
+            </a:extLst>
+          </p:cNvPr>
+          <p:cNvSpPr/>
+          <p:nvPr/>
+        </p:nvSpPr>
+        <p:spPr>
+          <a:xfrm>
+            <a:off x="7544869" y="3435701"/>
+            <a:ext cx="540000" cy="540000"/>
+          </a:xfrm>
+          <a:prstGeom prst="ellipse">
+            <a:avLst/>
+          </a:prstGeom>
+          <a:solidFill>
+            <a:srgbClr val="FF4E00">
+              <a:alpha val="75000"/>
+            </a:srgbClr>
+          </a:solidFill>
+          <a:ln w="18000">
+            <a:solidFill>
+              <a:srgbClr val="FF4E00"/>
+            </a:solidFill>
+          </a:ln>
+        </p:spPr>
+        <p:style>
+          <a:lnRef idx="2">
+            <a:schemeClr val="accent1">
+              <a:shade val="50000"/>
+            </a:schemeClr>
+          </a:lnRef>
+          <a:fillRef idx="1">
+            <a:schemeClr val="accent1"/>
+          </a:fillRef>
+          <a:effectRef idx="0">
+            <a:schemeClr val="accent1"/>
+          </a:effectRef>
+          <a:fontRef idx="minor">
+            <a:schemeClr val="lt1"/>
+          </a:fontRef>
+        </p:style>
+        <p:txBody>
+          <a:bodyPr rtlCol="0" anchor="ctr"/>
+          <a:lstStyle/>
+          <a:p>
+            <a:pPr algn="ctr"/>
+            <a:endParaRPr lang="pt-BR">
+              <a:solidFill>
+                <a:srgbClr val="FF4E00"/>
+              </a:solidFill>
+            </a:endParaRPr>
+          </a:p>
+        </p:txBody>
+      </p:sp>
+      <p:sp>
+        <p:nvSpPr>
+          <p:cNvPr id="19" name="Elipse 18">
+            <a:extLst>
+              <a:ext uri="{FF2B5EF4-FFF2-40B4-BE49-F238E27FC236}">
+                <a16:creationId xmlns:a16="http://schemas.microsoft.com/office/drawing/2014/main" id="{96C93668-5640-4344-B5AE-E2A185314D13}"/>
+              </a:ext>
+            </a:extLst>
+          </p:cNvPr>
+          <p:cNvSpPr/>
+          <p:nvPr/>
+        </p:nvSpPr>
+        <p:spPr>
+          <a:xfrm>
+            <a:off x="8422709" y="3435701"/>
+            <a:ext cx="540000" cy="540000"/>
+          </a:xfrm>
+          <a:prstGeom prst="ellipse">
+            <a:avLst/>
+          </a:prstGeom>
+          <a:solidFill>
+            <a:srgbClr val="FF4E00">
+              <a:alpha val="75000"/>
+            </a:srgbClr>
+          </a:solidFill>
+          <a:ln w="18000">
+            <a:solidFill>
+              <a:srgbClr val="FF4E00"/>
+            </a:solidFill>
+          </a:ln>
+        </p:spPr>
+        <p:style>
+          <a:lnRef idx="2">
+            <a:schemeClr val="accent1">
+              <a:shade val="50000"/>
+            </a:schemeClr>
+          </a:lnRef>
+          <a:fillRef idx="1">
+            <a:schemeClr val="accent1"/>
+          </a:fillRef>
+          <a:effectRef idx="0">
+            <a:schemeClr val="accent1"/>
+          </a:effectRef>
+          <a:fontRef idx="minor">
+            <a:schemeClr val="lt1"/>
+          </a:fontRef>
+        </p:style>
+        <p:txBody>
+          <a:bodyPr rtlCol="0" anchor="ctr"/>
+          <a:lstStyle/>
+          <a:p>
+            <a:pPr algn="ctr"/>
+            <a:endParaRPr lang="pt-BR">
+              <a:solidFill>
+                <a:srgbClr val="FF4E00"/>
+              </a:solidFill>
+            </a:endParaRPr>
+          </a:p>
+        </p:txBody>
+      </p:sp>
+      <p:sp>
+        <p:nvSpPr>
+          <p:cNvPr id="20" name="Elipse 19">
+            <a:extLst>
+              <a:ext uri="{FF2B5EF4-FFF2-40B4-BE49-F238E27FC236}">
+                <a16:creationId xmlns:a16="http://schemas.microsoft.com/office/drawing/2014/main" id="{99B8FA62-104A-4FE0-ACE6-3530CD5A1BEB}"/>
+              </a:ext>
+            </a:extLst>
+          </p:cNvPr>
+          <p:cNvSpPr/>
+          <p:nvPr/>
+        </p:nvSpPr>
+        <p:spPr>
+          <a:xfrm>
+            <a:off x="9300549" y="3435701"/>
+            <a:ext cx="540000" cy="540000"/>
+          </a:xfrm>
+          <a:prstGeom prst="ellipse">
+            <a:avLst/>
+          </a:prstGeom>
+          <a:solidFill>
+            <a:srgbClr val="FF4E00">
+              <a:alpha val="75000"/>
+            </a:srgbClr>
+          </a:solidFill>
+          <a:ln w="18000">
+            <a:solidFill>
+              <a:srgbClr val="FF4E00"/>
+            </a:solidFill>
+          </a:ln>
+        </p:spPr>
+        <p:style>
+          <a:lnRef idx="2">
+            <a:schemeClr val="accent1">
+              <a:shade val="50000"/>
+            </a:schemeClr>
+          </a:lnRef>
+          <a:fillRef idx="1">
+            <a:schemeClr val="accent1"/>
+          </a:fillRef>
+          <a:effectRef idx="0">
+            <a:schemeClr val="accent1"/>
+          </a:effectRef>
+          <a:fontRef idx="minor">
+            <a:schemeClr val="lt1"/>
+          </a:fontRef>
+        </p:style>
+        <p:txBody>
+          <a:bodyPr rtlCol="0" anchor="ctr"/>
+          <a:lstStyle/>
+          <a:p>
+            <a:pPr algn="ctr"/>
+            <a:endParaRPr lang="pt-BR">
+              <a:solidFill>
+                <a:srgbClr val="FF4E00"/>
+              </a:solidFill>
+            </a:endParaRPr>
+          </a:p>
+        </p:txBody>
+      </p:sp>
+      <p:sp>
+        <p:nvSpPr>
+          <p:cNvPr id="23" name="CaixaDeTexto 22">
+            <a:extLst>
+              <a:ext uri="{FF2B5EF4-FFF2-40B4-BE49-F238E27FC236}">
+                <a16:creationId xmlns:a16="http://schemas.microsoft.com/office/drawing/2014/main" id="{8509AA95-C6E4-43A8-A526-B009C9D24EC3}"/>
+              </a:ext>
+            </a:extLst>
+          </p:cNvPr>
+          <p:cNvSpPr txBox="1"/>
+          <p:nvPr/>
+        </p:nvSpPr>
+        <p:spPr>
+          <a:xfrm>
+            <a:off x="5007527" y="3521035"/>
+            <a:ext cx="309084" cy="369332"/>
+          </a:xfrm>
+          <a:prstGeom prst="rect">
+            <a:avLst/>
+          </a:prstGeom>
+          <a:noFill/>
+        </p:spPr>
+        <p:txBody>
+          <a:bodyPr wrap="square" rtlCol="0">
+            <a:spAutoFit/>
+          </a:bodyPr>
+          <a:lstStyle/>
+          <a:p>
+            <a:r>
+              <a:rPr lang="pt-BR" dirty="0"/>
+              <a:t>0</a:t>
+            </a:r>
+          </a:p>
+        </p:txBody>
+      </p:sp>
+      <p:sp>
+        <p:nvSpPr>
+          <p:cNvPr id="24" name="CaixaDeTexto 23">
+            <a:extLst>
+              <a:ext uri="{FF2B5EF4-FFF2-40B4-BE49-F238E27FC236}">
+                <a16:creationId xmlns:a16="http://schemas.microsoft.com/office/drawing/2014/main" id="{FE5ABF49-0B8E-4ACE-A80F-4C9C1AE0CC25}"/>
+              </a:ext>
+            </a:extLst>
+          </p:cNvPr>
+          <p:cNvSpPr txBox="1"/>
+          <p:nvPr/>
+        </p:nvSpPr>
+        <p:spPr>
+          <a:xfrm>
+            <a:off x="5881287" y="3521035"/>
+            <a:ext cx="309084" cy="369332"/>
+          </a:xfrm>
+          <a:prstGeom prst="rect">
+            <a:avLst/>
+          </a:prstGeom>
+          <a:noFill/>
+        </p:spPr>
+        <p:txBody>
+          <a:bodyPr wrap="square" rtlCol="0">
+            <a:spAutoFit/>
+          </a:bodyPr>
+          <a:lstStyle/>
+          <a:p>
+            <a:r>
+              <a:rPr lang="pt-BR" dirty="0"/>
+              <a:t>1</a:t>
+            </a:r>
+          </a:p>
+        </p:txBody>
+      </p:sp>
+      <p:sp>
+        <p:nvSpPr>
+          <p:cNvPr id="25" name="CaixaDeTexto 24">
+            <a:extLst>
+              <a:ext uri="{FF2B5EF4-FFF2-40B4-BE49-F238E27FC236}">
+                <a16:creationId xmlns:a16="http://schemas.microsoft.com/office/drawing/2014/main" id="{C6FCC04B-B5F7-41B2-9097-4A5C4CF2D810}"/>
+              </a:ext>
+            </a:extLst>
+          </p:cNvPr>
+          <p:cNvSpPr txBox="1"/>
+          <p:nvPr/>
+        </p:nvSpPr>
+        <p:spPr>
+          <a:xfrm>
+            <a:off x="6782487" y="3521035"/>
+            <a:ext cx="309084" cy="369332"/>
+          </a:xfrm>
+          <a:prstGeom prst="rect">
+            <a:avLst/>
+          </a:prstGeom>
+          <a:noFill/>
+        </p:spPr>
+        <p:txBody>
+          <a:bodyPr wrap="square" rtlCol="0">
+            <a:spAutoFit/>
+          </a:bodyPr>
+          <a:lstStyle/>
+          <a:p>
+            <a:r>
+              <a:rPr lang="pt-BR" dirty="0"/>
+              <a:t>2</a:t>
+            </a:r>
+          </a:p>
+        </p:txBody>
+      </p:sp>
+      <p:sp>
+        <p:nvSpPr>
+          <p:cNvPr id="26" name="CaixaDeTexto 25">
+            <a:extLst>
+              <a:ext uri="{FF2B5EF4-FFF2-40B4-BE49-F238E27FC236}">
+                <a16:creationId xmlns:a16="http://schemas.microsoft.com/office/drawing/2014/main" id="{6D9D7ACA-D931-48C8-AE74-C893D0CF40EC}"/>
+              </a:ext>
+            </a:extLst>
+          </p:cNvPr>
+          <p:cNvSpPr txBox="1"/>
+          <p:nvPr/>
+        </p:nvSpPr>
+        <p:spPr>
+          <a:xfrm>
+            <a:off x="7660327" y="3521035"/>
+            <a:ext cx="309084" cy="369332"/>
+          </a:xfrm>
+          <a:prstGeom prst="rect">
+            <a:avLst/>
+          </a:prstGeom>
+          <a:noFill/>
+        </p:spPr>
+        <p:txBody>
+          <a:bodyPr wrap="square" rtlCol="0">
+            <a:spAutoFit/>
+          </a:bodyPr>
+          <a:lstStyle/>
+          <a:p>
+            <a:r>
+              <a:rPr lang="pt-BR" dirty="0"/>
+              <a:t>3</a:t>
+            </a:r>
+          </a:p>
+        </p:txBody>
+      </p:sp>
+      <p:sp>
+        <p:nvSpPr>
+          <p:cNvPr id="27" name="CaixaDeTexto 26">
+            <a:extLst>
+              <a:ext uri="{FF2B5EF4-FFF2-40B4-BE49-F238E27FC236}">
+                <a16:creationId xmlns:a16="http://schemas.microsoft.com/office/drawing/2014/main" id="{D3BDDC9A-C5C1-4A8C-BA82-5F9C49C56152}"/>
+              </a:ext>
+            </a:extLst>
+          </p:cNvPr>
+          <p:cNvSpPr txBox="1"/>
+          <p:nvPr/>
+        </p:nvSpPr>
+        <p:spPr>
+          <a:xfrm>
+            <a:off x="8538167" y="3521035"/>
+            <a:ext cx="309084" cy="369332"/>
+          </a:xfrm>
+          <a:prstGeom prst="rect">
+            <a:avLst/>
+          </a:prstGeom>
+          <a:noFill/>
+        </p:spPr>
+        <p:txBody>
+          <a:bodyPr wrap="square" rtlCol="0">
+            <a:spAutoFit/>
+          </a:bodyPr>
+          <a:lstStyle/>
+          <a:p>
+            <a:r>
+              <a:rPr lang="pt-BR" dirty="0"/>
+              <a:t>4</a:t>
+            </a:r>
+          </a:p>
+        </p:txBody>
+      </p:sp>
+      <p:sp>
+        <p:nvSpPr>
+          <p:cNvPr id="28" name="CaixaDeTexto 27">
+            <a:extLst>
+              <a:ext uri="{FF2B5EF4-FFF2-40B4-BE49-F238E27FC236}">
+                <a16:creationId xmlns:a16="http://schemas.microsoft.com/office/drawing/2014/main" id="{9DD02DE4-DE23-4F40-857D-C4439FCD9DCF}"/>
+              </a:ext>
+            </a:extLst>
+          </p:cNvPr>
+          <p:cNvSpPr txBox="1"/>
+          <p:nvPr/>
+        </p:nvSpPr>
+        <p:spPr>
+          <a:xfrm>
+            <a:off x="9424568" y="3521035"/>
+            <a:ext cx="309084" cy="369332"/>
+          </a:xfrm>
+          <a:prstGeom prst="rect">
+            <a:avLst/>
+          </a:prstGeom>
+          <a:noFill/>
+        </p:spPr>
+        <p:txBody>
+          <a:bodyPr wrap="square" rtlCol="0">
+            <a:spAutoFit/>
+          </a:bodyPr>
+          <a:lstStyle/>
+          <a:p>
+            <a:r>
+              <a:rPr lang="pt-BR" dirty="0"/>
+              <a:t>0</a:t>
+            </a:r>
+          </a:p>
+        </p:txBody>
+      </p:sp>
+      <p:sp>
+        <p:nvSpPr>
+          <p:cNvPr id="29" name="CaixaDeTexto 28">
+            <a:extLst>
+              <a:ext uri="{FF2B5EF4-FFF2-40B4-BE49-F238E27FC236}">
+                <a16:creationId xmlns:a16="http://schemas.microsoft.com/office/drawing/2014/main" id="{A0596966-7710-43AF-A26D-4B87970DF133}"/>
+              </a:ext>
+            </a:extLst>
+          </p:cNvPr>
+          <p:cNvSpPr txBox="1"/>
+          <p:nvPr/>
+        </p:nvSpPr>
+        <p:spPr>
+          <a:xfrm>
+            <a:off x="1741651" y="3516550"/>
+            <a:ext cx="2506701" cy="461665"/>
+          </a:xfrm>
+          <a:prstGeom prst="rect">
+            <a:avLst/>
+          </a:prstGeom>
+          <a:noFill/>
+        </p:spPr>
+        <p:txBody>
+          <a:bodyPr wrap="square" rtlCol="0">
+            <a:spAutoFit/>
+          </a:bodyPr>
+          <a:lstStyle/>
+          <a:p>
+            <a:r>
+              <a:rPr lang="pt-BR" sz="2400" dirty="0"/>
+              <a:t>Solução Base: </a:t>
+            </a:r>
+          </a:p>
+        </p:txBody>
+      </p:sp>
     </p:spTree>
     <p:extLst>
       <p:ext uri="{BB962C8B-B14F-4D97-AF65-F5344CB8AC3E}">
-        <p14:creationId xmlns:p14="http://schemas.microsoft.com/office/powerpoint/2010/main" val="3800362669"/>
+        <p14:creationId xmlns:p14="http://schemas.microsoft.com/office/powerpoint/2010/main" val="1581794169"/>
       </p:ext>
     </p:extLst>
   </p:cSld>

--- a/Apresentacao.pptx
+++ b/Apresentacao.pptx
@@ -5,7 +5,7 @@
     <p:sldMasterId id="2147483942" r:id="rId1"/>
   </p:sldMasterIdLst>
   <p:notesMasterIdLst>
-    <p:notesMasterId r:id="rId14"/>
+    <p:notesMasterId r:id="rId17"/>
   </p:notesMasterIdLst>
   <p:sldIdLst>
     <p:sldId id="256" r:id="rId2"/>
@@ -16,10 +16,13 @@
     <p:sldId id="267" r:id="rId7"/>
     <p:sldId id="268" r:id="rId8"/>
     <p:sldId id="269" r:id="rId9"/>
-    <p:sldId id="264" r:id="rId10"/>
-    <p:sldId id="262" r:id="rId11"/>
-    <p:sldId id="263" r:id="rId12"/>
-    <p:sldId id="261" r:id="rId13"/>
+    <p:sldId id="270" r:id="rId10"/>
+    <p:sldId id="271" r:id="rId11"/>
+    <p:sldId id="272" r:id="rId12"/>
+    <p:sldId id="273" r:id="rId13"/>
+    <p:sldId id="262" r:id="rId14"/>
+    <p:sldId id="263" r:id="rId15"/>
+    <p:sldId id="261" r:id="rId16"/>
   </p:sldIdLst>
   <p:sldSz cx="12192000" cy="6858000"/>
   <p:notesSz cx="6858000" cy="9144000"/>
@@ -118,6 +121,11 @@
       </a:defRPr>
     </a:lvl9pPr>
   </p:defaultTextStyle>
+  <p:extLst>
+    <p:ext uri="{EFAFB233-063F-42B5-8137-9DF3F51BA10A}">
+      <p15:sldGuideLst xmlns:p15="http://schemas.microsoft.com/office/powerpoint/2012/main"/>
+    </p:ext>
+  </p:extLst>
 </p:presentation>
 </file>
 
@@ -905,6 +913,342 @@
     <p:extLst>
       <p:ext uri="{BB962C8B-B14F-4D97-AF65-F5344CB8AC3E}">
         <p14:creationId xmlns:p14="http://schemas.microsoft.com/office/powerpoint/2010/main" val="905748010"/>
+      </p:ext>
+    </p:extLst>
+  </p:cSld>
+  <p:clrMapOvr>
+    <a:masterClrMapping/>
+  </p:clrMapOvr>
+</p:notes>
+</file>
+
+<file path=ppt/notesSlides/notesSlide5.xml><?xml version="1.0" encoding="utf-8"?>
+<p:notes xmlns:a="http://schemas.openxmlformats.org/drawingml/2006/main" xmlns:r="http://schemas.openxmlformats.org/officeDocument/2006/relationships" xmlns:p="http://schemas.openxmlformats.org/presentationml/2006/main">
+  <p:cSld>
+    <p:spTree>
+      <p:nvGrpSpPr>
+        <p:cNvPr id="1" name=""/>
+        <p:cNvGrpSpPr/>
+        <p:nvPr/>
+      </p:nvGrpSpPr>
+      <p:grpSpPr>
+        <a:xfrm>
+          <a:off x="0" y="0"/>
+          <a:ext cx="0" cy="0"/>
+          <a:chOff x="0" y="0"/>
+          <a:chExt cx="0" cy="0"/>
+        </a:xfrm>
+      </p:grpSpPr>
+      <p:sp>
+        <p:nvSpPr>
+          <p:cNvPr id="2" name="Espaço Reservado para Imagem de Slide 1"/>
+          <p:cNvSpPr>
+            <a:spLocks noGrp="1" noRot="1" noChangeAspect="1"/>
+          </p:cNvSpPr>
+          <p:nvPr>
+            <p:ph type="sldImg"/>
+          </p:nvPr>
+        </p:nvSpPr>
+        <p:spPr/>
+      </p:sp>
+      <p:sp>
+        <p:nvSpPr>
+          <p:cNvPr id="3" name="Espaço Reservado para Anotações 2"/>
+          <p:cNvSpPr>
+            <a:spLocks noGrp="1"/>
+          </p:cNvSpPr>
+          <p:nvPr>
+            <p:ph type="body" idx="1"/>
+          </p:nvPr>
+        </p:nvSpPr>
+        <p:spPr/>
+        <p:txBody>
+          <a:bodyPr/>
+          <a:lstStyle/>
+          <a:p>
+            <a:endParaRPr lang="pt-BR" dirty="0"/>
+          </a:p>
+        </p:txBody>
+      </p:sp>
+      <p:sp>
+        <p:nvSpPr>
+          <p:cNvPr id="4" name="Espaço Reservado para Número de Slide 3"/>
+          <p:cNvSpPr>
+            <a:spLocks noGrp="1"/>
+          </p:cNvSpPr>
+          <p:nvPr>
+            <p:ph type="sldNum" sz="quarter" idx="5"/>
+          </p:nvPr>
+        </p:nvSpPr>
+        <p:spPr/>
+        <p:txBody>
+          <a:bodyPr/>
+          <a:lstStyle/>
+          <a:p>
+            <a:fld id="{464191B7-E8B3-486D-94CD-E52289BAC6A9}" type="slidenum">
+              <a:rPr lang="pt-BR" smtClean="0"/>
+              <a:t>9</a:t>
+            </a:fld>
+            <a:endParaRPr lang="pt-BR"/>
+          </a:p>
+        </p:txBody>
+      </p:sp>
+    </p:spTree>
+    <p:extLst>
+      <p:ext uri="{BB962C8B-B14F-4D97-AF65-F5344CB8AC3E}">
+        <p14:creationId xmlns:p14="http://schemas.microsoft.com/office/powerpoint/2010/main" val="1474569744"/>
+      </p:ext>
+    </p:extLst>
+  </p:cSld>
+  <p:clrMapOvr>
+    <a:masterClrMapping/>
+  </p:clrMapOvr>
+</p:notes>
+</file>
+
+<file path=ppt/notesSlides/notesSlide6.xml><?xml version="1.0" encoding="utf-8"?>
+<p:notes xmlns:a="http://schemas.openxmlformats.org/drawingml/2006/main" xmlns:r="http://schemas.openxmlformats.org/officeDocument/2006/relationships" xmlns:p="http://schemas.openxmlformats.org/presentationml/2006/main">
+  <p:cSld>
+    <p:spTree>
+      <p:nvGrpSpPr>
+        <p:cNvPr id="1" name=""/>
+        <p:cNvGrpSpPr/>
+        <p:nvPr/>
+      </p:nvGrpSpPr>
+      <p:grpSpPr>
+        <a:xfrm>
+          <a:off x="0" y="0"/>
+          <a:ext cx="0" cy="0"/>
+          <a:chOff x="0" y="0"/>
+          <a:chExt cx="0" cy="0"/>
+        </a:xfrm>
+      </p:grpSpPr>
+      <p:sp>
+        <p:nvSpPr>
+          <p:cNvPr id="2" name="Espaço Reservado para Imagem de Slide 1"/>
+          <p:cNvSpPr>
+            <a:spLocks noGrp="1" noRot="1" noChangeAspect="1"/>
+          </p:cNvSpPr>
+          <p:nvPr>
+            <p:ph type="sldImg"/>
+          </p:nvPr>
+        </p:nvSpPr>
+        <p:spPr/>
+      </p:sp>
+      <p:sp>
+        <p:nvSpPr>
+          <p:cNvPr id="3" name="Espaço Reservado para Anotações 2"/>
+          <p:cNvSpPr>
+            <a:spLocks noGrp="1"/>
+          </p:cNvSpPr>
+          <p:nvPr>
+            <p:ph type="body" idx="1"/>
+          </p:nvPr>
+        </p:nvSpPr>
+        <p:spPr/>
+        <p:txBody>
+          <a:bodyPr/>
+          <a:lstStyle/>
+          <a:p>
+            <a:endParaRPr lang="pt-BR" dirty="0"/>
+          </a:p>
+        </p:txBody>
+      </p:sp>
+      <p:sp>
+        <p:nvSpPr>
+          <p:cNvPr id="4" name="Espaço Reservado para Número de Slide 3"/>
+          <p:cNvSpPr>
+            <a:spLocks noGrp="1"/>
+          </p:cNvSpPr>
+          <p:nvPr>
+            <p:ph type="sldNum" sz="quarter" idx="5"/>
+          </p:nvPr>
+        </p:nvSpPr>
+        <p:spPr/>
+        <p:txBody>
+          <a:bodyPr/>
+          <a:lstStyle/>
+          <a:p>
+            <a:fld id="{464191B7-E8B3-486D-94CD-E52289BAC6A9}" type="slidenum">
+              <a:rPr lang="pt-BR" smtClean="0"/>
+              <a:t>10</a:t>
+            </a:fld>
+            <a:endParaRPr lang="pt-BR"/>
+          </a:p>
+        </p:txBody>
+      </p:sp>
+    </p:spTree>
+    <p:extLst>
+      <p:ext uri="{BB962C8B-B14F-4D97-AF65-F5344CB8AC3E}">
+        <p14:creationId xmlns:p14="http://schemas.microsoft.com/office/powerpoint/2010/main" val="3633950019"/>
+      </p:ext>
+    </p:extLst>
+  </p:cSld>
+  <p:clrMapOvr>
+    <a:masterClrMapping/>
+  </p:clrMapOvr>
+</p:notes>
+</file>
+
+<file path=ppt/notesSlides/notesSlide7.xml><?xml version="1.0" encoding="utf-8"?>
+<p:notes xmlns:a="http://schemas.openxmlformats.org/drawingml/2006/main" xmlns:r="http://schemas.openxmlformats.org/officeDocument/2006/relationships" xmlns:p="http://schemas.openxmlformats.org/presentationml/2006/main">
+  <p:cSld>
+    <p:spTree>
+      <p:nvGrpSpPr>
+        <p:cNvPr id="1" name=""/>
+        <p:cNvGrpSpPr/>
+        <p:nvPr/>
+      </p:nvGrpSpPr>
+      <p:grpSpPr>
+        <a:xfrm>
+          <a:off x="0" y="0"/>
+          <a:ext cx="0" cy="0"/>
+          <a:chOff x="0" y="0"/>
+          <a:chExt cx="0" cy="0"/>
+        </a:xfrm>
+      </p:grpSpPr>
+      <p:sp>
+        <p:nvSpPr>
+          <p:cNvPr id="2" name="Espaço Reservado para Imagem de Slide 1"/>
+          <p:cNvSpPr>
+            <a:spLocks noGrp="1" noRot="1" noChangeAspect="1"/>
+          </p:cNvSpPr>
+          <p:nvPr>
+            <p:ph type="sldImg"/>
+          </p:nvPr>
+        </p:nvSpPr>
+        <p:spPr/>
+      </p:sp>
+      <p:sp>
+        <p:nvSpPr>
+          <p:cNvPr id="3" name="Espaço Reservado para Anotações 2"/>
+          <p:cNvSpPr>
+            <a:spLocks noGrp="1"/>
+          </p:cNvSpPr>
+          <p:nvPr>
+            <p:ph type="body" idx="1"/>
+          </p:nvPr>
+        </p:nvSpPr>
+        <p:spPr/>
+        <p:txBody>
+          <a:bodyPr/>
+          <a:lstStyle/>
+          <a:p>
+            <a:endParaRPr lang="pt-BR" dirty="0"/>
+          </a:p>
+        </p:txBody>
+      </p:sp>
+      <p:sp>
+        <p:nvSpPr>
+          <p:cNvPr id="4" name="Espaço Reservado para Número de Slide 3"/>
+          <p:cNvSpPr>
+            <a:spLocks noGrp="1"/>
+          </p:cNvSpPr>
+          <p:nvPr>
+            <p:ph type="sldNum" sz="quarter" idx="5"/>
+          </p:nvPr>
+        </p:nvSpPr>
+        <p:spPr/>
+        <p:txBody>
+          <a:bodyPr/>
+          <a:lstStyle/>
+          <a:p>
+            <a:fld id="{464191B7-E8B3-486D-94CD-E52289BAC6A9}" type="slidenum">
+              <a:rPr lang="pt-BR" smtClean="0"/>
+              <a:t>11</a:t>
+            </a:fld>
+            <a:endParaRPr lang="pt-BR"/>
+          </a:p>
+        </p:txBody>
+      </p:sp>
+    </p:spTree>
+    <p:extLst>
+      <p:ext uri="{BB962C8B-B14F-4D97-AF65-F5344CB8AC3E}">
+        <p14:creationId xmlns:p14="http://schemas.microsoft.com/office/powerpoint/2010/main" val="3444112061"/>
+      </p:ext>
+    </p:extLst>
+  </p:cSld>
+  <p:clrMapOvr>
+    <a:masterClrMapping/>
+  </p:clrMapOvr>
+</p:notes>
+</file>
+
+<file path=ppt/notesSlides/notesSlide8.xml><?xml version="1.0" encoding="utf-8"?>
+<p:notes xmlns:a="http://schemas.openxmlformats.org/drawingml/2006/main" xmlns:r="http://schemas.openxmlformats.org/officeDocument/2006/relationships" xmlns:p="http://schemas.openxmlformats.org/presentationml/2006/main">
+  <p:cSld>
+    <p:spTree>
+      <p:nvGrpSpPr>
+        <p:cNvPr id="1" name=""/>
+        <p:cNvGrpSpPr/>
+        <p:nvPr/>
+      </p:nvGrpSpPr>
+      <p:grpSpPr>
+        <a:xfrm>
+          <a:off x="0" y="0"/>
+          <a:ext cx="0" cy="0"/>
+          <a:chOff x="0" y="0"/>
+          <a:chExt cx="0" cy="0"/>
+        </a:xfrm>
+      </p:grpSpPr>
+      <p:sp>
+        <p:nvSpPr>
+          <p:cNvPr id="2" name="Espaço Reservado para Imagem de Slide 1"/>
+          <p:cNvSpPr>
+            <a:spLocks noGrp="1" noRot="1" noChangeAspect="1"/>
+          </p:cNvSpPr>
+          <p:nvPr>
+            <p:ph type="sldImg"/>
+          </p:nvPr>
+        </p:nvSpPr>
+        <p:spPr/>
+      </p:sp>
+      <p:sp>
+        <p:nvSpPr>
+          <p:cNvPr id="3" name="Espaço Reservado para Anotações 2"/>
+          <p:cNvSpPr>
+            <a:spLocks noGrp="1"/>
+          </p:cNvSpPr>
+          <p:nvPr>
+            <p:ph type="body" idx="1"/>
+          </p:nvPr>
+        </p:nvSpPr>
+        <p:spPr/>
+        <p:txBody>
+          <a:bodyPr/>
+          <a:lstStyle/>
+          <a:p>
+            <a:endParaRPr lang="pt-BR" dirty="0"/>
+          </a:p>
+        </p:txBody>
+      </p:sp>
+      <p:sp>
+        <p:nvSpPr>
+          <p:cNvPr id="4" name="Espaço Reservado para Número de Slide 3"/>
+          <p:cNvSpPr>
+            <a:spLocks noGrp="1"/>
+          </p:cNvSpPr>
+          <p:nvPr>
+            <p:ph type="sldNum" sz="quarter" idx="5"/>
+          </p:nvPr>
+        </p:nvSpPr>
+        <p:spPr/>
+        <p:txBody>
+          <a:bodyPr/>
+          <a:lstStyle/>
+          <a:p>
+            <a:fld id="{464191B7-E8B3-486D-94CD-E52289BAC6A9}" type="slidenum">
+              <a:rPr lang="pt-BR" smtClean="0"/>
+              <a:t>12</a:t>
+            </a:fld>
+            <a:endParaRPr lang="pt-BR"/>
+          </a:p>
+        </p:txBody>
+      </p:sp>
+    </p:spTree>
+    <p:extLst>
+      <p:ext uri="{BB962C8B-B14F-4D97-AF65-F5344CB8AC3E}">
+        <p14:creationId xmlns:p14="http://schemas.microsoft.com/office/powerpoint/2010/main" val="3289915037"/>
       </p:ext>
     </p:extLst>
   </p:cSld>
@@ -6784,7 +7128,7 @@
         <p:spPr>
           <a:xfrm>
             <a:off x="885511" y="2320206"/>
-            <a:ext cx="8807130" cy="849714"/>
+            <a:ext cx="7071128" cy="540000"/>
           </a:xfrm>
         </p:spPr>
         <p:txBody>
@@ -6802,13 +7146,6371 @@
             </a:r>
             <a:r>
               <a:rPr lang="pt-BR" sz="3200" dirty="0"/>
+              <a:t>Vizinhanças</a:t>
+            </a:r>
+          </a:p>
+        </p:txBody>
+      </p:sp>
+      <p:sp>
+        <p:nvSpPr>
+          <p:cNvPr id="8" name="CaixaDeTexto 7">
+            <a:extLst>
+              <a:ext uri="{FF2B5EF4-FFF2-40B4-BE49-F238E27FC236}">
+                <a16:creationId xmlns:a16="http://schemas.microsoft.com/office/drawing/2014/main" id="{47369606-71A7-4D2A-9403-98734EC8CF4E}"/>
+              </a:ext>
+            </a:extLst>
+          </p:cNvPr>
+          <p:cNvSpPr txBox="1"/>
+          <p:nvPr/>
+        </p:nvSpPr>
+        <p:spPr>
+          <a:xfrm>
+            <a:off x="1612621" y="2861730"/>
+            <a:ext cx="2976880" cy="584775"/>
+          </a:xfrm>
+          <a:prstGeom prst="rect">
+            <a:avLst/>
+          </a:prstGeom>
+          <a:noFill/>
+        </p:spPr>
+        <p:txBody>
+          <a:bodyPr wrap="square" rtlCol="0">
+            <a:spAutoFit/>
+          </a:bodyPr>
+          <a:lstStyle/>
+          <a:p>
+            <a:r>
+              <a:rPr lang="pt-BR" sz="3200" b="1" dirty="0"/>
+              <a:t>Swap </a:t>
+            </a:r>
+          </a:p>
+        </p:txBody>
+      </p:sp>
+      <p:sp>
+        <p:nvSpPr>
+          <p:cNvPr id="13" name="Elipse 12">
+            <a:extLst>
+              <a:ext uri="{FF2B5EF4-FFF2-40B4-BE49-F238E27FC236}">
+                <a16:creationId xmlns:a16="http://schemas.microsoft.com/office/drawing/2014/main" id="{785487F0-5C84-4360-A2A1-2FF74F902BDE}"/>
+              </a:ext>
+            </a:extLst>
+          </p:cNvPr>
+          <p:cNvSpPr/>
+          <p:nvPr/>
+        </p:nvSpPr>
+        <p:spPr>
+          <a:xfrm>
+            <a:off x="4892069" y="3435701"/>
+            <a:ext cx="540000" cy="540000"/>
+          </a:xfrm>
+          <a:prstGeom prst="ellipse">
+            <a:avLst/>
+          </a:prstGeom>
+          <a:solidFill>
+            <a:srgbClr val="FF4E00">
+              <a:alpha val="75000"/>
+            </a:srgbClr>
+          </a:solidFill>
+          <a:ln w="18000">
+            <a:solidFill>
+              <a:srgbClr val="FF4E00"/>
+            </a:solidFill>
+          </a:ln>
+        </p:spPr>
+        <p:style>
+          <a:lnRef idx="2">
+            <a:schemeClr val="accent1">
+              <a:shade val="50000"/>
+            </a:schemeClr>
+          </a:lnRef>
+          <a:fillRef idx="1">
+            <a:schemeClr val="accent1"/>
+          </a:fillRef>
+          <a:effectRef idx="0">
+            <a:schemeClr val="accent1"/>
+          </a:effectRef>
+          <a:fontRef idx="minor">
+            <a:schemeClr val="lt1"/>
+          </a:fontRef>
+        </p:style>
+        <p:txBody>
+          <a:bodyPr rtlCol="0" anchor="ctr"/>
+          <a:lstStyle/>
+          <a:p>
+            <a:pPr algn="ctr"/>
+            <a:endParaRPr lang="pt-BR">
+              <a:solidFill>
+                <a:srgbClr val="FF4E00"/>
+              </a:solidFill>
+            </a:endParaRPr>
+          </a:p>
+        </p:txBody>
+      </p:sp>
+      <p:sp>
+        <p:nvSpPr>
+          <p:cNvPr id="15" name="Elipse 14">
+            <a:extLst>
+              <a:ext uri="{FF2B5EF4-FFF2-40B4-BE49-F238E27FC236}">
+                <a16:creationId xmlns:a16="http://schemas.microsoft.com/office/drawing/2014/main" id="{53D3B27A-BACF-4A1C-93D4-5FFFEE49BE29}"/>
+              </a:ext>
+            </a:extLst>
+          </p:cNvPr>
+          <p:cNvSpPr/>
+          <p:nvPr/>
+        </p:nvSpPr>
+        <p:spPr>
+          <a:xfrm>
+            <a:off x="5765829" y="3435701"/>
+            <a:ext cx="540000" cy="540000"/>
+          </a:xfrm>
+          <a:prstGeom prst="ellipse">
+            <a:avLst/>
+          </a:prstGeom>
+          <a:solidFill>
+            <a:srgbClr val="FF4E00">
+              <a:alpha val="75000"/>
+            </a:srgbClr>
+          </a:solidFill>
+          <a:ln w="18000">
+            <a:solidFill>
+              <a:srgbClr val="FF4E00"/>
+            </a:solidFill>
+          </a:ln>
+        </p:spPr>
+        <p:style>
+          <a:lnRef idx="2">
+            <a:schemeClr val="accent1">
+              <a:shade val="50000"/>
+            </a:schemeClr>
+          </a:lnRef>
+          <a:fillRef idx="1">
+            <a:schemeClr val="accent1"/>
+          </a:fillRef>
+          <a:effectRef idx="0">
+            <a:schemeClr val="accent1"/>
+          </a:effectRef>
+          <a:fontRef idx="minor">
+            <a:schemeClr val="lt1"/>
+          </a:fontRef>
+        </p:style>
+        <p:txBody>
+          <a:bodyPr rtlCol="0" anchor="ctr"/>
+          <a:lstStyle/>
+          <a:p>
+            <a:pPr algn="ctr"/>
+            <a:endParaRPr lang="pt-BR">
+              <a:solidFill>
+                <a:srgbClr val="FF4E00"/>
+              </a:solidFill>
+            </a:endParaRPr>
+          </a:p>
+        </p:txBody>
+      </p:sp>
+      <p:sp>
+        <p:nvSpPr>
+          <p:cNvPr id="17" name="Elipse 16">
+            <a:extLst>
+              <a:ext uri="{FF2B5EF4-FFF2-40B4-BE49-F238E27FC236}">
+                <a16:creationId xmlns:a16="http://schemas.microsoft.com/office/drawing/2014/main" id="{9F2E3B3A-E616-42E7-9538-A98D22F3F07A}"/>
+              </a:ext>
+            </a:extLst>
+          </p:cNvPr>
+          <p:cNvSpPr/>
+          <p:nvPr/>
+        </p:nvSpPr>
+        <p:spPr>
+          <a:xfrm>
+            <a:off x="6667029" y="3435701"/>
+            <a:ext cx="540000" cy="540000"/>
+          </a:xfrm>
+          <a:prstGeom prst="ellipse">
+            <a:avLst/>
+          </a:prstGeom>
+          <a:solidFill>
+            <a:srgbClr val="FF4E00">
+              <a:alpha val="75000"/>
+            </a:srgbClr>
+          </a:solidFill>
+          <a:ln w="18000">
+            <a:solidFill>
+              <a:srgbClr val="FF4E00"/>
+            </a:solidFill>
+          </a:ln>
+        </p:spPr>
+        <p:style>
+          <a:lnRef idx="2">
+            <a:schemeClr val="accent1">
+              <a:shade val="50000"/>
+            </a:schemeClr>
+          </a:lnRef>
+          <a:fillRef idx="1">
+            <a:schemeClr val="accent1"/>
+          </a:fillRef>
+          <a:effectRef idx="0">
+            <a:schemeClr val="accent1"/>
+          </a:effectRef>
+          <a:fontRef idx="minor">
+            <a:schemeClr val="lt1"/>
+          </a:fontRef>
+        </p:style>
+        <p:txBody>
+          <a:bodyPr rtlCol="0" anchor="ctr"/>
+          <a:lstStyle/>
+          <a:p>
+            <a:pPr algn="ctr"/>
+            <a:endParaRPr lang="pt-BR">
+              <a:solidFill>
+                <a:srgbClr val="FF4E00"/>
+              </a:solidFill>
+            </a:endParaRPr>
+          </a:p>
+        </p:txBody>
+      </p:sp>
+      <p:sp>
+        <p:nvSpPr>
+          <p:cNvPr id="18" name="Elipse 17">
+            <a:extLst>
+              <a:ext uri="{FF2B5EF4-FFF2-40B4-BE49-F238E27FC236}">
+                <a16:creationId xmlns:a16="http://schemas.microsoft.com/office/drawing/2014/main" id="{AF7D96C6-F82E-4619-AC46-97C610389364}"/>
+              </a:ext>
+            </a:extLst>
+          </p:cNvPr>
+          <p:cNvSpPr/>
+          <p:nvPr/>
+        </p:nvSpPr>
+        <p:spPr>
+          <a:xfrm>
+            <a:off x="7544869" y="3435701"/>
+            <a:ext cx="540000" cy="540000"/>
+          </a:xfrm>
+          <a:prstGeom prst="ellipse">
+            <a:avLst/>
+          </a:prstGeom>
+          <a:solidFill>
+            <a:srgbClr val="FF4E00">
+              <a:alpha val="75000"/>
+            </a:srgbClr>
+          </a:solidFill>
+          <a:ln w="18000">
+            <a:solidFill>
+              <a:srgbClr val="FF4E00"/>
+            </a:solidFill>
+          </a:ln>
+        </p:spPr>
+        <p:style>
+          <a:lnRef idx="2">
+            <a:schemeClr val="accent1">
+              <a:shade val="50000"/>
+            </a:schemeClr>
+          </a:lnRef>
+          <a:fillRef idx="1">
+            <a:schemeClr val="accent1"/>
+          </a:fillRef>
+          <a:effectRef idx="0">
+            <a:schemeClr val="accent1"/>
+          </a:effectRef>
+          <a:fontRef idx="minor">
+            <a:schemeClr val="lt1"/>
+          </a:fontRef>
+        </p:style>
+        <p:txBody>
+          <a:bodyPr rtlCol="0" anchor="ctr"/>
+          <a:lstStyle/>
+          <a:p>
+            <a:pPr algn="ctr"/>
+            <a:endParaRPr lang="pt-BR">
+              <a:solidFill>
+                <a:srgbClr val="FF4E00"/>
+              </a:solidFill>
+            </a:endParaRPr>
+          </a:p>
+        </p:txBody>
+      </p:sp>
+      <p:sp>
+        <p:nvSpPr>
+          <p:cNvPr id="19" name="Elipse 18">
+            <a:extLst>
+              <a:ext uri="{FF2B5EF4-FFF2-40B4-BE49-F238E27FC236}">
+                <a16:creationId xmlns:a16="http://schemas.microsoft.com/office/drawing/2014/main" id="{96C93668-5640-4344-B5AE-E2A185314D13}"/>
+              </a:ext>
+            </a:extLst>
+          </p:cNvPr>
+          <p:cNvSpPr/>
+          <p:nvPr/>
+        </p:nvSpPr>
+        <p:spPr>
+          <a:xfrm>
+            <a:off x="8422709" y="3435701"/>
+            <a:ext cx="540000" cy="540000"/>
+          </a:xfrm>
+          <a:prstGeom prst="ellipse">
+            <a:avLst/>
+          </a:prstGeom>
+          <a:solidFill>
+            <a:srgbClr val="FF4E00">
+              <a:alpha val="75000"/>
+            </a:srgbClr>
+          </a:solidFill>
+          <a:ln w="18000">
+            <a:solidFill>
+              <a:srgbClr val="FF4E00"/>
+            </a:solidFill>
+          </a:ln>
+        </p:spPr>
+        <p:style>
+          <a:lnRef idx="2">
+            <a:schemeClr val="accent1">
+              <a:shade val="50000"/>
+            </a:schemeClr>
+          </a:lnRef>
+          <a:fillRef idx="1">
+            <a:schemeClr val="accent1"/>
+          </a:fillRef>
+          <a:effectRef idx="0">
+            <a:schemeClr val="accent1"/>
+          </a:effectRef>
+          <a:fontRef idx="minor">
+            <a:schemeClr val="lt1"/>
+          </a:fontRef>
+        </p:style>
+        <p:txBody>
+          <a:bodyPr rtlCol="0" anchor="ctr"/>
+          <a:lstStyle/>
+          <a:p>
+            <a:pPr algn="ctr"/>
+            <a:endParaRPr lang="pt-BR">
+              <a:solidFill>
+                <a:srgbClr val="FF4E00"/>
+              </a:solidFill>
+            </a:endParaRPr>
+          </a:p>
+        </p:txBody>
+      </p:sp>
+      <p:sp>
+        <p:nvSpPr>
+          <p:cNvPr id="20" name="Elipse 19">
+            <a:extLst>
+              <a:ext uri="{FF2B5EF4-FFF2-40B4-BE49-F238E27FC236}">
+                <a16:creationId xmlns:a16="http://schemas.microsoft.com/office/drawing/2014/main" id="{99B8FA62-104A-4FE0-ACE6-3530CD5A1BEB}"/>
+              </a:ext>
+            </a:extLst>
+          </p:cNvPr>
+          <p:cNvSpPr/>
+          <p:nvPr/>
+        </p:nvSpPr>
+        <p:spPr>
+          <a:xfrm>
+            <a:off x="9300549" y="3435701"/>
+            <a:ext cx="540000" cy="540000"/>
+          </a:xfrm>
+          <a:prstGeom prst="ellipse">
+            <a:avLst/>
+          </a:prstGeom>
+          <a:solidFill>
+            <a:srgbClr val="FF4E00">
+              <a:alpha val="75000"/>
+            </a:srgbClr>
+          </a:solidFill>
+          <a:ln w="18000">
+            <a:solidFill>
+              <a:srgbClr val="FF4E00"/>
+            </a:solidFill>
+          </a:ln>
+        </p:spPr>
+        <p:style>
+          <a:lnRef idx="2">
+            <a:schemeClr val="accent1">
+              <a:shade val="50000"/>
+            </a:schemeClr>
+          </a:lnRef>
+          <a:fillRef idx="1">
+            <a:schemeClr val="accent1"/>
+          </a:fillRef>
+          <a:effectRef idx="0">
+            <a:schemeClr val="accent1"/>
+          </a:effectRef>
+          <a:fontRef idx="minor">
+            <a:schemeClr val="lt1"/>
+          </a:fontRef>
+        </p:style>
+        <p:txBody>
+          <a:bodyPr rtlCol="0" anchor="ctr"/>
+          <a:lstStyle/>
+          <a:p>
+            <a:pPr algn="ctr"/>
+            <a:endParaRPr lang="pt-BR">
+              <a:solidFill>
+                <a:srgbClr val="FF4E00"/>
+              </a:solidFill>
+            </a:endParaRPr>
+          </a:p>
+        </p:txBody>
+      </p:sp>
+      <p:sp>
+        <p:nvSpPr>
+          <p:cNvPr id="23" name="CaixaDeTexto 22">
+            <a:extLst>
+              <a:ext uri="{FF2B5EF4-FFF2-40B4-BE49-F238E27FC236}">
+                <a16:creationId xmlns:a16="http://schemas.microsoft.com/office/drawing/2014/main" id="{8509AA95-C6E4-43A8-A526-B009C9D24EC3}"/>
+              </a:ext>
+            </a:extLst>
+          </p:cNvPr>
+          <p:cNvSpPr txBox="1"/>
+          <p:nvPr/>
+        </p:nvSpPr>
+        <p:spPr>
+          <a:xfrm>
+            <a:off x="5007527" y="3521035"/>
+            <a:ext cx="309084" cy="369332"/>
+          </a:xfrm>
+          <a:prstGeom prst="rect">
+            <a:avLst/>
+          </a:prstGeom>
+          <a:noFill/>
+        </p:spPr>
+        <p:txBody>
+          <a:bodyPr wrap="square" rtlCol="0">
+            <a:spAutoFit/>
+          </a:bodyPr>
+          <a:lstStyle/>
+          <a:p>
+            <a:r>
+              <a:rPr lang="pt-BR" dirty="0"/>
+              <a:t>0</a:t>
+            </a:r>
+          </a:p>
+        </p:txBody>
+      </p:sp>
+      <p:sp>
+        <p:nvSpPr>
+          <p:cNvPr id="24" name="CaixaDeTexto 23">
+            <a:extLst>
+              <a:ext uri="{FF2B5EF4-FFF2-40B4-BE49-F238E27FC236}">
+                <a16:creationId xmlns:a16="http://schemas.microsoft.com/office/drawing/2014/main" id="{FE5ABF49-0B8E-4ACE-A80F-4C9C1AE0CC25}"/>
+              </a:ext>
+            </a:extLst>
+          </p:cNvPr>
+          <p:cNvSpPr txBox="1"/>
+          <p:nvPr/>
+        </p:nvSpPr>
+        <p:spPr>
+          <a:xfrm>
+            <a:off x="5881287" y="3521035"/>
+            <a:ext cx="309084" cy="369332"/>
+          </a:xfrm>
+          <a:prstGeom prst="rect">
+            <a:avLst/>
+          </a:prstGeom>
+          <a:noFill/>
+        </p:spPr>
+        <p:txBody>
+          <a:bodyPr wrap="square" rtlCol="0">
+            <a:spAutoFit/>
+          </a:bodyPr>
+          <a:lstStyle/>
+          <a:p>
+            <a:r>
+              <a:rPr lang="pt-BR" dirty="0"/>
+              <a:t>1</a:t>
+            </a:r>
+          </a:p>
+        </p:txBody>
+      </p:sp>
+      <p:sp>
+        <p:nvSpPr>
+          <p:cNvPr id="25" name="CaixaDeTexto 24">
+            <a:extLst>
+              <a:ext uri="{FF2B5EF4-FFF2-40B4-BE49-F238E27FC236}">
+                <a16:creationId xmlns:a16="http://schemas.microsoft.com/office/drawing/2014/main" id="{C6FCC04B-B5F7-41B2-9097-4A5C4CF2D810}"/>
+              </a:ext>
+            </a:extLst>
+          </p:cNvPr>
+          <p:cNvSpPr txBox="1"/>
+          <p:nvPr/>
+        </p:nvSpPr>
+        <p:spPr>
+          <a:xfrm>
+            <a:off x="6782487" y="3521035"/>
+            <a:ext cx="309084" cy="369332"/>
+          </a:xfrm>
+          <a:prstGeom prst="rect">
+            <a:avLst/>
+          </a:prstGeom>
+          <a:noFill/>
+        </p:spPr>
+        <p:txBody>
+          <a:bodyPr wrap="square" rtlCol="0">
+            <a:spAutoFit/>
+          </a:bodyPr>
+          <a:lstStyle/>
+          <a:p>
+            <a:r>
+              <a:rPr lang="pt-BR" dirty="0"/>
+              <a:t>2</a:t>
+            </a:r>
+          </a:p>
+        </p:txBody>
+      </p:sp>
+      <p:sp>
+        <p:nvSpPr>
+          <p:cNvPr id="26" name="CaixaDeTexto 25">
+            <a:extLst>
+              <a:ext uri="{FF2B5EF4-FFF2-40B4-BE49-F238E27FC236}">
+                <a16:creationId xmlns:a16="http://schemas.microsoft.com/office/drawing/2014/main" id="{6D9D7ACA-D931-48C8-AE74-C893D0CF40EC}"/>
+              </a:ext>
+            </a:extLst>
+          </p:cNvPr>
+          <p:cNvSpPr txBox="1"/>
+          <p:nvPr/>
+        </p:nvSpPr>
+        <p:spPr>
+          <a:xfrm>
+            <a:off x="7660327" y="3521035"/>
+            <a:ext cx="309084" cy="369332"/>
+          </a:xfrm>
+          <a:prstGeom prst="rect">
+            <a:avLst/>
+          </a:prstGeom>
+          <a:noFill/>
+        </p:spPr>
+        <p:txBody>
+          <a:bodyPr wrap="square" rtlCol="0">
+            <a:spAutoFit/>
+          </a:bodyPr>
+          <a:lstStyle/>
+          <a:p>
+            <a:r>
+              <a:rPr lang="pt-BR" dirty="0"/>
+              <a:t>3</a:t>
+            </a:r>
+          </a:p>
+        </p:txBody>
+      </p:sp>
+      <p:sp>
+        <p:nvSpPr>
+          <p:cNvPr id="27" name="CaixaDeTexto 26">
+            <a:extLst>
+              <a:ext uri="{FF2B5EF4-FFF2-40B4-BE49-F238E27FC236}">
+                <a16:creationId xmlns:a16="http://schemas.microsoft.com/office/drawing/2014/main" id="{D3BDDC9A-C5C1-4A8C-BA82-5F9C49C56152}"/>
+              </a:ext>
+            </a:extLst>
+          </p:cNvPr>
+          <p:cNvSpPr txBox="1"/>
+          <p:nvPr/>
+        </p:nvSpPr>
+        <p:spPr>
+          <a:xfrm>
+            <a:off x="8538167" y="3521035"/>
+            <a:ext cx="309084" cy="369332"/>
+          </a:xfrm>
+          <a:prstGeom prst="rect">
+            <a:avLst/>
+          </a:prstGeom>
+          <a:noFill/>
+        </p:spPr>
+        <p:txBody>
+          <a:bodyPr wrap="square" rtlCol="0">
+            <a:spAutoFit/>
+          </a:bodyPr>
+          <a:lstStyle/>
+          <a:p>
+            <a:r>
+              <a:rPr lang="pt-BR" dirty="0"/>
+              <a:t>4</a:t>
+            </a:r>
+          </a:p>
+        </p:txBody>
+      </p:sp>
+      <p:sp>
+        <p:nvSpPr>
+          <p:cNvPr id="28" name="CaixaDeTexto 27">
+            <a:extLst>
+              <a:ext uri="{FF2B5EF4-FFF2-40B4-BE49-F238E27FC236}">
+                <a16:creationId xmlns:a16="http://schemas.microsoft.com/office/drawing/2014/main" id="{9DD02DE4-DE23-4F40-857D-C4439FCD9DCF}"/>
+              </a:ext>
+            </a:extLst>
+          </p:cNvPr>
+          <p:cNvSpPr txBox="1"/>
+          <p:nvPr/>
+        </p:nvSpPr>
+        <p:spPr>
+          <a:xfrm>
+            <a:off x="9424568" y="3521035"/>
+            <a:ext cx="309084" cy="369332"/>
+          </a:xfrm>
+          <a:prstGeom prst="rect">
+            <a:avLst/>
+          </a:prstGeom>
+          <a:noFill/>
+        </p:spPr>
+        <p:txBody>
+          <a:bodyPr wrap="square" rtlCol="0">
+            <a:spAutoFit/>
+          </a:bodyPr>
+          <a:lstStyle/>
+          <a:p>
+            <a:r>
+              <a:rPr lang="pt-BR" dirty="0"/>
+              <a:t>0</a:t>
+            </a:r>
+          </a:p>
+        </p:txBody>
+      </p:sp>
+      <p:sp>
+        <p:nvSpPr>
+          <p:cNvPr id="29" name="CaixaDeTexto 28">
+            <a:extLst>
+              <a:ext uri="{FF2B5EF4-FFF2-40B4-BE49-F238E27FC236}">
+                <a16:creationId xmlns:a16="http://schemas.microsoft.com/office/drawing/2014/main" id="{A0596966-7710-43AF-A26D-4B87970DF133}"/>
+              </a:ext>
+            </a:extLst>
+          </p:cNvPr>
+          <p:cNvSpPr txBox="1"/>
+          <p:nvPr/>
+        </p:nvSpPr>
+        <p:spPr>
+          <a:xfrm>
+            <a:off x="1741651" y="3516550"/>
+            <a:ext cx="2506701" cy="461665"/>
+          </a:xfrm>
+          <a:prstGeom prst="rect">
+            <a:avLst/>
+          </a:prstGeom>
+          <a:noFill/>
+        </p:spPr>
+        <p:txBody>
+          <a:bodyPr wrap="square" rtlCol="0">
+            <a:spAutoFit/>
+          </a:bodyPr>
+          <a:lstStyle/>
+          <a:p>
+            <a:r>
+              <a:rPr lang="pt-BR" sz="2400" dirty="0"/>
+              <a:t>Solução Base: </a:t>
+            </a:r>
+          </a:p>
+        </p:txBody>
+      </p:sp>
+      <p:sp>
+        <p:nvSpPr>
+          <p:cNvPr id="21" name="Elipse 20">
+            <a:extLst>
+              <a:ext uri="{FF2B5EF4-FFF2-40B4-BE49-F238E27FC236}">
+                <a16:creationId xmlns:a16="http://schemas.microsoft.com/office/drawing/2014/main" id="{1AB6AE12-B53A-4828-973F-1C2AC8BDFE42}"/>
+              </a:ext>
+            </a:extLst>
+          </p:cNvPr>
+          <p:cNvSpPr/>
+          <p:nvPr/>
+        </p:nvSpPr>
+        <p:spPr>
+          <a:xfrm>
+            <a:off x="4892069" y="4271333"/>
+            <a:ext cx="540000" cy="540000"/>
+          </a:xfrm>
+          <a:prstGeom prst="ellipse">
+            <a:avLst/>
+          </a:prstGeom>
+          <a:solidFill>
+            <a:srgbClr val="92D050">
+              <a:alpha val="75000"/>
+            </a:srgbClr>
+          </a:solidFill>
+          <a:ln w="18000">
+            <a:solidFill>
+              <a:schemeClr val="accent4">
+                <a:lumMod val="75000"/>
+              </a:schemeClr>
+            </a:solidFill>
+          </a:ln>
+        </p:spPr>
+        <p:style>
+          <a:lnRef idx="2">
+            <a:schemeClr val="accent1">
+              <a:shade val="50000"/>
+            </a:schemeClr>
+          </a:lnRef>
+          <a:fillRef idx="1">
+            <a:schemeClr val="accent1"/>
+          </a:fillRef>
+          <a:effectRef idx="0">
+            <a:schemeClr val="accent1"/>
+          </a:effectRef>
+          <a:fontRef idx="minor">
+            <a:schemeClr val="lt1"/>
+          </a:fontRef>
+        </p:style>
+        <p:txBody>
+          <a:bodyPr rtlCol="0" anchor="ctr"/>
+          <a:lstStyle/>
+          <a:p>
+            <a:pPr algn="ctr"/>
+            <a:endParaRPr lang="pt-BR">
+              <a:solidFill>
+                <a:srgbClr val="FF4E00"/>
+              </a:solidFill>
+            </a:endParaRPr>
+          </a:p>
+        </p:txBody>
+      </p:sp>
+      <p:sp>
+        <p:nvSpPr>
+          <p:cNvPr id="22" name="Elipse 21">
+            <a:extLst>
+              <a:ext uri="{FF2B5EF4-FFF2-40B4-BE49-F238E27FC236}">
+                <a16:creationId xmlns:a16="http://schemas.microsoft.com/office/drawing/2014/main" id="{E593263C-893F-43A8-8AD8-C10D915E7FC5}"/>
+              </a:ext>
+            </a:extLst>
+          </p:cNvPr>
+          <p:cNvSpPr/>
+          <p:nvPr/>
+        </p:nvSpPr>
+        <p:spPr>
+          <a:xfrm>
+            <a:off x="5765829" y="4271333"/>
+            <a:ext cx="540000" cy="540000"/>
+          </a:xfrm>
+          <a:prstGeom prst="ellipse">
+            <a:avLst/>
+          </a:prstGeom>
+          <a:solidFill>
+            <a:srgbClr val="92D050">
+              <a:alpha val="75000"/>
+            </a:srgbClr>
+          </a:solidFill>
+          <a:ln w="18000">
+            <a:solidFill>
+              <a:schemeClr val="accent4">
+                <a:lumMod val="75000"/>
+              </a:schemeClr>
+            </a:solidFill>
+          </a:ln>
+        </p:spPr>
+        <p:style>
+          <a:lnRef idx="2">
+            <a:schemeClr val="accent1">
+              <a:shade val="50000"/>
+            </a:schemeClr>
+          </a:lnRef>
+          <a:fillRef idx="1">
+            <a:schemeClr val="accent1"/>
+          </a:fillRef>
+          <a:effectRef idx="0">
+            <a:schemeClr val="accent1"/>
+          </a:effectRef>
+          <a:fontRef idx="minor">
+            <a:schemeClr val="lt1"/>
+          </a:fontRef>
+        </p:style>
+        <p:txBody>
+          <a:bodyPr rtlCol="0" anchor="ctr"/>
+          <a:lstStyle/>
+          <a:p>
+            <a:pPr algn="ctr"/>
+            <a:endParaRPr lang="pt-BR">
+              <a:solidFill>
+                <a:srgbClr val="FF4E00"/>
+              </a:solidFill>
+            </a:endParaRPr>
+          </a:p>
+        </p:txBody>
+      </p:sp>
+      <p:sp>
+        <p:nvSpPr>
+          <p:cNvPr id="30" name="Elipse 29">
+            <a:extLst>
+              <a:ext uri="{FF2B5EF4-FFF2-40B4-BE49-F238E27FC236}">
+                <a16:creationId xmlns:a16="http://schemas.microsoft.com/office/drawing/2014/main" id="{088E2976-0775-4241-8F99-6565C08094E3}"/>
+              </a:ext>
+            </a:extLst>
+          </p:cNvPr>
+          <p:cNvSpPr/>
+          <p:nvPr/>
+        </p:nvSpPr>
+        <p:spPr>
+          <a:xfrm>
+            <a:off x="6667029" y="4271333"/>
+            <a:ext cx="540000" cy="540000"/>
+          </a:xfrm>
+          <a:prstGeom prst="ellipse">
+            <a:avLst/>
+          </a:prstGeom>
+          <a:solidFill>
+            <a:srgbClr val="92D050">
+              <a:alpha val="75000"/>
+            </a:srgbClr>
+          </a:solidFill>
+          <a:ln w="18000">
+            <a:solidFill>
+              <a:schemeClr val="accent4">
+                <a:lumMod val="75000"/>
+              </a:schemeClr>
+            </a:solidFill>
+          </a:ln>
+        </p:spPr>
+        <p:style>
+          <a:lnRef idx="2">
+            <a:schemeClr val="accent1">
+              <a:shade val="50000"/>
+            </a:schemeClr>
+          </a:lnRef>
+          <a:fillRef idx="1">
+            <a:schemeClr val="accent1"/>
+          </a:fillRef>
+          <a:effectRef idx="0">
+            <a:schemeClr val="accent1"/>
+          </a:effectRef>
+          <a:fontRef idx="minor">
+            <a:schemeClr val="lt1"/>
+          </a:fontRef>
+        </p:style>
+        <p:txBody>
+          <a:bodyPr rtlCol="0" anchor="ctr"/>
+          <a:lstStyle/>
+          <a:p>
+            <a:pPr algn="ctr"/>
+            <a:endParaRPr lang="pt-BR">
+              <a:solidFill>
+                <a:srgbClr val="FF4E00"/>
+              </a:solidFill>
+            </a:endParaRPr>
+          </a:p>
+        </p:txBody>
+      </p:sp>
+      <p:sp>
+        <p:nvSpPr>
+          <p:cNvPr id="31" name="Elipse 30">
+            <a:extLst>
+              <a:ext uri="{FF2B5EF4-FFF2-40B4-BE49-F238E27FC236}">
+                <a16:creationId xmlns:a16="http://schemas.microsoft.com/office/drawing/2014/main" id="{08B4D1EE-8255-4107-9B16-DF754D69B16D}"/>
+              </a:ext>
+            </a:extLst>
+          </p:cNvPr>
+          <p:cNvSpPr/>
+          <p:nvPr/>
+        </p:nvSpPr>
+        <p:spPr>
+          <a:xfrm>
+            <a:off x="7544869" y="4271333"/>
+            <a:ext cx="540000" cy="540000"/>
+          </a:xfrm>
+          <a:prstGeom prst="ellipse">
+            <a:avLst/>
+          </a:prstGeom>
+          <a:solidFill>
+            <a:srgbClr val="92D050">
+              <a:alpha val="75000"/>
+            </a:srgbClr>
+          </a:solidFill>
+          <a:ln w="18000">
+            <a:solidFill>
+              <a:schemeClr val="accent4">
+                <a:lumMod val="75000"/>
+              </a:schemeClr>
+            </a:solidFill>
+          </a:ln>
+        </p:spPr>
+        <p:style>
+          <a:lnRef idx="2">
+            <a:schemeClr val="accent1">
+              <a:shade val="50000"/>
+            </a:schemeClr>
+          </a:lnRef>
+          <a:fillRef idx="1">
+            <a:schemeClr val="accent1"/>
+          </a:fillRef>
+          <a:effectRef idx="0">
+            <a:schemeClr val="accent1"/>
+          </a:effectRef>
+          <a:fontRef idx="minor">
+            <a:schemeClr val="lt1"/>
+          </a:fontRef>
+        </p:style>
+        <p:txBody>
+          <a:bodyPr rtlCol="0" anchor="ctr"/>
+          <a:lstStyle/>
+          <a:p>
+            <a:pPr algn="ctr"/>
+            <a:endParaRPr lang="pt-BR">
+              <a:solidFill>
+                <a:srgbClr val="FF4E00"/>
+              </a:solidFill>
+            </a:endParaRPr>
+          </a:p>
+        </p:txBody>
+      </p:sp>
+      <p:sp>
+        <p:nvSpPr>
+          <p:cNvPr id="32" name="Elipse 31">
+            <a:extLst>
+              <a:ext uri="{FF2B5EF4-FFF2-40B4-BE49-F238E27FC236}">
+                <a16:creationId xmlns:a16="http://schemas.microsoft.com/office/drawing/2014/main" id="{23AA115E-5162-41D9-BD01-C2C2277B50AE}"/>
+              </a:ext>
+            </a:extLst>
+          </p:cNvPr>
+          <p:cNvSpPr/>
+          <p:nvPr/>
+        </p:nvSpPr>
+        <p:spPr>
+          <a:xfrm>
+            <a:off x="8422709" y="4271333"/>
+            <a:ext cx="540000" cy="540000"/>
+          </a:xfrm>
+          <a:prstGeom prst="ellipse">
+            <a:avLst/>
+          </a:prstGeom>
+          <a:solidFill>
+            <a:srgbClr val="92D050">
+              <a:alpha val="75000"/>
+            </a:srgbClr>
+          </a:solidFill>
+          <a:ln w="18000">
+            <a:solidFill>
+              <a:schemeClr val="accent4">
+                <a:lumMod val="75000"/>
+              </a:schemeClr>
+            </a:solidFill>
+          </a:ln>
+        </p:spPr>
+        <p:style>
+          <a:lnRef idx="2">
+            <a:schemeClr val="accent1">
+              <a:shade val="50000"/>
+            </a:schemeClr>
+          </a:lnRef>
+          <a:fillRef idx="1">
+            <a:schemeClr val="accent1"/>
+          </a:fillRef>
+          <a:effectRef idx="0">
+            <a:schemeClr val="accent1"/>
+          </a:effectRef>
+          <a:fontRef idx="minor">
+            <a:schemeClr val="lt1"/>
+          </a:fontRef>
+        </p:style>
+        <p:txBody>
+          <a:bodyPr rtlCol="0" anchor="ctr"/>
+          <a:lstStyle/>
+          <a:p>
+            <a:pPr algn="ctr"/>
+            <a:endParaRPr lang="pt-BR">
+              <a:solidFill>
+                <a:srgbClr val="FF4E00"/>
+              </a:solidFill>
+            </a:endParaRPr>
+          </a:p>
+        </p:txBody>
+      </p:sp>
+      <p:sp>
+        <p:nvSpPr>
+          <p:cNvPr id="33" name="Elipse 32">
+            <a:extLst>
+              <a:ext uri="{FF2B5EF4-FFF2-40B4-BE49-F238E27FC236}">
+                <a16:creationId xmlns:a16="http://schemas.microsoft.com/office/drawing/2014/main" id="{92EF68B2-33A8-4988-97B3-C1207D97B869}"/>
+              </a:ext>
+            </a:extLst>
+          </p:cNvPr>
+          <p:cNvSpPr/>
+          <p:nvPr/>
+        </p:nvSpPr>
+        <p:spPr>
+          <a:xfrm>
+            <a:off x="9300549" y="4271333"/>
+            <a:ext cx="540000" cy="540000"/>
+          </a:xfrm>
+          <a:prstGeom prst="ellipse">
+            <a:avLst/>
+          </a:prstGeom>
+          <a:solidFill>
+            <a:srgbClr val="92D050">
+              <a:alpha val="75000"/>
+            </a:srgbClr>
+          </a:solidFill>
+          <a:ln w="18000">
+            <a:solidFill>
+              <a:schemeClr val="accent4">
+                <a:lumMod val="75000"/>
+              </a:schemeClr>
+            </a:solidFill>
+          </a:ln>
+        </p:spPr>
+        <p:style>
+          <a:lnRef idx="2">
+            <a:schemeClr val="accent1">
+              <a:shade val="50000"/>
+            </a:schemeClr>
+          </a:lnRef>
+          <a:fillRef idx="1">
+            <a:schemeClr val="accent1"/>
+          </a:fillRef>
+          <a:effectRef idx="0">
+            <a:schemeClr val="accent1"/>
+          </a:effectRef>
+          <a:fontRef idx="minor">
+            <a:schemeClr val="lt1"/>
+          </a:fontRef>
+        </p:style>
+        <p:txBody>
+          <a:bodyPr rtlCol="0" anchor="ctr"/>
+          <a:lstStyle/>
+          <a:p>
+            <a:pPr algn="ctr"/>
+            <a:endParaRPr lang="pt-BR">
+              <a:solidFill>
+                <a:srgbClr val="FF4E00"/>
+              </a:solidFill>
+            </a:endParaRPr>
+          </a:p>
+        </p:txBody>
+      </p:sp>
+      <p:sp>
+        <p:nvSpPr>
+          <p:cNvPr id="34" name="CaixaDeTexto 33">
+            <a:extLst>
+              <a:ext uri="{FF2B5EF4-FFF2-40B4-BE49-F238E27FC236}">
+                <a16:creationId xmlns:a16="http://schemas.microsoft.com/office/drawing/2014/main" id="{680B9673-BD7C-4F45-ADE7-C2011627CC40}"/>
+              </a:ext>
+            </a:extLst>
+          </p:cNvPr>
+          <p:cNvSpPr txBox="1"/>
+          <p:nvPr/>
+        </p:nvSpPr>
+        <p:spPr>
+          <a:xfrm>
+            <a:off x="5007527" y="4356667"/>
+            <a:ext cx="309084" cy="369332"/>
+          </a:xfrm>
+          <a:prstGeom prst="rect">
+            <a:avLst/>
+          </a:prstGeom>
+          <a:noFill/>
+        </p:spPr>
+        <p:txBody>
+          <a:bodyPr wrap="square" rtlCol="0">
+            <a:spAutoFit/>
+          </a:bodyPr>
+          <a:lstStyle/>
+          <a:p>
+            <a:r>
+              <a:rPr lang="pt-BR" dirty="0"/>
+              <a:t>0</a:t>
+            </a:r>
+          </a:p>
+        </p:txBody>
+      </p:sp>
+      <p:sp>
+        <p:nvSpPr>
+          <p:cNvPr id="35" name="CaixaDeTexto 34">
+            <a:extLst>
+              <a:ext uri="{FF2B5EF4-FFF2-40B4-BE49-F238E27FC236}">
+                <a16:creationId xmlns:a16="http://schemas.microsoft.com/office/drawing/2014/main" id="{10C5F69C-53E2-4824-A7E7-2B0BE43240B4}"/>
+              </a:ext>
+            </a:extLst>
+          </p:cNvPr>
+          <p:cNvSpPr txBox="1"/>
+          <p:nvPr/>
+        </p:nvSpPr>
+        <p:spPr>
+          <a:xfrm>
+            <a:off x="5881287" y="4356667"/>
+            <a:ext cx="309084" cy="369332"/>
+          </a:xfrm>
+          <a:prstGeom prst="rect">
+            <a:avLst/>
+          </a:prstGeom>
+          <a:noFill/>
+        </p:spPr>
+        <p:txBody>
+          <a:bodyPr wrap="square" rtlCol="0">
+            <a:spAutoFit/>
+          </a:bodyPr>
+          <a:lstStyle/>
+          <a:p>
+            <a:r>
+              <a:rPr lang="pt-BR" dirty="0"/>
+              <a:t>2</a:t>
+            </a:r>
+          </a:p>
+        </p:txBody>
+      </p:sp>
+      <p:sp>
+        <p:nvSpPr>
+          <p:cNvPr id="36" name="CaixaDeTexto 35">
+            <a:extLst>
+              <a:ext uri="{FF2B5EF4-FFF2-40B4-BE49-F238E27FC236}">
+                <a16:creationId xmlns:a16="http://schemas.microsoft.com/office/drawing/2014/main" id="{784A6344-014B-4C69-BB49-F145875BF8B6}"/>
+              </a:ext>
+            </a:extLst>
+          </p:cNvPr>
+          <p:cNvSpPr txBox="1"/>
+          <p:nvPr/>
+        </p:nvSpPr>
+        <p:spPr>
+          <a:xfrm>
+            <a:off x="6782487" y="4356667"/>
+            <a:ext cx="309084" cy="369332"/>
+          </a:xfrm>
+          <a:prstGeom prst="rect">
+            <a:avLst/>
+          </a:prstGeom>
+          <a:noFill/>
+        </p:spPr>
+        <p:txBody>
+          <a:bodyPr wrap="square" rtlCol="0">
+            <a:spAutoFit/>
+          </a:bodyPr>
+          <a:lstStyle/>
+          <a:p>
+            <a:r>
+              <a:rPr lang="pt-BR" dirty="0"/>
+              <a:t>1</a:t>
+            </a:r>
+          </a:p>
+        </p:txBody>
+      </p:sp>
+      <p:sp>
+        <p:nvSpPr>
+          <p:cNvPr id="37" name="CaixaDeTexto 36">
+            <a:extLst>
+              <a:ext uri="{FF2B5EF4-FFF2-40B4-BE49-F238E27FC236}">
+                <a16:creationId xmlns:a16="http://schemas.microsoft.com/office/drawing/2014/main" id="{E0D8EA15-E7DD-4ECE-B76B-BED0D3C58A64}"/>
+              </a:ext>
+            </a:extLst>
+          </p:cNvPr>
+          <p:cNvSpPr txBox="1"/>
+          <p:nvPr/>
+        </p:nvSpPr>
+        <p:spPr>
+          <a:xfrm>
+            <a:off x="7660327" y="4356667"/>
+            <a:ext cx="309084" cy="369332"/>
+          </a:xfrm>
+          <a:prstGeom prst="rect">
+            <a:avLst/>
+          </a:prstGeom>
+          <a:noFill/>
+        </p:spPr>
+        <p:txBody>
+          <a:bodyPr wrap="square" rtlCol="0">
+            <a:spAutoFit/>
+          </a:bodyPr>
+          <a:lstStyle/>
+          <a:p>
+            <a:r>
+              <a:rPr lang="pt-BR" dirty="0"/>
+              <a:t>3</a:t>
+            </a:r>
+          </a:p>
+        </p:txBody>
+      </p:sp>
+      <p:sp>
+        <p:nvSpPr>
+          <p:cNvPr id="38" name="CaixaDeTexto 37">
+            <a:extLst>
+              <a:ext uri="{FF2B5EF4-FFF2-40B4-BE49-F238E27FC236}">
+                <a16:creationId xmlns:a16="http://schemas.microsoft.com/office/drawing/2014/main" id="{C62899B3-2AC0-469A-8AF9-3FF5D68774BB}"/>
+              </a:ext>
+            </a:extLst>
+          </p:cNvPr>
+          <p:cNvSpPr txBox="1"/>
+          <p:nvPr/>
+        </p:nvSpPr>
+        <p:spPr>
+          <a:xfrm>
+            <a:off x="8538167" y="4356667"/>
+            <a:ext cx="309084" cy="369332"/>
+          </a:xfrm>
+          <a:prstGeom prst="rect">
+            <a:avLst/>
+          </a:prstGeom>
+          <a:noFill/>
+        </p:spPr>
+        <p:txBody>
+          <a:bodyPr wrap="square" rtlCol="0">
+            <a:spAutoFit/>
+          </a:bodyPr>
+          <a:lstStyle/>
+          <a:p>
+            <a:r>
+              <a:rPr lang="pt-BR" dirty="0"/>
+              <a:t>4</a:t>
+            </a:r>
+          </a:p>
+        </p:txBody>
+      </p:sp>
+      <p:sp>
+        <p:nvSpPr>
+          <p:cNvPr id="39" name="CaixaDeTexto 38">
+            <a:extLst>
+              <a:ext uri="{FF2B5EF4-FFF2-40B4-BE49-F238E27FC236}">
+                <a16:creationId xmlns:a16="http://schemas.microsoft.com/office/drawing/2014/main" id="{7FC6901B-30BD-4C4B-B192-7B94219A34B8}"/>
+              </a:ext>
+            </a:extLst>
+          </p:cNvPr>
+          <p:cNvSpPr txBox="1"/>
+          <p:nvPr/>
+        </p:nvSpPr>
+        <p:spPr>
+          <a:xfrm>
+            <a:off x="9424568" y="4356667"/>
+            <a:ext cx="309084" cy="369332"/>
+          </a:xfrm>
+          <a:prstGeom prst="rect">
+            <a:avLst/>
+          </a:prstGeom>
+          <a:noFill/>
+        </p:spPr>
+        <p:txBody>
+          <a:bodyPr wrap="square" rtlCol="0">
+            <a:spAutoFit/>
+          </a:bodyPr>
+          <a:lstStyle/>
+          <a:p>
+            <a:r>
+              <a:rPr lang="pt-BR" dirty="0"/>
+              <a:t>0</a:t>
+            </a:r>
+          </a:p>
+        </p:txBody>
+      </p:sp>
+      <p:sp>
+        <p:nvSpPr>
+          <p:cNvPr id="4" name="CaixaDeTexto 3">
+            <a:extLst>
+              <a:ext uri="{FF2B5EF4-FFF2-40B4-BE49-F238E27FC236}">
+                <a16:creationId xmlns:a16="http://schemas.microsoft.com/office/drawing/2014/main" id="{9056A89E-C2B2-4F4C-AC1E-D420C8B8002F}"/>
+              </a:ext>
+            </a:extLst>
+          </p:cNvPr>
+          <p:cNvSpPr txBox="1"/>
+          <p:nvPr/>
+        </p:nvSpPr>
+        <p:spPr>
+          <a:xfrm>
+            <a:off x="1916318" y="4305373"/>
+            <a:ext cx="2415261" cy="369332"/>
+          </a:xfrm>
+          <a:prstGeom prst="rect">
+            <a:avLst/>
+          </a:prstGeom>
+          <a:noFill/>
+        </p:spPr>
+        <p:txBody>
+          <a:bodyPr wrap="square" rtlCol="0">
+            <a:spAutoFit/>
+          </a:bodyPr>
+          <a:lstStyle/>
+          <a:p>
+            <a:r>
+              <a:rPr lang="pt-BR" dirty="0"/>
+              <a:t>Primeira</a:t>
+            </a:r>
+          </a:p>
+        </p:txBody>
+      </p:sp>
+      <p:sp>
+        <p:nvSpPr>
+          <p:cNvPr id="64" name="Retângulo 63">
+            <a:extLst>
+              <a:ext uri="{FF2B5EF4-FFF2-40B4-BE49-F238E27FC236}">
+                <a16:creationId xmlns:a16="http://schemas.microsoft.com/office/drawing/2014/main" id="{EE33E7EB-1802-4ECF-A2C5-0EE3CFC492FA}"/>
+              </a:ext>
+            </a:extLst>
+          </p:cNvPr>
+          <p:cNvSpPr/>
+          <p:nvPr/>
+        </p:nvSpPr>
+        <p:spPr>
+          <a:xfrm>
+            <a:off x="5713200" y="3261360"/>
+            <a:ext cx="1609287" cy="921840"/>
+          </a:xfrm>
+          <a:prstGeom prst="rect">
+            <a:avLst/>
+          </a:prstGeom>
+          <a:noFill/>
+          <a:ln w="18000">
+            <a:solidFill>
+              <a:srgbClr val="AB008B"/>
+            </a:solidFill>
+          </a:ln>
+        </p:spPr>
+        <p:style>
+          <a:lnRef idx="2">
+            <a:schemeClr val="accent1">
+              <a:shade val="50000"/>
+            </a:schemeClr>
+          </a:lnRef>
+          <a:fillRef idx="1">
+            <a:schemeClr val="accent1"/>
+          </a:fillRef>
+          <a:effectRef idx="0">
+            <a:schemeClr val="accent1"/>
+          </a:effectRef>
+          <a:fontRef idx="minor">
+            <a:schemeClr val="lt1"/>
+          </a:fontRef>
+        </p:style>
+        <p:txBody>
+          <a:bodyPr rtlCol="0" anchor="ctr"/>
+          <a:lstStyle/>
+          <a:p>
+            <a:pPr algn="ctr"/>
+            <a:endParaRPr lang="pt-BR">
+              <a:solidFill>
+                <a:srgbClr val="AB008B"/>
+              </a:solidFill>
+            </a:endParaRPr>
+          </a:p>
+        </p:txBody>
+      </p:sp>
+    </p:spTree>
+    <p:extLst>
+      <p:ext uri="{BB962C8B-B14F-4D97-AF65-F5344CB8AC3E}">
+        <p14:creationId xmlns:p14="http://schemas.microsoft.com/office/powerpoint/2010/main" val="531142463"/>
+      </p:ext>
+    </p:extLst>
+  </p:cSld>
+  <p:clrMapOvr>
+    <a:masterClrMapping/>
+  </p:clrMapOvr>
+</p:sld>
+</file>
+
+<file path=ppt/slides/slide11.xml><?xml version="1.0" encoding="utf-8"?>
+<p:sld xmlns:a="http://schemas.openxmlformats.org/drawingml/2006/main" xmlns:r="http://schemas.openxmlformats.org/officeDocument/2006/relationships" xmlns:p="http://schemas.openxmlformats.org/presentationml/2006/main">
+  <p:cSld>
+    <p:spTree>
+      <p:nvGrpSpPr>
+        <p:cNvPr id="1" name=""/>
+        <p:cNvGrpSpPr/>
+        <p:nvPr/>
+      </p:nvGrpSpPr>
+      <p:grpSpPr>
+        <a:xfrm>
+          <a:off x="0" y="0"/>
+          <a:ext cx="0" cy="0"/>
+          <a:chOff x="0" y="0"/>
+          <a:chExt cx="0" cy="0"/>
+        </a:xfrm>
+      </p:grpSpPr>
+      <p:sp>
+        <p:nvSpPr>
+          <p:cNvPr id="2" name="Título 1">
+            <a:extLst>
+              <a:ext uri="{FF2B5EF4-FFF2-40B4-BE49-F238E27FC236}">
+                <a16:creationId xmlns:a16="http://schemas.microsoft.com/office/drawing/2014/main" id="{6D811184-239A-44CE-9921-B1A2FC5251CB}"/>
+              </a:ext>
+            </a:extLst>
+          </p:cNvPr>
+          <p:cNvSpPr>
+            <a:spLocks noGrp="1"/>
+          </p:cNvSpPr>
+          <p:nvPr>
+            <p:ph type="title"/>
+          </p:nvPr>
+        </p:nvSpPr>
+        <p:spPr>
+          <a:xfrm>
+            <a:off x="1930400" y="845653"/>
+            <a:ext cx="8610600" cy="1293028"/>
+          </a:xfrm>
+        </p:spPr>
+        <p:txBody>
+          <a:bodyPr>
+            <a:normAutofit fontScale="90000"/>
+          </a:bodyPr>
+          <a:lstStyle/>
+          <a:p>
+            <a:r>
+              <a:rPr lang="pt-BR" dirty="0"/>
+              <a:t>Meta-</a:t>
+            </a:r>
+            <a:r>
+              <a:rPr lang="pt-BR" dirty="0" err="1"/>
+              <a:t>heuristica</a:t>
+            </a:r>
+            <a:r>
+              <a:rPr lang="pt-BR" sz="4000" dirty="0"/>
+              <a:t>:</a:t>
+            </a:r>
+            <a:br>
+              <a:rPr lang="pt-BR" sz="4000" dirty="0"/>
+            </a:br>
+            <a:br>
+              <a:rPr lang="pt-BR" dirty="0"/>
+            </a:br>
+            <a:r>
+              <a:rPr lang="pt-BR" sz="2800" dirty="0" err="1"/>
+              <a:t>Simulated</a:t>
+            </a:r>
+            <a:r>
+              <a:rPr lang="pt-BR" sz="2800" dirty="0"/>
+              <a:t> </a:t>
+            </a:r>
+            <a:r>
+              <a:rPr lang="pt-BR" sz="2800" dirty="0" err="1"/>
+              <a:t>annealing</a:t>
+            </a:r>
+            <a:endParaRPr lang="pt-BR" sz="2800" dirty="0"/>
+          </a:p>
+        </p:txBody>
+      </p:sp>
+      <p:sp>
+        <p:nvSpPr>
+          <p:cNvPr id="3" name="Espaço Reservado para Conteúdo 2">
+            <a:extLst>
+              <a:ext uri="{FF2B5EF4-FFF2-40B4-BE49-F238E27FC236}">
+                <a16:creationId xmlns:a16="http://schemas.microsoft.com/office/drawing/2014/main" id="{C801B1CE-795C-4CCE-8B79-591E3815B698}"/>
+              </a:ext>
+            </a:extLst>
+          </p:cNvPr>
+          <p:cNvSpPr>
+            <a:spLocks noGrp="1"/>
+          </p:cNvSpPr>
+          <p:nvPr>
+            <p:ph idx="1"/>
+          </p:nvPr>
+        </p:nvSpPr>
+        <p:spPr>
+          <a:xfrm>
+            <a:off x="885511" y="2320206"/>
+            <a:ext cx="7071128" cy="540000"/>
+          </a:xfrm>
+        </p:spPr>
+        <p:txBody>
+          <a:bodyPr>
+            <a:normAutofit/>
+          </a:bodyPr>
+          <a:lstStyle/>
+          <a:p>
+            <a:pPr marL="0" indent="0">
+              <a:buNone/>
+            </a:pPr>
+            <a:r>
+              <a:rPr lang="pt-BR" dirty="0"/>
+              <a:t>	</a:t>
+            </a:r>
+            <a:r>
+              <a:rPr lang="pt-BR" sz="3200" dirty="0"/>
+              <a:t>Vizinhanças</a:t>
+            </a:r>
+          </a:p>
+        </p:txBody>
+      </p:sp>
+      <p:sp>
+        <p:nvSpPr>
+          <p:cNvPr id="8" name="CaixaDeTexto 7">
+            <a:extLst>
+              <a:ext uri="{FF2B5EF4-FFF2-40B4-BE49-F238E27FC236}">
+                <a16:creationId xmlns:a16="http://schemas.microsoft.com/office/drawing/2014/main" id="{47369606-71A7-4D2A-9403-98734EC8CF4E}"/>
+              </a:ext>
+            </a:extLst>
+          </p:cNvPr>
+          <p:cNvSpPr txBox="1"/>
+          <p:nvPr/>
+        </p:nvSpPr>
+        <p:spPr>
+          <a:xfrm>
+            <a:off x="1612621" y="2861730"/>
+            <a:ext cx="2976880" cy="584775"/>
+          </a:xfrm>
+          <a:prstGeom prst="rect">
+            <a:avLst/>
+          </a:prstGeom>
+          <a:noFill/>
+        </p:spPr>
+        <p:txBody>
+          <a:bodyPr wrap="square" rtlCol="0">
+            <a:spAutoFit/>
+          </a:bodyPr>
+          <a:lstStyle/>
+          <a:p>
+            <a:r>
+              <a:rPr lang="pt-BR" sz="3200" b="1" dirty="0"/>
+              <a:t>Swap</a:t>
+            </a:r>
+          </a:p>
+        </p:txBody>
+      </p:sp>
+      <p:sp>
+        <p:nvSpPr>
+          <p:cNvPr id="13" name="Elipse 12">
+            <a:extLst>
+              <a:ext uri="{FF2B5EF4-FFF2-40B4-BE49-F238E27FC236}">
+                <a16:creationId xmlns:a16="http://schemas.microsoft.com/office/drawing/2014/main" id="{785487F0-5C84-4360-A2A1-2FF74F902BDE}"/>
+              </a:ext>
+            </a:extLst>
+          </p:cNvPr>
+          <p:cNvSpPr/>
+          <p:nvPr/>
+        </p:nvSpPr>
+        <p:spPr>
+          <a:xfrm>
+            <a:off x="4892069" y="3435701"/>
+            <a:ext cx="540000" cy="540000"/>
+          </a:xfrm>
+          <a:prstGeom prst="ellipse">
+            <a:avLst/>
+          </a:prstGeom>
+          <a:solidFill>
+            <a:srgbClr val="FF4E00">
+              <a:alpha val="75000"/>
+            </a:srgbClr>
+          </a:solidFill>
+          <a:ln w="18000">
+            <a:solidFill>
+              <a:srgbClr val="FF4E00"/>
+            </a:solidFill>
+          </a:ln>
+        </p:spPr>
+        <p:style>
+          <a:lnRef idx="2">
+            <a:schemeClr val="accent1">
+              <a:shade val="50000"/>
+            </a:schemeClr>
+          </a:lnRef>
+          <a:fillRef idx="1">
+            <a:schemeClr val="accent1"/>
+          </a:fillRef>
+          <a:effectRef idx="0">
+            <a:schemeClr val="accent1"/>
+          </a:effectRef>
+          <a:fontRef idx="minor">
+            <a:schemeClr val="lt1"/>
+          </a:fontRef>
+        </p:style>
+        <p:txBody>
+          <a:bodyPr rtlCol="0" anchor="ctr"/>
+          <a:lstStyle/>
+          <a:p>
+            <a:pPr algn="ctr"/>
+            <a:endParaRPr lang="pt-BR">
+              <a:solidFill>
+                <a:srgbClr val="FF4E00"/>
+              </a:solidFill>
+            </a:endParaRPr>
+          </a:p>
+        </p:txBody>
+      </p:sp>
+      <p:sp>
+        <p:nvSpPr>
+          <p:cNvPr id="15" name="Elipse 14">
+            <a:extLst>
+              <a:ext uri="{FF2B5EF4-FFF2-40B4-BE49-F238E27FC236}">
+                <a16:creationId xmlns:a16="http://schemas.microsoft.com/office/drawing/2014/main" id="{53D3B27A-BACF-4A1C-93D4-5FFFEE49BE29}"/>
+              </a:ext>
+            </a:extLst>
+          </p:cNvPr>
+          <p:cNvSpPr/>
+          <p:nvPr/>
+        </p:nvSpPr>
+        <p:spPr>
+          <a:xfrm>
+            <a:off x="5765829" y="3435701"/>
+            <a:ext cx="540000" cy="540000"/>
+          </a:xfrm>
+          <a:prstGeom prst="ellipse">
+            <a:avLst/>
+          </a:prstGeom>
+          <a:solidFill>
+            <a:srgbClr val="FF4E00">
+              <a:alpha val="75000"/>
+            </a:srgbClr>
+          </a:solidFill>
+          <a:ln w="18000">
+            <a:solidFill>
+              <a:srgbClr val="FF4E00"/>
+            </a:solidFill>
+          </a:ln>
+        </p:spPr>
+        <p:style>
+          <a:lnRef idx="2">
+            <a:schemeClr val="accent1">
+              <a:shade val="50000"/>
+            </a:schemeClr>
+          </a:lnRef>
+          <a:fillRef idx="1">
+            <a:schemeClr val="accent1"/>
+          </a:fillRef>
+          <a:effectRef idx="0">
+            <a:schemeClr val="accent1"/>
+          </a:effectRef>
+          <a:fontRef idx="minor">
+            <a:schemeClr val="lt1"/>
+          </a:fontRef>
+        </p:style>
+        <p:txBody>
+          <a:bodyPr rtlCol="0" anchor="ctr"/>
+          <a:lstStyle/>
+          <a:p>
+            <a:pPr algn="ctr"/>
+            <a:endParaRPr lang="pt-BR">
+              <a:solidFill>
+                <a:srgbClr val="FF4E00"/>
+              </a:solidFill>
+            </a:endParaRPr>
+          </a:p>
+        </p:txBody>
+      </p:sp>
+      <p:sp>
+        <p:nvSpPr>
+          <p:cNvPr id="17" name="Elipse 16">
+            <a:extLst>
+              <a:ext uri="{FF2B5EF4-FFF2-40B4-BE49-F238E27FC236}">
+                <a16:creationId xmlns:a16="http://schemas.microsoft.com/office/drawing/2014/main" id="{9F2E3B3A-E616-42E7-9538-A98D22F3F07A}"/>
+              </a:ext>
+            </a:extLst>
+          </p:cNvPr>
+          <p:cNvSpPr/>
+          <p:nvPr/>
+        </p:nvSpPr>
+        <p:spPr>
+          <a:xfrm>
+            <a:off x="6667029" y="3435701"/>
+            <a:ext cx="540000" cy="540000"/>
+          </a:xfrm>
+          <a:prstGeom prst="ellipse">
+            <a:avLst/>
+          </a:prstGeom>
+          <a:solidFill>
+            <a:srgbClr val="FF4E00">
+              <a:alpha val="75000"/>
+            </a:srgbClr>
+          </a:solidFill>
+          <a:ln w="18000">
+            <a:solidFill>
+              <a:srgbClr val="FF4E00"/>
+            </a:solidFill>
+          </a:ln>
+        </p:spPr>
+        <p:style>
+          <a:lnRef idx="2">
+            <a:schemeClr val="accent1">
+              <a:shade val="50000"/>
+            </a:schemeClr>
+          </a:lnRef>
+          <a:fillRef idx="1">
+            <a:schemeClr val="accent1"/>
+          </a:fillRef>
+          <a:effectRef idx="0">
+            <a:schemeClr val="accent1"/>
+          </a:effectRef>
+          <a:fontRef idx="minor">
+            <a:schemeClr val="lt1"/>
+          </a:fontRef>
+        </p:style>
+        <p:txBody>
+          <a:bodyPr rtlCol="0" anchor="ctr"/>
+          <a:lstStyle/>
+          <a:p>
+            <a:pPr algn="ctr"/>
+            <a:endParaRPr lang="pt-BR">
+              <a:solidFill>
+                <a:srgbClr val="FF4E00"/>
+              </a:solidFill>
+            </a:endParaRPr>
+          </a:p>
+        </p:txBody>
+      </p:sp>
+      <p:sp>
+        <p:nvSpPr>
+          <p:cNvPr id="18" name="Elipse 17">
+            <a:extLst>
+              <a:ext uri="{FF2B5EF4-FFF2-40B4-BE49-F238E27FC236}">
+                <a16:creationId xmlns:a16="http://schemas.microsoft.com/office/drawing/2014/main" id="{AF7D96C6-F82E-4619-AC46-97C610389364}"/>
+              </a:ext>
+            </a:extLst>
+          </p:cNvPr>
+          <p:cNvSpPr/>
+          <p:nvPr/>
+        </p:nvSpPr>
+        <p:spPr>
+          <a:xfrm>
+            <a:off x="7544869" y="3435701"/>
+            <a:ext cx="540000" cy="540000"/>
+          </a:xfrm>
+          <a:prstGeom prst="ellipse">
+            <a:avLst/>
+          </a:prstGeom>
+          <a:solidFill>
+            <a:srgbClr val="FF4E00">
+              <a:alpha val="75000"/>
+            </a:srgbClr>
+          </a:solidFill>
+          <a:ln w="18000">
+            <a:solidFill>
+              <a:srgbClr val="FF4E00"/>
+            </a:solidFill>
+          </a:ln>
+        </p:spPr>
+        <p:style>
+          <a:lnRef idx="2">
+            <a:schemeClr val="accent1">
+              <a:shade val="50000"/>
+            </a:schemeClr>
+          </a:lnRef>
+          <a:fillRef idx="1">
+            <a:schemeClr val="accent1"/>
+          </a:fillRef>
+          <a:effectRef idx="0">
+            <a:schemeClr val="accent1"/>
+          </a:effectRef>
+          <a:fontRef idx="minor">
+            <a:schemeClr val="lt1"/>
+          </a:fontRef>
+        </p:style>
+        <p:txBody>
+          <a:bodyPr rtlCol="0" anchor="ctr"/>
+          <a:lstStyle/>
+          <a:p>
+            <a:pPr algn="ctr"/>
+            <a:endParaRPr lang="pt-BR">
+              <a:solidFill>
+                <a:srgbClr val="FF4E00"/>
+              </a:solidFill>
+            </a:endParaRPr>
+          </a:p>
+        </p:txBody>
+      </p:sp>
+      <p:sp>
+        <p:nvSpPr>
+          <p:cNvPr id="19" name="Elipse 18">
+            <a:extLst>
+              <a:ext uri="{FF2B5EF4-FFF2-40B4-BE49-F238E27FC236}">
+                <a16:creationId xmlns:a16="http://schemas.microsoft.com/office/drawing/2014/main" id="{96C93668-5640-4344-B5AE-E2A185314D13}"/>
+              </a:ext>
+            </a:extLst>
+          </p:cNvPr>
+          <p:cNvSpPr/>
+          <p:nvPr/>
+        </p:nvSpPr>
+        <p:spPr>
+          <a:xfrm>
+            <a:off x="8422709" y="3435701"/>
+            <a:ext cx="540000" cy="540000"/>
+          </a:xfrm>
+          <a:prstGeom prst="ellipse">
+            <a:avLst/>
+          </a:prstGeom>
+          <a:solidFill>
+            <a:srgbClr val="FF4E00">
+              <a:alpha val="75000"/>
+            </a:srgbClr>
+          </a:solidFill>
+          <a:ln w="18000">
+            <a:solidFill>
+              <a:srgbClr val="FF4E00"/>
+            </a:solidFill>
+          </a:ln>
+        </p:spPr>
+        <p:style>
+          <a:lnRef idx="2">
+            <a:schemeClr val="accent1">
+              <a:shade val="50000"/>
+            </a:schemeClr>
+          </a:lnRef>
+          <a:fillRef idx="1">
+            <a:schemeClr val="accent1"/>
+          </a:fillRef>
+          <a:effectRef idx="0">
+            <a:schemeClr val="accent1"/>
+          </a:effectRef>
+          <a:fontRef idx="minor">
+            <a:schemeClr val="lt1"/>
+          </a:fontRef>
+        </p:style>
+        <p:txBody>
+          <a:bodyPr rtlCol="0" anchor="ctr"/>
+          <a:lstStyle/>
+          <a:p>
+            <a:pPr algn="ctr"/>
+            <a:endParaRPr lang="pt-BR">
+              <a:solidFill>
+                <a:srgbClr val="FF4E00"/>
+              </a:solidFill>
+            </a:endParaRPr>
+          </a:p>
+        </p:txBody>
+      </p:sp>
+      <p:sp>
+        <p:nvSpPr>
+          <p:cNvPr id="20" name="Elipse 19">
+            <a:extLst>
+              <a:ext uri="{FF2B5EF4-FFF2-40B4-BE49-F238E27FC236}">
+                <a16:creationId xmlns:a16="http://schemas.microsoft.com/office/drawing/2014/main" id="{99B8FA62-104A-4FE0-ACE6-3530CD5A1BEB}"/>
+              </a:ext>
+            </a:extLst>
+          </p:cNvPr>
+          <p:cNvSpPr/>
+          <p:nvPr/>
+        </p:nvSpPr>
+        <p:spPr>
+          <a:xfrm>
+            <a:off x="9300549" y="3435701"/>
+            <a:ext cx="540000" cy="540000"/>
+          </a:xfrm>
+          <a:prstGeom prst="ellipse">
+            <a:avLst/>
+          </a:prstGeom>
+          <a:solidFill>
+            <a:srgbClr val="FF4E00">
+              <a:alpha val="75000"/>
+            </a:srgbClr>
+          </a:solidFill>
+          <a:ln w="18000">
+            <a:solidFill>
+              <a:srgbClr val="FF4E00"/>
+            </a:solidFill>
+          </a:ln>
+        </p:spPr>
+        <p:style>
+          <a:lnRef idx="2">
+            <a:schemeClr val="accent1">
+              <a:shade val="50000"/>
+            </a:schemeClr>
+          </a:lnRef>
+          <a:fillRef idx="1">
+            <a:schemeClr val="accent1"/>
+          </a:fillRef>
+          <a:effectRef idx="0">
+            <a:schemeClr val="accent1"/>
+          </a:effectRef>
+          <a:fontRef idx="minor">
+            <a:schemeClr val="lt1"/>
+          </a:fontRef>
+        </p:style>
+        <p:txBody>
+          <a:bodyPr rtlCol="0" anchor="ctr"/>
+          <a:lstStyle/>
+          <a:p>
+            <a:pPr algn="ctr"/>
+            <a:endParaRPr lang="pt-BR">
+              <a:solidFill>
+                <a:srgbClr val="FF4E00"/>
+              </a:solidFill>
+            </a:endParaRPr>
+          </a:p>
+        </p:txBody>
+      </p:sp>
+      <p:sp>
+        <p:nvSpPr>
+          <p:cNvPr id="23" name="CaixaDeTexto 22">
+            <a:extLst>
+              <a:ext uri="{FF2B5EF4-FFF2-40B4-BE49-F238E27FC236}">
+                <a16:creationId xmlns:a16="http://schemas.microsoft.com/office/drawing/2014/main" id="{8509AA95-C6E4-43A8-A526-B009C9D24EC3}"/>
+              </a:ext>
+            </a:extLst>
+          </p:cNvPr>
+          <p:cNvSpPr txBox="1"/>
+          <p:nvPr/>
+        </p:nvSpPr>
+        <p:spPr>
+          <a:xfrm>
+            <a:off x="5007527" y="3521035"/>
+            <a:ext cx="309084" cy="369332"/>
+          </a:xfrm>
+          <a:prstGeom prst="rect">
+            <a:avLst/>
+          </a:prstGeom>
+          <a:noFill/>
+        </p:spPr>
+        <p:txBody>
+          <a:bodyPr wrap="square" rtlCol="0">
+            <a:spAutoFit/>
+          </a:bodyPr>
+          <a:lstStyle/>
+          <a:p>
+            <a:r>
+              <a:rPr lang="pt-BR" dirty="0"/>
+              <a:t>0</a:t>
+            </a:r>
+          </a:p>
+        </p:txBody>
+      </p:sp>
+      <p:sp>
+        <p:nvSpPr>
+          <p:cNvPr id="24" name="CaixaDeTexto 23">
+            <a:extLst>
+              <a:ext uri="{FF2B5EF4-FFF2-40B4-BE49-F238E27FC236}">
+                <a16:creationId xmlns:a16="http://schemas.microsoft.com/office/drawing/2014/main" id="{FE5ABF49-0B8E-4ACE-A80F-4C9C1AE0CC25}"/>
+              </a:ext>
+            </a:extLst>
+          </p:cNvPr>
+          <p:cNvSpPr txBox="1"/>
+          <p:nvPr/>
+        </p:nvSpPr>
+        <p:spPr>
+          <a:xfrm>
+            <a:off x="5881287" y="3521035"/>
+            <a:ext cx="309084" cy="369332"/>
+          </a:xfrm>
+          <a:prstGeom prst="rect">
+            <a:avLst/>
+          </a:prstGeom>
+          <a:noFill/>
+        </p:spPr>
+        <p:txBody>
+          <a:bodyPr wrap="square" rtlCol="0">
+            <a:spAutoFit/>
+          </a:bodyPr>
+          <a:lstStyle/>
+          <a:p>
+            <a:r>
+              <a:rPr lang="pt-BR" dirty="0"/>
+              <a:t>1</a:t>
+            </a:r>
+          </a:p>
+        </p:txBody>
+      </p:sp>
+      <p:sp>
+        <p:nvSpPr>
+          <p:cNvPr id="25" name="CaixaDeTexto 24">
+            <a:extLst>
+              <a:ext uri="{FF2B5EF4-FFF2-40B4-BE49-F238E27FC236}">
+                <a16:creationId xmlns:a16="http://schemas.microsoft.com/office/drawing/2014/main" id="{C6FCC04B-B5F7-41B2-9097-4A5C4CF2D810}"/>
+              </a:ext>
+            </a:extLst>
+          </p:cNvPr>
+          <p:cNvSpPr txBox="1"/>
+          <p:nvPr/>
+        </p:nvSpPr>
+        <p:spPr>
+          <a:xfrm>
+            <a:off x="6782487" y="3521035"/>
+            <a:ext cx="309084" cy="369332"/>
+          </a:xfrm>
+          <a:prstGeom prst="rect">
+            <a:avLst/>
+          </a:prstGeom>
+          <a:noFill/>
+        </p:spPr>
+        <p:txBody>
+          <a:bodyPr wrap="square" rtlCol="0">
+            <a:spAutoFit/>
+          </a:bodyPr>
+          <a:lstStyle/>
+          <a:p>
+            <a:r>
+              <a:rPr lang="pt-BR" dirty="0"/>
+              <a:t>2</a:t>
+            </a:r>
+          </a:p>
+        </p:txBody>
+      </p:sp>
+      <p:sp>
+        <p:nvSpPr>
+          <p:cNvPr id="26" name="CaixaDeTexto 25">
+            <a:extLst>
+              <a:ext uri="{FF2B5EF4-FFF2-40B4-BE49-F238E27FC236}">
+                <a16:creationId xmlns:a16="http://schemas.microsoft.com/office/drawing/2014/main" id="{6D9D7ACA-D931-48C8-AE74-C893D0CF40EC}"/>
+              </a:ext>
+            </a:extLst>
+          </p:cNvPr>
+          <p:cNvSpPr txBox="1"/>
+          <p:nvPr/>
+        </p:nvSpPr>
+        <p:spPr>
+          <a:xfrm>
+            <a:off x="7660327" y="3521035"/>
+            <a:ext cx="309084" cy="369332"/>
+          </a:xfrm>
+          <a:prstGeom prst="rect">
+            <a:avLst/>
+          </a:prstGeom>
+          <a:noFill/>
+        </p:spPr>
+        <p:txBody>
+          <a:bodyPr wrap="square" rtlCol="0">
+            <a:spAutoFit/>
+          </a:bodyPr>
+          <a:lstStyle/>
+          <a:p>
+            <a:r>
+              <a:rPr lang="pt-BR" dirty="0"/>
+              <a:t>3</a:t>
+            </a:r>
+          </a:p>
+        </p:txBody>
+      </p:sp>
+      <p:sp>
+        <p:nvSpPr>
+          <p:cNvPr id="27" name="CaixaDeTexto 26">
+            <a:extLst>
+              <a:ext uri="{FF2B5EF4-FFF2-40B4-BE49-F238E27FC236}">
+                <a16:creationId xmlns:a16="http://schemas.microsoft.com/office/drawing/2014/main" id="{D3BDDC9A-C5C1-4A8C-BA82-5F9C49C56152}"/>
+              </a:ext>
+            </a:extLst>
+          </p:cNvPr>
+          <p:cNvSpPr txBox="1"/>
+          <p:nvPr/>
+        </p:nvSpPr>
+        <p:spPr>
+          <a:xfrm>
+            <a:off x="8538167" y="3521035"/>
+            <a:ext cx="309084" cy="369332"/>
+          </a:xfrm>
+          <a:prstGeom prst="rect">
+            <a:avLst/>
+          </a:prstGeom>
+          <a:noFill/>
+        </p:spPr>
+        <p:txBody>
+          <a:bodyPr wrap="square" rtlCol="0">
+            <a:spAutoFit/>
+          </a:bodyPr>
+          <a:lstStyle/>
+          <a:p>
+            <a:r>
+              <a:rPr lang="pt-BR" dirty="0"/>
+              <a:t>4</a:t>
+            </a:r>
+          </a:p>
+        </p:txBody>
+      </p:sp>
+      <p:sp>
+        <p:nvSpPr>
+          <p:cNvPr id="28" name="CaixaDeTexto 27">
+            <a:extLst>
+              <a:ext uri="{FF2B5EF4-FFF2-40B4-BE49-F238E27FC236}">
+                <a16:creationId xmlns:a16="http://schemas.microsoft.com/office/drawing/2014/main" id="{9DD02DE4-DE23-4F40-857D-C4439FCD9DCF}"/>
+              </a:ext>
+            </a:extLst>
+          </p:cNvPr>
+          <p:cNvSpPr txBox="1"/>
+          <p:nvPr/>
+        </p:nvSpPr>
+        <p:spPr>
+          <a:xfrm>
+            <a:off x="9424568" y="3521035"/>
+            <a:ext cx="309084" cy="369332"/>
+          </a:xfrm>
+          <a:prstGeom prst="rect">
+            <a:avLst/>
+          </a:prstGeom>
+          <a:noFill/>
+        </p:spPr>
+        <p:txBody>
+          <a:bodyPr wrap="square" rtlCol="0">
+            <a:spAutoFit/>
+          </a:bodyPr>
+          <a:lstStyle/>
+          <a:p>
+            <a:r>
+              <a:rPr lang="pt-BR" dirty="0"/>
+              <a:t>0</a:t>
+            </a:r>
+          </a:p>
+        </p:txBody>
+      </p:sp>
+      <p:sp>
+        <p:nvSpPr>
+          <p:cNvPr id="29" name="CaixaDeTexto 28">
+            <a:extLst>
+              <a:ext uri="{FF2B5EF4-FFF2-40B4-BE49-F238E27FC236}">
+                <a16:creationId xmlns:a16="http://schemas.microsoft.com/office/drawing/2014/main" id="{A0596966-7710-43AF-A26D-4B87970DF133}"/>
+              </a:ext>
+            </a:extLst>
+          </p:cNvPr>
+          <p:cNvSpPr txBox="1"/>
+          <p:nvPr/>
+        </p:nvSpPr>
+        <p:spPr>
+          <a:xfrm>
+            <a:off x="1741651" y="3516550"/>
+            <a:ext cx="2506701" cy="461665"/>
+          </a:xfrm>
+          <a:prstGeom prst="rect">
+            <a:avLst/>
+          </a:prstGeom>
+          <a:noFill/>
+        </p:spPr>
+        <p:txBody>
+          <a:bodyPr wrap="square" rtlCol="0">
+            <a:spAutoFit/>
+          </a:bodyPr>
+          <a:lstStyle/>
+          <a:p>
+            <a:r>
+              <a:rPr lang="pt-BR" sz="2400" dirty="0"/>
+              <a:t>Solução Base: </a:t>
+            </a:r>
+          </a:p>
+        </p:txBody>
+      </p:sp>
+      <p:sp>
+        <p:nvSpPr>
+          <p:cNvPr id="4" name="CaixaDeTexto 3">
+            <a:extLst>
+              <a:ext uri="{FF2B5EF4-FFF2-40B4-BE49-F238E27FC236}">
+                <a16:creationId xmlns:a16="http://schemas.microsoft.com/office/drawing/2014/main" id="{9056A89E-C2B2-4F4C-AC1E-D420C8B8002F}"/>
+              </a:ext>
+            </a:extLst>
+          </p:cNvPr>
+          <p:cNvSpPr txBox="1"/>
+          <p:nvPr/>
+        </p:nvSpPr>
+        <p:spPr>
+          <a:xfrm>
+            <a:off x="1916318" y="4305373"/>
+            <a:ext cx="2415261" cy="369332"/>
+          </a:xfrm>
+          <a:prstGeom prst="rect">
+            <a:avLst/>
+          </a:prstGeom>
+          <a:noFill/>
+        </p:spPr>
+        <p:txBody>
+          <a:bodyPr wrap="square" rtlCol="0">
+            <a:spAutoFit/>
+          </a:bodyPr>
+          <a:lstStyle/>
+          <a:p>
+            <a:r>
+              <a:rPr lang="pt-BR" dirty="0"/>
+              <a:t>Primeira</a:t>
+            </a:r>
+          </a:p>
+        </p:txBody>
+      </p:sp>
+      <p:sp>
+        <p:nvSpPr>
+          <p:cNvPr id="52" name="Elipse 51">
+            <a:extLst>
+              <a:ext uri="{FF2B5EF4-FFF2-40B4-BE49-F238E27FC236}">
+                <a16:creationId xmlns:a16="http://schemas.microsoft.com/office/drawing/2014/main" id="{72C6C0D2-2C59-4764-BBDE-70EC3BD8FF16}"/>
+              </a:ext>
+            </a:extLst>
+          </p:cNvPr>
+          <p:cNvSpPr/>
+          <p:nvPr/>
+        </p:nvSpPr>
+        <p:spPr>
+          <a:xfrm>
+            <a:off x="4892069" y="5076485"/>
+            <a:ext cx="540000" cy="540000"/>
+          </a:xfrm>
+          <a:prstGeom prst="ellipse">
+            <a:avLst/>
+          </a:prstGeom>
+          <a:solidFill>
+            <a:srgbClr val="00B0F0"/>
+          </a:solidFill>
+          <a:ln w="18000">
+            <a:solidFill>
+              <a:srgbClr val="00B0F0"/>
+            </a:solidFill>
+          </a:ln>
+        </p:spPr>
+        <p:style>
+          <a:lnRef idx="2">
+            <a:schemeClr val="accent1">
+              <a:shade val="50000"/>
+            </a:schemeClr>
+          </a:lnRef>
+          <a:fillRef idx="1">
+            <a:schemeClr val="accent1"/>
+          </a:fillRef>
+          <a:effectRef idx="0">
+            <a:schemeClr val="accent1"/>
+          </a:effectRef>
+          <a:fontRef idx="minor">
+            <a:schemeClr val="lt1"/>
+          </a:fontRef>
+        </p:style>
+        <p:txBody>
+          <a:bodyPr rtlCol="0" anchor="ctr"/>
+          <a:lstStyle/>
+          <a:p>
+            <a:pPr algn="ctr"/>
+            <a:endParaRPr lang="pt-BR">
+              <a:solidFill>
+                <a:srgbClr val="FF4E00"/>
+              </a:solidFill>
+            </a:endParaRPr>
+          </a:p>
+        </p:txBody>
+      </p:sp>
+      <p:sp>
+        <p:nvSpPr>
+          <p:cNvPr id="53" name="Elipse 52">
+            <a:extLst>
+              <a:ext uri="{FF2B5EF4-FFF2-40B4-BE49-F238E27FC236}">
+                <a16:creationId xmlns:a16="http://schemas.microsoft.com/office/drawing/2014/main" id="{B27E9914-6DCE-4DB8-9A26-48A6CB2D4CCA}"/>
+              </a:ext>
+            </a:extLst>
+          </p:cNvPr>
+          <p:cNvSpPr/>
+          <p:nvPr/>
+        </p:nvSpPr>
+        <p:spPr>
+          <a:xfrm>
+            <a:off x="5765829" y="5076485"/>
+            <a:ext cx="540000" cy="540000"/>
+          </a:xfrm>
+          <a:prstGeom prst="ellipse">
+            <a:avLst/>
+          </a:prstGeom>
+          <a:solidFill>
+            <a:srgbClr val="00B0F0"/>
+          </a:solidFill>
+          <a:ln w="18000">
+            <a:solidFill>
+              <a:srgbClr val="00B0F0"/>
+            </a:solidFill>
+          </a:ln>
+        </p:spPr>
+        <p:style>
+          <a:lnRef idx="2">
+            <a:schemeClr val="accent1">
+              <a:shade val="50000"/>
+            </a:schemeClr>
+          </a:lnRef>
+          <a:fillRef idx="1">
+            <a:schemeClr val="accent1"/>
+          </a:fillRef>
+          <a:effectRef idx="0">
+            <a:schemeClr val="accent1"/>
+          </a:effectRef>
+          <a:fontRef idx="minor">
+            <a:schemeClr val="lt1"/>
+          </a:fontRef>
+        </p:style>
+        <p:txBody>
+          <a:bodyPr rtlCol="0" anchor="ctr"/>
+          <a:lstStyle/>
+          <a:p>
+            <a:pPr algn="ctr"/>
+            <a:endParaRPr lang="pt-BR">
+              <a:solidFill>
+                <a:srgbClr val="FF4E00"/>
+              </a:solidFill>
+            </a:endParaRPr>
+          </a:p>
+        </p:txBody>
+      </p:sp>
+      <p:sp>
+        <p:nvSpPr>
+          <p:cNvPr id="54" name="Elipse 53">
+            <a:extLst>
+              <a:ext uri="{FF2B5EF4-FFF2-40B4-BE49-F238E27FC236}">
+                <a16:creationId xmlns:a16="http://schemas.microsoft.com/office/drawing/2014/main" id="{4C85F8E8-8AAB-4024-89C6-DAE83292B5CF}"/>
+              </a:ext>
+            </a:extLst>
+          </p:cNvPr>
+          <p:cNvSpPr/>
+          <p:nvPr/>
+        </p:nvSpPr>
+        <p:spPr>
+          <a:xfrm>
+            <a:off x="6667029" y="5076485"/>
+            <a:ext cx="540000" cy="540000"/>
+          </a:xfrm>
+          <a:prstGeom prst="ellipse">
+            <a:avLst/>
+          </a:prstGeom>
+          <a:solidFill>
+            <a:srgbClr val="00B0F0"/>
+          </a:solidFill>
+          <a:ln w="18000">
+            <a:solidFill>
+              <a:srgbClr val="00B0F0"/>
+            </a:solidFill>
+          </a:ln>
+        </p:spPr>
+        <p:style>
+          <a:lnRef idx="2">
+            <a:schemeClr val="accent1">
+              <a:shade val="50000"/>
+            </a:schemeClr>
+          </a:lnRef>
+          <a:fillRef idx="1">
+            <a:schemeClr val="accent1"/>
+          </a:fillRef>
+          <a:effectRef idx="0">
+            <a:schemeClr val="accent1"/>
+          </a:effectRef>
+          <a:fontRef idx="minor">
+            <a:schemeClr val="lt1"/>
+          </a:fontRef>
+        </p:style>
+        <p:txBody>
+          <a:bodyPr rtlCol="0" anchor="ctr"/>
+          <a:lstStyle/>
+          <a:p>
+            <a:pPr algn="ctr"/>
+            <a:endParaRPr lang="pt-BR">
+              <a:solidFill>
+                <a:srgbClr val="FF4E00"/>
+              </a:solidFill>
+            </a:endParaRPr>
+          </a:p>
+        </p:txBody>
+      </p:sp>
+      <p:sp>
+        <p:nvSpPr>
+          <p:cNvPr id="55" name="Elipse 54">
+            <a:extLst>
+              <a:ext uri="{FF2B5EF4-FFF2-40B4-BE49-F238E27FC236}">
+                <a16:creationId xmlns:a16="http://schemas.microsoft.com/office/drawing/2014/main" id="{332C3BEA-FD0F-4378-BEB4-02CC4F36EFE2}"/>
+              </a:ext>
+            </a:extLst>
+          </p:cNvPr>
+          <p:cNvSpPr/>
+          <p:nvPr/>
+        </p:nvSpPr>
+        <p:spPr>
+          <a:xfrm>
+            <a:off x="7544869" y="5076485"/>
+            <a:ext cx="540000" cy="540000"/>
+          </a:xfrm>
+          <a:prstGeom prst="ellipse">
+            <a:avLst/>
+          </a:prstGeom>
+          <a:solidFill>
+            <a:srgbClr val="00B0F0"/>
+          </a:solidFill>
+          <a:ln w="18000">
+            <a:solidFill>
+              <a:srgbClr val="00B0F0"/>
+            </a:solidFill>
+          </a:ln>
+        </p:spPr>
+        <p:style>
+          <a:lnRef idx="2">
+            <a:schemeClr val="accent1">
+              <a:shade val="50000"/>
+            </a:schemeClr>
+          </a:lnRef>
+          <a:fillRef idx="1">
+            <a:schemeClr val="accent1"/>
+          </a:fillRef>
+          <a:effectRef idx="0">
+            <a:schemeClr val="accent1"/>
+          </a:effectRef>
+          <a:fontRef idx="minor">
+            <a:schemeClr val="lt1"/>
+          </a:fontRef>
+        </p:style>
+        <p:txBody>
+          <a:bodyPr rtlCol="0" anchor="ctr"/>
+          <a:lstStyle/>
+          <a:p>
+            <a:pPr algn="ctr"/>
+            <a:endParaRPr lang="pt-BR">
+              <a:solidFill>
+                <a:srgbClr val="FF4E00"/>
+              </a:solidFill>
+            </a:endParaRPr>
+          </a:p>
+        </p:txBody>
+      </p:sp>
+      <p:sp>
+        <p:nvSpPr>
+          <p:cNvPr id="56" name="Elipse 55">
+            <a:extLst>
+              <a:ext uri="{FF2B5EF4-FFF2-40B4-BE49-F238E27FC236}">
+                <a16:creationId xmlns:a16="http://schemas.microsoft.com/office/drawing/2014/main" id="{A4A51D05-7BC5-45F0-BF04-8568373E0D19}"/>
+              </a:ext>
+            </a:extLst>
+          </p:cNvPr>
+          <p:cNvSpPr/>
+          <p:nvPr/>
+        </p:nvSpPr>
+        <p:spPr>
+          <a:xfrm>
+            <a:off x="8422709" y="5076485"/>
+            <a:ext cx="540000" cy="540000"/>
+          </a:xfrm>
+          <a:prstGeom prst="ellipse">
+            <a:avLst/>
+          </a:prstGeom>
+          <a:solidFill>
+            <a:srgbClr val="00B0F0"/>
+          </a:solidFill>
+          <a:ln w="18000">
+            <a:solidFill>
+              <a:srgbClr val="00B0F0"/>
+            </a:solidFill>
+          </a:ln>
+        </p:spPr>
+        <p:style>
+          <a:lnRef idx="2">
+            <a:schemeClr val="accent1">
+              <a:shade val="50000"/>
+            </a:schemeClr>
+          </a:lnRef>
+          <a:fillRef idx="1">
+            <a:schemeClr val="accent1"/>
+          </a:fillRef>
+          <a:effectRef idx="0">
+            <a:schemeClr val="accent1"/>
+          </a:effectRef>
+          <a:fontRef idx="minor">
+            <a:schemeClr val="lt1"/>
+          </a:fontRef>
+        </p:style>
+        <p:txBody>
+          <a:bodyPr rtlCol="0" anchor="ctr"/>
+          <a:lstStyle/>
+          <a:p>
+            <a:pPr algn="ctr"/>
+            <a:endParaRPr lang="pt-BR">
+              <a:solidFill>
+                <a:srgbClr val="FF4E00"/>
+              </a:solidFill>
+            </a:endParaRPr>
+          </a:p>
+        </p:txBody>
+      </p:sp>
+      <p:sp>
+        <p:nvSpPr>
+          <p:cNvPr id="57" name="Elipse 56">
+            <a:extLst>
+              <a:ext uri="{FF2B5EF4-FFF2-40B4-BE49-F238E27FC236}">
+                <a16:creationId xmlns:a16="http://schemas.microsoft.com/office/drawing/2014/main" id="{28690975-54B9-4FD4-9537-D645404588B6}"/>
+              </a:ext>
+            </a:extLst>
+          </p:cNvPr>
+          <p:cNvSpPr/>
+          <p:nvPr/>
+        </p:nvSpPr>
+        <p:spPr>
+          <a:xfrm>
+            <a:off x="9300549" y="5076485"/>
+            <a:ext cx="540000" cy="540000"/>
+          </a:xfrm>
+          <a:prstGeom prst="ellipse">
+            <a:avLst/>
+          </a:prstGeom>
+          <a:solidFill>
+            <a:srgbClr val="00B0F0"/>
+          </a:solidFill>
+          <a:ln w="18000">
+            <a:solidFill>
+              <a:srgbClr val="00B0F0"/>
+            </a:solidFill>
+          </a:ln>
+        </p:spPr>
+        <p:style>
+          <a:lnRef idx="2">
+            <a:schemeClr val="accent1">
+              <a:shade val="50000"/>
+            </a:schemeClr>
+          </a:lnRef>
+          <a:fillRef idx="1">
+            <a:schemeClr val="accent1"/>
+          </a:fillRef>
+          <a:effectRef idx="0">
+            <a:schemeClr val="accent1"/>
+          </a:effectRef>
+          <a:fontRef idx="minor">
+            <a:schemeClr val="lt1"/>
+          </a:fontRef>
+        </p:style>
+        <p:txBody>
+          <a:bodyPr rtlCol="0" anchor="ctr"/>
+          <a:lstStyle/>
+          <a:p>
+            <a:pPr algn="ctr"/>
+            <a:endParaRPr lang="pt-BR">
+              <a:solidFill>
+                <a:srgbClr val="FF4E00"/>
+              </a:solidFill>
+            </a:endParaRPr>
+          </a:p>
+        </p:txBody>
+      </p:sp>
+      <p:sp>
+        <p:nvSpPr>
+          <p:cNvPr id="58" name="CaixaDeTexto 57">
+            <a:extLst>
+              <a:ext uri="{FF2B5EF4-FFF2-40B4-BE49-F238E27FC236}">
+                <a16:creationId xmlns:a16="http://schemas.microsoft.com/office/drawing/2014/main" id="{7E421B21-7626-45ED-9A90-4A7122A710DE}"/>
+              </a:ext>
+            </a:extLst>
+          </p:cNvPr>
+          <p:cNvSpPr txBox="1"/>
+          <p:nvPr/>
+        </p:nvSpPr>
+        <p:spPr>
+          <a:xfrm>
+            <a:off x="5007527" y="5161819"/>
+            <a:ext cx="309084" cy="369332"/>
+          </a:xfrm>
+          <a:prstGeom prst="rect">
+            <a:avLst/>
+          </a:prstGeom>
+          <a:solidFill>
+            <a:srgbClr val="00B0F0"/>
+          </a:solidFill>
+          <a:ln>
+            <a:solidFill>
+              <a:srgbClr val="00B0F0"/>
+            </a:solidFill>
+          </a:ln>
+        </p:spPr>
+        <p:txBody>
+          <a:bodyPr wrap="square" rtlCol="0">
+            <a:spAutoFit/>
+          </a:bodyPr>
+          <a:lstStyle/>
+          <a:p>
+            <a:r>
+              <a:rPr lang="pt-BR" dirty="0"/>
+              <a:t>0</a:t>
+            </a:r>
+          </a:p>
+        </p:txBody>
+      </p:sp>
+      <p:sp>
+        <p:nvSpPr>
+          <p:cNvPr id="59" name="CaixaDeTexto 58">
+            <a:extLst>
+              <a:ext uri="{FF2B5EF4-FFF2-40B4-BE49-F238E27FC236}">
+                <a16:creationId xmlns:a16="http://schemas.microsoft.com/office/drawing/2014/main" id="{67FA4E32-5072-44B2-9DD4-066B24054C19}"/>
+              </a:ext>
+            </a:extLst>
+          </p:cNvPr>
+          <p:cNvSpPr txBox="1"/>
+          <p:nvPr/>
+        </p:nvSpPr>
+        <p:spPr>
+          <a:xfrm>
+            <a:off x="5871127" y="5161819"/>
+            <a:ext cx="309084" cy="369332"/>
+          </a:xfrm>
+          <a:prstGeom prst="rect">
+            <a:avLst/>
+          </a:prstGeom>
+          <a:solidFill>
+            <a:srgbClr val="00B0F0"/>
+          </a:solidFill>
+          <a:ln>
+            <a:solidFill>
+              <a:srgbClr val="00B0F0"/>
+            </a:solidFill>
+          </a:ln>
+        </p:spPr>
+        <p:txBody>
+          <a:bodyPr wrap="square" rtlCol="0">
+            <a:spAutoFit/>
+          </a:bodyPr>
+          <a:lstStyle/>
+          <a:p>
+            <a:r>
+              <a:rPr lang="pt-BR" dirty="0"/>
+              <a:t>3</a:t>
+            </a:r>
+          </a:p>
+        </p:txBody>
+      </p:sp>
+      <p:sp>
+        <p:nvSpPr>
+          <p:cNvPr id="60" name="CaixaDeTexto 59">
+            <a:extLst>
+              <a:ext uri="{FF2B5EF4-FFF2-40B4-BE49-F238E27FC236}">
+                <a16:creationId xmlns:a16="http://schemas.microsoft.com/office/drawing/2014/main" id="{A80007FB-B35E-45F0-AA87-538B81B895BE}"/>
+              </a:ext>
+            </a:extLst>
+          </p:cNvPr>
+          <p:cNvSpPr txBox="1"/>
+          <p:nvPr/>
+        </p:nvSpPr>
+        <p:spPr>
+          <a:xfrm>
+            <a:off x="6782487" y="5161819"/>
+            <a:ext cx="309084" cy="369332"/>
+          </a:xfrm>
+          <a:prstGeom prst="rect">
+            <a:avLst/>
+          </a:prstGeom>
+          <a:solidFill>
+            <a:srgbClr val="00B0F0"/>
+          </a:solidFill>
+          <a:ln>
+            <a:solidFill>
+              <a:srgbClr val="00B0F0"/>
+            </a:solidFill>
+          </a:ln>
+        </p:spPr>
+        <p:txBody>
+          <a:bodyPr wrap="square" rtlCol="0">
+            <a:spAutoFit/>
+          </a:bodyPr>
+          <a:lstStyle/>
+          <a:p>
+            <a:r>
+              <a:rPr lang="pt-BR" dirty="0"/>
+              <a:t>2</a:t>
+            </a:r>
+          </a:p>
+        </p:txBody>
+      </p:sp>
+      <p:sp>
+        <p:nvSpPr>
+          <p:cNvPr id="61" name="CaixaDeTexto 60">
+            <a:extLst>
+              <a:ext uri="{FF2B5EF4-FFF2-40B4-BE49-F238E27FC236}">
+                <a16:creationId xmlns:a16="http://schemas.microsoft.com/office/drawing/2014/main" id="{E42ED54C-5CF1-4F77-A7B0-E67998793BB3}"/>
+              </a:ext>
+            </a:extLst>
+          </p:cNvPr>
+          <p:cNvSpPr txBox="1"/>
+          <p:nvPr/>
+        </p:nvSpPr>
+        <p:spPr>
+          <a:xfrm>
+            <a:off x="7660327" y="5161819"/>
+            <a:ext cx="309084" cy="369332"/>
+          </a:xfrm>
+          <a:prstGeom prst="rect">
+            <a:avLst/>
+          </a:prstGeom>
+          <a:solidFill>
+            <a:srgbClr val="00B0F0"/>
+          </a:solidFill>
+          <a:ln>
+            <a:solidFill>
+              <a:srgbClr val="00B0F0"/>
+            </a:solidFill>
+          </a:ln>
+        </p:spPr>
+        <p:txBody>
+          <a:bodyPr wrap="square" rtlCol="0">
+            <a:spAutoFit/>
+          </a:bodyPr>
+          <a:lstStyle/>
+          <a:p>
+            <a:r>
+              <a:rPr lang="pt-BR" dirty="0"/>
+              <a:t>1</a:t>
+            </a:r>
+          </a:p>
+        </p:txBody>
+      </p:sp>
+      <p:sp>
+        <p:nvSpPr>
+          <p:cNvPr id="62" name="CaixaDeTexto 61">
+            <a:extLst>
+              <a:ext uri="{FF2B5EF4-FFF2-40B4-BE49-F238E27FC236}">
+                <a16:creationId xmlns:a16="http://schemas.microsoft.com/office/drawing/2014/main" id="{B40DE2EA-E62F-4A56-ADFD-AACCB36654D7}"/>
+              </a:ext>
+            </a:extLst>
+          </p:cNvPr>
+          <p:cNvSpPr txBox="1"/>
+          <p:nvPr/>
+        </p:nvSpPr>
+        <p:spPr>
+          <a:xfrm>
+            <a:off x="8538167" y="5161819"/>
+            <a:ext cx="309084" cy="369332"/>
+          </a:xfrm>
+          <a:prstGeom prst="rect">
+            <a:avLst/>
+          </a:prstGeom>
+          <a:solidFill>
+            <a:srgbClr val="00B0F0"/>
+          </a:solidFill>
+          <a:ln>
+            <a:solidFill>
+              <a:srgbClr val="00B0F0"/>
+            </a:solidFill>
+          </a:ln>
+        </p:spPr>
+        <p:txBody>
+          <a:bodyPr wrap="square" rtlCol="0">
+            <a:spAutoFit/>
+          </a:bodyPr>
+          <a:lstStyle/>
+          <a:p>
+            <a:r>
+              <a:rPr lang="pt-BR" dirty="0"/>
+              <a:t>4</a:t>
+            </a:r>
+          </a:p>
+        </p:txBody>
+      </p:sp>
+      <p:sp>
+        <p:nvSpPr>
+          <p:cNvPr id="63" name="CaixaDeTexto 62">
+            <a:extLst>
+              <a:ext uri="{FF2B5EF4-FFF2-40B4-BE49-F238E27FC236}">
+                <a16:creationId xmlns:a16="http://schemas.microsoft.com/office/drawing/2014/main" id="{230195A3-CD15-42BB-87D0-65B5C2C52376}"/>
+              </a:ext>
+            </a:extLst>
+          </p:cNvPr>
+          <p:cNvSpPr txBox="1"/>
+          <p:nvPr/>
+        </p:nvSpPr>
+        <p:spPr>
+          <a:xfrm>
+            <a:off x="9424568" y="5161819"/>
+            <a:ext cx="309084" cy="369332"/>
+          </a:xfrm>
+          <a:prstGeom prst="rect">
+            <a:avLst/>
+          </a:prstGeom>
+          <a:solidFill>
+            <a:srgbClr val="00B0F0"/>
+          </a:solidFill>
+          <a:ln>
+            <a:solidFill>
+              <a:srgbClr val="00B0F0"/>
+            </a:solidFill>
+          </a:ln>
+        </p:spPr>
+        <p:txBody>
+          <a:bodyPr wrap="square" rtlCol="0">
+            <a:spAutoFit/>
+          </a:bodyPr>
+          <a:lstStyle/>
+          <a:p>
+            <a:r>
+              <a:rPr lang="pt-BR" dirty="0"/>
+              <a:t>0</a:t>
+            </a:r>
+          </a:p>
+        </p:txBody>
+      </p:sp>
+      <p:sp>
+        <p:nvSpPr>
+          <p:cNvPr id="5" name="CaixaDeTexto 4">
+            <a:extLst>
+              <a:ext uri="{FF2B5EF4-FFF2-40B4-BE49-F238E27FC236}">
+                <a16:creationId xmlns:a16="http://schemas.microsoft.com/office/drawing/2014/main" id="{55EF30B9-403F-4062-BDD3-6B83352B494F}"/>
+              </a:ext>
+            </a:extLst>
+          </p:cNvPr>
+          <p:cNvSpPr txBox="1"/>
+          <p:nvPr/>
+        </p:nvSpPr>
+        <p:spPr>
+          <a:xfrm>
+            <a:off x="1930400" y="5164962"/>
+            <a:ext cx="1204176" cy="369332"/>
+          </a:xfrm>
+          <a:prstGeom prst="rect">
+            <a:avLst/>
+          </a:prstGeom>
+          <a:noFill/>
+        </p:spPr>
+        <p:txBody>
+          <a:bodyPr wrap="none" rtlCol="0">
+            <a:spAutoFit/>
+          </a:bodyPr>
+          <a:lstStyle/>
+          <a:p>
+            <a:r>
+              <a:rPr lang="pt-BR" dirty="0"/>
+              <a:t>Segunda</a:t>
+            </a:r>
+          </a:p>
+        </p:txBody>
+      </p:sp>
+      <p:sp>
+        <p:nvSpPr>
+          <p:cNvPr id="70" name="Elipse 69">
+            <a:extLst>
+              <a:ext uri="{FF2B5EF4-FFF2-40B4-BE49-F238E27FC236}">
+                <a16:creationId xmlns:a16="http://schemas.microsoft.com/office/drawing/2014/main" id="{97031947-3695-4E4A-9838-E069A34C3A38}"/>
+              </a:ext>
+            </a:extLst>
+          </p:cNvPr>
+          <p:cNvSpPr/>
+          <p:nvPr/>
+        </p:nvSpPr>
+        <p:spPr>
+          <a:xfrm>
+            <a:off x="4892069" y="4271333"/>
+            <a:ext cx="540000" cy="540000"/>
+          </a:xfrm>
+          <a:prstGeom prst="ellipse">
+            <a:avLst/>
+          </a:prstGeom>
+          <a:solidFill>
+            <a:srgbClr val="92D050">
+              <a:alpha val="75000"/>
+            </a:srgbClr>
+          </a:solidFill>
+          <a:ln w="18000">
+            <a:solidFill>
+              <a:schemeClr val="accent4">
+                <a:lumMod val="75000"/>
+              </a:schemeClr>
+            </a:solidFill>
+          </a:ln>
+        </p:spPr>
+        <p:style>
+          <a:lnRef idx="2">
+            <a:schemeClr val="accent1">
+              <a:shade val="50000"/>
+            </a:schemeClr>
+          </a:lnRef>
+          <a:fillRef idx="1">
+            <a:schemeClr val="accent1"/>
+          </a:fillRef>
+          <a:effectRef idx="0">
+            <a:schemeClr val="accent1"/>
+          </a:effectRef>
+          <a:fontRef idx="minor">
+            <a:schemeClr val="lt1"/>
+          </a:fontRef>
+        </p:style>
+        <p:txBody>
+          <a:bodyPr rtlCol="0" anchor="ctr"/>
+          <a:lstStyle/>
+          <a:p>
+            <a:pPr algn="ctr"/>
+            <a:endParaRPr lang="pt-BR">
+              <a:solidFill>
+                <a:srgbClr val="FF4E00"/>
+              </a:solidFill>
+            </a:endParaRPr>
+          </a:p>
+        </p:txBody>
+      </p:sp>
+      <p:sp>
+        <p:nvSpPr>
+          <p:cNvPr id="71" name="Elipse 70">
+            <a:extLst>
+              <a:ext uri="{FF2B5EF4-FFF2-40B4-BE49-F238E27FC236}">
+                <a16:creationId xmlns:a16="http://schemas.microsoft.com/office/drawing/2014/main" id="{D88F7926-3123-4AE6-8400-CCBE9A0EAFE1}"/>
+              </a:ext>
+            </a:extLst>
+          </p:cNvPr>
+          <p:cNvSpPr/>
+          <p:nvPr/>
+        </p:nvSpPr>
+        <p:spPr>
+          <a:xfrm>
+            <a:off x="5765829" y="4271333"/>
+            <a:ext cx="540000" cy="540000"/>
+          </a:xfrm>
+          <a:prstGeom prst="ellipse">
+            <a:avLst/>
+          </a:prstGeom>
+          <a:solidFill>
+            <a:srgbClr val="92D050">
+              <a:alpha val="75000"/>
+            </a:srgbClr>
+          </a:solidFill>
+          <a:ln w="18000">
+            <a:solidFill>
+              <a:schemeClr val="accent4">
+                <a:lumMod val="75000"/>
+              </a:schemeClr>
+            </a:solidFill>
+          </a:ln>
+        </p:spPr>
+        <p:style>
+          <a:lnRef idx="2">
+            <a:schemeClr val="accent1">
+              <a:shade val="50000"/>
+            </a:schemeClr>
+          </a:lnRef>
+          <a:fillRef idx="1">
+            <a:schemeClr val="accent1"/>
+          </a:fillRef>
+          <a:effectRef idx="0">
+            <a:schemeClr val="accent1"/>
+          </a:effectRef>
+          <a:fontRef idx="minor">
+            <a:schemeClr val="lt1"/>
+          </a:fontRef>
+        </p:style>
+        <p:txBody>
+          <a:bodyPr rtlCol="0" anchor="ctr"/>
+          <a:lstStyle/>
+          <a:p>
+            <a:pPr algn="ctr"/>
+            <a:endParaRPr lang="pt-BR">
+              <a:solidFill>
+                <a:srgbClr val="FF4E00"/>
+              </a:solidFill>
+            </a:endParaRPr>
+          </a:p>
+        </p:txBody>
+      </p:sp>
+      <p:sp>
+        <p:nvSpPr>
+          <p:cNvPr id="72" name="Elipse 71">
+            <a:extLst>
+              <a:ext uri="{FF2B5EF4-FFF2-40B4-BE49-F238E27FC236}">
+                <a16:creationId xmlns:a16="http://schemas.microsoft.com/office/drawing/2014/main" id="{134B83B0-FA20-4DFD-8940-E445CE5780CF}"/>
+              </a:ext>
+            </a:extLst>
+          </p:cNvPr>
+          <p:cNvSpPr/>
+          <p:nvPr/>
+        </p:nvSpPr>
+        <p:spPr>
+          <a:xfrm>
+            <a:off x="6667029" y="4271333"/>
+            <a:ext cx="540000" cy="540000"/>
+          </a:xfrm>
+          <a:prstGeom prst="ellipse">
+            <a:avLst/>
+          </a:prstGeom>
+          <a:solidFill>
+            <a:srgbClr val="92D050">
+              <a:alpha val="75000"/>
+            </a:srgbClr>
+          </a:solidFill>
+          <a:ln w="18000">
+            <a:solidFill>
+              <a:schemeClr val="accent4">
+                <a:lumMod val="75000"/>
+              </a:schemeClr>
+            </a:solidFill>
+          </a:ln>
+        </p:spPr>
+        <p:style>
+          <a:lnRef idx="2">
+            <a:schemeClr val="accent1">
+              <a:shade val="50000"/>
+            </a:schemeClr>
+          </a:lnRef>
+          <a:fillRef idx="1">
+            <a:schemeClr val="accent1"/>
+          </a:fillRef>
+          <a:effectRef idx="0">
+            <a:schemeClr val="accent1"/>
+          </a:effectRef>
+          <a:fontRef idx="minor">
+            <a:schemeClr val="lt1"/>
+          </a:fontRef>
+        </p:style>
+        <p:txBody>
+          <a:bodyPr rtlCol="0" anchor="ctr"/>
+          <a:lstStyle/>
+          <a:p>
+            <a:pPr algn="ctr"/>
+            <a:endParaRPr lang="pt-BR">
+              <a:solidFill>
+                <a:srgbClr val="FF4E00"/>
+              </a:solidFill>
+            </a:endParaRPr>
+          </a:p>
+        </p:txBody>
+      </p:sp>
+      <p:sp>
+        <p:nvSpPr>
+          <p:cNvPr id="73" name="Elipse 72">
+            <a:extLst>
+              <a:ext uri="{FF2B5EF4-FFF2-40B4-BE49-F238E27FC236}">
+                <a16:creationId xmlns:a16="http://schemas.microsoft.com/office/drawing/2014/main" id="{EC4DEB65-7584-4532-9EFB-33C0716C78E7}"/>
+              </a:ext>
+            </a:extLst>
+          </p:cNvPr>
+          <p:cNvSpPr/>
+          <p:nvPr/>
+        </p:nvSpPr>
+        <p:spPr>
+          <a:xfrm>
+            <a:off x="7544869" y="4271333"/>
+            <a:ext cx="540000" cy="540000"/>
+          </a:xfrm>
+          <a:prstGeom prst="ellipse">
+            <a:avLst/>
+          </a:prstGeom>
+          <a:solidFill>
+            <a:srgbClr val="92D050">
+              <a:alpha val="75000"/>
+            </a:srgbClr>
+          </a:solidFill>
+          <a:ln w="18000">
+            <a:solidFill>
+              <a:schemeClr val="accent4">
+                <a:lumMod val="75000"/>
+              </a:schemeClr>
+            </a:solidFill>
+          </a:ln>
+        </p:spPr>
+        <p:style>
+          <a:lnRef idx="2">
+            <a:schemeClr val="accent1">
+              <a:shade val="50000"/>
+            </a:schemeClr>
+          </a:lnRef>
+          <a:fillRef idx="1">
+            <a:schemeClr val="accent1"/>
+          </a:fillRef>
+          <a:effectRef idx="0">
+            <a:schemeClr val="accent1"/>
+          </a:effectRef>
+          <a:fontRef idx="minor">
+            <a:schemeClr val="lt1"/>
+          </a:fontRef>
+        </p:style>
+        <p:txBody>
+          <a:bodyPr rtlCol="0" anchor="ctr"/>
+          <a:lstStyle/>
+          <a:p>
+            <a:pPr algn="ctr"/>
+            <a:endParaRPr lang="pt-BR">
+              <a:solidFill>
+                <a:srgbClr val="FF4E00"/>
+              </a:solidFill>
+            </a:endParaRPr>
+          </a:p>
+        </p:txBody>
+      </p:sp>
+      <p:sp>
+        <p:nvSpPr>
+          <p:cNvPr id="74" name="Elipse 73">
+            <a:extLst>
+              <a:ext uri="{FF2B5EF4-FFF2-40B4-BE49-F238E27FC236}">
+                <a16:creationId xmlns:a16="http://schemas.microsoft.com/office/drawing/2014/main" id="{DC993B7C-3D06-48F4-A39E-E6D47E0D73D1}"/>
+              </a:ext>
+            </a:extLst>
+          </p:cNvPr>
+          <p:cNvSpPr/>
+          <p:nvPr/>
+        </p:nvSpPr>
+        <p:spPr>
+          <a:xfrm>
+            <a:off x="8422709" y="4271333"/>
+            <a:ext cx="540000" cy="540000"/>
+          </a:xfrm>
+          <a:prstGeom prst="ellipse">
+            <a:avLst/>
+          </a:prstGeom>
+          <a:solidFill>
+            <a:srgbClr val="92D050">
+              <a:alpha val="75000"/>
+            </a:srgbClr>
+          </a:solidFill>
+          <a:ln w="18000">
+            <a:solidFill>
+              <a:schemeClr val="accent4">
+                <a:lumMod val="75000"/>
+              </a:schemeClr>
+            </a:solidFill>
+          </a:ln>
+        </p:spPr>
+        <p:style>
+          <a:lnRef idx="2">
+            <a:schemeClr val="accent1">
+              <a:shade val="50000"/>
+            </a:schemeClr>
+          </a:lnRef>
+          <a:fillRef idx="1">
+            <a:schemeClr val="accent1"/>
+          </a:fillRef>
+          <a:effectRef idx="0">
+            <a:schemeClr val="accent1"/>
+          </a:effectRef>
+          <a:fontRef idx="minor">
+            <a:schemeClr val="lt1"/>
+          </a:fontRef>
+        </p:style>
+        <p:txBody>
+          <a:bodyPr rtlCol="0" anchor="ctr"/>
+          <a:lstStyle/>
+          <a:p>
+            <a:pPr algn="ctr"/>
+            <a:endParaRPr lang="pt-BR">
+              <a:solidFill>
+                <a:srgbClr val="FF4E00"/>
+              </a:solidFill>
+            </a:endParaRPr>
+          </a:p>
+        </p:txBody>
+      </p:sp>
+      <p:sp>
+        <p:nvSpPr>
+          <p:cNvPr id="75" name="Elipse 74">
+            <a:extLst>
+              <a:ext uri="{FF2B5EF4-FFF2-40B4-BE49-F238E27FC236}">
+                <a16:creationId xmlns:a16="http://schemas.microsoft.com/office/drawing/2014/main" id="{A331D323-7F5A-48DC-8AEF-5A7EFE19E9C1}"/>
+              </a:ext>
+            </a:extLst>
+          </p:cNvPr>
+          <p:cNvSpPr/>
+          <p:nvPr/>
+        </p:nvSpPr>
+        <p:spPr>
+          <a:xfrm>
+            <a:off x="9300549" y="4271333"/>
+            <a:ext cx="540000" cy="540000"/>
+          </a:xfrm>
+          <a:prstGeom prst="ellipse">
+            <a:avLst/>
+          </a:prstGeom>
+          <a:solidFill>
+            <a:srgbClr val="92D050">
+              <a:alpha val="75000"/>
+            </a:srgbClr>
+          </a:solidFill>
+          <a:ln w="18000">
+            <a:solidFill>
+              <a:schemeClr val="accent4">
+                <a:lumMod val="75000"/>
+              </a:schemeClr>
+            </a:solidFill>
+          </a:ln>
+        </p:spPr>
+        <p:style>
+          <a:lnRef idx="2">
+            <a:schemeClr val="accent1">
+              <a:shade val="50000"/>
+            </a:schemeClr>
+          </a:lnRef>
+          <a:fillRef idx="1">
+            <a:schemeClr val="accent1"/>
+          </a:fillRef>
+          <a:effectRef idx="0">
+            <a:schemeClr val="accent1"/>
+          </a:effectRef>
+          <a:fontRef idx="minor">
+            <a:schemeClr val="lt1"/>
+          </a:fontRef>
+        </p:style>
+        <p:txBody>
+          <a:bodyPr rtlCol="0" anchor="ctr"/>
+          <a:lstStyle/>
+          <a:p>
+            <a:pPr algn="ctr"/>
+            <a:endParaRPr lang="pt-BR">
+              <a:solidFill>
+                <a:srgbClr val="FF4E00"/>
+              </a:solidFill>
+            </a:endParaRPr>
+          </a:p>
+        </p:txBody>
+      </p:sp>
+      <p:sp>
+        <p:nvSpPr>
+          <p:cNvPr id="76" name="CaixaDeTexto 75">
+            <a:extLst>
+              <a:ext uri="{FF2B5EF4-FFF2-40B4-BE49-F238E27FC236}">
+                <a16:creationId xmlns:a16="http://schemas.microsoft.com/office/drawing/2014/main" id="{3277C813-26B3-4319-B614-6171297575B8}"/>
+              </a:ext>
+            </a:extLst>
+          </p:cNvPr>
+          <p:cNvSpPr txBox="1"/>
+          <p:nvPr/>
+        </p:nvSpPr>
+        <p:spPr>
+          <a:xfrm>
+            <a:off x="5007527" y="4356667"/>
+            <a:ext cx="309084" cy="369332"/>
+          </a:xfrm>
+          <a:prstGeom prst="rect">
+            <a:avLst/>
+          </a:prstGeom>
+          <a:noFill/>
+        </p:spPr>
+        <p:txBody>
+          <a:bodyPr wrap="square" rtlCol="0">
+            <a:spAutoFit/>
+          </a:bodyPr>
+          <a:lstStyle/>
+          <a:p>
+            <a:r>
+              <a:rPr lang="pt-BR" dirty="0"/>
+              <a:t>0</a:t>
+            </a:r>
+          </a:p>
+        </p:txBody>
+      </p:sp>
+      <p:sp>
+        <p:nvSpPr>
+          <p:cNvPr id="77" name="CaixaDeTexto 76">
+            <a:extLst>
+              <a:ext uri="{FF2B5EF4-FFF2-40B4-BE49-F238E27FC236}">
+                <a16:creationId xmlns:a16="http://schemas.microsoft.com/office/drawing/2014/main" id="{7DF67B29-CD11-4FB6-8ABF-0E4325BD322A}"/>
+              </a:ext>
+            </a:extLst>
+          </p:cNvPr>
+          <p:cNvSpPr txBox="1"/>
+          <p:nvPr/>
+        </p:nvSpPr>
+        <p:spPr>
+          <a:xfrm>
+            <a:off x="5881287" y="4356667"/>
+            <a:ext cx="309084" cy="369332"/>
+          </a:xfrm>
+          <a:prstGeom prst="rect">
+            <a:avLst/>
+          </a:prstGeom>
+          <a:noFill/>
+        </p:spPr>
+        <p:txBody>
+          <a:bodyPr wrap="square" rtlCol="0">
+            <a:spAutoFit/>
+          </a:bodyPr>
+          <a:lstStyle/>
+          <a:p>
+            <a:r>
+              <a:rPr lang="pt-BR" dirty="0"/>
+              <a:t>2</a:t>
+            </a:r>
+          </a:p>
+        </p:txBody>
+      </p:sp>
+      <p:sp>
+        <p:nvSpPr>
+          <p:cNvPr id="78" name="CaixaDeTexto 77">
+            <a:extLst>
+              <a:ext uri="{FF2B5EF4-FFF2-40B4-BE49-F238E27FC236}">
+                <a16:creationId xmlns:a16="http://schemas.microsoft.com/office/drawing/2014/main" id="{D351239C-978A-4771-8DC6-0C967BC89ED0}"/>
+              </a:ext>
+            </a:extLst>
+          </p:cNvPr>
+          <p:cNvSpPr txBox="1"/>
+          <p:nvPr/>
+        </p:nvSpPr>
+        <p:spPr>
+          <a:xfrm>
+            <a:off x="6782487" y="4356667"/>
+            <a:ext cx="309084" cy="369332"/>
+          </a:xfrm>
+          <a:prstGeom prst="rect">
+            <a:avLst/>
+          </a:prstGeom>
+          <a:noFill/>
+        </p:spPr>
+        <p:txBody>
+          <a:bodyPr wrap="square" rtlCol="0">
+            <a:spAutoFit/>
+          </a:bodyPr>
+          <a:lstStyle/>
+          <a:p>
+            <a:r>
+              <a:rPr lang="pt-BR" dirty="0"/>
+              <a:t>1</a:t>
+            </a:r>
+          </a:p>
+        </p:txBody>
+      </p:sp>
+      <p:sp>
+        <p:nvSpPr>
+          <p:cNvPr id="79" name="CaixaDeTexto 78">
+            <a:extLst>
+              <a:ext uri="{FF2B5EF4-FFF2-40B4-BE49-F238E27FC236}">
+                <a16:creationId xmlns:a16="http://schemas.microsoft.com/office/drawing/2014/main" id="{D28B2F5D-B9ED-4652-A1EF-255231EFB264}"/>
+              </a:ext>
+            </a:extLst>
+          </p:cNvPr>
+          <p:cNvSpPr txBox="1"/>
+          <p:nvPr/>
+        </p:nvSpPr>
+        <p:spPr>
+          <a:xfrm>
+            <a:off x="7660327" y="4356667"/>
+            <a:ext cx="309084" cy="369332"/>
+          </a:xfrm>
+          <a:prstGeom prst="rect">
+            <a:avLst/>
+          </a:prstGeom>
+          <a:noFill/>
+        </p:spPr>
+        <p:txBody>
+          <a:bodyPr wrap="square" rtlCol="0">
+            <a:spAutoFit/>
+          </a:bodyPr>
+          <a:lstStyle/>
+          <a:p>
+            <a:r>
+              <a:rPr lang="pt-BR" dirty="0"/>
+              <a:t>3</a:t>
+            </a:r>
+          </a:p>
+        </p:txBody>
+      </p:sp>
+      <p:sp>
+        <p:nvSpPr>
+          <p:cNvPr id="80" name="CaixaDeTexto 79">
+            <a:extLst>
+              <a:ext uri="{FF2B5EF4-FFF2-40B4-BE49-F238E27FC236}">
+                <a16:creationId xmlns:a16="http://schemas.microsoft.com/office/drawing/2014/main" id="{86F1237A-7893-4609-BA85-F307A67AD236}"/>
+              </a:ext>
+            </a:extLst>
+          </p:cNvPr>
+          <p:cNvSpPr txBox="1"/>
+          <p:nvPr/>
+        </p:nvSpPr>
+        <p:spPr>
+          <a:xfrm>
+            <a:off x="8538167" y="4356667"/>
+            <a:ext cx="309084" cy="369332"/>
+          </a:xfrm>
+          <a:prstGeom prst="rect">
+            <a:avLst/>
+          </a:prstGeom>
+          <a:noFill/>
+        </p:spPr>
+        <p:txBody>
+          <a:bodyPr wrap="square" rtlCol="0">
+            <a:spAutoFit/>
+          </a:bodyPr>
+          <a:lstStyle/>
+          <a:p>
+            <a:r>
+              <a:rPr lang="pt-BR" dirty="0"/>
+              <a:t>4</a:t>
+            </a:r>
+          </a:p>
+        </p:txBody>
+      </p:sp>
+      <p:sp>
+        <p:nvSpPr>
+          <p:cNvPr id="81" name="CaixaDeTexto 80">
+            <a:extLst>
+              <a:ext uri="{FF2B5EF4-FFF2-40B4-BE49-F238E27FC236}">
+                <a16:creationId xmlns:a16="http://schemas.microsoft.com/office/drawing/2014/main" id="{9CECFC37-62D8-4B46-B926-BE3AD9D68D1D}"/>
+              </a:ext>
+            </a:extLst>
+          </p:cNvPr>
+          <p:cNvSpPr txBox="1"/>
+          <p:nvPr/>
+        </p:nvSpPr>
+        <p:spPr>
+          <a:xfrm>
+            <a:off x="9424568" y="4356667"/>
+            <a:ext cx="309084" cy="369332"/>
+          </a:xfrm>
+          <a:prstGeom prst="rect">
+            <a:avLst/>
+          </a:prstGeom>
+          <a:noFill/>
+        </p:spPr>
+        <p:txBody>
+          <a:bodyPr wrap="square" rtlCol="0">
+            <a:spAutoFit/>
+          </a:bodyPr>
+          <a:lstStyle/>
+          <a:p>
+            <a:r>
+              <a:rPr lang="pt-BR" dirty="0"/>
+              <a:t>0</a:t>
+            </a:r>
+          </a:p>
+        </p:txBody>
+      </p:sp>
+      <p:sp>
+        <p:nvSpPr>
+          <p:cNvPr id="48" name="Retângulo 47">
+            <a:extLst>
+              <a:ext uri="{FF2B5EF4-FFF2-40B4-BE49-F238E27FC236}">
+                <a16:creationId xmlns:a16="http://schemas.microsoft.com/office/drawing/2014/main" id="{F3D34A1C-2F0D-4DAD-A5CC-661AEDAB4ECB}"/>
+              </a:ext>
+            </a:extLst>
+          </p:cNvPr>
+          <p:cNvSpPr/>
+          <p:nvPr/>
+        </p:nvSpPr>
+        <p:spPr>
+          <a:xfrm>
+            <a:off x="5628531" y="3331119"/>
+            <a:ext cx="794276" cy="792398"/>
+          </a:xfrm>
+          <a:prstGeom prst="rect">
+            <a:avLst/>
+          </a:prstGeom>
+          <a:noFill/>
+          <a:ln w="18000">
+            <a:solidFill>
+              <a:srgbClr val="AB008B"/>
+            </a:solidFill>
+          </a:ln>
+        </p:spPr>
+        <p:style>
+          <a:lnRef idx="2">
+            <a:schemeClr val="accent1">
+              <a:shade val="50000"/>
+            </a:schemeClr>
+          </a:lnRef>
+          <a:fillRef idx="1">
+            <a:schemeClr val="accent1"/>
+          </a:fillRef>
+          <a:effectRef idx="0">
+            <a:schemeClr val="accent1"/>
+          </a:effectRef>
+          <a:fontRef idx="minor">
+            <a:schemeClr val="lt1"/>
+          </a:fontRef>
+        </p:style>
+        <p:txBody>
+          <a:bodyPr rtlCol="0" anchor="ctr"/>
+          <a:lstStyle/>
+          <a:p>
+            <a:pPr algn="ctr"/>
+            <a:endParaRPr lang="pt-BR">
+              <a:solidFill>
+                <a:srgbClr val="AB008B"/>
+              </a:solidFill>
+            </a:endParaRPr>
+          </a:p>
+        </p:txBody>
+      </p:sp>
+      <p:sp>
+        <p:nvSpPr>
+          <p:cNvPr id="49" name="Retângulo 48">
+            <a:extLst>
+              <a:ext uri="{FF2B5EF4-FFF2-40B4-BE49-F238E27FC236}">
+                <a16:creationId xmlns:a16="http://schemas.microsoft.com/office/drawing/2014/main" id="{D960480E-1272-43CF-9AB9-DC65B0B6768B}"/>
+              </a:ext>
+            </a:extLst>
+          </p:cNvPr>
+          <p:cNvSpPr/>
+          <p:nvPr/>
+        </p:nvSpPr>
+        <p:spPr>
+          <a:xfrm>
+            <a:off x="7405848" y="3331119"/>
+            <a:ext cx="794276" cy="792398"/>
+          </a:xfrm>
+          <a:prstGeom prst="rect">
+            <a:avLst/>
+          </a:prstGeom>
+          <a:noFill/>
+          <a:ln w="18000">
+            <a:solidFill>
+              <a:srgbClr val="AB008B"/>
+            </a:solidFill>
+          </a:ln>
+        </p:spPr>
+        <p:style>
+          <a:lnRef idx="2">
+            <a:schemeClr val="accent1">
+              <a:shade val="50000"/>
+            </a:schemeClr>
+          </a:lnRef>
+          <a:fillRef idx="1">
+            <a:schemeClr val="accent1"/>
+          </a:fillRef>
+          <a:effectRef idx="0">
+            <a:schemeClr val="accent1"/>
+          </a:effectRef>
+          <a:fontRef idx="minor">
+            <a:schemeClr val="lt1"/>
+          </a:fontRef>
+        </p:style>
+        <p:txBody>
+          <a:bodyPr rtlCol="0" anchor="ctr"/>
+          <a:lstStyle/>
+          <a:p>
+            <a:pPr algn="ctr"/>
+            <a:endParaRPr lang="pt-BR">
+              <a:solidFill>
+                <a:srgbClr val="AB008B"/>
+              </a:solidFill>
+            </a:endParaRPr>
+          </a:p>
+        </p:txBody>
+      </p:sp>
+    </p:spTree>
+    <p:extLst>
+      <p:ext uri="{BB962C8B-B14F-4D97-AF65-F5344CB8AC3E}">
+        <p14:creationId xmlns:p14="http://schemas.microsoft.com/office/powerpoint/2010/main" val="437501550"/>
+      </p:ext>
+    </p:extLst>
+  </p:cSld>
+  <p:clrMapOvr>
+    <a:masterClrMapping/>
+  </p:clrMapOvr>
+</p:sld>
+</file>
+
+<file path=ppt/slides/slide12.xml><?xml version="1.0" encoding="utf-8"?>
+<p:sld xmlns:a="http://schemas.openxmlformats.org/drawingml/2006/main" xmlns:r="http://schemas.openxmlformats.org/officeDocument/2006/relationships" xmlns:p="http://schemas.openxmlformats.org/presentationml/2006/main">
+  <p:cSld>
+    <p:spTree>
+      <p:nvGrpSpPr>
+        <p:cNvPr id="1" name=""/>
+        <p:cNvGrpSpPr/>
+        <p:nvPr/>
+      </p:nvGrpSpPr>
+      <p:grpSpPr>
+        <a:xfrm>
+          <a:off x="0" y="0"/>
+          <a:ext cx="0" cy="0"/>
+          <a:chOff x="0" y="0"/>
+          <a:chExt cx="0" cy="0"/>
+        </a:xfrm>
+      </p:grpSpPr>
+      <p:sp>
+        <p:nvSpPr>
+          <p:cNvPr id="2" name="Título 1">
+            <a:extLst>
+              <a:ext uri="{FF2B5EF4-FFF2-40B4-BE49-F238E27FC236}">
+                <a16:creationId xmlns:a16="http://schemas.microsoft.com/office/drawing/2014/main" id="{6D811184-239A-44CE-9921-B1A2FC5251CB}"/>
+              </a:ext>
+            </a:extLst>
+          </p:cNvPr>
+          <p:cNvSpPr>
+            <a:spLocks noGrp="1"/>
+          </p:cNvSpPr>
+          <p:nvPr>
+            <p:ph type="title"/>
+          </p:nvPr>
+        </p:nvSpPr>
+        <p:spPr>
+          <a:xfrm>
+            <a:off x="1930400" y="845653"/>
+            <a:ext cx="8610600" cy="1293028"/>
+          </a:xfrm>
+        </p:spPr>
+        <p:txBody>
+          <a:bodyPr>
+            <a:normAutofit fontScale="90000"/>
+          </a:bodyPr>
+          <a:lstStyle/>
+          <a:p>
+            <a:r>
+              <a:rPr lang="pt-BR" dirty="0"/>
+              <a:t>Meta-</a:t>
+            </a:r>
+            <a:r>
+              <a:rPr lang="pt-BR" dirty="0" err="1"/>
+              <a:t>heuristica</a:t>
+            </a:r>
+            <a:r>
+              <a:rPr lang="pt-BR" sz="4000" dirty="0"/>
+              <a:t>:</a:t>
+            </a:r>
+            <a:br>
+              <a:rPr lang="pt-BR" sz="4000" dirty="0"/>
+            </a:br>
+            <a:br>
+              <a:rPr lang="pt-BR" dirty="0"/>
+            </a:br>
+            <a:r>
+              <a:rPr lang="pt-BR" sz="2800" dirty="0" err="1"/>
+              <a:t>Simulated</a:t>
+            </a:r>
+            <a:r>
+              <a:rPr lang="pt-BR" sz="2800" dirty="0"/>
+              <a:t> </a:t>
+            </a:r>
+            <a:r>
+              <a:rPr lang="pt-BR" sz="2800" dirty="0" err="1"/>
+              <a:t>annealing</a:t>
+            </a:r>
+            <a:endParaRPr lang="pt-BR" sz="2800" dirty="0"/>
+          </a:p>
+        </p:txBody>
+      </p:sp>
+      <p:sp>
+        <p:nvSpPr>
+          <p:cNvPr id="3" name="Espaço Reservado para Conteúdo 2">
+            <a:extLst>
+              <a:ext uri="{FF2B5EF4-FFF2-40B4-BE49-F238E27FC236}">
+                <a16:creationId xmlns:a16="http://schemas.microsoft.com/office/drawing/2014/main" id="{C801B1CE-795C-4CCE-8B79-591E3815B698}"/>
+              </a:ext>
+            </a:extLst>
+          </p:cNvPr>
+          <p:cNvSpPr>
+            <a:spLocks noGrp="1"/>
+          </p:cNvSpPr>
+          <p:nvPr>
+            <p:ph idx="1"/>
+          </p:nvPr>
+        </p:nvSpPr>
+        <p:spPr>
+          <a:xfrm>
+            <a:off x="885511" y="2320206"/>
+            <a:ext cx="7071128" cy="540000"/>
+          </a:xfrm>
+        </p:spPr>
+        <p:txBody>
+          <a:bodyPr>
+            <a:normAutofit/>
+          </a:bodyPr>
+          <a:lstStyle/>
+          <a:p>
+            <a:pPr marL="0" indent="0">
+              <a:buNone/>
+            </a:pPr>
+            <a:r>
+              <a:rPr lang="pt-BR" dirty="0"/>
+              <a:t>	</a:t>
+            </a:r>
+            <a:r>
+              <a:rPr lang="pt-BR" sz="3200" dirty="0"/>
+              <a:t>Vizinhanças</a:t>
+            </a:r>
+          </a:p>
+        </p:txBody>
+      </p:sp>
+      <p:sp>
+        <p:nvSpPr>
+          <p:cNvPr id="8" name="CaixaDeTexto 7">
+            <a:extLst>
+              <a:ext uri="{FF2B5EF4-FFF2-40B4-BE49-F238E27FC236}">
+                <a16:creationId xmlns:a16="http://schemas.microsoft.com/office/drawing/2014/main" id="{47369606-71A7-4D2A-9403-98734EC8CF4E}"/>
+              </a:ext>
+            </a:extLst>
+          </p:cNvPr>
+          <p:cNvSpPr txBox="1"/>
+          <p:nvPr/>
+        </p:nvSpPr>
+        <p:spPr>
+          <a:xfrm>
+            <a:off x="1612621" y="2861730"/>
+            <a:ext cx="2976880" cy="584775"/>
+          </a:xfrm>
+          <a:prstGeom prst="rect">
+            <a:avLst/>
+          </a:prstGeom>
+          <a:noFill/>
+        </p:spPr>
+        <p:txBody>
+          <a:bodyPr wrap="square" rtlCol="0">
+            <a:spAutoFit/>
+          </a:bodyPr>
+          <a:lstStyle/>
+          <a:p>
+            <a:r>
+              <a:rPr lang="pt-BR" sz="3200" b="1" dirty="0"/>
+              <a:t>Swap</a:t>
+            </a:r>
+          </a:p>
+        </p:txBody>
+      </p:sp>
+      <p:sp>
+        <p:nvSpPr>
+          <p:cNvPr id="13" name="Elipse 12">
+            <a:extLst>
+              <a:ext uri="{FF2B5EF4-FFF2-40B4-BE49-F238E27FC236}">
+                <a16:creationId xmlns:a16="http://schemas.microsoft.com/office/drawing/2014/main" id="{785487F0-5C84-4360-A2A1-2FF74F902BDE}"/>
+              </a:ext>
+            </a:extLst>
+          </p:cNvPr>
+          <p:cNvSpPr/>
+          <p:nvPr/>
+        </p:nvSpPr>
+        <p:spPr>
+          <a:xfrm>
+            <a:off x="4892069" y="3435701"/>
+            <a:ext cx="540000" cy="540000"/>
+          </a:xfrm>
+          <a:prstGeom prst="ellipse">
+            <a:avLst/>
+          </a:prstGeom>
+          <a:solidFill>
+            <a:srgbClr val="FF4E00">
+              <a:alpha val="75000"/>
+            </a:srgbClr>
+          </a:solidFill>
+          <a:ln w="18000">
+            <a:solidFill>
+              <a:srgbClr val="FF4E00"/>
+            </a:solidFill>
+          </a:ln>
+        </p:spPr>
+        <p:style>
+          <a:lnRef idx="2">
+            <a:schemeClr val="accent1">
+              <a:shade val="50000"/>
+            </a:schemeClr>
+          </a:lnRef>
+          <a:fillRef idx="1">
+            <a:schemeClr val="accent1"/>
+          </a:fillRef>
+          <a:effectRef idx="0">
+            <a:schemeClr val="accent1"/>
+          </a:effectRef>
+          <a:fontRef idx="minor">
+            <a:schemeClr val="lt1"/>
+          </a:fontRef>
+        </p:style>
+        <p:txBody>
+          <a:bodyPr rtlCol="0" anchor="ctr"/>
+          <a:lstStyle/>
+          <a:p>
+            <a:pPr algn="ctr"/>
+            <a:endParaRPr lang="pt-BR">
+              <a:solidFill>
+                <a:srgbClr val="FF4E00"/>
+              </a:solidFill>
+            </a:endParaRPr>
+          </a:p>
+        </p:txBody>
+      </p:sp>
+      <p:sp>
+        <p:nvSpPr>
+          <p:cNvPr id="15" name="Elipse 14">
+            <a:extLst>
+              <a:ext uri="{FF2B5EF4-FFF2-40B4-BE49-F238E27FC236}">
+                <a16:creationId xmlns:a16="http://schemas.microsoft.com/office/drawing/2014/main" id="{53D3B27A-BACF-4A1C-93D4-5FFFEE49BE29}"/>
+              </a:ext>
+            </a:extLst>
+          </p:cNvPr>
+          <p:cNvSpPr/>
+          <p:nvPr/>
+        </p:nvSpPr>
+        <p:spPr>
+          <a:xfrm>
+            <a:off x="5765829" y="3435701"/>
+            <a:ext cx="540000" cy="540000"/>
+          </a:xfrm>
+          <a:prstGeom prst="ellipse">
+            <a:avLst/>
+          </a:prstGeom>
+          <a:solidFill>
+            <a:srgbClr val="FF4E00">
+              <a:alpha val="75000"/>
+            </a:srgbClr>
+          </a:solidFill>
+          <a:ln w="18000">
+            <a:solidFill>
+              <a:srgbClr val="FF4E00"/>
+            </a:solidFill>
+          </a:ln>
+        </p:spPr>
+        <p:style>
+          <a:lnRef idx="2">
+            <a:schemeClr val="accent1">
+              <a:shade val="50000"/>
+            </a:schemeClr>
+          </a:lnRef>
+          <a:fillRef idx="1">
+            <a:schemeClr val="accent1"/>
+          </a:fillRef>
+          <a:effectRef idx="0">
+            <a:schemeClr val="accent1"/>
+          </a:effectRef>
+          <a:fontRef idx="minor">
+            <a:schemeClr val="lt1"/>
+          </a:fontRef>
+        </p:style>
+        <p:txBody>
+          <a:bodyPr rtlCol="0" anchor="ctr"/>
+          <a:lstStyle/>
+          <a:p>
+            <a:pPr algn="ctr"/>
+            <a:endParaRPr lang="pt-BR">
+              <a:solidFill>
+                <a:srgbClr val="FF4E00"/>
+              </a:solidFill>
+            </a:endParaRPr>
+          </a:p>
+        </p:txBody>
+      </p:sp>
+      <p:sp>
+        <p:nvSpPr>
+          <p:cNvPr id="17" name="Elipse 16">
+            <a:extLst>
+              <a:ext uri="{FF2B5EF4-FFF2-40B4-BE49-F238E27FC236}">
+                <a16:creationId xmlns:a16="http://schemas.microsoft.com/office/drawing/2014/main" id="{9F2E3B3A-E616-42E7-9538-A98D22F3F07A}"/>
+              </a:ext>
+            </a:extLst>
+          </p:cNvPr>
+          <p:cNvSpPr/>
+          <p:nvPr/>
+        </p:nvSpPr>
+        <p:spPr>
+          <a:xfrm>
+            <a:off x="6667029" y="3435701"/>
+            <a:ext cx="540000" cy="540000"/>
+          </a:xfrm>
+          <a:prstGeom prst="ellipse">
+            <a:avLst/>
+          </a:prstGeom>
+          <a:solidFill>
+            <a:srgbClr val="FF4E00">
+              <a:alpha val="75000"/>
+            </a:srgbClr>
+          </a:solidFill>
+          <a:ln w="18000">
+            <a:solidFill>
+              <a:srgbClr val="FF4E00"/>
+            </a:solidFill>
+          </a:ln>
+        </p:spPr>
+        <p:style>
+          <a:lnRef idx="2">
+            <a:schemeClr val="accent1">
+              <a:shade val="50000"/>
+            </a:schemeClr>
+          </a:lnRef>
+          <a:fillRef idx="1">
+            <a:schemeClr val="accent1"/>
+          </a:fillRef>
+          <a:effectRef idx="0">
+            <a:schemeClr val="accent1"/>
+          </a:effectRef>
+          <a:fontRef idx="minor">
+            <a:schemeClr val="lt1"/>
+          </a:fontRef>
+        </p:style>
+        <p:txBody>
+          <a:bodyPr rtlCol="0" anchor="ctr"/>
+          <a:lstStyle/>
+          <a:p>
+            <a:pPr algn="ctr"/>
+            <a:endParaRPr lang="pt-BR">
+              <a:solidFill>
+                <a:srgbClr val="FF4E00"/>
+              </a:solidFill>
+            </a:endParaRPr>
+          </a:p>
+        </p:txBody>
+      </p:sp>
+      <p:sp>
+        <p:nvSpPr>
+          <p:cNvPr id="18" name="Elipse 17">
+            <a:extLst>
+              <a:ext uri="{FF2B5EF4-FFF2-40B4-BE49-F238E27FC236}">
+                <a16:creationId xmlns:a16="http://schemas.microsoft.com/office/drawing/2014/main" id="{AF7D96C6-F82E-4619-AC46-97C610389364}"/>
+              </a:ext>
+            </a:extLst>
+          </p:cNvPr>
+          <p:cNvSpPr/>
+          <p:nvPr/>
+        </p:nvSpPr>
+        <p:spPr>
+          <a:xfrm>
+            <a:off x="7544869" y="3435701"/>
+            <a:ext cx="540000" cy="540000"/>
+          </a:xfrm>
+          <a:prstGeom prst="ellipse">
+            <a:avLst/>
+          </a:prstGeom>
+          <a:solidFill>
+            <a:srgbClr val="FF4E00">
+              <a:alpha val="75000"/>
+            </a:srgbClr>
+          </a:solidFill>
+          <a:ln w="18000">
+            <a:solidFill>
+              <a:srgbClr val="FF4E00"/>
+            </a:solidFill>
+          </a:ln>
+        </p:spPr>
+        <p:style>
+          <a:lnRef idx="2">
+            <a:schemeClr val="accent1">
+              <a:shade val="50000"/>
+            </a:schemeClr>
+          </a:lnRef>
+          <a:fillRef idx="1">
+            <a:schemeClr val="accent1"/>
+          </a:fillRef>
+          <a:effectRef idx="0">
+            <a:schemeClr val="accent1"/>
+          </a:effectRef>
+          <a:fontRef idx="minor">
+            <a:schemeClr val="lt1"/>
+          </a:fontRef>
+        </p:style>
+        <p:txBody>
+          <a:bodyPr rtlCol="0" anchor="ctr"/>
+          <a:lstStyle/>
+          <a:p>
+            <a:pPr algn="ctr"/>
+            <a:endParaRPr lang="pt-BR">
+              <a:solidFill>
+                <a:srgbClr val="FF4E00"/>
+              </a:solidFill>
+            </a:endParaRPr>
+          </a:p>
+        </p:txBody>
+      </p:sp>
+      <p:sp>
+        <p:nvSpPr>
+          <p:cNvPr id="19" name="Elipse 18">
+            <a:extLst>
+              <a:ext uri="{FF2B5EF4-FFF2-40B4-BE49-F238E27FC236}">
+                <a16:creationId xmlns:a16="http://schemas.microsoft.com/office/drawing/2014/main" id="{96C93668-5640-4344-B5AE-E2A185314D13}"/>
+              </a:ext>
+            </a:extLst>
+          </p:cNvPr>
+          <p:cNvSpPr/>
+          <p:nvPr/>
+        </p:nvSpPr>
+        <p:spPr>
+          <a:xfrm>
+            <a:off x="8422709" y="3435701"/>
+            <a:ext cx="540000" cy="540000"/>
+          </a:xfrm>
+          <a:prstGeom prst="ellipse">
+            <a:avLst/>
+          </a:prstGeom>
+          <a:solidFill>
+            <a:srgbClr val="FF4E00">
+              <a:alpha val="75000"/>
+            </a:srgbClr>
+          </a:solidFill>
+          <a:ln w="18000">
+            <a:solidFill>
+              <a:srgbClr val="FF4E00"/>
+            </a:solidFill>
+          </a:ln>
+        </p:spPr>
+        <p:style>
+          <a:lnRef idx="2">
+            <a:schemeClr val="accent1">
+              <a:shade val="50000"/>
+            </a:schemeClr>
+          </a:lnRef>
+          <a:fillRef idx="1">
+            <a:schemeClr val="accent1"/>
+          </a:fillRef>
+          <a:effectRef idx="0">
+            <a:schemeClr val="accent1"/>
+          </a:effectRef>
+          <a:fontRef idx="minor">
+            <a:schemeClr val="lt1"/>
+          </a:fontRef>
+        </p:style>
+        <p:txBody>
+          <a:bodyPr rtlCol="0" anchor="ctr"/>
+          <a:lstStyle/>
+          <a:p>
+            <a:pPr algn="ctr"/>
+            <a:endParaRPr lang="pt-BR">
+              <a:solidFill>
+                <a:srgbClr val="FF4E00"/>
+              </a:solidFill>
+            </a:endParaRPr>
+          </a:p>
+        </p:txBody>
+      </p:sp>
+      <p:sp>
+        <p:nvSpPr>
+          <p:cNvPr id="20" name="Elipse 19">
+            <a:extLst>
+              <a:ext uri="{FF2B5EF4-FFF2-40B4-BE49-F238E27FC236}">
+                <a16:creationId xmlns:a16="http://schemas.microsoft.com/office/drawing/2014/main" id="{99B8FA62-104A-4FE0-ACE6-3530CD5A1BEB}"/>
+              </a:ext>
+            </a:extLst>
+          </p:cNvPr>
+          <p:cNvSpPr/>
+          <p:nvPr/>
+        </p:nvSpPr>
+        <p:spPr>
+          <a:xfrm>
+            <a:off x="9300549" y="3435701"/>
+            <a:ext cx="540000" cy="540000"/>
+          </a:xfrm>
+          <a:prstGeom prst="ellipse">
+            <a:avLst/>
+          </a:prstGeom>
+          <a:solidFill>
+            <a:srgbClr val="FF4E00">
+              <a:alpha val="75000"/>
+            </a:srgbClr>
+          </a:solidFill>
+          <a:ln w="18000">
+            <a:solidFill>
+              <a:srgbClr val="FF4E00"/>
+            </a:solidFill>
+          </a:ln>
+        </p:spPr>
+        <p:style>
+          <a:lnRef idx="2">
+            <a:schemeClr val="accent1">
+              <a:shade val="50000"/>
+            </a:schemeClr>
+          </a:lnRef>
+          <a:fillRef idx="1">
+            <a:schemeClr val="accent1"/>
+          </a:fillRef>
+          <a:effectRef idx="0">
+            <a:schemeClr val="accent1"/>
+          </a:effectRef>
+          <a:fontRef idx="minor">
+            <a:schemeClr val="lt1"/>
+          </a:fontRef>
+        </p:style>
+        <p:txBody>
+          <a:bodyPr rtlCol="0" anchor="ctr"/>
+          <a:lstStyle/>
+          <a:p>
+            <a:pPr algn="ctr"/>
+            <a:endParaRPr lang="pt-BR">
+              <a:solidFill>
+                <a:srgbClr val="FF4E00"/>
+              </a:solidFill>
+            </a:endParaRPr>
+          </a:p>
+        </p:txBody>
+      </p:sp>
+      <p:sp>
+        <p:nvSpPr>
+          <p:cNvPr id="23" name="CaixaDeTexto 22">
+            <a:extLst>
+              <a:ext uri="{FF2B5EF4-FFF2-40B4-BE49-F238E27FC236}">
+                <a16:creationId xmlns:a16="http://schemas.microsoft.com/office/drawing/2014/main" id="{8509AA95-C6E4-43A8-A526-B009C9D24EC3}"/>
+              </a:ext>
+            </a:extLst>
+          </p:cNvPr>
+          <p:cNvSpPr txBox="1"/>
+          <p:nvPr/>
+        </p:nvSpPr>
+        <p:spPr>
+          <a:xfrm>
+            <a:off x="5007527" y="3521035"/>
+            <a:ext cx="309084" cy="369332"/>
+          </a:xfrm>
+          <a:prstGeom prst="rect">
+            <a:avLst/>
+          </a:prstGeom>
+          <a:noFill/>
+        </p:spPr>
+        <p:txBody>
+          <a:bodyPr wrap="square" rtlCol="0">
+            <a:spAutoFit/>
+          </a:bodyPr>
+          <a:lstStyle/>
+          <a:p>
+            <a:r>
+              <a:rPr lang="pt-BR" dirty="0"/>
+              <a:t>0</a:t>
+            </a:r>
+          </a:p>
+        </p:txBody>
+      </p:sp>
+      <p:sp>
+        <p:nvSpPr>
+          <p:cNvPr id="24" name="CaixaDeTexto 23">
+            <a:extLst>
+              <a:ext uri="{FF2B5EF4-FFF2-40B4-BE49-F238E27FC236}">
+                <a16:creationId xmlns:a16="http://schemas.microsoft.com/office/drawing/2014/main" id="{FE5ABF49-0B8E-4ACE-A80F-4C9C1AE0CC25}"/>
+              </a:ext>
+            </a:extLst>
+          </p:cNvPr>
+          <p:cNvSpPr txBox="1"/>
+          <p:nvPr/>
+        </p:nvSpPr>
+        <p:spPr>
+          <a:xfrm>
+            <a:off x="5881287" y="3521035"/>
+            <a:ext cx="309084" cy="369332"/>
+          </a:xfrm>
+          <a:prstGeom prst="rect">
+            <a:avLst/>
+          </a:prstGeom>
+          <a:noFill/>
+        </p:spPr>
+        <p:txBody>
+          <a:bodyPr wrap="square" rtlCol="0">
+            <a:spAutoFit/>
+          </a:bodyPr>
+          <a:lstStyle/>
+          <a:p>
+            <a:r>
+              <a:rPr lang="pt-BR" dirty="0"/>
+              <a:t>1</a:t>
+            </a:r>
+          </a:p>
+        </p:txBody>
+      </p:sp>
+      <p:sp>
+        <p:nvSpPr>
+          <p:cNvPr id="25" name="CaixaDeTexto 24">
+            <a:extLst>
+              <a:ext uri="{FF2B5EF4-FFF2-40B4-BE49-F238E27FC236}">
+                <a16:creationId xmlns:a16="http://schemas.microsoft.com/office/drawing/2014/main" id="{C6FCC04B-B5F7-41B2-9097-4A5C4CF2D810}"/>
+              </a:ext>
+            </a:extLst>
+          </p:cNvPr>
+          <p:cNvSpPr txBox="1"/>
+          <p:nvPr/>
+        </p:nvSpPr>
+        <p:spPr>
+          <a:xfrm>
+            <a:off x="6782487" y="3521035"/>
+            <a:ext cx="309084" cy="369332"/>
+          </a:xfrm>
+          <a:prstGeom prst="rect">
+            <a:avLst/>
+          </a:prstGeom>
+          <a:noFill/>
+        </p:spPr>
+        <p:txBody>
+          <a:bodyPr wrap="square" rtlCol="0">
+            <a:spAutoFit/>
+          </a:bodyPr>
+          <a:lstStyle/>
+          <a:p>
+            <a:r>
+              <a:rPr lang="pt-BR" dirty="0"/>
+              <a:t>2</a:t>
+            </a:r>
+          </a:p>
+        </p:txBody>
+      </p:sp>
+      <p:sp>
+        <p:nvSpPr>
+          <p:cNvPr id="26" name="CaixaDeTexto 25">
+            <a:extLst>
+              <a:ext uri="{FF2B5EF4-FFF2-40B4-BE49-F238E27FC236}">
+                <a16:creationId xmlns:a16="http://schemas.microsoft.com/office/drawing/2014/main" id="{6D9D7ACA-D931-48C8-AE74-C893D0CF40EC}"/>
+              </a:ext>
+            </a:extLst>
+          </p:cNvPr>
+          <p:cNvSpPr txBox="1"/>
+          <p:nvPr/>
+        </p:nvSpPr>
+        <p:spPr>
+          <a:xfrm>
+            <a:off x="7660327" y="3521035"/>
+            <a:ext cx="309084" cy="369332"/>
+          </a:xfrm>
+          <a:prstGeom prst="rect">
+            <a:avLst/>
+          </a:prstGeom>
+          <a:noFill/>
+        </p:spPr>
+        <p:txBody>
+          <a:bodyPr wrap="square" rtlCol="0">
+            <a:spAutoFit/>
+          </a:bodyPr>
+          <a:lstStyle/>
+          <a:p>
+            <a:r>
+              <a:rPr lang="pt-BR" dirty="0"/>
+              <a:t>3</a:t>
+            </a:r>
+          </a:p>
+        </p:txBody>
+      </p:sp>
+      <p:sp>
+        <p:nvSpPr>
+          <p:cNvPr id="27" name="CaixaDeTexto 26">
+            <a:extLst>
+              <a:ext uri="{FF2B5EF4-FFF2-40B4-BE49-F238E27FC236}">
+                <a16:creationId xmlns:a16="http://schemas.microsoft.com/office/drawing/2014/main" id="{D3BDDC9A-C5C1-4A8C-BA82-5F9C49C56152}"/>
+              </a:ext>
+            </a:extLst>
+          </p:cNvPr>
+          <p:cNvSpPr txBox="1"/>
+          <p:nvPr/>
+        </p:nvSpPr>
+        <p:spPr>
+          <a:xfrm>
+            <a:off x="8538167" y="3521035"/>
+            <a:ext cx="309084" cy="369332"/>
+          </a:xfrm>
+          <a:prstGeom prst="rect">
+            <a:avLst/>
+          </a:prstGeom>
+          <a:noFill/>
+        </p:spPr>
+        <p:txBody>
+          <a:bodyPr wrap="square" rtlCol="0">
+            <a:spAutoFit/>
+          </a:bodyPr>
+          <a:lstStyle/>
+          <a:p>
+            <a:r>
+              <a:rPr lang="pt-BR" dirty="0"/>
+              <a:t>4</a:t>
+            </a:r>
+          </a:p>
+        </p:txBody>
+      </p:sp>
+      <p:sp>
+        <p:nvSpPr>
+          <p:cNvPr id="28" name="CaixaDeTexto 27">
+            <a:extLst>
+              <a:ext uri="{FF2B5EF4-FFF2-40B4-BE49-F238E27FC236}">
+                <a16:creationId xmlns:a16="http://schemas.microsoft.com/office/drawing/2014/main" id="{9DD02DE4-DE23-4F40-857D-C4439FCD9DCF}"/>
+              </a:ext>
+            </a:extLst>
+          </p:cNvPr>
+          <p:cNvSpPr txBox="1"/>
+          <p:nvPr/>
+        </p:nvSpPr>
+        <p:spPr>
+          <a:xfrm>
+            <a:off x="9424568" y="3521035"/>
+            <a:ext cx="309084" cy="369332"/>
+          </a:xfrm>
+          <a:prstGeom prst="rect">
+            <a:avLst/>
+          </a:prstGeom>
+          <a:noFill/>
+        </p:spPr>
+        <p:txBody>
+          <a:bodyPr wrap="square" rtlCol="0">
+            <a:spAutoFit/>
+          </a:bodyPr>
+          <a:lstStyle/>
+          <a:p>
+            <a:r>
+              <a:rPr lang="pt-BR" dirty="0"/>
+              <a:t>0</a:t>
+            </a:r>
+          </a:p>
+        </p:txBody>
+      </p:sp>
+      <p:sp>
+        <p:nvSpPr>
+          <p:cNvPr id="29" name="CaixaDeTexto 28">
+            <a:extLst>
+              <a:ext uri="{FF2B5EF4-FFF2-40B4-BE49-F238E27FC236}">
+                <a16:creationId xmlns:a16="http://schemas.microsoft.com/office/drawing/2014/main" id="{A0596966-7710-43AF-A26D-4B87970DF133}"/>
+              </a:ext>
+            </a:extLst>
+          </p:cNvPr>
+          <p:cNvSpPr txBox="1"/>
+          <p:nvPr/>
+        </p:nvSpPr>
+        <p:spPr>
+          <a:xfrm>
+            <a:off x="1741651" y="3516550"/>
+            <a:ext cx="2506701" cy="461665"/>
+          </a:xfrm>
+          <a:prstGeom prst="rect">
+            <a:avLst/>
+          </a:prstGeom>
+          <a:noFill/>
+        </p:spPr>
+        <p:txBody>
+          <a:bodyPr wrap="square" rtlCol="0">
+            <a:spAutoFit/>
+          </a:bodyPr>
+          <a:lstStyle/>
+          <a:p>
+            <a:r>
+              <a:rPr lang="pt-BR" sz="2400" dirty="0"/>
+              <a:t>Solução Base: </a:t>
+            </a:r>
+          </a:p>
+        </p:txBody>
+      </p:sp>
+      <p:sp>
+        <p:nvSpPr>
+          <p:cNvPr id="4" name="CaixaDeTexto 3">
+            <a:extLst>
+              <a:ext uri="{FF2B5EF4-FFF2-40B4-BE49-F238E27FC236}">
+                <a16:creationId xmlns:a16="http://schemas.microsoft.com/office/drawing/2014/main" id="{9056A89E-C2B2-4F4C-AC1E-D420C8B8002F}"/>
+              </a:ext>
+            </a:extLst>
+          </p:cNvPr>
+          <p:cNvSpPr txBox="1"/>
+          <p:nvPr/>
+        </p:nvSpPr>
+        <p:spPr>
+          <a:xfrm>
+            <a:off x="1916318" y="4305373"/>
+            <a:ext cx="2415261" cy="369332"/>
+          </a:xfrm>
+          <a:prstGeom prst="rect">
+            <a:avLst/>
+          </a:prstGeom>
+          <a:noFill/>
+        </p:spPr>
+        <p:txBody>
+          <a:bodyPr wrap="square" rtlCol="0">
+            <a:spAutoFit/>
+          </a:bodyPr>
+          <a:lstStyle/>
+          <a:p>
+            <a:r>
+              <a:rPr lang="pt-BR" dirty="0"/>
+              <a:t>Primeira</a:t>
+            </a:r>
+          </a:p>
+        </p:txBody>
+      </p:sp>
+      <p:sp>
+        <p:nvSpPr>
+          <p:cNvPr id="5" name="CaixaDeTexto 4">
+            <a:extLst>
+              <a:ext uri="{FF2B5EF4-FFF2-40B4-BE49-F238E27FC236}">
+                <a16:creationId xmlns:a16="http://schemas.microsoft.com/office/drawing/2014/main" id="{55EF30B9-403F-4062-BDD3-6B83352B494F}"/>
+              </a:ext>
+            </a:extLst>
+          </p:cNvPr>
+          <p:cNvSpPr txBox="1"/>
+          <p:nvPr/>
+        </p:nvSpPr>
+        <p:spPr>
+          <a:xfrm>
+            <a:off x="1930400" y="5164962"/>
+            <a:ext cx="1204176" cy="369332"/>
+          </a:xfrm>
+          <a:prstGeom prst="rect">
+            <a:avLst/>
+          </a:prstGeom>
+          <a:noFill/>
+        </p:spPr>
+        <p:txBody>
+          <a:bodyPr wrap="none" rtlCol="0">
+            <a:spAutoFit/>
+          </a:bodyPr>
+          <a:lstStyle/>
+          <a:p>
+            <a:r>
+              <a:rPr lang="pt-BR" dirty="0"/>
+              <a:t>Segunda</a:t>
+            </a:r>
+          </a:p>
+        </p:txBody>
+      </p:sp>
+      <p:sp>
+        <p:nvSpPr>
+          <p:cNvPr id="47" name="Elipse 46">
+            <a:extLst>
+              <a:ext uri="{FF2B5EF4-FFF2-40B4-BE49-F238E27FC236}">
+                <a16:creationId xmlns:a16="http://schemas.microsoft.com/office/drawing/2014/main" id="{C16C15BB-E9D0-4C68-AE17-D36F852D0164}"/>
+              </a:ext>
+            </a:extLst>
+          </p:cNvPr>
+          <p:cNvSpPr/>
+          <p:nvPr/>
+        </p:nvSpPr>
+        <p:spPr>
+          <a:xfrm>
+            <a:off x="4892069" y="5927013"/>
+            <a:ext cx="540000" cy="540000"/>
+          </a:xfrm>
+          <a:prstGeom prst="ellipse">
+            <a:avLst/>
+          </a:prstGeom>
+          <a:solidFill>
+            <a:srgbClr val="FFC000"/>
+          </a:solidFill>
+          <a:ln w="18000">
+            <a:solidFill>
+              <a:srgbClr val="FFC000"/>
+            </a:solidFill>
+          </a:ln>
+        </p:spPr>
+        <p:style>
+          <a:lnRef idx="2">
+            <a:schemeClr val="accent1">
+              <a:shade val="50000"/>
+            </a:schemeClr>
+          </a:lnRef>
+          <a:fillRef idx="1">
+            <a:schemeClr val="accent1"/>
+          </a:fillRef>
+          <a:effectRef idx="0">
+            <a:schemeClr val="accent1"/>
+          </a:effectRef>
+          <a:fontRef idx="minor">
+            <a:schemeClr val="lt1"/>
+          </a:fontRef>
+        </p:style>
+        <p:txBody>
+          <a:bodyPr rtlCol="0" anchor="ctr"/>
+          <a:lstStyle/>
+          <a:p>
+            <a:pPr algn="ctr"/>
+            <a:endParaRPr lang="pt-BR">
+              <a:solidFill>
+                <a:srgbClr val="FF4E00"/>
+              </a:solidFill>
+            </a:endParaRPr>
+          </a:p>
+        </p:txBody>
+      </p:sp>
+      <p:sp>
+        <p:nvSpPr>
+          <p:cNvPr id="48" name="Elipse 47">
+            <a:extLst>
+              <a:ext uri="{FF2B5EF4-FFF2-40B4-BE49-F238E27FC236}">
+                <a16:creationId xmlns:a16="http://schemas.microsoft.com/office/drawing/2014/main" id="{659447E6-16A2-4F78-94D7-517288845CCE}"/>
+              </a:ext>
+            </a:extLst>
+          </p:cNvPr>
+          <p:cNvSpPr/>
+          <p:nvPr/>
+        </p:nvSpPr>
+        <p:spPr>
+          <a:xfrm>
+            <a:off x="5765829" y="5927013"/>
+            <a:ext cx="540000" cy="540000"/>
+          </a:xfrm>
+          <a:prstGeom prst="ellipse">
+            <a:avLst/>
+          </a:prstGeom>
+          <a:solidFill>
+            <a:srgbClr val="FFC000"/>
+          </a:solidFill>
+          <a:ln w="18000">
+            <a:solidFill>
+              <a:srgbClr val="FFC000"/>
+            </a:solidFill>
+          </a:ln>
+        </p:spPr>
+        <p:style>
+          <a:lnRef idx="2">
+            <a:schemeClr val="accent1">
+              <a:shade val="50000"/>
+            </a:schemeClr>
+          </a:lnRef>
+          <a:fillRef idx="1">
+            <a:schemeClr val="accent1"/>
+          </a:fillRef>
+          <a:effectRef idx="0">
+            <a:schemeClr val="accent1"/>
+          </a:effectRef>
+          <a:fontRef idx="minor">
+            <a:schemeClr val="lt1"/>
+          </a:fontRef>
+        </p:style>
+        <p:txBody>
+          <a:bodyPr rtlCol="0" anchor="ctr"/>
+          <a:lstStyle/>
+          <a:p>
+            <a:pPr algn="ctr"/>
+            <a:endParaRPr lang="pt-BR">
+              <a:solidFill>
+                <a:srgbClr val="FF4E00"/>
+              </a:solidFill>
+            </a:endParaRPr>
+          </a:p>
+        </p:txBody>
+      </p:sp>
+      <p:sp>
+        <p:nvSpPr>
+          <p:cNvPr id="49" name="Elipse 48">
+            <a:extLst>
+              <a:ext uri="{FF2B5EF4-FFF2-40B4-BE49-F238E27FC236}">
+                <a16:creationId xmlns:a16="http://schemas.microsoft.com/office/drawing/2014/main" id="{8095BA96-3BF2-4795-9904-D3172017F900}"/>
+              </a:ext>
+            </a:extLst>
+          </p:cNvPr>
+          <p:cNvSpPr/>
+          <p:nvPr/>
+        </p:nvSpPr>
+        <p:spPr>
+          <a:xfrm>
+            <a:off x="6667029" y="5927013"/>
+            <a:ext cx="540000" cy="540000"/>
+          </a:xfrm>
+          <a:prstGeom prst="ellipse">
+            <a:avLst/>
+          </a:prstGeom>
+          <a:solidFill>
+            <a:srgbClr val="FFC000"/>
+          </a:solidFill>
+          <a:ln w="18000">
+            <a:solidFill>
+              <a:srgbClr val="FFC000"/>
+            </a:solidFill>
+          </a:ln>
+        </p:spPr>
+        <p:style>
+          <a:lnRef idx="2">
+            <a:schemeClr val="accent1">
+              <a:shade val="50000"/>
+            </a:schemeClr>
+          </a:lnRef>
+          <a:fillRef idx="1">
+            <a:schemeClr val="accent1"/>
+          </a:fillRef>
+          <a:effectRef idx="0">
+            <a:schemeClr val="accent1"/>
+          </a:effectRef>
+          <a:fontRef idx="minor">
+            <a:schemeClr val="lt1"/>
+          </a:fontRef>
+        </p:style>
+        <p:txBody>
+          <a:bodyPr rtlCol="0" anchor="ctr"/>
+          <a:lstStyle/>
+          <a:p>
+            <a:pPr algn="ctr"/>
+            <a:endParaRPr lang="pt-BR">
+              <a:solidFill>
+                <a:srgbClr val="FF4E00"/>
+              </a:solidFill>
+            </a:endParaRPr>
+          </a:p>
+        </p:txBody>
+      </p:sp>
+      <p:sp>
+        <p:nvSpPr>
+          <p:cNvPr id="50" name="Elipse 49">
+            <a:extLst>
+              <a:ext uri="{FF2B5EF4-FFF2-40B4-BE49-F238E27FC236}">
+                <a16:creationId xmlns:a16="http://schemas.microsoft.com/office/drawing/2014/main" id="{0444A613-4817-4C61-8F5D-10A1D03B4E1B}"/>
+              </a:ext>
+            </a:extLst>
+          </p:cNvPr>
+          <p:cNvSpPr/>
+          <p:nvPr/>
+        </p:nvSpPr>
+        <p:spPr>
+          <a:xfrm>
+            <a:off x="7544869" y="5927013"/>
+            <a:ext cx="540000" cy="540000"/>
+          </a:xfrm>
+          <a:prstGeom prst="ellipse">
+            <a:avLst/>
+          </a:prstGeom>
+          <a:solidFill>
+            <a:srgbClr val="FFC000"/>
+          </a:solidFill>
+          <a:ln w="18000">
+            <a:solidFill>
+              <a:srgbClr val="FFC000"/>
+            </a:solidFill>
+          </a:ln>
+        </p:spPr>
+        <p:style>
+          <a:lnRef idx="2">
+            <a:schemeClr val="accent1">
+              <a:shade val="50000"/>
+            </a:schemeClr>
+          </a:lnRef>
+          <a:fillRef idx="1">
+            <a:schemeClr val="accent1"/>
+          </a:fillRef>
+          <a:effectRef idx="0">
+            <a:schemeClr val="accent1"/>
+          </a:effectRef>
+          <a:fontRef idx="minor">
+            <a:schemeClr val="lt1"/>
+          </a:fontRef>
+        </p:style>
+        <p:txBody>
+          <a:bodyPr rtlCol="0" anchor="ctr"/>
+          <a:lstStyle/>
+          <a:p>
+            <a:pPr algn="ctr"/>
+            <a:endParaRPr lang="pt-BR">
+              <a:solidFill>
+                <a:srgbClr val="FF4E00"/>
+              </a:solidFill>
+            </a:endParaRPr>
+          </a:p>
+        </p:txBody>
+      </p:sp>
+      <p:sp>
+        <p:nvSpPr>
+          <p:cNvPr id="51" name="Elipse 50">
+            <a:extLst>
+              <a:ext uri="{FF2B5EF4-FFF2-40B4-BE49-F238E27FC236}">
+                <a16:creationId xmlns:a16="http://schemas.microsoft.com/office/drawing/2014/main" id="{80E3C8FE-21B2-4DF9-A12C-4D305DF94D82}"/>
+              </a:ext>
+            </a:extLst>
+          </p:cNvPr>
+          <p:cNvSpPr/>
+          <p:nvPr/>
+        </p:nvSpPr>
+        <p:spPr>
+          <a:xfrm>
+            <a:off x="8422709" y="5927013"/>
+            <a:ext cx="540000" cy="540000"/>
+          </a:xfrm>
+          <a:prstGeom prst="ellipse">
+            <a:avLst/>
+          </a:prstGeom>
+          <a:solidFill>
+            <a:srgbClr val="FFC000"/>
+          </a:solidFill>
+          <a:ln w="18000">
+            <a:solidFill>
+              <a:srgbClr val="FFC000"/>
+            </a:solidFill>
+          </a:ln>
+        </p:spPr>
+        <p:style>
+          <a:lnRef idx="2">
+            <a:schemeClr val="accent1">
+              <a:shade val="50000"/>
+            </a:schemeClr>
+          </a:lnRef>
+          <a:fillRef idx="1">
+            <a:schemeClr val="accent1"/>
+          </a:fillRef>
+          <a:effectRef idx="0">
+            <a:schemeClr val="accent1"/>
+          </a:effectRef>
+          <a:fontRef idx="minor">
+            <a:schemeClr val="lt1"/>
+          </a:fontRef>
+        </p:style>
+        <p:txBody>
+          <a:bodyPr rtlCol="0" anchor="ctr"/>
+          <a:lstStyle/>
+          <a:p>
+            <a:pPr algn="ctr"/>
+            <a:endParaRPr lang="pt-BR">
+              <a:solidFill>
+                <a:srgbClr val="FF4E00"/>
+              </a:solidFill>
+            </a:endParaRPr>
+          </a:p>
+        </p:txBody>
+      </p:sp>
+      <p:sp>
+        <p:nvSpPr>
+          <p:cNvPr id="64" name="Elipse 63">
+            <a:extLst>
+              <a:ext uri="{FF2B5EF4-FFF2-40B4-BE49-F238E27FC236}">
+                <a16:creationId xmlns:a16="http://schemas.microsoft.com/office/drawing/2014/main" id="{469BFDC4-9E5F-4339-9462-49A9E7B2FE0A}"/>
+              </a:ext>
+            </a:extLst>
+          </p:cNvPr>
+          <p:cNvSpPr/>
+          <p:nvPr/>
+        </p:nvSpPr>
+        <p:spPr>
+          <a:xfrm>
+            <a:off x="9300549" y="5927013"/>
+            <a:ext cx="540000" cy="540000"/>
+          </a:xfrm>
+          <a:prstGeom prst="ellipse">
+            <a:avLst/>
+          </a:prstGeom>
+          <a:solidFill>
+            <a:srgbClr val="FFC000"/>
+          </a:solidFill>
+          <a:ln w="18000">
+            <a:solidFill>
+              <a:srgbClr val="FFC000"/>
+            </a:solidFill>
+          </a:ln>
+        </p:spPr>
+        <p:style>
+          <a:lnRef idx="2">
+            <a:schemeClr val="accent1">
+              <a:shade val="50000"/>
+            </a:schemeClr>
+          </a:lnRef>
+          <a:fillRef idx="1">
+            <a:schemeClr val="accent1"/>
+          </a:fillRef>
+          <a:effectRef idx="0">
+            <a:schemeClr val="accent1"/>
+          </a:effectRef>
+          <a:fontRef idx="minor">
+            <a:schemeClr val="lt1"/>
+          </a:fontRef>
+        </p:style>
+        <p:txBody>
+          <a:bodyPr rtlCol="0" anchor="ctr"/>
+          <a:lstStyle/>
+          <a:p>
+            <a:pPr algn="ctr"/>
+            <a:endParaRPr lang="pt-BR">
+              <a:solidFill>
+                <a:srgbClr val="FF4E00"/>
+              </a:solidFill>
+            </a:endParaRPr>
+          </a:p>
+        </p:txBody>
+      </p:sp>
+      <p:sp>
+        <p:nvSpPr>
+          <p:cNvPr id="65" name="CaixaDeTexto 64">
+            <a:extLst>
+              <a:ext uri="{FF2B5EF4-FFF2-40B4-BE49-F238E27FC236}">
+                <a16:creationId xmlns:a16="http://schemas.microsoft.com/office/drawing/2014/main" id="{16B0134C-81F5-4552-94D8-9FD16E28E4CF}"/>
+              </a:ext>
+            </a:extLst>
+          </p:cNvPr>
+          <p:cNvSpPr txBox="1"/>
+          <p:nvPr/>
+        </p:nvSpPr>
+        <p:spPr>
+          <a:xfrm>
+            <a:off x="5007527" y="6012347"/>
+            <a:ext cx="309084" cy="369332"/>
+          </a:xfrm>
+          <a:prstGeom prst="rect">
+            <a:avLst/>
+          </a:prstGeom>
+          <a:solidFill>
+            <a:srgbClr val="FFC000"/>
+          </a:solidFill>
+          <a:ln>
+            <a:solidFill>
+              <a:srgbClr val="FFC000"/>
+            </a:solidFill>
+          </a:ln>
+        </p:spPr>
+        <p:txBody>
+          <a:bodyPr wrap="square" rtlCol="0">
+            <a:spAutoFit/>
+          </a:bodyPr>
+          <a:lstStyle/>
+          <a:p>
+            <a:r>
+              <a:rPr lang="pt-BR" dirty="0"/>
+              <a:t>0</a:t>
+            </a:r>
+          </a:p>
+        </p:txBody>
+      </p:sp>
+      <p:sp>
+        <p:nvSpPr>
+          <p:cNvPr id="66" name="CaixaDeTexto 65">
+            <a:extLst>
+              <a:ext uri="{FF2B5EF4-FFF2-40B4-BE49-F238E27FC236}">
+                <a16:creationId xmlns:a16="http://schemas.microsoft.com/office/drawing/2014/main" id="{E62CED31-085E-45F4-8EBB-C68D98ABE80C}"/>
+              </a:ext>
+            </a:extLst>
+          </p:cNvPr>
+          <p:cNvSpPr txBox="1"/>
+          <p:nvPr/>
+        </p:nvSpPr>
+        <p:spPr>
+          <a:xfrm>
+            <a:off x="5881287" y="6012347"/>
+            <a:ext cx="309084" cy="369332"/>
+          </a:xfrm>
+          <a:prstGeom prst="rect">
+            <a:avLst/>
+          </a:prstGeom>
+          <a:solidFill>
+            <a:srgbClr val="FFC000"/>
+          </a:solidFill>
+          <a:ln>
+            <a:solidFill>
+              <a:srgbClr val="FFC000"/>
+            </a:solidFill>
+          </a:ln>
+        </p:spPr>
+        <p:txBody>
+          <a:bodyPr wrap="square" rtlCol="0">
+            <a:spAutoFit/>
+          </a:bodyPr>
+          <a:lstStyle/>
+          <a:p>
+            <a:r>
+              <a:rPr lang="pt-BR" dirty="0"/>
+              <a:t>4</a:t>
+            </a:r>
+          </a:p>
+        </p:txBody>
+      </p:sp>
+      <p:sp>
+        <p:nvSpPr>
+          <p:cNvPr id="67" name="CaixaDeTexto 66">
+            <a:extLst>
+              <a:ext uri="{FF2B5EF4-FFF2-40B4-BE49-F238E27FC236}">
+                <a16:creationId xmlns:a16="http://schemas.microsoft.com/office/drawing/2014/main" id="{EB97FE58-86D1-479C-AFCD-4BED8EA0A27B}"/>
+              </a:ext>
+            </a:extLst>
+          </p:cNvPr>
+          <p:cNvSpPr txBox="1"/>
+          <p:nvPr/>
+        </p:nvSpPr>
+        <p:spPr>
+          <a:xfrm>
+            <a:off x="6792647" y="6012347"/>
+            <a:ext cx="309084" cy="369332"/>
+          </a:xfrm>
+          <a:prstGeom prst="rect">
+            <a:avLst/>
+          </a:prstGeom>
+          <a:solidFill>
+            <a:srgbClr val="FFC000"/>
+          </a:solidFill>
+          <a:ln>
+            <a:solidFill>
+              <a:srgbClr val="FFC000"/>
+            </a:solidFill>
+          </a:ln>
+        </p:spPr>
+        <p:txBody>
+          <a:bodyPr wrap="square" rtlCol="0">
+            <a:spAutoFit/>
+          </a:bodyPr>
+          <a:lstStyle/>
+          <a:p>
+            <a:r>
+              <a:rPr lang="pt-BR" dirty="0"/>
+              <a:t>2</a:t>
+            </a:r>
+          </a:p>
+        </p:txBody>
+      </p:sp>
+      <p:sp>
+        <p:nvSpPr>
+          <p:cNvPr id="68" name="CaixaDeTexto 67">
+            <a:extLst>
+              <a:ext uri="{FF2B5EF4-FFF2-40B4-BE49-F238E27FC236}">
+                <a16:creationId xmlns:a16="http://schemas.microsoft.com/office/drawing/2014/main" id="{1E31DBB6-71EF-4DCA-9771-0BC746EF94E3}"/>
+              </a:ext>
+            </a:extLst>
+          </p:cNvPr>
+          <p:cNvSpPr txBox="1"/>
+          <p:nvPr/>
+        </p:nvSpPr>
+        <p:spPr>
+          <a:xfrm>
+            <a:off x="7660327" y="6012347"/>
+            <a:ext cx="309084" cy="369332"/>
+          </a:xfrm>
+          <a:prstGeom prst="rect">
+            <a:avLst/>
+          </a:prstGeom>
+          <a:solidFill>
+            <a:srgbClr val="FFC000"/>
+          </a:solidFill>
+          <a:ln>
+            <a:solidFill>
+              <a:srgbClr val="FFC000"/>
+            </a:solidFill>
+          </a:ln>
+        </p:spPr>
+        <p:txBody>
+          <a:bodyPr wrap="square" rtlCol="0">
+            <a:spAutoFit/>
+          </a:bodyPr>
+          <a:lstStyle/>
+          <a:p>
+            <a:r>
+              <a:rPr lang="pt-BR" dirty="0"/>
+              <a:t>3</a:t>
+            </a:r>
+          </a:p>
+        </p:txBody>
+      </p:sp>
+      <p:sp>
+        <p:nvSpPr>
+          <p:cNvPr id="69" name="CaixaDeTexto 68">
+            <a:extLst>
+              <a:ext uri="{FF2B5EF4-FFF2-40B4-BE49-F238E27FC236}">
+                <a16:creationId xmlns:a16="http://schemas.microsoft.com/office/drawing/2014/main" id="{4B2BEF60-6519-47AD-926A-15C7C820AD64}"/>
+              </a:ext>
+            </a:extLst>
+          </p:cNvPr>
+          <p:cNvSpPr txBox="1"/>
+          <p:nvPr/>
+        </p:nvSpPr>
+        <p:spPr>
+          <a:xfrm>
+            <a:off x="8538167" y="6012347"/>
+            <a:ext cx="309084" cy="369332"/>
+          </a:xfrm>
+          <a:prstGeom prst="rect">
+            <a:avLst/>
+          </a:prstGeom>
+          <a:solidFill>
+            <a:srgbClr val="FFC000"/>
+          </a:solidFill>
+          <a:ln>
+            <a:solidFill>
+              <a:srgbClr val="FFC000"/>
+            </a:solidFill>
+          </a:ln>
+        </p:spPr>
+        <p:txBody>
+          <a:bodyPr wrap="square" rtlCol="0">
+            <a:spAutoFit/>
+          </a:bodyPr>
+          <a:lstStyle/>
+          <a:p>
+            <a:r>
+              <a:rPr lang="pt-BR" dirty="0"/>
+              <a:t>1</a:t>
+            </a:r>
+          </a:p>
+        </p:txBody>
+      </p:sp>
+      <p:sp>
+        <p:nvSpPr>
+          <p:cNvPr id="70" name="CaixaDeTexto 69">
+            <a:extLst>
+              <a:ext uri="{FF2B5EF4-FFF2-40B4-BE49-F238E27FC236}">
+                <a16:creationId xmlns:a16="http://schemas.microsoft.com/office/drawing/2014/main" id="{80167E08-ECD3-4E7D-A640-10DEBFBD6DD4}"/>
+              </a:ext>
+            </a:extLst>
+          </p:cNvPr>
+          <p:cNvSpPr txBox="1"/>
+          <p:nvPr/>
+        </p:nvSpPr>
+        <p:spPr>
+          <a:xfrm>
+            <a:off x="9424568" y="6012347"/>
+            <a:ext cx="309084" cy="369332"/>
+          </a:xfrm>
+          <a:prstGeom prst="rect">
+            <a:avLst/>
+          </a:prstGeom>
+          <a:solidFill>
+            <a:srgbClr val="FFC000"/>
+          </a:solidFill>
+          <a:ln>
+            <a:solidFill>
+              <a:srgbClr val="FFC000"/>
+            </a:solidFill>
+          </a:ln>
+        </p:spPr>
+        <p:txBody>
+          <a:bodyPr wrap="square" rtlCol="0">
+            <a:spAutoFit/>
+          </a:bodyPr>
+          <a:lstStyle/>
+          <a:p>
+            <a:r>
+              <a:rPr lang="pt-BR" dirty="0"/>
+              <a:t>0</a:t>
+            </a:r>
+          </a:p>
+        </p:txBody>
+      </p:sp>
+      <p:sp>
+        <p:nvSpPr>
+          <p:cNvPr id="71" name="CaixaDeTexto 70">
+            <a:extLst>
+              <a:ext uri="{FF2B5EF4-FFF2-40B4-BE49-F238E27FC236}">
+                <a16:creationId xmlns:a16="http://schemas.microsoft.com/office/drawing/2014/main" id="{9BEDA818-6AF4-4692-816E-AC331BA970E5}"/>
+              </a:ext>
+            </a:extLst>
+          </p:cNvPr>
+          <p:cNvSpPr txBox="1"/>
+          <p:nvPr/>
+        </p:nvSpPr>
+        <p:spPr>
+          <a:xfrm>
+            <a:off x="1930400" y="5927013"/>
+            <a:ext cx="1074333" cy="369332"/>
+          </a:xfrm>
+          <a:prstGeom prst="rect">
+            <a:avLst/>
+          </a:prstGeom>
+          <a:noFill/>
+        </p:spPr>
+        <p:txBody>
+          <a:bodyPr wrap="none" rtlCol="0">
+            <a:spAutoFit/>
+          </a:bodyPr>
+          <a:lstStyle/>
+          <a:p>
+            <a:r>
+              <a:rPr lang="pt-BR" dirty="0"/>
+              <a:t>Terceira</a:t>
+            </a:r>
+          </a:p>
+        </p:txBody>
+      </p:sp>
+      <p:sp>
+        <p:nvSpPr>
+          <p:cNvPr id="72" name="Elipse 71">
+            <a:extLst>
+              <a:ext uri="{FF2B5EF4-FFF2-40B4-BE49-F238E27FC236}">
+                <a16:creationId xmlns:a16="http://schemas.microsoft.com/office/drawing/2014/main" id="{CD2C49E9-69D9-4ED0-A70E-7CC166FCB7A5}"/>
+              </a:ext>
+            </a:extLst>
+          </p:cNvPr>
+          <p:cNvSpPr/>
+          <p:nvPr/>
+        </p:nvSpPr>
+        <p:spPr>
+          <a:xfrm>
+            <a:off x="4892069" y="5076485"/>
+            <a:ext cx="540000" cy="540000"/>
+          </a:xfrm>
+          <a:prstGeom prst="ellipse">
+            <a:avLst/>
+          </a:prstGeom>
+          <a:solidFill>
+            <a:srgbClr val="00B0F0"/>
+          </a:solidFill>
+          <a:ln w="18000">
+            <a:solidFill>
+              <a:srgbClr val="00B0F0"/>
+            </a:solidFill>
+          </a:ln>
+        </p:spPr>
+        <p:style>
+          <a:lnRef idx="2">
+            <a:schemeClr val="accent1">
+              <a:shade val="50000"/>
+            </a:schemeClr>
+          </a:lnRef>
+          <a:fillRef idx="1">
+            <a:schemeClr val="accent1"/>
+          </a:fillRef>
+          <a:effectRef idx="0">
+            <a:schemeClr val="accent1"/>
+          </a:effectRef>
+          <a:fontRef idx="minor">
+            <a:schemeClr val="lt1"/>
+          </a:fontRef>
+        </p:style>
+        <p:txBody>
+          <a:bodyPr rtlCol="0" anchor="ctr"/>
+          <a:lstStyle/>
+          <a:p>
+            <a:pPr algn="ctr"/>
+            <a:endParaRPr lang="pt-BR">
+              <a:solidFill>
+                <a:srgbClr val="FF4E00"/>
+              </a:solidFill>
+            </a:endParaRPr>
+          </a:p>
+        </p:txBody>
+      </p:sp>
+      <p:sp>
+        <p:nvSpPr>
+          <p:cNvPr id="73" name="Elipse 72">
+            <a:extLst>
+              <a:ext uri="{FF2B5EF4-FFF2-40B4-BE49-F238E27FC236}">
+                <a16:creationId xmlns:a16="http://schemas.microsoft.com/office/drawing/2014/main" id="{B0A2D2E9-B0DC-419F-A995-A9415933E940}"/>
+              </a:ext>
+            </a:extLst>
+          </p:cNvPr>
+          <p:cNvSpPr/>
+          <p:nvPr/>
+        </p:nvSpPr>
+        <p:spPr>
+          <a:xfrm>
+            <a:off x="5765829" y="5076485"/>
+            <a:ext cx="540000" cy="540000"/>
+          </a:xfrm>
+          <a:prstGeom prst="ellipse">
+            <a:avLst/>
+          </a:prstGeom>
+          <a:solidFill>
+            <a:srgbClr val="00B0F0"/>
+          </a:solidFill>
+          <a:ln w="18000">
+            <a:solidFill>
+              <a:srgbClr val="00B0F0"/>
+            </a:solidFill>
+          </a:ln>
+        </p:spPr>
+        <p:style>
+          <a:lnRef idx="2">
+            <a:schemeClr val="accent1">
+              <a:shade val="50000"/>
+            </a:schemeClr>
+          </a:lnRef>
+          <a:fillRef idx="1">
+            <a:schemeClr val="accent1"/>
+          </a:fillRef>
+          <a:effectRef idx="0">
+            <a:schemeClr val="accent1"/>
+          </a:effectRef>
+          <a:fontRef idx="minor">
+            <a:schemeClr val="lt1"/>
+          </a:fontRef>
+        </p:style>
+        <p:txBody>
+          <a:bodyPr rtlCol="0" anchor="ctr"/>
+          <a:lstStyle/>
+          <a:p>
+            <a:pPr algn="ctr"/>
+            <a:endParaRPr lang="pt-BR">
+              <a:solidFill>
+                <a:srgbClr val="FF4E00"/>
+              </a:solidFill>
+            </a:endParaRPr>
+          </a:p>
+        </p:txBody>
+      </p:sp>
+      <p:sp>
+        <p:nvSpPr>
+          <p:cNvPr id="74" name="Elipse 73">
+            <a:extLst>
+              <a:ext uri="{FF2B5EF4-FFF2-40B4-BE49-F238E27FC236}">
+                <a16:creationId xmlns:a16="http://schemas.microsoft.com/office/drawing/2014/main" id="{60D7AA30-5E6D-4939-B607-7F166B518C79}"/>
+              </a:ext>
+            </a:extLst>
+          </p:cNvPr>
+          <p:cNvSpPr/>
+          <p:nvPr/>
+        </p:nvSpPr>
+        <p:spPr>
+          <a:xfrm>
+            <a:off x="6667029" y="5076485"/>
+            <a:ext cx="540000" cy="540000"/>
+          </a:xfrm>
+          <a:prstGeom prst="ellipse">
+            <a:avLst/>
+          </a:prstGeom>
+          <a:solidFill>
+            <a:srgbClr val="00B0F0"/>
+          </a:solidFill>
+          <a:ln w="18000">
+            <a:solidFill>
+              <a:srgbClr val="00B0F0"/>
+            </a:solidFill>
+          </a:ln>
+        </p:spPr>
+        <p:style>
+          <a:lnRef idx="2">
+            <a:schemeClr val="accent1">
+              <a:shade val="50000"/>
+            </a:schemeClr>
+          </a:lnRef>
+          <a:fillRef idx="1">
+            <a:schemeClr val="accent1"/>
+          </a:fillRef>
+          <a:effectRef idx="0">
+            <a:schemeClr val="accent1"/>
+          </a:effectRef>
+          <a:fontRef idx="minor">
+            <a:schemeClr val="lt1"/>
+          </a:fontRef>
+        </p:style>
+        <p:txBody>
+          <a:bodyPr rtlCol="0" anchor="ctr"/>
+          <a:lstStyle/>
+          <a:p>
+            <a:pPr algn="ctr"/>
+            <a:endParaRPr lang="pt-BR">
+              <a:solidFill>
+                <a:srgbClr val="FF4E00"/>
+              </a:solidFill>
+            </a:endParaRPr>
+          </a:p>
+        </p:txBody>
+      </p:sp>
+      <p:sp>
+        <p:nvSpPr>
+          <p:cNvPr id="75" name="Elipse 74">
+            <a:extLst>
+              <a:ext uri="{FF2B5EF4-FFF2-40B4-BE49-F238E27FC236}">
+                <a16:creationId xmlns:a16="http://schemas.microsoft.com/office/drawing/2014/main" id="{20FEF372-2E3C-40A0-99B7-2595A5C5BD11}"/>
+              </a:ext>
+            </a:extLst>
+          </p:cNvPr>
+          <p:cNvSpPr/>
+          <p:nvPr/>
+        </p:nvSpPr>
+        <p:spPr>
+          <a:xfrm>
+            <a:off x="7544869" y="5076485"/>
+            <a:ext cx="540000" cy="540000"/>
+          </a:xfrm>
+          <a:prstGeom prst="ellipse">
+            <a:avLst/>
+          </a:prstGeom>
+          <a:solidFill>
+            <a:srgbClr val="00B0F0"/>
+          </a:solidFill>
+          <a:ln w="18000">
+            <a:solidFill>
+              <a:srgbClr val="00B0F0"/>
+            </a:solidFill>
+          </a:ln>
+        </p:spPr>
+        <p:style>
+          <a:lnRef idx="2">
+            <a:schemeClr val="accent1">
+              <a:shade val="50000"/>
+            </a:schemeClr>
+          </a:lnRef>
+          <a:fillRef idx="1">
+            <a:schemeClr val="accent1"/>
+          </a:fillRef>
+          <a:effectRef idx="0">
+            <a:schemeClr val="accent1"/>
+          </a:effectRef>
+          <a:fontRef idx="minor">
+            <a:schemeClr val="lt1"/>
+          </a:fontRef>
+        </p:style>
+        <p:txBody>
+          <a:bodyPr rtlCol="0" anchor="ctr"/>
+          <a:lstStyle/>
+          <a:p>
+            <a:pPr algn="ctr"/>
+            <a:endParaRPr lang="pt-BR">
+              <a:solidFill>
+                <a:srgbClr val="FF4E00"/>
+              </a:solidFill>
+            </a:endParaRPr>
+          </a:p>
+        </p:txBody>
+      </p:sp>
+      <p:sp>
+        <p:nvSpPr>
+          <p:cNvPr id="76" name="Elipse 75">
+            <a:extLst>
+              <a:ext uri="{FF2B5EF4-FFF2-40B4-BE49-F238E27FC236}">
+                <a16:creationId xmlns:a16="http://schemas.microsoft.com/office/drawing/2014/main" id="{A05D7964-A220-462D-B830-3A2DCB52125F}"/>
+              </a:ext>
+            </a:extLst>
+          </p:cNvPr>
+          <p:cNvSpPr/>
+          <p:nvPr/>
+        </p:nvSpPr>
+        <p:spPr>
+          <a:xfrm>
+            <a:off x="8422709" y="5076485"/>
+            <a:ext cx="540000" cy="540000"/>
+          </a:xfrm>
+          <a:prstGeom prst="ellipse">
+            <a:avLst/>
+          </a:prstGeom>
+          <a:solidFill>
+            <a:srgbClr val="00B0F0"/>
+          </a:solidFill>
+          <a:ln w="18000">
+            <a:solidFill>
+              <a:srgbClr val="00B0F0"/>
+            </a:solidFill>
+          </a:ln>
+        </p:spPr>
+        <p:style>
+          <a:lnRef idx="2">
+            <a:schemeClr val="accent1">
+              <a:shade val="50000"/>
+            </a:schemeClr>
+          </a:lnRef>
+          <a:fillRef idx="1">
+            <a:schemeClr val="accent1"/>
+          </a:fillRef>
+          <a:effectRef idx="0">
+            <a:schemeClr val="accent1"/>
+          </a:effectRef>
+          <a:fontRef idx="minor">
+            <a:schemeClr val="lt1"/>
+          </a:fontRef>
+        </p:style>
+        <p:txBody>
+          <a:bodyPr rtlCol="0" anchor="ctr"/>
+          <a:lstStyle/>
+          <a:p>
+            <a:pPr algn="ctr"/>
+            <a:endParaRPr lang="pt-BR">
+              <a:solidFill>
+                <a:srgbClr val="FF4E00"/>
+              </a:solidFill>
+            </a:endParaRPr>
+          </a:p>
+        </p:txBody>
+      </p:sp>
+      <p:sp>
+        <p:nvSpPr>
+          <p:cNvPr id="77" name="Elipse 76">
+            <a:extLst>
+              <a:ext uri="{FF2B5EF4-FFF2-40B4-BE49-F238E27FC236}">
+                <a16:creationId xmlns:a16="http://schemas.microsoft.com/office/drawing/2014/main" id="{B0FEEE75-B2C3-462E-81CE-08B3F456C519}"/>
+              </a:ext>
+            </a:extLst>
+          </p:cNvPr>
+          <p:cNvSpPr/>
+          <p:nvPr/>
+        </p:nvSpPr>
+        <p:spPr>
+          <a:xfrm>
+            <a:off x="9300549" y="5076485"/>
+            <a:ext cx="540000" cy="540000"/>
+          </a:xfrm>
+          <a:prstGeom prst="ellipse">
+            <a:avLst/>
+          </a:prstGeom>
+          <a:solidFill>
+            <a:srgbClr val="00B0F0"/>
+          </a:solidFill>
+          <a:ln w="18000">
+            <a:solidFill>
+              <a:srgbClr val="00B0F0"/>
+            </a:solidFill>
+          </a:ln>
+        </p:spPr>
+        <p:style>
+          <a:lnRef idx="2">
+            <a:schemeClr val="accent1">
+              <a:shade val="50000"/>
+            </a:schemeClr>
+          </a:lnRef>
+          <a:fillRef idx="1">
+            <a:schemeClr val="accent1"/>
+          </a:fillRef>
+          <a:effectRef idx="0">
+            <a:schemeClr val="accent1"/>
+          </a:effectRef>
+          <a:fontRef idx="minor">
+            <a:schemeClr val="lt1"/>
+          </a:fontRef>
+        </p:style>
+        <p:txBody>
+          <a:bodyPr rtlCol="0" anchor="ctr"/>
+          <a:lstStyle/>
+          <a:p>
+            <a:pPr algn="ctr"/>
+            <a:endParaRPr lang="pt-BR">
+              <a:solidFill>
+                <a:srgbClr val="FF4E00"/>
+              </a:solidFill>
+            </a:endParaRPr>
+          </a:p>
+        </p:txBody>
+      </p:sp>
+      <p:sp>
+        <p:nvSpPr>
+          <p:cNvPr id="78" name="CaixaDeTexto 77">
+            <a:extLst>
+              <a:ext uri="{FF2B5EF4-FFF2-40B4-BE49-F238E27FC236}">
+                <a16:creationId xmlns:a16="http://schemas.microsoft.com/office/drawing/2014/main" id="{2BF9CD10-C050-4B8C-AC54-72C1EC51E15A}"/>
+              </a:ext>
+            </a:extLst>
+          </p:cNvPr>
+          <p:cNvSpPr txBox="1"/>
+          <p:nvPr/>
+        </p:nvSpPr>
+        <p:spPr>
+          <a:xfrm>
+            <a:off x="5007527" y="5161819"/>
+            <a:ext cx="309084" cy="369332"/>
+          </a:xfrm>
+          <a:prstGeom prst="rect">
+            <a:avLst/>
+          </a:prstGeom>
+          <a:solidFill>
+            <a:srgbClr val="00B0F0"/>
+          </a:solidFill>
+          <a:ln>
+            <a:solidFill>
+              <a:srgbClr val="00B0F0"/>
+            </a:solidFill>
+          </a:ln>
+        </p:spPr>
+        <p:txBody>
+          <a:bodyPr wrap="square" rtlCol="0">
+            <a:spAutoFit/>
+          </a:bodyPr>
+          <a:lstStyle/>
+          <a:p>
+            <a:r>
+              <a:rPr lang="pt-BR" dirty="0"/>
+              <a:t>0</a:t>
+            </a:r>
+          </a:p>
+        </p:txBody>
+      </p:sp>
+      <p:sp>
+        <p:nvSpPr>
+          <p:cNvPr id="79" name="CaixaDeTexto 78">
+            <a:extLst>
+              <a:ext uri="{FF2B5EF4-FFF2-40B4-BE49-F238E27FC236}">
+                <a16:creationId xmlns:a16="http://schemas.microsoft.com/office/drawing/2014/main" id="{33BBF5CF-2E9E-456F-9613-F9D61E7D3395}"/>
+              </a:ext>
+            </a:extLst>
+          </p:cNvPr>
+          <p:cNvSpPr txBox="1"/>
+          <p:nvPr/>
+        </p:nvSpPr>
+        <p:spPr>
+          <a:xfrm>
+            <a:off x="5881287" y="5161819"/>
+            <a:ext cx="309084" cy="369332"/>
+          </a:xfrm>
+          <a:prstGeom prst="rect">
+            <a:avLst/>
+          </a:prstGeom>
+          <a:solidFill>
+            <a:srgbClr val="00B0F0"/>
+          </a:solidFill>
+          <a:ln>
+            <a:solidFill>
+              <a:srgbClr val="00B0F0"/>
+            </a:solidFill>
+          </a:ln>
+        </p:spPr>
+        <p:txBody>
+          <a:bodyPr wrap="square" rtlCol="0">
+            <a:spAutoFit/>
+          </a:bodyPr>
+          <a:lstStyle/>
+          <a:p>
+            <a:r>
+              <a:rPr lang="pt-BR" dirty="0"/>
+              <a:t>3</a:t>
+            </a:r>
+          </a:p>
+        </p:txBody>
+      </p:sp>
+      <p:sp>
+        <p:nvSpPr>
+          <p:cNvPr id="80" name="CaixaDeTexto 79">
+            <a:extLst>
+              <a:ext uri="{FF2B5EF4-FFF2-40B4-BE49-F238E27FC236}">
+                <a16:creationId xmlns:a16="http://schemas.microsoft.com/office/drawing/2014/main" id="{366F31D6-830C-40E8-9C2F-27E4521AD0AD}"/>
+              </a:ext>
+            </a:extLst>
+          </p:cNvPr>
+          <p:cNvSpPr txBox="1"/>
+          <p:nvPr/>
+        </p:nvSpPr>
+        <p:spPr>
+          <a:xfrm>
+            <a:off x="6782487" y="5161819"/>
+            <a:ext cx="309084" cy="369332"/>
+          </a:xfrm>
+          <a:prstGeom prst="rect">
+            <a:avLst/>
+          </a:prstGeom>
+          <a:solidFill>
+            <a:srgbClr val="00B0F0"/>
+          </a:solidFill>
+          <a:ln>
+            <a:solidFill>
+              <a:srgbClr val="00B0F0"/>
+            </a:solidFill>
+          </a:ln>
+        </p:spPr>
+        <p:txBody>
+          <a:bodyPr wrap="square" rtlCol="0">
+            <a:spAutoFit/>
+          </a:bodyPr>
+          <a:lstStyle/>
+          <a:p>
+            <a:r>
+              <a:rPr lang="pt-BR" dirty="0"/>
+              <a:t>2</a:t>
+            </a:r>
+          </a:p>
+        </p:txBody>
+      </p:sp>
+      <p:sp>
+        <p:nvSpPr>
+          <p:cNvPr id="81" name="CaixaDeTexto 80">
+            <a:extLst>
+              <a:ext uri="{FF2B5EF4-FFF2-40B4-BE49-F238E27FC236}">
+                <a16:creationId xmlns:a16="http://schemas.microsoft.com/office/drawing/2014/main" id="{C718A639-BCB0-440B-8DBE-EB26AF594D6F}"/>
+              </a:ext>
+            </a:extLst>
+          </p:cNvPr>
+          <p:cNvSpPr txBox="1"/>
+          <p:nvPr/>
+        </p:nvSpPr>
+        <p:spPr>
+          <a:xfrm>
+            <a:off x="7660327" y="5161819"/>
+            <a:ext cx="309084" cy="369332"/>
+          </a:xfrm>
+          <a:prstGeom prst="rect">
+            <a:avLst/>
+          </a:prstGeom>
+          <a:solidFill>
+            <a:srgbClr val="00B0F0"/>
+          </a:solidFill>
+          <a:ln>
+            <a:solidFill>
+              <a:srgbClr val="00B0F0"/>
+            </a:solidFill>
+          </a:ln>
+        </p:spPr>
+        <p:txBody>
+          <a:bodyPr wrap="square" rtlCol="0">
+            <a:spAutoFit/>
+          </a:bodyPr>
+          <a:lstStyle/>
+          <a:p>
+            <a:r>
+              <a:rPr lang="pt-BR" dirty="0"/>
+              <a:t>1</a:t>
+            </a:r>
+          </a:p>
+        </p:txBody>
+      </p:sp>
+      <p:sp>
+        <p:nvSpPr>
+          <p:cNvPr id="82" name="CaixaDeTexto 81">
+            <a:extLst>
+              <a:ext uri="{FF2B5EF4-FFF2-40B4-BE49-F238E27FC236}">
+                <a16:creationId xmlns:a16="http://schemas.microsoft.com/office/drawing/2014/main" id="{9E43D11A-78F3-48EC-BA6E-493C260DFB5A}"/>
+              </a:ext>
+            </a:extLst>
+          </p:cNvPr>
+          <p:cNvSpPr txBox="1"/>
+          <p:nvPr/>
+        </p:nvSpPr>
+        <p:spPr>
+          <a:xfrm>
+            <a:off x="8538167" y="5161819"/>
+            <a:ext cx="309084" cy="369332"/>
+          </a:xfrm>
+          <a:prstGeom prst="rect">
+            <a:avLst/>
+          </a:prstGeom>
+          <a:solidFill>
+            <a:srgbClr val="00B0F0"/>
+          </a:solidFill>
+          <a:ln>
+            <a:solidFill>
+              <a:srgbClr val="00B0F0"/>
+            </a:solidFill>
+          </a:ln>
+        </p:spPr>
+        <p:txBody>
+          <a:bodyPr wrap="square" rtlCol="0">
+            <a:spAutoFit/>
+          </a:bodyPr>
+          <a:lstStyle/>
+          <a:p>
+            <a:r>
+              <a:rPr lang="pt-BR" dirty="0"/>
+              <a:t>4</a:t>
+            </a:r>
+          </a:p>
+        </p:txBody>
+      </p:sp>
+      <p:sp>
+        <p:nvSpPr>
+          <p:cNvPr id="83" name="CaixaDeTexto 82">
+            <a:extLst>
+              <a:ext uri="{FF2B5EF4-FFF2-40B4-BE49-F238E27FC236}">
+                <a16:creationId xmlns:a16="http://schemas.microsoft.com/office/drawing/2014/main" id="{9473B664-E320-486F-B563-1531B521B2DF}"/>
+              </a:ext>
+            </a:extLst>
+          </p:cNvPr>
+          <p:cNvSpPr txBox="1"/>
+          <p:nvPr/>
+        </p:nvSpPr>
+        <p:spPr>
+          <a:xfrm>
+            <a:off x="9424568" y="5161819"/>
+            <a:ext cx="309084" cy="369332"/>
+          </a:xfrm>
+          <a:prstGeom prst="rect">
+            <a:avLst/>
+          </a:prstGeom>
+          <a:solidFill>
+            <a:srgbClr val="00B0F0"/>
+          </a:solidFill>
+          <a:ln>
+            <a:solidFill>
+              <a:srgbClr val="00B0F0"/>
+            </a:solidFill>
+          </a:ln>
+        </p:spPr>
+        <p:txBody>
+          <a:bodyPr wrap="square" rtlCol="0">
+            <a:spAutoFit/>
+          </a:bodyPr>
+          <a:lstStyle/>
+          <a:p>
+            <a:r>
+              <a:rPr lang="pt-BR" dirty="0"/>
+              <a:t>0</a:t>
+            </a:r>
+          </a:p>
+        </p:txBody>
+      </p:sp>
+      <p:sp>
+        <p:nvSpPr>
+          <p:cNvPr id="84" name="Elipse 83">
+            <a:extLst>
+              <a:ext uri="{FF2B5EF4-FFF2-40B4-BE49-F238E27FC236}">
+                <a16:creationId xmlns:a16="http://schemas.microsoft.com/office/drawing/2014/main" id="{1A553961-B5AB-40F4-A99B-70DA99E025DA}"/>
+              </a:ext>
+            </a:extLst>
+          </p:cNvPr>
+          <p:cNvSpPr/>
+          <p:nvPr/>
+        </p:nvSpPr>
+        <p:spPr>
+          <a:xfrm>
+            <a:off x="4892069" y="4271333"/>
+            <a:ext cx="540000" cy="540000"/>
+          </a:xfrm>
+          <a:prstGeom prst="ellipse">
+            <a:avLst/>
+          </a:prstGeom>
+          <a:solidFill>
+            <a:srgbClr val="92D050">
+              <a:alpha val="75000"/>
+            </a:srgbClr>
+          </a:solidFill>
+          <a:ln w="18000">
+            <a:solidFill>
+              <a:schemeClr val="accent4">
+                <a:lumMod val="75000"/>
+              </a:schemeClr>
+            </a:solidFill>
+          </a:ln>
+        </p:spPr>
+        <p:style>
+          <a:lnRef idx="2">
+            <a:schemeClr val="accent1">
+              <a:shade val="50000"/>
+            </a:schemeClr>
+          </a:lnRef>
+          <a:fillRef idx="1">
+            <a:schemeClr val="accent1"/>
+          </a:fillRef>
+          <a:effectRef idx="0">
+            <a:schemeClr val="accent1"/>
+          </a:effectRef>
+          <a:fontRef idx="minor">
+            <a:schemeClr val="lt1"/>
+          </a:fontRef>
+        </p:style>
+        <p:txBody>
+          <a:bodyPr rtlCol="0" anchor="ctr"/>
+          <a:lstStyle/>
+          <a:p>
+            <a:pPr algn="ctr"/>
+            <a:endParaRPr lang="pt-BR">
+              <a:solidFill>
+                <a:srgbClr val="FF4E00"/>
+              </a:solidFill>
+            </a:endParaRPr>
+          </a:p>
+        </p:txBody>
+      </p:sp>
+      <p:sp>
+        <p:nvSpPr>
+          <p:cNvPr id="85" name="Elipse 84">
+            <a:extLst>
+              <a:ext uri="{FF2B5EF4-FFF2-40B4-BE49-F238E27FC236}">
+                <a16:creationId xmlns:a16="http://schemas.microsoft.com/office/drawing/2014/main" id="{F8058D2E-CB25-40A3-A24F-E1AF381BC02D}"/>
+              </a:ext>
+            </a:extLst>
+          </p:cNvPr>
+          <p:cNvSpPr/>
+          <p:nvPr/>
+        </p:nvSpPr>
+        <p:spPr>
+          <a:xfrm>
+            <a:off x="5765829" y="4271333"/>
+            <a:ext cx="540000" cy="540000"/>
+          </a:xfrm>
+          <a:prstGeom prst="ellipse">
+            <a:avLst/>
+          </a:prstGeom>
+          <a:solidFill>
+            <a:srgbClr val="92D050">
+              <a:alpha val="75000"/>
+            </a:srgbClr>
+          </a:solidFill>
+          <a:ln w="18000">
+            <a:solidFill>
+              <a:schemeClr val="accent4">
+                <a:lumMod val="75000"/>
+              </a:schemeClr>
+            </a:solidFill>
+          </a:ln>
+        </p:spPr>
+        <p:style>
+          <a:lnRef idx="2">
+            <a:schemeClr val="accent1">
+              <a:shade val="50000"/>
+            </a:schemeClr>
+          </a:lnRef>
+          <a:fillRef idx="1">
+            <a:schemeClr val="accent1"/>
+          </a:fillRef>
+          <a:effectRef idx="0">
+            <a:schemeClr val="accent1"/>
+          </a:effectRef>
+          <a:fontRef idx="minor">
+            <a:schemeClr val="lt1"/>
+          </a:fontRef>
+        </p:style>
+        <p:txBody>
+          <a:bodyPr rtlCol="0" anchor="ctr"/>
+          <a:lstStyle/>
+          <a:p>
+            <a:pPr algn="ctr"/>
+            <a:endParaRPr lang="pt-BR">
+              <a:solidFill>
+                <a:srgbClr val="FF4E00"/>
+              </a:solidFill>
+            </a:endParaRPr>
+          </a:p>
+        </p:txBody>
+      </p:sp>
+      <p:sp>
+        <p:nvSpPr>
+          <p:cNvPr id="86" name="Elipse 85">
+            <a:extLst>
+              <a:ext uri="{FF2B5EF4-FFF2-40B4-BE49-F238E27FC236}">
+                <a16:creationId xmlns:a16="http://schemas.microsoft.com/office/drawing/2014/main" id="{DE007B83-9A44-4563-86EA-B69EF8FE8C93}"/>
+              </a:ext>
+            </a:extLst>
+          </p:cNvPr>
+          <p:cNvSpPr/>
+          <p:nvPr/>
+        </p:nvSpPr>
+        <p:spPr>
+          <a:xfrm>
+            <a:off x="6667029" y="4271333"/>
+            <a:ext cx="540000" cy="540000"/>
+          </a:xfrm>
+          <a:prstGeom prst="ellipse">
+            <a:avLst/>
+          </a:prstGeom>
+          <a:solidFill>
+            <a:srgbClr val="92D050">
+              <a:alpha val="75000"/>
+            </a:srgbClr>
+          </a:solidFill>
+          <a:ln w="18000">
+            <a:solidFill>
+              <a:schemeClr val="accent4">
+                <a:lumMod val="75000"/>
+              </a:schemeClr>
+            </a:solidFill>
+          </a:ln>
+        </p:spPr>
+        <p:style>
+          <a:lnRef idx="2">
+            <a:schemeClr val="accent1">
+              <a:shade val="50000"/>
+            </a:schemeClr>
+          </a:lnRef>
+          <a:fillRef idx="1">
+            <a:schemeClr val="accent1"/>
+          </a:fillRef>
+          <a:effectRef idx="0">
+            <a:schemeClr val="accent1"/>
+          </a:effectRef>
+          <a:fontRef idx="minor">
+            <a:schemeClr val="lt1"/>
+          </a:fontRef>
+        </p:style>
+        <p:txBody>
+          <a:bodyPr rtlCol="0" anchor="ctr"/>
+          <a:lstStyle/>
+          <a:p>
+            <a:pPr algn="ctr"/>
+            <a:endParaRPr lang="pt-BR">
+              <a:solidFill>
+                <a:srgbClr val="FF4E00"/>
+              </a:solidFill>
+            </a:endParaRPr>
+          </a:p>
+        </p:txBody>
+      </p:sp>
+      <p:sp>
+        <p:nvSpPr>
+          <p:cNvPr id="87" name="Elipse 86">
+            <a:extLst>
+              <a:ext uri="{FF2B5EF4-FFF2-40B4-BE49-F238E27FC236}">
+                <a16:creationId xmlns:a16="http://schemas.microsoft.com/office/drawing/2014/main" id="{C8B7EF82-8F54-4E7E-9C64-C4E6593D6CD0}"/>
+              </a:ext>
+            </a:extLst>
+          </p:cNvPr>
+          <p:cNvSpPr/>
+          <p:nvPr/>
+        </p:nvSpPr>
+        <p:spPr>
+          <a:xfrm>
+            <a:off x="7544869" y="4271333"/>
+            <a:ext cx="540000" cy="540000"/>
+          </a:xfrm>
+          <a:prstGeom prst="ellipse">
+            <a:avLst/>
+          </a:prstGeom>
+          <a:solidFill>
+            <a:srgbClr val="92D050">
+              <a:alpha val="75000"/>
+            </a:srgbClr>
+          </a:solidFill>
+          <a:ln w="18000">
+            <a:solidFill>
+              <a:schemeClr val="accent4">
+                <a:lumMod val="75000"/>
+              </a:schemeClr>
+            </a:solidFill>
+          </a:ln>
+        </p:spPr>
+        <p:style>
+          <a:lnRef idx="2">
+            <a:schemeClr val="accent1">
+              <a:shade val="50000"/>
+            </a:schemeClr>
+          </a:lnRef>
+          <a:fillRef idx="1">
+            <a:schemeClr val="accent1"/>
+          </a:fillRef>
+          <a:effectRef idx="0">
+            <a:schemeClr val="accent1"/>
+          </a:effectRef>
+          <a:fontRef idx="minor">
+            <a:schemeClr val="lt1"/>
+          </a:fontRef>
+        </p:style>
+        <p:txBody>
+          <a:bodyPr rtlCol="0" anchor="ctr"/>
+          <a:lstStyle/>
+          <a:p>
+            <a:pPr algn="ctr"/>
+            <a:endParaRPr lang="pt-BR">
+              <a:solidFill>
+                <a:srgbClr val="FF4E00"/>
+              </a:solidFill>
+            </a:endParaRPr>
+          </a:p>
+        </p:txBody>
+      </p:sp>
+      <p:sp>
+        <p:nvSpPr>
+          <p:cNvPr id="88" name="Elipse 87">
+            <a:extLst>
+              <a:ext uri="{FF2B5EF4-FFF2-40B4-BE49-F238E27FC236}">
+                <a16:creationId xmlns:a16="http://schemas.microsoft.com/office/drawing/2014/main" id="{FE43FC76-07DB-4354-9487-BBBBC79DED23}"/>
+              </a:ext>
+            </a:extLst>
+          </p:cNvPr>
+          <p:cNvSpPr/>
+          <p:nvPr/>
+        </p:nvSpPr>
+        <p:spPr>
+          <a:xfrm>
+            <a:off x="8422709" y="4271333"/>
+            <a:ext cx="540000" cy="540000"/>
+          </a:xfrm>
+          <a:prstGeom prst="ellipse">
+            <a:avLst/>
+          </a:prstGeom>
+          <a:solidFill>
+            <a:srgbClr val="92D050">
+              <a:alpha val="75000"/>
+            </a:srgbClr>
+          </a:solidFill>
+          <a:ln w="18000">
+            <a:solidFill>
+              <a:schemeClr val="accent4">
+                <a:lumMod val="75000"/>
+              </a:schemeClr>
+            </a:solidFill>
+          </a:ln>
+        </p:spPr>
+        <p:style>
+          <a:lnRef idx="2">
+            <a:schemeClr val="accent1">
+              <a:shade val="50000"/>
+            </a:schemeClr>
+          </a:lnRef>
+          <a:fillRef idx="1">
+            <a:schemeClr val="accent1"/>
+          </a:fillRef>
+          <a:effectRef idx="0">
+            <a:schemeClr val="accent1"/>
+          </a:effectRef>
+          <a:fontRef idx="minor">
+            <a:schemeClr val="lt1"/>
+          </a:fontRef>
+        </p:style>
+        <p:txBody>
+          <a:bodyPr rtlCol="0" anchor="ctr"/>
+          <a:lstStyle/>
+          <a:p>
+            <a:pPr algn="ctr"/>
+            <a:endParaRPr lang="pt-BR">
+              <a:solidFill>
+                <a:srgbClr val="FF4E00"/>
+              </a:solidFill>
+            </a:endParaRPr>
+          </a:p>
+        </p:txBody>
+      </p:sp>
+      <p:sp>
+        <p:nvSpPr>
+          <p:cNvPr id="89" name="Elipse 88">
+            <a:extLst>
+              <a:ext uri="{FF2B5EF4-FFF2-40B4-BE49-F238E27FC236}">
+                <a16:creationId xmlns:a16="http://schemas.microsoft.com/office/drawing/2014/main" id="{2B28FB4F-F517-4623-9B92-0D056E9EC7BE}"/>
+              </a:ext>
+            </a:extLst>
+          </p:cNvPr>
+          <p:cNvSpPr/>
+          <p:nvPr/>
+        </p:nvSpPr>
+        <p:spPr>
+          <a:xfrm>
+            <a:off x="9300549" y="4271333"/>
+            <a:ext cx="540000" cy="540000"/>
+          </a:xfrm>
+          <a:prstGeom prst="ellipse">
+            <a:avLst/>
+          </a:prstGeom>
+          <a:solidFill>
+            <a:srgbClr val="92D050">
+              <a:alpha val="75000"/>
+            </a:srgbClr>
+          </a:solidFill>
+          <a:ln w="18000">
+            <a:solidFill>
+              <a:schemeClr val="accent4">
+                <a:lumMod val="75000"/>
+              </a:schemeClr>
+            </a:solidFill>
+          </a:ln>
+        </p:spPr>
+        <p:style>
+          <a:lnRef idx="2">
+            <a:schemeClr val="accent1">
+              <a:shade val="50000"/>
+            </a:schemeClr>
+          </a:lnRef>
+          <a:fillRef idx="1">
+            <a:schemeClr val="accent1"/>
+          </a:fillRef>
+          <a:effectRef idx="0">
+            <a:schemeClr val="accent1"/>
+          </a:effectRef>
+          <a:fontRef idx="minor">
+            <a:schemeClr val="lt1"/>
+          </a:fontRef>
+        </p:style>
+        <p:txBody>
+          <a:bodyPr rtlCol="0" anchor="ctr"/>
+          <a:lstStyle/>
+          <a:p>
+            <a:pPr algn="ctr"/>
+            <a:endParaRPr lang="pt-BR">
+              <a:solidFill>
+                <a:srgbClr val="FF4E00"/>
+              </a:solidFill>
+            </a:endParaRPr>
+          </a:p>
+        </p:txBody>
+      </p:sp>
+      <p:sp>
+        <p:nvSpPr>
+          <p:cNvPr id="90" name="CaixaDeTexto 89">
+            <a:extLst>
+              <a:ext uri="{FF2B5EF4-FFF2-40B4-BE49-F238E27FC236}">
+                <a16:creationId xmlns:a16="http://schemas.microsoft.com/office/drawing/2014/main" id="{F389F9CC-A7B8-42BB-9BF9-C87F83A9B71C}"/>
+              </a:ext>
+            </a:extLst>
+          </p:cNvPr>
+          <p:cNvSpPr txBox="1"/>
+          <p:nvPr/>
+        </p:nvSpPr>
+        <p:spPr>
+          <a:xfrm>
+            <a:off x="5007527" y="4356667"/>
+            <a:ext cx="309084" cy="369332"/>
+          </a:xfrm>
+          <a:prstGeom prst="rect">
+            <a:avLst/>
+          </a:prstGeom>
+          <a:noFill/>
+        </p:spPr>
+        <p:txBody>
+          <a:bodyPr wrap="square" rtlCol="0">
+            <a:spAutoFit/>
+          </a:bodyPr>
+          <a:lstStyle/>
+          <a:p>
+            <a:r>
+              <a:rPr lang="pt-BR" dirty="0"/>
+              <a:t>0</a:t>
+            </a:r>
+          </a:p>
+        </p:txBody>
+      </p:sp>
+      <p:sp>
+        <p:nvSpPr>
+          <p:cNvPr id="91" name="CaixaDeTexto 90">
+            <a:extLst>
+              <a:ext uri="{FF2B5EF4-FFF2-40B4-BE49-F238E27FC236}">
+                <a16:creationId xmlns:a16="http://schemas.microsoft.com/office/drawing/2014/main" id="{39CD7C33-C731-49F7-898E-726ED604FD4C}"/>
+              </a:ext>
+            </a:extLst>
+          </p:cNvPr>
+          <p:cNvSpPr txBox="1"/>
+          <p:nvPr/>
+        </p:nvSpPr>
+        <p:spPr>
+          <a:xfrm>
+            <a:off x="5881287" y="4356667"/>
+            <a:ext cx="309084" cy="369332"/>
+          </a:xfrm>
+          <a:prstGeom prst="rect">
+            <a:avLst/>
+          </a:prstGeom>
+          <a:noFill/>
+        </p:spPr>
+        <p:txBody>
+          <a:bodyPr wrap="square" rtlCol="0">
+            <a:spAutoFit/>
+          </a:bodyPr>
+          <a:lstStyle/>
+          <a:p>
+            <a:r>
+              <a:rPr lang="pt-BR" dirty="0"/>
+              <a:t>2</a:t>
+            </a:r>
+          </a:p>
+        </p:txBody>
+      </p:sp>
+      <p:sp>
+        <p:nvSpPr>
+          <p:cNvPr id="92" name="CaixaDeTexto 91">
+            <a:extLst>
+              <a:ext uri="{FF2B5EF4-FFF2-40B4-BE49-F238E27FC236}">
+                <a16:creationId xmlns:a16="http://schemas.microsoft.com/office/drawing/2014/main" id="{BE976E02-AE5C-41B2-879F-6BE1F4101068}"/>
+              </a:ext>
+            </a:extLst>
+          </p:cNvPr>
+          <p:cNvSpPr txBox="1"/>
+          <p:nvPr/>
+        </p:nvSpPr>
+        <p:spPr>
+          <a:xfrm>
+            <a:off x="6782487" y="4356667"/>
+            <a:ext cx="309084" cy="369332"/>
+          </a:xfrm>
+          <a:prstGeom prst="rect">
+            <a:avLst/>
+          </a:prstGeom>
+          <a:noFill/>
+        </p:spPr>
+        <p:txBody>
+          <a:bodyPr wrap="square" rtlCol="0">
+            <a:spAutoFit/>
+          </a:bodyPr>
+          <a:lstStyle/>
+          <a:p>
+            <a:r>
+              <a:rPr lang="pt-BR" dirty="0"/>
+              <a:t>1</a:t>
+            </a:r>
+          </a:p>
+        </p:txBody>
+      </p:sp>
+      <p:sp>
+        <p:nvSpPr>
+          <p:cNvPr id="93" name="CaixaDeTexto 92">
+            <a:extLst>
+              <a:ext uri="{FF2B5EF4-FFF2-40B4-BE49-F238E27FC236}">
+                <a16:creationId xmlns:a16="http://schemas.microsoft.com/office/drawing/2014/main" id="{8F3C85D3-9AAB-4549-88D7-1A7DA7B54181}"/>
+              </a:ext>
+            </a:extLst>
+          </p:cNvPr>
+          <p:cNvSpPr txBox="1"/>
+          <p:nvPr/>
+        </p:nvSpPr>
+        <p:spPr>
+          <a:xfrm>
+            <a:off x="7660327" y="4356667"/>
+            <a:ext cx="309084" cy="369332"/>
+          </a:xfrm>
+          <a:prstGeom prst="rect">
+            <a:avLst/>
+          </a:prstGeom>
+          <a:noFill/>
+        </p:spPr>
+        <p:txBody>
+          <a:bodyPr wrap="square" rtlCol="0">
+            <a:spAutoFit/>
+          </a:bodyPr>
+          <a:lstStyle/>
+          <a:p>
+            <a:r>
+              <a:rPr lang="pt-BR" dirty="0"/>
+              <a:t>3</a:t>
+            </a:r>
+          </a:p>
+        </p:txBody>
+      </p:sp>
+      <p:sp>
+        <p:nvSpPr>
+          <p:cNvPr id="94" name="CaixaDeTexto 93">
+            <a:extLst>
+              <a:ext uri="{FF2B5EF4-FFF2-40B4-BE49-F238E27FC236}">
+                <a16:creationId xmlns:a16="http://schemas.microsoft.com/office/drawing/2014/main" id="{7F9D20AB-01CC-4FB3-A1D9-923CD6D9258C}"/>
+              </a:ext>
+            </a:extLst>
+          </p:cNvPr>
+          <p:cNvSpPr txBox="1"/>
+          <p:nvPr/>
+        </p:nvSpPr>
+        <p:spPr>
+          <a:xfrm>
+            <a:off x="8538167" y="4356667"/>
+            <a:ext cx="309084" cy="369332"/>
+          </a:xfrm>
+          <a:prstGeom prst="rect">
+            <a:avLst/>
+          </a:prstGeom>
+          <a:noFill/>
+        </p:spPr>
+        <p:txBody>
+          <a:bodyPr wrap="square" rtlCol="0">
+            <a:spAutoFit/>
+          </a:bodyPr>
+          <a:lstStyle/>
+          <a:p>
+            <a:r>
+              <a:rPr lang="pt-BR" dirty="0"/>
+              <a:t>4</a:t>
+            </a:r>
+          </a:p>
+        </p:txBody>
+      </p:sp>
+      <p:sp>
+        <p:nvSpPr>
+          <p:cNvPr id="95" name="CaixaDeTexto 94">
+            <a:extLst>
+              <a:ext uri="{FF2B5EF4-FFF2-40B4-BE49-F238E27FC236}">
+                <a16:creationId xmlns:a16="http://schemas.microsoft.com/office/drawing/2014/main" id="{666175BC-5367-4B97-B794-805BE9161F61}"/>
+              </a:ext>
+            </a:extLst>
+          </p:cNvPr>
+          <p:cNvSpPr txBox="1"/>
+          <p:nvPr/>
+        </p:nvSpPr>
+        <p:spPr>
+          <a:xfrm>
+            <a:off x="9424568" y="4356667"/>
+            <a:ext cx="309084" cy="369332"/>
+          </a:xfrm>
+          <a:prstGeom prst="rect">
+            <a:avLst/>
+          </a:prstGeom>
+          <a:noFill/>
+        </p:spPr>
+        <p:txBody>
+          <a:bodyPr wrap="square" rtlCol="0">
+            <a:spAutoFit/>
+          </a:bodyPr>
+          <a:lstStyle/>
+          <a:p>
+            <a:r>
+              <a:rPr lang="pt-BR" dirty="0"/>
+              <a:t>0</a:t>
+            </a:r>
+          </a:p>
+        </p:txBody>
+      </p:sp>
+      <p:sp>
+        <p:nvSpPr>
+          <p:cNvPr id="58" name="Retângulo 57">
+            <a:extLst>
+              <a:ext uri="{FF2B5EF4-FFF2-40B4-BE49-F238E27FC236}">
+                <a16:creationId xmlns:a16="http://schemas.microsoft.com/office/drawing/2014/main" id="{1AEFF679-518A-4BC2-9AAB-6B5F92FE0EA3}"/>
+              </a:ext>
+            </a:extLst>
+          </p:cNvPr>
+          <p:cNvSpPr/>
+          <p:nvPr/>
+        </p:nvSpPr>
+        <p:spPr>
+          <a:xfrm>
+            <a:off x="8307251" y="3319679"/>
+            <a:ext cx="794276" cy="792398"/>
+          </a:xfrm>
+          <a:prstGeom prst="rect">
+            <a:avLst/>
+          </a:prstGeom>
+          <a:noFill/>
+          <a:ln w="18000">
+            <a:solidFill>
+              <a:srgbClr val="AB008B"/>
+            </a:solidFill>
+          </a:ln>
+        </p:spPr>
+        <p:style>
+          <a:lnRef idx="2">
+            <a:schemeClr val="accent1">
+              <a:shade val="50000"/>
+            </a:schemeClr>
+          </a:lnRef>
+          <a:fillRef idx="1">
+            <a:schemeClr val="accent1"/>
+          </a:fillRef>
+          <a:effectRef idx="0">
+            <a:schemeClr val="accent1"/>
+          </a:effectRef>
+          <a:fontRef idx="minor">
+            <a:schemeClr val="lt1"/>
+          </a:fontRef>
+        </p:style>
+        <p:txBody>
+          <a:bodyPr rtlCol="0" anchor="ctr"/>
+          <a:lstStyle/>
+          <a:p>
+            <a:pPr algn="ctr"/>
+            <a:endParaRPr lang="pt-BR">
+              <a:solidFill>
+                <a:srgbClr val="AB008B"/>
+              </a:solidFill>
+            </a:endParaRPr>
+          </a:p>
+        </p:txBody>
+      </p:sp>
+      <p:sp>
+        <p:nvSpPr>
+          <p:cNvPr id="59" name="Retângulo 58">
+            <a:extLst>
+              <a:ext uri="{FF2B5EF4-FFF2-40B4-BE49-F238E27FC236}">
+                <a16:creationId xmlns:a16="http://schemas.microsoft.com/office/drawing/2014/main" id="{62BA4FF8-95E4-4B01-8A7F-9E33884B7346}"/>
+              </a:ext>
+            </a:extLst>
+          </p:cNvPr>
+          <p:cNvSpPr/>
+          <p:nvPr/>
+        </p:nvSpPr>
+        <p:spPr>
+          <a:xfrm>
+            <a:off x="5650371" y="3319679"/>
+            <a:ext cx="794276" cy="792398"/>
+          </a:xfrm>
+          <a:prstGeom prst="rect">
+            <a:avLst/>
+          </a:prstGeom>
+          <a:noFill/>
+          <a:ln w="18000">
+            <a:solidFill>
+              <a:srgbClr val="AB008B"/>
+            </a:solidFill>
+          </a:ln>
+        </p:spPr>
+        <p:style>
+          <a:lnRef idx="2">
+            <a:schemeClr val="accent1">
+              <a:shade val="50000"/>
+            </a:schemeClr>
+          </a:lnRef>
+          <a:fillRef idx="1">
+            <a:schemeClr val="accent1"/>
+          </a:fillRef>
+          <a:effectRef idx="0">
+            <a:schemeClr val="accent1"/>
+          </a:effectRef>
+          <a:fontRef idx="minor">
+            <a:schemeClr val="lt1"/>
+          </a:fontRef>
+        </p:style>
+        <p:txBody>
+          <a:bodyPr rtlCol="0" anchor="ctr"/>
+          <a:lstStyle/>
+          <a:p>
+            <a:pPr algn="ctr"/>
+            <a:endParaRPr lang="pt-BR">
+              <a:solidFill>
+                <a:srgbClr val="AB008B"/>
+              </a:solidFill>
+            </a:endParaRPr>
+          </a:p>
+        </p:txBody>
+      </p:sp>
+    </p:spTree>
+    <p:extLst>
+      <p:ext uri="{BB962C8B-B14F-4D97-AF65-F5344CB8AC3E}">
+        <p14:creationId xmlns:p14="http://schemas.microsoft.com/office/powerpoint/2010/main" val="2778839926"/>
+      </p:ext>
+    </p:extLst>
+  </p:cSld>
+  <p:clrMapOvr>
+    <a:masterClrMapping/>
+  </p:clrMapOvr>
+</p:sld>
+</file>
+
+<file path=ppt/slides/slide13.xml><?xml version="1.0" encoding="utf-8"?>
+<p:sld xmlns:a="http://schemas.openxmlformats.org/drawingml/2006/main" xmlns:r="http://schemas.openxmlformats.org/officeDocument/2006/relationships" xmlns:p="http://schemas.openxmlformats.org/presentationml/2006/main">
+  <p:cSld>
+    <p:spTree>
+      <p:nvGrpSpPr>
+        <p:cNvPr id="1" name=""/>
+        <p:cNvGrpSpPr/>
+        <p:nvPr/>
+      </p:nvGrpSpPr>
+      <p:grpSpPr>
+        <a:xfrm>
+          <a:off x="0" y="0"/>
+          <a:ext cx="0" cy="0"/>
+          <a:chOff x="0" y="0"/>
+          <a:chExt cx="0" cy="0"/>
+        </a:xfrm>
+      </p:grpSpPr>
+      <p:sp>
+        <p:nvSpPr>
+          <p:cNvPr id="2" name="Título 1">
+            <a:extLst>
+              <a:ext uri="{FF2B5EF4-FFF2-40B4-BE49-F238E27FC236}">
+                <a16:creationId xmlns:a16="http://schemas.microsoft.com/office/drawing/2014/main" id="{6D811184-239A-44CE-9921-B1A2FC5251CB}"/>
+              </a:ext>
+            </a:extLst>
+          </p:cNvPr>
+          <p:cNvSpPr>
+            <a:spLocks noGrp="1"/>
+          </p:cNvSpPr>
+          <p:nvPr>
+            <p:ph type="title"/>
+          </p:nvPr>
+        </p:nvSpPr>
+        <p:spPr>
+          <a:xfrm>
+            <a:off x="1930400" y="845653"/>
+            <a:ext cx="8610600" cy="1293028"/>
+          </a:xfrm>
+        </p:spPr>
+        <p:txBody>
+          <a:bodyPr>
+            <a:normAutofit fontScale="90000"/>
+          </a:bodyPr>
+          <a:lstStyle/>
+          <a:p>
+            <a:r>
+              <a:rPr lang="pt-BR" dirty="0"/>
+              <a:t>Meta-</a:t>
+            </a:r>
+            <a:r>
+              <a:rPr lang="pt-BR" dirty="0" err="1"/>
+              <a:t>heuristica</a:t>
+            </a:r>
+            <a:r>
+              <a:rPr lang="pt-BR" sz="4000" dirty="0"/>
+              <a:t>:</a:t>
+            </a:r>
+            <a:br>
+              <a:rPr lang="pt-BR" sz="4000" dirty="0"/>
+            </a:br>
+            <a:br>
+              <a:rPr lang="pt-BR" dirty="0"/>
+            </a:br>
+            <a:r>
+              <a:rPr lang="pt-BR" sz="2800" dirty="0" err="1"/>
+              <a:t>Simulated</a:t>
+            </a:r>
+            <a:r>
+              <a:rPr lang="pt-BR" sz="2800" dirty="0"/>
+              <a:t> </a:t>
+            </a:r>
+            <a:r>
+              <a:rPr lang="pt-BR" sz="2800" dirty="0" err="1"/>
+              <a:t>annealing</a:t>
+            </a:r>
+            <a:endParaRPr lang="pt-BR" sz="2800" dirty="0"/>
+          </a:p>
+        </p:txBody>
+      </p:sp>
+      <p:sp>
+        <p:nvSpPr>
+          <p:cNvPr id="3" name="Espaço Reservado para Conteúdo 2">
+            <a:extLst>
+              <a:ext uri="{FF2B5EF4-FFF2-40B4-BE49-F238E27FC236}">
+                <a16:creationId xmlns:a16="http://schemas.microsoft.com/office/drawing/2014/main" id="{C801B1CE-795C-4CCE-8B79-591E3815B698}"/>
+              </a:ext>
+            </a:extLst>
+          </p:cNvPr>
+          <p:cNvSpPr>
+            <a:spLocks noGrp="1"/>
+          </p:cNvSpPr>
+          <p:nvPr>
+            <p:ph idx="1"/>
+          </p:nvPr>
+        </p:nvSpPr>
+        <p:spPr>
+          <a:xfrm>
+            <a:off x="885511" y="2320206"/>
+            <a:ext cx="8807130" cy="849714"/>
+          </a:xfrm>
+        </p:spPr>
+        <p:txBody>
+          <a:bodyPr>
+            <a:normAutofit/>
+          </a:bodyPr>
+          <a:lstStyle/>
+          <a:p>
+            <a:pPr marL="0" indent="0">
+              <a:buNone/>
+            </a:pPr>
+            <a:r>
+              <a:rPr lang="pt-BR" dirty="0"/>
+              <a:t>	</a:t>
+            </a:r>
+            <a:r>
+              <a:rPr lang="pt-BR" sz="3200" dirty="0"/>
               <a:t>Probabilidade</a:t>
             </a:r>
           </a:p>
         </p:txBody>
       </p:sp>
-      <mc:AlternateContent xmlns:mc="http://schemas.openxmlformats.org/markup-compatibility/2006">
-        <mc:Choice xmlns:a14="http://schemas.microsoft.com/office/drawing/2010/main" Requires="a14">
+      <mc:AlternateContent xmlns:mc="http://schemas.openxmlformats.org/markup-compatibility/2006" xmlns:a14="http://schemas.microsoft.com/office/drawing/2010/main">
+        <mc:Choice Requires="a14">
           <p:sp>
             <p:nvSpPr>
               <p:cNvPr id="6" name="CaixaDeTexto 5">
@@ -6890,7 +13592,7 @@
             </p:txBody>
           </p:sp>
         </mc:Choice>
-        <mc:Fallback>
+        <mc:Fallback xmlns="">
           <p:sp>
             <p:nvSpPr>
               <p:cNvPr id="6" name="CaixaDeTexto 5">
@@ -6935,8 +13637,8 @@
           </p:sp>
         </mc:Fallback>
       </mc:AlternateContent>
-      <mc:AlternateContent xmlns:mc="http://schemas.openxmlformats.org/markup-compatibility/2006">
-        <mc:Choice xmlns:a14="http://schemas.microsoft.com/office/drawing/2010/main" Requires="a14">
+      <mc:AlternateContent xmlns:mc="http://schemas.openxmlformats.org/markup-compatibility/2006" xmlns:a14="http://schemas.microsoft.com/office/drawing/2010/main">
+        <mc:Choice Requires="a14">
           <p:sp>
             <p:nvSpPr>
               <p:cNvPr id="4" name="CaixaDeTexto 3">
@@ -6965,6 +13667,7 @@
               </a:bodyPr>
               <a:lstStyle/>
               <a:p>
+                <a:pPr/>
                 <a14:m>
                   <m:oMathPara xmlns:m="http://schemas.openxmlformats.org/officeDocument/2006/math">
                     <m:oMathParaPr>
@@ -7044,7 +13747,7 @@
             </p:txBody>
           </p:sp>
         </mc:Choice>
-        <mc:Fallback>
+        <mc:Fallback xmlns="">
           <p:sp>
             <p:nvSpPr>
               <p:cNvPr id="4" name="CaixaDeTexto 3">
@@ -7129,7 +13832,10 @@
               <a:rPr lang="pt-BR" dirty="0" err="1"/>
               <a:t>analizado</a:t>
             </a:r>
-            <a:endParaRPr lang="pt-BR" dirty="0"/>
+            <a:r>
+              <a:rPr lang="pt-BR" dirty="0"/>
+              <a:t> no momento.</a:t>
+            </a:r>
           </a:p>
           <a:p>
             <a:endParaRPr lang="pt-BR" dirty="0"/>
@@ -7167,7 +13873,7 @@
 </p:sld>
 </file>
 
-<file path=ppt/slides/slide11.xml><?xml version="1.0" encoding="utf-8"?>
+<file path=ppt/slides/slide14.xml><?xml version="1.0" encoding="utf-8"?>
 <p:sld xmlns:a="http://schemas.openxmlformats.org/drawingml/2006/main" xmlns:r="http://schemas.openxmlformats.org/officeDocument/2006/relationships" xmlns:p="http://schemas.openxmlformats.org/presentationml/2006/main">
   <p:cSld>
     <p:spTree>
@@ -7349,7 +14055,7 @@
 </p:sld>
 </file>
 
-<file path=ppt/slides/slide12.xml><?xml version="1.0" encoding="utf-8"?>
+<file path=ppt/slides/slide15.xml><?xml version="1.0" encoding="utf-8"?>
 <p:sld xmlns:a="http://schemas.openxmlformats.org/drawingml/2006/main" xmlns:r="http://schemas.openxmlformats.org/officeDocument/2006/relationships" xmlns:p="http://schemas.openxmlformats.org/presentationml/2006/main">
   <p:cSld>
     <p:spTree>
@@ -7428,8 +14134,8 @@
           </a:p>
         </p:txBody>
       </p:sp>
-      <mc:AlternateContent xmlns:mc="http://schemas.openxmlformats.org/markup-compatibility/2006">
-        <mc:Choice xmlns:p14="http://schemas.microsoft.com/office/powerpoint/2010/main" Requires="p14">
+      <mc:AlternateContent xmlns:mc="http://schemas.openxmlformats.org/markup-compatibility/2006" xmlns:p14="http://schemas.microsoft.com/office/powerpoint/2010/main">
+        <mc:Choice Requires="p14">
           <p:contentPart p14:bwMode="auto" r:id="rId2">
             <p14:nvContentPartPr>
               <p14:cNvPr id="7" name="Tinta 6">
@@ -7448,7 +14154,7 @@
             </p14:xfrm>
           </p:contentPart>
         </mc:Choice>
-        <mc:Fallback>
+        <mc:Fallback xmlns="">
           <p:pic>
             <p:nvPicPr>
               <p:cNvPr id="7" name="Tinta 6">
@@ -7479,8 +14185,8 @@
           </p:pic>
         </mc:Fallback>
       </mc:AlternateContent>
-      <mc:AlternateContent xmlns:mc="http://schemas.openxmlformats.org/markup-compatibility/2006">
-        <mc:Choice xmlns:p14="http://schemas.microsoft.com/office/powerpoint/2010/main" Requires="p14">
+      <mc:AlternateContent xmlns:mc="http://schemas.openxmlformats.org/markup-compatibility/2006" xmlns:p14="http://schemas.microsoft.com/office/powerpoint/2010/main">
+        <mc:Choice Requires="p14">
           <p:contentPart p14:bwMode="auto" r:id="rId4">
             <p14:nvContentPartPr>
               <p14:cNvPr id="8" name="Tinta 7">
@@ -7499,7 +14205,7 @@
             </p14:xfrm>
           </p:contentPart>
         </mc:Choice>
-        <mc:Fallback>
+        <mc:Fallback xmlns="">
           <p:pic>
             <p:nvPicPr>
               <p:cNvPr id="8" name="Tinta 7">
@@ -8070,8 +14776,8 @@
           </a:p>
         </p:txBody>
       </p:sp>
-      <mc:AlternateContent xmlns:mc="http://schemas.openxmlformats.org/markup-compatibility/2006">
-        <mc:Choice xmlns:p14="http://schemas.microsoft.com/office/powerpoint/2010/main" Requires="p14">
+      <mc:AlternateContent xmlns:mc="http://schemas.openxmlformats.org/markup-compatibility/2006" xmlns:p14="http://schemas.microsoft.com/office/powerpoint/2010/main">
+        <mc:Choice Requires="p14">
           <p:contentPart p14:bwMode="auto" r:id="rId6">
             <p14:nvContentPartPr>
               <p14:cNvPr id="57" name="Tinta 56">
@@ -8090,7 +14796,7 @@
             </p14:xfrm>
           </p:contentPart>
         </mc:Choice>
-        <mc:Fallback>
+        <mc:Fallback xmlns="">
           <p:pic>
             <p:nvPicPr>
               <p:cNvPr id="57" name="Tinta 56">
@@ -8121,8 +14827,8 @@
           </p:pic>
         </mc:Fallback>
       </mc:AlternateContent>
-      <mc:AlternateContent xmlns:mc="http://schemas.openxmlformats.org/markup-compatibility/2006">
-        <mc:Choice xmlns:p14="http://schemas.microsoft.com/office/powerpoint/2010/main" Requires="p14">
+      <mc:AlternateContent xmlns:mc="http://schemas.openxmlformats.org/markup-compatibility/2006" xmlns:p14="http://schemas.microsoft.com/office/powerpoint/2010/main">
+        <mc:Choice Requires="p14">
           <p:contentPart p14:bwMode="auto" r:id="rId8">
             <p14:nvContentPartPr>
               <p14:cNvPr id="59" name="Tinta 58">
@@ -8141,7 +14847,7 @@
             </p14:xfrm>
           </p:contentPart>
         </mc:Choice>
-        <mc:Fallback>
+        <mc:Fallback xmlns="">
           <p:pic>
             <p:nvPicPr>
               <p:cNvPr id="59" name="Tinta 58">
@@ -10793,15 +17499,7 @@
           <a:p>
             <a:r>
               <a:rPr lang="pt-BR" dirty="0"/>
-              <a:t>2 – </a:t>
-            </a:r>
-            <a:r>
-              <a:rPr lang="pt-BR" dirty="0" err="1"/>
-              <a:t>Opt</a:t>
-            </a:r>
-            <a:r>
-              <a:rPr lang="pt-BR" dirty="0"/>
-              <a:t> 1: </a:t>
+              <a:t>Primeira</a:t>
             </a:r>
           </a:p>
         </p:txBody>
@@ -11666,15 +18364,7 @@
           <a:p>
             <a:r>
               <a:rPr lang="pt-BR" dirty="0"/>
-              <a:t>2 – </a:t>
-            </a:r>
-            <a:r>
-              <a:rPr lang="pt-BR" dirty="0" err="1"/>
-              <a:t>Opt</a:t>
-            </a:r>
-            <a:r>
-              <a:rPr lang="pt-BR" dirty="0"/>
-              <a:t> 1: </a:t>
+              <a:t>Primeira</a:t>
             </a:r>
           </a:p>
         </p:txBody>
@@ -12294,7 +18984,7 @@
         <p:spPr>
           <a:xfrm>
             <a:off x="1930400" y="5164962"/>
-            <a:ext cx="1249060" cy="369332"/>
+            <a:ext cx="1204176" cy="369332"/>
           </a:xfrm>
           <a:prstGeom prst="rect">
             <a:avLst/>
@@ -12309,15 +18999,7 @@
           <a:p>
             <a:r>
               <a:rPr lang="pt-BR" dirty="0"/>
-              <a:t>2 – </a:t>
-            </a:r>
-            <a:r>
-              <a:rPr lang="pt-BR" dirty="0" err="1"/>
-              <a:t>Opt</a:t>
-            </a:r>
-            <a:r>
-              <a:rPr lang="pt-BR" dirty="0"/>
-              <a:t> 2:</a:t>
+              <a:t>Segunda</a:t>
             </a:r>
           </a:p>
         </p:txBody>
@@ -13764,15 +20446,7 @@
           <a:p>
             <a:r>
               <a:rPr lang="pt-BR" dirty="0"/>
-              <a:t>2 – </a:t>
-            </a:r>
-            <a:r>
-              <a:rPr lang="pt-BR" dirty="0" err="1"/>
-              <a:t>Opt</a:t>
-            </a:r>
-            <a:r>
-              <a:rPr lang="pt-BR" dirty="0"/>
-              <a:t> : </a:t>
+              <a:t>Primeira</a:t>
             </a:r>
           </a:p>
         </p:txBody>
@@ -13792,7 +20466,7 @@
         <p:spPr>
           <a:xfrm>
             <a:off x="1930400" y="5164962"/>
-            <a:ext cx="1120820" cy="369332"/>
+            <a:ext cx="1204176" cy="369332"/>
           </a:xfrm>
           <a:prstGeom prst="rect">
             <a:avLst/>
@@ -13807,15 +20481,7 @@
           <a:p>
             <a:r>
               <a:rPr lang="pt-BR" dirty="0"/>
-              <a:t>3 – </a:t>
-            </a:r>
-            <a:r>
-              <a:rPr lang="pt-BR" dirty="0" err="1"/>
-              <a:t>Opt</a:t>
-            </a:r>
-            <a:r>
-              <a:rPr lang="pt-BR" dirty="0"/>
-              <a:t> :</a:t>
+              <a:t>Segunda</a:t>
             </a:r>
           </a:p>
         </p:txBody>
@@ -14491,7 +21157,7 @@
         <p:spPr>
           <a:xfrm>
             <a:off x="1930400" y="5927013"/>
-            <a:ext cx="1018227" cy="369332"/>
+            <a:ext cx="1074333" cy="369332"/>
           </a:xfrm>
           <a:prstGeom prst="rect">
             <a:avLst/>
@@ -14506,15 +21172,7 @@
           <a:p>
             <a:r>
               <a:rPr lang="pt-BR" dirty="0"/>
-              <a:t>4 - </a:t>
-            </a:r>
-            <a:r>
-              <a:rPr lang="pt-BR" dirty="0" err="1"/>
-              <a:t>Opt</a:t>
-            </a:r>
-            <a:r>
-              <a:rPr lang="pt-BR" dirty="0"/>
-              <a:t>:</a:t>
+              <a:t>Terceira</a:t>
             </a:r>
           </a:p>
         </p:txBody>
@@ -15812,7 +22470,7 @@
         <p:spPr>
           <a:xfrm>
             <a:off x="885511" y="2320206"/>
-            <a:ext cx="8807130" cy="849714"/>
+            <a:ext cx="7071128" cy="540000"/>
           </a:xfrm>
         </p:spPr>
         <p:txBody>
@@ -15835,10 +22493,650 @@
           </a:p>
         </p:txBody>
       </p:sp>
+      <p:sp>
+        <p:nvSpPr>
+          <p:cNvPr id="8" name="CaixaDeTexto 7">
+            <a:extLst>
+              <a:ext uri="{FF2B5EF4-FFF2-40B4-BE49-F238E27FC236}">
+                <a16:creationId xmlns:a16="http://schemas.microsoft.com/office/drawing/2014/main" id="{47369606-71A7-4D2A-9403-98734EC8CF4E}"/>
+              </a:ext>
+            </a:extLst>
+          </p:cNvPr>
+          <p:cNvSpPr txBox="1"/>
+          <p:nvPr/>
+        </p:nvSpPr>
+        <p:spPr>
+          <a:xfrm>
+            <a:off x="1612621" y="2861730"/>
+            <a:ext cx="2976880" cy="584775"/>
+          </a:xfrm>
+          <a:prstGeom prst="rect">
+            <a:avLst/>
+          </a:prstGeom>
+          <a:noFill/>
+        </p:spPr>
+        <p:txBody>
+          <a:bodyPr wrap="square" rtlCol="0">
+            <a:spAutoFit/>
+          </a:bodyPr>
+          <a:lstStyle/>
+          <a:p>
+            <a:r>
+              <a:rPr lang="pt-BR" sz="3200" b="1" dirty="0"/>
+              <a:t>Swap</a:t>
+            </a:r>
+          </a:p>
+        </p:txBody>
+      </p:sp>
+      <p:sp>
+        <p:nvSpPr>
+          <p:cNvPr id="13" name="Elipse 12">
+            <a:extLst>
+              <a:ext uri="{FF2B5EF4-FFF2-40B4-BE49-F238E27FC236}">
+                <a16:creationId xmlns:a16="http://schemas.microsoft.com/office/drawing/2014/main" id="{785487F0-5C84-4360-A2A1-2FF74F902BDE}"/>
+              </a:ext>
+            </a:extLst>
+          </p:cNvPr>
+          <p:cNvSpPr/>
+          <p:nvPr/>
+        </p:nvSpPr>
+        <p:spPr>
+          <a:xfrm>
+            <a:off x="4892069" y="3435701"/>
+            <a:ext cx="540000" cy="540000"/>
+          </a:xfrm>
+          <a:prstGeom prst="ellipse">
+            <a:avLst/>
+          </a:prstGeom>
+          <a:solidFill>
+            <a:srgbClr val="FF4E00">
+              <a:alpha val="75000"/>
+            </a:srgbClr>
+          </a:solidFill>
+          <a:ln w="18000">
+            <a:solidFill>
+              <a:srgbClr val="FF4E00"/>
+            </a:solidFill>
+          </a:ln>
+        </p:spPr>
+        <p:style>
+          <a:lnRef idx="2">
+            <a:schemeClr val="accent1">
+              <a:shade val="50000"/>
+            </a:schemeClr>
+          </a:lnRef>
+          <a:fillRef idx="1">
+            <a:schemeClr val="accent1"/>
+          </a:fillRef>
+          <a:effectRef idx="0">
+            <a:schemeClr val="accent1"/>
+          </a:effectRef>
+          <a:fontRef idx="minor">
+            <a:schemeClr val="lt1"/>
+          </a:fontRef>
+        </p:style>
+        <p:txBody>
+          <a:bodyPr rtlCol="0" anchor="ctr"/>
+          <a:lstStyle/>
+          <a:p>
+            <a:pPr algn="ctr"/>
+            <a:endParaRPr lang="pt-BR">
+              <a:solidFill>
+                <a:srgbClr val="FF4E00"/>
+              </a:solidFill>
+            </a:endParaRPr>
+          </a:p>
+        </p:txBody>
+      </p:sp>
+      <p:sp>
+        <p:nvSpPr>
+          <p:cNvPr id="15" name="Elipse 14">
+            <a:extLst>
+              <a:ext uri="{FF2B5EF4-FFF2-40B4-BE49-F238E27FC236}">
+                <a16:creationId xmlns:a16="http://schemas.microsoft.com/office/drawing/2014/main" id="{53D3B27A-BACF-4A1C-93D4-5FFFEE49BE29}"/>
+              </a:ext>
+            </a:extLst>
+          </p:cNvPr>
+          <p:cNvSpPr/>
+          <p:nvPr/>
+        </p:nvSpPr>
+        <p:spPr>
+          <a:xfrm>
+            <a:off x="5765829" y="3435701"/>
+            <a:ext cx="540000" cy="540000"/>
+          </a:xfrm>
+          <a:prstGeom prst="ellipse">
+            <a:avLst/>
+          </a:prstGeom>
+          <a:solidFill>
+            <a:srgbClr val="FF4E00">
+              <a:alpha val="75000"/>
+            </a:srgbClr>
+          </a:solidFill>
+          <a:ln w="18000">
+            <a:solidFill>
+              <a:srgbClr val="FF4E00"/>
+            </a:solidFill>
+          </a:ln>
+        </p:spPr>
+        <p:style>
+          <a:lnRef idx="2">
+            <a:schemeClr val="accent1">
+              <a:shade val="50000"/>
+            </a:schemeClr>
+          </a:lnRef>
+          <a:fillRef idx="1">
+            <a:schemeClr val="accent1"/>
+          </a:fillRef>
+          <a:effectRef idx="0">
+            <a:schemeClr val="accent1"/>
+          </a:effectRef>
+          <a:fontRef idx="minor">
+            <a:schemeClr val="lt1"/>
+          </a:fontRef>
+        </p:style>
+        <p:txBody>
+          <a:bodyPr rtlCol="0" anchor="ctr"/>
+          <a:lstStyle/>
+          <a:p>
+            <a:pPr algn="ctr"/>
+            <a:endParaRPr lang="pt-BR">
+              <a:solidFill>
+                <a:srgbClr val="FF4E00"/>
+              </a:solidFill>
+            </a:endParaRPr>
+          </a:p>
+        </p:txBody>
+      </p:sp>
+      <p:sp>
+        <p:nvSpPr>
+          <p:cNvPr id="17" name="Elipse 16">
+            <a:extLst>
+              <a:ext uri="{FF2B5EF4-FFF2-40B4-BE49-F238E27FC236}">
+                <a16:creationId xmlns:a16="http://schemas.microsoft.com/office/drawing/2014/main" id="{9F2E3B3A-E616-42E7-9538-A98D22F3F07A}"/>
+              </a:ext>
+            </a:extLst>
+          </p:cNvPr>
+          <p:cNvSpPr/>
+          <p:nvPr/>
+        </p:nvSpPr>
+        <p:spPr>
+          <a:xfrm>
+            <a:off x="6667029" y="3435701"/>
+            <a:ext cx="540000" cy="540000"/>
+          </a:xfrm>
+          <a:prstGeom prst="ellipse">
+            <a:avLst/>
+          </a:prstGeom>
+          <a:solidFill>
+            <a:srgbClr val="FF4E00">
+              <a:alpha val="75000"/>
+            </a:srgbClr>
+          </a:solidFill>
+          <a:ln w="18000">
+            <a:solidFill>
+              <a:srgbClr val="FF4E00"/>
+            </a:solidFill>
+          </a:ln>
+        </p:spPr>
+        <p:style>
+          <a:lnRef idx="2">
+            <a:schemeClr val="accent1">
+              <a:shade val="50000"/>
+            </a:schemeClr>
+          </a:lnRef>
+          <a:fillRef idx="1">
+            <a:schemeClr val="accent1"/>
+          </a:fillRef>
+          <a:effectRef idx="0">
+            <a:schemeClr val="accent1"/>
+          </a:effectRef>
+          <a:fontRef idx="minor">
+            <a:schemeClr val="lt1"/>
+          </a:fontRef>
+        </p:style>
+        <p:txBody>
+          <a:bodyPr rtlCol="0" anchor="ctr"/>
+          <a:lstStyle/>
+          <a:p>
+            <a:pPr algn="ctr"/>
+            <a:endParaRPr lang="pt-BR">
+              <a:solidFill>
+                <a:srgbClr val="FF4E00"/>
+              </a:solidFill>
+            </a:endParaRPr>
+          </a:p>
+        </p:txBody>
+      </p:sp>
+      <p:sp>
+        <p:nvSpPr>
+          <p:cNvPr id="18" name="Elipse 17">
+            <a:extLst>
+              <a:ext uri="{FF2B5EF4-FFF2-40B4-BE49-F238E27FC236}">
+                <a16:creationId xmlns:a16="http://schemas.microsoft.com/office/drawing/2014/main" id="{AF7D96C6-F82E-4619-AC46-97C610389364}"/>
+              </a:ext>
+            </a:extLst>
+          </p:cNvPr>
+          <p:cNvSpPr/>
+          <p:nvPr/>
+        </p:nvSpPr>
+        <p:spPr>
+          <a:xfrm>
+            <a:off x="7544869" y="3435701"/>
+            <a:ext cx="540000" cy="540000"/>
+          </a:xfrm>
+          <a:prstGeom prst="ellipse">
+            <a:avLst/>
+          </a:prstGeom>
+          <a:solidFill>
+            <a:srgbClr val="FF4E00">
+              <a:alpha val="75000"/>
+            </a:srgbClr>
+          </a:solidFill>
+          <a:ln w="18000">
+            <a:solidFill>
+              <a:srgbClr val="FF4E00"/>
+            </a:solidFill>
+          </a:ln>
+        </p:spPr>
+        <p:style>
+          <a:lnRef idx="2">
+            <a:schemeClr val="accent1">
+              <a:shade val="50000"/>
+            </a:schemeClr>
+          </a:lnRef>
+          <a:fillRef idx="1">
+            <a:schemeClr val="accent1"/>
+          </a:fillRef>
+          <a:effectRef idx="0">
+            <a:schemeClr val="accent1"/>
+          </a:effectRef>
+          <a:fontRef idx="minor">
+            <a:schemeClr val="lt1"/>
+          </a:fontRef>
+        </p:style>
+        <p:txBody>
+          <a:bodyPr rtlCol="0" anchor="ctr"/>
+          <a:lstStyle/>
+          <a:p>
+            <a:pPr algn="ctr"/>
+            <a:endParaRPr lang="pt-BR">
+              <a:solidFill>
+                <a:srgbClr val="FF4E00"/>
+              </a:solidFill>
+            </a:endParaRPr>
+          </a:p>
+        </p:txBody>
+      </p:sp>
+      <p:sp>
+        <p:nvSpPr>
+          <p:cNvPr id="19" name="Elipse 18">
+            <a:extLst>
+              <a:ext uri="{FF2B5EF4-FFF2-40B4-BE49-F238E27FC236}">
+                <a16:creationId xmlns:a16="http://schemas.microsoft.com/office/drawing/2014/main" id="{96C93668-5640-4344-B5AE-E2A185314D13}"/>
+              </a:ext>
+            </a:extLst>
+          </p:cNvPr>
+          <p:cNvSpPr/>
+          <p:nvPr/>
+        </p:nvSpPr>
+        <p:spPr>
+          <a:xfrm>
+            <a:off x="8422709" y="3435701"/>
+            <a:ext cx="540000" cy="540000"/>
+          </a:xfrm>
+          <a:prstGeom prst="ellipse">
+            <a:avLst/>
+          </a:prstGeom>
+          <a:solidFill>
+            <a:srgbClr val="FF4E00">
+              <a:alpha val="75000"/>
+            </a:srgbClr>
+          </a:solidFill>
+          <a:ln w="18000">
+            <a:solidFill>
+              <a:srgbClr val="FF4E00"/>
+            </a:solidFill>
+          </a:ln>
+        </p:spPr>
+        <p:style>
+          <a:lnRef idx="2">
+            <a:schemeClr val="accent1">
+              <a:shade val="50000"/>
+            </a:schemeClr>
+          </a:lnRef>
+          <a:fillRef idx="1">
+            <a:schemeClr val="accent1"/>
+          </a:fillRef>
+          <a:effectRef idx="0">
+            <a:schemeClr val="accent1"/>
+          </a:effectRef>
+          <a:fontRef idx="minor">
+            <a:schemeClr val="lt1"/>
+          </a:fontRef>
+        </p:style>
+        <p:txBody>
+          <a:bodyPr rtlCol="0" anchor="ctr"/>
+          <a:lstStyle/>
+          <a:p>
+            <a:pPr algn="ctr"/>
+            <a:endParaRPr lang="pt-BR">
+              <a:solidFill>
+                <a:srgbClr val="FF4E00"/>
+              </a:solidFill>
+            </a:endParaRPr>
+          </a:p>
+        </p:txBody>
+      </p:sp>
+      <p:sp>
+        <p:nvSpPr>
+          <p:cNvPr id="20" name="Elipse 19">
+            <a:extLst>
+              <a:ext uri="{FF2B5EF4-FFF2-40B4-BE49-F238E27FC236}">
+                <a16:creationId xmlns:a16="http://schemas.microsoft.com/office/drawing/2014/main" id="{99B8FA62-104A-4FE0-ACE6-3530CD5A1BEB}"/>
+              </a:ext>
+            </a:extLst>
+          </p:cNvPr>
+          <p:cNvSpPr/>
+          <p:nvPr/>
+        </p:nvSpPr>
+        <p:spPr>
+          <a:xfrm>
+            <a:off x="9300549" y="3435701"/>
+            <a:ext cx="540000" cy="540000"/>
+          </a:xfrm>
+          <a:prstGeom prst="ellipse">
+            <a:avLst/>
+          </a:prstGeom>
+          <a:solidFill>
+            <a:srgbClr val="FF4E00">
+              <a:alpha val="75000"/>
+            </a:srgbClr>
+          </a:solidFill>
+          <a:ln w="18000">
+            <a:solidFill>
+              <a:srgbClr val="FF4E00"/>
+            </a:solidFill>
+          </a:ln>
+        </p:spPr>
+        <p:style>
+          <a:lnRef idx="2">
+            <a:schemeClr val="accent1">
+              <a:shade val="50000"/>
+            </a:schemeClr>
+          </a:lnRef>
+          <a:fillRef idx="1">
+            <a:schemeClr val="accent1"/>
+          </a:fillRef>
+          <a:effectRef idx="0">
+            <a:schemeClr val="accent1"/>
+          </a:effectRef>
+          <a:fontRef idx="minor">
+            <a:schemeClr val="lt1"/>
+          </a:fontRef>
+        </p:style>
+        <p:txBody>
+          <a:bodyPr rtlCol="0" anchor="ctr"/>
+          <a:lstStyle/>
+          <a:p>
+            <a:pPr algn="ctr"/>
+            <a:endParaRPr lang="pt-BR">
+              <a:solidFill>
+                <a:srgbClr val="FF4E00"/>
+              </a:solidFill>
+            </a:endParaRPr>
+          </a:p>
+        </p:txBody>
+      </p:sp>
+      <p:sp>
+        <p:nvSpPr>
+          <p:cNvPr id="23" name="CaixaDeTexto 22">
+            <a:extLst>
+              <a:ext uri="{FF2B5EF4-FFF2-40B4-BE49-F238E27FC236}">
+                <a16:creationId xmlns:a16="http://schemas.microsoft.com/office/drawing/2014/main" id="{8509AA95-C6E4-43A8-A526-B009C9D24EC3}"/>
+              </a:ext>
+            </a:extLst>
+          </p:cNvPr>
+          <p:cNvSpPr txBox="1"/>
+          <p:nvPr/>
+        </p:nvSpPr>
+        <p:spPr>
+          <a:xfrm>
+            <a:off x="5007527" y="3521035"/>
+            <a:ext cx="309084" cy="369332"/>
+          </a:xfrm>
+          <a:prstGeom prst="rect">
+            <a:avLst/>
+          </a:prstGeom>
+          <a:noFill/>
+        </p:spPr>
+        <p:txBody>
+          <a:bodyPr wrap="square" rtlCol="0">
+            <a:spAutoFit/>
+          </a:bodyPr>
+          <a:lstStyle/>
+          <a:p>
+            <a:r>
+              <a:rPr lang="pt-BR" dirty="0"/>
+              <a:t>0</a:t>
+            </a:r>
+          </a:p>
+        </p:txBody>
+      </p:sp>
+      <p:sp>
+        <p:nvSpPr>
+          <p:cNvPr id="24" name="CaixaDeTexto 23">
+            <a:extLst>
+              <a:ext uri="{FF2B5EF4-FFF2-40B4-BE49-F238E27FC236}">
+                <a16:creationId xmlns:a16="http://schemas.microsoft.com/office/drawing/2014/main" id="{FE5ABF49-0B8E-4ACE-A80F-4C9C1AE0CC25}"/>
+              </a:ext>
+            </a:extLst>
+          </p:cNvPr>
+          <p:cNvSpPr txBox="1"/>
+          <p:nvPr/>
+        </p:nvSpPr>
+        <p:spPr>
+          <a:xfrm>
+            <a:off x="5881287" y="3521035"/>
+            <a:ext cx="309084" cy="369332"/>
+          </a:xfrm>
+          <a:prstGeom prst="rect">
+            <a:avLst/>
+          </a:prstGeom>
+          <a:noFill/>
+        </p:spPr>
+        <p:txBody>
+          <a:bodyPr wrap="square" rtlCol="0">
+            <a:spAutoFit/>
+          </a:bodyPr>
+          <a:lstStyle/>
+          <a:p>
+            <a:r>
+              <a:rPr lang="pt-BR" dirty="0"/>
+              <a:t>1</a:t>
+            </a:r>
+          </a:p>
+        </p:txBody>
+      </p:sp>
+      <p:sp>
+        <p:nvSpPr>
+          <p:cNvPr id="25" name="CaixaDeTexto 24">
+            <a:extLst>
+              <a:ext uri="{FF2B5EF4-FFF2-40B4-BE49-F238E27FC236}">
+                <a16:creationId xmlns:a16="http://schemas.microsoft.com/office/drawing/2014/main" id="{C6FCC04B-B5F7-41B2-9097-4A5C4CF2D810}"/>
+              </a:ext>
+            </a:extLst>
+          </p:cNvPr>
+          <p:cNvSpPr txBox="1"/>
+          <p:nvPr/>
+        </p:nvSpPr>
+        <p:spPr>
+          <a:xfrm>
+            <a:off x="6782487" y="3521035"/>
+            <a:ext cx="309084" cy="369332"/>
+          </a:xfrm>
+          <a:prstGeom prst="rect">
+            <a:avLst/>
+          </a:prstGeom>
+          <a:noFill/>
+        </p:spPr>
+        <p:txBody>
+          <a:bodyPr wrap="square" rtlCol="0">
+            <a:spAutoFit/>
+          </a:bodyPr>
+          <a:lstStyle/>
+          <a:p>
+            <a:r>
+              <a:rPr lang="pt-BR" dirty="0"/>
+              <a:t>2</a:t>
+            </a:r>
+          </a:p>
+        </p:txBody>
+      </p:sp>
+      <p:sp>
+        <p:nvSpPr>
+          <p:cNvPr id="26" name="CaixaDeTexto 25">
+            <a:extLst>
+              <a:ext uri="{FF2B5EF4-FFF2-40B4-BE49-F238E27FC236}">
+                <a16:creationId xmlns:a16="http://schemas.microsoft.com/office/drawing/2014/main" id="{6D9D7ACA-D931-48C8-AE74-C893D0CF40EC}"/>
+              </a:ext>
+            </a:extLst>
+          </p:cNvPr>
+          <p:cNvSpPr txBox="1"/>
+          <p:nvPr/>
+        </p:nvSpPr>
+        <p:spPr>
+          <a:xfrm>
+            <a:off x="7660327" y="3521035"/>
+            <a:ext cx="309084" cy="369332"/>
+          </a:xfrm>
+          <a:prstGeom prst="rect">
+            <a:avLst/>
+          </a:prstGeom>
+          <a:noFill/>
+        </p:spPr>
+        <p:txBody>
+          <a:bodyPr wrap="square" rtlCol="0">
+            <a:spAutoFit/>
+          </a:bodyPr>
+          <a:lstStyle/>
+          <a:p>
+            <a:r>
+              <a:rPr lang="pt-BR" dirty="0"/>
+              <a:t>3</a:t>
+            </a:r>
+          </a:p>
+        </p:txBody>
+      </p:sp>
+      <p:sp>
+        <p:nvSpPr>
+          <p:cNvPr id="27" name="CaixaDeTexto 26">
+            <a:extLst>
+              <a:ext uri="{FF2B5EF4-FFF2-40B4-BE49-F238E27FC236}">
+                <a16:creationId xmlns:a16="http://schemas.microsoft.com/office/drawing/2014/main" id="{D3BDDC9A-C5C1-4A8C-BA82-5F9C49C56152}"/>
+              </a:ext>
+            </a:extLst>
+          </p:cNvPr>
+          <p:cNvSpPr txBox="1"/>
+          <p:nvPr/>
+        </p:nvSpPr>
+        <p:spPr>
+          <a:xfrm>
+            <a:off x="8538167" y="3521035"/>
+            <a:ext cx="309084" cy="369332"/>
+          </a:xfrm>
+          <a:prstGeom prst="rect">
+            <a:avLst/>
+          </a:prstGeom>
+          <a:noFill/>
+        </p:spPr>
+        <p:txBody>
+          <a:bodyPr wrap="square" rtlCol="0">
+            <a:spAutoFit/>
+          </a:bodyPr>
+          <a:lstStyle/>
+          <a:p>
+            <a:r>
+              <a:rPr lang="pt-BR" dirty="0"/>
+              <a:t>4</a:t>
+            </a:r>
+          </a:p>
+        </p:txBody>
+      </p:sp>
+      <p:sp>
+        <p:nvSpPr>
+          <p:cNvPr id="28" name="CaixaDeTexto 27">
+            <a:extLst>
+              <a:ext uri="{FF2B5EF4-FFF2-40B4-BE49-F238E27FC236}">
+                <a16:creationId xmlns:a16="http://schemas.microsoft.com/office/drawing/2014/main" id="{9DD02DE4-DE23-4F40-857D-C4439FCD9DCF}"/>
+              </a:ext>
+            </a:extLst>
+          </p:cNvPr>
+          <p:cNvSpPr txBox="1"/>
+          <p:nvPr/>
+        </p:nvSpPr>
+        <p:spPr>
+          <a:xfrm>
+            <a:off x="9424568" y="3521035"/>
+            <a:ext cx="309084" cy="369332"/>
+          </a:xfrm>
+          <a:prstGeom prst="rect">
+            <a:avLst/>
+          </a:prstGeom>
+          <a:noFill/>
+        </p:spPr>
+        <p:txBody>
+          <a:bodyPr wrap="square" rtlCol="0">
+            <a:spAutoFit/>
+          </a:bodyPr>
+          <a:lstStyle/>
+          <a:p>
+            <a:r>
+              <a:rPr lang="pt-BR" dirty="0"/>
+              <a:t>0</a:t>
+            </a:r>
+          </a:p>
+        </p:txBody>
+      </p:sp>
+      <p:sp>
+        <p:nvSpPr>
+          <p:cNvPr id="29" name="CaixaDeTexto 28">
+            <a:extLst>
+              <a:ext uri="{FF2B5EF4-FFF2-40B4-BE49-F238E27FC236}">
+                <a16:creationId xmlns:a16="http://schemas.microsoft.com/office/drawing/2014/main" id="{A0596966-7710-43AF-A26D-4B87970DF133}"/>
+              </a:ext>
+            </a:extLst>
+          </p:cNvPr>
+          <p:cNvSpPr txBox="1"/>
+          <p:nvPr/>
+        </p:nvSpPr>
+        <p:spPr>
+          <a:xfrm>
+            <a:off x="1741651" y="3516550"/>
+            <a:ext cx="2506701" cy="461665"/>
+          </a:xfrm>
+          <a:prstGeom prst="rect">
+            <a:avLst/>
+          </a:prstGeom>
+          <a:noFill/>
+        </p:spPr>
+        <p:txBody>
+          <a:bodyPr wrap="square" rtlCol="0">
+            <a:spAutoFit/>
+          </a:bodyPr>
+          <a:lstStyle/>
+          <a:p>
+            <a:r>
+              <a:rPr lang="pt-BR" sz="2400" dirty="0"/>
+              <a:t>Solução Base: </a:t>
+            </a:r>
+          </a:p>
+        </p:txBody>
+      </p:sp>
     </p:spTree>
     <p:extLst>
       <p:ext uri="{BB962C8B-B14F-4D97-AF65-F5344CB8AC3E}">
-        <p14:creationId xmlns:p14="http://schemas.microsoft.com/office/powerpoint/2010/main" val="3800362669"/>
+        <p14:creationId xmlns:p14="http://schemas.microsoft.com/office/powerpoint/2010/main" val="1581794169"/>
       </p:ext>
     </p:extLst>
   </p:cSld>

--- a/Apresentacao.pptx
+++ b/Apresentacao.pptx
@@ -319,7 +319,7 @@
           <a:p>
             <a:fld id="{85D7FCD4-F142-4F8D-94BE-846D98D9D67F}" type="datetimeFigureOut">
               <a:rPr lang="pt-BR" smtClean="0"/>
-              <a:t>22/09/2018</a:t>
+              <a:t>23/09/2018</a:t>
             </a:fld>
             <a:endParaRPr lang="pt-BR"/>
           </a:p>
@@ -1428,7 +1428,7 @@
           <a:p>
             <a:fld id="{C02422EC-FC5B-47C6-86D2-292B160743EE}" type="datetimeFigureOut">
               <a:rPr lang="pt-BR" smtClean="0"/>
-              <a:t>22/09/2018</a:t>
+              <a:t>23/09/2018</a:t>
             </a:fld>
             <a:endParaRPr lang="pt-BR"/>
           </a:p>
@@ -1695,7 +1695,7 @@
           <a:p>
             <a:fld id="{C02422EC-FC5B-47C6-86D2-292B160743EE}" type="datetimeFigureOut">
               <a:rPr lang="pt-BR" smtClean="0"/>
-              <a:t>22/09/2018</a:t>
+              <a:t>23/09/2018</a:t>
             </a:fld>
             <a:endParaRPr lang="pt-BR"/>
           </a:p>
@@ -1926,7 +1926,7 @@
           <a:p>
             <a:fld id="{C02422EC-FC5B-47C6-86D2-292B160743EE}" type="datetimeFigureOut">
               <a:rPr lang="pt-BR" smtClean="0"/>
-              <a:t>22/09/2018</a:t>
+              <a:t>23/09/2018</a:t>
             </a:fld>
             <a:endParaRPr lang="pt-BR"/>
           </a:p>
@@ -2236,7 +2236,7 @@
           <a:p>
             <a:fld id="{C02422EC-FC5B-47C6-86D2-292B160743EE}" type="datetimeFigureOut">
               <a:rPr lang="pt-BR" smtClean="0"/>
-              <a:t>22/09/2018</a:t>
+              <a:t>23/09/2018</a:t>
             </a:fld>
             <a:endParaRPr lang="pt-BR"/>
           </a:p>
@@ -2709,7 +2709,7 @@
           <a:p>
             <a:fld id="{C02422EC-FC5B-47C6-86D2-292B160743EE}" type="datetimeFigureOut">
               <a:rPr lang="pt-BR" smtClean="0"/>
-              <a:t>22/09/2018</a:t>
+              <a:t>23/09/2018</a:t>
             </a:fld>
             <a:endParaRPr lang="pt-BR"/>
           </a:p>
@@ -3256,7 +3256,7 @@
           <a:p>
             <a:fld id="{C02422EC-FC5B-47C6-86D2-292B160743EE}" type="datetimeFigureOut">
               <a:rPr lang="pt-BR" smtClean="0"/>
-              <a:t>22/09/2018</a:t>
+              <a:t>23/09/2018</a:t>
             </a:fld>
             <a:endParaRPr lang="pt-BR"/>
           </a:p>
@@ -4030,7 +4030,7 @@
           <a:p>
             <a:fld id="{C02422EC-FC5B-47C6-86D2-292B160743EE}" type="datetimeFigureOut">
               <a:rPr lang="pt-BR" smtClean="0"/>
-              <a:t>22/09/2018</a:t>
+              <a:t>23/09/2018</a:t>
             </a:fld>
             <a:endParaRPr lang="pt-BR"/>
           </a:p>
@@ -4205,7 +4205,7 @@
           <a:p>
             <a:fld id="{C02422EC-FC5B-47C6-86D2-292B160743EE}" type="datetimeFigureOut">
               <a:rPr lang="pt-BR" smtClean="0"/>
-              <a:t>22/09/2018</a:t>
+              <a:t>23/09/2018</a:t>
             </a:fld>
             <a:endParaRPr lang="pt-BR"/>
           </a:p>
@@ -4428,7 +4428,7 @@
           <a:p>
             <a:fld id="{C02422EC-FC5B-47C6-86D2-292B160743EE}" type="datetimeFigureOut">
               <a:rPr lang="pt-BR" smtClean="0"/>
-              <a:t>22/09/2018</a:t>
+              <a:t>23/09/2018</a:t>
             </a:fld>
             <a:endParaRPr lang="pt-BR"/>
           </a:p>
@@ -4608,7 +4608,7 @@
           <a:p>
             <a:fld id="{C02422EC-FC5B-47C6-86D2-292B160743EE}" type="datetimeFigureOut">
               <a:rPr lang="pt-BR" smtClean="0"/>
-              <a:t>22/09/2018</a:t>
+              <a:t>23/09/2018</a:t>
             </a:fld>
             <a:endParaRPr lang="pt-BR"/>
           </a:p>
@@ -4897,7 +4897,7 @@
           <a:p>
             <a:fld id="{C02422EC-FC5B-47C6-86D2-292B160743EE}" type="datetimeFigureOut">
               <a:rPr lang="pt-BR" smtClean="0"/>
-              <a:t>22/09/2018</a:t>
+              <a:t>23/09/2018</a:t>
             </a:fld>
             <a:endParaRPr lang="pt-BR"/>
           </a:p>
@@ -5139,7 +5139,7 @@
           <a:p>
             <a:fld id="{C02422EC-FC5B-47C6-86D2-292B160743EE}" type="datetimeFigureOut">
               <a:rPr lang="pt-BR" smtClean="0"/>
-              <a:t>22/09/2018</a:t>
+              <a:t>23/09/2018</a:t>
             </a:fld>
             <a:endParaRPr lang="pt-BR"/>
           </a:p>
@@ -5518,7 +5518,7 @@
           <a:p>
             <a:fld id="{C02422EC-FC5B-47C6-86D2-292B160743EE}" type="datetimeFigureOut">
               <a:rPr lang="pt-BR" smtClean="0"/>
-              <a:t>22/09/2018</a:t>
+              <a:t>23/09/2018</a:t>
             </a:fld>
             <a:endParaRPr lang="pt-BR"/>
           </a:p>
@@ -5636,7 +5636,7 @@
           <a:p>
             <a:fld id="{C02422EC-FC5B-47C6-86D2-292B160743EE}" type="datetimeFigureOut">
               <a:rPr lang="pt-BR" smtClean="0"/>
-              <a:t>22/09/2018</a:t>
+              <a:t>23/09/2018</a:t>
             </a:fld>
             <a:endParaRPr lang="pt-BR"/>
           </a:p>
@@ -5731,7 +5731,7 @@
           <a:p>
             <a:fld id="{C02422EC-FC5B-47C6-86D2-292B160743EE}" type="datetimeFigureOut">
               <a:rPr lang="pt-BR" smtClean="0"/>
-              <a:t>22/09/2018</a:t>
+              <a:t>23/09/2018</a:t>
             </a:fld>
             <a:endParaRPr lang="pt-BR"/>
           </a:p>
@@ -5980,7 +5980,7 @@
           <a:p>
             <a:fld id="{C02422EC-FC5B-47C6-86D2-292B160743EE}" type="datetimeFigureOut">
               <a:rPr lang="pt-BR" smtClean="0"/>
-              <a:t>22/09/2018</a:t>
+              <a:t>23/09/2018</a:t>
             </a:fld>
             <a:endParaRPr lang="pt-BR"/>
           </a:p>
@@ -6237,7 +6237,7 @@
           <a:p>
             <a:fld id="{C02422EC-FC5B-47C6-86D2-292B160743EE}" type="datetimeFigureOut">
               <a:rPr lang="pt-BR" smtClean="0"/>
-              <a:t>22/09/2018</a:t>
+              <a:t>23/09/2018</a:t>
             </a:fld>
             <a:endParaRPr lang="pt-BR"/>
           </a:p>
@@ -6480,7 +6480,7 @@
           <a:p>
             <a:fld id="{C02422EC-FC5B-47C6-86D2-292B160743EE}" type="datetimeFigureOut">
               <a:rPr lang="pt-BR" smtClean="0"/>
-              <a:t>22/09/2018</a:t>
+              <a:t>23/09/2018</a:t>
             </a:fld>
             <a:endParaRPr lang="pt-BR"/>
           </a:p>
@@ -8410,10 +8410,10 @@
       </p:sp>
       <p:sp>
         <p:nvSpPr>
-          <p:cNvPr id="64" name="Retângulo 63">
-            <a:extLst>
-              <a:ext uri="{FF2B5EF4-FFF2-40B4-BE49-F238E27FC236}">
-                <a16:creationId xmlns:a16="http://schemas.microsoft.com/office/drawing/2014/main" id="{EE33E7EB-1802-4ECF-A2C5-0EE3CFC492FA}"/>
+          <p:cNvPr id="40" name="Retângulo 39">
+            <a:extLst>
+              <a:ext uri="{FF2B5EF4-FFF2-40B4-BE49-F238E27FC236}">
+                <a16:creationId xmlns:a16="http://schemas.microsoft.com/office/drawing/2014/main" id="{B2A32EE0-5B35-4008-9F1F-C5D8BE5BA437}"/>
               </a:ext>
             </a:extLst>
           </p:cNvPr>
@@ -8422,8 +8422,8 @@
         </p:nvSpPr>
         <p:spPr>
           <a:xfrm>
-            <a:off x="5713200" y="3261360"/>
-            <a:ext cx="1609287" cy="921840"/>
+            <a:off x="5638691" y="3352101"/>
+            <a:ext cx="794276" cy="792398"/>
           </a:xfrm>
           <a:prstGeom prst="rect">
             <a:avLst/>
@@ -8453,7 +8453,251 @@
         </p:style>
         <p:txBody>
           <a:bodyPr rtlCol="0" anchor="ctr"/>
-          <a:lstStyle/>
+          <a:lstStyle>
+            <a:defPPr>
+              <a:defRPr lang="en-US"/>
+            </a:defPPr>
+            <a:lvl1pPr marL="0" algn="l" defTabSz="457200" rtl="0" eaLnBrk="1" latinLnBrk="0" hangingPunct="1">
+              <a:defRPr sz="1800" kern="1200">
+                <a:solidFill>
+                  <a:schemeClr val="lt1"/>
+                </a:solidFill>
+                <a:latin typeface="+mn-lt"/>
+                <a:ea typeface="+mn-ea"/>
+                <a:cs typeface="+mn-cs"/>
+              </a:defRPr>
+            </a:lvl1pPr>
+            <a:lvl2pPr marL="457200" algn="l" defTabSz="457200" rtl="0" eaLnBrk="1" latinLnBrk="0" hangingPunct="1">
+              <a:defRPr sz="1800" kern="1200">
+                <a:solidFill>
+                  <a:schemeClr val="lt1"/>
+                </a:solidFill>
+                <a:latin typeface="+mn-lt"/>
+                <a:ea typeface="+mn-ea"/>
+                <a:cs typeface="+mn-cs"/>
+              </a:defRPr>
+            </a:lvl2pPr>
+            <a:lvl3pPr marL="914400" algn="l" defTabSz="457200" rtl="0" eaLnBrk="1" latinLnBrk="0" hangingPunct="1">
+              <a:defRPr sz="1800" kern="1200">
+                <a:solidFill>
+                  <a:schemeClr val="lt1"/>
+                </a:solidFill>
+                <a:latin typeface="+mn-lt"/>
+                <a:ea typeface="+mn-ea"/>
+                <a:cs typeface="+mn-cs"/>
+              </a:defRPr>
+            </a:lvl3pPr>
+            <a:lvl4pPr marL="1371600" algn="l" defTabSz="457200" rtl="0" eaLnBrk="1" latinLnBrk="0" hangingPunct="1">
+              <a:defRPr sz="1800" kern="1200">
+                <a:solidFill>
+                  <a:schemeClr val="lt1"/>
+                </a:solidFill>
+                <a:latin typeface="+mn-lt"/>
+                <a:ea typeface="+mn-ea"/>
+                <a:cs typeface="+mn-cs"/>
+              </a:defRPr>
+            </a:lvl4pPr>
+            <a:lvl5pPr marL="1828800" algn="l" defTabSz="457200" rtl="0" eaLnBrk="1" latinLnBrk="0" hangingPunct="1">
+              <a:defRPr sz="1800" kern="1200">
+                <a:solidFill>
+                  <a:schemeClr val="lt1"/>
+                </a:solidFill>
+                <a:latin typeface="+mn-lt"/>
+                <a:ea typeface="+mn-ea"/>
+                <a:cs typeface="+mn-cs"/>
+              </a:defRPr>
+            </a:lvl5pPr>
+            <a:lvl6pPr marL="2286000" algn="l" defTabSz="457200" rtl="0" eaLnBrk="1" latinLnBrk="0" hangingPunct="1">
+              <a:defRPr sz="1800" kern="1200">
+                <a:solidFill>
+                  <a:schemeClr val="lt1"/>
+                </a:solidFill>
+                <a:latin typeface="+mn-lt"/>
+                <a:ea typeface="+mn-ea"/>
+                <a:cs typeface="+mn-cs"/>
+              </a:defRPr>
+            </a:lvl6pPr>
+            <a:lvl7pPr marL="2743200" algn="l" defTabSz="457200" rtl="0" eaLnBrk="1" latinLnBrk="0" hangingPunct="1">
+              <a:defRPr sz="1800" kern="1200">
+                <a:solidFill>
+                  <a:schemeClr val="lt1"/>
+                </a:solidFill>
+                <a:latin typeface="+mn-lt"/>
+                <a:ea typeface="+mn-ea"/>
+                <a:cs typeface="+mn-cs"/>
+              </a:defRPr>
+            </a:lvl7pPr>
+            <a:lvl8pPr marL="3200400" algn="l" defTabSz="457200" rtl="0" eaLnBrk="1" latinLnBrk="0" hangingPunct="1">
+              <a:defRPr sz="1800" kern="1200">
+                <a:solidFill>
+                  <a:schemeClr val="lt1"/>
+                </a:solidFill>
+                <a:latin typeface="+mn-lt"/>
+                <a:ea typeface="+mn-ea"/>
+                <a:cs typeface="+mn-cs"/>
+              </a:defRPr>
+            </a:lvl8pPr>
+            <a:lvl9pPr marL="3657600" algn="l" defTabSz="457200" rtl="0" eaLnBrk="1" latinLnBrk="0" hangingPunct="1">
+              <a:defRPr sz="1800" kern="1200">
+                <a:solidFill>
+                  <a:schemeClr val="lt1"/>
+                </a:solidFill>
+                <a:latin typeface="+mn-lt"/>
+                <a:ea typeface="+mn-ea"/>
+                <a:cs typeface="+mn-cs"/>
+              </a:defRPr>
+            </a:lvl9pPr>
+          </a:lstStyle>
+          <a:p>
+            <a:pPr algn="ctr"/>
+            <a:endParaRPr lang="pt-BR">
+              <a:solidFill>
+                <a:srgbClr val="AB008B"/>
+              </a:solidFill>
+            </a:endParaRPr>
+          </a:p>
+        </p:txBody>
+      </p:sp>
+      <p:sp>
+        <p:nvSpPr>
+          <p:cNvPr id="41" name="Retângulo 40">
+            <a:extLst>
+              <a:ext uri="{FF2B5EF4-FFF2-40B4-BE49-F238E27FC236}">
+                <a16:creationId xmlns:a16="http://schemas.microsoft.com/office/drawing/2014/main" id="{B2A32EE0-5B35-4008-9F1F-C5D8BE5BA437}"/>
+              </a:ext>
+            </a:extLst>
+          </p:cNvPr>
+          <p:cNvSpPr/>
+          <p:nvPr/>
+        </p:nvSpPr>
+        <p:spPr>
+          <a:xfrm>
+            <a:off x="6539891" y="3330164"/>
+            <a:ext cx="794276" cy="792398"/>
+          </a:xfrm>
+          <a:prstGeom prst="rect">
+            <a:avLst/>
+          </a:prstGeom>
+          <a:noFill/>
+          <a:ln w="18000">
+            <a:solidFill>
+              <a:srgbClr val="AB008B"/>
+            </a:solidFill>
+          </a:ln>
+        </p:spPr>
+        <p:style>
+          <a:lnRef idx="2">
+            <a:schemeClr val="accent1">
+              <a:shade val="50000"/>
+            </a:schemeClr>
+          </a:lnRef>
+          <a:fillRef idx="1">
+            <a:schemeClr val="accent1"/>
+          </a:fillRef>
+          <a:effectRef idx="0">
+            <a:schemeClr val="accent1"/>
+          </a:effectRef>
+          <a:fontRef idx="minor">
+            <a:schemeClr val="lt1"/>
+          </a:fontRef>
+        </p:style>
+        <p:txBody>
+          <a:bodyPr rtlCol="0" anchor="ctr"/>
+          <a:lstStyle>
+            <a:defPPr>
+              <a:defRPr lang="en-US"/>
+            </a:defPPr>
+            <a:lvl1pPr marL="0" algn="l" defTabSz="457200" rtl="0" eaLnBrk="1" latinLnBrk="0" hangingPunct="1">
+              <a:defRPr sz="1800" kern="1200">
+                <a:solidFill>
+                  <a:schemeClr val="lt1"/>
+                </a:solidFill>
+                <a:latin typeface="+mn-lt"/>
+                <a:ea typeface="+mn-ea"/>
+                <a:cs typeface="+mn-cs"/>
+              </a:defRPr>
+            </a:lvl1pPr>
+            <a:lvl2pPr marL="457200" algn="l" defTabSz="457200" rtl="0" eaLnBrk="1" latinLnBrk="0" hangingPunct="1">
+              <a:defRPr sz="1800" kern="1200">
+                <a:solidFill>
+                  <a:schemeClr val="lt1"/>
+                </a:solidFill>
+                <a:latin typeface="+mn-lt"/>
+                <a:ea typeface="+mn-ea"/>
+                <a:cs typeface="+mn-cs"/>
+              </a:defRPr>
+            </a:lvl2pPr>
+            <a:lvl3pPr marL="914400" algn="l" defTabSz="457200" rtl="0" eaLnBrk="1" latinLnBrk="0" hangingPunct="1">
+              <a:defRPr sz="1800" kern="1200">
+                <a:solidFill>
+                  <a:schemeClr val="lt1"/>
+                </a:solidFill>
+                <a:latin typeface="+mn-lt"/>
+                <a:ea typeface="+mn-ea"/>
+                <a:cs typeface="+mn-cs"/>
+              </a:defRPr>
+            </a:lvl3pPr>
+            <a:lvl4pPr marL="1371600" algn="l" defTabSz="457200" rtl="0" eaLnBrk="1" latinLnBrk="0" hangingPunct="1">
+              <a:defRPr sz="1800" kern="1200">
+                <a:solidFill>
+                  <a:schemeClr val="lt1"/>
+                </a:solidFill>
+                <a:latin typeface="+mn-lt"/>
+                <a:ea typeface="+mn-ea"/>
+                <a:cs typeface="+mn-cs"/>
+              </a:defRPr>
+            </a:lvl4pPr>
+            <a:lvl5pPr marL="1828800" algn="l" defTabSz="457200" rtl="0" eaLnBrk="1" latinLnBrk="0" hangingPunct="1">
+              <a:defRPr sz="1800" kern="1200">
+                <a:solidFill>
+                  <a:schemeClr val="lt1"/>
+                </a:solidFill>
+                <a:latin typeface="+mn-lt"/>
+                <a:ea typeface="+mn-ea"/>
+                <a:cs typeface="+mn-cs"/>
+              </a:defRPr>
+            </a:lvl5pPr>
+            <a:lvl6pPr marL="2286000" algn="l" defTabSz="457200" rtl="0" eaLnBrk="1" latinLnBrk="0" hangingPunct="1">
+              <a:defRPr sz="1800" kern="1200">
+                <a:solidFill>
+                  <a:schemeClr val="lt1"/>
+                </a:solidFill>
+                <a:latin typeface="+mn-lt"/>
+                <a:ea typeface="+mn-ea"/>
+                <a:cs typeface="+mn-cs"/>
+              </a:defRPr>
+            </a:lvl6pPr>
+            <a:lvl7pPr marL="2743200" algn="l" defTabSz="457200" rtl="0" eaLnBrk="1" latinLnBrk="0" hangingPunct="1">
+              <a:defRPr sz="1800" kern="1200">
+                <a:solidFill>
+                  <a:schemeClr val="lt1"/>
+                </a:solidFill>
+                <a:latin typeface="+mn-lt"/>
+                <a:ea typeface="+mn-ea"/>
+                <a:cs typeface="+mn-cs"/>
+              </a:defRPr>
+            </a:lvl7pPr>
+            <a:lvl8pPr marL="3200400" algn="l" defTabSz="457200" rtl="0" eaLnBrk="1" latinLnBrk="0" hangingPunct="1">
+              <a:defRPr sz="1800" kern="1200">
+                <a:solidFill>
+                  <a:schemeClr val="lt1"/>
+                </a:solidFill>
+                <a:latin typeface="+mn-lt"/>
+                <a:ea typeface="+mn-ea"/>
+                <a:cs typeface="+mn-cs"/>
+              </a:defRPr>
+            </a:lvl8pPr>
+            <a:lvl9pPr marL="3657600" algn="l" defTabSz="457200" rtl="0" eaLnBrk="1" latinLnBrk="0" hangingPunct="1">
+              <a:defRPr sz="1800" kern="1200">
+                <a:solidFill>
+                  <a:schemeClr val="lt1"/>
+                </a:solidFill>
+                <a:latin typeface="+mn-lt"/>
+                <a:ea typeface="+mn-ea"/>
+                <a:cs typeface="+mn-cs"/>
+              </a:defRPr>
+            </a:lvl9pPr>
+          </a:lstStyle>
           <a:p>
             <a:pPr algn="ctr"/>
             <a:endParaRPr lang="pt-BR">
@@ -8628,7 +8872,7 @@
           <a:p>
             <a:r>
               <a:rPr lang="pt-BR" sz="3200" b="1" dirty="0"/>
-              <a:t>2-Opt</a:t>
+              <a:t>Swap</a:t>
             </a:r>
           </a:p>
         </p:txBody>
@@ -9268,15 +9512,7 @@
           <a:p>
             <a:r>
               <a:rPr lang="pt-BR" dirty="0"/>
-              <a:t>2 – </a:t>
-            </a:r>
-            <a:r>
-              <a:rPr lang="pt-BR" dirty="0" err="1"/>
-              <a:t>Opt</a:t>
-            </a:r>
-            <a:r>
-              <a:rPr lang="pt-BR" dirty="0"/>
-              <a:t> 1: </a:t>
+              <a:t>Primeira</a:t>
             </a:r>
           </a:p>
         </p:txBody>
@@ -9708,7 +9944,7 @@
           <a:p>
             <a:r>
               <a:rPr lang="pt-BR" dirty="0"/>
-              <a:t>1</a:t>
+              <a:t>3</a:t>
             </a:r>
           </a:p>
         </p:txBody>
@@ -9750,7 +9986,7 @@
           <a:p>
             <a:r>
               <a:rPr lang="pt-BR" dirty="0"/>
-              <a:t>3</a:t>
+              <a:t>2</a:t>
             </a:r>
           </a:p>
         </p:txBody>
@@ -9792,7 +10028,7 @@
           <a:p>
             <a:r>
               <a:rPr lang="pt-BR" dirty="0"/>
-              <a:t>2</a:t>
+              <a:t>1</a:t>
             </a:r>
           </a:p>
         </p:txBody>
@@ -9896,7 +10132,7 @@
         <p:spPr>
           <a:xfrm>
             <a:off x="1930400" y="5164962"/>
-            <a:ext cx="1120820" cy="369332"/>
+            <a:ext cx="1204176" cy="369332"/>
           </a:xfrm>
           <a:prstGeom prst="rect">
             <a:avLst/>
@@ -9911,72 +10147,8 @@
           <a:p>
             <a:r>
               <a:rPr lang="pt-BR" dirty="0"/>
-              <a:t>3 – </a:t>
-            </a:r>
-            <a:r>
-              <a:rPr lang="pt-BR" dirty="0" err="1"/>
-              <a:t>Opt</a:t>
-            </a:r>
-            <a:r>
-              <a:rPr lang="pt-BR" dirty="0"/>
-              <a:t> :</a:t>
-            </a:r>
-          </a:p>
-        </p:txBody>
-      </p:sp>
-      <p:sp>
-        <p:nvSpPr>
-          <p:cNvPr id="7" name="Retângulo 6">
-            <a:extLst>
-              <a:ext uri="{FF2B5EF4-FFF2-40B4-BE49-F238E27FC236}">
-                <a16:creationId xmlns:a16="http://schemas.microsoft.com/office/drawing/2014/main" id="{B2A32EE0-5B35-4008-9F1F-C5D8BE5BA437}"/>
-              </a:ext>
-            </a:extLst>
-          </p:cNvPr>
-          <p:cNvSpPr/>
-          <p:nvPr/>
-        </p:nvSpPr>
-        <p:spPr>
-          <a:xfrm>
-            <a:off x="5554440" y="3264840"/>
-            <a:ext cx="2700000" cy="900000"/>
-          </a:xfrm>
-          <a:prstGeom prst="rect">
-            <a:avLst/>
-          </a:prstGeom>
-          <a:noFill/>
-          <a:ln w="18000">
-            <a:solidFill>
-              <a:srgbClr val="AB008B"/>
-            </a:solidFill>
-          </a:ln>
-        </p:spPr>
-        <p:style>
-          <a:lnRef idx="2">
-            <a:schemeClr val="accent1">
-              <a:shade val="50000"/>
-            </a:schemeClr>
-          </a:lnRef>
-          <a:fillRef idx="1">
-            <a:schemeClr val="accent1"/>
-          </a:fillRef>
-          <a:effectRef idx="0">
-            <a:schemeClr val="accent1"/>
-          </a:effectRef>
-          <a:fontRef idx="minor">
-            <a:schemeClr val="lt1"/>
-          </a:fontRef>
-        </p:style>
-        <p:txBody>
-          <a:bodyPr rtlCol="0" anchor="ctr"/>
-          <a:lstStyle/>
-          <a:p>
-            <a:pPr algn="ctr"/>
-            <a:endParaRPr lang="pt-BR">
-              <a:solidFill>
-                <a:srgbClr val="AB008B"/>
-              </a:solidFill>
-            </a:endParaRPr>
+              <a:t>Segunda</a:t>
+            </a:r>
           </a:p>
         </p:txBody>
       </p:sp>
@@ -10559,6 +10731,118 @@
               <a:rPr lang="pt-BR" dirty="0"/>
               <a:t>0</a:t>
             </a:r>
+          </a:p>
+        </p:txBody>
+      </p:sp>
+      <p:sp>
+        <p:nvSpPr>
+          <p:cNvPr id="48" name="Retângulo 47">
+            <a:extLst>
+              <a:ext uri="{FF2B5EF4-FFF2-40B4-BE49-F238E27FC236}">
+                <a16:creationId xmlns:a16="http://schemas.microsoft.com/office/drawing/2014/main" id="{F3D34A1C-2F0D-4DAD-A5CC-661AEDAB4ECB}"/>
+              </a:ext>
+            </a:extLst>
+          </p:cNvPr>
+          <p:cNvSpPr/>
+          <p:nvPr/>
+        </p:nvSpPr>
+        <p:spPr>
+          <a:xfrm>
+            <a:off x="5628531" y="3331119"/>
+            <a:ext cx="794276" cy="792398"/>
+          </a:xfrm>
+          <a:prstGeom prst="rect">
+            <a:avLst/>
+          </a:prstGeom>
+          <a:noFill/>
+          <a:ln w="18000">
+            <a:solidFill>
+              <a:srgbClr val="AB008B"/>
+            </a:solidFill>
+          </a:ln>
+        </p:spPr>
+        <p:style>
+          <a:lnRef idx="2">
+            <a:schemeClr val="accent1">
+              <a:shade val="50000"/>
+            </a:schemeClr>
+          </a:lnRef>
+          <a:fillRef idx="1">
+            <a:schemeClr val="accent1"/>
+          </a:fillRef>
+          <a:effectRef idx="0">
+            <a:schemeClr val="accent1"/>
+          </a:effectRef>
+          <a:fontRef idx="minor">
+            <a:schemeClr val="lt1"/>
+          </a:fontRef>
+        </p:style>
+        <p:txBody>
+          <a:bodyPr rtlCol="0" anchor="ctr"/>
+          <a:lstStyle/>
+          <a:p>
+            <a:pPr algn="ctr"/>
+            <a:endParaRPr lang="pt-BR">
+              <a:solidFill>
+                <a:srgbClr val="AB008B"/>
+              </a:solidFill>
+            </a:endParaRPr>
+          </a:p>
+        </p:txBody>
+      </p:sp>
+      <p:sp>
+        <p:nvSpPr>
+          <p:cNvPr id="49" name="Retângulo 48">
+            <a:extLst>
+              <a:ext uri="{FF2B5EF4-FFF2-40B4-BE49-F238E27FC236}">
+                <a16:creationId xmlns:a16="http://schemas.microsoft.com/office/drawing/2014/main" id="{D960480E-1272-43CF-9AB9-DC65B0B6768B}"/>
+              </a:ext>
+            </a:extLst>
+          </p:cNvPr>
+          <p:cNvSpPr/>
+          <p:nvPr/>
+        </p:nvSpPr>
+        <p:spPr>
+          <a:xfrm>
+            <a:off x="7405848" y="3331119"/>
+            <a:ext cx="794276" cy="792398"/>
+          </a:xfrm>
+          <a:prstGeom prst="rect">
+            <a:avLst/>
+          </a:prstGeom>
+          <a:noFill/>
+          <a:ln w="18000">
+            <a:solidFill>
+              <a:srgbClr val="AB008B"/>
+            </a:solidFill>
+          </a:ln>
+        </p:spPr>
+        <p:style>
+          <a:lnRef idx="2">
+            <a:schemeClr val="accent1">
+              <a:shade val="50000"/>
+            </a:schemeClr>
+          </a:lnRef>
+          <a:fillRef idx="1">
+            <a:schemeClr val="accent1"/>
+          </a:fillRef>
+          <a:effectRef idx="0">
+            <a:schemeClr val="accent1"/>
+          </a:effectRef>
+          <a:fontRef idx="minor">
+            <a:schemeClr val="lt1"/>
+          </a:fontRef>
+        </p:style>
+        <p:txBody>
+          <a:bodyPr rtlCol="0" anchor="ctr"/>
+          <a:lstStyle/>
+          <a:p>
+            <a:pPr algn="ctr"/>
+            <a:endParaRPr lang="pt-BR">
+              <a:solidFill>
+                <a:srgbClr val="AB008B"/>
+              </a:solidFill>
+            </a:endParaRPr>
           </a:p>
         </p:txBody>
       </p:sp>
@@ -10726,7 +11010,7 @@
           <a:p>
             <a:r>
               <a:rPr lang="pt-BR" sz="3200" b="1" dirty="0"/>
-              <a:t>2-Opt</a:t>
+              <a:t>Swap</a:t>
             </a:r>
           </a:p>
         </p:txBody>
@@ -11366,15 +11650,7 @@
           <a:p>
             <a:r>
               <a:rPr lang="pt-BR" dirty="0"/>
-              <a:t>2 – </a:t>
-            </a:r>
-            <a:r>
-              <a:rPr lang="pt-BR" dirty="0" err="1"/>
-              <a:t>Opt</a:t>
-            </a:r>
-            <a:r>
-              <a:rPr lang="pt-BR" dirty="0"/>
-              <a:t> : </a:t>
+              <a:t>Primeira</a:t>
             </a:r>
           </a:p>
         </p:txBody>
@@ -11394,7 +11670,7 @@
         <p:spPr>
           <a:xfrm>
             <a:off x="1930400" y="5164962"/>
-            <a:ext cx="1120820" cy="369332"/>
+            <a:ext cx="1204176" cy="369332"/>
           </a:xfrm>
           <a:prstGeom prst="rect">
             <a:avLst/>
@@ -11409,72 +11685,8 @@
           <a:p>
             <a:r>
               <a:rPr lang="pt-BR" dirty="0"/>
-              <a:t>3 – </a:t>
-            </a:r>
-            <a:r>
-              <a:rPr lang="pt-BR" dirty="0" err="1"/>
-              <a:t>Opt</a:t>
-            </a:r>
-            <a:r>
-              <a:rPr lang="pt-BR" dirty="0"/>
-              <a:t> :</a:t>
-            </a:r>
-          </a:p>
-        </p:txBody>
-      </p:sp>
-      <p:sp>
-        <p:nvSpPr>
-          <p:cNvPr id="9" name="Retângulo 8">
-            <a:extLst>
-              <a:ext uri="{FF2B5EF4-FFF2-40B4-BE49-F238E27FC236}">
-                <a16:creationId xmlns:a16="http://schemas.microsoft.com/office/drawing/2014/main" id="{946637AD-5973-4E55-B06C-5C3E937FD68D}"/>
-              </a:ext>
-            </a:extLst>
-          </p:cNvPr>
-          <p:cNvSpPr/>
-          <p:nvPr/>
-        </p:nvSpPr>
-        <p:spPr>
-          <a:xfrm>
-            <a:off x="5642640" y="3245760"/>
-            <a:ext cx="3420000" cy="900000"/>
-          </a:xfrm>
-          <a:prstGeom prst="rect">
-            <a:avLst/>
-          </a:prstGeom>
-          <a:noFill/>
-          <a:ln w="18000">
-            <a:solidFill>
-              <a:srgbClr val="AB008B"/>
-            </a:solidFill>
-          </a:ln>
-        </p:spPr>
-        <p:style>
-          <a:lnRef idx="2">
-            <a:schemeClr val="accent1">
-              <a:shade val="50000"/>
-            </a:schemeClr>
-          </a:lnRef>
-          <a:fillRef idx="1">
-            <a:schemeClr val="accent1"/>
-          </a:fillRef>
-          <a:effectRef idx="0">
-            <a:schemeClr val="accent1"/>
-          </a:effectRef>
-          <a:fontRef idx="minor">
-            <a:schemeClr val="lt1"/>
-          </a:fontRef>
-        </p:style>
-        <p:txBody>
-          <a:bodyPr rtlCol="0" anchor="ctr"/>
-          <a:lstStyle/>
-          <a:p>
-            <a:pPr algn="ctr"/>
-            <a:endParaRPr lang="pt-BR">
-              <a:solidFill>
-                <a:srgbClr val="AB008B"/>
-              </a:solidFill>
-            </a:endParaRPr>
+              <a:t>Segunda</a:t>
+            </a:r>
           </a:p>
         </p:txBody>
       </p:sp>
@@ -11905,7 +12117,7 @@
           <a:p>
             <a:r>
               <a:rPr lang="pt-BR" dirty="0"/>
-              <a:t>1</a:t>
+              <a:t>4</a:t>
             </a:r>
           </a:p>
         </p:txBody>
@@ -11989,7 +12201,7 @@
           <a:p>
             <a:r>
               <a:rPr lang="pt-BR" dirty="0"/>
-              <a:t>4</a:t>
+              <a:t>3</a:t>
             </a:r>
           </a:p>
         </p:txBody>
@@ -12031,7 +12243,7 @@
           <a:p>
             <a:r>
               <a:rPr lang="pt-BR" dirty="0"/>
-              <a:t>3</a:t>
+              <a:t>1</a:t>
             </a:r>
           </a:p>
         </p:txBody>
@@ -12093,7 +12305,7 @@
         <p:spPr>
           <a:xfrm>
             <a:off x="1930400" y="5927013"/>
-            <a:ext cx="1018227" cy="369332"/>
+            <a:ext cx="1074333" cy="369332"/>
           </a:xfrm>
           <a:prstGeom prst="rect">
             <a:avLst/>
@@ -12108,15 +12320,7 @@
           <a:p>
             <a:r>
               <a:rPr lang="pt-BR" dirty="0"/>
-              <a:t>4 - </a:t>
-            </a:r>
-            <a:r>
-              <a:rPr lang="pt-BR" dirty="0" err="1"/>
-              <a:t>Opt</a:t>
-            </a:r>
-            <a:r>
-              <a:rPr lang="pt-BR" dirty="0"/>
-              <a:t>:</a:t>
+              <a:t>Terceira</a:t>
             </a:r>
           </a:p>
         </p:txBody>
@@ -13300,6 +13504,118 @@
               <a:rPr lang="pt-BR" dirty="0"/>
               <a:t>0</a:t>
             </a:r>
+          </a:p>
+        </p:txBody>
+      </p:sp>
+      <p:sp>
+        <p:nvSpPr>
+          <p:cNvPr id="58" name="Retângulo 57">
+            <a:extLst>
+              <a:ext uri="{FF2B5EF4-FFF2-40B4-BE49-F238E27FC236}">
+                <a16:creationId xmlns:a16="http://schemas.microsoft.com/office/drawing/2014/main" id="{1AEFF679-518A-4BC2-9AAB-6B5F92FE0EA3}"/>
+              </a:ext>
+            </a:extLst>
+          </p:cNvPr>
+          <p:cNvSpPr/>
+          <p:nvPr/>
+        </p:nvSpPr>
+        <p:spPr>
+          <a:xfrm>
+            <a:off x="8307251" y="3319679"/>
+            <a:ext cx="794276" cy="792398"/>
+          </a:xfrm>
+          <a:prstGeom prst="rect">
+            <a:avLst/>
+          </a:prstGeom>
+          <a:noFill/>
+          <a:ln w="18000">
+            <a:solidFill>
+              <a:srgbClr val="AB008B"/>
+            </a:solidFill>
+          </a:ln>
+        </p:spPr>
+        <p:style>
+          <a:lnRef idx="2">
+            <a:schemeClr val="accent1">
+              <a:shade val="50000"/>
+            </a:schemeClr>
+          </a:lnRef>
+          <a:fillRef idx="1">
+            <a:schemeClr val="accent1"/>
+          </a:fillRef>
+          <a:effectRef idx="0">
+            <a:schemeClr val="accent1"/>
+          </a:effectRef>
+          <a:fontRef idx="minor">
+            <a:schemeClr val="lt1"/>
+          </a:fontRef>
+        </p:style>
+        <p:txBody>
+          <a:bodyPr rtlCol="0" anchor="ctr"/>
+          <a:lstStyle/>
+          <a:p>
+            <a:pPr algn="ctr"/>
+            <a:endParaRPr lang="pt-BR">
+              <a:solidFill>
+                <a:srgbClr val="AB008B"/>
+              </a:solidFill>
+            </a:endParaRPr>
+          </a:p>
+        </p:txBody>
+      </p:sp>
+      <p:sp>
+        <p:nvSpPr>
+          <p:cNvPr id="59" name="Retângulo 58">
+            <a:extLst>
+              <a:ext uri="{FF2B5EF4-FFF2-40B4-BE49-F238E27FC236}">
+                <a16:creationId xmlns:a16="http://schemas.microsoft.com/office/drawing/2014/main" id="{62BA4FF8-95E4-4B01-8A7F-9E33884B7346}"/>
+              </a:ext>
+            </a:extLst>
+          </p:cNvPr>
+          <p:cNvSpPr/>
+          <p:nvPr/>
+        </p:nvSpPr>
+        <p:spPr>
+          <a:xfrm>
+            <a:off x="5650371" y="3319679"/>
+            <a:ext cx="794276" cy="792398"/>
+          </a:xfrm>
+          <a:prstGeom prst="rect">
+            <a:avLst/>
+          </a:prstGeom>
+          <a:noFill/>
+          <a:ln w="18000">
+            <a:solidFill>
+              <a:srgbClr val="AB008B"/>
+            </a:solidFill>
+          </a:ln>
+        </p:spPr>
+        <p:style>
+          <a:lnRef idx="2">
+            <a:schemeClr val="accent1">
+              <a:shade val="50000"/>
+            </a:schemeClr>
+          </a:lnRef>
+          <a:fillRef idx="1">
+            <a:schemeClr val="accent1"/>
+          </a:fillRef>
+          <a:effectRef idx="0">
+            <a:schemeClr val="accent1"/>
+          </a:effectRef>
+          <a:fontRef idx="minor">
+            <a:schemeClr val="lt1"/>
+          </a:fontRef>
+        </p:style>
+        <p:txBody>
+          <a:bodyPr rtlCol="0" anchor="ctr"/>
+          <a:lstStyle/>
+          <a:p>
+            <a:pPr algn="ctr"/>
+            <a:endParaRPr lang="pt-BR">
+              <a:solidFill>
+                <a:srgbClr val="AB008B"/>
+              </a:solidFill>
+            </a:endParaRPr>
           </a:p>
         </p:txBody>
       </p:sp>
@@ -17427,15 +17743,7 @@
           <a:p>
             <a:r>
               <a:rPr lang="pt-BR" dirty="0"/>
-              <a:t>2 – </a:t>
-            </a:r>
-            <a:r>
-              <a:rPr lang="pt-BR" dirty="0" err="1"/>
-              <a:t>Opt</a:t>
-            </a:r>
-            <a:r>
-              <a:rPr lang="pt-BR" dirty="0"/>
-              <a:t> : </a:t>
+              <a:t>Primeira</a:t>
             </a:r>
           </a:p>
         </p:txBody>
@@ -18300,15 +18608,7 @@
           <a:p>
             <a:r>
               <a:rPr lang="pt-BR" dirty="0"/>
-              <a:t>2 – </a:t>
-            </a:r>
-            <a:r>
-              <a:rPr lang="pt-BR" dirty="0" err="1"/>
-              <a:t>Opt</a:t>
-            </a:r>
-            <a:r>
-              <a:rPr lang="pt-BR" dirty="0"/>
-              <a:t> 1: </a:t>
+              <a:t>Primeira</a:t>
             </a:r>
           </a:p>
         </p:txBody>
@@ -18928,7 +19228,7 @@
         <p:spPr>
           <a:xfrm>
             <a:off x="1930400" y="5164962"/>
-            <a:ext cx="1120820" cy="369332"/>
+            <a:ext cx="1204176" cy="369332"/>
           </a:xfrm>
           <a:prstGeom prst="rect">
             <a:avLst/>
@@ -18943,15 +19243,7 @@
           <a:p>
             <a:r>
               <a:rPr lang="pt-BR" dirty="0"/>
-              <a:t>3 – </a:t>
-            </a:r>
-            <a:r>
-              <a:rPr lang="pt-BR" dirty="0" err="1"/>
-              <a:t>Opt</a:t>
-            </a:r>
-            <a:r>
-              <a:rPr lang="pt-BR" dirty="0"/>
-              <a:t> :</a:t>
+              <a:t>Segunda</a:t>
             </a:r>
           </a:p>
         </p:txBody>
@@ -20398,15 +20690,7 @@
           <a:p>
             <a:r>
               <a:rPr lang="pt-BR" dirty="0"/>
-              <a:t>2 – </a:t>
-            </a:r>
-            <a:r>
-              <a:rPr lang="pt-BR" dirty="0" err="1"/>
-              <a:t>Opt</a:t>
-            </a:r>
-            <a:r>
-              <a:rPr lang="pt-BR" dirty="0"/>
-              <a:t> : </a:t>
+              <a:t>Primeira</a:t>
             </a:r>
           </a:p>
         </p:txBody>
@@ -20426,7 +20710,7 @@
         <p:spPr>
           <a:xfrm>
             <a:off x="1930400" y="5164962"/>
-            <a:ext cx="1120820" cy="369332"/>
+            <a:ext cx="1204176" cy="369332"/>
           </a:xfrm>
           <a:prstGeom prst="rect">
             <a:avLst/>
@@ -20441,15 +20725,7 @@
           <a:p>
             <a:r>
               <a:rPr lang="pt-BR" dirty="0"/>
-              <a:t>3 – </a:t>
-            </a:r>
-            <a:r>
-              <a:rPr lang="pt-BR" dirty="0" err="1"/>
-              <a:t>Opt</a:t>
-            </a:r>
-            <a:r>
-              <a:rPr lang="pt-BR" dirty="0"/>
-              <a:t> :</a:t>
+              <a:t>Segunda</a:t>
             </a:r>
           </a:p>
         </p:txBody>
@@ -21125,7 +21401,7 @@
         <p:spPr>
           <a:xfrm>
             <a:off x="1930400" y="5927013"/>
-            <a:ext cx="1018227" cy="369332"/>
+            <a:ext cx="1074333" cy="369332"/>
           </a:xfrm>
           <a:prstGeom prst="rect">
             <a:avLst/>
@@ -21140,15 +21416,7 @@
           <a:p>
             <a:r>
               <a:rPr lang="pt-BR" dirty="0"/>
-              <a:t>4 - </a:t>
-            </a:r>
-            <a:r>
-              <a:rPr lang="pt-BR" dirty="0" err="1"/>
-              <a:t>Opt</a:t>
-            </a:r>
-            <a:r>
-              <a:rPr lang="pt-BR" dirty="0"/>
-              <a:t>:</a:t>
+              <a:t>Terceira</a:t>
             </a:r>
           </a:p>
         </p:txBody>

--- a/Apresentacao.pptx
+++ b/Apresentacao.pptx
@@ -15220,7 +15220,9 @@
           </a:xfrm>
         </p:spPr>
         <p:txBody>
-          <a:bodyPr/>
+          <a:bodyPr>
+            <a:normAutofit lnSpcReduction="10000"/>
+          </a:bodyPr>
           <a:lstStyle/>
           <a:p>
             <a:r>
@@ -15237,19 +15239,25 @@
           <a:p>
             <a:r>
               <a:rPr lang="pt-BR" dirty="0"/>
-              <a:t>A busca em profundidade é feita com todos os vizinhos</a:t>
+              <a:t>A profundidade é limitada e não até o fim do grafo</a:t>
             </a:r>
           </a:p>
           <a:p>
             <a:r>
               <a:rPr lang="pt-BR" dirty="0"/>
-              <a:t>A profundidade é limitada e não até o fim do grafo</a:t>
+              <a:t>Escolhemos o vizinho que pertence ao caminho de menor latência até a profundidade que atingimos.</a:t>
             </a:r>
           </a:p>
           <a:p>
             <a:r>
               <a:rPr lang="pt-BR" dirty="0"/>
-              <a:t>Escolhemos o vizinho que pertence ao caminho de menor latência</a:t>
+              <a:t>Andamos só até esse melhor vizinho</a:t>
+            </a:r>
+          </a:p>
+          <a:p>
+            <a:r>
+              <a:rPr lang="pt-BR" dirty="0"/>
+              <a:t>Repetimos o procedimento.</a:t>
             </a:r>
           </a:p>
         </p:txBody>
